--- a/AddingWebApiToASPNETSite/AddingWebApiToASPNETSite.pptx
+++ b/AddingWebApiToASPNETSite/AddingWebApiToASPNETSite.pptx
@@ -54,16 +54,16 @@
       <p:regular r:id="rId41"/>
     </p:embeddedFont>
     <p:embeddedFont>
-      <p:font typeface="Segoe UI" pitchFamily="34" charset="0"/>
+      <p:font typeface="Segoe Light" pitchFamily="34" charset="0"/>
       <p:regular r:id="rId42"/>
-      <p:bold r:id="rId43"/>
-      <p:italic r:id="rId44"/>
-      <p:boldItalic r:id="rId45"/>
+      <p:italic r:id="rId43"/>
     </p:embeddedFont>
     <p:embeddedFont>
-      <p:font typeface="Segoe Light" pitchFamily="34" charset="0"/>
-      <p:regular r:id="rId46"/>
-      <p:italic r:id="rId47"/>
+      <p:font typeface="Segoe UI" pitchFamily="34" charset="0"/>
+      <p:regular r:id="rId44"/>
+      <p:bold r:id="rId45"/>
+      <p:italic r:id="rId46"/>
+      <p:boldItalic r:id="rId47"/>
     </p:embeddedFont>
     <p:embeddedFont>
       <p:font typeface="Consolas" pitchFamily="49" charset="0"/>
@@ -267,7 +267,7 @@
               <a:rPr lang="en-US" smtClean="0">
                 <a:latin typeface="Segoe UI" pitchFamily="34" charset="0"/>
               </a:rPr>
-              <a:t>4/5/2012</a:t>
+              <a:t>4/6/2012</a:t>
             </a:fld>
             <a:endParaRPr lang="en-US" dirty="0">
               <a:latin typeface="Segoe UI" pitchFamily="34" charset="0"/>
@@ -449,7 +449,7 @@
             <a:fld id="{CAE3F082-F902-42D8-A765-720E172C3194}" type="datetimeFigureOut">
               <a:rPr lang="en-US" smtClean="0"/>
               <a:pPr/>
-              <a:t>4/5/2012</a:t>
+              <a:t>4/6/2012</a:t>
             </a:fld>
             <a:endParaRPr lang="en-US" dirty="0"/>
           </a:p>
@@ -3554,45 +3554,115 @@
           </a:p>
         </p:txBody>
       </p:sp>
-      <p:pic>
-        <p:nvPicPr>
-          <p:cNvPr id="13" name="Picture 12"/>
-          <p:cNvPicPr>
-            <a:picLocks noChangeAspect="1"/>
-          </p:cNvPicPr>
+      <p:grpSp>
+        <p:nvGrpSpPr>
+          <p:cNvPr id="5" name="Group 4"/>
+          <p:cNvGrpSpPr/>
           <p:nvPr userDrawn="1"/>
-        </p:nvPicPr>
-        <p:blipFill>
-          <a:blip r:embed="rId3">
-            <a:extLst>
-              <a:ext uri="{BEBA8EAE-BF5A-486C-A8C5-ECC9F3942E4B}">
-                <a14:imgProps xmlns:a14="http://schemas.microsoft.com/office/drawing/2010/main">
-                  <a14:imgLayer r:embed="rId4">
-                    <a14:imgEffect>
-                      <a14:brightnessContrast bright="100000"/>
-                    </a14:imgEffect>
-                  </a14:imgLayer>
-                </a14:imgProps>
-              </a:ext>
-              <a:ext uri="{28A0092B-C50C-407E-A947-70E740481C1C}">
-                <a14:useLocalDpi xmlns:a14="http://schemas.microsoft.com/office/drawing/2010/main" val="0"/>
-              </a:ext>
-            </a:extLst>
-          </a:blip>
-          <a:stretch>
-            <a:fillRect/>
-          </a:stretch>
-        </p:blipFill>
-        <p:spPr>
+        </p:nvGrpSpPr>
+        <p:grpSpPr>
           <a:xfrm>
-            <a:off x="519113" y="228600"/>
-            <a:ext cx="2497827" cy="290338"/>
+            <a:off x="519113" y="241940"/>
+            <a:ext cx="2411374" cy="387798"/>
+            <a:chOff x="517525" y="5956427"/>
+            <a:chExt cx="1489796" cy="775597"/>
           </a:xfrm>
-          <a:prstGeom prst="rect">
-            <a:avLst/>
-          </a:prstGeom>
-        </p:spPr>
-      </p:pic>
+        </p:grpSpPr>
+        <p:sp>
+          <p:nvSpPr>
+            <p:cNvPr id="6" name="TextBox 5"/>
+            <p:cNvSpPr txBox="1"/>
+            <p:nvPr userDrawn="1"/>
+          </p:nvSpPr>
+          <p:spPr>
+            <a:xfrm>
+              <a:off x="517525" y="5956427"/>
+              <a:ext cx="1489796" cy="775597"/>
+            </a:xfrm>
+            <a:prstGeom prst="rect">
+              <a:avLst/>
+            </a:prstGeom>
+            <a:noFill/>
+          </p:spPr>
+          <p:txBody>
+            <a:bodyPr wrap="square" lIns="0" tIns="0" rIns="0" bIns="0" rtlCol="0">
+              <a:spAutoFit/>
+            </a:bodyPr>
+            <a:lstStyle/>
+            <a:p>
+              <a:pPr marL="0" indent="0">
+                <a:lnSpc>
+                  <a:spcPct val="90000"/>
+                </a:lnSpc>
+                <a:spcBef>
+                  <a:spcPct val="20000"/>
+                </a:spcBef>
+                <a:buSzPct val="80000"/>
+                <a:buFont typeface="Arial" pitchFamily="34" charset="0"/>
+                <a:buNone/>
+              </a:pPr>
+              <a:r>
+                <a:rPr lang="en-US" sz="2800" dirty="0" smtClean="0">
+                  <a:solidFill>
+                    <a:schemeClr val="bg1">
+                      <a:alpha val="99000"/>
+                    </a:schemeClr>
+                  </a:solidFill>
+                </a:rPr>
+                <a:t>Microsoft /web</a:t>
+              </a:r>
+              <a:endParaRPr lang="en-US" sz="2800" baseline="0" dirty="0">
+                <a:solidFill>
+                  <a:schemeClr val="bg1">
+                    <a:alpha val="99000"/>
+                  </a:schemeClr>
+                </a:solidFill>
+              </a:endParaRPr>
+            </a:p>
+          </p:txBody>
+        </p:sp>
+        <p:sp>
+          <p:nvSpPr>
+            <p:cNvPr id="8" name="Rectangle 7"/>
+            <p:cNvSpPr/>
+            <p:nvPr userDrawn="1"/>
+          </p:nvSpPr>
+          <p:spPr>
+            <a:xfrm>
+              <a:off x="1438350" y="6127087"/>
+              <a:ext cx="35653" cy="76944"/>
+            </a:xfrm>
+            <a:prstGeom prst="rect">
+              <a:avLst/>
+            </a:prstGeom>
+          </p:spPr>
+          <p:txBody>
+            <a:bodyPr wrap="none" lIns="0" tIns="0" rIns="0" bIns="0">
+              <a:spAutoFit/>
+            </a:bodyPr>
+            <a:lstStyle/>
+            <a:p>
+              <a:r>
+                <a:rPr lang="en-US" sz="500" baseline="0" dirty="0" smtClean="0">
+                  <a:solidFill>
+                    <a:schemeClr val="bg1">
+                      <a:alpha val="99000"/>
+                    </a:schemeClr>
+                  </a:solidFill>
+                </a:rPr>
+                <a:t>®</a:t>
+              </a:r>
+              <a:endParaRPr lang="en-US" sz="500" baseline="0" dirty="0">
+                <a:solidFill>
+                  <a:schemeClr val="bg1">
+                    <a:alpha val="99000"/>
+                  </a:schemeClr>
+                </a:solidFill>
+              </a:endParaRPr>
+            </a:p>
+          </p:txBody>
+        </p:sp>
+      </p:grpSp>
     </p:spTree>
     <p:extLst>
       <p:ext uri="{BB962C8B-B14F-4D97-AF65-F5344CB8AC3E}">
@@ -7431,45 +7501,115 @@
           </a:p>
         </p:txBody>
       </p:sp>
-      <p:pic>
-        <p:nvPicPr>
-          <p:cNvPr id="8" name="Picture 7"/>
-          <p:cNvPicPr>
-            <a:picLocks noChangeAspect="1"/>
-          </p:cNvPicPr>
+      <p:grpSp>
+        <p:nvGrpSpPr>
+          <p:cNvPr id="4" name="Group 3"/>
+          <p:cNvGrpSpPr/>
           <p:nvPr userDrawn="1"/>
-        </p:nvPicPr>
-        <p:blipFill>
-          <a:blip r:embed="rId3">
-            <a:extLst>
-              <a:ext uri="{BEBA8EAE-BF5A-486C-A8C5-ECC9F3942E4B}">
-                <a14:imgProps xmlns:a14="http://schemas.microsoft.com/office/drawing/2010/main">
-                  <a14:imgLayer r:embed="rId4">
-                    <a14:imgEffect>
-                      <a14:brightnessContrast bright="100000"/>
-                    </a14:imgEffect>
-                  </a14:imgLayer>
-                </a14:imgProps>
-              </a:ext>
-              <a:ext uri="{28A0092B-C50C-407E-A947-70E740481C1C}">
-                <a14:useLocalDpi xmlns:a14="http://schemas.microsoft.com/office/drawing/2010/main" val="0"/>
-              </a:ext>
-            </a:extLst>
-          </a:blip>
-          <a:stretch>
-            <a:fillRect/>
-          </a:stretch>
-        </p:blipFill>
-        <p:spPr>
+        </p:nvGrpSpPr>
+        <p:grpSpPr>
           <a:xfrm>
-            <a:off x="9161564" y="6338047"/>
-            <a:ext cx="2506561" cy="291353"/>
+            <a:off x="9264689" y="6225727"/>
+            <a:ext cx="2411374" cy="387798"/>
+            <a:chOff x="517525" y="5956427"/>
+            <a:chExt cx="1489796" cy="775597"/>
           </a:xfrm>
-          <a:prstGeom prst="rect">
-            <a:avLst/>
-          </a:prstGeom>
-        </p:spPr>
-      </p:pic>
+        </p:grpSpPr>
+        <p:sp>
+          <p:nvSpPr>
+            <p:cNvPr id="5" name="TextBox 4"/>
+            <p:cNvSpPr txBox="1"/>
+            <p:nvPr userDrawn="1"/>
+          </p:nvSpPr>
+          <p:spPr>
+            <a:xfrm>
+              <a:off x="517525" y="5956427"/>
+              <a:ext cx="1489796" cy="775597"/>
+            </a:xfrm>
+            <a:prstGeom prst="rect">
+              <a:avLst/>
+            </a:prstGeom>
+            <a:noFill/>
+          </p:spPr>
+          <p:txBody>
+            <a:bodyPr wrap="square" lIns="0" tIns="0" rIns="0" bIns="0" rtlCol="0">
+              <a:spAutoFit/>
+            </a:bodyPr>
+            <a:lstStyle/>
+            <a:p>
+              <a:pPr marL="0" indent="0">
+                <a:lnSpc>
+                  <a:spcPct val="90000"/>
+                </a:lnSpc>
+                <a:spcBef>
+                  <a:spcPct val="20000"/>
+                </a:spcBef>
+                <a:buSzPct val="80000"/>
+                <a:buFont typeface="Arial" pitchFamily="34" charset="0"/>
+                <a:buNone/>
+              </a:pPr>
+              <a:r>
+                <a:rPr lang="en-US" sz="2800" dirty="0" smtClean="0">
+                  <a:solidFill>
+                    <a:schemeClr val="bg1">
+                      <a:alpha val="99000"/>
+                    </a:schemeClr>
+                  </a:solidFill>
+                </a:rPr>
+                <a:t>Microsoft /web</a:t>
+              </a:r>
+              <a:endParaRPr lang="en-US" sz="2800" baseline="0" dirty="0">
+                <a:solidFill>
+                  <a:schemeClr val="bg1">
+                    <a:alpha val="99000"/>
+                  </a:schemeClr>
+                </a:solidFill>
+              </a:endParaRPr>
+            </a:p>
+          </p:txBody>
+        </p:sp>
+        <p:sp>
+          <p:nvSpPr>
+            <p:cNvPr id="6" name="Rectangle 5"/>
+            <p:cNvSpPr/>
+            <p:nvPr userDrawn="1"/>
+          </p:nvSpPr>
+          <p:spPr>
+            <a:xfrm>
+              <a:off x="1438350" y="6127087"/>
+              <a:ext cx="35653" cy="76944"/>
+            </a:xfrm>
+            <a:prstGeom prst="rect">
+              <a:avLst/>
+            </a:prstGeom>
+          </p:spPr>
+          <p:txBody>
+            <a:bodyPr wrap="none" lIns="0" tIns="0" rIns="0" bIns="0">
+              <a:spAutoFit/>
+            </a:bodyPr>
+            <a:lstStyle/>
+            <a:p>
+              <a:r>
+                <a:rPr lang="en-US" sz="500" baseline="0" dirty="0" smtClean="0">
+                  <a:solidFill>
+                    <a:schemeClr val="bg1">
+                      <a:alpha val="99000"/>
+                    </a:schemeClr>
+                  </a:solidFill>
+                </a:rPr>
+                <a:t>®</a:t>
+              </a:r>
+              <a:endParaRPr lang="en-US" sz="500" baseline="0" dirty="0">
+                <a:solidFill>
+                  <a:schemeClr val="bg1">
+                    <a:alpha val="99000"/>
+                  </a:schemeClr>
+                </a:solidFill>
+              </a:endParaRPr>
+            </a:p>
+          </p:txBody>
+        </p:sp>
+      </p:grpSp>
     </p:spTree>
     <p:extLst>
       <p:ext uri="{BB962C8B-B14F-4D97-AF65-F5344CB8AC3E}">
@@ -7615,7 +7755,19 @@
                 <a:latin typeface="Segoe UI" pitchFamily="34" charset="0"/>
                 <a:cs typeface="Arial" charset="0"/>
               </a:rPr>
-              <a:t>2011 Microsoft </a:t>
+              <a:t>2012 </a:t>
+            </a:r>
+            <a:r>
+              <a:rPr lang="en-US" sz="700" dirty="0" smtClean="0">
+                <a:solidFill>
+                  <a:schemeClr val="bg1">
+                    <a:alpha val="99000"/>
+                  </a:schemeClr>
+                </a:solidFill>
+                <a:latin typeface="Segoe UI" pitchFamily="34" charset="0"/>
+                <a:cs typeface="Arial" charset="0"/>
+              </a:rPr>
+              <a:t>Microsoft </a:t>
             </a:r>
             <a:r>
               <a:rPr lang="en-US" sz="700" dirty="0">
@@ -7872,45 +8024,115 @@
           </a:ln>
         </p:spPr>
       </p:pic>
-      <p:pic>
-        <p:nvPicPr>
-          <p:cNvPr id="7" name="Picture 6"/>
-          <p:cNvPicPr>
-            <a:picLocks noChangeAspect="1"/>
-          </p:cNvPicPr>
+      <p:grpSp>
+        <p:nvGrpSpPr>
+          <p:cNvPr id="6" name="Group 5"/>
+          <p:cNvGrpSpPr/>
           <p:nvPr userDrawn="1"/>
-        </p:nvPicPr>
-        <p:blipFill>
-          <a:blip r:embed="rId5">
-            <a:extLst>
-              <a:ext uri="{BEBA8EAE-BF5A-486C-A8C5-ECC9F3942E4B}">
-                <a14:imgProps xmlns:a14="http://schemas.microsoft.com/office/drawing/2010/main">
-                  <a14:imgLayer r:embed="rId6">
-                    <a14:imgEffect>
-                      <a14:brightnessContrast bright="100000"/>
-                    </a14:imgEffect>
-                  </a14:imgLayer>
-                </a14:imgProps>
-              </a:ext>
-              <a:ext uri="{28A0092B-C50C-407E-A947-70E740481C1C}">
-                <a14:useLocalDpi xmlns:a14="http://schemas.microsoft.com/office/drawing/2010/main" val="0"/>
-              </a:ext>
-            </a:extLst>
-          </a:blip>
-          <a:stretch>
-            <a:fillRect/>
-          </a:stretch>
-        </p:blipFill>
-        <p:spPr>
+        </p:nvGrpSpPr>
+        <p:grpSpPr>
           <a:xfrm>
-            <a:off x="519113" y="228600"/>
-            <a:ext cx="2497827" cy="290338"/>
+            <a:off x="519113" y="241940"/>
+            <a:ext cx="2411374" cy="387798"/>
+            <a:chOff x="517525" y="5956427"/>
+            <a:chExt cx="1489796" cy="775597"/>
           </a:xfrm>
-          <a:prstGeom prst="rect">
-            <a:avLst/>
-          </a:prstGeom>
-        </p:spPr>
-      </p:pic>
+        </p:grpSpPr>
+        <p:sp>
+          <p:nvSpPr>
+            <p:cNvPr id="8" name="TextBox 7"/>
+            <p:cNvSpPr txBox="1"/>
+            <p:nvPr userDrawn="1"/>
+          </p:nvSpPr>
+          <p:spPr>
+            <a:xfrm>
+              <a:off x="517525" y="5956427"/>
+              <a:ext cx="1489796" cy="775597"/>
+            </a:xfrm>
+            <a:prstGeom prst="rect">
+              <a:avLst/>
+            </a:prstGeom>
+            <a:noFill/>
+          </p:spPr>
+          <p:txBody>
+            <a:bodyPr wrap="square" lIns="0" tIns="0" rIns="0" bIns="0" rtlCol="0">
+              <a:spAutoFit/>
+            </a:bodyPr>
+            <a:lstStyle/>
+            <a:p>
+              <a:pPr marL="0" indent="0">
+                <a:lnSpc>
+                  <a:spcPct val="90000"/>
+                </a:lnSpc>
+                <a:spcBef>
+                  <a:spcPct val="20000"/>
+                </a:spcBef>
+                <a:buSzPct val="80000"/>
+                <a:buFont typeface="Arial" pitchFamily="34" charset="0"/>
+                <a:buNone/>
+              </a:pPr>
+              <a:r>
+                <a:rPr lang="en-US" sz="2800" dirty="0" smtClean="0">
+                  <a:solidFill>
+                    <a:schemeClr val="bg1">
+                      <a:alpha val="99000"/>
+                    </a:schemeClr>
+                  </a:solidFill>
+                </a:rPr>
+                <a:t>Microsoft /web</a:t>
+              </a:r>
+              <a:endParaRPr lang="en-US" sz="2800" baseline="0" dirty="0">
+                <a:solidFill>
+                  <a:schemeClr val="bg1">
+                    <a:alpha val="99000"/>
+                  </a:schemeClr>
+                </a:solidFill>
+              </a:endParaRPr>
+            </a:p>
+          </p:txBody>
+        </p:sp>
+        <p:sp>
+          <p:nvSpPr>
+            <p:cNvPr id="9" name="Rectangle 8"/>
+            <p:cNvSpPr/>
+            <p:nvPr userDrawn="1"/>
+          </p:nvSpPr>
+          <p:spPr>
+            <a:xfrm>
+              <a:off x="1438350" y="6127087"/>
+              <a:ext cx="35653" cy="76944"/>
+            </a:xfrm>
+            <a:prstGeom prst="rect">
+              <a:avLst/>
+            </a:prstGeom>
+          </p:spPr>
+          <p:txBody>
+            <a:bodyPr wrap="none" lIns="0" tIns="0" rIns="0" bIns="0">
+              <a:spAutoFit/>
+            </a:bodyPr>
+            <a:lstStyle/>
+            <a:p>
+              <a:r>
+                <a:rPr lang="en-US" sz="500" baseline="0" dirty="0" smtClean="0">
+                  <a:solidFill>
+                    <a:schemeClr val="bg1">
+                      <a:alpha val="99000"/>
+                    </a:schemeClr>
+                  </a:solidFill>
+                </a:rPr>
+                <a:t>®</a:t>
+              </a:r>
+              <a:endParaRPr lang="en-US" sz="500" baseline="0" dirty="0">
+                <a:solidFill>
+                  <a:schemeClr val="bg1">
+                    <a:alpha val="99000"/>
+                  </a:schemeClr>
+                </a:solidFill>
+              </a:endParaRPr>
+            </a:p>
+          </p:txBody>
+        </p:sp>
+      </p:grpSp>
     </p:spTree>
     <p:extLst>
       <p:ext uri="{BB962C8B-B14F-4D97-AF65-F5344CB8AC3E}">
@@ -16731,7 +16953,7 @@
           <a:graphicData uri="http://schemas.openxmlformats.org/presentationml/2006/ole">
             <mc:AlternateContent xmlns:mc="http://schemas.openxmlformats.org/markup-compatibility/2006">
               <mc:Choice xmlns:v="urn:schemas-microsoft-com:vml" Requires="v">
-                <p:oleObj spid="_x0000_s33840" name="think-cell Slide" r:id="rId6" imgW="270" imgH="270" progId="TCLayout.ActiveDocument.1">
+                <p:oleObj spid="_x0000_s33841" name="think-cell Slide" r:id="rId6" imgW="270" imgH="270" progId="TCLayout.ActiveDocument.1">
                   <p:embed/>
                 </p:oleObj>
               </mc:Choice>
@@ -16908,7 +17130,7 @@
           <a:graphicData uri="http://schemas.openxmlformats.org/presentationml/2006/ole">
             <mc:AlternateContent xmlns:mc="http://schemas.openxmlformats.org/markup-compatibility/2006">
               <mc:Choice xmlns:v="urn:schemas-microsoft-com:vml" Requires="v">
-                <p:oleObj spid="_x0000_s34869" name="think-cell Slide" r:id="rId7" imgW="270" imgH="270" progId="TCLayout.ActiveDocument.1">
+                <p:oleObj spid="_x0000_s34870" name="think-cell Slide" r:id="rId7" imgW="270" imgH="270" progId="TCLayout.ActiveDocument.1">
                   <p:embed/>
                 </p:oleObj>
               </mc:Choice>
@@ -18369,7 +18591,7 @@
           <a:graphicData uri="http://schemas.openxmlformats.org/presentationml/2006/ole">
             <mc:AlternateContent xmlns:mc="http://schemas.openxmlformats.org/markup-compatibility/2006">
               <mc:Choice xmlns:v="urn:schemas-microsoft-com:vml" Requires="v">
-                <p:oleObj spid="_x0000_s35893" name="think-cell Slide" r:id="rId7" imgW="270" imgH="270" progId="TCLayout.ActiveDocument.1">
+                <p:oleObj spid="_x0000_s35894" name="think-cell Slide" r:id="rId7" imgW="270" imgH="270" progId="TCLayout.ActiveDocument.1">
                   <p:embed/>
                 </p:oleObj>
               </mc:Choice>
@@ -19876,7 +20098,7 @@
           <a:graphicData uri="http://schemas.openxmlformats.org/presentationml/2006/ole">
             <mc:AlternateContent xmlns:mc="http://schemas.openxmlformats.org/markup-compatibility/2006">
               <mc:Choice xmlns:v="urn:schemas-microsoft-com:vml" Requires="v">
-                <p:oleObj spid="_x0000_s36913" name="think-cell Slide" r:id="rId6" imgW="270" imgH="270" progId="TCLayout.ActiveDocument.1">
+                <p:oleObj spid="_x0000_s36914" name="think-cell Slide" r:id="rId6" imgW="270" imgH="270" progId="TCLayout.ActiveDocument.1">
                   <p:embed/>
                 </p:oleObj>
               </mc:Choice>
@@ -20060,7 +20282,7 @@
           <a:graphicData uri="http://schemas.openxmlformats.org/presentationml/2006/ole">
             <mc:AlternateContent xmlns:mc="http://schemas.openxmlformats.org/markup-compatibility/2006">
               <mc:Choice xmlns:v="urn:schemas-microsoft-com:vml" Requires="v">
-                <p:oleObj spid="_x0000_s37941" name="think-cell Slide" r:id="rId7" imgW="270" imgH="270" progId="TCLayout.ActiveDocument.1">
+                <p:oleObj spid="_x0000_s37942" name="think-cell Slide" r:id="rId7" imgW="270" imgH="270" progId="TCLayout.ActiveDocument.1">
                   <p:embed/>
                 </p:oleObj>
               </mc:Choice>
@@ -20677,7 +20899,7 @@
           <a:graphicData uri="http://schemas.openxmlformats.org/presentationml/2006/ole">
             <mc:AlternateContent xmlns:mc="http://schemas.openxmlformats.org/markup-compatibility/2006">
               <mc:Choice xmlns:v="urn:schemas-microsoft-com:vml" Requires="v">
-                <p:oleObj spid="_x0000_s38965" name="think-cell Slide" r:id="rId7" imgW="270" imgH="270" progId="TCLayout.ActiveDocument.1">
+                <p:oleObj spid="_x0000_s38966" name="think-cell Slide" r:id="rId7" imgW="270" imgH="270" progId="TCLayout.ActiveDocument.1">
                   <p:embed/>
                 </p:oleObj>
               </mc:Choice>
@@ -21747,7 +21969,7 @@
           <a:graphicData uri="http://schemas.openxmlformats.org/presentationml/2006/ole">
             <mc:AlternateContent xmlns:mc="http://schemas.openxmlformats.org/markup-compatibility/2006">
               <mc:Choice xmlns:v="urn:schemas-microsoft-com:vml" Requires="v">
-                <p:oleObj spid="_x0000_s39985" name="think-cell Slide" r:id="rId5" imgW="270" imgH="270" progId="TCLayout.ActiveDocument.1">
+                <p:oleObj spid="_x0000_s39986" name="think-cell Slide" r:id="rId5" imgW="270" imgH="270" progId="TCLayout.ActiveDocument.1">
                   <p:embed/>
                 </p:oleObj>
               </mc:Choice>
@@ -21933,7 +22155,7 @@
           <a:graphicData uri="http://schemas.openxmlformats.org/presentationml/2006/ole">
             <mc:AlternateContent xmlns:mc="http://schemas.openxmlformats.org/markup-compatibility/2006">
               <mc:Choice xmlns:v="urn:schemas-microsoft-com:vml" Requires="v">
-                <p:oleObj spid="_x0000_s41013" name="think-cell Slide" r:id="rId7" imgW="270" imgH="270" progId="TCLayout.ActiveDocument.1">
+                <p:oleObj spid="_x0000_s41014" name="think-cell Slide" r:id="rId7" imgW="270" imgH="270" progId="TCLayout.ActiveDocument.1">
                   <p:embed/>
                 </p:oleObj>
               </mc:Choice>
@@ -22632,7 +22854,7 @@
           <a:graphicData uri="http://schemas.openxmlformats.org/presentationml/2006/ole">
             <mc:AlternateContent xmlns:mc="http://schemas.openxmlformats.org/markup-compatibility/2006">
               <mc:Choice xmlns:v="urn:schemas-microsoft-com:vml" Requires="v">
-                <p:oleObj spid="_x0000_s42037" name="think-cell Slide" r:id="rId7" imgW="270" imgH="270" progId="TCLayout.ActiveDocument.1">
+                <p:oleObj spid="_x0000_s42038" name="think-cell Slide" r:id="rId7" imgW="270" imgH="270" progId="TCLayout.ActiveDocument.1">
                   <p:embed/>
                 </p:oleObj>
               </mc:Choice>
@@ -24829,7 +25051,7 @@
           <a:graphicData uri="http://schemas.openxmlformats.org/presentationml/2006/ole">
             <mc:AlternateContent xmlns:mc="http://schemas.openxmlformats.org/markup-compatibility/2006">
               <mc:Choice xmlns:v="urn:schemas-microsoft-com:vml" Requires="v">
-                <p:oleObj spid="_x0000_s43055" name="think-cell Slide" r:id="rId6" imgW="270" imgH="270" progId="TCLayout.ActiveDocument.1">
+                <p:oleObj spid="_x0000_s43056" name="think-cell Slide" r:id="rId6" imgW="270" imgH="270" progId="TCLayout.ActiveDocument.1">
                   <p:embed/>
                 </p:oleObj>
               </mc:Choice>
@@ -25013,7 +25235,7 @@
           <a:graphicData uri="http://schemas.openxmlformats.org/presentationml/2006/ole">
             <mc:AlternateContent xmlns:mc="http://schemas.openxmlformats.org/markup-compatibility/2006">
               <mc:Choice xmlns:v="urn:schemas-microsoft-com:vml" Requires="v">
-                <p:oleObj spid="_x0000_s59434" name="think-cell Slide" r:id="rId5" imgW="270" imgH="270" progId="TCLayout.ActiveDocument.1">
+                <p:oleObj spid="_x0000_s59435" name="think-cell Slide" r:id="rId5" imgW="270" imgH="270" progId="TCLayout.ActiveDocument.1">
                   <p:embed/>
                 </p:oleObj>
               </mc:Choice>
@@ -25070,15 +25292,18 @@
           <a:p>
             <a:r>
               <a:rPr lang="en-US" dirty="0" smtClean="0"/>
-              <a:t>Building </a:t>
+              <a:t>Building a Service Layer </a:t>
             </a:r>
             <a:r>
               <a:rPr lang="en-US" dirty="0" smtClean="0"/>
-              <a:t>a Service Layer with</a:t>
+              <a:t/>
             </a:r>
+            <a:br>
+              <a:rPr lang="en-US" dirty="0" smtClean="0"/>
+            </a:br>
             <a:r>
               <a:rPr lang="en-US" dirty="0" smtClean="0"/>
-              <a:t> </a:t>
+              <a:t>with </a:t>
             </a:r>
             <a:r>
               <a:rPr lang="en-US" dirty="0" smtClean="0"/>
@@ -25197,7 +25422,7 @@
           <a:graphicData uri="http://schemas.openxmlformats.org/presentationml/2006/ole">
             <mc:AlternateContent xmlns:mc="http://schemas.openxmlformats.org/markup-compatibility/2006">
               <mc:Choice xmlns:v="urn:schemas-microsoft-com:vml" Requires="v">
-                <p:oleObj spid="_x0000_s44082" name="think-cell Slide" r:id="rId7" imgW="270" imgH="270" progId="TCLayout.ActiveDocument.1">
+                <p:oleObj spid="_x0000_s44083" name="think-cell Slide" r:id="rId7" imgW="270" imgH="270" progId="TCLayout.ActiveDocument.1">
                   <p:embed/>
                 </p:oleObj>
               </mc:Choice>
@@ -28146,7 +28371,7 @@
           <a:graphicData uri="http://schemas.openxmlformats.org/presentationml/2006/ole">
             <mc:AlternateContent xmlns:mc="http://schemas.openxmlformats.org/markup-compatibility/2006">
               <mc:Choice xmlns:v="urn:schemas-microsoft-com:vml" Requires="v">
-                <p:oleObj spid="_x0000_s45105" name="think-cell Slide" r:id="rId5" imgW="270" imgH="270" progId="TCLayout.ActiveDocument.1">
+                <p:oleObj spid="_x0000_s45106" name="think-cell Slide" r:id="rId5" imgW="270" imgH="270" progId="TCLayout.ActiveDocument.1">
                   <p:embed/>
                 </p:oleObj>
               </mc:Choice>
@@ -28701,7 +28926,7 @@
           <a:graphicData uri="http://schemas.openxmlformats.org/presentationml/2006/ole">
             <mc:AlternateContent xmlns:mc="http://schemas.openxmlformats.org/markup-compatibility/2006">
               <mc:Choice xmlns:v="urn:schemas-microsoft-com:vml" Requires="v">
-                <p:oleObj spid="_x0000_s47156" name="think-cell Slide" r:id="rId7" imgW="270" imgH="270" progId="TCLayout.ActiveDocument.1">
+                <p:oleObj spid="_x0000_s47157" name="think-cell Slide" r:id="rId7" imgW="270" imgH="270" progId="TCLayout.ActiveDocument.1">
                   <p:embed/>
                 </p:oleObj>
               </mc:Choice>
@@ -29683,7 +29908,7 @@
           <a:graphicData uri="http://schemas.openxmlformats.org/presentationml/2006/ole">
             <mc:AlternateContent xmlns:mc="http://schemas.openxmlformats.org/markup-compatibility/2006">
               <mc:Choice xmlns:v="urn:schemas-microsoft-com:vml" Requires="v">
-                <p:oleObj spid="_x0000_s48177" name="think-cell Slide" r:id="rId5" imgW="270" imgH="270" progId="TCLayout.ActiveDocument.1">
+                <p:oleObj spid="_x0000_s48178" name="think-cell Slide" r:id="rId5" imgW="270" imgH="270" progId="TCLayout.ActiveDocument.1">
                   <p:embed/>
                 </p:oleObj>
               </mc:Choice>
@@ -29861,7 +30086,7 @@
           <a:graphicData uri="http://schemas.openxmlformats.org/presentationml/2006/ole">
             <mc:AlternateContent xmlns:mc="http://schemas.openxmlformats.org/markup-compatibility/2006">
               <mc:Choice xmlns:v="urn:schemas-microsoft-com:vml" Requires="v">
-                <p:oleObj spid="_x0000_s49201" name="think-cell Slide" r:id="rId7" imgW="270" imgH="270" progId="TCLayout.ActiveDocument.1">
+                <p:oleObj spid="_x0000_s49202" name="think-cell Slide" r:id="rId7" imgW="270" imgH="270" progId="TCLayout.ActiveDocument.1">
                   <p:embed/>
                 </p:oleObj>
               </mc:Choice>
@@ -31027,7 +31252,7 @@
           <a:graphicData uri="http://schemas.openxmlformats.org/presentationml/2006/ole">
             <mc:AlternateContent xmlns:mc="http://schemas.openxmlformats.org/markup-compatibility/2006">
               <mc:Choice xmlns:v="urn:schemas-microsoft-com:vml" Requires="v">
-                <p:oleObj spid="_x0000_s50225" name="think-cell Slide" r:id="rId5" imgW="270" imgH="270" progId="TCLayout.ActiveDocument.1">
+                <p:oleObj spid="_x0000_s50226" name="think-cell Slide" r:id="rId5" imgW="270" imgH="270" progId="TCLayout.ActiveDocument.1">
                   <p:embed/>
                 </p:oleObj>
               </mc:Choice>
@@ -31797,7 +32022,7 @@
           <a:graphicData uri="http://schemas.openxmlformats.org/presentationml/2006/ole">
             <mc:AlternateContent xmlns:mc="http://schemas.openxmlformats.org/markup-compatibility/2006">
               <mc:Choice xmlns:v="urn:schemas-microsoft-com:vml" Requires="v">
-                <p:oleObj spid="_x0000_s51250" name="think-cell Slide" r:id="rId7" imgW="270" imgH="270" progId="TCLayout.ActiveDocument.1">
+                <p:oleObj spid="_x0000_s51251" name="think-cell Slide" r:id="rId7" imgW="270" imgH="270" progId="TCLayout.ActiveDocument.1">
                   <p:embed/>
                 </p:oleObj>
               </mc:Choice>
@@ -32272,7 +32497,7 @@
           <a:graphicData uri="http://schemas.openxmlformats.org/presentationml/2006/ole">
             <mc:AlternateContent xmlns:mc="http://schemas.openxmlformats.org/markup-compatibility/2006">
               <mc:Choice xmlns:v="urn:schemas-microsoft-com:vml" Requires="v">
-                <p:oleObj spid="_x0000_s52274" name="think-cell Slide" r:id="rId5" imgW="270" imgH="270" progId="TCLayout.ActiveDocument.1">
+                <p:oleObj spid="_x0000_s52275" name="think-cell Slide" r:id="rId5" imgW="270" imgH="270" progId="TCLayout.ActiveDocument.1">
                   <p:embed/>
                 </p:oleObj>
               </mc:Choice>
@@ -32742,7 +32967,7 @@
           <a:graphicData uri="http://schemas.openxmlformats.org/presentationml/2006/ole">
             <mc:AlternateContent xmlns:mc="http://schemas.openxmlformats.org/markup-compatibility/2006">
               <mc:Choice xmlns:v="urn:schemas-microsoft-com:vml" Requires="v">
-                <p:oleObj spid="_x0000_s60434" name="think-cell Slide" r:id="rId6" imgW="270" imgH="270" progId="TCLayout.ActiveDocument.1">
+                <p:oleObj spid="_x0000_s60435" name="think-cell Slide" r:id="rId6" imgW="270" imgH="270" progId="TCLayout.ActiveDocument.1">
                   <p:embed/>
                 </p:oleObj>
               </mc:Choice>
@@ -32943,7 +33168,7 @@
           <a:graphicData uri="http://schemas.openxmlformats.org/presentationml/2006/ole">
             <mc:AlternateContent xmlns:mc="http://schemas.openxmlformats.org/markup-compatibility/2006">
               <mc:Choice xmlns:v="urn:schemas-microsoft-com:vml" Requires="v">
-                <p:oleObj spid="_x0000_s53297" name="think-cell Slide" r:id="rId8" imgW="270" imgH="270" progId="TCLayout.ActiveDocument.1">
+                <p:oleObj spid="_x0000_s53298" name="think-cell Slide" r:id="rId8" imgW="270" imgH="270" progId="TCLayout.ActiveDocument.1">
                   <p:embed/>
                 </p:oleObj>
               </mc:Choice>
@@ -33462,7 +33687,7 @@
           <a:graphicData uri="http://schemas.openxmlformats.org/presentationml/2006/ole">
             <mc:AlternateContent xmlns:mc="http://schemas.openxmlformats.org/markup-compatibility/2006">
               <mc:Choice xmlns:v="urn:schemas-microsoft-com:vml" Requires="v">
-                <p:oleObj spid="_x0000_s23599" name="think-cell Slide" r:id="rId7" imgW="270" imgH="270" progId="TCLayout.ActiveDocument.1">
+                <p:oleObj spid="_x0000_s23600" name="think-cell Slide" r:id="rId7" imgW="270" imgH="270" progId="TCLayout.ActiveDocument.1">
                   <p:embed/>
                 </p:oleObj>
               </mc:Choice>
@@ -33647,7 +33872,7 @@
           <a:graphicData uri="http://schemas.openxmlformats.org/presentationml/2006/ole">
             <mc:AlternateContent xmlns:mc="http://schemas.openxmlformats.org/markup-compatibility/2006">
               <mc:Choice xmlns:v="urn:schemas-microsoft-com:vml" Requires="v">
-                <p:oleObj spid="_x0000_s55346" name="think-cell Slide" r:id="rId6" imgW="270" imgH="270" progId="TCLayout.ActiveDocument.1">
+                <p:oleObj spid="_x0000_s55347" name="think-cell Slide" r:id="rId6" imgW="270" imgH="270" progId="TCLayout.ActiveDocument.1">
                   <p:embed/>
                 </p:oleObj>
               </mc:Choice>
@@ -34724,7 +34949,7 @@
           <a:graphicData uri="http://schemas.openxmlformats.org/presentationml/2006/ole">
             <mc:AlternateContent xmlns:mc="http://schemas.openxmlformats.org/markup-compatibility/2006">
               <mc:Choice xmlns:v="urn:schemas-microsoft-com:vml" Requires="v">
-                <p:oleObj spid="_x0000_s2099" name="think-cell Slide" r:id="rId10" imgW="270" imgH="270" progId="TCLayout.ActiveDocument.1">
+                <p:oleObj spid="_x0000_s2100" name="think-cell Slide" r:id="rId10" imgW="270" imgH="270" progId="TCLayout.ActiveDocument.1">
                   <p:embed/>
                 </p:oleObj>
               </mc:Choice>
@@ -35625,7 +35850,7 @@
           <a:graphicData uri="http://schemas.openxmlformats.org/presentationml/2006/ole">
             <mc:AlternateContent xmlns:mc="http://schemas.openxmlformats.org/markup-compatibility/2006">
               <mc:Choice xmlns:v="urn:schemas-microsoft-com:vml" Requires="v">
-                <p:oleObj spid="_x0000_s57393" name="think-cell Slide" r:id="rId6" imgW="270" imgH="270" progId="TCLayout.ActiveDocument.1">
+                <p:oleObj spid="_x0000_s57394" name="think-cell Slide" r:id="rId6" imgW="270" imgH="270" progId="TCLayout.ActiveDocument.1">
                   <p:embed/>
                 </p:oleObj>
               </mc:Choice>
@@ -36107,7 +36332,7 @@
           <a:graphicData uri="http://schemas.openxmlformats.org/presentationml/2006/ole">
             <mc:AlternateContent xmlns:mc="http://schemas.openxmlformats.org/markup-compatibility/2006">
               <mc:Choice xmlns:v="urn:schemas-microsoft-com:vml" Requires="v">
-                <p:oleObj spid="_x0000_s58414" name="think-cell Slide" r:id="rId5" imgW="270" imgH="270" progId="TCLayout.ActiveDocument.1">
+                <p:oleObj spid="_x0000_s58415" name="think-cell Slide" r:id="rId5" imgW="270" imgH="270" progId="TCLayout.ActiveDocument.1">
                   <p:embed/>
                 </p:oleObj>
               </mc:Choice>
@@ -36286,7 +36511,7 @@
           <a:graphicData uri="http://schemas.openxmlformats.org/presentationml/2006/ole">
             <mc:AlternateContent xmlns:mc="http://schemas.openxmlformats.org/markup-compatibility/2006">
               <mc:Choice xmlns:v="urn:schemas-microsoft-com:vml" Requires="v">
-                <p:oleObj spid="_x0000_s25649" name="think-cell Slide" r:id="rId5" imgW="270" imgH="270" progId="TCLayout.ActiveDocument.1">
+                <p:oleObj spid="_x0000_s25650" name="think-cell Slide" r:id="rId5" imgW="270" imgH="270" progId="TCLayout.ActiveDocument.1">
                   <p:embed/>
                 </p:oleObj>
               </mc:Choice>
@@ -38212,7 +38437,7 @@
           <a:graphicData uri="http://schemas.openxmlformats.org/presentationml/2006/ole">
             <mc:AlternateContent xmlns:mc="http://schemas.openxmlformats.org/markup-compatibility/2006">
               <mc:Choice xmlns:v="urn:schemas-microsoft-com:vml" Requires="v">
-                <p:oleObj spid="_x0000_s29750" name="think-cell Slide" r:id="rId7" imgW="270" imgH="270" progId="TCLayout.ActiveDocument.1">
+                <p:oleObj spid="_x0000_s29751" name="think-cell Slide" r:id="rId7" imgW="270" imgH="270" progId="TCLayout.ActiveDocument.1">
                   <p:embed/>
                 </p:oleObj>
               </mc:Choice>
@@ -40318,7 +40543,7 @@
           <a:graphicData uri="http://schemas.openxmlformats.org/presentationml/2006/ole">
             <mc:AlternateContent xmlns:mc="http://schemas.openxmlformats.org/markup-compatibility/2006">
               <mc:Choice xmlns:v="urn:schemas-microsoft-com:vml" Requires="v">
-                <p:oleObj spid="_x0000_s30769" name="think-cell Slide" r:id="rId6" imgW="270" imgH="270" progId="TCLayout.ActiveDocument.1">
+                <p:oleObj spid="_x0000_s30770" name="think-cell Slide" r:id="rId6" imgW="270" imgH="270" progId="TCLayout.ActiveDocument.1">
                   <p:embed/>
                 </p:oleObj>
               </mc:Choice>
@@ -40495,7 +40720,7 @@
           <a:graphicData uri="http://schemas.openxmlformats.org/presentationml/2006/ole">
             <mc:AlternateContent xmlns:mc="http://schemas.openxmlformats.org/markup-compatibility/2006">
               <mc:Choice xmlns:v="urn:schemas-microsoft-com:vml" Requires="v">
-                <p:oleObj spid="_x0000_s31796" name="think-cell Slide" r:id="rId7" imgW="270" imgH="270" progId="TCLayout.ActiveDocument.1">
+                <p:oleObj spid="_x0000_s31797" name="think-cell Slide" r:id="rId7" imgW="270" imgH="270" progId="TCLayout.ActiveDocument.1">
                   <p:embed/>
                 </p:oleObj>
               </mc:Choice>
@@ -41268,7 +41493,7 @@
           <a:graphicData uri="http://schemas.openxmlformats.org/presentationml/2006/ole">
             <mc:AlternateContent xmlns:mc="http://schemas.openxmlformats.org/markup-compatibility/2006">
               <mc:Choice xmlns:v="urn:schemas-microsoft-com:vml" Requires="v">
-                <p:oleObj spid="_x0000_s32821" name="think-cell Slide" r:id="rId7" imgW="270" imgH="270" progId="TCLayout.ActiveDocument.1">
+                <p:oleObj spid="_x0000_s32822" name="think-cell Slide" r:id="rId7" imgW="270" imgH="270" progId="TCLayout.ActiveDocument.1">
                   <p:embed/>
                 </p:oleObj>
               </mc:Choice>
@@ -43726,6 +43951,17 @@
 </file>
 
 <file path=customXml/item1.xml><?xml version="1.0" encoding="utf-8"?>
+<p:properties xmlns:p="http://schemas.microsoft.com/office/2006/metadata/properties" xmlns:xsi="http://www.w3.org/2001/XMLSchema-instance" xmlns:pc="http://schemas.microsoft.com/office/infopath/2007/PartnerControls">
+  <documentManagement>
+    <TaxKeywordTaxHTField xmlns="230e9df3-be65-4c73-a93b-d1236ebd677e">
+      <Terms xmlns="http://schemas.microsoft.com/office/infopath/2007/PartnerControls"/>
+    </TaxKeywordTaxHTField>
+    <TaxCatchAll xmlns="230e9df3-be65-4c73-a93b-d1236ebd677e"/>
+  </documentManagement>
+</p:properties>
+</file>
+
+<file path=customXml/item2.xml><?xml version="1.0" encoding="utf-8"?>
 <ct:contentTypeSchema xmlns:ct="http://schemas.microsoft.com/office/2006/metadata/contentType" xmlns:ma="http://schemas.microsoft.com/office/2006/metadata/properties/metaAttributes" ct:_="" ma:_="" ma:contentTypeName="Document" ma:contentTypeID="0x010100CA05B43BE68FE54B90DD26FDFB72BB05" ma:contentTypeVersion="0" ma:contentTypeDescription="Create a new document." ma:contentTypeScope="" ma:versionID="6df1bece345c1749bd9b91e82fa4a03a">
   <xsd:schema xmlns:xsd="http://www.w3.org/2001/XMLSchema" xmlns:xs="http://www.w3.org/2001/XMLSchema" xmlns:p="http://schemas.microsoft.com/office/2006/metadata/properties" xmlns:ns2="230e9df3-be65-4c73-a93b-d1236ebd677e" targetNamespace="http://schemas.microsoft.com/office/2006/metadata/properties" ma:root="true" ma:fieldsID="e317b0b832c9845d3aae3abd1bb0954e" ns2:_="">
     <xsd:import namespace="230e9df3-be65-4c73-a93b-d1236ebd677e"/>
@@ -43877,17 +44113,6 @@
 </ct:contentTypeSchema>
 </file>
 
-<file path=customXml/item2.xml><?xml version="1.0" encoding="utf-8"?>
-<p:properties xmlns:p="http://schemas.microsoft.com/office/2006/metadata/properties" xmlns:xsi="http://www.w3.org/2001/XMLSchema-instance" xmlns:pc="http://schemas.microsoft.com/office/infopath/2007/PartnerControls">
-  <documentManagement>
-    <TaxKeywordTaxHTField xmlns="230e9df3-be65-4c73-a93b-d1236ebd677e">
-      <Terms xmlns="http://schemas.microsoft.com/office/infopath/2007/PartnerControls"/>
-    </TaxKeywordTaxHTField>
-    <TaxCatchAll xmlns="230e9df3-be65-4c73-a93b-d1236ebd677e"/>
-  </documentManagement>
-</p:properties>
-</file>
-
 <file path=customXml/item3.xml><?xml version="1.0" encoding="utf-8"?>
 <?mso-contentType ?>
 <FormTemplates xmlns="http://schemas.microsoft.com/sharepoint/v3/contenttype/forms">
@@ -43898,6 +44123,22 @@
 </file>
 
 <file path=customXml/itemProps1.xml><?xml version="1.0" encoding="utf-8"?>
+<ds:datastoreItem xmlns:ds="http://schemas.openxmlformats.org/officeDocument/2006/customXml" ds:itemID="{69B2F97D-0457-4986-9734-D03EB073C5EA}">
+  <ds:schemaRefs>
+    <ds:schemaRef ds:uri="http://schemas.openxmlformats.org/package/2006/metadata/core-properties"/>
+    <ds:schemaRef ds:uri="http://schemas.microsoft.com/office/2006/metadata/properties"/>
+    <ds:schemaRef ds:uri="http://purl.org/dc/elements/1.1/"/>
+    <ds:schemaRef ds:uri="http://purl.org/dc/dcmitype/"/>
+    <ds:schemaRef ds:uri="http://www.w3.org/XML/1998/namespace"/>
+    <ds:schemaRef ds:uri="http://schemas.microsoft.com/office/2006/documentManagement/types"/>
+    <ds:schemaRef ds:uri="230e9df3-be65-4c73-a93b-d1236ebd677e"/>
+    <ds:schemaRef ds:uri="http://schemas.microsoft.com/office/infopath/2007/PartnerControls"/>
+    <ds:schemaRef ds:uri="http://purl.org/dc/terms/"/>
+  </ds:schemaRefs>
+</ds:datastoreItem>
+</file>
+
+<file path=customXml/itemProps2.xml><?xml version="1.0" encoding="utf-8"?>
 <ds:datastoreItem xmlns:ds="http://schemas.openxmlformats.org/officeDocument/2006/customXml" ds:itemID="{8F590144-748D-417B-8B69-088F107B0F98}">
   <ds:schemaRefs>
     <ds:schemaRef ds:uri="http://schemas.microsoft.com/office/2006/metadata/contentType"/>
@@ -43915,22 +44156,6 @@
 </ds:datastoreItem>
 </file>
 
-<file path=customXml/itemProps2.xml><?xml version="1.0" encoding="utf-8"?>
-<ds:datastoreItem xmlns:ds="http://schemas.openxmlformats.org/officeDocument/2006/customXml" ds:itemID="{69B2F97D-0457-4986-9734-D03EB073C5EA}">
-  <ds:schemaRefs>
-    <ds:schemaRef ds:uri="http://purl.org/dc/terms/"/>
-    <ds:schemaRef ds:uri="http://purl.org/dc/elements/1.1/"/>
-    <ds:schemaRef ds:uri="http://www.w3.org/XML/1998/namespace"/>
-    <ds:schemaRef ds:uri="http://schemas.openxmlformats.org/package/2006/metadata/core-properties"/>
-    <ds:schemaRef ds:uri="http://schemas.microsoft.com/office/infopath/2007/PartnerControls"/>
-    <ds:schemaRef ds:uri="http://purl.org/dc/dcmitype/"/>
-    <ds:schemaRef ds:uri="http://schemas.microsoft.com/office/2006/documentManagement/types"/>
-    <ds:schemaRef ds:uri="230e9df3-be65-4c73-a93b-d1236ebd677e"/>
-    <ds:schemaRef ds:uri="http://schemas.microsoft.com/office/2006/metadata/properties"/>
-  </ds:schemaRefs>
-</ds:datastoreItem>
-</file>
-
 <file path=customXml/itemProps3.xml><?xml version="1.0" encoding="utf-8"?>
 <ds:datastoreItem xmlns:ds="http://schemas.openxmlformats.org/officeDocument/2006/customXml" ds:itemID="{B882D8D6-9D38-4159-A398-AAC3689D3D7C}">
   <ds:schemaRefs>

--- a/AddingWebApiToASPNETSite/AddingWebApiToASPNETSite.pptx
+++ b/AddingWebApiToASPNETSite/AddingWebApiToASPNETSite.pptx
@@ -267,7 +267,7 @@
               <a:rPr lang="en-US" smtClean="0">
                 <a:latin typeface="Segoe UI" pitchFamily="34" charset="0"/>
               </a:rPr>
-              <a:t>4/6/2012</a:t>
+              <a:t>4/24/2012</a:t>
             </a:fld>
             <a:endParaRPr lang="en-US" dirty="0">
               <a:latin typeface="Segoe UI" pitchFamily="34" charset="0"/>
@@ -449,7 +449,7 @@
             <a:fld id="{CAE3F082-F902-42D8-A765-720E172C3194}" type="datetimeFigureOut">
               <a:rPr lang="en-US" smtClean="0"/>
               <a:pPr/>
-              <a:t>4/6/2012</a:t>
+              <a:t>4/24/2012</a:t>
             </a:fld>
             <a:endParaRPr lang="en-US" dirty="0"/>
           </a:p>
@@ -7755,19 +7755,7 @@
                 <a:latin typeface="Segoe UI" pitchFamily="34" charset="0"/>
                 <a:cs typeface="Arial" charset="0"/>
               </a:rPr>
-              <a:t>2012 </a:t>
-            </a:r>
-            <a:r>
-              <a:rPr lang="en-US" sz="700" dirty="0" smtClean="0">
-                <a:solidFill>
-                  <a:schemeClr val="bg1">
-                    <a:alpha val="99000"/>
-                  </a:schemeClr>
-                </a:solidFill>
-                <a:latin typeface="Segoe UI" pitchFamily="34" charset="0"/>
-                <a:cs typeface="Arial" charset="0"/>
-              </a:rPr>
-              <a:t>Microsoft </a:t>
+              <a:t>2012 Microsoft </a:t>
             </a:r>
             <a:r>
               <a:rPr lang="en-US" sz="700" dirty="0">
@@ -16953,7 +16941,7 @@
           <a:graphicData uri="http://schemas.openxmlformats.org/presentationml/2006/ole">
             <mc:AlternateContent xmlns:mc="http://schemas.openxmlformats.org/markup-compatibility/2006">
               <mc:Choice xmlns:v="urn:schemas-microsoft-com:vml" Requires="v">
-                <p:oleObj spid="_x0000_s33841" name="think-cell Slide" r:id="rId6" imgW="270" imgH="270" progId="TCLayout.ActiveDocument.1">
+                <p:oleObj spid="_x0000_s33842" name="think-cell Slide" r:id="rId6" imgW="270" imgH="270" progId="TCLayout.ActiveDocument.1">
                   <p:embed/>
                 </p:oleObj>
               </mc:Choice>
@@ -17130,7 +17118,7 @@
           <a:graphicData uri="http://schemas.openxmlformats.org/presentationml/2006/ole">
             <mc:AlternateContent xmlns:mc="http://schemas.openxmlformats.org/markup-compatibility/2006">
               <mc:Choice xmlns:v="urn:schemas-microsoft-com:vml" Requires="v">
-                <p:oleObj spid="_x0000_s34870" name="think-cell Slide" r:id="rId7" imgW="270" imgH="270" progId="TCLayout.ActiveDocument.1">
+                <p:oleObj spid="_x0000_s34871" name="think-cell Slide" r:id="rId7" imgW="270" imgH="270" progId="TCLayout.ActiveDocument.1">
                   <p:embed/>
                 </p:oleObj>
               </mc:Choice>
@@ -18591,7 +18579,7 @@
           <a:graphicData uri="http://schemas.openxmlformats.org/presentationml/2006/ole">
             <mc:AlternateContent xmlns:mc="http://schemas.openxmlformats.org/markup-compatibility/2006">
               <mc:Choice xmlns:v="urn:schemas-microsoft-com:vml" Requires="v">
-                <p:oleObj spid="_x0000_s35894" name="think-cell Slide" r:id="rId7" imgW="270" imgH="270" progId="TCLayout.ActiveDocument.1">
+                <p:oleObj spid="_x0000_s35895" name="think-cell Slide" r:id="rId7" imgW="270" imgH="270" progId="TCLayout.ActiveDocument.1">
                   <p:embed/>
                 </p:oleObj>
               </mc:Choice>
@@ -20098,7 +20086,7 @@
           <a:graphicData uri="http://schemas.openxmlformats.org/presentationml/2006/ole">
             <mc:AlternateContent xmlns:mc="http://schemas.openxmlformats.org/markup-compatibility/2006">
               <mc:Choice xmlns:v="urn:schemas-microsoft-com:vml" Requires="v">
-                <p:oleObj spid="_x0000_s36914" name="think-cell Slide" r:id="rId6" imgW="270" imgH="270" progId="TCLayout.ActiveDocument.1">
+                <p:oleObj spid="_x0000_s36915" name="think-cell Slide" r:id="rId6" imgW="270" imgH="270" progId="TCLayout.ActiveDocument.1">
                   <p:embed/>
                 </p:oleObj>
               </mc:Choice>
@@ -20282,7 +20270,7 @@
           <a:graphicData uri="http://schemas.openxmlformats.org/presentationml/2006/ole">
             <mc:AlternateContent xmlns:mc="http://schemas.openxmlformats.org/markup-compatibility/2006">
               <mc:Choice xmlns:v="urn:schemas-microsoft-com:vml" Requires="v">
-                <p:oleObj spid="_x0000_s37942" name="think-cell Slide" r:id="rId7" imgW="270" imgH="270" progId="TCLayout.ActiveDocument.1">
+                <p:oleObj spid="_x0000_s37943" name="think-cell Slide" r:id="rId7" imgW="270" imgH="270" progId="TCLayout.ActiveDocument.1">
                   <p:embed/>
                 </p:oleObj>
               </mc:Choice>
@@ -20899,7 +20887,7 @@
           <a:graphicData uri="http://schemas.openxmlformats.org/presentationml/2006/ole">
             <mc:AlternateContent xmlns:mc="http://schemas.openxmlformats.org/markup-compatibility/2006">
               <mc:Choice xmlns:v="urn:schemas-microsoft-com:vml" Requires="v">
-                <p:oleObj spid="_x0000_s38966" name="think-cell Slide" r:id="rId7" imgW="270" imgH="270" progId="TCLayout.ActiveDocument.1">
+                <p:oleObj spid="_x0000_s38967" name="think-cell Slide" r:id="rId7" imgW="270" imgH="270" progId="TCLayout.ActiveDocument.1">
                   <p:embed/>
                 </p:oleObj>
               </mc:Choice>
@@ -21969,7 +21957,7 @@
           <a:graphicData uri="http://schemas.openxmlformats.org/presentationml/2006/ole">
             <mc:AlternateContent xmlns:mc="http://schemas.openxmlformats.org/markup-compatibility/2006">
               <mc:Choice xmlns:v="urn:schemas-microsoft-com:vml" Requires="v">
-                <p:oleObj spid="_x0000_s39986" name="think-cell Slide" r:id="rId5" imgW="270" imgH="270" progId="TCLayout.ActiveDocument.1">
+                <p:oleObj spid="_x0000_s39987" name="think-cell Slide" r:id="rId5" imgW="270" imgH="270" progId="TCLayout.ActiveDocument.1">
                   <p:embed/>
                 </p:oleObj>
               </mc:Choice>
@@ -22155,7 +22143,7 @@
           <a:graphicData uri="http://schemas.openxmlformats.org/presentationml/2006/ole">
             <mc:AlternateContent xmlns:mc="http://schemas.openxmlformats.org/markup-compatibility/2006">
               <mc:Choice xmlns:v="urn:schemas-microsoft-com:vml" Requires="v">
-                <p:oleObj spid="_x0000_s41014" name="think-cell Slide" r:id="rId7" imgW="270" imgH="270" progId="TCLayout.ActiveDocument.1">
+                <p:oleObj spid="_x0000_s41015" name="think-cell Slide" r:id="rId7" imgW="270" imgH="270" progId="TCLayout.ActiveDocument.1">
                   <p:embed/>
                 </p:oleObj>
               </mc:Choice>
@@ -22854,7 +22842,7 @@
           <a:graphicData uri="http://schemas.openxmlformats.org/presentationml/2006/ole">
             <mc:AlternateContent xmlns:mc="http://schemas.openxmlformats.org/markup-compatibility/2006">
               <mc:Choice xmlns:v="urn:schemas-microsoft-com:vml" Requires="v">
-                <p:oleObj spid="_x0000_s42038" name="think-cell Slide" r:id="rId7" imgW="270" imgH="270" progId="TCLayout.ActiveDocument.1">
+                <p:oleObj spid="_x0000_s42039" name="think-cell Slide" r:id="rId7" imgW="270" imgH="270" progId="TCLayout.ActiveDocument.1">
                   <p:embed/>
                 </p:oleObj>
               </mc:Choice>
@@ -25051,7 +25039,7 @@
           <a:graphicData uri="http://schemas.openxmlformats.org/presentationml/2006/ole">
             <mc:AlternateContent xmlns:mc="http://schemas.openxmlformats.org/markup-compatibility/2006">
               <mc:Choice xmlns:v="urn:schemas-microsoft-com:vml" Requires="v">
-                <p:oleObj spid="_x0000_s43056" name="think-cell Slide" r:id="rId6" imgW="270" imgH="270" progId="TCLayout.ActiveDocument.1">
+                <p:oleObj spid="_x0000_s43057" name="think-cell Slide" r:id="rId6" imgW="270" imgH="270" progId="TCLayout.ActiveDocument.1">
                   <p:embed/>
                 </p:oleObj>
               </mc:Choice>
@@ -25235,7 +25223,7 @@
           <a:graphicData uri="http://schemas.openxmlformats.org/presentationml/2006/ole">
             <mc:AlternateContent xmlns:mc="http://schemas.openxmlformats.org/markup-compatibility/2006">
               <mc:Choice xmlns:v="urn:schemas-microsoft-com:vml" Requires="v">
-                <p:oleObj spid="_x0000_s59435" name="think-cell Slide" r:id="rId5" imgW="270" imgH="270" progId="TCLayout.ActiveDocument.1">
+                <p:oleObj spid="_x0000_s59436" name="think-cell Slide" r:id="rId5" imgW="270" imgH="270" progId="TCLayout.ActiveDocument.1">
                   <p:embed/>
                 </p:oleObj>
               </mc:Choice>
@@ -25294,20 +25282,12 @@
               <a:rPr lang="en-US" dirty="0" smtClean="0"/>
               <a:t>Building a Service Layer </a:t>
             </a:r>
-            <a:r>
-              <a:rPr lang="en-US" dirty="0" smtClean="0"/>
-              <a:t/>
-            </a:r>
             <a:br>
               <a:rPr lang="en-US" dirty="0" smtClean="0"/>
             </a:br>
             <a:r>
               <a:rPr lang="en-US" dirty="0" smtClean="0"/>
-              <a:t>with </a:t>
-            </a:r>
-            <a:r>
-              <a:rPr lang="en-US" dirty="0" smtClean="0"/>
-              <a:t>ASP.NET Web API</a:t>
+              <a:t>with ASP.NET Web API</a:t>
             </a:r>
             <a:endParaRPr lang="en-US" dirty="0"/>
           </a:p>
@@ -25422,7 +25402,7 @@
           <a:graphicData uri="http://schemas.openxmlformats.org/presentationml/2006/ole">
             <mc:AlternateContent xmlns:mc="http://schemas.openxmlformats.org/markup-compatibility/2006">
               <mc:Choice xmlns:v="urn:schemas-microsoft-com:vml" Requires="v">
-                <p:oleObj spid="_x0000_s44083" name="think-cell Slide" r:id="rId7" imgW="270" imgH="270" progId="TCLayout.ActiveDocument.1">
+                <p:oleObj spid="_x0000_s44084" name="think-cell Slide" r:id="rId7" imgW="270" imgH="270" progId="TCLayout.ActiveDocument.1">
                   <p:embed/>
                 </p:oleObj>
               </mc:Choice>
@@ -28371,7 +28351,7 @@
           <a:graphicData uri="http://schemas.openxmlformats.org/presentationml/2006/ole">
             <mc:AlternateContent xmlns:mc="http://schemas.openxmlformats.org/markup-compatibility/2006">
               <mc:Choice xmlns:v="urn:schemas-microsoft-com:vml" Requires="v">
-                <p:oleObj spid="_x0000_s45106" name="think-cell Slide" r:id="rId5" imgW="270" imgH="270" progId="TCLayout.ActiveDocument.1">
+                <p:oleObj spid="_x0000_s45107" name="think-cell Slide" r:id="rId5" imgW="270" imgH="270" progId="TCLayout.ActiveDocument.1">
                   <p:embed/>
                 </p:oleObj>
               </mc:Choice>
@@ -28926,7 +28906,7 @@
           <a:graphicData uri="http://schemas.openxmlformats.org/presentationml/2006/ole">
             <mc:AlternateContent xmlns:mc="http://schemas.openxmlformats.org/markup-compatibility/2006">
               <mc:Choice xmlns:v="urn:schemas-microsoft-com:vml" Requires="v">
-                <p:oleObj spid="_x0000_s47157" name="think-cell Slide" r:id="rId7" imgW="270" imgH="270" progId="TCLayout.ActiveDocument.1">
+                <p:oleObj spid="_x0000_s47158" name="think-cell Slide" r:id="rId7" imgW="270" imgH="270" progId="TCLayout.ActiveDocument.1">
                   <p:embed/>
                 </p:oleObj>
               </mc:Choice>
@@ -29908,7 +29888,7 @@
           <a:graphicData uri="http://schemas.openxmlformats.org/presentationml/2006/ole">
             <mc:AlternateContent xmlns:mc="http://schemas.openxmlformats.org/markup-compatibility/2006">
               <mc:Choice xmlns:v="urn:schemas-microsoft-com:vml" Requires="v">
-                <p:oleObj spid="_x0000_s48178" name="think-cell Slide" r:id="rId5" imgW="270" imgH="270" progId="TCLayout.ActiveDocument.1">
+                <p:oleObj spid="_x0000_s48179" name="think-cell Slide" r:id="rId5" imgW="270" imgH="270" progId="TCLayout.ActiveDocument.1">
                   <p:embed/>
                 </p:oleObj>
               </mc:Choice>
@@ -30086,7 +30066,7 @@
           <a:graphicData uri="http://schemas.openxmlformats.org/presentationml/2006/ole">
             <mc:AlternateContent xmlns:mc="http://schemas.openxmlformats.org/markup-compatibility/2006">
               <mc:Choice xmlns:v="urn:schemas-microsoft-com:vml" Requires="v">
-                <p:oleObj spid="_x0000_s49202" name="think-cell Slide" r:id="rId7" imgW="270" imgH="270" progId="TCLayout.ActiveDocument.1">
+                <p:oleObj spid="_x0000_s49203" name="think-cell Slide" r:id="rId7" imgW="270" imgH="270" progId="TCLayout.ActiveDocument.1">
                   <p:embed/>
                 </p:oleObj>
               </mc:Choice>
@@ -31252,7 +31232,7 @@
           <a:graphicData uri="http://schemas.openxmlformats.org/presentationml/2006/ole">
             <mc:AlternateContent xmlns:mc="http://schemas.openxmlformats.org/markup-compatibility/2006">
               <mc:Choice xmlns:v="urn:schemas-microsoft-com:vml" Requires="v">
-                <p:oleObj spid="_x0000_s50226" name="think-cell Slide" r:id="rId5" imgW="270" imgH="270" progId="TCLayout.ActiveDocument.1">
+                <p:oleObj spid="_x0000_s50227" name="think-cell Slide" r:id="rId5" imgW="270" imgH="270" progId="TCLayout.ActiveDocument.1">
                   <p:embed/>
                 </p:oleObj>
               </mc:Choice>
@@ -32022,7 +32002,7 @@
           <a:graphicData uri="http://schemas.openxmlformats.org/presentationml/2006/ole">
             <mc:AlternateContent xmlns:mc="http://schemas.openxmlformats.org/markup-compatibility/2006">
               <mc:Choice xmlns:v="urn:schemas-microsoft-com:vml" Requires="v">
-                <p:oleObj spid="_x0000_s51251" name="think-cell Slide" r:id="rId7" imgW="270" imgH="270" progId="TCLayout.ActiveDocument.1">
+                <p:oleObj spid="_x0000_s51252" name="think-cell Slide" r:id="rId7" imgW="270" imgH="270" progId="TCLayout.ActiveDocument.1">
                   <p:embed/>
                 </p:oleObj>
               </mc:Choice>
@@ -32497,7 +32477,7 @@
           <a:graphicData uri="http://schemas.openxmlformats.org/presentationml/2006/ole">
             <mc:AlternateContent xmlns:mc="http://schemas.openxmlformats.org/markup-compatibility/2006">
               <mc:Choice xmlns:v="urn:schemas-microsoft-com:vml" Requires="v">
-                <p:oleObj spid="_x0000_s52275" name="think-cell Slide" r:id="rId5" imgW="270" imgH="270" progId="TCLayout.ActiveDocument.1">
+                <p:oleObj spid="_x0000_s52276" name="think-cell Slide" r:id="rId5" imgW="270" imgH="270" progId="TCLayout.ActiveDocument.1">
                   <p:embed/>
                 </p:oleObj>
               </mc:Choice>
@@ -32967,7 +32947,7 @@
           <a:graphicData uri="http://schemas.openxmlformats.org/presentationml/2006/ole">
             <mc:AlternateContent xmlns:mc="http://schemas.openxmlformats.org/markup-compatibility/2006">
               <mc:Choice xmlns:v="urn:schemas-microsoft-com:vml" Requires="v">
-                <p:oleObj spid="_x0000_s60435" name="think-cell Slide" r:id="rId6" imgW="270" imgH="270" progId="TCLayout.ActiveDocument.1">
+                <p:oleObj spid="_x0000_s60436" name="think-cell Slide" r:id="rId6" imgW="270" imgH="270" progId="TCLayout.ActiveDocument.1">
                   <p:embed/>
                 </p:oleObj>
               </mc:Choice>
@@ -33168,7 +33148,7 @@
           <a:graphicData uri="http://schemas.openxmlformats.org/presentationml/2006/ole">
             <mc:AlternateContent xmlns:mc="http://schemas.openxmlformats.org/markup-compatibility/2006">
               <mc:Choice xmlns:v="urn:schemas-microsoft-com:vml" Requires="v">
-                <p:oleObj spid="_x0000_s53298" name="think-cell Slide" r:id="rId8" imgW="270" imgH="270" progId="TCLayout.ActiveDocument.1">
+                <p:oleObj spid="_x0000_s53299" name="think-cell Slide" r:id="rId8" imgW="270" imgH="270" progId="TCLayout.ActiveDocument.1">
                   <p:embed/>
                 </p:oleObj>
               </mc:Choice>
@@ -33687,7 +33667,7 @@
           <a:graphicData uri="http://schemas.openxmlformats.org/presentationml/2006/ole">
             <mc:AlternateContent xmlns:mc="http://schemas.openxmlformats.org/markup-compatibility/2006">
               <mc:Choice xmlns:v="urn:schemas-microsoft-com:vml" Requires="v">
-                <p:oleObj spid="_x0000_s23600" name="think-cell Slide" r:id="rId7" imgW="270" imgH="270" progId="TCLayout.ActiveDocument.1">
+                <p:oleObj spid="_x0000_s23601" name="think-cell Slide" r:id="rId7" imgW="270" imgH="270" progId="TCLayout.ActiveDocument.1">
                   <p:embed/>
                 </p:oleObj>
               </mc:Choice>
@@ -33872,7 +33852,7 @@
           <a:graphicData uri="http://schemas.openxmlformats.org/presentationml/2006/ole">
             <mc:AlternateContent xmlns:mc="http://schemas.openxmlformats.org/markup-compatibility/2006">
               <mc:Choice xmlns:v="urn:schemas-microsoft-com:vml" Requires="v">
-                <p:oleObj spid="_x0000_s55347" name="think-cell Slide" r:id="rId6" imgW="270" imgH="270" progId="TCLayout.ActiveDocument.1">
+                <p:oleObj spid="_x0000_s55348" name="think-cell Slide" r:id="rId6" imgW="270" imgH="270" progId="TCLayout.ActiveDocument.1">
                   <p:embed/>
                 </p:oleObj>
               </mc:Choice>
@@ -34949,7 +34929,7 @@
           <a:graphicData uri="http://schemas.openxmlformats.org/presentationml/2006/ole">
             <mc:AlternateContent xmlns:mc="http://schemas.openxmlformats.org/markup-compatibility/2006">
               <mc:Choice xmlns:v="urn:schemas-microsoft-com:vml" Requires="v">
-                <p:oleObj spid="_x0000_s2100" name="think-cell Slide" r:id="rId10" imgW="270" imgH="270" progId="TCLayout.ActiveDocument.1">
+                <p:oleObj spid="_x0000_s2101" name="think-cell Slide" r:id="rId10" imgW="270" imgH="270" progId="TCLayout.ActiveDocument.1">
                   <p:embed/>
                 </p:oleObj>
               </mc:Choice>
@@ -35850,7 +35830,7 @@
           <a:graphicData uri="http://schemas.openxmlformats.org/presentationml/2006/ole">
             <mc:AlternateContent xmlns:mc="http://schemas.openxmlformats.org/markup-compatibility/2006">
               <mc:Choice xmlns:v="urn:schemas-microsoft-com:vml" Requires="v">
-                <p:oleObj spid="_x0000_s57394" name="think-cell Slide" r:id="rId6" imgW="270" imgH="270" progId="TCLayout.ActiveDocument.1">
+                <p:oleObj spid="_x0000_s57395" name="think-cell Slide" r:id="rId6" imgW="270" imgH="270" progId="TCLayout.ActiveDocument.1">
                   <p:embed/>
                 </p:oleObj>
               </mc:Choice>
@@ -36332,7 +36312,7 @@
           <a:graphicData uri="http://schemas.openxmlformats.org/presentationml/2006/ole">
             <mc:AlternateContent xmlns:mc="http://schemas.openxmlformats.org/markup-compatibility/2006">
               <mc:Choice xmlns:v="urn:schemas-microsoft-com:vml" Requires="v">
-                <p:oleObj spid="_x0000_s58415" name="think-cell Slide" r:id="rId5" imgW="270" imgH="270" progId="TCLayout.ActiveDocument.1">
+                <p:oleObj spid="_x0000_s58416" name="think-cell Slide" r:id="rId5" imgW="270" imgH="270" progId="TCLayout.ActiveDocument.1">
                   <p:embed/>
                 </p:oleObj>
               </mc:Choice>
@@ -36511,7 +36491,7 @@
           <a:graphicData uri="http://schemas.openxmlformats.org/presentationml/2006/ole">
             <mc:AlternateContent xmlns:mc="http://schemas.openxmlformats.org/markup-compatibility/2006">
               <mc:Choice xmlns:v="urn:schemas-microsoft-com:vml" Requires="v">
-                <p:oleObj spid="_x0000_s25650" name="think-cell Slide" r:id="rId5" imgW="270" imgH="270" progId="TCLayout.ActiveDocument.1">
+                <p:oleObj spid="_x0000_s25651" name="think-cell Slide" r:id="rId5" imgW="270" imgH="270" progId="TCLayout.ActiveDocument.1">
                   <p:embed/>
                 </p:oleObj>
               </mc:Choice>
@@ -38437,7 +38417,7 @@
           <a:graphicData uri="http://schemas.openxmlformats.org/presentationml/2006/ole">
             <mc:AlternateContent xmlns:mc="http://schemas.openxmlformats.org/markup-compatibility/2006">
               <mc:Choice xmlns:v="urn:schemas-microsoft-com:vml" Requires="v">
-                <p:oleObj spid="_x0000_s29751" name="think-cell Slide" r:id="rId7" imgW="270" imgH="270" progId="TCLayout.ActiveDocument.1">
+                <p:oleObj spid="_x0000_s29752" name="think-cell Slide" r:id="rId7" imgW="270" imgH="270" progId="TCLayout.ActiveDocument.1">
                   <p:embed/>
                 </p:oleObj>
               </mc:Choice>
@@ -38554,7 +38534,19 @@
               <a:rPr lang="en-US" sz="4000" dirty="0" smtClean="0">
                 <a:latin typeface="Segoe UI Light" pitchFamily="34" charset="0"/>
               </a:rPr>
-              <a:t>Allow browser clients to </a:t>
+              <a:t>Allow browser </a:t>
+            </a:r>
+            <a:r>
+              <a:rPr lang="en-US" sz="4000" smtClean="0">
+                <a:latin typeface="Segoe UI Light" pitchFamily="34" charset="0"/>
+              </a:rPr>
+              <a:t>or other clients </a:t>
+            </a:r>
+            <a:r>
+              <a:rPr lang="en-US" sz="4000" dirty="0" smtClean="0">
+                <a:latin typeface="Segoe UI Light" pitchFamily="34" charset="0"/>
+              </a:rPr>
+              <a:t>to </a:t>
             </a:r>
             <a:br>
               <a:rPr lang="en-US" sz="4000" dirty="0" smtClean="0">
@@ -40543,7 +40535,7 @@
           <a:graphicData uri="http://schemas.openxmlformats.org/presentationml/2006/ole">
             <mc:AlternateContent xmlns:mc="http://schemas.openxmlformats.org/markup-compatibility/2006">
               <mc:Choice xmlns:v="urn:schemas-microsoft-com:vml" Requires="v">
-                <p:oleObj spid="_x0000_s30770" name="think-cell Slide" r:id="rId6" imgW="270" imgH="270" progId="TCLayout.ActiveDocument.1">
+                <p:oleObj spid="_x0000_s30771" name="think-cell Slide" r:id="rId6" imgW="270" imgH="270" progId="TCLayout.ActiveDocument.1">
                   <p:embed/>
                 </p:oleObj>
               </mc:Choice>
@@ -40720,7 +40712,7 @@
           <a:graphicData uri="http://schemas.openxmlformats.org/presentationml/2006/ole">
             <mc:AlternateContent xmlns:mc="http://schemas.openxmlformats.org/markup-compatibility/2006">
               <mc:Choice xmlns:v="urn:schemas-microsoft-com:vml" Requires="v">
-                <p:oleObj spid="_x0000_s31797" name="think-cell Slide" r:id="rId7" imgW="270" imgH="270" progId="TCLayout.ActiveDocument.1">
+                <p:oleObj spid="_x0000_s31798" name="think-cell Slide" r:id="rId7" imgW="270" imgH="270" progId="TCLayout.ActiveDocument.1">
                   <p:embed/>
                 </p:oleObj>
               </mc:Choice>
@@ -41493,7 +41485,7 @@
           <a:graphicData uri="http://schemas.openxmlformats.org/presentationml/2006/ole">
             <mc:AlternateContent xmlns:mc="http://schemas.openxmlformats.org/markup-compatibility/2006">
               <mc:Choice xmlns:v="urn:schemas-microsoft-com:vml" Requires="v">
-                <p:oleObj spid="_x0000_s32822" name="think-cell Slide" r:id="rId7" imgW="270" imgH="270" progId="TCLayout.ActiveDocument.1">
+                <p:oleObj spid="_x0000_s32823" name="think-cell Slide" r:id="rId7" imgW="270" imgH="270" progId="TCLayout.ActiveDocument.1">
                   <p:embed/>
                 </p:oleObj>
               </mc:Choice>
@@ -43951,17 +43943,6 @@
 </file>
 
 <file path=customXml/item1.xml><?xml version="1.0" encoding="utf-8"?>
-<p:properties xmlns:p="http://schemas.microsoft.com/office/2006/metadata/properties" xmlns:xsi="http://www.w3.org/2001/XMLSchema-instance" xmlns:pc="http://schemas.microsoft.com/office/infopath/2007/PartnerControls">
-  <documentManagement>
-    <TaxKeywordTaxHTField xmlns="230e9df3-be65-4c73-a93b-d1236ebd677e">
-      <Terms xmlns="http://schemas.microsoft.com/office/infopath/2007/PartnerControls"/>
-    </TaxKeywordTaxHTField>
-    <TaxCatchAll xmlns="230e9df3-be65-4c73-a93b-d1236ebd677e"/>
-  </documentManagement>
-</p:properties>
-</file>
-
-<file path=customXml/item2.xml><?xml version="1.0" encoding="utf-8"?>
 <ct:contentTypeSchema xmlns:ct="http://schemas.microsoft.com/office/2006/metadata/contentType" xmlns:ma="http://schemas.microsoft.com/office/2006/metadata/properties/metaAttributes" ct:_="" ma:_="" ma:contentTypeName="Document" ma:contentTypeID="0x010100CA05B43BE68FE54B90DD26FDFB72BB05" ma:contentTypeVersion="0" ma:contentTypeDescription="Create a new document." ma:contentTypeScope="" ma:versionID="6df1bece345c1749bd9b91e82fa4a03a">
   <xsd:schema xmlns:xsd="http://www.w3.org/2001/XMLSchema" xmlns:xs="http://www.w3.org/2001/XMLSchema" xmlns:p="http://schemas.microsoft.com/office/2006/metadata/properties" xmlns:ns2="230e9df3-be65-4c73-a93b-d1236ebd677e" targetNamespace="http://schemas.microsoft.com/office/2006/metadata/properties" ma:root="true" ma:fieldsID="e317b0b832c9845d3aae3abd1bb0954e" ns2:_="">
     <xsd:import namespace="230e9df3-be65-4c73-a93b-d1236ebd677e"/>
@@ -44113,6 +44094,17 @@
 </ct:contentTypeSchema>
 </file>
 
+<file path=customXml/item2.xml><?xml version="1.0" encoding="utf-8"?>
+<p:properties xmlns:p="http://schemas.microsoft.com/office/2006/metadata/properties" xmlns:xsi="http://www.w3.org/2001/XMLSchema-instance" xmlns:pc="http://schemas.microsoft.com/office/infopath/2007/PartnerControls">
+  <documentManagement>
+    <TaxKeywordTaxHTField xmlns="230e9df3-be65-4c73-a93b-d1236ebd677e">
+      <Terms xmlns="http://schemas.microsoft.com/office/infopath/2007/PartnerControls"/>
+    </TaxKeywordTaxHTField>
+    <TaxCatchAll xmlns="230e9df3-be65-4c73-a93b-d1236ebd677e"/>
+  </documentManagement>
+</p:properties>
+</file>
+
 <file path=customXml/item3.xml><?xml version="1.0" encoding="utf-8"?>
 <?mso-contentType ?>
 <FormTemplates xmlns="http://schemas.microsoft.com/sharepoint/v3/contenttype/forms">
@@ -44123,22 +44115,6 @@
 </file>
 
 <file path=customXml/itemProps1.xml><?xml version="1.0" encoding="utf-8"?>
-<ds:datastoreItem xmlns:ds="http://schemas.openxmlformats.org/officeDocument/2006/customXml" ds:itemID="{69B2F97D-0457-4986-9734-D03EB073C5EA}">
-  <ds:schemaRefs>
-    <ds:schemaRef ds:uri="http://schemas.openxmlformats.org/package/2006/metadata/core-properties"/>
-    <ds:schemaRef ds:uri="http://schemas.microsoft.com/office/2006/metadata/properties"/>
-    <ds:schemaRef ds:uri="http://purl.org/dc/elements/1.1/"/>
-    <ds:schemaRef ds:uri="http://purl.org/dc/dcmitype/"/>
-    <ds:schemaRef ds:uri="http://www.w3.org/XML/1998/namespace"/>
-    <ds:schemaRef ds:uri="http://schemas.microsoft.com/office/2006/documentManagement/types"/>
-    <ds:schemaRef ds:uri="230e9df3-be65-4c73-a93b-d1236ebd677e"/>
-    <ds:schemaRef ds:uri="http://schemas.microsoft.com/office/infopath/2007/PartnerControls"/>
-    <ds:schemaRef ds:uri="http://purl.org/dc/terms/"/>
-  </ds:schemaRefs>
-</ds:datastoreItem>
-</file>
-
-<file path=customXml/itemProps2.xml><?xml version="1.0" encoding="utf-8"?>
 <ds:datastoreItem xmlns:ds="http://schemas.openxmlformats.org/officeDocument/2006/customXml" ds:itemID="{8F590144-748D-417B-8B69-088F107B0F98}">
   <ds:schemaRefs>
     <ds:schemaRef ds:uri="http://schemas.microsoft.com/office/2006/metadata/contentType"/>
@@ -44156,6 +44132,22 @@
 </ds:datastoreItem>
 </file>
 
+<file path=customXml/itemProps2.xml><?xml version="1.0" encoding="utf-8"?>
+<ds:datastoreItem xmlns:ds="http://schemas.openxmlformats.org/officeDocument/2006/customXml" ds:itemID="{69B2F97D-0457-4986-9734-D03EB073C5EA}">
+  <ds:schemaRefs>
+    <ds:schemaRef ds:uri="http://schemas.openxmlformats.org/package/2006/metadata/core-properties"/>
+    <ds:schemaRef ds:uri="http://schemas.microsoft.com/office/2006/metadata/properties"/>
+    <ds:schemaRef ds:uri="http://purl.org/dc/elements/1.1/"/>
+    <ds:schemaRef ds:uri="http://purl.org/dc/dcmitype/"/>
+    <ds:schemaRef ds:uri="http://www.w3.org/XML/1998/namespace"/>
+    <ds:schemaRef ds:uri="http://schemas.microsoft.com/office/2006/documentManagement/types"/>
+    <ds:schemaRef ds:uri="230e9df3-be65-4c73-a93b-d1236ebd677e"/>
+    <ds:schemaRef ds:uri="http://schemas.microsoft.com/office/infopath/2007/PartnerControls"/>
+    <ds:schemaRef ds:uri="http://purl.org/dc/terms/"/>
+  </ds:schemaRefs>
+</ds:datastoreItem>
+</file>
+
 <file path=customXml/itemProps3.xml><?xml version="1.0" encoding="utf-8"?>
 <ds:datastoreItem xmlns:ds="http://schemas.openxmlformats.org/officeDocument/2006/customXml" ds:itemID="{B882D8D6-9D38-4159-A398-AAC3689D3D7C}">
   <ds:schemaRefs>

--- a/AddingWebApiToASPNETSite/AddingWebApiToASPNETSite.pptx
+++ b/AddingWebApiToASPNETSite/AddingWebApiToASPNETSite.pptx
@@ -17,29 +17,29 @@
     <p:sldId id="257" r:id="rId8"/>
     <p:sldId id="259" r:id="rId9"/>
     <p:sldId id="297" r:id="rId10"/>
-    <p:sldId id="263" r:id="rId11"/>
-    <p:sldId id="298" r:id="rId12"/>
-    <p:sldId id="299" r:id="rId13"/>
-    <p:sldId id="264" r:id="rId14"/>
-    <p:sldId id="268" r:id="rId15"/>
-    <p:sldId id="300" r:id="rId16"/>
-    <p:sldId id="302" r:id="rId17"/>
-    <p:sldId id="269" r:id="rId18"/>
-    <p:sldId id="270" r:id="rId19"/>
-    <p:sldId id="271" r:id="rId20"/>
-    <p:sldId id="272" r:id="rId21"/>
-    <p:sldId id="273" r:id="rId22"/>
-    <p:sldId id="274" r:id="rId23"/>
-    <p:sldId id="275" r:id="rId24"/>
-    <p:sldId id="276" r:id="rId25"/>
-    <p:sldId id="277" r:id="rId26"/>
-    <p:sldId id="278" r:id="rId27"/>
-    <p:sldId id="280" r:id="rId28"/>
-    <p:sldId id="281" r:id="rId29"/>
-    <p:sldId id="282" r:id="rId30"/>
-    <p:sldId id="285" r:id="rId31"/>
-    <p:sldId id="294" r:id="rId32"/>
-    <p:sldId id="286" r:id="rId33"/>
+    <p:sldId id="303" r:id="rId11"/>
+    <p:sldId id="304" r:id="rId12"/>
+    <p:sldId id="305" r:id="rId13"/>
+    <p:sldId id="263" r:id="rId14"/>
+    <p:sldId id="298" r:id="rId15"/>
+    <p:sldId id="299" r:id="rId16"/>
+    <p:sldId id="264" r:id="rId17"/>
+    <p:sldId id="268" r:id="rId18"/>
+    <p:sldId id="300" r:id="rId19"/>
+    <p:sldId id="302" r:id="rId20"/>
+    <p:sldId id="269" r:id="rId21"/>
+    <p:sldId id="270" r:id="rId22"/>
+    <p:sldId id="271" r:id="rId23"/>
+    <p:sldId id="272" r:id="rId24"/>
+    <p:sldId id="273" r:id="rId25"/>
+    <p:sldId id="274" r:id="rId26"/>
+    <p:sldId id="275" r:id="rId27"/>
+    <p:sldId id="276" r:id="rId28"/>
+    <p:sldId id="277" r:id="rId29"/>
+    <p:sldId id="278" r:id="rId30"/>
+    <p:sldId id="280" r:id="rId31"/>
+    <p:sldId id="281" r:id="rId32"/>
+    <p:sldId id="282" r:id="rId33"/>
     <p:sldId id="288" r:id="rId34"/>
     <p:sldId id="290" r:id="rId35"/>
     <p:sldId id="291" r:id="rId36"/>
@@ -60,16 +60,16 @@
       <p:boldItalic r:id="rId44"/>
     </p:embeddedFont>
     <p:embeddedFont>
-      <p:font typeface="Consolas" pitchFamily="49" charset="0"/>
+      <p:font typeface="Segoe Light" pitchFamily="34" charset="0"/>
       <p:regular r:id="rId45"/>
-      <p:bold r:id="rId46"/>
-      <p:italic r:id="rId47"/>
-      <p:boldItalic r:id="rId48"/>
+      <p:italic r:id="rId46"/>
     </p:embeddedFont>
     <p:embeddedFont>
-      <p:font typeface="Segoe Light" pitchFamily="34" charset="0"/>
-      <p:regular r:id="rId49"/>
-      <p:italic r:id="rId50"/>
+      <p:font typeface="Consolas" pitchFamily="49" charset="0"/>
+      <p:regular r:id="rId47"/>
+      <p:bold r:id="rId48"/>
+      <p:italic r:id="rId49"/>
+      <p:boldItalic r:id="rId50"/>
     </p:embeddedFont>
   </p:embeddedFontLst>
   <p:custDataLst>
@@ -266,7 +266,7 @@
               <a:rPr lang="en-US" smtClean="0">
                 <a:latin typeface="Segoe UI" pitchFamily="34" charset="0"/>
               </a:rPr>
-              <a:t>4/24/2012</a:t>
+              <a:t>4/26/2012</a:t>
             </a:fld>
             <a:endParaRPr lang="en-US" dirty="0">
               <a:latin typeface="Segoe UI" pitchFamily="34" charset="0"/>
@@ -448,7 +448,7 @@
             <a:fld id="{CAE3F082-F902-42D8-A765-720E172C3194}" type="datetimeFigureOut">
               <a:rPr lang="en-US" smtClean="0"/>
               <a:pPr/>
-              <a:t>4/24/2012</a:t>
+              <a:t>4/26/2012</a:t>
             </a:fld>
             <a:endParaRPr lang="en-US" dirty="0"/>
           </a:p>
@@ -850,7 +850,231 @@
           <a:bodyPr/>
           <a:lstStyle/>
           <a:p>
-            <a:endParaRPr lang="en-US"/>
+            <a:r>
+              <a:rPr lang="en-US" dirty="0" smtClean="0"/>
+              <a:t>1</a:t>
+            </a:r>
+            <a:r>
+              <a:rPr lang="en-US" baseline="0" dirty="0" smtClean="0"/>
+              <a:t> minute</a:t>
+            </a:r>
+          </a:p>
+          <a:p>
+            <a:endParaRPr lang="en-US" baseline="0" dirty="0" smtClean="0"/>
+          </a:p>
+          <a:p>
+            <a:r>
+              <a:rPr lang="en-US" baseline="0" dirty="0" smtClean="0"/>
+              <a:t>The transition from code to markup is one of the most elegant things about Razor but there a few rules that are worth knowing about.  </a:t>
+            </a:r>
+          </a:p>
+          <a:p>
+            <a:endParaRPr lang="es-AR" baseline="0" dirty="0" smtClean="0"/>
+          </a:p>
+          <a:p>
+            <a:r>
+              <a:rPr lang="en-US" b="1" u="sng" baseline="0" noProof="0" dirty="0" smtClean="0"/>
+              <a:t>Option</a:t>
+            </a:r>
+            <a:r>
+              <a:rPr lang="es-AR" b="1" u="sng" baseline="0" dirty="0" smtClean="0"/>
+              <a:t> 1:</a:t>
+            </a:r>
+            <a:endParaRPr lang="en-US" b="1" u="sng" baseline="0" dirty="0" smtClean="0"/>
+          </a:p>
+          <a:p>
+            <a:pPr marL="0" indent="0">
+              <a:buNone/>
+            </a:pPr>
+            <a:r>
+              <a:rPr lang="en-US" baseline="0" dirty="0" smtClean="0"/>
+              <a:t>Code is the primary citizen in a code block, not HTML.  This means the parser will always expect code unless it finds valid opening (and closing) tags. </a:t>
+            </a:r>
+            <a:r>
+              <a:rPr lang="en-US" i="0" baseline="0" dirty="0" smtClean="0"/>
+              <a:t>In the first option block you see that after the @{ a name variable is defined. No additional tag is necessary. </a:t>
+            </a:r>
+          </a:p>
+          <a:p>
+            <a:pPr marL="0" indent="0">
+              <a:buNone/>
+            </a:pPr>
+            <a:r>
+              <a:rPr lang="en-US" i="0" baseline="0" dirty="0" smtClean="0"/>
+              <a:t>A &lt;div&gt; section tells Razor that what follows should be taken as literal. Then the @name indicates a variable that needs to be replaced with its value.</a:t>
+            </a:r>
+          </a:p>
+          <a:p>
+            <a:pPr marL="0" indent="0">
+              <a:buNone/>
+            </a:pPr>
+            <a:endParaRPr lang="es-AR" baseline="0" dirty="0" smtClean="0"/>
+          </a:p>
+          <a:p>
+            <a:pPr marL="0" indent="0">
+              <a:buNone/>
+            </a:pPr>
+            <a:r>
+              <a:rPr lang="en-US" b="1" u="sng" baseline="0" noProof="0" dirty="0" smtClean="0"/>
+              <a:t>Option 2:</a:t>
+            </a:r>
+          </a:p>
+          <a:p>
+            <a:pPr marL="0" indent="0">
+              <a:buNone/>
+            </a:pPr>
+            <a:r>
+              <a:rPr lang="en-US" baseline="0" dirty="0" smtClean="0"/>
+              <a:t>Similarly, to explicitly call out text in a code block as HTML, wrap it in a &lt;text&gt; tag</a:t>
+            </a:r>
+          </a:p>
+          <a:p>
+            <a:pPr marL="0" indent="0">
+              <a:buNone/>
+            </a:pPr>
+            <a:endParaRPr lang="es-AR" baseline="0" dirty="0" smtClean="0"/>
+          </a:p>
+          <a:p>
+            <a:pPr marL="0" marR="0" indent="0" algn="l" defTabSz="914400" rtl="0" eaLnBrk="1" fontAlgn="auto" latinLnBrk="0" hangingPunct="1">
+              <a:lnSpc>
+                <a:spcPct val="100000"/>
+              </a:lnSpc>
+              <a:spcBef>
+                <a:spcPts val="0"/>
+              </a:spcBef>
+              <a:spcAft>
+                <a:spcPts val="0"/>
+              </a:spcAft>
+              <a:buClrTx/>
+              <a:buSzTx/>
+              <a:buFontTx/>
+              <a:buNone/>
+              <a:tabLst/>
+              <a:defRPr/>
+            </a:pPr>
+            <a:r>
+              <a:rPr lang="en-US" b="1" u="sng" baseline="0" noProof="0" dirty="0" smtClean="0"/>
+              <a:t>Option 3:</a:t>
+            </a:r>
+          </a:p>
+          <a:p>
+            <a:pPr marL="0" indent="0">
+              <a:buNone/>
+            </a:pPr>
+            <a:r>
+              <a:rPr lang="en-US" baseline="0" dirty="0" smtClean="0"/>
+              <a:t>Single line of output within markup can be denoted by @:</a:t>
+            </a:r>
+          </a:p>
+          <a:p>
+            <a:pPr marL="0" marR="0" indent="0" algn="l" defTabSz="914400" rtl="0" eaLnBrk="1" fontAlgn="auto" latinLnBrk="0" hangingPunct="1">
+              <a:lnSpc>
+                <a:spcPct val="100000"/>
+              </a:lnSpc>
+              <a:spcBef>
+                <a:spcPts val="0"/>
+              </a:spcBef>
+              <a:spcAft>
+                <a:spcPts val="0"/>
+              </a:spcAft>
+              <a:buClrTx/>
+              <a:buSzTx/>
+              <a:buFontTx/>
+              <a:buNone/>
+              <a:tabLst/>
+              <a:defRPr/>
+            </a:pPr>
+            <a:r>
+              <a:rPr lang="en-US" i="0" baseline="0" noProof="0" dirty="0" smtClean="0"/>
+              <a:t>This option is useful when you don’t want to render an </a:t>
+            </a:r>
+            <a:r>
+              <a:rPr lang="en-US" i="0" dirty="0" smtClean="0"/>
+              <a:t>HTML element as part of the output. </a:t>
+            </a:r>
+            <a:endParaRPr lang="en-US" i="0" baseline="0" dirty="0" smtClean="0"/>
+          </a:p>
+          <a:p>
+            <a:endParaRPr lang="en-US" baseline="0" dirty="0" smtClean="0"/>
+          </a:p>
+          <a:p>
+            <a:pPr marL="0" marR="0" indent="0" algn="l" defTabSz="914400" rtl="0" eaLnBrk="1" fontAlgn="auto" latinLnBrk="0" hangingPunct="1">
+              <a:lnSpc>
+                <a:spcPct val="100000"/>
+              </a:lnSpc>
+              <a:spcBef>
+                <a:spcPts val="0"/>
+              </a:spcBef>
+              <a:spcAft>
+                <a:spcPts val="0"/>
+              </a:spcAft>
+              <a:buClrTx/>
+              <a:buSzTx/>
+              <a:buFontTx/>
+              <a:buNone/>
+              <a:tabLst/>
+              <a:defRPr/>
+            </a:pPr>
+            <a:r>
+              <a:rPr lang="en-US" dirty="0" smtClean="0"/>
+              <a:t>Extra Knowledge (Advanced):</a:t>
+            </a:r>
+          </a:p>
+          <a:p>
+            <a:pPr marL="0" marR="0" indent="0" algn="l" defTabSz="914400" rtl="0" eaLnBrk="1" fontAlgn="auto" latinLnBrk="0" hangingPunct="1">
+              <a:lnSpc>
+                <a:spcPct val="100000"/>
+              </a:lnSpc>
+              <a:spcBef>
+                <a:spcPts val="0"/>
+              </a:spcBef>
+              <a:spcAft>
+                <a:spcPts val="0"/>
+              </a:spcAft>
+              <a:buClrTx/>
+              <a:buSzTx/>
+              <a:buFontTx/>
+              <a:buNone/>
+              <a:tabLst/>
+              <a:defRPr/>
+            </a:pPr>
+            <a:endParaRPr lang="en-US" dirty="0" smtClean="0"/>
+          </a:p>
+          <a:p>
+            <a:pPr marL="0" marR="0" indent="0" algn="l" defTabSz="914400" rtl="0" eaLnBrk="1" fontAlgn="auto" latinLnBrk="0" hangingPunct="1">
+              <a:lnSpc>
+                <a:spcPct val="100000"/>
+              </a:lnSpc>
+              <a:spcBef>
+                <a:spcPts val="0"/>
+              </a:spcBef>
+              <a:spcAft>
+                <a:spcPts val="0"/>
+              </a:spcAft>
+              <a:buClrTx/>
+              <a:buSzTx/>
+              <a:buFontTx/>
+              <a:buNone/>
+              <a:tabLst/>
+              <a:defRPr/>
+            </a:pPr>
+            <a:r>
+              <a:rPr lang="en-US" dirty="0" smtClean="0"/>
+              <a:t>The</a:t>
+            </a:r>
+            <a:r>
+              <a:rPr lang="en-US" baseline="0" dirty="0" smtClean="0"/>
+              <a:t> Parser that understands Razor is itself a standalone assembly (</a:t>
+            </a:r>
+            <a:r>
+              <a:rPr lang="en-US" dirty="0" smtClean="0"/>
+              <a:t>System.Web.Razor.dll)</a:t>
+            </a:r>
+            <a:r>
+              <a:rPr lang="en-US" baseline="0" dirty="0" smtClean="0"/>
+              <a:t> which has no dependencies on ASP.NET which means you can use it to parse CSHTML/VBHTML files and produce C#/VB code in any .NET application.  </a:t>
+            </a:r>
+            <a:endParaRPr lang="en-US" dirty="0" smtClean="0"/>
           </a:p>
         </p:txBody>
       </p:sp>
@@ -869,19 +1093,18 @@
           <a:bodyPr/>
           <a:lstStyle/>
           <a:p>
-            <a:fld id="{82AABF77-E2E4-44CA-BA5C-65E132CF08D8}" type="slidenum">
+            <a:fld id="{D88053AA-761C-4194-BE5B-5E836C7C1428}" type="slidenum">
               <a:rPr lang="en-US" smtClean="0"/>
-              <a:pPr/>
-              <a:t>13</a:t>
+              <a:t>11</a:t>
             </a:fld>
-            <a:endParaRPr lang="en-US" dirty="0"/>
+            <a:endParaRPr lang="en-US"/>
           </a:p>
         </p:txBody>
       </p:sp>
     </p:spTree>
     <p:extLst>
       <p:ext uri="{BB962C8B-B14F-4D97-AF65-F5344CB8AC3E}">
-        <p14:creationId xmlns:p14="http://schemas.microsoft.com/office/powerpoint/2010/main" val="3148768380"/>
+        <p14:creationId xmlns:p14="http://schemas.microsoft.com/office/powerpoint/2010/main" val="706457235"/>
       </p:ext>
     </p:extLst>
   </p:cSld>
@@ -962,7 +1185,7 @@
             <a:fld id="{8B263312-38AA-4E1E-B2B5-0F8F122B24FE}" type="slidenum">
               <a:rPr lang="en-US" smtClean="0"/>
               <a:pPr/>
-              <a:t>14</a:t>
+              <a:t>12</a:t>
             </a:fld>
             <a:endParaRPr lang="en-US" dirty="0"/>
           </a:p>
@@ -1047,7 +1270,7 @@
             <a:fld id="{82AABF77-E2E4-44CA-BA5C-65E132CF08D8}" type="slidenum">
               <a:rPr lang="en-US" smtClean="0"/>
               <a:pPr/>
-              <a:t>15</a:t>
+              <a:t>13</a:t>
             </a:fld>
             <a:endParaRPr lang="en-US" dirty="0"/>
           </a:p>
@@ -1056,7 +1279,7 @@
     </p:spTree>
     <p:extLst>
       <p:ext uri="{BB962C8B-B14F-4D97-AF65-F5344CB8AC3E}">
-        <p14:creationId xmlns:p14="http://schemas.microsoft.com/office/powerpoint/2010/main" val="2594214348"/>
+        <p14:creationId xmlns:p14="http://schemas.microsoft.com/office/powerpoint/2010/main" val="1940064224"/>
       </p:ext>
     </p:extLst>
   </p:cSld>
@@ -1141,7 +1364,7 @@
     </p:spTree>
     <p:extLst>
       <p:ext uri="{BB962C8B-B14F-4D97-AF65-F5344CB8AC3E}">
-        <p14:creationId xmlns:p14="http://schemas.microsoft.com/office/powerpoint/2010/main" val="4032669395"/>
+        <p14:creationId xmlns:p14="http://schemas.microsoft.com/office/powerpoint/2010/main" val="3148768380"/>
       </p:ext>
     </p:extLst>
   </p:cSld>
@@ -1316,7 +1539,7 @@
     </p:spTree>
     <p:extLst>
       <p:ext uri="{BB962C8B-B14F-4D97-AF65-F5344CB8AC3E}">
-        <p14:creationId xmlns:p14="http://schemas.microsoft.com/office/powerpoint/2010/main" val="621101791"/>
+        <p14:creationId xmlns:p14="http://schemas.microsoft.com/office/powerpoint/2010/main" val="2594214348"/>
       </p:ext>
     </p:extLst>
   </p:cSld>
@@ -1401,7 +1624,7 @@
     </p:spTree>
     <p:extLst>
       <p:ext uri="{BB962C8B-B14F-4D97-AF65-F5344CB8AC3E}">
-        <p14:creationId xmlns:p14="http://schemas.microsoft.com/office/powerpoint/2010/main" val="1930220159"/>
+        <p14:creationId xmlns:p14="http://schemas.microsoft.com/office/powerpoint/2010/main" val="4032669395"/>
       </p:ext>
     </p:extLst>
   </p:cSld>
@@ -1576,7 +1799,7 @@
     </p:spTree>
     <p:extLst>
       <p:ext uri="{BB962C8B-B14F-4D97-AF65-F5344CB8AC3E}">
-        <p14:creationId xmlns:p14="http://schemas.microsoft.com/office/powerpoint/2010/main" val="1044190869"/>
+        <p14:creationId xmlns:p14="http://schemas.microsoft.com/office/powerpoint/2010/main" val="621101791"/>
       </p:ext>
     </p:extLst>
   </p:cSld>
@@ -1613,12 +1836,7 @@
             <p:ph type="sldImg"/>
           </p:nvPr>
         </p:nvSpPr>
-        <p:spPr>
-          <a:xfrm>
-            <a:off x="331788" y="696913"/>
-            <a:ext cx="6194425" cy="3486150"/>
-          </a:xfrm>
-        </p:spPr>
+        <p:spPr/>
       </p:sp>
       <p:sp>
         <p:nvSpPr>
@@ -1635,7 +1853,7 @@
           <a:bodyPr/>
           <a:lstStyle/>
           <a:p>
-            <a:endParaRPr lang="en-US" dirty="0"/>
+            <a:endParaRPr lang="en-US"/>
           </a:p>
         </p:txBody>
       </p:sp>
@@ -1654,7 +1872,7 @@
           <a:bodyPr/>
           <a:lstStyle/>
           <a:p>
-            <a:fld id="{8B263312-38AA-4E1E-B2B5-0F8F122B24FE}" type="slidenum">
+            <a:fld id="{82AABF77-E2E4-44CA-BA5C-65E132CF08D8}" type="slidenum">
               <a:rPr lang="en-US" smtClean="0"/>
               <a:pPr/>
               <a:t>22</a:t>
@@ -1666,7 +1884,7 @@
     </p:spTree>
     <p:extLst>
       <p:ext uri="{BB962C8B-B14F-4D97-AF65-F5344CB8AC3E}">
-        <p14:creationId xmlns:p14="http://schemas.microsoft.com/office/powerpoint/2010/main" val="346265460"/>
+        <p14:creationId xmlns:p14="http://schemas.microsoft.com/office/powerpoint/2010/main" val="1930220159"/>
       </p:ext>
     </p:extLst>
   </p:cSld>
@@ -1788,6 +2006,96 @@
             <p:ph type="sldImg"/>
           </p:nvPr>
         </p:nvSpPr>
+        <p:spPr>
+          <a:xfrm>
+            <a:off x="331788" y="696913"/>
+            <a:ext cx="6194425" cy="3486150"/>
+          </a:xfrm>
+        </p:spPr>
+      </p:sp>
+      <p:sp>
+        <p:nvSpPr>
+          <p:cNvPr id="3" name="Notes Placeholder 2"/>
+          <p:cNvSpPr>
+            <a:spLocks noGrp="1"/>
+          </p:cNvSpPr>
+          <p:nvPr>
+            <p:ph type="body" idx="1"/>
+          </p:nvPr>
+        </p:nvSpPr>
+        <p:spPr/>
+        <p:txBody>
+          <a:bodyPr/>
+          <a:lstStyle/>
+          <a:p>
+            <a:endParaRPr lang="en-US" dirty="0"/>
+          </a:p>
+        </p:txBody>
+      </p:sp>
+      <p:sp>
+        <p:nvSpPr>
+          <p:cNvPr id="4" name="Slide Number Placeholder 3"/>
+          <p:cNvSpPr>
+            <a:spLocks noGrp="1"/>
+          </p:cNvSpPr>
+          <p:nvPr>
+            <p:ph type="sldNum" sz="quarter" idx="10"/>
+          </p:nvPr>
+        </p:nvSpPr>
+        <p:spPr/>
+        <p:txBody>
+          <a:bodyPr/>
+          <a:lstStyle/>
+          <a:p>
+            <a:fld id="{8B263312-38AA-4E1E-B2B5-0F8F122B24FE}" type="slidenum">
+              <a:rPr lang="en-US" smtClean="0"/>
+              <a:pPr/>
+              <a:t>23</a:t>
+            </a:fld>
+            <a:endParaRPr lang="en-US" dirty="0"/>
+          </a:p>
+        </p:txBody>
+      </p:sp>
+    </p:spTree>
+    <p:extLst>
+      <p:ext uri="{BB962C8B-B14F-4D97-AF65-F5344CB8AC3E}">
+        <p14:creationId xmlns:p14="http://schemas.microsoft.com/office/powerpoint/2010/main" val="346265460"/>
+      </p:ext>
+    </p:extLst>
+  </p:cSld>
+  <p:clrMapOvr>
+    <a:masterClrMapping/>
+  </p:clrMapOvr>
+</p:notes>
+</file>
+
+<file path=ppt/notesSlides/notesSlide21.xml><?xml version="1.0" encoding="utf-8"?>
+<p:notes xmlns:a="http://schemas.openxmlformats.org/drawingml/2006/main" xmlns:r="http://schemas.openxmlformats.org/officeDocument/2006/relationships" xmlns:p="http://schemas.openxmlformats.org/presentationml/2006/main">
+  <p:cSld>
+    <p:spTree>
+      <p:nvGrpSpPr>
+        <p:cNvPr id="1" name=""/>
+        <p:cNvGrpSpPr/>
+        <p:nvPr/>
+      </p:nvGrpSpPr>
+      <p:grpSpPr>
+        <a:xfrm>
+          <a:off x="0" y="0"/>
+          <a:ext cx="0" cy="0"/>
+          <a:chOff x="0" y="0"/>
+          <a:chExt cx="0" cy="0"/>
+        </a:xfrm>
+      </p:grpSpPr>
+      <p:sp>
+        <p:nvSpPr>
+          <p:cNvPr id="2" name="Slide Image Placeholder 1"/>
+          <p:cNvSpPr>
+            <a:spLocks noGrp="1" noRot="1" noChangeAspect="1"/>
+          </p:cNvSpPr>
+          <p:nvPr>
+            <p:ph type="sldImg"/>
+          </p:nvPr>
+        </p:nvSpPr>
         <p:spPr/>
       </p:sp>
       <p:sp>
@@ -1827,7 +2135,7 @@
             <a:fld id="{82AABF77-E2E4-44CA-BA5C-65E132CF08D8}" type="slidenum">
               <a:rPr lang="en-US" smtClean="0"/>
               <a:pPr/>
-              <a:t>23</a:t>
+              <a:t>24</a:t>
             </a:fld>
             <a:endParaRPr lang="en-US" dirty="0"/>
           </a:p>
@@ -1836,7 +2144,7 @@
     </p:spTree>
     <p:extLst>
       <p:ext uri="{BB962C8B-B14F-4D97-AF65-F5344CB8AC3E}">
-        <p14:creationId xmlns:p14="http://schemas.microsoft.com/office/powerpoint/2010/main" val="128416714"/>
+        <p14:creationId xmlns:p14="http://schemas.microsoft.com/office/powerpoint/2010/main" val="1044190869"/>
       </p:ext>
     </p:extLst>
   </p:cSld>
@@ -1846,7 +2154,7 @@
 </p:notes>
 </file>
 
-<file path=ppt/notesSlides/notesSlide21.xml><?xml version="1.0" encoding="utf-8"?>
+<file path=ppt/notesSlides/notesSlide22.xml><?xml version="1.0" encoding="utf-8"?>
 <p:notes xmlns:a="http://schemas.openxmlformats.org/drawingml/2006/main" xmlns:r="http://schemas.openxmlformats.org/officeDocument/2006/relationships" xmlns:p="http://schemas.openxmlformats.org/presentationml/2006/main">
   <p:cSld>
     <p:spTree>
@@ -1917,7 +2225,7 @@
             <a:fld id="{8B263312-38AA-4E1E-B2B5-0F8F122B24FE}" type="slidenum">
               <a:rPr lang="en-US" smtClean="0"/>
               <a:pPr/>
-              <a:t>24</a:t>
+              <a:t>25</a:t>
             </a:fld>
             <a:endParaRPr lang="en-US" dirty="0"/>
           </a:p>
@@ -1927,91 +2235,6 @@
     <p:extLst>
       <p:ext uri="{BB962C8B-B14F-4D97-AF65-F5344CB8AC3E}">
         <p14:creationId xmlns:p14="http://schemas.microsoft.com/office/powerpoint/2010/main" val="346265460"/>
-      </p:ext>
-    </p:extLst>
-  </p:cSld>
-  <p:clrMapOvr>
-    <a:masterClrMapping/>
-  </p:clrMapOvr>
-</p:notes>
-</file>
-
-<file path=ppt/notesSlides/notesSlide22.xml><?xml version="1.0" encoding="utf-8"?>
-<p:notes xmlns:a="http://schemas.openxmlformats.org/drawingml/2006/main" xmlns:r="http://schemas.openxmlformats.org/officeDocument/2006/relationships" xmlns:p="http://schemas.openxmlformats.org/presentationml/2006/main">
-  <p:cSld>
-    <p:spTree>
-      <p:nvGrpSpPr>
-        <p:cNvPr id="1" name=""/>
-        <p:cNvGrpSpPr/>
-        <p:nvPr/>
-      </p:nvGrpSpPr>
-      <p:grpSpPr>
-        <a:xfrm>
-          <a:off x="0" y="0"/>
-          <a:ext cx="0" cy="0"/>
-          <a:chOff x="0" y="0"/>
-          <a:chExt cx="0" cy="0"/>
-        </a:xfrm>
-      </p:grpSpPr>
-      <p:sp>
-        <p:nvSpPr>
-          <p:cNvPr id="2" name="Slide Image Placeholder 1"/>
-          <p:cNvSpPr>
-            <a:spLocks noGrp="1" noRot="1" noChangeAspect="1"/>
-          </p:cNvSpPr>
-          <p:nvPr>
-            <p:ph type="sldImg"/>
-          </p:nvPr>
-        </p:nvSpPr>
-        <p:spPr/>
-      </p:sp>
-      <p:sp>
-        <p:nvSpPr>
-          <p:cNvPr id="3" name="Notes Placeholder 2"/>
-          <p:cNvSpPr>
-            <a:spLocks noGrp="1"/>
-          </p:cNvSpPr>
-          <p:nvPr>
-            <p:ph type="body" idx="1"/>
-          </p:nvPr>
-        </p:nvSpPr>
-        <p:spPr/>
-        <p:txBody>
-          <a:bodyPr/>
-          <a:lstStyle/>
-          <a:p>
-            <a:endParaRPr lang="en-US"/>
-          </a:p>
-        </p:txBody>
-      </p:sp>
-      <p:sp>
-        <p:nvSpPr>
-          <p:cNvPr id="4" name="Slide Number Placeholder 3"/>
-          <p:cNvSpPr>
-            <a:spLocks noGrp="1"/>
-          </p:cNvSpPr>
-          <p:nvPr>
-            <p:ph type="sldNum" sz="quarter" idx="10"/>
-          </p:nvPr>
-        </p:nvSpPr>
-        <p:spPr/>
-        <p:txBody>
-          <a:bodyPr/>
-          <a:lstStyle/>
-          <a:p>
-            <a:fld id="{82AABF77-E2E4-44CA-BA5C-65E132CF08D8}" type="slidenum">
-              <a:rPr lang="en-US" smtClean="0"/>
-              <a:pPr/>
-              <a:t>25</a:t>
-            </a:fld>
-            <a:endParaRPr lang="en-US" dirty="0"/>
-          </a:p>
-        </p:txBody>
-      </p:sp>
-    </p:spTree>
-    <p:extLst>
-      <p:ext uri="{BB962C8B-B14F-4D97-AF65-F5344CB8AC3E}">
-        <p14:creationId xmlns:p14="http://schemas.microsoft.com/office/powerpoint/2010/main" val="1406407013"/>
       </p:ext>
     </p:extLst>
   </p:cSld>
@@ -2096,7 +2319,7 @@
     </p:spTree>
     <p:extLst>
       <p:ext uri="{BB962C8B-B14F-4D97-AF65-F5344CB8AC3E}">
-        <p14:creationId xmlns:p14="http://schemas.microsoft.com/office/powerpoint/2010/main" val="2305304207"/>
+        <p14:creationId xmlns:p14="http://schemas.microsoft.com/office/powerpoint/2010/main" val="128416714"/>
       </p:ext>
     </p:extLst>
   </p:cSld>
@@ -2133,7 +2356,12 @@
             <p:ph type="sldImg"/>
           </p:nvPr>
         </p:nvSpPr>
-        <p:spPr/>
+        <p:spPr>
+          <a:xfrm>
+            <a:off x="331788" y="696913"/>
+            <a:ext cx="6194425" cy="3486150"/>
+          </a:xfrm>
+        </p:spPr>
       </p:sp>
       <p:sp>
         <p:nvSpPr>
@@ -2150,7 +2378,7 @@
           <a:bodyPr/>
           <a:lstStyle/>
           <a:p>
-            <a:endParaRPr lang="en-US"/>
+            <a:endParaRPr lang="en-US" dirty="0"/>
           </a:p>
         </p:txBody>
       </p:sp>
@@ -2169,7 +2397,7 @@
           <a:bodyPr/>
           <a:lstStyle/>
           <a:p>
-            <a:fld id="{82AABF77-E2E4-44CA-BA5C-65E132CF08D8}" type="slidenum">
+            <a:fld id="{8B263312-38AA-4E1E-B2B5-0F8F122B24FE}" type="slidenum">
               <a:rPr lang="en-US" smtClean="0"/>
               <a:pPr/>
               <a:t>27</a:t>
@@ -2181,7 +2409,7 @@
     </p:spTree>
     <p:extLst>
       <p:ext uri="{BB962C8B-B14F-4D97-AF65-F5344CB8AC3E}">
-        <p14:creationId xmlns:p14="http://schemas.microsoft.com/office/powerpoint/2010/main" val="1372946379"/>
+        <p14:creationId xmlns:p14="http://schemas.microsoft.com/office/powerpoint/2010/main" val="346265460"/>
       </p:ext>
     </p:extLst>
   </p:cSld>
@@ -2266,7 +2494,7 @@
     </p:spTree>
     <p:extLst>
       <p:ext uri="{BB962C8B-B14F-4D97-AF65-F5344CB8AC3E}">
-        <p14:creationId xmlns:p14="http://schemas.microsoft.com/office/powerpoint/2010/main" val="1372946379"/>
+        <p14:creationId xmlns:p14="http://schemas.microsoft.com/office/powerpoint/2010/main" val="1406407013"/>
       </p:ext>
     </p:extLst>
   </p:cSld>
@@ -2973,7 +3201,7 @@
     </p:spTree>
     <p:extLst>
       <p:ext uri="{BB962C8B-B14F-4D97-AF65-F5344CB8AC3E}">
-        <p14:creationId xmlns:p14="http://schemas.microsoft.com/office/powerpoint/2010/main" val="340692264"/>
+        <p14:creationId xmlns:p14="http://schemas.microsoft.com/office/powerpoint/2010/main" val="2305304207"/>
       </p:ext>
     </p:extLst>
   </p:cSld>
@@ -2984,712 +3212,6 @@
 </file>
 
 <file path=ppt/notesSlides/notesSlide6.xml><?xml version="1.0" encoding="utf-8"?>
-<p:notes xmlns:a="http://schemas.openxmlformats.org/drawingml/2006/main" xmlns:r="http://schemas.openxmlformats.org/officeDocument/2006/relationships" xmlns:p="http://schemas.openxmlformats.org/presentationml/2006/main">
-  <p:cSld>
-    <p:spTree>
-      <p:nvGrpSpPr>
-        <p:cNvPr id="1" name=""/>
-        <p:cNvGrpSpPr/>
-        <p:nvPr/>
-      </p:nvGrpSpPr>
-      <p:grpSpPr>
-        <a:xfrm>
-          <a:off x="0" y="0"/>
-          <a:ext cx="0" cy="0"/>
-          <a:chOff x="0" y="0"/>
-          <a:chExt cx="0" cy="0"/>
-        </a:xfrm>
-      </p:grpSpPr>
-      <p:sp>
-        <p:nvSpPr>
-          <p:cNvPr id="2" name="Slide Image Placeholder 1"/>
-          <p:cNvSpPr>
-            <a:spLocks noGrp="1" noRot="1" noChangeAspect="1"/>
-          </p:cNvSpPr>
-          <p:nvPr>
-            <p:ph type="sldImg"/>
-          </p:nvPr>
-        </p:nvSpPr>
-        <p:spPr/>
-      </p:sp>
-      <p:sp>
-        <p:nvSpPr>
-          <p:cNvPr id="3" name="Notes Placeholder 2"/>
-          <p:cNvSpPr>
-            <a:spLocks noGrp="1"/>
-          </p:cNvSpPr>
-          <p:nvPr>
-            <p:ph type="body" idx="1"/>
-          </p:nvPr>
-        </p:nvSpPr>
-        <p:spPr/>
-        <p:txBody>
-          <a:bodyPr/>
-          <a:lstStyle/>
-          <a:p>
-            <a:r>
-              <a:rPr lang="en-US" dirty="0" smtClean="0"/>
-              <a:t>1</a:t>
-            </a:r>
-            <a:r>
-              <a:rPr lang="en-US" baseline="0" dirty="0" smtClean="0"/>
-              <a:t> minute</a:t>
-            </a:r>
-          </a:p>
-          <a:p>
-            <a:endParaRPr lang="en-US" baseline="0" dirty="0" smtClean="0"/>
-          </a:p>
-          <a:p>
-            <a:r>
-              <a:rPr lang="en-US" baseline="0" dirty="0" smtClean="0"/>
-              <a:t>The transition from code to markup is one of the most elegant things about Razor but there a few rules that are worth knowing about.  </a:t>
-            </a:r>
-          </a:p>
-          <a:p>
-            <a:endParaRPr lang="es-AR" baseline="0" dirty="0" smtClean="0"/>
-          </a:p>
-          <a:p>
-            <a:r>
-              <a:rPr lang="en-US" b="1" u="sng" baseline="0" noProof="0" dirty="0" smtClean="0"/>
-              <a:t>Option</a:t>
-            </a:r>
-            <a:r>
-              <a:rPr lang="es-AR" b="1" u="sng" baseline="0" dirty="0" smtClean="0"/>
-              <a:t> 1:</a:t>
-            </a:r>
-            <a:endParaRPr lang="en-US" b="1" u="sng" baseline="0" dirty="0" smtClean="0"/>
-          </a:p>
-          <a:p>
-            <a:pPr marL="0" indent="0">
-              <a:buNone/>
-            </a:pPr>
-            <a:r>
-              <a:rPr lang="en-US" baseline="0" dirty="0" smtClean="0"/>
-              <a:t>Code is the primary citizen in a code block, not HTML.  This means the parser will always expect code unless it finds valid opening (and closing) tags. </a:t>
-            </a:r>
-            <a:r>
-              <a:rPr lang="en-US" i="0" baseline="0" dirty="0" smtClean="0"/>
-              <a:t>In the first option block you see that after the @{ a name variable is defined. No additional tag is necessary. </a:t>
-            </a:r>
-          </a:p>
-          <a:p>
-            <a:pPr marL="0" indent="0">
-              <a:buNone/>
-            </a:pPr>
-            <a:r>
-              <a:rPr lang="en-US" i="0" baseline="0" dirty="0" smtClean="0"/>
-              <a:t>A &lt;div&gt; section tells Razor that what follows should be taken as literal. Then the @name indicates a variable that needs to be replaced with its value.</a:t>
-            </a:r>
-          </a:p>
-          <a:p>
-            <a:pPr marL="0" indent="0">
-              <a:buNone/>
-            </a:pPr>
-            <a:endParaRPr lang="es-AR" baseline="0" dirty="0" smtClean="0"/>
-          </a:p>
-          <a:p>
-            <a:pPr marL="0" indent="0">
-              <a:buNone/>
-            </a:pPr>
-            <a:r>
-              <a:rPr lang="en-US" b="1" u="sng" baseline="0" noProof="0" dirty="0" smtClean="0"/>
-              <a:t>Option 2:</a:t>
-            </a:r>
-          </a:p>
-          <a:p>
-            <a:pPr marL="0" indent="0">
-              <a:buNone/>
-            </a:pPr>
-            <a:r>
-              <a:rPr lang="en-US" baseline="0" dirty="0" smtClean="0"/>
-              <a:t>Similarly, to explicitly call out text in a code block as HTML, wrap it in a &lt;text&gt; tag</a:t>
-            </a:r>
-          </a:p>
-          <a:p>
-            <a:pPr marL="0" indent="0">
-              <a:buNone/>
-            </a:pPr>
-            <a:endParaRPr lang="es-AR" baseline="0" dirty="0" smtClean="0"/>
-          </a:p>
-          <a:p>
-            <a:pPr marL="0" marR="0" indent="0" algn="l" defTabSz="914400" rtl="0" eaLnBrk="1" fontAlgn="auto" latinLnBrk="0" hangingPunct="1">
-              <a:lnSpc>
-                <a:spcPct val="100000"/>
-              </a:lnSpc>
-              <a:spcBef>
-                <a:spcPts val="0"/>
-              </a:spcBef>
-              <a:spcAft>
-                <a:spcPts val="0"/>
-              </a:spcAft>
-              <a:buClrTx/>
-              <a:buSzTx/>
-              <a:buFontTx/>
-              <a:buNone/>
-              <a:tabLst/>
-              <a:defRPr/>
-            </a:pPr>
-            <a:r>
-              <a:rPr lang="en-US" b="1" u="sng" baseline="0" noProof="0" dirty="0" smtClean="0"/>
-              <a:t>Option 3:</a:t>
-            </a:r>
-          </a:p>
-          <a:p>
-            <a:pPr marL="0" indent="0">
-              <a:buNone/>
-            </a:pPr>
-            <a:r>
-              <a:rPr lang="en-US" baseline="0" dirty="0" smtClean="0"/>
-              <a:t>Single line of output within markup can be denoted by @:</a:t>
-            </a:r>
-          </a:p>
-          <a:p>
-            <a:pPr marL="0" marR="0" indent="0" algn="l" defTabSz="914400" rtl="0" eaLnBrk="1" fontAlgn="auto" latinLnBrk="0" hangingPunct="1">
-              <a:lnSpc>
-                <a:spcPct val="100000"/>
-              </a:lnSpc>
-              <a:spcBef>
-                <a:spcPts val="0"/>
-              </a:spcBef>
-              <a:spcAft>
-                <a:spcPts val="0"/>
-              </a:spcAft>
-              <a:buClrTx/>
-              <a:buSzTx/>
-              <a:buFontTx/>
-              <a:buNone/>
-              <a:tabLst/>
-              <a:defRPr/>
-            </a:pPr>
-            <a:r>
-              <a:rPr lang="en-US" i="0" baseline="0" noProof="0" dirty="0" smtClean="0"/>
-              <a:t>This option is useful when you don’t want to render an </a:t>
-            </a:r>
-            <a:r>
-              <a:rPr lang="en-US" i="0" dirty="0" smtClean="0"/>
-              <a:t>HTML element as part of the output. </a:t>
-            </a:r>
-            <a:endParaRPr lang="en-US" i="0" baseline="0" dirty="0" smtClean="0"/>
-          </a:p>
-          <a:p>
-            <a:endParaRPr lang="en-US" baseline="0" dirty="0" smtClean="0"/>
-          </a:p>
-          <a:p>
-            <a:pPr marL="0" marR="0" indent="0" algn="l" defTabSz="914400" rtl="0" eaLnBrk="1" fontAlgn="auto" latinLnBrk="0" hangingPunct="1">
-              <a:lnSpc>
-                <a:spcPct val="100000"/>
-              </a:lnSpc>
-              <a:spcBef>
-                <a:spcPts val="0"/>
-              </a:spcBef>
-              <a:spcAft>
-                <a:spcPts val="0"/>
-              </a:spcAft>
-              <a:buClrTx/>
-              <a:buSzTx/>
-              <a:buFontTx/>
-              <a:buNone/>
-              <a:tabLst/>
-              <a:defRPr/>
-            </a:pPr>
-            <a:r>
-              <a:rPr lang="en-US" dirty="0" smtClean="0"/>
-              <a:t>Extra Knowledge (Advanced):</a:t>
-            </a:r>
-          </a:p>
-          <a:p>
-            <a:pPr marL="0" marR="0" indent="0" algn="l" defTabSz="914400" rtl="0" eaLnBrk="1" fontAlgn="auto" latinLnBrk="0" hangingPunct="1">
-              <a:lnSpc>
-                <a:spcPct val="100000"/>
-              </a:lnSpc>
-              <a:spcBef>
-                <a:spcPts val="0"/>
-              </a:spcBef>
-              <a:spcAft>
-                <a:spcPts val="0"/>
-              </a:spcAft>
-              <a:buClrTx/>
-              <a:buSzTx/>
-              <a:buFontTx/>
-              <a:buNone/>
-              <a:tabLst/>
-              <a:defRPr/>
-            </a:pPr>
-            <a:endParaRPr lang="en-US" dirty="0" smtClean="0"/>
-          </a:p>
-          <a:p>
-            <a:pPr marL="0" marR="0" indent="0" algn="l" defTabSz="914400" rtl="0" eaLnBrk="1" fontAlgn="auto" latinLnBrk="0" hangingPunct="1">
-              <a:lnSpc>
-                <a:spcPct val="100000"/>
-              </a:lnSpc>
-              <a:spcBef>
-                <a:spcPts val="0"/>
-              </a:spcBef>
-              <a:spcAft>
-                <a:spcPts val="0"/>
-              </a:spcAft>
-              <a:buClrTx/>
-              <a:buSzTx/>
-              <a:buFontTx/>
-              <a:buNone/>
-              <a:tabLst/>
-              <a:defRPr/>
-            </a:pPr>
-            <a:r>
-              <a:rPr lang="en-US" dirty="0" smtClean="0"/>
-              <a:t>The</a:t>
-            </a:r>
-            <a:r>
-              <a:rPr lang="en-US" baseline="0" dirty="0" smtClean="0"/>
-              <a:t> Parser that understands Razor is itself a standalone assembly (</a:t>
-            </a:r>
-            <a:r>
-              <a:rPr lang="en-US" dirty="0" smtClean="0"/>
-              <a:t>System.Web.Razor.dll)</a:t>
-            </a:r>
-            <a:r>
-              <a:rPr lang="en-US" baseline="0" dirty="0" smtClean="0"/>
-              <a:t> which has no dependencies on ASP.NET which means you can use it to parse CSHTML/VBHTML files and produce C#/VB code in any .NET application.  </a:t>
-            </a:r>
-            <a:endParaRPr lang="en-US" dirty="0" smtClean="0"/>
-          </a:p>
-        </p:txBody>
-      </p:sp>
-      <p:sp>
-        <p:nvSpPr>
-          <p:cNvPr id="4" name="Slide Number Placeholder 3"/>
-          <p:cNvSpPr>
-            <a:spLocks noGrp="1"/>
-          </p:cNvSpPr>
-          <p:nvPr>
-            <p:ph type="sldNum" sz="quarter" idx="10"/>
-          </p:nvPr>
-        </p:nvSpPr>
-        <p:spPr/>
-        <p:txBody>
-          <a:bodyPr/>
-          <a:lstStyle/>
-          <a:p>
-            <a:fld id="{D88053AA-761C-4194-BE5B-5E836C7C1428}" type="slidenum">
-              <a:rPr lang="en-US" smtClean="0"/>
-              <a:t>7</a:t>
-            </a:fld>
-            <a:endParaRPr lang="en-US"/>
-          </a:p>
-        </p:txBody>
-      </p:sp>
-    </p:spTree>
-    <p:extLst>
-      <p:ext uri="{BB962C8B-B14F-4D97-AF65-F5344CB8AC3E}">
-        <p14:creationId xmlns:p14="http://schemas.microsoft.com/office/powerpoint/2010/main" val="706457235"/>
-      </p:ext>
-    </p:extLst>
-  </p:cSld>
-  <p:clrMapOvr>
-    <a:masterClrMapping/>
-  </p:clrMapOvr>
-</p:notes>
-</file>
-
-<file path=ppt/notesSlides/notesSlide7.xml><?xml version="1.0" encoding="utf-8"?>
-<p:notes xmlns:a="http://schemas.openxmlformats.org/drawingml/2006/main" xmlns:r="http://schemas.openxmlformats.org/officeDocument/2006/relationships" xmlns:p="http://schemas.openxmlformats.org/presentationml/2006/main">
-  <p:cSld>
-    <p:spTree>
-      <p:nvGrpSpPr>
-        <p:cNvPr id="1" name=""/>
-        <p:cNvGrpSpPr/>
-        <p:nvPr/>
-      </p:nvGrpSpPr>
-      <p:grpSpPr>
-        <a:xfrm>
-          <a:off x="0" y="0"/>
-          <a:ext cx="0" cy="0"/>
-          <a:chOff x="0" y="0"/>
-          <a:chExt cx="0" cy="0"/>
-        </a:xfrm>
-      </p:grpSpPr>
-      <p:sp>
-        <p:nvSpPr>
-          <p:cNvPr id="2" name="Slide Image Placeholder 1"/>
-          <p:cNvSpPr>
-            <a:spLocks noGrp="1" noRot="1" noChangeAspect="1"/>
-          </p:cNvSpPr>
-          <p:nvPr>
-            <p:ph type="sldImg"/>
-          </p:nvPr>
-        </p:nvSpPr>
-        <p:spPr/>
-      </p:sp>
-      <p:sp>
-        <p:nvSpPr>
-          <p:cNvPr id="3" name="Notes Placeholder 2"/>
-          <p:cNvSpPr>
-            <a:spLocks noGrp="1"/>
-          </p:cNvSpPr>
-          <p:nvPr>
-            <p:ph type="body" idx="1"/>
-          </p:nvPr>
-        </p:nvSpPr>
-        <p:spPr/>
-        <p:txBody>
-          <a:bodyPr/>
-          <a:lstStyle/>
-          <a:p>
-            <a:r>
-              <a:rPr lang="en-US" dirty="0" smtClean="0"/>
-              <a:t>1</a:t>
-            </a:r>
-            <a:r>
-              <a:rPr lang="en-US" baseline="0" dirty="0" smtClean="0"/>
-              <a:t> minute</a:t>
-            </a:r>
-          </a:p>
-          <a:p>
-            <a:endParaRPr lang="en-US" baseline="0" dirty="0" smtClean="0"/>
-          </a:p>
-          <a:p>
-            <a:r>
-              <a:rPr lang="en-US" baseline="0" dirty="0" smtClean="0"/>
-              <a:t>The transition from code to markup is one of the most elegant things about Razor but there a few rules that are worth knowing about.  </a:t>
-            </a:r>
-          </a:p>
-          <a:p>
-            <a:endParaRPr lang="es-AR" baseline="0" dirty="0" smtClean="0"/>
-          </a:p>
-          <a:p>
-            <a:r>
-              <a:rPr lang="en-US" b="1" u="sng" baseline="0" noProof="0" dirty="0" smtClean="0"/>
-              <a:t>Option</a:t>
-            </a:r>
-            <a:r>
-              <a:rPr lang="es-AR" b="1" u="sng" baseline="0" dirty="0" smtClean="0"/>
-              <a:t> 1:</a:t>
-            </a:r>
-            <a:endParaRPr lang="en-US" b="1" u="sng" baseline="0" dirty="0" smtClean="0"/>
-          </a:p>
-          <a:p>
-            <a:pPr marL="0" indent="0">
-              <a:buNone/>
-            </a:pPr>
-            <a:r>
-              <a:rPr lang="en-US" baseline="0" dirty="0" smtClean="0"/>
-              <a:t>Code is the primary citizen in a code block, not HTML.  This means the parser will always expect code unless it finds valid opening (and closing) tags. </a:t>
-            </a:r>
-            <a:r>
-              <a:rPr lang="en-US" i="0" baseline="0" dirty="0" smtClean="0"/>
-              <a:t>In the first option block you see that after the @{ a name variable is defined. No additional tag is necessary. </a:t>
-            </a:r>
-          </a:p>
-          <a:p>
-            <a:pPr marL="0" indent="0">
-              <a:buNone/>
-            </a:pPr>
-            <a:r>
-              <a:rPr lang="en-US" i="0" baseline="0" dirty="0" smtClean="0"/>
-              <a:t>A &lt;div&gt; section tells Razor that what follows should be taken as literal. Then the @name indicates a variable that needs to be replaced with its value.</a:t>
-            </a:r>
-          </a:p>
-          <a:p>
-            <a:pPr marL="0" indent="0">
-              <a:buNone/>
-            </a:pPr>
-            <a:endParaRPr lang="es-AR" baseline="0" dirty="0" smtClean="0"/>
-          </a:p>
-          <a:p>
-            <a:pPr marL="0" indent="0">
-              <a:buNone/>
-            </a:pPr>
-            <a:r>
-              <a:rPr lang="en-US" b="1" u="sng" baseline="0" noProof="0" dirty="0" smtClean="0"/>
-              <a:t>Option 2:</a:t>
-            </a:r>
-          </a:p>
-          <a:p>
-            <a:pPr marL="0" indent="0">
-              <a:buNone/>
-            </a:pPr>
-            <a:r>
-              <a:rPr lang="en-US" baseline="0" dirty="0" smtClean="0"/>
-              <a:t>Similarly, to explicitly call out text in a code block as HTML, wrap it in a &lt;text&gt; tag</a:t>
-            </a:r>
-          </a:p>
-          <a:p>
-            <a:pPr marL="0" indent="0">
-              <a:buNone/>
-            </a:pPr>
-            <a:endParaRPr lang="es-AR" baseline="0" dirty="0" smtClean="0"/>
-          </a:p>
-          <a:p>
-            <a:pPr marL="0" marR="0" indent="0" algn="l" defTabSz="914400" rtl="0" eaLnBrk="1" fontAlgn="auto" latinLnBrk="0" hangingPunct="1">
-              <a:lnSpc>
-                <a:spcPct val="100000"/>
-              </a:lnSpc>
-              <a:spcBef>
-                <a:spcPts val="0"/>
-              </a:spcBef>
-              <a:spcAft>
-                <a:spcPts val="0"/>
-              </a:spcAft>
-              <a:buClrTx/>
-              <a:buSzTx/>
-              <a:buFontTx/>
-              <a:buNone/>
-              <a:tabLst/>
-              <a:defRPr/>
-            </a:pPr>
-            <a:r>
-              <a:rPr lang="en-US" b="1" u="sng" baseline="0" noProof="0" dirty="0" smtClean="0"/>
-              <a:t>Option 3:</a:t>
-            </a:r>
-          </a:p>
-          <a:p>
-            <a:pPr marL="0" indent="0">
-              <a:buNone/>
-            </a:pPr>
-            <a:r>
-              <a:rPr lang="en-US" baseline="0" dirty="0" smtClean="0"/>
-              <a:t>Single line of output within markup can be denoted by @:</a:t>
-            </a:r>
-          </a:p>
-          <a:p>
-            <a:pPr marL="0" marR="0" indent="0" algn="l" defTabSz="914400" rtl="0" eaLnBrk="1" fontAlgn="auto" latinLnBrk="0" hangingPunct="1">
-              <a:lnSpc>
-                <a:spcPct val="100000"/>
-              </a:lnSpc>
-              <a:spcBef>
-                <a:spcPts val="0"/>
-              </a:spcBef>
-              <a:spcAft>
-                <a:spcPts val="0"/>
-              </a:spcAft>
-              <a:buClrTx/>
-              <a:buSzTx/>
-              <a:buFontTx/>
-              <a:buNone/>
-              <a:tabLst/>
-              <a:defRPr/>
-            </a:pPr>
-            <a:r>
-              <a:rPr lang="en-US" i="0" baseline="0" noProof="0" dirty="0" smtClean="0"/>
-              <a:t>This option is useful when you don’t want to render an </a:t>
-            </a:r>
-            <a:r>
-              <a:rPr lang="en-US" i="0" dirty="0" smtClean="0"/>
-              <a:t>HTML element as part of the output. </a:t>
-            </a:r>
-            <a:endParaRPr lang="en-US" i="0" baseline="0" dirty="0" smtClean="0"/>
-          </a:p>
-          <a:p>
-            <a:endParaRPr lang="en-US" baseline="0" dirty="0" smtClean="0"/>
-          </a:p>
-          <a:p>
-            <a:pPr marL="0" marR="0" indent="0" algn="l" defTabSz="914400" rtl="0" eaLnBrk="1" fontAlgn="auto" latinLnBrk="0" hangingPunct="1">
-              <a:lnSpc>
-                <a:spcPct val="100000"/>
-              </a:lnSpc>
-              <a:spcBef>
-                <a:spcPts val="0"/>
-              </a:spcBef>
-              <a:spcAft>
-                <a:spcPts val="0"/>
-              </a:spcAft>
-              <a:buClrTx/>
-              <a:buSzTx/>
-              <a:buFontTx/>
-              <a:buNone/>
-              <a:tabLst/>
-              <a:defRPr/>
-            </a:pPr>
-            <a:r>
-              <a:rPr lang="en-US" dirty="0" smtClean="0"/>
-              <a:t>Extra Knowledge (Advanced):</a:t>
-            </a:r>
-          </a:p>
-          <a:p>
-            <a:pPr marL="0" marR="0" indent="0" algn="l" defTabSz="914400" rtl="0" eaLnBrk="1" fontAlgn="auto" latinLnBrk="0" hangingPunct="1">
-              <a:lnSpc>
-                <a:spcPct val="100000"/>
-              </a:lnSpc>
-              <a:spcBef>
-                <a:spcPts val="0"/>
-              </a:spcBef>
-              <a:spcAft>
-                <a:spcPts val="0"/>
-              </a:spcAft>
-              <a:buClrTx/>
-              <a:buSzTx/>
-              <a:buFontTx/>
-              <a:buNone/>
-              <a:tabLst/>
-              <a:defRPr/>
-            </a:pPr>
-            <a:endParaRPr lang="en-US" dirty="0" smtClean="0"/>
-          </a:p>
-          <a:p>
-            <a:pPr marL="0" marR="0" indent="0" algn="l" defTabSz="914400" rtl="0" eaLnBrk="1" fontAlgn="auto" latinLnBrk="0" hangingPunct="1">
-              <a:lnSpc>
-                <a:spcPct val="100000"/>
-              </a:lnSpc>
-              <a:spcBef>
-                <a:spcPts val="0"/>
-              </a:spcBef>
-              <a:spcAft>
-                <a:spcPts val="0"/>
-              </a:spcAft>
-              <a:buClrTx/>
-              <a:buSzTx/>
-              <a:buFontTx/>
-              <a:buNone/>
-              <a:tabLst/>
-              <a:defRPr/>
-            </a:pPr>
-            <a:r>
-              <a:rPr lang="en-US" dirty="0" smtClean="0"/>
-              <a:t>The</a:t>
-            </a:r>
-            <a:r>
-              <a:rPr lang="en-US" baseline="0" dirty="0" smtClean="0"/>
-              <a:t> Parser that understands Razor is itself a standalone assembly (</a:t>
-            </a:r>
-            <a:r>
-              <a:rPr lang="en-US" dirty="0" smtClean="0"/>
-              <a:t>System.Web.Razor.dll)</a:t>
-            </a:r>
-            <a:r>
-              <a:rPr lang="en-US" baseline="0" dirty="0" smtClean="0"/>
-              <a:t> which has no dependencies on ASP.NET which means you can use it to parse CSHTML/VBHTML files and produce C#/VB code in any .NET application.  </a:t>
-            </a:r>
-            <a:endParaRPr lang="en-US" dirty="0" smtClean="0"/>
-          </a:p>
-        </p:txBody>
-      </p:sp>
-      <p:sp>
-        <p:nvSpPr>
-          <p:cNvPr id="4" name="Slide Number Placeholder 3"/>
-          <p:cNvSpPr>
-            <a:spLocks noGrp="1"/>
-          </p:cNvSpPr>
-          <p:nvPr>
-            <p:ph type="sldNum" sz="quarter" idx="10"/>
-          </p:nvPr>
-        </p:nvSpPr>
-        <p:spPr/>
-        <p:txBody>
-          <a:bodyPr/>
-          <a:lstStyle/>
-          <a:p>
-            <a:fld id="{D88053AA-761C-4194-BE5B-5E836C7C1428}" type="slidenum">
-              <a:rPr lang="en-US" smtClean="0"/>
-              <a:t>8</a:t>
-            </a:fld>
-            <a:endParaRPr lang="en-US"/>
-          </a:p>
-        </p:txBody>
-      </p:sp>
-    </p:spTree>
-    <p:extLst>
-      <p:ext uri="{BB962C8B-B14F-4D97-AF65-F5344CB8AC3E}">
-        <p14:creationId xmlns:p14="http://schemas.microsoft.com/office/powerpoint/2010/main" val="706457235"/>
-      </p:ext>
-    </p:extLst>
-  </p:cSld>
-  <p:clrMapOvr>
-    <a:masterClrMapping/>
-  </p:clrMapOvr>
-</p:notes>
-</file>
-
-<file path=ppt/notesSlides/notesSlide8.xml><?xml version="1.0" encoding="utf-8"?>
-<p:notes xmlns:a="http://schemas.openxmlformats.org/drawingml/2006/main" xmlns:r="http://schemas.openxmlformats.org/officeDocument/2006/relationships" xmlns:p="http://schemas.openxmlformats.org/presentationml/2006/main">
-  <p:cSld>
-    <p:spTree>
-      <p:nvGrpSpPr>
-        <p:cNvPr id="1" name=""/>
-        <p:cNvGrpSpPr/>
-        <p:nvPr/>
-      </p:nvGrpSpPr>
-      <p:grpSpPr>
-        <a:xfrm>
-          <a:off x="0" y="0"/>
-          <a:ext cx="0" cy="0"/>
-          <a:chOff x="0" y="0"/>
-          <a:chExt cx="0" cy="0"/>
-        </a:xfrm>
-      </p:grpSpPr>
-      <p:sp>
-        <p:nvSpPr>
-          <p:cNvPr id="2" name="Slide Image Placeholder 1"/>
-          <p:cNvSpPr>
-            <a:spLocks noGrp="1" noRot="1" noChangeAspect="1"/>
-          </p:cNvSpPr>
-          <p:nvPr>
-            <p:ph type="sldImg"/>
-          </p:nvPr>
-        </p:nvSpPr>
-        <p:spPr>
-          <a:xfrm>
-            <a:off x="331788" y="696913"/>
-            <a:ext cx="6194425" cy="3486150"/>
-          </a:xfrm>
-        </p:spPr>
-      </p:sp>
-      <p:sp>
-        <p:nvSpPr>
-          <p:cNvPr id="3" name="Notes Placeholder 2"/>
-          <p:cNvSpPr>
-            <a:spLocks noGrp="1"/>
-          </p:cNvSpPr>
-          <p:nvPr>
-            <p:ph type="body" idx="1"/>
-          </p:nvPr>
-        </p:nvSpPr>
-        <p:spPr/>
-        <p:txBody>
-          <a:bodyPr/>
-          <a:lstStyle/>
-          <a:p>
-            <a:endParaRPr lang="en-US" dirty="0"/>
-          </a:p>
-        </p:txBody>
-      </p:sp>
-      <p:sp>
-        <p:nvSpPr>
-          <p:cNvPr id="4" name="Slide Number Placeholder 3"/>
-          <p:cNvSpPr>
-            <a:spLocks noGrp="1"/>
-          </p:cNvSpPr>
-          <p:nvPr>
-            <p:ph type="sldNum" sz="quarter" idx="10"/>
-          </p:nvPr>
-        </p:nvSpPr>
-        <p:spPr/>
-        <p:txBody>
-          <a:bodyPr/>
-          <a:lstStyle/>
-          <a:p>
-            <a:fld id="{8B263312-38AA-4E1E-B2B5-0F8F122B24FE}" type="slidenum">
-              <a:rPr lang="en-US" smtClean="0"/>
-              <a:pPr/>
-              <a:t>9</a:t>
-            </a:fld>
-            <a:endParaRPr lang="en-US" dirty="0"/>
-          </a:p>
-        </p:txBody>
-      </p:sp>
-    </p:spTree>
-    <p:extLst>
-      <p:ext uri="{BB962C8B-B14F-4D97-AF65-F5344CB8AC3E}">
-        <p14:creationId xmlns:p14="http://schemas.microsoft.com/office/powerpoint/2010/main" val="346265460"/>
-      </p:ext>
-    </p:extLst>
-  </p:cSld>
-  <p:clrMapOvr>
-    <a:masterClrMapping/>
-  </p:clrMapOvr>
-</p:notes>
-</file>
-
-<file path=ppt/notesSlides/notesSlide9.xml><?xml version="1.0" encoding="utf-8"?>
 <p:notes xmlns:a="http://schemas.openxmlformats.org/drawingml/2006/main" xmlns:r="http://schemas.openxmlformats.org/officeDocument/2006/relationships" xmlns:p="http://schemas.openxmlformats.org/presentationml/2006/main">
   <p:cSld>
     <p:spTree>
@@ -3755,7 +3277,7 @@
             <a:fld id="{82AABF77-E2E4-44CA-BA5C-65E132CF08D8}" type="slidenum">
               <a:rPr lang="en-US" smtClean="0"/>
               <a:pPr/>
-              <a:t>10</a:t>
+              <a:t>7</a:t>
             </a:fld>
             <a:endParaRPr lang="en-US" dirty="0"/>
           </a:p>
@@ -3764,7 +3286,485 @@
     </p:spTree>
     <p:extLst>
       <p:ext uri="{BB962C8B-B14F-4D97-AF65-F5344CB8AC3E}">
-        <p14:creationId xmlns:p14="http://schemas.microsoft.com/office/powerpoint/2010/main" val="1940064224"/>
+        <p14:creationId xmlns:p14="http://schemas.microsoft.com/office/powerpoint/2010/main" val="1372946379"/>
+      </p:ext>
+    </p:extLst>
+  </p:cSld>
+  <p:clrMapOvr>
+    <a:masterClrMapping/>
+  </p:clrMapOvr>
+</p:notes>
+</file>
+
+<file path=ppt/notesSlides/notesSlide7.xml><?xml version="1.0" encoding="utf-8"?>
+<p:notes xmlns:a="http://schemas.openxmlformats.org/drawingml/2006/main" xmlns:r="http://schemas.openxmlformats.org/officeDocument/2006/relationships" xmlns:p="http://schemas.openxmlformats.org/presentationml/2006/main">
+  <p:cSld>
+    <p:spTree>
+      <p:nvGrpSpPr>
+        <p:cNvPr id="1" name=""/>
+        <p:cNvGrpSpPr/>
+        <p:nvPr/>
+      </p:nvGrpSpPr>
+      <p:grpSpPr>
+        <a:xfrm>
+          <a:off x="0" y="0"/>
+          <a:ext cx="0" cy="0"/>
+          <a:chOff x="0" y="0"/>
+          <a:chExt cx="0" cy="0"/>
+        </a:xfrm>
+      </p:grpSpPr>
+      <p:sp>
+        <p:nvSpPr>
+          <p:cNvPr id="2" name="Slide Image Placeholder 1"/>
+          <p:cNvSpPr>
+            <a:spLocks noGrp="1" noRot="1" noChangeAspect="1"/>
+          </p:cNvSpPr>
+          <p:nvPr>
+            <p:ph type="sldImg"/>
+          </p:nvPr>
+        </p:nvSpPr>
+        <p:spPr/>
+      </p:sp>
+      <p:sp>
+        <p:nvSpPr>
+          <p:cNvPr id="3" name="Notes Placeholder 2"/>
+          <p:cNvSpPr>
+            <a:spLocks noGrp="1"/>
+          </p:cNvSpPr>
+          <p:nvPr>
+            <p:ph type="body" idx="1"/>
+          </p:nvPr>
+        </p:nvSpPr>
+        <p:spPr/>
+        <p:txBody>
+          <a:bodyPr/>
+          <a:lstStyle/>
+          <a:p>
+            <a:endParaRPr lang="en-US"/>
+          </a:p>
+        </p:txBody>
+      </p:sp>
+      <p:sp>
+        <p:nvSpPr>
+          <p:cNvPr id="4" name="Slide Number Placeholder 3"/>
+          <p:cNvSpPr>
+            <a:spLocks noGrp="1"/>
+          </p:cNvSpPr>
+          <p:nvPr>
+            <p:ph type="sldNum" sz="quarter" idx="10"/>
+          </p:nvPr>
+        </p:nvSpPr>
+        <p:spPr/>
+        <p:txBody>
+          <a:bodyPr/>
+          <a:lstStyle/>
+          <a:p>
+            <a:fld id="{82AABF77-E2E4-44CA-BA5C-65E132CF08D8}" type="slidenum">
+              <a:rPr lang="en-US" smtClean="0"/>
+              <a:pPr/>
+              <a:t>8</a:t>
+            </a:fld>
+            <a:endParaRPr lang="en-US" dirty="0"/>
+          </a:p>
+        </p:txBody>
+      </p:sp>
+    </p:spTree>
+    <p:extLst>
+      <p:ext uri="{BB962C8B-B14F-4D97-AF65-F5344CB8AC3E}">
+        <p14:creationId xmlns:p14="http://schemas.microsoft.com/office/powerpoint/2010/main" val="1372946379"/>
+      </p:ext>
+    </p:extLst>
+  </p:cSld>
+  <p:clrMapOvr>
+    <a:masterClrMapping/>
+  </p:clrMapOvr>
+</p:notes>
+</file>
+
+<file path=ppt/notesSlides/notesSlide8.xml><?xml version="1.0" encoding="utf-8"?>
+<p:notes xmlns:a="http://schemas.openxmlformats.org/drawingml/2006/main" xmlns:r="http://schemas.openxmlformats.org/officeDocument/2006/relationships" xmlns:p="http://schemas.openxmlformats.org/presentationml/2006/main">
+  <p:cSld>
+    <p:spTree>
+      <p:nvGrpSpPr>
+        <p:cNvPr id="1" name=""/>
+        <p:cNvGrpSpPr/>
+        <p:nvPr/>
+      </p:nvGrpSpPr>
+      <p:grpSpPr>
+        <a:xfrm>
+          <a:off x="0" y="0"/>
+          <a:ext cx="0" cy="0"/>
+          <a:chOff x="0" y="0"/>
+          <a:chExt cx="0" cy="0"/>
+        </a:xfrm>
+      </p:grpSpPr>
+      <p:sp>
+        <p:nvSpPr>
+          <p:cNvPr id="2" name="Slide Image Placeholder 1"/>
+          <p:cNvSpPr>
+            <a:spLocks noGrp="1" noRot="1" noChangeAspect="1"/>
+          </p:cNvSpPr>
+          <p:nvPr>
+            <p:ph type="sldImg"/>
+          </p:nvPr>
+        </p:nvSpPr>
+        <p:spPr/>
+      </p:sp>
+      <p:sp>
+        <p:nvSpPr>
+          <p:cNvPr id="3" name="Notes Placeholder 2"/>
+          <p:cNvSpPr>
+            <a:spLocks noGrp="1"/>
+          </p:cNvSpPr>
+          <p:nvPr>
+            <p:ph type="body" idx="1"/>
+          </p:nvPr>
+        </p:nvSpPr>
+        <p:spPr/>
+        <p:txBody>
+          <a:bodyPr/>
+          <a:lstStyle/>
+          <a:p>
+            <a:endParaRPr lang="en-US"/>
+          </a:p>
+        </p:txBody>
+      </p:sp>
+      <p:sp>
+        <p:nvSpPr>
+          <p:cNvPr id="4" name="Slide Number Placeholder 3"/>
+          <p:cNvSpPr>
+            <a:spLocks noGrp="1"/>
+          </p:cNvSpPr>
+          <p:nvPr>
+            <p:ph type="sldNum" sz="quarter" idx="10"/>
+          </p:nvPr>
+        </p:nvSpPr>
+        <p:spPr/>
+        <p:txBody>
+          <a:bodyPr/>
+          <a:lstStyle/>
+          <a:p>
+            <a:fld id="{82AABF77-E2E4-44CA-BA5C-65E132CF08D8}" type="slidenum">
+              <a:rPr lang="en-US" smtClean="0"/>
+              <a:pPr/>
+              <a:t>9</a:t>
+            </a:fld>
+            <a:endParaRPr lang="en-US" dirty="0"/>
+          </a:p>
+        </p:txBody>
+      </p:sp>
+    </p:spTree>
+    <p:extLst>
+      <p:ext uri="{BB962C8B-B14F-4D97-AF65-F5344CB8AC3E}">
+        <p14:creationId xmlns:p14="http://schemas.microsoft.com/office/powerpoint/2010/main" val="340692264"/>
+      </p:ext>
+    </p:extLst>
+  </p:cSld>
+  <p:clrMapOvr>
+    <a:masterClrMapping/>
+  </p:clrMapOvr>
+</p:notes>
+</file>
+
+<file path=ppt/notesSlides/notesSlide9.xml><?xml version="1.0" encoding="utf-8"?>
+<p:notes xmlns:a="http://schemas.openxmlformats.org/drawingml/2006/main" xmlns:r="http://schemas.openxmlformats.org/officeDocument/2006/relationships" xmlns:p="http://schemas.openxmlformats.org/presentationml/2006/main">
+  <p:cSld>
+    <p:spTree>
+      <p:nvGrpSpPr>
+        <p:cNvPr id="1" name=""/>
+        <p:cNvGrpSpPr/>
+        <p:nvPr/>
+      </p:nvGrpSpPr>
+      <p:grpSpPr>
+        <a:xfrm>
+          <a:off x="0" y="0"/>
+          <a:ext cx="0" cy="0"/>
+          <a:chOff x="0" y="0"/>
+          <a:chExt cx="0" cy="0"/>
+        </a:xfrm>
+      </p:grpSpPr>
+      <p:sp>
+        <p:nvSpPr>
+          <p:cNvPr id="2" name="Slide Image Placeholder 1"/>
+          <p:cNvSpPr>
+            <a:spLocks noGrp="1" noRot="1" noChangeAspect="1"/>
+          </p:cNvSpPr>
+          <p:nvPr>
+            <p:ph type="sldImg"/>
+          </p:nvPr>
+        </p:nvSpPr>
+        <p:spPr/>
+      </p:sp>
+      <p:sp>
+        <p:nvSpPr>
+          <p:cNvPr id="3" name="Notes Placeholder 2"/>
+          <p:cNvSpPr>
+            <a:spLocks noGrp="1"/>
+          </p:cNvSpPr>
+          <p:nvPr>
+            <p:ph type="body" idx="1"/>
+          </p:nvPr>
+        </p:nvSpPr>
+        <p:spPr/>
+        <p:txBody>
+          <a:bodyPr/>
+          <a:lstStyle/>
+          <a:p>
+            <a:r>
+              <a:rPr lang="en-US" dirty="0" smtClean="0"/>
+              <a:t>1</a:t>
+            </a:r>
+            <a:r>
+              <a:rPr lang="en-US" baseline="0" dirty="0" smtClean="0"/>
+              <a:t> minute</a:t>
+            </a:r>
+          </a:p>
+          <a:p>
+            <a:endParaRPr lang="en-US" baseline="0" dirty="0" smtClean="0"/>
+          </a:p>
+          <a:p>
+            <a:r>
+              <a:rPr lang="en-US" baseline="0" dirty="0" smtClean="0"/>
+              <a:t>The transition from code to markup is one of the most elegant things about Razor but there a few rules that are worth knowing about.  </a:t>
+            </a:r>
+          </a:p>
+          <a:p>
+            <a:endParaRPr lang="es-AR" baseline="0" dirty="0" smtClean="0"/>
+          </a:p>
+          <a:p>
+            <a:r>
+              <a:rPr lang="en-US" b="1" u="sng" baseline="0" noProof="0" dirty="0" smtClean="0"/>
+              <a:t>Option</a:t>
+            </a:r>
+            <a:r>
+              <a:rPr lang="es-AR" b="1" u="sng" baseline="0" dirty="0" smtClean="0"/>
+              <a:t> 1:</a:t>
+            </a:r>
+            <a:endParaRPr lang="en-US" b="1" u="sng" baseline="0" dirty="0" smtClean="0"/>
+          </a:p>
+          <a:p>
+            <a:pPr marL="0" indent="0">
+              <a:buNone/>
+            </a:pPr>
+            <a:r>
+              <a:rPr lang="en-US" baseline="0" dirty="0" smtClean="0"/>
+              <a:t>Code is the primary citizen in a code block, not HTML.  This means the parser will always expect code unless it finds valid opening (and closing) tags. </a:t>
+            </a:r>
+            <a:r>
+              <a:rPr lang="en-US" i="0" baseline="0" dirty="0" smtClean="0"/>
+              <a:t>In the first option block you see that after the @{ a name variable is defined. No additional tag is necessary. </a:t>
+            </a:r>
+          </a:p>
+          <a:p>
+            <a:pPr marL="0" indent="0">
+              <a:buNone/>
+            </a:pPr>
+            <a:r>
+              <a:rPr lang="en-US" i="0" baseline="0" dirty="0" smtClean="0"/>
+              <a:t>A &lt;div&gt; section tells Razor that what follows should be taken as literal. Then the @name indicates a variable that needs to be replaced with its value.</a:t>
+            </a:r>
+          </a:p>
+          <a:p>
+            <a:pPr marL="0" indent="0">
+              <a:buNone/>
+            </a:pPr>
+            <a:endParaRPr lang="es-AR" baseline="0" dirty="0" smtClean="0"/>
+          </a:p>
+          <a:p>
+            <a:pPr marL="0" indent="0">
+              <a:buNone/>
+            </a:pPr>
+            <a:r>
+              <a:rPr lang="en-US" b="1" u="sng" baseline="0" noProof="0" dirty="0" smtClean="0"/>
+              <a:t>Option 2:</a:t>
+            </a:r>
+          </a:p>
+          <a:p>
+            <a:pPr marL="0" indent="0">
+              <a:buNone/>
+            </a:pPr>
+            <a:r>
+              <a:rPr lang="en-US" baseline="0" dirty="0" smtClean="0"/>
+              <a:t>Similarly, to explicitly call out text in a code block as HTML, wrap it in a &lt;text&gt; tag</a:t>
+            </a:r>
+          </a:p>
+          <a:p>
+            <a:pPr marL="0" indent="0">
+              <a:buNone/>
+            </a:pPr>
+            <a:endParaRPr lang="es-AR" baseline="0" dirty="0" smtClean="0"/>
+          </a:p>
+          <a:p>
+            <a:pPr marL="0" marR="0" indent="0" algn="l" defTabSz="914400" rtl="0" eaLnBrk="1" fontAlgn="auto" latinLnBrk="0" hangingPunct="1">
+              <a:lnSpc>
+                <a:spcPct val="100000"/>
+              </a:lnSpc>
+              <a:spcBef>
+                <a:spcPts val="0"/>
+              </a:spcBef>
+              <a:spcAft>
+                <a:spcPts val="0"/>
+              </a:spcAft>
+              <a:buClrTx/>
+              <a:buSzTx/>
+              <a:buFontTx/>
+              <a:buNone/>
+              <a:tabLst/>
+              <a:defRPr/>
+            </a:pPr>
+            <a:r>
+              <a:rPr lang="en-US" b="1" u="sng" baseline="0" noProof="0" dirty="0" smtClean="0"/>
+              <a:t>Option 3:</a:t>
+            </a:r>
+          </a:p>
+          <a:p>
+            <a:pPr marL="0" indent="0">
+              <a:buNone/>
+            </a:pPr>
+            <a:r>
+              <a:rPr lang="en-US" baseline="0" dirty="0" smtClean="0"/>
+              <a:t>Single line of output within markup can be denoted by @:</a:t>
+            </a:r>
+          </a:p>
+          <a:p>
+            <a:pPr marL="0" marR="0" indent="0" algn="l" defTabSz="914400" rtl="0" eaLnBrk="1" fontAlgn="auto" latinLnBrk="0" hangingPunct="1">
+              <a:lnSpc>
+                <a:spcPct val="100000"/>
+              </a:lnSpc>
+              <a:spcBef>
+                <a:spcPts val="0"/>
+              </a:spcBef>
+              <a:spcAft>
+                <a:spcPts val="0"/>
+              </a:spcAft>
+              <a:buClrTx/>
+              <a:buSzTx/>
+              <a:buFontTx/>
+              <a:buNone/>
+              <a:tabLst/>
+              <a:defRPr/>
+            </a:pPr>
+            <a:r>
+              <a:rPr lang="en-US" i="0" baseline="0" noProof="0" dirty="0" smtClean="0"/>
+              <a:t>This option is useful when you don’t want to render an </a:t>
+            </a:r>
+            <a:r>
+              <a:rPr lang="en-US" i="0" dirty="0" smtClean="0"/>
+              <a:t>HTML element as part of the output. </a:t>
+            </a:r>
+            <a:endParaRPr lang="en-US" i="0" baseline="0" dirty="0" smtClean="0"/>
+          </a:p>
+          <a:p>
+            <a:endParaRPr lang="en-US" baseline="0" dirty="0" smtClean="0"/>
+          </a:p>
+          <a:p>
+            <a:pPr marL="0" marR="0" indent="0" algn="l" defTabSz="914400" rtl="0" eaLnBrk="1" fontAlgn="auto" latinLnBrk="0" hangingPunct="1">
+              <a:lnSpc>
+                <a:spcPct val="100000"/>
+              </a:lnSpc>
+              <a:spcBef>
+                <a:spcPts val="0"/>
+              </a:spcBef>
+              <a:spcAft>
+                <a:spcPts val="0"/>
+              </a:spcAft>
+              <a:buClrTx/>
+              <a:buSzTx/>
+              <a:buFontTx/>
+              <a:buNone/>
+              <a:tabLst/>
+              <a:defRPr/>
+            </a:pPr>
+            <a:r>
+              <a:rPr lang="en-US" dirty="0" smtClean="0"/>
+              <a:t>Extra Knowledge (Advanced):</a:t>
+            </a:r>
+          </a:p>
+          <a:p>
+            <a:pPr marL="0" marR="0" indent="0" algn="l" defTabSz="914400" rtl="0" eaLnBrk="1" fontAlgn="auto" latinLnBrk="0" hangingPunct="1">
+              <a:lnSpc>
+                <a:spcPct val="100000"/>
+              </a:lnSpc>
+              <a:spcBef>
+                <a:spcPts val="0"/>
+              </a:spcBef>
+              <a:spcAft>
+                <a:spcPts val="0"/>
+              </a:spcAft>
+              <a:buClrTx/>
+              <a:buSzTx/>
+              <a:buFontTx/>
+              <a:buNone/>
+              <a:tabLst/>
+              <a:defRPr/>
+            </a:pPr>
+            <a:endParaRPr lang="en-US" dirty="0" smtClean="0"/>
+          </a:p>
+          <a:p>
+            <a:pPr marL="0" marR="0" indent="0" algn="l" defTabSz="914400" rtl="0" eaLnBrk="1" fontAlgn="auto" latinLnBrk="0" hangingPunct="1">
+              <a:lnSpc>
+                <a:spcPct val="100000"/>
+              </a:lnSpc>
+              <a:spcBef>
+                <a:spcPts val="0"/>
+              </a:spcBef>
+              <a:spcAft>
+                <a:spcPts val="0"/>
+              </a:spcAft>
+              <a:buClrTx/>
+              <a:buSzTx/>
+              <a:buFontTx/>
+              <a:buNone/>
+              <a:tabLst/>
+              <a:defRPr/>
+            </a:pPr>
+            <a:r>
+              <a:rPr lang="en-US" dirty="0" smtClean="0"/>
+              <a:t>The</a:t>
+            </a:r>
+            <a:r>
+              <a:rPr lang="en-US" baseline="0" dirty="0" smtClean="0"/>
+              <a:t> Parser that understands Razor is itself a standalone assembly (</a:t>
+            </a:r>
+            <a:r>
+              <a:rPr lang="en-US" dirty="0" smtClean="0"/>
+              <a:t>System.Web.Razor.dll)</a:t>
+            </a:r>
+            <a:r>
+              <a:rPr lang="en-US" baseline="0" dirty="0" smtClean="0"/>
+              <a:t> which has no dependencies on ASP.NET which means you can use it to parse CSHTML/VBHTML files and produce C#/VB code in any .NET application.  </a:t>
+            </a:r>
+            <a:endParaRPr lang="en-US" dirty="0" smtClean="0"/>
+          </a:p>
+        </p:txBody>
+      </p:sp>
+      <p:sp>
+        <p:nvSpPr>
+          <p:cNvPr id="4" name="Slide Number Placeholder 3"/>
+          <p:cNvSpPr>
+            <a:spLocks noGrp="1"/>
+          </p:cNvSpPr>
+          <p:nvPr>
+            <p:ph type="sldNum" sz="quarter" idx="10"/>
+          </p:nvPr>
+        </p:nvSpPr>
+        <p:spPr/>
+        <p:txBody>
+          <a:bodyPr/>
+          <a:lstStyle/>
+          <a:p>
+            <a:fld id="{D88053AA-761C-4194-BE5B-5E836C7C1428}" type="slidenum">
+              <a:rPr lang="en-US" smtClean="0"/>
+              <a:t>10</a:t>
+            </a:fld>
+            <a:endParaRPr lang="en-US"/>
+          </a:p>
+        </p:txBody>
+      </p:sp>
+    </p:spTree>
+    <p:extLst>
+      <p:ext uri="{BB962C8B-B14F-4D97-AF65-F5344CB8AC3E}">
+        <p14:creationId xmlns:p14="http://schemas.microsoft.com/office/powerpoint/2010/main" val="706457235"/>
       </p:ext>
     </p:extLst>
   </p:cSld>
@@ -17286,6 +17286,1879 @@
           <a:chExt cx="0" cy="0"/>
         </a:xfrm>
       </p:grpSpPr>
+      <p:sp>
+        <p:nvSpPr>
+          <p:cNvPr id="15" name="Rectangle 14"/>
+          <p:cNvSpPr/>
+          <p:nvPr/>
+        </p:nvSpPr>
+        <p:spPr bwMode="auto">
+          <a:xfrm>
+            <a:off x="-1" y="2971258"/>
+            <a:ext cx="12188825" cy="3108543"/>
+          </a:xfrm>
+          <a:prstGeom prst="rect">
+            <a:avLst/>
+          </a:prstGeom>
+          <a:solidFill>
+            <a:schemeClr val="accent2">
+              <a:lumMod val="20000"/>
+              <a:lumOff val="80000"/>
+            </a:schemeClr>
+          </a:solidFill>
+          <a:ln>
+            <a:noFill/>
+            <a:headEnd type="none" w="med" len="med"/>
+            <a:tailEnd type="none" w="med" len="med"/>
+          </a:ln>
+          <a:effectLst/>
+        </p:spPr>
+        <p:style>
+          <a:lnRef idx="1">
+            <a:schemeClr val="accent2"/>
+          </a:lnRef>
+          <a:fillRef idx="3">
+            <a:schemeClr val="accent2"/>
+          </a:fillRef>
+          <a:effectRef idx="2">
+            <a:schemeClr val="accent2"/>
+          </a:effectRef>
+          <a:fontRef idx="minor">
+            <a:schemeClr val="lt1"/>
+          </a:fontRef>
+        </p:style>
+        <p:txBody>
+          <a:bodyPr vert="horz" wrap="square" lIns="91436" tIns="45718" rIns="91436" bIns="45718" numCol="1" rtlCol="0" anchor="ctr" anchorCtr="0" compatLnSpc="1">
+            <a:prstTxWarp prst="textNoShape">
+              <a:avLst/>
+            </a:prstTxWarp>
+          </a:bodyPr>
+          <a:lstStyle/>
+          <a:p>
+            <a:pPr algn="ctr" defTabSz="914099" fontAlgn="base">
+              <a:spcBef>
+                <a:spcPct val="0"/>
+              </a:spcBef>
+              <a:spcAft>
+                <a:spcPct val="0"/>
+              </a:spcAft>
+            </a:pPr>
+            <a:endParaRPr lang="en-US" sz="2200" dirty="0" smtClean="0">
+              <a:gradFill>
+                <a:gsLst>
+                  <a:gs pos="0">
+                    <a:srgbClr val="FFFFFF"/>
+                  </a:gs>
+                  <a:gs pos="100000">
+                    <a:srgbClr val="FFFFFF"/>
+                  </a:gs>
+                </a:gsLst>
+                <a:lin ang="5400000" scaled="0"/>
+              </a:gradFill>
+            </a:endParaRPr>
+          </a:p>
+        </p:txBody>
+      </p:sp>
+      <p:sp>
+        <p:nvSpPr>
+          <p:cNvPr id="14" name="Rectangle 13"/>
+          <p:cNvSpPr/>
+          <p:nvPr/>
+        </p:nvSpPr>
+        <p:spPr bwMode="auto">
+          <a:xfrm>
+            <a:off x="0" y="1698670"/>
+            <a:ext cx="12188825" cy="1166331"/>
+          </a:xfrm>
+          <a:prstGeom prst="rect">
+            <a:avLst/>
+          </a:prstGeom>
+          <a:solidFill>
+            <a:schemeClr val="accent2">
+              <a:lumMod val="20000"/>
+              <a:lumOff val="80000"/>
+            </a:schemeClr>
+          </a:solidFill>
+          <a:ln>
+            <a:noFill/>
+            <a:headEnd type="none" w="med" len="med"/>
+            <a:tailEnd type="none" w="med" len="med"/>
+          </a:ln>
+          <a:effectLst/>
+        </p:spPr>
+        <p:style>
+          <a:lnRef idx="1">
+            <a:schemeClr val="accent2"/>
+          </a:lnRef>
+          <a:fillRef idx="3">
+            <a:schemeClr val="accent2"/>
+          </a:fillRef>
+          <a:effectRef idx="2">
+            <a:schemeClr val="accent2"/>
+          </a:effectRef>
+          <a:fontRef idx="minor">
+            <a:schemeClr val="lt1"/>
+          </a:fontRef>
+        </p:style>
+        <p:txBody>
+          <a:bodyPr vert="horz" wrap="square" lIns="91436" tIns="45718" rIns="91436" bIns="45718" numCol="1" rtlCol="0" anchor="ctr" anchorCtr="0" compatLnSpc="1">
+            <a:prstTxWarp prst="textNoShape">
+              <a:avLst/>
+            </a:prstTxWarp>
+          </a:bodyPr>
+          <a:lstStyle/>
+          <a:p>
+            <a:pPr algn="ctr" defTabSz="914099" fontAlgn="base">
+              <a:spcBef>
+                <a:spcPct val="0"/>
+              </a:spcBef>
+              <a:spcAft>
+                <a:spcPct val="0"/>
+              </a:spcAft>
+            </a:pPr>
+            <a:endParaRPr lang="en-US" sz="2200" dirty="0" smtClean="0">
+              <a:gradFill>
+                <a:gsLst>
+                  <a:gs pos="0">
+                    <a:srgbClr val="FFFFFF"/>
+                  </a:gs>
+                  <a:gs pos="100000">
+                    <a:srgbClr val="FFFFFF"/>
+                  </a:gs>
+                </a:gsLst>
+                <a:lin ang="5400000" scaled="0"/>
+              </a:gradFill>
+            </a:endParaRPr>
+          </a:p>
+        </p:txBody>
+      </p:sp>
+      <p:sp>
+        <p:nvSpPr>
+          <p:cNvPr id="3" name="Title 2"/>
+          <p:cNvSpPr>
+            <a:spLocks noGrp="1"/>
+          </p:cNvSpPr>
+          <p:nvPr>
+            <p:ph type="title"/>
+          </p:nvPr>
+        </p:nvSpPr>
+        <p:spPr>
+          <a:xfrm>
+            <a:off x="519112" y="228600"/>
+            <a:ext cx="11149013" cy="664797"/>
+          </a:xfrm>
+        </p:spPr>
+        <p:txBody>
+          <a:bodyPr/>
+          <a:lstStyle/>
+          <a:p>
+            <a:r>
+              <a:rPr lang="en-US" sz="4800" dirty="0" smtClean="0"/>
+              <a:t>Sample Read-only Model and Controller</a:t>
+            </a:r>
+            <a:endParaRPr lang="en-US" sz="4800" dirty="0"/>
+          </a:p>
+        </p:txBody>
+      </p:sp>
+      <p:sp>
+        <p:nvSpPr>
+          <p:cNvPr id="5" name="TextBox 4"/>
+          <p:cNvSpPr txBox="1"/>
+          <p:nvPr/>
+        </p:nvSpPr>
+        <p:spPr>
+          <a:xfrm>
+            <a:off x="5130025" y="1695450"/>
+            <a:ext cx="6211891" cy="1169551"/>
+          </a:xfrm>
+          <a:prstGeom prst="rect">
+            <a:avLst/>
+          </a:prstGeom>
+          <a:solidFill>
+            <a:schemeClr val="accent6"/>
+          </a:solidFill>
+          <a:ln>
+            <a:noFill/>
+          </a:ln>
+          <a:effectLst/>
+        </p:spPr>
+        <p:style>
+          <a:lnRef idx="3">
+            <a:schemeClr val="lt1"/>
+          </a:lnRef>
+          <a:fillRef idx="1">
+            <a:schemeClr val="accent3"/>
+          </a:fillRef>
+          <a:effectRef idx="1">
+            <a:schemeClr val="accent3"/>
+          </a:effectRef>
+          <a:fontRef idx="minor">
+            <a:schemeClr val="lt1"/>
+          </a:fontRef>
+        </p:style>
+        <p:txBody>
+          <a:bodyPr wrap="square" rtlCol="0">
+            <a:spAutoFit/>
+          </a:bodyPr>
+          <a:lstStyle/>
+          <a:p>
+            <a:r>
+              <a:rPr lang="en-US" sz="1400" dirty="0">
+                <a:solidFill>
+                  <a:schemeClr val="lt1">
+                    <a:alpha val="99000"/>
+                  </a:schemeClr>
+                </a:solidFill>
+                <a:latin typeface="Consolas" pitchFamily="49" charset="0"/>
+                <a:cs typeface="Consolas" pitchFamily="49" charset="0"/>
+              </a:rPr>
+              <a:t>public class Person</a:t>
+            </a:r>
+          </a:p>
+          <a:p>
+            <a:r>
+              <a:rPr lang="en-US" sz="1400" dirty="0">
+                <a:solidFill>
+                  <a:schemeClr val="lt1">
+                    <a:alpha val="99000"/>
+                  </a:schemeClr>
+                </a:solidFill>
+                <a:latin typeface="Consolas" pitchFamily="49" charset="0"/>
+                <a:cs typeface="Consolas" pitchFamily="49" charset="0"/>
+              </a:rPr>
+              <a:t>{</a:t>
+            </a:r>
+          </a:p>
+          <a:p>
+            <a:r>
+              <a:rPr lang="en-US" sz="1400" dirty="0">
+                <a:solidFill>
+                  <a:schemeClr val="lt1">
+                    <a:alpha val="99000"/>
+                  </a:schemeClr>
+                </a:solidFill>
+                <a:latin typeface="Consolas" pitchFamily="49" charset="0"/>
+                <a:cs typeface="Consolas" pitchFamily="49" charset="0"/>
+              </a:rPr>
+              <a:t>    public </a:t>
+            </a:r>
+            <a:r>
+              <a:rPr lang="en-US" sz="1400" dirty="0" err="1">
+                <a:solidFill>
+                  <a:schemeClr val="lt1">
+                    <a:alpha val="99000"/>
+                  </a:schemeClr>
+                </a:solidFill>
+                <a:latin typeface="Consolas" pitchFamily="49" charset="0"/>
+                <a:cs typeface="Consolas" pitchFamily="49" charset="0"/>
+              </a:rPr>
+              <a:t>int</a:t>
+            </a:r>
+            <a:r>
+              <a:rPr lang="en-US" sz="1400" dirty="0">
+                <a:solidFill>
+                  <a:schemeClr val="lt1">
+                    <a:alpha val="99000"/>
+                  </a:schemeClr>
+                </a:solidFill>
+                <a:latin typeface="Consolas" pitchFamily="49" charset="0"/>
+                <a:cs typeface="Consolas" pitchFamily="49" charset="0"/>
+              </a:rPr>
+              <a:t> Id { get; set; }</a:t>
+            </a:r>
+          </a:p>
+          <a:p>
+            <a:r>
+              <a:rPr lang="en-US" sz="1400" dirty="0">
+                <a:solidFill>
+                  <a:schemeClr val="lt1">
+                    <a:alpha val="99000"/>
+                  </a:schemeClr>
+                </a:solidFill>
+                <a:latin typeface="Consolas" pitchFamily="49" charset="0"/>
+                <a:cs typeface="Consolas" pitchFamily="49" charset="0"/>
+              </a:rPr>
+              <a:t>    public string Name { get; set; }</a:t>
+            </a:r>
+          </a:p>
+          <a:p>
+            <a:r>
+              <a:rPr lang="en-US" sz="1400" dirty="0">
+                <a:solidFill>
+                  <a:schemeClr val="lt1">
+                    <a:alpha val="99000"/>
+                  </a:schemeClr>
+                </a:solidFill>
+                <a:latin typeface="Consolas" pitchFamily="49" charset="0"/>
+                <a:cs typeface="Consolas" pitchFamily="49" charset="0"/>
+              </a:rPr>
+              <a:t>}</a:t>
+            </a:r>
+            <a:endParaRPr lang="en-US" sz="1400" dirty="0" smtClean="0">
+              <a:solidFill>
+                <a:schemeClr val="lt1">
+                  <a:alpha val="99000"/>
+                </a:schemeClr>
+              </a:solidFill>
+              <a:latin typeface="Consolas" pitchFamily="49" charset="0"/>
+              <a:cs typeface="Consolas" pitchFamily="49" charset="0"/>
+            </a:endParaRPr>
+          </a:p>
+        </p:txBody>
+      </p:sp>
+      <p:sp>
+        <p:nvSpPr>
+          <p:cNvPr id="8" name="Rectangle 7"/>
+          <p:cNvSpPr/>
+          <p:nvPr/>
+        </p:nvSpPr>
+        <p:spPr>
+          <a:xfrm>
+            <a:off x="433839" y="1698670"/>
+            <a:ext cx="2167838" cy="1077218"/>
+          </a:xfrm>
+          <a:prstGeom prst="rect">
+            <a:avLst/>
+          </a:prstGeom>
+        </p:spPr>
+        <p:txBody>
+          <a:bodyPr wrap="none">
+            <a:spAutoFit/>
+          </a:bodyPr>
+          <a:lstStyle/>
+          <a:p>
+            <a:r>
+              <a:rPr lang="en-US" sz="4000" dirty="0" smtClean="0">
+                <a:solidFill>
+                  <a:schemeClr val="accent2">
+                    <a:alpha val="99000"/>
+                  </a:schemeClr>
+                </a:solidFill>
+                <a:latin typeface="Segoe UI Light" pitchFamily="34" charset="0"/>
+              </a:rPr>
+              <a:t>Step 1:</a:t>
+            </a:r>
+            <a:endParaRPr lang="en-US" sz="4000" dirty="0">
+              <a:solidFill>
+                <a:schemeClr val="accent2">
+                  <a:alpha val="99000"/>
+                </a:schemeClr>
+              </a:solidFill>
+              <a:latin typeface="Segoe UI Light" pitchFamily="34" charset="0"/>
+            </a:endParaRPr>
+          </a:p>
+          <a:p>
+            <a:r>
+              <a:rPr lang="en-US" dirty="0" smtClean="0">
+                <a:solidFill>
+                  <a:schemeClr val="tx2">
+                    <a:alpha val="99000"/>
+                  </a:schemeClr>
+                </a:solidFill>
+                <a:latin typeface="Segoe UI Light" pitchFamily="34" charset="0"/>
+              </a:rPr>
+              <a:t>Create a Model</a:t>
+            </a:r>
+            <a:endParaRPr lang="en-US" dirty="0">
+              <a:solidFill>
+                <a:schemeClr val="tx2">
+                  <a:alpha val="99000"/>
+                </a:schemeClr>
+              </a:solidFill>
+              <a:latin typeface="Segoe UI Light" pitchFamily="34" charset="0"/>
+            </a:endParaRPr>
+          </a:p>
+        </p:txBody>
+      </p:sp>
+      <p:sp>
+        <p:nvSpPr>
+          <p:cNvPr id="9" name="TextBox 8"/>
+          <p:cNvSpPr txBox="1"/>
+          <p:nvPr/>
+        </p:nvSpPr>
+        <p:spPr>
+          <a:xfrm>
+            <a:off x="5130023" y="2971258"/>
+            <a:ext cx="6211893" cy="3108543"/>
+          </a:xfrm>
+          <a:prstGeom prst="rect">
+            <a:avLst/>
+          </a:prstGeom>
+          <a:solidFill>
+            <a:schemeClr val="accent6"/>
+          </a:solidFill>
+          <a:ln>
+            <a:noFill/>
+          </a:ln>
+          <a:effectLst/>
+        </p:spPr>
+        <p:style>
+          <a:lnRef idx="3">
+            <a:schemeClr val="lt1"/>
+          </a:lnRef>
+          <a:fillRef idx="1">
+            <a:schemeClr val="accent3"/>
+          </a:fillRef>
+          <a:effectRef idx="1">
+            <a:schemeClr val="accent3"/>
+          </a:effectRef>
+          <a:fontRef idx="minor">
+            <a:schemeClr val="lt1"/>
+          </a:fontRef>
+        </p:style>
+        <p:txBody>
+          <a:bodyPr wrap="square" rtlCol="0">
+            <a:spAutoFit/>
+          </a:bodyPr>
+          <a:lstStyle/>
+          <a:p>
+            <a:r>
+              <a:rPr lang="en-US" sz="1400" dirty="0">
+                <a:solidFill>
+                  <a:schemeClr val="lt1">
+                    <a:alpha val="99000"/>
+                  </a:schemeClr>
+                </a:solidFill>
+                <a:latin typeface="Consolas" pitchFamily="49" charset="0"/>
+                <a:cs typeface="Consolas" pitchFamily="49" charset="0"/>
+              </a:rPr>
+              <a:t>public class </a:t>
+            </a:r>
+            <a:r>
+              <a:rPr lang="en-US" sz="1400" dirty="0" err="1">
+                <a:solidFill>
+                  <a:schemeClr val="lt1">
+                    <a:alpha val="99000"/>
+                  </a:schemeClr>
+                </a:solidFill>
+                <a:latin typeface="Consolas" pitchFamily="49" charset="0"/>
+                <a:cs typeface="Consolas" pitchFamily="49" charset="0"/>
+              </a:rPr>
+              <a:t>PersonController</a:t>
+            </a:r>
+            <a:r>
+              <a:rPr lang="en-US" sz="1400" dirty="0">
+                <a:solidFill>
+                  <a:schemeClr val="lt1">
+                    <a:alpha val="99000"/>
+                  </a:schemeClr>
+                </a:solidFill>
+                <a:latin typeface="Consolas" pitchFamily="49" charset="0"/>
+                <a:cs typeface="Consolas" pitchFamily="49" charset="0"/>
+              </a:rPr>
+              <a:t> : </a:t>
+            </a:r>
+            <a:r>
+              <a:rPr lang="en-US" sz="1400" dirty="0" err="1">
+                <a:solidFill>
+                  <a:schemeClr val="accent4">
+                    <a:lumMod val="40000"/>
+                    <a:lumOff val="60000"/>
+                    <a:alpha val="99000"/>
+                  </a:schemeClr>
+                </a:solidFill>
+                <a:latin typeface="Consolas" pitchFamily="49" charset="0"/>
+                <a:cs typeface="Consolas" pitchFamily="49" charset="0"/>
+              </a:rPr>
+              <a:t>ApiController</a:t>
+            </a:r>
+            <a:endParaRPr lang="en-US" sz="1400" dirty="0">
+              <a:solidFill>
+                <a:schemeClr val="accent4">
+                  <a:lumMod val="40000"/>
+                  <a:lumOff val="60000"/>
+                  <a:alpha val="99000"/>
+                </a:schemeClr>
+              </a:solidFill>
+              <a:latin typeface="Consolas" pitchFamily="49" charset="0"/>
+              <a:cs typeface="Consolas" pitchFamily="49" charset="0"/>
+            </a:endParaRPr>
+          </a:p>
+          <a:p>
+            <a:r>
+              <a:rPr lang="en-US" sz="1400" dirty="0">
+                <a:solidFill>
+                  <a:schemeClr val="lt1">
+                    <a:alpha val="99000"/>
+                  </a:schemeClr>
+                </a:solidFill>
+                <a:latin typeface="Consolas" pitchFamily="49" charset="0"/>
+                <a:cs typeface="Consolas" pitchFamily="49" charset="0"/>
+              </a:rPr>
+              <a:t>{</a:t>
+            </a:r>
+          </a:p>
+          <a:p>
+            <a:r>
+              <a:rPr lang="en-US" sz="1400" dirty="0">
+                <a:solidFill>
+                  <a:schemeClr val="lt1">
+                    <a:alpha val="99000"/>
+                  </a:schemeClr>
+                </a:solidFill>
+                <a:latin typeface="Consolas" pitchFamily="49" charset="0"/>
+                <a:cs typeface="Consolas" pitchFamily="49" charset="0"/>
+              </a:rPr>
+              <a:t>    List&lt;Person&gt; _people</a:t>
+            </a:r>
+            <a:r>
+              <a:rPr lang="en-US" sz="1400" dirty="0" smtClean="0">
+                <a:solidFill>
+                  <a:schemeClr val="lt1">
+                    <a:alpha val="99000"/>
+                  </a:schemeClr>
+                </a:solidFill>
+                <a:latin typeface="Consolas" pitchFamily="49" charset="0"/>
+                <a:cs typeface="Consolas" pitchFamily="49" charset="0"/>
+              </a:rPr>
+              <a:t>;</a:t>
+            </a:r>
+            <a:endParaRPr lang="en-US" sz="1400" dirty="0">
+              <a:solidFill>
+                <a:schemeClr val="lt1">
+                  <a:alpha val="99000"/>
+                </a:schemeClr>
+              </a:solidFill>
+              <a:latin typeface="Consolas" pitchFamily="49" charset="0"/>
+              <a:cs typeface="Consolas" pitchFamily="49" charset="0"/>
+            </a:endParaRPr>
+          </a:p>
+          <a:p>
+            <a:r>
+              <a:rPr lang="en-US" sz="1400" dirty="0">
+                <a:solidFill>
+                  <a:schemeClr val="lt1">
+                    <a:alpha val="99000"/>
+                  </a:schemeClr>
+                </a:solidFill>
+                <a:latin typeface="Consolas" pitchFamily="49" charset="0"/>
+                <a:cs typeface="Consolas" pitchFamily="49" charset="0"/>
+              </a:rPr>
+              <a:t>    public </a:t>
+            </a:r>
+            <a:r>
+              <a:rPr lang="en-US" sz="1400" dirty="0" err="1">
+                <a:solidFill>
+                  <a:schemeClr val="lt1">
+                    <a:alpha val="99000"/>
+                  </a:schemeClr>
+                </a:solidFill>
+                <a:latin typeface="Consolas" pitchFamily="49" charset="0"/>
+                <a:cs typeface="Consolas" pitchFamily="49" charset="0"/>
+              </a:rPr>
+              <a:t>PersonController</a:t>
+            </a:r>
+            <a:r>
+              <a:rPr lang="en-US" sz="1400" dirty="0">
+                <a:solidFill>
+                  <a:schemeClr val="lt1">
+                    <a:alpha val="99000"/>
+                  </a:schemeClr>
+                </a:solidFill>
+                <a:latin typeface="Consolas" pitchFamily="49" charset="0"/>
+                <a:cs typeface="Consolas" pitchFamily="49" charset="0"/>
+              </a:rPr>
+              <a:t>()</a:t>
+            </a:r>
+          </a:p>
+          <a:p>
+            <a:r>
+              <a:rPr lang="en-US" sz="1400" dirty="0">
+                <a:solidFill>
+                  <a:schemeClr val="lt1">
+                    <a:alpha val="99000"/>
+                  </a:schemeClr>
+                </a:solidFill>
+                <a:latin typeface="Consolas" pitchFamily="49" charset="0"/>
+                <a:cs typeface="Consolas" pitchFamily="49" charset="0"/>
+              </a:rPr>
+              <a:t>    {</a:t>
+            </a:r>
+          </a:p>
+          <a:p>
+            <a:r>
+              <a:rPr lang="en-US" sz="1400" dirty="0">
+                <a:solidFill>
+                  <a:schemeClr val="lt1">
+                    <a:alpha val="99000"/>
+                  </a:schemeClr>
+                </a:solidFill>
+                <a:latin typeface="Consolas" pitchFamily="49" charset="0"/>
+                <a:cs typeface="Consolas" pitchFamily="49" charset="0"/>
+              </a:rPr>
+              <a:t>        _people = new List&lt;Person&gt;();</a:t>
+            </a:r>
+          </a:p>
+          <a:p>
+            <a:r>
+              <a:rPr lang="en-US" sz="1400" dirty="0">
+                <a:solidFill>
+                  <a:schemeClr val="lt1">
+                    <a:alpha val="99000"/>
+                  </a:schemeClr>
+                </a:solidFill>
+                <a:latin typeface="Consolas" pitchFamily="49" charset="0"/>
+                <a:cs typeface="Consolas" pitchFamily="49" charset="0"/>
+              </a:rPr>
+              <a:t>        _</a:t>
+            </a:r>
+            <a:r>
+              <a:rPr lang="en-US" sz="1400" dirty="0" err="1">
+                <a:solidFill>
+                  <a:schemeClr val="lt1">
+                    <a:alpha val="99000"/>
+                  </a:schemeClr>
+                </a:solidFill>
+                <a:latin typeface="Consolas" pitchFamily="49" charset="0"/>
+                <a:cs typeface="Consolas" pitchFamily="49" charset="0"/>
+              </a:rPr>
+              <a:t>people.AddRange</a:t>
+            </a:r>
+            <a:r>
+              <a:rPr lang="en-US" sz="1400" dirty="0">
+                <a:solidFill>
+                  <a:schemeClr val="lt1">
+                    <a:alpha val="99000"/>
+                  </a:schemeClr>
+                </a:solidFill>
+                <a:latin typeface="Consolas" pitchFamily="49" charset="0"/>
+                <a:cs typeface="Consolas" pitchFamily="49" charset="0"/>
+              </a:rPr>
+              <a:t>(new Person[]</a:t>
+            </a:r>
+          </a:p>
+          <a:p>
+            <a:r>
+              <a:rPr lang="en-US" sz="1400" dirty="0">
+                <a:solidFill>
+                  <a:schemeClr val="lt1">
+                    <a:alpha val="99000"/>
+                  </a:schemeClr>
+                </a:solidFill>
+                <a:latin typeface="Consolas" pitchFamily="49" charset="0"/>
+                <a:cs typeface="Consolas" pitchFamily="49" charset="0"/>
+              </a:rPr>
+              <a:t>        {</a:t>
+            </a:r>
+          </a:p>
+          <a:p>
+            <a:r>
+              <a:rPr lang="en-US" sz="1400" dirty="0">
+                <a:solidFill>
+                  <a:schemeClr val="lt1">
+                    <a:alpha val="99000"/>
+                  </a:schemeClr>
+                </a:solidFill>
+                <a:latin typeface="Consolas" pitchFamily="49" charset="0"/>
+                <a:cs typeface="Consolas" pitchFamily="49" charset="0"/>
+              </a:rPr>
+              <a:t>            new Person { Id = 1, Name = "Chuck Norris" },</a:t>
+            </a:r>
+          </a:p>
+          <a:p>
+            <a:r>
+              <a:rPr lang="en-US" sz="1400" dirty="0">
+                <a:solidFill>
+                  <a:schemeClr val="lt1">
+                    <a:alpha val="99000"/>
+                  </a:schemeClr>
+                </a:solidFill>
+                <a:latin typeface="Consolas" pitchFamily="49" charset="0"/>
+                <a:cs typeface="Consolas" pitchFamily="49" charset="0"/>
+              </a:rPr>
+              <a:t>            new Person { Id = 2, Name = "David </a:t>
+            </a:r>
+            <a:r>
+              <a:rPr lang="en-US" sz="1400" dirty="0" err="1">
+                <a:solidFill>
+                  <a:schemeClr val="lt1">
+                    <a:alpha val="99000"/>
+                  </a:schemeClr>
+                </a:solidFill>
+                <a:latin typeface="Consolas" pitchFamily="49" charset="0"/>
+                <a:cs typeface="Consolas" pitchFamily="49" charset="0"/>
+              </a:rPr>
+              <a:t>Caradine</a:t>
+            </a:r>
+            <a:r>
+              <a:rPr lang="en-US" sz="1400" dirty="0">
+                <a:solidFill>
+                  <a:schemeClr val="lt1">
+                    <a:alpha val="99000"/>
+                  </a:schemeClr>
+                </a:solidFill>
+                <a:latin typeface="Consolas" pitchFamily="49" charset="0"/>
+                <a:cs typeface="Consolas" pitchFamily="49" charset="0"/>
+              </a:rPr>
+              <a:t>" </a:t>
+            </a:r>
+            <a:r>
+              <a:rPr lang="en-US" sz="1400" dirty="0" smtClean="0">
+                <a:solidFill>
+                  <a:schemeClr val="lt1">
+                    <a:alpha val="99000"/>
+                  </a:schemeClr>
+                </a:solidFill>
+                <a:latin typeface="Consolas" pitchFamily="49" charset="0"/>
+                <a:cs typeface="Consolas" pitchFamily="49" charset="0"/>
+              </a:rPr>
+              <a:t>},</a:t>
+            </a:r>
+          </a:p>
+          <a:p>
+            <a:r>
+              <a:rPr lang="en-US" sz="1400" dirty="0" smtClean="0">
+                <a:solidFill>
+                  <a:schemeClr val="lt1">
+                    <a:alpha val="99000"/>
+                  </a:schemeClr>
+                </a:solidFill>
+                <a:latin typeface="Consolas" pitchFamily="49" charset="0"/>
+                <a:cs typeface="Consolas" pitchFamily="49" charset="0"/>
+              </a:rPr>
+              <a:t>            new Person { Id = 3, Name = "Bruce Lee" }</a:t>
+            </a:r>
+          </a:p>
+          <a:p>
+            <a:r>
+              <a:rPr lang="en-US" sz="1400" dirty="0" smtClean="0">
+                <a:solidFill>
+                  <a:schemeClr val="lt1">
+                    <a:alpha val="99000"/>
+                  </a:schemeClr>
+                </a:solidFill>
+                <a:latin typeface="Consolas" pitchFamily="49" charset="0"/>
+                <a:cs typeface="Consolas" pitchFamily="49" charset="0"/>
+              </a:rPr>
+              <a:t>        </a:t>
+            </a:r>
+            <a:r>
+              <a:rPr lang="en-US" sz="1400" dirty="0">
+                <a:solidFill>
+                  <a:schemeClr val="lt1">
+                    <a:alpha val="99000"/>
+                  </a:schemeClr>
+                </a:solidFill>
+                <a:latin typeface="Consolas" pitchFamily="49" charset="0"/>
+                <a:cs typeface="Consolas" pitchFamily="49" charset="0"/>
+              </a:rPr>
+              <a:t>});</a:t>
+            </a:r>
+          </a:p>
+          <a:p>
+            <a:r>
+              <a:rPr lang="en-US" sz="1400" dirty="0">
+                <a:solidFill>
+                  <a:schemeClr val="lt1">
+                    <a:alpha val="99000"/>
+                  </a:schemeClr>
+                </a:solidFill>
+                <a:latin typeface="Consolas" pitchFamily="49" charset="0"/>
+                <a:cs typeface="Consolas" pitchFamily="49" charset="0"/>
+              </a:rPr>
+              <a:t>    }</a:t>
+            </a:r>
+          </a:p>
+          <a:p>
+            <a:r>
+              <a:rPr lang="en-US" sz="1400" dirty="0">
+                <a:solidFill>
+                  <a:schemeClr val="lt1">
+                    <a:alpha val="99000"/>
+                  </a:schemeClr>
+                </a:solidFill>
+                <a:latin typeface="Consolas" pitchFamily="49" charset="0"/>
+                <a:cs typeface="Consolas" pitchFamily="49" charset="0"/>
+              </a:rPr>
+              <a:t>}</a:t>
+            </a:r>
+            <a:endParaRPr lang="en-US" sz="1400" dirty="0" smtClean="0">
+              <a:solidFill>
+                <a:schemeClr val="lt1">
+                  <a:alpha val="99000"/>
+                </a:schemeClr>
+              </a:solidFill>
+              <a:latin typeface="Consolas" pitchFamily="49" charset="0"/>
+              <a:cs typeface="Consolas" pitchFamily="49" charset="0"/>
+            </a:endParaRPr>
+          </a:p>
+        </p:txBody>
+      </p:sp>
+      <p:sp>
+        <p:nvSpPr>
+          <p:cNvPr id="10" name="Rectangle 9"/>
+          <p:cNvSpPr/>
+          <p:nvPr/>
+        </p:nvSpPr>
+        <p:spPr>
+          <a:xfrm>
+            <a:off x="433838" y="2971258"/>
+            <a:ext cx="3156890" cy="1077218"/>
+          </a:xfrm>
+          <a:prstGeom prst="rect">
+            <a:avLst/>
+          </a:prstGeom>
+        </p:spPr>
+        <p:txBody>
+          <a:bodyPr wrap="none">
+            <a:spAutoFit/>
+          </a:bodyPr>
+          <a:lstStyle/>
+          <a:p>
+            <a:r>
+              <a:rPr lang="en-US" sz="4000" dirty="0" smtClean="0">
+                <a:solidFill>
+                  <a:schemeClr val="accent2">
+                    <a:alpha val="99000"/>
+                  </a:schemeClr>
+                </a:solidFill>
+                <a:latin typeface="Segoe UI Light" pitchFamily="34" charset="0"/>
+              </a:rPr>
+              <a:t>Step 2:</a:t>
+            </a:r>
+            <a:endParaRPr lang="en-US" sz="4000" dirty="0">
+              <a:solidFill>
+                <a:schemeClr val="accent2">
+                  <a:alpha val="99000"/>
+                </a:schemeClr>
+              </a:solidFill>
+              <a:latin typeface="Segoe UI Light" pitchFamily="34" charset="0"/>
+            </a:endParaRPr>
+          </a:p>
+          <a:p>
+            <a:r>
+              <a:rPr lang="en-US" dirty="0" smtClean="0">
+                <a:solidFill>
+                  <a:schemeClr val="tx2">
+                    <a:alpha val="99000"/>
+                  </a:schemeClr>
+                </a:solidFill>
+                <a:latin typeface="Segoe UI Light" pitchFamily="34" charset="0"/>
+              </a:rPr>
+              <a:t>Make an API Controller</a:t>
+            </a:r>
+            <a:endParaRPr lang="en-US" dirty="0">
+              <a:solidFill>
+                <a:schemeClr val="tx2">
+                  <a:alpha val="99000"/>
+                </a:schemeClr>
+              </a:solidFill>
+              <a:latin typeface="Segoe UI Light" pitchFamily="34" charset="0"/>
+            </a:endParaRPr>
+          </a:p>
+        </p:txBody>
+      </p:sp>
+    </p:spTree>
+    <p:extLst>
+      <p:ext uri="{BB962C8B-B14F-4D97-AF65-F5344CB8AC3E}">
+        <p14:creationId xmlns:p14="http://schemas.microsoft.com/office/powerpoint/2010/main" val="4173126892"/>
+      </p:ext>
+    </p:extLst>
+  </p:cSld>
+  <p:clrMapOvr>
+    <a:masterClrMapping/>
+  </p:clrMapOvr>
+  <p:transition>
+    <p:fade/>
+  </p:transition>
+  <p:timing>
+    <p:tnLst>
+      <p:par>
+        <p:cTn id="1" dur="indefinite" restart="never" nodeType="tmRoot"/>
+      </p:par>
+    </p:tnLst>
+  </p:timing>
+</p:sld>
+</file>
+
+<file path=ppt/slides/slide11.xml><?xml version="1.0" encoding="utf-8"?>
+<p:sld xmlns:a="http://schemas.openxmlformats.org/drawingml/2006/main" xmlns:r="http://schemas.openxmlformats.org/officeDocument/2006/relationships" xmlns:p="http://schemas.openxmlformats.org/presentationml/2006/main">
+  <p:cSld>
+    <p:spTree>
+      <p:nvGrpSpPr>
+        <p:cNvPr id="1" name=""/>
+        <p:cNvGrpSpPr/>
+        <p:nvPr/>
+      </p:nvGrpSpPr>
+      <p:grpSpPr>
+        <a:xfrm>
+          <a:off x="0" y="0"/>
+          <a:ext cx="0" cy="0"/>
+          <a:chOff x="0" y="0"/>
+          <a:chExt cx="0" cy="0"/>
+        </a:xfrm>
+      </p:grpSpPr>
+      <p:sp>
+        <p:nvSpPr>
+          <p:cNvPr id="15" name="Rectangle 14"/>
+          <p:cNvSpPr/>
+          <p:nvPr/>
+        </p:nvSpPr>
+        <p:spPr bwMode="auto">
+          <a:xfrm>
+            <a:off x="-1" y="3004814"/>
+            <a:ext cx="12188825" cy="1169551"/>
+          </a:xfrm>
+          <a:prstGeom prst="rect">
+            <a:avLst/>
+          </a:prstGeom>
+          <a:solidFill>
+            <a:schemeClr val="accent2">
+              <a:lumMod val="20000"/>
+              <a:lumOff val="80000"/>
+            </a:schemeClr>
+          </a:solidFill>
+          <a:ln>
+            <a:noFill/>
+            <a:headEnd type="none" w="med" len="med"/>
+            <a:tailEnd type="none" w="med" len="med"/>
+          </a:ln>
+          <a:effectLst/>
+        </p:spPr>
+        <p:style>
+          <a:lnRef idx="1">
+            <a:schemeClr val="accent2"/>
+          </a:lnRef>
+          <a:fillRef idx="3">
+            <a:schemeClr val="accent2"/>
+          </a:fillRef>
+          <a:effectRef idx="2">
+            <a:schemeClr val="accent2"/>
+          </a:effectRef>
+          <a:fontRef idx="minor">
+            <a:schemeClr val="lt1"/>
+          </a:fontRef>
+        </p:style>
+        <p:txBody>
+          <a:bodyPr vert="horz" wrap="square" lIns="91436" tIns="45718" rIns="91436" bIns="45718" numCol="1" rtlCol="0" anchor="ctr" anchorCtr="0" compatLnSpc="1">
+            <a:prstTxWarp prst="textNoShape">
+              <a:avLst/>
+            </a:prstTxWarp>
+          </a:bodyPr>
+          <a:lstStyle/>
+          <a:p>
+            <a:pPr algn="ctr" defTabSz="914099" fontAlgn="base">
+              <a:spcBef>
+                <a:spcPct val="0"/>
+              </a:spcBef>
+              <a:spcAft>
+                <a:spcPct val="0"/>
+              </a:spcAft>
+            </a:pPr>
+            <a:endParaRPr lang="en-US" sz="2200" dirty="0" smtClean="0">
+              <a:gradFill>
+                <a:gsLst>
+                  <a:gs pos="0">
+                    <a:srgbClr val="FFFFFF"/>
+                  </a:gs>
+                  <a:gs pos="100000">
+                    <a:srgbClr val="FFFFFF"/>
+                  </a:gs>
+                </a:gsLst>
+                <a:lin ang="5400000" scaled="0"/>
+              </a:gradFill>
+            </a:endParaRPr>
+          </a:p>
+        </p:txBody>
+      </p:sp>
+      <p:sp>
+        <p:nvSpPr>
+          <p:cNvPr id="14" name="Rectangle 13"/>
+          <p:cNvSpPr/>
+          <p:nvPr/>
+        </p:nvSpPr>
+        <p:spPr bwMode="auto">
+          <a:xfrm>
+            <a:off x="0" y="1698670"/>
+            <a:ext cx="12188825" cy="1166331"/>
+          </a:xfrm>
+          <a:prstGeom prst="rect">
+            <a:avLst/>
+          </a:prstGeom>
+          <a:solidFill>
+            <a:schemeClr val="accent2">
+              <a:lumMod val="20000"/>
+              <a:lumOff val="80000"/>
+            </a:schemeClr>
+          </a:solidFill>
+          <a:ln>
+            <a:noFill/>
+            <a:headEnd type="none" w="med" len="med"/>
+            <a:tailEnd type="none" w="med" len="med"/>
+          </a:ln>
+          <a:effectLst/>
+        </p:spPr>
+        <p:style>
+          <a:lnRef idx="1">
+            <a:schemeClr val="accent2"/>
+          </a:lnRef>
+          <a:fillRef idx="3">
+            <a:schemeClr val="accent2"/>
+          </a:fillRef>
+          <a:effectRef idx="2">
+            <a:schemeClr val="accent2"/>
+          </a:effectRef>
+          <a:fontRef idx="minor">
+            <a:schemeClr val="lt1"/>
+          </a:fontRef>
+        </p:style>
+        <p:txBody>
+          <a:bodyPr vert="horz" wrap="square" lIns="91436" tIns="45718" rIns="91436" bIns="45718" numCol="1" rtlCol="0" anchor="ctr" anchorCtr="0" compatLnSpc="1">
+            <a:prstTxWarp prst="textNoShape">
+              <a:avLst/>
+            </a:prstTxWarp>
+          </a:bodyPr>
+          <a:lstStyle/>
+          <a:p>
+            <a:pPr algn="ctr" defTabSz="914099" fontAlgn="base">
+              <a:spcBef>
+                <a:spcPct val="0"/>
+              </a:spcBef>
+              <a:spcAft>
+                <a:spcPct val="0"/>
+              </a:spcAft>
+            </a:pPr>
+            <a:endParaRPr lang="en-US" sz="2200" dirty="0" smtClean="0">
+              <a:gradFill>
+                <a:gsLst>
+                  <a:gs pos="0">
+                    <a:srgbClr val="FFFFFF"/>
+                  </a:gs>
+                  <a:gs pos="100000">
+                    <a:srgbClr val="FFFFFF"/>
+                  </a:gs>
+                </a:gsLst>
+                <a:lin ang="5400000" scaled="0"/>
+              </a:gradFill>
+            </a:endParaRPr>
+          </a:p>
+        </p:txBody>
+      </p:sp>
+      <p:sp>
+        <p:nvSpPr>
+          <p:cNvPr id="3" name="Title 2"/>
+          <p:cNvSpPr>
+            <a:spLocks noGrp="1"/>
+          </p:cNvSpPr>
+          <p:nvPr>
+            <p:ph type="title"/>
+          </p:nvPr>
+        </p:nvSpPr>
+        <p:spPr>
+          <a:xfrm>
+            <a:off x="519112" y="228600"/>
+            <a:ext cx="11149013" cy="664797"/>
+          </a:xfrm>
+        </p:spPr>
+        <p:txBody>
+          <a:bodyPr/>
+          <a:lstStyle/>
+          <a:p>
+            <a:r>
+              <a:rPr lang="en-US" sz="4800" dirty="0" smtClean="0"/>
+              <a:t>Read-only Controller Actions to return data</a:t>
+            </a:r>
+            <a:endParaRPr lang="en-US" sz="4800" dirty="0"/>
+          </a:p>
+        </p:txBody>
+      </p:sp>
+      <p:sp>
+        <p:nvSpPr>
+          <p:cNvPr id="5" name="TextBox 4"/>
+          <p:cNvSpPr txBox="1"/>
+          <p:nvPr/>
+        </p:nvSpPr>
+        <p:spPr>
+          <a:xfrm>
+            <a:off x="5130025" y="1695450"/>
+            <a:ext cx="5901497" cy="1169551"/>
+          </a:xfrm>
+          <a:prstGeom prst="rect">
+            <a:avLst/>
+          </a:prstGeom>
+          <a:solidFill>
+            <a:schemeClr val="accent6"/>
+          </a:solidFill>
+          <a:ln>
+            <a:noFill/>
+          </a:ln>
+          <a:effectLst/>
+        </p:spPr>
+        <p:style>
+          <a:lnRef idx="3">
+            <a:schemeClr val="lt1"/>
+          </a:lnRef>
+          <a:fillRef idx="1">
+            <a:schemeClr val="accent3"/>
+          </a:fillRef>
+          <a:effectRef idx="1">
+            <a:schemeClr val="accent3"/>
+          </a:effectRef>
+          <a:fontRef idx="minor">
+            <a:schemeClr val="lt1"/>
+          </a:fontRef>
+        </p:style>
+        <p:txBody>
+          <a:bodyPr wrap="square" rtlCol="0">
+            <a:spAutoFit/>
+          </a:bodyPr>
+          <a:lstStyle/>
+          <a:p>
+            <a:r>
+              <a:rPr lang="en-US" sz="1400" dirty="0">
+                <a:solidFill>
+                  <a:schemeClr val="lt1">
+                    <a:alpha val="99000"/>
+                  </a:schemeClr>
+                </a:solidFill>
+                <a:latin typeface="Consolas" pitchFamily="49" charset="0"/>
+                <a:cs typeface="Consolas" pitchFamily="49" charset="0"/>
+              </a:rPr>
+              <a:t>// GET /</a:t>
+            </a:r>
+            <a:r>
+              <a:rPr lang="en-US" sz="1400" dirty="0" err="1">
+                <a:solidFill>
+                  <a:schemeClr val="lt1">
+                    <a:alpha val="99000"/>
+                  </a:schemeClr>
+                </a:solidFill>
+                <a:latin typeface="Consolas" pitchFamily="49" charset="0"/>
+                <a:cs typeface="Consolas" pitchFamily="49" charset="0"/>
+              </a:rPr>
+              <a:t>api</a:t>
+            </a:r>
+            <a:r>
+              <a:rPr lang="en-US" sz="1400" dirty="0">
+                <a:solidFill>
+                  <a:schemeClr val="lt1">
+                    <a:alpha val="99000"/>
+                  </a:schemeClr>
+                </a:solidFill>
+                <a:latin typeface="Consolas" pitchFamily="49" charset="0"/>
+                <a:cs typeface="Consolas" pitchFamily="49" charset="0"/>
+              </a:rPr>
+              <a:t>/person</a:t>
+            </a:r>
+          </a:p>
+          <a:p>
+            <a:r>
+              <a:rPr lang="en-US" sz="1400" dirty="0">
+                <a:solidFill>
+                  <a:schemeClr val="lt1">
+                    <a:alpha val="99000"/>
+                  </a:schemeClr>
+                </a:solidFill>
+                <a:latin typeface="Consolas" pitchFamily="49" charset="0"/>
+                <a:cs typeface="Consolas" pitchFamily="49" charset="0"/>
+              </a:rPr>
+              <a:t>public </a:t>
+            </a:r>
+            <a:r>
+              <a:rPr lang="en-US" sz="1400" dirty="0" err="1">
+                <a:solidFill>
+                  <a:schemeClr val="lt1">
+                    <a:alpha val="99000"/>
+                  </a:schemeClr>
+                </a:solidFill>
+                <a:latin typeface="Consolas" pitchFamily="49" charset="0"/>
+                <a:cs typeface="Consolas" pitchFamily="49" charset="0"/>
+              </a:rPr>
+              <a:t>IEnumerable</a:t>
+            </a:r>
+            <a:r>
+              <a:rPr lang="en-US" sz="1400" dirty="0">
+                <a:solidFill>
+                  <a:schemeClr val="lt1">
+                    <a:alpha val="99000"/>
+                  </a:schemeClr>
+                </a:solidFill>
+                <a:latin typeface="Consolas" pitchFamily="49" charset="0"/>
+                <a:cs typeface="Consolas" pitchFamily="49" charset="0"/>
+              </a:rPr>
+              <a:t>&lt;</a:t>
+            </a:r>
+            <a:r>
+              <a:rPr lang="en-US" sz="1400" dirty="0">
+                <a:solidFill>
+                  <a:schemeClr val="accent4">
+                    <a:lumMod val="40000"/>
+                    <a:lumOff val="60000"/>
+                    <a:alpha val="99000"/>
+                  </a:schemeClr>
+                </a:solidFill>
+                <a:latin typeface="Consolas" pitchFamily="49" charset="0"/>
+                <a:cs typeface="Consolas" pitchFamily="49" charset="0"/>
+              </a:rPr>
+              <a:t>Person</a:t>
+            </a:r>
+            <a:r>
+              <a:rPr lang="en-US" sz="1400" dirty="0">
+                <a:solidFill>
+                  <a:schemeClr val="lt1">
+                    <a:alpha val="99000"/>
+                  </a:schemeClr>
+                </a:solidFill>
+                <a:latin typeface="Consolas" pitchFamily="49" charset="0"/>
+                <a:cs typeface="Consolas" pitchFamily="49" charset="0"/>
+              </a:rPr>
+              <a:t>&gt; Get()</a:t>
+            </a:r>
+          </a:p>
+          <a:p>
+            <a:r>
+              <a:rPr lang="en-US" sz="1400" dirty="0">
+                <a:solidFill>
+                  <a:schemeClr val="lt1">
+                    <a:alpha val="99000"/>
+                  </a:schemeClr>
+                </a:solidFill>
+                <a:latin typeface="Consolas" pitchFamily="49" charset="0"/>
+                <a:cs typeface="Consolas" pitchFamily="49" charset="0"/>
+              </a:rPr>
+              <a:t>{</a:t>
+            </a:r>
+          </a:p>
+          <a:p>
+            <a:r>
+              <a:rPr lang="en-US" sz="1400" dirty="0">
+                <a:solidFill>
+                  <a:schemeClr val="lt1">
+                    <a:alpha val="99000"/>
+                  </a:schemeClr>
+                </a:solidFill>
+                <a:latin typeface="Consolas" pitchFamily="49" charset="0"/>
+                <a:cs typeface="Consolas" pitchFamily="49" charset="0"/>
+              </a:rPr>
+              <a:t>    return _people;</a:t>
+            </a:r>
+          </a:p>
+          <a:p>
+            <a:r>
+              <a:rPr lang="en-US" sz="1400" dirty="0">
+                <a:solidFill>
+                  <a:schemeClr val="lt1">
+                    <a:alpha val="99000"/>
+                  </a:schemeClr>
+                </a:solidFill>
+                <a:latin typeface="Consolas" pitchFamily="49" charset="0"/>
+                <a:cs typeface="Consolas" pitchFamily="49" charset="0"/>
+              </a:rPr>
+              <a:t>}</a:t>
+            </a:r>
+            <a:endParaRPr lang="en-US" sz="1400" dirty="0" smtClean="0">
+              <a:solidFill>
+                <a:schemeClr val="lt1">
+                  <a:alpha val="99000"/>
+                </a:schemeClr>
+              </a:solidFill>
+              <a:latin typeface="Consolas" pitchFamily="49" charset="0"/>
+              <a:cs typeface="Consolas" pitchFamily="49" charset="0"/>
+            </a:endParaRPr>
+          </a:p>
+        </p:txBody>
+      </p:sp>
+      <p:sp>
+        <p:nvSpPr>
+          <p:cNvPr id="8" name="Rectangle 7"/>
+          <p:cNvSpPr/>
+          <p:nvPr/>
+        </p:nvSpPr>
+        <p:spPr>
+          <a:xfrm>
+            <a:off x="433839" y="1698670"/>
+            <a:ext cx="2485232" cy="1077218"/>
+          </a:xfrm>
+          <a:prstGeom prst="rect">
+            <a:avLst/>
+          </a:prstGeom>
+        </p:spPr>
+        <p:txBody>
+          <a:bodyPr wrap="none">
+            <a:spAutoFit/>
+          </a:bodyPr>
+          <a:lstStyle/>
+          <a:p>
+            <a:r>
+              <a:rPr lang="en-US" sz="4000" dirty="0" smtClean="0">
+                <a:solidFill>
+                  <a:schemeClr val="accent2">
+                    <a:alpha val="99000"/>
+                  </a:schemeClr>
+                </a:solidFill>
+                <a:latin typeface="Segoe UI Light" pitchFamily="34" charset="0"/>
+              </a:rPr>
+              <a:t>Step 3:</a:t>
+            </a:r>
+            <a:endParaRPr lang="en-US" sz="4000" dirty="0">
+              <a:solidFill>
+                <a:schemeClr val="accent2">
+                  <a:alpha val="99000"/>
+                </a:schemeClr>
+              </a:solidFill>
+              <a:latin typeface="Segoe UI Light" pitchFamily="34" charset="0"/>
+            </a:endParaRPr>
+          </a:p>
+          <a:p>
+            <a:r>
+              <a:rPr lang="en-US" dirty="0" smtClean="0">
+                <a:solidFill>
+                  <a:schemeClr val="tx2">
+                    <a:alpha val="99000"/>
+                  </a:schemeClr>
+                </a:solidFill>
+                <a:latin typeface="Segoe UI Light" pitchFamily="34" charset="0"/>
+              </a:rPr>
+              <a:t>Return everything</a:t>
+            </a:r>
+            <a:endParaRPr lang="en-US" dirty="0">
+              <a:solidFill>
+                <a:schemeClr val="tx2">
+                  <a:alpha val="99000"/>
+                </a:schemeClr>
+              </a:solidFill>
+              <a:latin typeface="Segoe UI Light" pitchFamily="34" charset="0"/>
+            </a:endParaRPr>
+          </a:p>
+        </p:txBody>
+      </p:sp>
+      <p:sp>
+        <p:nvSpPr>
+          <p:cNvPr id="9" name="TextBox 8"/>
+          <p:cNvSpPr txBox="1"/>
+          <p:nvPr/>
+        </p:nvSpPr>
+        <p:spPr>
+          <a:xfrm>
+            <a:off x="5130023" y="3004814"/>
+            <a:ext cx="5901499" cy="1169551"/>
+          </a:xfrm>
+          <a:prstGeom prst="rect">
+            <a:avLst/>
+          </a:prstGeom>
+          <a:solidFill>
+            <a:schemeClr val="accent6"/>
+          </a:solidFill>
+          <a:ln>
+            <a:noFill/>
+          </a:ln>
+          <a:effectLst/>
+        </p:spPr>
+        <p:style>
+          <a:lnRef idx="3">
+            <a:schemeClr val="lt1"/>
+          </a:lnRef>
+          <a:fillRef idx="1">
+            <a:schemeClr val="accent3"/>
+          </a:fillRef>
+          <a:effectRef idx="1">
+            <a:schemeClr val="accent3"/>
+          </a:effectRef>
+          <a:fontRef idx="minor">
+            <a:schemeClr val="lt1"/>
+          </a:fontRef>
+        </p:style>
+        <p:txBody>
+          <a:bodyPr wrap="square" rtlCol="0">
+            <a:spAutoFit/>
+          </a:bodyPr>
+          <a:lstStyle/>
+          <a:p>
+            <a:r>
+              <a:rPr lang="en-US" sz="1400" dirty="0">
+                <a:solidFill>
+                  <a:schemeClr val="lt1">
+                    <a:alpha val="99000"/>
+                  </a:schemeClr>
+                </a:solidFill>
+                <a:latin typeface="Consolas" pitchFamily="49" charset="0"/>
+                <a:cs typeface="Consolas" pitchFamily="49" charset="0"/>
+              </a:rPr>
+              <a:t>// GET /</a:t>
+            </a:r>
+            <a:r>
+              <a:rPr lang="en-US" sz="1400" dirty="0" err="1">
+                <a:solidFill>
+                  <a:schemeClr val="lt1">
+                    <a:alpha val="99000"/>
+                  </a:schemeClr>
+                </a:solidFill>
+                <a:latin typeface="Consolas" pitchFamily="49" charset="0"/>
+                <a:cs typeface="Consolas" pitchFamily="49" charset="0"/>
+              </a:rPr>
+              <a:t>api</a:t>
+            </a:r>
+            <a:r>
+              <a:rPr lang="en-US" sz="1400" dirty="0">
+                <a:solidFill>
+                  <a:schemeClr val="lt1">
+                    <a:alpha val="99000"/>
+                  </a:schemeClr>
+                </a:solidFill>
+                <a:latin typeface="Consolas" pitchFamily="49" charset="0"/>
+                <a:cs typeface="Consolas" pitchFamily="49" charset="0"/>
+              </a:rPr>
+              <a:t>/person/5</a:t>
+            </a:r>
+          </a:p>
+          <a:p>
+            <a:r>
+              <a:rPr lang="en-US" sz="1400" dirty="0">
+                <a:solidFill>
+                  <a:schemeClr val="lt1">
+                    <a:alpha val="99000"/>
+                  </a:schemeClr>
+                </a:solidFill>
+                <a:latin typeface="Consolas" pitchFamily="49" charset="0"/>
+                <a:cs typeface="Consolas" pitchFamily="49" charset="0"/>
+              </a:rPr>
+              <a:t>public </a:t>
+            </a:r>
+            <a:r>
+              <a:rPr lang="en-US" sz="1400" dirty="0" smtClean="0">
+                <a:solidFill>
+                  <a:schemeClr val="accent4">
+                    <a:lumMod val="40000"/>
+                    <a:lumOff val="60000"/>
+                    <a:alpha val="99000"/>
+                  </a:schemeClr>
+                </a:solidFill>
+                <a:latin typeface="Consolas" pitchFamily="49" charset="0"/>
+                <a:cs typeface="Consolas" pitchFamily="49" charset="0"/>
+              </a:rPr>
+              <a:t>Person</a:t>
+            </a:r>
+            <a:r>
+              <a:rPr lang="en-US" sz="1400" dirty="0" smtClean="0">
+                <a:solidFill>
+                  <a:schemeClr val="lt1">
+                    <a:alpha val="99000"/>
+                  </a:schemeClr>
+                </a:solidFill>
+                <a:latin typeface="Consolas" pitchFamily="49" charset="0"/>
+                <a:cs typeface="Consolas" pitchFamily="49" charset="0"/>
+              </a:rPr>
+              <a:t> Get(</a:t>
+            </a:r>
+            <a:r>
+              <a:rPr lang="en-US" sz="1400" dirty="0" err="1" smtClean="0">
+                <a:solidFill>
+                  <a:schemeClr val="lt1">
+                    <a:alpha val="99000"/>
+                  </a:schemeClr>
+                </a:solidFill>
+                <a:latin typeface="Consolas" pitchFamily="49" charset="0"/>
+                <a:cs typeface="Consolas" pitchFamily="49" charset="0"/>
+              </a:rPr>
+              <a:t>int</a:t>
+            </a:r>
+            <a:r>
+              <a:rPr lang="en-US" sz="1400" dirty="0" smtClean="0">
+                <a:solidFill>
+                  <a:schemeClr val="lt1">
+                    <a:alpha val="99000"/>
+                  </a:schemeClr>
+                </a:solidFill>
+                <a:latin typeface="Consolas" pitchFamily="49" charset="0"/>
+                <a:cs typeface="Consolas" pitchFamily="49" charset="0"/>
+              </a:rPr>
+              <a:t> </a:t>
+            </a:r>
+            <a:r>
+              <a:rPr lang="en-US" sz="1400" dirty="0">
+                <a:solidFill>
+                  <a:schemeClr val="lt1">
+                    <a:alpha val="99000"/>
+                  </a:schemeClr>
+                </a:solidFill>
+                <a:latin typeface="Consolas" pitchFamily="49" charset="0"/>
+                <a:cs typeface="Consolas" pitchFamily="49" charset="0"/>
+              </a:rPr>
+              <a:t>id)</a:t>
+            </a:r>
+          </a:p>
+          <a:p>
+            <a:r>
+              <a:rPr lang="en-US" sz="1400" dirty="0">
+                <a:solidFill>
+                  <a:schemeClr val="lt1">
+                    <a:alpha val="99000"/>
+                  </a:schemeClr>
+                </a:solidFill>
+                <a:latin typeface="Consolas" pitchFamily="49" charset="0"/>
+                <a:cs typeface="Consolas" pitchFamily="49" charset="0"/>
+              </a:rPr>
+              <a:t>{</a:t>
+            </a:r>
+          </a:p>
+          <a:p>
+            <a:r>
+              <a:rPr lang="en-US" sz="1400" dirty="0">
+                <a:solidFill>
+                  <a:schemeClr val="lt1">
+                    <a:alpha val="99000"/>
+                  </a:schemeClr>
+                </a:solidFill>
+                <a:latin typeface="Consolas" pitchFamily="49" charset="0"/>
+                <a:cs typeface="Consolas" pitchFamily="49" charset="0"/>
+              </a:rPr>
+              <a:t>    return _</a:t>
+            </a:r>
+            <a:r>
+              <a:rPr lang="en-US" sz="1400" dirty="0" err="1">
+                <a:solidFill>
+                  <a:schemeClr val="lt1">
+                    <a:alpha val="99000"/>
+                  </a:schemeClr>
+                </a:solidFill>
+                <a:latin typeface="Consolas" pitchFamily="49" charset="0"/>
+                <a:cs typeface="Consolas" pitchFamily="49" charset="0"/>
+              </a:rPr>
+              <a:t>people.First</a:t>
+            </a:r>
+            <a:r>
+              <a:rPr lang="en-US" sz="1400" dirty="0">
+                <a:solidFill>
+                  <a:schemeClr val="lt1">
+                    <a:alpha val="99000"/>
+                  </a:schemeClr>
+                </a:solidFill>
+                <a:latin typeface="Consolas" pitchFamily="49" charset="0"/>
+                <a:cs typeface="Consolas" pitchFamily="49" charset="0"/>
+              </a:rPr>
+              <a:t>(x =&gt; </a:t>
+            </a:r>
+            <a:r>
+              <a:rPr lang="en-US" sz="1400" dirty="0" err="1">
+                <a:solidFill>
+                  <a:schemeClr val="lt1">
+                    <a:alpha val="99000"/>
+                  </a:schemeClr>
+                </a:solidFill>
+                <a:latin typeface="Consolas" pitchFamily="49" charset="0"/>
+                <a:cs typeface="Consolas" pitchFamily="49" charset="0"/>
+              </a:rPr>
+              <a:t>x.Id</a:t>
+            </a:r>
+            <a:r>
+              <a:rPr lang="en-US" sz="1400" dirty="0">
+                <a:solidFill>
+                  <a:schemeClr val="lt1">
+                    <a:alpha val="99000"/>
+                  </a:schemeClr>
+                </a:solidFill>
+                <a:latin typeface="Consolas" pitchFamily="49" charset="0"/>
+                <a:cs typeface="Consolas" pitchFamily="49" charset="0"/>
+              </a:rPr>
+              <a:t> == id);</a:t>
+            </a:r>
+          </a:p>
+          <a:p>
+            <a:r>
+              <a:rPr lang="en-US" sz="1400" dirty="0">
+                <a:solidFill>
+                  <a:schemeClr val="lt1">
+                    <a:alpha val="99000"/>
+                  </a:schemeClr>
+                </a:solidFill>
+                <a:latin typeface="Consolas" pitchFamily="49" charset="0"/>
+                <a:cs typeface="Consolas" pitchFamily="49" charset="0"/>
+              </a:rPr>
+              <a:t>}</a:t>
+            </a:r>
+            <a:endParaRPr lang="en-US" sz="1400" dirty="0" smtClean="0">
+              <a:solidFill>
+                <a:schemeClr val="lt1">
+                  <a:alpha val="99000"/>
+                </a:schemeClr>
+              </a:solidFill>
+              <a:latin typeface="Consolas" pitchFamily="49" charset="0"/>
+              <a:cs typeface="Consolas" pitchFamily="49" charset="0"/>
+            </a:endParaRPr>
+          </a:p>
+        </p:txBody>
+      </p:sp>
+      <p:sp>
+        <p:nvSpPr>
+          <p:cNvPr id="10" name="Rectangle 9"/>
+          <p:cNvSpPr/>
+          <p:nvPr/>
+        </p:nvSpPr>
+        <p:spPr>
+          <a:xfrm>
+            <a:off x="433838" y="3004814"/>
+            <a:ext cx="2259658" cy="1077218"/>
+          </a:xfrm>
+          <a:prstGeom prst="rect">
+            <a:avLst/>
+          </a:prstGeom>
+        </p:spPr>
+        <p:txBody>
+          <a:bodyPr wrap="none">
+            <a:spAutoFit/>
+          </a:bodyPr>
+          <a:lstStyle/>
+          <a:p>
+            <a:r>
+              <a:rPr lang="en-US" sz="4000" dirty="0" smtClean="0">
+                <a:solidFill>
+                  <a:schemeClr val="accent2">
+                    <a:alpha val="99000"/>
+                  </a:schemeClr>
+                </a:solidFill>
+                <a:latin typeface="Segoe UI Light" pitchFamily="34" charset="0"/>
+              </a:rPr>
+              <a:t>Step 4:</a:t>
+            </a:r>
+            <a:endParaRPr lang="en-US" sz="4000" dirty="0">
+              <a:solidFill>
+                <a:schemeClr val="accent2">
+                  <a:alpha val="99000"/>
+                </a:schemeClr>
+              </a:solidFill>
+              <a:latin typeface="Segoe UI Light" pitchFamily="34" charset="0"/>
+            </a:endParaRPr>
+          </a:p>
+          <a:p>
+            <a:r>
+              <a:rPr lang="en-US" dirty="0" smtClean="0">
+                <a:solidFill>
+                  <a:schemeClr val="tx2">
+                    <a:alpha val="99000"/>
+                  </a:schemeClr>
+                </a:solidFill>
+                <a:latin typeface="Segoe UI Light" pitchFamily="34" charset="0"/>
+              </a:rPr>
+              <a:t>Return one item</a:t>
+            </a:r>
+            <a:endParaRPr lang="en-US" dirty="0">
+              <a:solidFill>
+                <a:schemeClr val="tx2">
+                  <a:alpha val="99000"/>
+                </a:schemeClr>
+              </a:solidFill>
+              <a:latin typeface="Segoe UI Light" pitchFamily="34" charset="0"/>
+            </a:endParaRPr>
+          </a:p>
+        </p:txBody>
+      </p:sp>
+    </p:spTree>
+    <p:extLst>
+      <p:ext uri="{BB962C8B-B14F-4D97-AF65-F5344CB8AC3E}">
+        <p14:creationId xmlns:p14="http://schemas.microsoft.com/office/powerpoint/2010/main" val="3708377492"/>
+      </p:ext>
+    </p:extLst>
+  </p:cSld>
+  <p:clrMapOvr>
+    <a:masterClrMapping/>
+  </p:clrMapOvr>
+  <p:transition>
+    <p:fade/>
+  </p:transition>
+  <p:timing>
+    <p:tnLst>
+      <p:par>
+        <p:cTn id="1" dur="indefinite" restart="never" nodeType="tmRoot"/>
+      </p:par>
+    </p:tnLst>
+  </p:timing>
+</p:sld>
+</file>
+
+<file path=ppt/slides/slide12.xml><?xml version="1.0" encoding="utf-8"?>
+<p:sld xmlns:a="http://schemas.openxmlformats.org/drawingml/2006/main" xmlns:r="http://schemas.openxmlformats.org/officeDocument/2006/relationships" xmlns:p="http://schemas.openxmlformats.org/presentationml/2006/main">
+  <p:cSld>
+    <p:spTree>
+      <p:nvGrpSpPr>
+        <p:cNvPr id="1" name=""/>
+        <p:cNvGrpSpPr/>
+        <p:nvPr/>
+      </p:nvGrpSpPr>
+      <p:grpSpPr>
+        <a:xfrm>
+          <a:off x="0" y="0"/>
+          <a:ext cx="0" cy="0"/>
+          <a:chOff x="0" y="0"/>
+          <a:chExt cx="0" cy="0"/>
+        </a:xfrm>
+      </p:grpSpPr>
+      <p:graphicFrame>
+        <p:nvGraphicFramePr>
+          <p:cNvPr id="2" name="Object 1" hidden="1"/>
+          <p:cNvGraphicFramePr>
+            <a:graphicFrameLocks noChangeAspect="1"/>
+          </p:cNvGraphicFramePr>
+          <p:nvPr>
+            <p:custDataLst>
+              <p:tags r:id="rId2"/>
+            </p:custDataLst>
+            <p:extLst>
+              <p:ext uri="{D42A27DB-BD31-4B8C-83A1-F6EECF244321}">
+                <p14:modId xmlns:p14="http://schemas.microsoft.com/office/powerpoint/2010/main" val="3019174690"/>
+              </p:ext>
+            </p:extLst>
+          </p:nvPr>
+        </p:nvGraphicFramePr>
+        <p:xfrm>
+          <a:off x="0" y="0"/>
+          <a:ext cx="158750" cy="158750"/>
+        </p:xfrm>
+        <a:graphic>
+          <a:graphicData uri="http://schemas.openxmlformats.org/presentationml/2006/ole">
+            <mc:AlternateContent xmlns:mc="http://schemas.openxmlformats.org/markup-compatibility/2006">
+              <mc:Choice xmlns:v="urn:schemas-microsoft-com:vml" Requires="v">
+                <p:oleObj spid="_x0000_s30790" name="think-cell Slide" r:id="rId6" imgW="270" imgH="270" progId="TCLayout.ActiveDocument.1">
+                  <p:embed/>
+                </p:oleObj>
+              </mc:Choice>
+              <mc:Fallback>
+                <p:oleObj name="think-cell Slide" r:id="rId6" imgW="270" imgH="270" progId="TCLayout.ActiveDocument.1">
+                  <p:embed/>
+                  <p:pic>
+                    <p:nvPicPr>
+                      <p:cNvPr id="0" name=""/>
+                      <p:cNvPicPr/>
+                      <p:nvPr/>
+                    </p:nvPicPr>
+                    <p:blipFill>
+                      <a:blip r:embed="rId7"/>
+                      <a:stretch>
+                        <a:fillRect/>
+                      </a:stretch>
+                    </p:blipFill>
+                    <p:spPr>
+                      <a:xfrm>
+                        <a:off x="0" y="0"/>
+                        <a:ext cx="158750" cy="158750"/>
+                      </a:xfrm>
+                      <a:prstGeom prst="rect">
+                        <a:avLst/>
+                      </a:prstGeom>
+                    </p:spPr>
+                  </p:pic>
+                </p:oleObj>
+              </mc:Fallback>
+            </mc:AlternateContent>
+          </a:graphicData>
+        </a:graphic>
+      </p:graphicFrame>
+      <p:sp>
+        <p:nvSpPr>
+          <p:cNvPr id="4" name="Title 3"/>
+          <p:cNvSpPr>
+            <a:spLocks noGrp="1"/>
+          </p:cNvSpPr>
+          <p:nvPr>
+            <p:ph type="ctrTitle"/>
+            <p:custDataLst>
+              <p:tags r:id="rId3"/>
+            </p:custDataLst>
+          </p:nvPr>
+        </p:nvSpPr>
+        <p:spPr/>
+        <p:txBody>
+          <a:bodyPr/>
+          <a:lstStyle/>
+          <a:p>
+            <a:r>
+              <a:rPr lang="en-US" smtClean="0"/>
+              <a:t>Building a read only Web API</a:t>
+            </a:r>
+            <a:endParaRPr lang="en-US" dirty="0"/>
+          </a:p>
+        </p:txBody>
+      </p:sp>
+      <p:sp>
+        <p:nvSpPr>
+          <p:cNvPr id="9" name="Subtitle 8"/>
+          <p:cNvSpPr>
+            <a:spLocks noGrp="1"/>
+          </p:cNvSpPr>
+          <p:nvPr>
+            <p:ph type="subTitle" idx="1"/>
+          </p:nvPr>
+        </p:nvSpPr>
+        <p:spPr/>
+        <p:txBody>
+          <a:bodyPr/>
+          <a:lstStyle/>
+          <a:p>
+            <a:endParaRPr lang="en-US"/>
+          </a:p>
+        </p:txBody>
+      </p:sp>
+      <p:sp>
+        <p:nvSpPr>
+          <p:cNvPr id="6" name="Text Placeholder 5"/>
+          <p:cNvSpPr>
+            <a:spLocks noGrp="1"/>
+          </p:cNvSpPr>
+          <p:nvPr>
+            <p:ph type="body" sz="quarter" idx="10"/>
+          </p:nvPr>
+        </p:nvSpPr>
+        <p:spPr/>
+        <p:txBody>
+          <a:bodyPr/>
+          <a:lstStyle/>
+          <a:p>
+            <a:r>
+              <a:rPr lang="en-US" smtClean="0"/>
+              <a:t>demo</a:t>
+            </a:r>
+            <a:endParaRPr lang="en-US" dirty="0"/>
+          </a:p>
+        </p:txBody>
+      </p:sp>
+    </p:spTree>
+    <p:extLst>
+      <p:ext uri="{BB962C8B-B14F-4D97-AF65-F5344CB8AC3E}">
+        <p14:creationId xmlns:p14="http://schemas.microsoft.com/office/powerpoint/2010/main" val="319233477"/>
+      </p:ext>
+    </p:extLst>
+  </p:cSld>
+  <p:clrMapOvr>
+    <a:masterClrMapping/>
+  </p:clrMapOvr>
+  <mc:AlternateContent xmlns:mc="http://schemas.openxmlformats.org/markup-compatibility/2006" xmlns:p14="http://schemas.microsoft.com/office/powerpoint/2010/main">
+    <mc:Choice Requires="p14">
+      <p:transition spd="med" p14:dur="700">
+        <p:fade/>
+      </p:transition>
+    </mc:Choice>
+    <mc:Fallback xmlns="">
+      <p:transition spd="med">
+        <p:fade/>
+      </p:transition>
+    </mc:Fallback>
+  </mc:AlternateContent>
+  <p:timing>
+    <p:tnLst>
+      <p:par>
+        <p:cTn id="1" dur="indefinite" restart="never" nodeType="tmRoot"/>
+      </p:par>
+    </p:tnLst>
+  </p:timing>
+</p:sld>
+</file>
+
+<file path=ppt/slides/slide13.xml><?xml version="1.0" encoding="utf-8"?>
+<p:sld xmlns:a="http://schemas.openxmlformats.org/drawingml/2006/main" xmlns:r="http://schemas.openxmlformats.org/officeDocument/2006/relationships" xmlns:p="http://schemas.openxmlformats.org/presentationml/2006/main">
+  <p:cSld>
+    <p:spTree>
+      <p:nvGrpSpPr>
+        <p:cNvPr id="1" name=""/>
+        <p:cNvGrpSpPr/>
+        <p:nvPr/>
+      </p:nvGrpSpPr>
+      <p:grpSpPr>
+        <a:xfrm>
+          <a:off x="0" y="0"/>
+          <a:ext cx="0" cy="0"/>
+          <a:chOff x="0" y="0"/>
+          <a:chExt cx="0" cy="0"/>
+        </a:xfrm>
+      </p:grpSpPr>
       <p:graphicFrame>
         <p:nvGraphicFramePr>
           <p:cNvPr id="4" name="Object 3" hidden="1"/>
@@ -17311,7 +19184,7 @@
           <a:graphicData uri="http://schemas.openxmlformats.org/presentationml/2006/ole">
             <mc:AlternateContent xmlns:mc="http://schemas.openxmlformats.org/markup-compatibility/2006">
               <mc:Choice xmlns:v="urn:schemas-microsoft-com:vml" Requires="v">
-                <p:oleObj spid="_x0000_s34888" name="think-cell Slide" r:id="rId7" imgW="270" imgH="270" progId="TCLayout.ActiveDocument.1">
+                <p:oleObj spid="_x0000_s34891" name="think-cell Slide" r:id="rId7" imgW="270" imgH="270" progId="TCLayout.ActiveDocument.1">
                   <p:embed/>
                 </p:oleObj>
               </mc:Choice>
@@ -19243,18 +21116,7 @@
                 </a:solidFill>
                 <a:latin typeface="Segoe UI Light" pitchFamily="34" charset="0"/>
               </a:rPr>
-              <a:t>Find a person and retur</a:t>
-            </a:r>
-            <a:r>
-              <a:rPr lang="en-US" dirty="0" smtClean="0">
-                <a:solidFill>
-                  <a:schemeClr val="tx2">
-                    <a:alpha val="99000"/>
-                  </a:schemeClr>
-                </a:solidFill>
-                <a:latin typeface="Segoe UI Light" pitchFamily="34" charset="0"/>
-              </a:rPr>
-              <a:t>n it,</a:t>
+              <a:t>Find a person and return it,</a:t>
             </a:r>
             <a:br>
               <a:rPr lang="en-US" dirty="0" smtClean="0">
@@ -19465,7 +21327,7 @@
 </p:sld>
 </file>
 
-<file path=ppt/slides/slide11.xml><?xml version="1.0" encoding="utf-8"?>
+<file path=ppt/slides/slide14.xml><?xml version="1.0" encoding="utf-8"?>
 <p:sld xmlns:a="http://schemas.openxmlformats.org/drawingml/2006/main" xmlns:r="http://schemas.openxmlformats.org/officeDocument/2006/relationships" xmlns:p="http://schemas.openxmlformats.org/presentationml/2006/main">
   <p:cSld>
     <p:spTree>
@@ -19642,7 +21504,6 @@
               <a:rPr lang="en-US" sz="2800" dirty="0"/>
               <a:t>A successful API call returns an HTTP OK and the JSON data</a:t>
             </a:r>
-            <a:endParaRPr lang="en-US" sz="2800" dirty="0"/>
           </a:p>
         </p:txBody>
       </p:sp>
@@ -19669,7 +21530,7 @@
 </p:sld>
 </file>
 
-<file path=ppt/slides/slide12.xml><?xml version="1.0" encoding="utf-8"?>
+<file path=ppt/slides/slide15.xml><?xml version="1.0" encoding="utf-8"?>
 <p:sld xmlns:a="http://schemas.openxmlformats.org/drawingml/2006/main" xmlns:r="http://schemas.openxmlformats.org/officeDocument/2006/relationships" xmlns:p="http://schemas.openxmlformats.org/presentationml/2006/main">
   <p:cSld>
     <p:spTree>
@@ -19764,7 +21625,6 @@
               <a:rPr lang="en-US" sz="2800" dirty="0"/>
               <a:t>An unsuccessful API call returns an HTTP 404 (and no JSON)</a:t>
             </a:r>
-            <a:endParaRPr lang="en-US" sz="2800" dirty="0"/>
           </a:p>
         </p:txBody>
       </p:sp>
@@ -19873,7 +21733,7 @@
 </p:sld>
 </file>
 
-<file path=ppt/slides/slide13.xml><?xml version="1.0" encoding="utf-8"?>
+<file path=ppt/slides/slide16.xml><?xml version="1.0" encoding="utf-8"?>
 <p:sld xmlns:a="http://schemas.openxmlformats.org/drawingml/2006/main" xmlns:r="http://schemas.openxmlformats.org/officeDocument/2006/relationships" xmlns:p="http://schemas.openxmlformats.org/presentationml/2006/main">
   <p:cSld>
     <p:spTree>
@@ -19915,7 +21775,7 @@
           <a:graphicData uri="http://schemas.openxmlformats.org/presentationml/2006/ole">
             <mc:AlternateContent xmlns:mc="http://schemas.openxmlformats.org/markup-compatibility/2006">
               <mc:Choice xmlns:v="urn:schemas-microsoft-com:vml" Requires="v">
-                <p:oleObj spid="_x0000_s35911" name="think-cell Slide" r:id="rId7" imgW="270" imgH="270" progId="TCLayout.ActiveDocument.1">
+                <p:oleObj spid="_x0000_s35914" name="think-cell Slide" r:id="rId7" imgW="270" imgH="270" progId="TCLayout.ActiveDocument.1">
                   <p:embed/>
                 </p:oleObj>
               </mc:Choice>
@@ -21380,7 +23240,7 @@
 </p:sld>
 </file>
 
-<file path=ppt/slides/slide14.xml><?xml version="1.0" encoding="utf-8"?>
+<file path=ppt/slides/slide17.xml><?xml version="1.0" encoding="utf-8"?>
 <p:sld xmlns:a="http://schemas.openxmlformats.org/drawingml/2006/main" xmlns:r="http://schemas.openxmlformats.org/officeDocument/2006/relationships" xmlns:p="http://schemas.openxmlformats.org/presentationml/2006/main">
   <p:cSld>
     <p:spTree>
@@ -21422,7 +23282,7 @@
           <a:graphicData uri="http://schemas.openxmlformats.org/presentationml/2006/ole">
             <mc:AlternateContent xmlns:mc="http://schemas.openxmlformats.org/markup-compatibility/2006">
               <mc:Choice xmlns:v="urn:schemas-microsoft-com:vml" Requires="v">
-                <p:oleObj spid="_x0000_s36931" name="think-cell Slide" r:id="rId6" imgW="270" imgH="270" progId="TCLayout.ActiveDocument.1">
+                <p:oleObj spid="_x0000_s36934" name="think-cell Slide" r:id="rId6" imgW="270" imgH="270" progId="TCLayout.ActiveDocument.1">
                   <p:embed/>
                 </p:oleObj>
               </mc:Choice>
@@ -21564,7 +23424,7 @@
 </p:sld>
 </file>
 
-<file path=ppt/slides/slide15.xml><?xml version="1.0" encoding="utf-8"?>
+<file path=ppt/slides/slide18.xml><?xml version="1.0" encoding="utf-8"?>
 <p:sld xmlns:a="http://schemas.openxmlformats.org/drawingml/2006/main" xmlns:r="http://schemas.openxmlformats.org/officeDocument/2006/relationships" xmlns:p="http://schemas.openxmlformats.org/presentationml/2006/main">
   <p:cSld>
     <p:spTree>
@@ -21606,7 +23466,7 @@
           <a:graphicData uri="http://schemas.openxmlformats.org/presentationml/2006/ole">
             <mc:AlternateContent xmlns:mc="http://schemas.openxmlformats.org/markup-compatibility/2006">
               <mc:Choice xmlns:v="urn:schemas-microsoft-com:vml" Requires="v">
-                <p:oleObj spid="_x0000_s37959" name="think-cell Slide" r:id="rId7" imgW="270" imgH="270" progId="TCLayout.ActiveDocument.1">
+                <p:oleObj spid="_x0000_s37962" name="think-cell Slide" r:id="rId7" imgW="270" imgH="270" progId="TCLayout.ActiveDocument.1">
                   <p:embed/>
                 </p:oleObj>
               </mc:Choice>
@@ -22181,7 +24041,7 @@
 </p:sld>
 </file>
 
-<file path=ppt/slides/slide16.xml><?xml version="1.0" encoding="utf-8"?>
+<file path=ppt/slides/slide19.xml><?xml version="1.0" encoding="utf-8"?>
 <p:sld xmlns:a="http://schemas.openxmlformats.org/drawingml/2006/main" xmlns:r="http://schemas.openxmlformats.org/officeDocument/2006/relationships" xmlns:p="http://schemas.openxmlformats.org/presentationml/2006/main">
   <p:cSld>
     <p:spTree>
@@ -22223,7 +24083,7 @@
           <a:graphicData uri="http://schemas.openxmlformats.org/presentationml/2006/ole">
             <mc:AlternateContent xmlns:mc="http://schemas.openxmlformats.org/markup-compatibility/2006">
               <mc:Choice xmlns:v="urn:schemas-microsoft-com:vml" Requires="v">
-                <p:oleObj spid="_x0000_s38983" name="think-cell Slide" r:id="rId7" imgW="270" imgH="270" progId="TCLayout.ActiveDocument.1">
+                <p:oleObj spid="_x0000_s38986" name="think-cell Slide" r:id="rId7" imgW="270" imgH="270" progId="TCLayout.ActiveDocument.1">
                   <p:embed/>
                 </p:oleObj>
               </mc:Choice>
@@ -23251,7 +25111,186 @@
 </p:sld>
 </file>
 
-<file path=ppt/slides/slide17.xml><?xml version="1.0" encoding="utf-8"?>
+<file path=ppt/slides/slide2.xml><?xml version="1.0" encoding="utf-8"?>
+<p:sld xmlns:a="http://schemas.openxmlformats.org/drawingml/2006/main" xmlns:r="http://schemas.openxmlformats.org/officeDocument/2006/relationships" xmlns:p="http://schemas.openxmlformats.org/presentationml/2006/main">
+  <p:cSld>
+    <p:spTree>
+      <p:nvGrpSpPr>
+        <p:cNvPr id="1" name=""/>
+        <p:cNvGrpSpPr/>
+        <p:nvPr/>
+      </p:nvGrpSpPr>
+      <p:grpSpPr>
+        <a:xfrm>
+          <a:off x="0" y="0"/>
+          <a:ext cx="0" cy="0"/>
+          <a:chOff x="0" y="0"/>
+          <a:chExt cx="0" cy="0"/>
+        </a:xfrm>
+      </p:grpSpPr>
+      <p:graphicFrame>
+        <p:nvGraphicFramePr>
+          <p:cNvPr id="4" name="Object 3" hidden="1"/>
+          <p:cNvGraphicFramePr>
+            <a:graphicFrameLocks noChangeAspect="1"/>
+          </p:cNvGraphicFramePr>
+          <p:nvPr>
+            <p:custDataLst>
+              <p:tags r:id="rId2"/>
+            </p:custDataLst>
+            <p:extLst>
+              <p:ext uri="{D42A27DB-BD31-4B8C-83A1-F6EECF244321}">
+                <p14:modId xmlns:p14="http://schemas.microsoft.com/office/powerpoint/2010/main" val="894135921"/>
+              </p:ext>
+            </p:extLst>
+          </p:nvPr>
+        </p:nvGraphicFramePr>
+        <p:xfrm>
+          <a:off x="0" y="0"/>
+          <a:ext cx="158750" cy="158750"/>
+        </p:xfrm>
+        <a:graphic>
+          <a:graphicData uri="http://schemas.openxmlformats.org/presentationml/2006/ole">
+            <mc:AlternateContent xmlns:mc="http://schemas.openxmlformats.org/markup-compatibility/2006">
+              <mc:Choice xmlns:v="urn:schemas-microsoft-com:vml" Requires="v">
+                <p:oleObj spid="_x0000_s59455" name="think-cell Slide" r:id="rId5" imgW="270" imgH="270" progId="TCLayout.ActiveDocument.1">
+                  <p:embed/>
+                </p:oleObj>
+              </mc:Choice>
+              <mc:Fallback>
+                <p:oleObj name="think-cell Slide" r:id="rId5" imgW="270" imgH="270" progId="TCLayout.ActiveDocument.1">
+                  <p:embed/>
+                  <p:pic>
+                    <p:nvPicPr>
+                      <p:cNvPr id="0" name=""/>
+                      <p:cNvPicPr/>
+                      <p:nvPr/>
+                    </p:nvPicPr>
+                    <p:blipFill>
+                      <a:blip r:embed="rId6"/>
+                      <a:stretch>
+                        <a:fillRect/>
+                      </a:stretch>
+                    </p:blipFill>
+                    <p:spPr>
+                      <a:xfrm>
+                        <a:off x="0" y="0"/>
+                        <a:ext cx="158750" cy="158750"/>
+                      </a:xfrm>
+                      <a:prstGeom prst="rect">
+                        <a:avLst/>
+                      </a:prstGeom>
+                    </p:spPr>
+                  </p:pic>
+                </p:oleObj>
+              </mc:Fallback>
+            </mc:AlternateContent>
+          </a:graphicData>
+        </a:graphic>
+      </p:graphicFrame>
+      <p:sp>
+        <p:nvSpPr>
+          <p:cNvPr id="6" name="Title 5"/>
+          <p:cNvSpPr>
+            <a:spLocks noGrp="1"/>
+          </p:cNvSpPr>
+          <p:nvPr>
+            <p:ph type="ctrTitle"/>
+          </p:nvPr>
+        </p:nvSpPr>
+        <p:spPr>
+          <a:xfrm>
+            <a:off x="519113" y="2234114"/>
+            <a:ext cx="9893248" cy="1359196"/>
+          </a:xfrm>
+        </p:spPr>
+        <p:txBody>
+          <a:bodyPr/>
+          <a:lstStyle/>
+          <a:p>
+            <a:r>
+              <a:rPr lang="en-US" dirty="0" smtClean="0"/>
+              <a:t>Building a Service Layer </a:t>
+            </a:r>
+            <a:br>
+              <a:rPr lang="en-US" dirty="0" smtClean="0"/>
+            </a:br>
+            <a:r>
+              <a:rPr lang="en-US" dirty="0" smtClean="0"/>
+              <a:t>with ASP.NET Web API</a:t>
+            </a:r>
+            <a:endParaRPr lang="en-US" dirty="0"/>
+          </a:p>
+        </p:txBody>
+      </p:sp>
+      <p:sp>
+        <p:nvSpPr>
+          <p:cNvPr id="7" name="Text Placeholder 6"/>
+          <p:cNvSpPr>
+            <a:spLocks noGrp="1"/>
+          </p:cNvSpPr>
+          <p:nvPr>
+            <p:ph type="body" sz="quarter" idx="11"/>
+          </p:nvPr>
+        </p:nvSpPr>
+        <p:spPr/>
+        <p:txBody>
+          <a:bodyPr/>
+          <a:lstStyle/>
+          <a:p>
+            <a:r>
+              <a:rPr lang="en-US" smtClean="0"/>
+              <a:t>Name</a:t>
+            </a:r>
+          </a:p>
+          <a:p>
+            <a:r>
+              <a:rPr lang="en-US" smtClean="0"/>
+              <a:t>Title</a:t>
+            </a:r>
+          </a:p>
+          <a:p>
+            <a:r>
+              <a:rPr lang="en-US" smtClean="0"/>
+              <a:t>Microsoft Corporation</a:t>
+            </a:r>
+            <a:endParaRPr lang="en-US" dirty="0"/>
+          </a:p>
+        </p:txBody>
+      </p:sp>
+    </p:spTree>
+    <p:extLst>
+      <p:ext uri="{BB962C8B-B14F-4D97-AF65-F5344CB8AC3E}">
+        <p14:creationId xmlns:p14="http://schemas.microsoft.com/office/powerpoint/2010/main" val="574643984"/>
+      </p:ext>
+    </p:extLst>
+  </p:cSld>
+  <p:clrMapOvr>
+    <a:masterClrMapping/>
+  </p:clrMapOvr>
+  <mc:AlternateContent xmlns:mc="http://schemas.openxmlformats.org/markup-compatibility/2006" xmlns:p14="http://schemas.microsoft.com/office/powerpoint/2010/main">
+    <mc:Choice Requires="p14">
+      <p:transition spd="med" p14:dur="700">
+        <p:fade/>
+      </p:transition>
+    </mc:Choice>
+    <mc:Fallback xmlns="">
+      <p:transition spd="med">
+        <p:fade/>
+      </p:transition>
+    </mc:Fallback>
+  </mc:AlternateContent>
+  <p:timing>
+    <p:tnLst>
+      <p:par>
+        <p:cTn id="1" dur="indefinite" restart="never" nodeType="tmRoot"/>
+      </p:par>
+    </p:tnLst>
+  </p:timing>
+</p:sld>
+</file>
+
+<file path=ppt/slides/slide20.xml><?xml version="1.0" encoding="utf-8"?>
 <p:sld xmlns:a="http://schemas.openxmlformats.org/drawingml/2006/main" xmlns:r="http://schemas.openxmlformats.org/officeDocument/2006/relationships" xmlns:p="http://schemas.openxmlformats.org/presentationml/2006/main">
   <p:cSld>
     <p:spTree>
@@ -23293,7 +25332,7 @@
           <a:graphicData uri="http://schemas.openxmlformats.org/presentationml/2006/ole">
             <mc:AlternateContent xmlns:mc="http://schemas.openxmlformats.org/markup-compatibility/2006">
               <mc:Choice xmlns:v="urn:schemas-microsoft-com:vml" Requires="v">
-                <p:oleObj spid="_x0000_s40003" name="think-cell Slide" r:id="rId5" imgW="270" imgH="270" progId="TCLayout.ActiveDocument.1">
+                <p:oleObj spid="_x0000_s40006" name="think-cell Slide" r:id="rId5" imgW="270" imgH="270" progId="TCLayout.ActiveDocument.1">
                   <p:embed/>
                 </p:oleObj>
               </mc:Choice>
@@ -23437,7 +25476,7 @@
 </p:sld>
 </file>
 
-<file path=ppt/slides/slide18.xml><?xml version="1.0" encoding="utf-8"?>
+<file path=ppt/slides/slide21.xml><?xml version="1.0" encoding="utf-8"?>
 <p:sld xmlns:a="http://schemas.openxmlformats.org/drawingml/2006/main" xmlns:r="http://schemas.openxmlformats.org/officeDocument/2006/relationships" xmlns:p="http://schemas.openxmlformats.org/presentationml/2006/main">
   <p:cSld>
     <p:spTree>
@@ -23479,7 +25518,7 @@
           <a:graphicData uri="http://schemas.openxmlformats.org/presentationml/2006/ole">
             <mc:AlternateContent xmlns:mc="http://schemas.openxmlformats.org/markup-compatibility/2006">
               <mc:Choice xmlns:v="urn:schemas-microsoft-com:vml" Requires="v">
-                <p:oleObj spid="_x0000_s41031" name="think-cell Slide" r:id="rId7" imgW="270" imgH="270" progId="TCLayout.ActiveDocument.1">
+                <p:oleObj spid="_x0000_s41034" name="think-cell Slide" r:id="rId7" imgW="270" imgH="270" progId="TCLayout.ActiveDocument.1">
                   <p:embed/>
                 </p:oleObj>
               </mc:Choice>
@@ -24136,7 +26175,7 @@
 </p:sld>
 </file>
 
-<file path=ppt/slides/slide19.xml><?xml version="1.0" encoding="utf-8"?>
+<file path=ppt/slides/slide22.xml><?xml version="1.0" encoding="utf-8"?>
 <p:sld xmlns:a="http://schemas.openxmlformats.org/drawingml/2006/main" xmlns:r="http://schemas.openxmlformats.org/officeDocument/2006/relationships" xmlns:p="http://schemas.openxmlformats.org/presentationml/2006/main">
   <p:cSld>
     <p:spTree>
@@ -24178,7 +26217,7 @@
           <a:graphicData uri="http://schemas.openxmlformats.org/presentationml/2006/ole">
             <mc:AlternateContent xmlns:mc="http://schemas.openxmlformats.org/markup-compatibility/2006">
               <mc:Choice xmlns:v="urn:schemas-microsoft-com:vml" Requires="v">
-                <p:oleObj spid="_x0000_s42055" name="think-cell Slide" r:id="rId7" imgW="270" imgH="270" progId="TCLayout.ActiveDocument.1">
+                <p:oleObj spid="_x0000_s42058" name="think-cell Slide" r:id="rId7" imgW="270" imgH="270" progId="TCLayout.ActiveDocument.1">
                   <p:embed/>
                 </p:oleObj>
               </mc:Choice>
@@ -26333,186 +28372,7 @@
 </p:sld>
 </file>
 
-<file path=ppt/slides/slide2.xml><?xml version="1.0" encoding="utf-8"?>
-<p:sld xmlns:a="http://schemas.openxmlformats.org/drawingml/2006/main" xmlns:r="http://schemas.openxmlformats.org/officeDocument/2006/relationships" xmlns:p="http://schemas.openxmlformats.org/presentationml/2006/main">
-  <p:cSld>
-    <p:spTree>
-      <p:nvGrpSpPr>
-        <p:cNvPr id="1" name=""/>
-        <p:cNvGrpSpPr/>
-        <p:nvPr/>
-      </p:nvGrpSpPr>
-      <p:grpSpPr>
-        <a:xfrm>
-          <a:off x="0" y="0"/>
-          <a:ext cx="0" cy="0"/>
-          <a:chOff x="0" y="0"/>
-          <a:chExt cx="0" cy="0"/>
-        </a:xfrm>
-      </p:grpSpPr>
-      <p:graphicFrame>
-        <p:nvGraphicFramePr>
-          <p:cNvPr id="4" name="Object 3" hidden="1"/>
-          <p:cNvGraphicFramePr>
-            <a:graphicFrameLocks noChangeAspect="1"/>
-          </p:cNvGraphicFramePr>
-          <p:nvPr>
-            <p:custDataLst>
-              <p:tags r:id="rId2"/>
-            </p:custDataLst>
-            <p:extLst>
-              <p:ext uri="{D42A27DB-BD31-4B8C-83A1-F6EECF244321}">
-                <p14:modId xmlns:p14="http://schemas.microsoft.com/office/powerpoint/2010/main" val="894135921"/>
-              </p:ext>
-            </p:extLst>
-          </p:nvPr>
-        </p:nvGraphicFramePr>
-        <p:xfrm>
-          <a:off x="0" y="0"/>
-          <a:ext cx="158750" cy="158750"/>
-        </p:xfrm>
-        <a:graphic>
-          <a:graphicData uri="http://schemas.openxmlformats.org/presentationml/2006/ole">
-            <mc:AlternateContent xmlns:mc="http://schemas.openxmlformats.org/markup-compatibility/2006">
-              <mc:Choice xmlns:v="urn:schemas-microsoft-com:vml" Requires="v">
-                <p:oleObj spid="_x0000_s59452" name="think-cell Slide" r:id="rId5" imgW="270" imgH="270" progId="TCLayout.ActiveDocument.1">
-                  <p:embed/>
-                </p:oleObj>
-              </mc:Choice>
-              <mc:Fallback>
-                <p:oleObj name="think-cell Slide" r:id="rId5" imgW="270" imgH="270" progId="TCLayout.ActiveDocument.1">
-                  <p:embed/>
-                  <p:pic>
-                    <p:nvPicPr>
-                      <p:cNvPr id="0" name=""/>
-                      <p:cNvPicPr/>
-                      <p:nvPr/>
-                    </p:nvPicPr>
-                    <p:blipFill>
-                      <a:blip r:embed="rId6"/>
-                      <a:stretch>
-                        <a:fillRect/>
-                      </a:stretch>
-                    </p:blipFill>
-                    <p:spPr>
-                      <a:xfrm>
-                        <a:off x="0" y="0"/>
-                        <a:ext cx="158750" cy="158750"/>
-                      </a:xfrm>
-                      <a:prstGeom prst="rect">
-                        <a:avLst/>
-                      </a:prstGeom>
-                    </p:spPr>
-                  </p:pic>
-                </p:oleObj>
-              </mc:Fallback>
-            </mc:AlternateContent>
-          </a:graphicData>
-        </a:graphic>
-      </p:graphicFrame>
-      <p:sp>
-        <p:nvSpPr>
-          <p:cNvPr id="6" name="Title 5"/>
-          <p:cNvSpPr>
-            <a:spLocks noGrp="1"/>
-          </p:cNvSpPr>
-          <p:nvPr>
-            <p:ph type="ctrTitle"/>
-          </p:nvPr>
-        </p:nvSpPr>
-        <p:spPr>
-          <a:xfrm>
-            <a:off x="519113" y="2234114"/>
-            <a:ext cx="9893248" cy="1359196"/>
-          </a:xfrm>
-        </p:spPr>
-        <p:txBody>
-          <a:bodyPr/>
-          <a:lstStyle/>
-          <a:p>
-            <a:r>
-              <a:rPr lang="en-US" dirty="0" smtClean="0"/>
-              <a:t>Building a Service Layer </a:t>
-            </a:r>
-            <a:br>
-              <a:rPr lang="en-US" dirty="0" smtClean="0"/>
-            </a:br>
-            <a:r>
-              <a:rPr lang="en-US" dirty="0" smtClean="0"/>
-              <a:t>with ASP.NET Web API</a:t>
-            </a:r>
-            <a:endParaRPr lang="en-US" dirty="0"/>
-          </a:p>
-        </p:txBody>
-      </p:sp>
-      <p:sp>
-        <p:nvSpPr>
-          <p:cNvPr id="7" name="Text Placeholder 6"/>
-          <p:cNvSpPr>
-            <a:spLocks noGrp="1"/>
-          </p:cNvSpPr>
-          <p:nvPr>
-            <p:ph type="body" sz="quarter" idx="11"/>
-          </p:nvPr>
-        </p:nvSpPr>
-        <p:spPr/>
-        <p:txBody>
-          <a:bodyPr/>
-          <a:lstStyle/>
-          <a:p>
-            <a:r>
-              <a:rPr lang="en-US" smtClean="0"/>
-              <a:t>Name</a:t>
-            </a:r>
-          </a:p>
-          <a:p>
-            <a:r>
-              <a:rPr lang="en-US" smtClean="0"/>
-              <a:t>Title</a:t>
-            </a:r>
-          </a:p>
-          <a:p>
-            <a:r>
-              <a:rPr lang="en-US" smtClean="0"/>
-              <a:t>Microsoft Corporation</a:t>
-            </a:r>
-            <a:endParaRPr lang="en-US" dirty="0"/>
-          </a:p>
-        </p:txBody>
-      </p:sp>
-    </p:spTree>
-    <p:extLst>
-      <p:ext uri="{BB962C8B-B14F-4D97-AF65-F5344CB8AC3E}">
-        <p14:creationId xmlns:p14="http://schemas.microsoft.com/office/powerpoint/2010/main" val="574643984"/>
-      </p:ext>
-    </p:extLst>
-  </p:cSld>
-  <p:clrMapOvr>
-    <a:masterClrMapping/>
-  </p:clrMapOvr>
-  <mc:AlternateContent xmlns:mc="http://schemas.openxmlformats.org/markup-compatibility/2006" xmlns:p14="http://schemas.microsoft.com/office/powerpoint/2010/main">
-    <mc:Choice Requires="p14">
-      <p:transition spd="med" p14:dur="700">
-        <p:fade/>
-      </p:transition>
-    </mc:Choice>
-    <mc:Fallback xmlns="">
-      <p:transition spd="med">
-        <p:fade/>
-      </p:transition>
-    </mc:Fallback>
-  </mc:AlternateContent>
-  <p:timing>
-    <p:tnLst>
-      <p:par>
-        <p:cTn id="1" dur="indefinite" restart="never" nodeType="tmRoot"/>
-      </p:par>
-    </p:tnLst>
-  </p:timing>
-</p:sld>
-</file>
-
-<file path=ppt/slides/slide20.xml><?xml version="1.0" encoding="utf-8"?>
+<file path=ppt/slides/slide23.xml><?xml version="1.0" encoding="utf-8"?>
 <p:sld xmlns:a="http://schemas.openxmlformats.org/drawingml/2006/main" xmlns:r="http://schemas.openxmlformats.org/officeDocument/2006/relationships" xmlns:p="http://schemas.openxmlformats.org/presentationml/2006/main">
   <p:cSld>
     <p:spTree>
@@ -26554,7 +28414,7 @@
           <a:graphicData uri="http://schemas.openxmlformats.org/presentationml/2006/ole">
             <mc:AlternateContent xmlns:mc="http://schemas.openxmlformats.org/markup-compatibility/2006">
               <mc:Choice xmlns:v="urn:schemas-microsoft-com:vml" Requires="v">
-                <p:oleObj spid="_x0000_s43073" name="think-cell Slide" r:id="rId6" imgW="270" imgH="270" progId="TCLayout.ActiveDocument.1">
+                <p:oleObj spid="_x0000_s43076" name="think-cell Slide" r:id="rId6" imgW="270" imgH="270" progId="TCLayout.ActiveDocument.1">
                   <p:embed/>
                 </p:oleObj>
               </mc:Choice>
@@ -26696,7 +28556,7 @@
 </p:sld>
 </file>
 
-<file path=ppt/slides/slide21.xml><?xml version="1.0" encoding="utf-8"?>
+<file path=ppt/slides/slide24.xml><?xml version="1.0" encoding="utf-8"?>
 <p:sld xmlns:a="http://schemas.openxmlformats.org/drawingml/2006/main" xmlns:r="http://schemas.openxmlformats.org/officeDocument/2006/relationships" xmlns:p="http://schemas.openxmlformats.org/presentationml/2006/main">
   <p:cSld>
     <p:spTree>
@@ -26738,7 +28598,7 @@
           <a:graphicData uri="http://schemas.openxmlformats.org/presentationml/2006/ole">
             <mc:AlternateContent xmlns:mc="http://schemas.openxmlformats.org/markup-compatibility/2006">
               <mc:Choice xmlns:v="urn:schemas-microsoft-com:vml" Requires="v">
-                <p:oleObj spid="_x0000_s44100" name="think-cell Slide" r:id="rId7" imgW="270" imgH="270" progId="TCLayout.ActiveDocument.1">
+                <p:oleObj spid="_x0000_s44103" name="think-cell Slide" r:id="rId7" imgW="270" imgH="270" progId="TCLayout.ActiveDocument.1">
                   <p:embed/>
                 </p:oleObj>
               </mc:Choice>
@@ -29645,7 +31505,7 @@
 </p:sld>
 </file>
 
-<file path=ppt/slides/slide22.xml><?xml version="1.0" encoding="utf-8"?>
+<file path=ppt/slides/slide25.xml><?xml version="1.0" encoding="utf-8"?>
 <p:sld xmlns:a="http://schemas.openxmlformats.org/drawingml/2006/main" xmlns:r="http://schemas.openxmlformats.org/officeDocument/2006/relationships" xmlns:p="http://schemas.openxmlformats.org/presentationml/2006/main">
   <p:cSld>
     <p:spTree>
@@ -29687,7 +31547,7 @@
           <a:graphicData uri="http://schemas.openxmlformats.org/presentationml/2006/ole">
             <mc:AlternateContent xmlns:mc="http://schemas.openxmlformats.org/markup-compatibility/2006">
               <mc:Choice xmlns:v="urn:schemas-microsoft-com:vml" Requires="v">
-                <p:oleObj spid="_x0000_s45123" name="think-cell Slide" r:id="rId5" imgW="270" imgH="270" progId="TCLayout.ActiveDocument.1">
+                <p:oleObj spid="_x0000_s45126" name="think-cell Slide" r:id="rId5" imgW="270" imgH="270" progId="TCLayout.ActiveDocument.1">
                   <p:embed/>
                 </p:oleObj>
               </mc:Choice>
@@ -30200,7 +32060,7 @@
 </p:sld>
 </file>
 
-<file path=ppt/slides/slide23.xml><?xml version="1.0" encoding="utf-8"?>
+<file path=ppt/slides/slide26.xml><?xml version="1.0" encoding="utf-8"?>
 <p:sld xmlns:a="http://schemas.openxmlformats.org/drawingml/2006/main" xmlns:r="http://schemas.openxmlformats.org/officeDocument/2006/relationships" xmlns:p="http://schemas.openxmlformats.org/presentationml/2006/main">
   <p:cSld>
     <p:spTree>
@@ -30242,7 +32102,7 @@
           <a:graphicData uri="http://schemas.openxmlformats.org/presentationml/2006/ole">
             <mc:AlternateContent xmlns:mc="http://schemas.openxmlformats.org/markup-compatibility/2006">
               <mc:Choice xmlns:v="urn:schemas-microsoft-com:vml" Requires="v">
-                <p:oleObj spid="_x0000_s47174" name="think-cell Slide" r:id="rId7" imgW="270" imgH="270" progId="TCLayout.ActiveDocument.1">
+                <p:oleObj spid="_x0000_s47177" name="think-cell Slide" r:id="rId7" imgW="270" imgH="270" progId="TCLayout.ActiveDocument.1">
                   <p:embed/>
                 </p:oleObj>
               </mc:Choice>
@@ -31182,7 +33042,7 @@
 </p:sld>
 </file>
 
-<file path=ppt/slides/slide24.xml><?xml version="1.0" encoding="utf-8"?>
+<file path=ppt/slides/slide27.xml><?xml version="1.0" encoding="utf-8"?>
 <p:sld xmlns:a="http://schemas.openxmlformats.org/drawingml/2006/main" xmlns:r="http://schemas.openxmlformats.org/officeDocument/2006/relationships" xmlns:p="http://schemas.openxmlformats.org/presentationml/2006/main">
   <p:cSld>
     <p:spTree>
@@ -31224,7 +33084,7 @@
           <a:graphicData uri="http://schemas.openxmlformats.org/presentationml/2006/ole">
             <mc:AlternateContent xmlns:mc="http://schemas.openxmlformats.org/markup-compatibility/2006">
               <mc:Choice xmlns:v="urn:schemas-microsoft-com:vml" Requires="v">
-                <p:oleObj spid="_x0000_s48195" name="think-cell Slide" r:id="rId5" imgW="270" imgH="270" progId="TCLayout.ActiveDocument.1">
+                <p:oleObj spid="_x0000_s48198" name="think-cell Slide" r:id="rId5" imgW="270" imgH="270" progId="TCLayout.ActiveDocument.1">
                   <p:embed/>
                 </p:oleObj>
               </mc:Choice>
@@ -31360,7 +33220,7 @@
 </p:sld>
 </file>
 
-<file path=ppt/slides/slide25.xml><?xml version="1.0" encoding="utf-8"?>
+<file path=ppt/slides/slide28.xml><?xml version="1.0" encoding="utf-8"?>
 <p:sld xmlns:a="http://schemas.openxmlformats.org/drawingml/2006/main" xmlns:r="http://schemas.openxmlformats.org/officeDocument/2006/relationships" xmlns:p="http://schemas.openxmlformats.org/presentationml/2006/main">
   <p:cSld>
     <p:spTree>
@@ -31402,7 +33262,7 @@
           <a:graphicData uri="http://schemas.openxmlformats.org/presentationml/2006/ole">
             <mc:AlternateContent xmlns:mc="http://schemas.openxmlformats.org/markup-compatibility/2006">
               <mc:Choice xmlns:v="urn:schemas-microsoft-com:vml" Requires="v">
-                <p:oleObj spid="_x0000_s49219" name="think-cell Slide" r:id="rId7" imgW="270" imgH="270" progId="TCLayout.ActiveDocument.1">
+                <p:oleObj spid="_x0000_s49222" name="think-cell Slide" r:id="rId7" imgW="270" imgH="270" progId="TCLayout.ActiveDocument.1">
                   <p:embed/>
                 </p:oleObj>
               </mc:Choice>
@@ -32526,1196 +34386,6 @@
 </p:sld>
 </file>
 
-<file path=ppt/slides/slide26.xml><?xml version="1.0" encoding="utf-8"?>
-<p:sld xmlns:a="http://schemas.openxmlformats.org/drawingml/2006/main" xmlns:r="http://schemas.openxmlformats.org/officeDocument/2006/relationships" xmlns:p="http://schemas.openxmlformats.org/presentationml/2006/main">
-  <p:cSld>
-    <p:spTree>
-      <p:nvGrpSpPr>
-        <p:cNvPr id="1" name=""/>
-        <p:cNvGrpSpPr/>
-        <p:nvPr/>
-      </p:nvGrpSpPr>
-      <p:grpSpPr>
-        <a:xfrm>
-          <a:off x="0" y="0"/>
-          <a:ext cx="0" cy="0"/>
-          <a:chOff x="0" y="0"/>
-          <a:chExt cx="0" cy="0"/>
-        </a:xfrm>
-      </p:grpSpPr>
-      <p:graphicFrame>
-        <p:nvGraphicFramePr>
-          <p:cNvPr id="3" name="Object 2" hidden="1"/>
-          <p:cNvGraphicFramePr>
-            <a:graphicFrameLocks noChangeAspect="1"/>
-          </p:cNvGraphicFramePr>
-          <p:nvPr>
-            <p:custDataLst>
-              <p:tags r:id="rId2"/>
-            </p:custDataLst>
-            <p:extLst>
-              <p:ext uri="{D42A27DB-BD31-4B8C-83A1-F6EECF244321}">
-                <p14:modId xmlns:p14="http://schemas.microsoft.com/office/powerpoint/2010/main" val="1471909245"/>
-              </p:ext>
-            </p:extLst>
-          </p:nvPr>
-        </p:nvGraphicFramePr>
-        <p:xfrm>
-          <a:off x="0" y="0"/>
-          <a:ext cx="158750" cy="158750"/>
-        </p:xfrm>
-        <a:graphic>
-          <a:graphicData uri="http://schemas.openxmlformats.org/presentationml/2006/ole">
-            <mc:AlternateContent xmlns:mc="http://schemas.openxmlformats.org/markup-compatibility/2006">
-              <mc:Choice xmlns:v="urn:schemas-microsoft-com:vml" Requires="v">
-                <p:oleObj spid="_x0000_s52292" name="think-cell Slide" r:id="rId5" imgW="270" imgH="270" progId="TCLayout.ActiveDocument.1">
-                  <p:embed/>
-                </p:oleObj>
-              </mc:Choice>
-              <mc:Fallback>
-                <p:oleObj name="think-cell Slide" r:id="rId5" imgW="270" imgH="270" progId="TCLayout.ActiveDocument.1">
-                  <p:embed/>
-                  <p:pic>
-                    <p:nvPicPr>
-                      <p:cNvPr id="0" name=""/>
-                      <p:cNvPicPr/>
-                      <p:nvPr/>
-                    </p:nvPicPr>
-                    <p:blipFill>
-                      <a:blip r:embed="rId6"/>
-                      <a:stretch>
-                        <a:fillRect/>
-                      </a:stretch>
-                    </p:blipFill>
-                    <p:spPr>
-                      <a:xfrm>
-                        <a:off x="0" y="0"/>
-                        <a:ext cx="158750" cy="158750"/>
-                      </a:xfrm>
-                      <a:prstGeom prst="rect">
-                        <a:avLst/>
-                      </a:prstGeom>
-                    </p:spPr>
-                  </p:pic>
-                </p:oleObj>
-              </mc:Fallback>
-            </mc:AlternateContent>
-          </a:graphicData>
-        </a:graphic>
-      </p:graphicFrame>
-      <p:sp>
-        <p:nvSpPr>
-          <p:cNvPr id="7" name="Text Placeholder 6"/>
-          <p:cNvSpPr>
-            <a:spLocks noGrp="1"/>
-          </p:cNvSpPr>
-          <p:nvPr>
-            <p:ph type="body" sz="quarter" idx="10"/>
-          </p:nvPr>
-        </p:nvSpPr>
-        <p:spPr/>
-        <p:txBody>
-          <a:bodyPr/>
-          <a:lstStyle/>
-          <a:p>
-            <a:r>
-              <a:rPr lang="en-US" dirty="0" smtClean="0"/>
-              <a:t>Where Can </a:t>
-            </a:r>
-            <a:br>
-              <a:rPr lang="en-US" dirty="0" smtClean="0"/>
-            </a:br>
-            <a:r>
-              <a:rPr lang="en-US" dirty="0" smtClean="0"/>
-              <a:t>You Get it?</a:t>
-            </a:r>
-            <a:endParaRPr lang="en-US" dirty="0"/>
-          </a:p>
-        </p:txBody>
-      </p:sp>
-      <p:grpSp>
-        <p:nvGrpSpPr>
-          <p:cNvPr id="16" name="Group 15"/>
-          <p:cNvGrpSpPr/>
-          <p:nvPr/>
-        </p:nvGrpSpPr>
-        <p:grpSpPr>
-          <a:xfrm>
-            <a:off x="7453103" y="839952"/>
-            <a:ext cx="3176307" cy="3905469"/>
-            <a:chOff x="7788166" y="839952"/>
-            <a:chExt cx="3176307" cy="3905469"/>
-          </a:xfrm>
-        </p:grpSpPr>
-        <p:sp>
-          <p:nvSpPr>
-            <p:cNvPr id="17" name="Trapezoid 16"/>
-            <p:cNvSpPr/>
-            <p:nvPr/>
-          </p:nvSpPr>
-          <p:spPr bwMode="black">
-            <a:xfrm>
-              <a:off x="7788166" y="4025813"/>
-              <a:ext cx="3176307" cy="719608"/>
-            </a:xfrm>
-            <a:prstGeom prst="trapezoid">
-              <a:avLst/>
-            </a:prstGeom>
-            <a:noFill/>
-            <a:ln w="25400" cap="sq" cmpd="sng" algn="ctr">
-              <a:solidFill>
-                <a:srgbClr val="FFFFFF">
-                  <a:alpha val="30000"/>
-                </a:srgbClr>
-              </a:solidFill>
-              <a:prstDash val="solid"/>
-              <a:miter lim="800000"/>
-              <a:headEnd type="none" w="med" len="med"/>
-              <a:tailEnd type="none" w="med" len="med"/>
-            </a:ln>
-            <a:effectLst/>
-          </p:spPr>
-          <p:txBody>
-            <a:bodyPr vert="horz" wrap="square" lIns="91436" tIns="45718" rIns="91436" bIns="45718" numCol="1" rtlCol="0" anchor="ctr" anchorCtr="0" compatLnSpc="1">
-              <a:prstTxWarp prst="textNoShape">
-                <a:avLst/>
-              </a:prstTxWarp>
-            </a:bodyPr>
-            <a:lstStyle/>
-            <a:p>
-              <a:pPr algn="ctr" defTabSz="822781" fontAlgn="base">
-                <a:spcBef>
-                  <a:spcPct val="0"/>
-                </a:spcBef>
-                <a:spcAft>
-                  <a:spcPct val="0"/>
-                </a:spcAft>
-                <a:defRPr/>
-              </a:pPr>
-              <a:endParaRPr lang="en-US" kern="0" spc="-135" dirty="0">
-                <a:gradFill>
-                  <a:gsLst>
-                    <a:gs pos="0">
-                      <a:srgbClr val="FFFFFF"/>
-                    </a:gs>
-                    <a:gs pos="100000">
-                      <a:srgbClr val="FFFFFF"/>
-                    </a:gs>
-                  </a:gsLst>
-                  <a:lin ang="5400000" scaled="0"/>
-                </a:gradFill>
-                <a:latin typeface="Segoe Light" pitchFamily="34" charset="0"/>
-              </a:endParaRPr>
-            </a:p>
-          </p:txBody>
-        </p:sp>
-        <p:sp>
-          <p:nvSpPr>
-            <p:cNvPr id="18" name="Freeform 6"/>
-            <p:cNvSpPr>
-              <a:spLocks/>
-            </p:cNvSpPr>
-            <p:nvPr/>
-          </p:nvSpPr>
-          <p:spPr bwMode="black">
-            <a:xfrm>
-              <a:off x="8414040" y="839952"/>
-              <a:ext cx="1908911" cy="3173957"/>
-            </a:xfrm>
-            <a:custGeom>
-              <a:avLst/>
-              <a:gdLst/>
-              <a:ahLst/>
-              <a:cxnLst/>
-              <a:rect l="l" t="t" r="r" b="b"/>
-              <a:pathLst>
-                <a:path w="1908911" h="3173957">
-                  <a:moveTo>
-                    <a:pt x="957345" y="542283"/>
-                  </a:moveTo>
-                  <a:cubicBezTo>
-                    <a:pt x="788835" y="542283"/>
-                    <a:pt x="652229" y="678854"/>
-                    <a:pt x="652229" y="847320"/>
-                  </a:cubicBezTo>
-                  <a:cubicBezTo>
-                    <a:pt x="652229" y="1015785"/>
-                    <a:pt x="788835" y="1152357"/>
-                    <a:pt x="957345" y="1152357"/>
-                  </a:cubicBezTo>
-                  <a:cubicBezTo>
-                    <a:pt x="1125855" y="1152357"/>
-                    <a:pt x="1262462" y="1015785"/>
-                    <a:pt x="1262462" y="847320"/>
-                  </a:cubicBezTo>
-                  <a:cubicBezTo>
-                    <a:pt x="1262462" y="678854"/>
-                    <a:pt x="1125855" y="542283"/>
-                    <a:pt x="957345" y="542283"/>
-                  </a:cubicBezTo>
-                  <a:close/>
-                  <a:moveTo>
-                    <a:pt x="952588" y="0"/>
-                  </a:moveTo>
-                  <a:cubicBezTo>
-                    <a:pt x="1479314" y="0"/>
-                    <a:pt x="1908911" y="427300"/>
-                    <a:pt x="1908911" y="955801"/>
-                  </a:cubicBezTo>
-                  <a:cubicBezTo>
-                    <a:pt x="1908911" y="967046"/>
-                    <a:pt x="1908911" y="978291"/>
-                    <a:pt x="1908911" y="989536"/>
-                  </a:cubicBezTo>
-                  <a:cubicBezTo>
-                    <a:pt x="1908911" y="1053257"/>
-                    <a:pt x="1901439" y="1120727"/>
-                    <a:pt x="1886499" y="1191941"/>
-                  </a:cubicBezTo>
-                  <a:cubicBezTo>
-                    <a:pt x="1886490" y="1191964"/>
-                    <a:pt x="1883885" y="1198763"/>
-                    <a:pt x="1127211" y="3173957"/>
-                  </a:cubicBezTo>
-                  <a:lnTo>
-                    <a:pt x="771911" y="3173957"/>
-                  </a:lnTo>
-                  <a:cubicBezTo>
-                    <a:pt x="641191" y="2829987"/>
-                    <a:pt x="413896" y="2231895"/>
-                    <a:pt x="18678" y="1191941"/>
-                  </a:cubicBezTo>
-                  <a:cubicBezTo>
-                    <a:pt x="7472" y="1135720"/>
-                    <a:pt x="0" y="1079495"/>
-                    <a:pt x="0" y="1027019"/>
-                  </a:cubicBezTo>
-                  <a:cubicBezTo>
-                    <a:pt x="0" y="1004529"/>
-                    <a:pt x="0" y="982039"/>
-                    <a:pt x="0" y="955801"/>
-                  </a:cubicBezTo>
-                  <a:cubicBezTo>
-                    <a:pt x="0" y="427300"/>
-                    <a:pt x="425862" y="0"/>
-                    <a:pt x="952588" y="0"/>
-                  </a:cubicBezTo>
-                  <a:close/>
-                </a:path>
-              </a:pathLst>
-            </a:custGeom>
-            <a:solidFill>
-              <a:srgbClr val="FFFFFF">
-                <a:alpha val="30000"/>
-              </a:srgbClr>
-            </a:solidFill>
-            <a:ln>
-              <a:noFill/>
-              <a:headEnd type="none" w="med" len="med"/>
-              <a:tailEnd type="none" w="med" len="med"/>
-            </a:ln>
-            <a:extLst>
-              <a:ext uri="{91240B29-F687-4F45-9708-019B960494DF}">
-                <a14:hiddenLine xmlns:a14="http://schemas.microsoft.com/office/drawing/2010/main" w="9525">
-                  <a:solidFill>
-                    <a:srgbClr val="000000"/>
-                  </a:solidFill>
-                  <a:round/>
-                  <a:headEnd/>
-                  <a:tailEnd/>
-                </a14:hiddenLine>
-              </a:ext>
-            </a:extLst>
-          </p:spPr>
-          <p:style>
-            <a:lnRef idx="2">
-              <a:schemeClr val="accent3">
-                <a:shade val="50000"/>
-              </a:schemeClr>
-            </a:lnRef>
-            <a:fillRef idx="1">
-              <a:schemeClr val="accent3"/>
-            </a:fillRef>
-            <a:effectRef idx="0">
-              <a:schemeClr val="accent3"/>
-            </a:effectRef>
-            <a:fontRef idx="minor">
-              <a:schemeClr val="lt1"/>
-            </a:fontRef>
-          </p:style>
-          <p:txBody>
-            <a:bodyPr vert="horz" wrap="square" lIns="91436" tIns="45718" rIns="91436" bIns="45718" numCol="1" rtlCol="0" anchor="ctr" anchorCtr="0" compatLnSpc="1">
-              <a:prstTxWarp prst="textNoShape">
-                <a:avLst/>
-              </a:prstTxWarp>
-            </a:bodyPr>
-            <a:lstStyle/>
-            <a:p>
-              <a:pPr defTabSz="740740"/>
-              <a:endParaRPr lang="en-US" spc="-122">
-                <a:solidFill>
-                  <a:schemeClr val="tx1">
-                    <a:lumMod val="50000"/>
-                  </a:schemeClr>
-                </a:solidFill>
-                <a:latin typeface="Segoe Light" pitchFamily="34" charset="0"/>
-              </a:endParaRPr>
-            </a:p>
-          </p:txBody>
-        </p:sp>
-        <p:sp>
-          <p:nvSpPr>
-            <p:cNvPr id="19" name="Freeform 6"/>
-            <p:cNvSpPr>
-              <a:spLocks/>
-            </p:cNvSpPr>
-            <p:nvPr/>
-          </p:nvSpPr>
-          <p:spPr bwMode="black">
-            <a:xfrm>
-              <a:off x="9195000" y="4040678"/>
-              <a:ext cx="337130" cy="441777"/>
-            </a:xfrm>
-            <a:custGeom>
-              <a:avLst/>
-              <a:gdLst/>
-              <a:ahLst/>
-              <a:cxnLst/>
-              <a:rect l="l" t="t" r="r" b="b"/>
-              <a:pathLst>
-                <a:path w="337130" h="441777">
-                  <a:moveTo>
-                    <a:pt x="0" y="0"/>
-                  </a:moveTo>
-                  <a:lnTo>
-                    <a:pt x="337130" y="0"/>
-                  </a:lnTo>
-                  <a:cubicBezTo>
-                    <a:pt x="284415" y="137603"/>
-                    <a:pt x="228085" y="284647"/>
-                    <a:pt x="167890" y="441777"/>
-                  </a:cubicBezTo>
-                  <a:cubicBezTo>
-                    <a:pt x="167885" y="441765"/>
-                    <a:pt x="167009" y="439458"/>
-                    <a:pt x="0" y="0"/>
-                  </a:cubicBezTo>
-                  <a:close/>
-                </a:path>
-              </a:pathLst>
-            </a:custGeom>
-            <a:solidFill>
-              <a:srgbClr val="FFFFFF">
-                <a:alpha val="30000"/>
-              </a:srgbClr>
-            </a:solidFill>
-            <a:ln>
-              <a:noFill/>
-              <a:headEnd type="none" w="med" len="med"/>
-              <a:tailEnd type="none" w="med" len="med"/>
-            </a:ln>
-            <a:extLst>
-              <a:ext uri="{91240B29-F687-4F45-9708-019B960494DF}">
-                <a14:hiddenLine xmlns:a14="http://schemas.microsoft.com/office/drawing/2010/main" w="9525">
-                  <a:solidFill>
-                    <a:srgbClr val="000000"/>
-                  </a:solidFill>
-                  <a:round/>
-                  <a:headEnd/>
-                  <a:tailEnd/>
-                </a14:hiddenLine>
-              </a:ext>
-            </a:extLst>
-          </p:spPr>
-          <p:style>
-            <a:lnRef idx="2">
-              <a:schemeClr val="accent3">
-                <a:shade val="50000"/>
-              </a:schemeClr>
-            </a:lnRef>
-            <a:fillRef idx="1">
-              <a:schemeClr val="accent3"/>
-            </a:fillRef>
-            <a:effectRef idx="0">
-              <a:schemeClr val="accent3"/>
-            </a:effectRef>
-            <a:fontRef idx="minor">
-              <a:schemeClr val="lt1"/>
-            </a:fontRef>
-          </p:style>
-          <p:txBody>
-            <a:bodyPr vert="horz" wrap="square" lIns="91436" tIns="45718" rIns="91436" bIns="45718" numCol="1" rtlCol="0" anchor="ctr" anchorCtr="0" compatLnSpc="1">
-              <a:prstTxWarp prst="textNoShape">
-                <a:avLst/>
-              </a:prstTxWarp>
-            </a:bodyPr>
-            <a:lstStyle/>
-            <a:p>
-              <a:pPr defTabSz="740740"/>
-              <a:endParaRPr lang="en-US" spc="-122">
-                <a:solidFill>
-                  <a:schemeClr val="tx1">
-                    <a:lumMod val="50000"/>
-                  </a:schemeClr>
-                </a:solidFill>
-                <a:latin typeface="Segoe Light" pitchFamily="34" charset="0"/>
-              </a:endParaRPr>
-            </a:p>
-          </p:txBody>
-        </p:sp>
-      </p:grpSp>
-    </p:spTree>
-    <p:extLst>
-      <p:ext uri="{BB962C8B-B14F-4D97-AF65-F5344CB8AC3E}">
-        <p14:creationId xmlns:p14="http://schemas.microsoft.com/office/powerpoint/2010/main" val="523553363"/>
-      </p:ext>
-    </p:extLst>
-  </p:cSld>
-  <p:clrMapOvr>
-    <a:masterClrMapping/>
-  </p:clrMapOvr>
-  <mc:AlternateContent xmlns:mc="http://schemas.openxmlformats.org/markup-compatibility/2006" xmlns:p14="http://schemas.microsoft.com/office/powerpoint/2010/main">
-    <mc:Choice Requires="p14">
-      <p:transition spd="med" p14:dur="700">
-        <p:fade/>
-      </p:transition>
-    </mc:Choice>
-    <mc:Fallback xmlns="">
-      <p:transition spd="med">
-        <p:fade/>
-      </p:transition>
-    </mc:Fallback>
-  </mc:AlternateContent>
-  <p:timing>
-    <p:tnLst>
-      <p:par>
-        <p:cTn id="1" dur="indefinite" restart="never" nodeType="tmRoot"/>
-      </p:par>
-    </p:tnLst>
-  </p:timing>
-</p:sld>
-</file>
-
-<file path=ppt/slides/slide27.xml><?xml version="1.0" encoding="utf-8"?>
-<p:sld xmlns:a="http://schemas.openxmlformats.org/drawingml/2006/main" xmlns:r="http://schemas.openxmlformats.org/officeDocument/2006/relationships" xmlns:p="http://schemas.openxmlformats.org/presentationml/2006/main">
-  <p:cSld>
-    <p:spTree>
-      <p:nvGrpSpPr>
-        <p:cNvPr id="1" name=""/>
-        <p:cNvGrpSpPr/>
-        <p:nvPr/>
-      </p:nvGrpSpPr>
-      <p:grpSpPr>
-        <a:xfrm>
-          <a:off x="0" y="0"/>
-          <a:ext cx="0" cy="0"/>
-          <a:chOff x="0" y="0"/>
-          <a:chExt cx="0" cy="0"/>
-        </a:xfrm>
-      </p:grpSpPr>
-      <p:graphicFrame>
-        <p:nvGraphicFramePr>
-          <p:cNvPr id="2" name="Object 1" hidden="1"/>
-          <p:cNvGraphicFramePr>
-            <a:graphicFrameLocks noChangeAspect="1"/>
-          </p:cNvGraphicFramePr>
-          <p:nvPr>
-            <p:custDataLst>
-              <p:tags r:id="rId2"/>
-            </p:custDataLst>
-            <p:extLst>
-              <p:ext uri="{D42A27DB-BD31-4B8C-83A1-F6EECF244321}">
-                <p14:modId xmlns:p14="http://schemas.microsoft.com/office/powerpoint/2010/main" val="3663556808"/>
-              </p:ext>
-            </p:extLst>
-          </p:nvPr>
-        </p:nvGraphicFramePr>
-        <p:xfrm>
-          <a:off x="0" y="0"/>
-          <a:ext cx="158750" cy="158750"/>
-        </p:xfrm>
-        <a:graphic>
-          <a:graphicData uri="http://schemas.openxmlformats.org/presentationml/2006/ole">
-            <mc:AlternateContent xmlns:mc="http://schemas.openxmlformats.org/markup-compatibility/2006">
-              <mc:Choice xmlns:v="urn:schemas-microsoft-com:vml" Requires="v">
-                <p:oleObj spid="_x0000_s60452" name="think-cell Slide" r:id="rId6" imgW="270" imgH="270" progId="TCLayout.ActiveDocument.1">
-                  <p:embed/>
-                </p:oleObj>
-              </mc:Choice>
-              <mc:Fallback>
-                <p:oleObj name="think-cell Slide" r:id="rId6" imgW="270" imgH="270" progId="TCLayout.ActiveDocument.1">
-                  <p:embed/>
-                  <p:pic>
-                    <p:nvPicPr>
-                      <p:cNvPr id="0" name=""/>
-                      <p:cNvPicPr/>
-                      <p:nvPr/>
-                    </p:nvPicPr>
-                    <p:blipFill>
-                      <a:blip r:embed="rId7"/>
-                      <a:stretch>
-                        <a:fillRect/>
-                      </a:stretch>
-                    </p:blipFill>
-                    <p:spPr>
-                      <a:xfrm>
-                        <a:off x="0" y="0"/>
-                        <a:ext cx="158750" cy="158750"/>
-                      </a:xfrm>
-                      <a:prstGeom prst="rect">
-                        <a:avLst/>
-                      </a:prstGeom>
-                    </p:spPr>
-                  </p:pic>
-                </p:oleObj>
-              </mc:Fallback>
-            </mc:AlternateContent>
-          </a:graphicData>
-        </a:graphic>
-      </p:graphicFrame>
-      <p:sp>
-        <p:nvSpPr>
-          <p:cNvPr id="6" name="Title 5"/>
-          <p:cNvSpPr>
-            <a:spLocks noGrp="1"/>
-          </p:cNvSpPr>
-          <p:nvPr>
-            <p:ph type="title"/>
-            <p:custDataLst>
-              <p:tags r:id="rId3"/>
-            </p:custDataLst>
-          </p:nvPr>
-        </p:nvSpPr>
-        <p:spPr/>
-        <p:txBody>
-          <a:bodyPr/>
-          <a:lstStyle/>
-          <a:p>
-            <a:r>
-              <a:rPr lang="en-US" dirty="0" smtClean="0"/>
-              <a:t>Homepage: asp.net/web-</a:t>
-            </a:r>
-            <a:r>
-              <a:rPr lang="en-US" dirty="0" err="1" smtClean="0"/>
-              <a:t>api</a:t>
-            </a:r>
-            <a:endParaRPr lang="en-US" dirty="0"/>
-          </a:p>
-        </p:txBody>
-      </p:sp>
-      <p:pic>
-        <p:nvPicPr>
-          <p:cNvPr id="7" name="Picture 5"/>
-          <p:cNvPicPr>
-            <a:picLocks noChangeAspect="1" noChangeArrowheads="1"/>
-          </p:cNvPicPr>
-          <p:nvPr/>
-        </p:nvPicPr>
-        <p:blipFill rotWithShape="1">
-          <a:blip r:embed="rId8">
-            <a:extLst>
-              <a:ext uri="{28A0092B-C50C-407E-A947-70E740481C1C}">
-                <a14:useLocalDpi xmlns:a14="http://schemas.microsoft.com/office/drawing/2010/main" val="0"/>
-              </a:ext>
-            </a:extLst>
-          </a:blip>
-          <a:srcRect l="703" t="8633" r="2659" b="32339"/>
-          <a:stretch/>
-        </p:blipFill>
-        <p:spPr bwMode="auto">
-          <a:xfrm>
-            <a:off x="517525" y="1141413"/>
-            <a:ext cx="8725167" cy="5108575"/>
-          </a:xfrm>
-          <a:prstGeom prst="rect">
-            <a:avLst/>
-          </a:prstGeom>
-          <a:noFill/>
-          <a:ln>
-            <a:noFill/>
-          </a:ln>
-          <a:effectLst/>
-          <a:extLst>
-            <a:ext uri="{909E8E84-426E-40DD-AFC4-6F175D3DCCD1}">
-              <a14:hiddenFill xmlns:a14="http://schemas.microsoft.com/office/drawing/2010/main">
-                <a:solidFill>
-                  <a:schemeClr val="accent1"/>
-                </a:solidFill>
-              </a14:hiddenFill>
-            </a:ext>
-            <a:ext uri="{91240B29-F687-4F45-9708-019B960494DF}">
-              <a14:hiddenLine xmlns:a14="http://schemas.microsoft.com/office/drawing/2010/main" w="9525">
-                <a:solidFill>
-                  <a:schemeClr val="tx1"/>
-                </a:solidFill>
-                <a:miter lim="800000"/>
-                <a:headEnd/>
-                <a:tailEnd/>
-              </a14:hiddenLine>
-            </a:ext>
-            <a:ext uri="{AF507438-7753-43E0-B8FC-AC1667EBCBE1}">
-              <a14:hiddenEffects xmlns:a14="http://schemas.microsoft.com/office/drawing/2010/main">
-                <a:effectLst>
-                  <a:outerShdw dist="35921" dir="2700000" algn="ctr" rotWithShape="0">
-                    <a:schemeClr val="bg2"/>
-                  </a:outerShdw>
-                </a:effectLst>
-              </a14:hiddenEffects>
-            </a:ext>
-          </a:extLst>
-        </p:spPr>
-      </p:pic>
-    </p:spTree>
-    <p:extLst>
-      <p:ext uri="{BB962C8B-B14F-4D97-AF65-F5344CB8AC3E}">
-        <p14:creationId xmlns:p14="http://schemas.microsoft.com/office/powerpoint/2010/main" val="2527923790"/>
-      </p:ext>
-    </p:extLst>
-  </p:cSld>
-  <p:clrMapOvr>
-    <a:masterClrMapping/>
-  </p:clrMapOvr>
-  <mc:AlternateContent xmlns:mc="http://schemas.openxmlformats.org/markup-compatibility/2006" xmlns:p14="http://schemas.microsoft.com/office/powerpoint/2010/main">
-    <mc:Choice Requires="p14">
-      <p:transition spd="med" p14:dur="700">
-        <p:fade/>
-      </p:transition>
-    </mc:Choice>
-    <mc:Fallback xmlns="">
-      <p:transition spd="med">
-        <p:fade/>
-      </p:transition>
-    </mc:Fallback>
-  </mc:AlternateContent>
-  <p:timing>
-    <p:tnLst>
-      <p:par>
-        <p:cTn id="1" dur="indefinite" restart="never" nodeType="tmRoot"/>
-      </p:par>
-    </p:tnLst>
-  </p:timing>
-</p:sld>
-</file>
-
-<file path=ppt/slides/slide28.xml><?xml version="1.0" encoding="utf-8"?>
-<p:sld xmlns:a="http://schemas.openxmlformats.org/drawingml/2006/main" xmlns:r="http://schemas.openxmlformats.org/officeDocument/2006/relationships" xmlns:p="http://schemas.openxmlformats.org/presentationml/2006/main">
-  <p:cSld>
-    <p:spTree>
-      <p:nvGrpSpPr>
-        <p:cNvPr id="1" name=""/>
-        <p:cNvGrpSpPr/>
-        <p:nvPr/>
-      </p:nvGrpSpPr>
-      <p:grpSpPr>
-        <a:xfrm>
-          <a:off x="0" y="0"/>
-          <a:ext cx="0" cy="0"/>
-          <a:chOff x="0" y="0"/>
-          <a:chExt cx="0" cy="0"/>
-        </a:xfrm>
-      </p:grpSpPr>
-      <p:graphicFrame>
-        <p:nvGraphicFramePr>
-          <p:cNvPr id="2" name="Object 1" hidden="1"/>
-          <p:cNvGraphicFramePr>
-            <a:graphicFrameLocks noChangeAspect="1"/>
-          </p:cNvGraphicFramePr>
-          <p:nvPr>
-            <p:custDataLst>
-              <p:tags r:id="rId2"/>
-            </p:custDataLst>
-            <p:extLst>
-              <p:ext uri="{D42A27DB-BD31-4B8C-83A1-F6EECF244321}">
-                <p14:modId xmlns:p14="http://schemas.microsoft.com/office/powerpoint/2010/main" val="2777136109"/>
-              </p:ext>
-            </p:extLst>
-          </p:nvPr>
-        </p:nvGraphicFramePr>
-        <p:xfrm>
-          <a:off x="0" y="0"/>
-          <a:ext cx="158750" cy="158750"/>
-        </p:xfrm>
-        <a:graphic>
-          <a:graphicData uri="http://schemas.openxmlformats.org/presentationml/2006/ole">
-            <mc:AlternateContent xmlns:mc="http://schemas.openxmlformats.org/markup-compatibility/2006">
-              <mc:Choice xmlns:v="urn:schemas-microsoft-com:vml" Requires="v">
-                <p:oleObj spid="_x0000_s53315" name="think-cell Slide" r:id="rId8" imgW="270" imgH="270" progId="TCLayout.ActiveDocument.1">
-                  <p:embed/>
-                </p:oleObj>
-              </mc:Choice>
-              <mc:Fallback>
-                <p:oleObj name="think-cell Slide" r:id="rId8" imgW="270" imgH="270" progId="TCLayout.ActiveDocument.1">
-                  <p:embed/>
-                  <p:pic>
-                    <p:nvPicPr>
-                      <p:cNvPr id="0" name=""/>
-                      <p:cNvPicPr/>
-                      <p:nvPr/>
-                    </p:nvPicPr>
-                    <p:blipFill>
-                      <a:blip r:embed="rId9"/>
-                      <a:stretch>
-                        <a:fillRect/>
-                      </a:stretch>
-                    </p:blipFill>
-                    <p:spPr>
-                      <a:xfrm>
-                        <a:off x="0" y="0"/>
-                        <a:ext cx="158750" cy="158750"/>
-                      </a:xfrm>
-                      <a:prstGeom prst="rect">
-                        <a:avLst/>
-                      </a:prstGeom>
-                    </p:spPr>
-                  </p:pic>
-                </p:oleObj>
-              </mc:Fallback>
-            </mc:AlternateContent>
-          </a:graphicData>
-        </a:graphic>
-      </p:graphicFrame>
-      <p:sp>
-        <p:nvSpPr>
-          <p:cNvPr id="6" name="Title 5"/>
-          <p:cNvSpPr>
-            <a:spLocks noGrp="1"/>
-          </p:cNvSpPr>
-          <p:nvPr>
-            <p:ph type="title"/>
-            <p:custDataLst>
-              <p:tags r:id="rId3"/>
-            </p:custDataLst>
-          </p:nvPr>
-        </p:nvSpPr>
-        <p:spPr/>
-        <p:txBody>
-          <a:bodyPr/>
-          <a:lstStyle/>
-          <a:p>
-            <a:r>
-              <a:rPr lang="en-US" dirty="0" smtClean="0"/>
-              <a:t>Find Us on Nuget</a:t>
-            </a:r>
-            <a:endParaRPr lang="en-US" dirty="0"/>
-          </a:p>
-        </p:txBody>
-      </p:sp>
-      <p:sp>
-        <p:nvSpPr>
-          <p:cNvPr id="8" name="Content Placeholder 2"/>
-          <p:cNvSpPr txBox="1">
-            <a:spLocks/>
-          </p:cNvSpPr>
-          <p:nvPr>
-            <p:custDataLst>
-              <p:tags r:id="rId4"/>
-            </p:custDataLst>
-          </p:nvPr>
-        </p:nvSpPr>
-        <p:spPr>
-          <a:xfrm>
-            <a:off x="6743699" y="1422162"/>
-            <a:ext cx="4932363" cy="4324261"/>
-          </a:xfrm>
-          <a:prstGeom prst="rect">
-            <a:avLst/>
-          </a:prstGeom>
-        </p:spPr>
-        <p:txBody>
-          <a:bodyPr lIns="0" rIns="0">
-            <a:spAutoFit/>
-          </a:bodyPr>
-          <a:lstStyle>
-            <a:lvl1pPr marL="347663" indent="-347663" algn="l" defTabSz="914363" rtl="0" eaLnBrk="1" latinLnBrk="0" hangingPunct="1">
-              <a:lnSpc>
-                <a:spcPct val="100000"/>
-              </a:lnSpc>
-              <a:spcBef>
-                <a:spcPts val="1200"/>
-              </a:spcBef>
-              <a:spcAft>
-                <a:spcPts val="0"/>
-              </a:spcAft>
-              <a:buSzPct val="80000"/>
-              <a:buFont typeface="Arial" pitchFamily="34" charset="0"/>
-              <a:buChar char="•"/>
-              <a:defRPr sz="3200" kern="1200">
-                <a:ln>
-                  <a:solidFill>
-                    <a:schemeClr val="bg1">
-                      <a:alpha val="0"/>
-                    </a:schemeClr>
-                  </a:solidFill>
-                </a:ln>
-                <a:solidFill>
-                  <a:srgbClr val="595959"/>
-                </a:solidFill>
-                <a:latin typeface="+mn-lt"/>
-                <a:ea typeface="+mn-ea"/>
-                <a:cs typeface="+mn-cs"/>
-              </a:defRPr>
-            </a:lvl1pPr>
-            <a:lvl2pPr marL="804863" indent="-344488" algn="l" defTabSz="914363" rtl="0" eaLnBrk="1" latinLnBrk="0" hangingPunct="1">
-              <a:lnSpc>
-                <a:spcPct val="100000"/>
-              </a:lnSpc>
-              <a:spcBef>
-                <a:spcPts val="600"/>
-              </a:spcBef>
-              <a:spcAft>
-                <a:spcPts val="0"/>
-              </a:spcAft>
-              <a:buSzPct val="80000"/>
-              <a:buFont typeface="Arial" pitchFamily="34" charset="0"/>
-              <a:buChar char="•"/>
-              <a:defRPr sz="2800" kern="1200">
-                <a:ln>
-                  <a:solidFill>
-                    <a:schemeClr val="bg1">
-                      <a:alpha val="0"/>
-                    </a:schemeClr>
-                  </a:solidFill>
-                </a:ln>
-                <a:solidFill>
-                  <a:srgbClr val="595959"/>
-                </a:solidFill>
-                <a:latin typeface="+mn-lt"/>
-                <a:ea typeface="+mn-ea"/>
-                <a:cs typeface="+mn-cs"/>
-              </a:defRPr>
-            </a:lvl2pPr>
-            <a:lvl3pPr marL="1258888" indent="-344488" algn="l" defTabSz="914363" rtl="0" eaLnBrk="1" latinLnBrk="0" hangingPunct="1">
-              <a:lnSpc>
-                <a:spcPct val="100000"/>
-              </a:lnSpc>
-              <a:spcBef>
-                <a:spcPts val="300"/>
-              </a:spcBef>
-              <a:spcAft>
-                <a:spcPts val="0"/>
-              </a:spcAft>
-              <a:buSzPct val="80000"/>
-              <a:buFont typeface="Arial" pitchFamily="34" charset="0"/>
-              <a:buChar char="•"/>
-              <a:defRPr sz="2400" kern="1200">
-                <a:ln>
-                  <a:solidFill>
-                    <a:schemeClr val="bg1">
-                      <a:alpha val="0"/>
-                    </a:schemeClr>
-                  </a:solidFill>
-                </a:ln>
-                <a:solidFill>
-                  <a:srgbClr val="595959"/>
-                </a:solidFill>
-                <a:latin typeface="+mn-lt"/>
-                <a:ea typeface="+mn-ea"/>
-                <a:cs typeface="+mn-cs"/>
-              </a:defRPr>
-            </a:lvl3pPr>
-            <a:lvl4pPr marL="1716088" indent="-346075" algn="l" defTabSz="914363" rtl="0" eaLnBrk="1" latinLnBrk="0" hangingPunct="1">
-              <a:lnSpc>
-                <a:spcPct val="100000"/>
-              </a:lnSpc>
-              <a:spcBef>
-                <a:spcPts val="300"/>
-              </a:spcBef>
-              <a:spcAft>
-                <a:spcPts val="0"/>
-              </a:spcAft>
-              <a:buSzPct val="80000"/>
-              <a:buFont typeface="Arial" pitchFamily="34" charset="0"/>
-              <a:buChar char="•"/>
-              <a:defRPr sz="2000" kern="1200">
-                <a:ln>
-                  <a:solidFill>
-                    <a:schemeClr val="bg1">
-                      <a:alpha val="0"/>
-                    </a:schemeClr>
-                  </a:solidFill>
-                </a:ln>
-                <a:solidFill>
-                  <a:srgbClr val="595959"/>
-                </a:solidFill>
-                <a:latin typeface="+mn-lt"/>
-                <a:ea typeface="+mn-ea"/>
-                <a:cs typeface="+mn-cs"/>
-              </a:defRPr>
-            </a:lvl4pPr>
-            <a:lvl5pPr marL="2176463" indent="-347663" algn="l" defTabSz="914363" rtl="0" eaLnBrk="1" latinLnBrk="0" hangingPunct="1">
-              <a:lnSpc>
-                <a:spcPct val="100000"/>
-              </a:lnSpc>
-              <a:spcBef>
-                <a:spcPts val="300"/>
-              </a:spcBef>
-              <a:spcAft>
-                <a:spcPts val="0"/>
-              </a:spcAft>
-              <a:buSzPct val="80000"/>
-              <a:buFont typeface="Arial" pitchFamily="34" charset="0"/>
-              <a:buChar char="•"/>
-              <a:defRPr sz="2000" kern="1200">
-                <a:ln>
-                  <a:solidFill>
-                    <a:schemeClr val="bg1">
-                      <a:alpha val="0"/>
-                    </a:schemeClr>
-                  </a:solidFill>
-                </a:ln>
-                <a:solidFill>
-                  <a:srgbClr val="595959"/>
-                </a:solidFill>
-                <a:latin typeface="+mn-lt"/>
-                <a:ea typeface="+mn-ea"/>
-                <a:cs typeface="+mn-cs"/>
-              </a:defRPr>
-            </a:lvl5pPr>
-            <a:lvl6pPr marL="2514499" indent="-228591" algn="l" defTabSz="914363" rtl="0" eaLnBrk="1" latinLnBrk="0" hangingPunct="1">
-              <a:spcBef>
-                <a:spcPct val="20000"/>
-              </a:spcBef>
-              <a:buFont typeface="Arial" pitchFamily="34" charset="0"/>
-              <a:buChar char="•"/>
-              <a:defRPr sz="2000" kern="1200">
-                <a:solidFill>
-                  <a:schemeClr val="tx1"/>
-                </a:solidFill>
-                <a:latin typeface="+mn-lt"/>
-                <a:ea typeface="+mn-ea"/>
-                <a:cs typeface="+mn-cs"/>
-              </a:defRPr>
-            </a:lvl6pPr>
-            <a:lvl7pPr marL="2971681" indent="-228591" algn="l" defTabSz="914363" rtl="0" eaLnBrk="1" latinLnBrk="0" hangingPunct="1">
-              <a:spcBef>
-                <a:spcPct val="20000"/>
-              </a:spcBef>
-              <a:buFont typeface="Arial" pitchFamily="34" charset="0"/>
-              <a:buChar char="•"/>
-              <a:defRPr sz="2000" kern="1200">
-                <a:solidFill>
-                  <a:schemeClr val="tx1"/>
-                </a:solidFill>
-                <a:latin typeface="+mn-lt"/>
-                <a:ea typeface="+mn-ea"/>
-                <a:cs typeface="+mn-cs"/>
-              </a:defRPr>
-            </a:lvl7pPr>
-            <a:lvl8pPr marL="3428863" indent="-228591" algn="l" defTabSz="914363" rtl="0" eaLnBrk="1" latinLnBrk="0" hangingPunct="1">
-              <a:spcBef>
-                <a:spcPct val="20000"/>
-              </a:spcBef>
-              <a:buFont typeface="Arial" pitchFamily="34" charset="0"/>
-              <a:buChar char="•"/>
-              <a:defRPr sz="2000" kern="1200">
-                <a:solidFill>
-                  <a:schemeClr val="tx1"/>
-                </a:solidFill>
-                <a:latin typeface="+mn-lt"/>
-                <a:ea typeface="+mn-ea"/>
-                <a:cs typeface="+mn-cs"/>
-              </a:defRPr>
-            </a:lvl8pPr>
-            <a:lvl9pPr marL="3886045" indent="-228591" algn="l" defTabSz="914363" rtl="0" eaLnBrk="1" latinLnBrk="0" hangingPunct="1">
-              <a:spcBef>
-                <a:spcPct val="20000"/>
-              </a:spcBef>
-              <a:buFont typeface="Arial" pitchFamily="34" charset="0"/>
-              <a:buChar char="•"/>
-              <a:defRPr sz="2000" kern="1200">
-                <a:solidFill>
-                  <a:schemeClr val="tx1"/>
-                </a:solidFill>
-                <a:latin typeface="+mn-lt"/>
-                <a:ea typeface="+mn-ea"/>
-                <a:cs typeface="+mn-cs"/>
-              </a:defRPr>
-            </a:lvl9pPr>
-          </a:lstStyle>
-          <a:p>
-            <a:pPr marL="0" indent="0">
-              <a:spcAft>
-                <a:spcPts val="1200"/>
-              </a:spcAft>
-              <a:buNone/>
-            </a:pPr>
-            <a:r>
-              <a:rPr lang="en-US" sz="4000" dirty="0" smtClean="0">
-                <a:solidFill>
-                  <a:schemeClr val="accent2"/>
-                </a:solidFill>
-                <a:latin typeface="Segoe UI Light" pitchFamily="34" charset="0"/>
-              </a:rPr>
-              <a:t>Nuget Packages</a:t>
-            </a:r>
-          </a:p>
-          <a:p>
-            <a:pPr marL="0" lvl="1" indent="0">
-              <a:spcAft>
-                <a:spcPts val="1200"/>
-              </a:spcAft>
-              <a:buNone/>
-            </a:pPr>
-            <a:r>
-              <a:rPr lang="en-US" sz="3200" dirty="0" smtClean="0"/>
-              <a:t>WebApi</a:t>
-            </a:r>
-            <a:endParaRPr lang="en-US" sz="3200" dirty="0"/>
-          </a:p>
-          <a:p>
-            <a:pPr marL="0" lvl="1" indent="0">
-              <a:spcAft>
-                <a:spcPts val="1200"/>
-              </a:spcAft>
-              <a:buNone/>
-            </a:pPr>
-            <a:r>
-              <a:rPr lang="en-US" sz="3200" dirty="0" err="1" smtClean="0"/>
-              <a:t>WebApi.OData</a:t>
-            </a:r>
-            <a:endParaRPr lang="en-US" sz="3200" dirty="0"/>
-          </a:p>
-          <a:p>
-            <a:pPr marL="0" lvl="1" indent="0">
-              <a:spcAft>
-                <a:spcPts val="1200"/>
-              </a:spcAft>
-              <a:buNone/>
-            </a:pPr>
-            <a:r>
-              <a:rPr lang="en-US" sz="3200" dirty="0" err="1" smtClean="0"/>
-              <a:t>JsonValue</a:t>
-            </a:r>
-            <a:endParaRPr lang="en-US" sz="3200" dirty="0"/>
-          </a:p>
-          <a:p>
-            <a:pPr marL="0" lvl="1" indent="0">
-              <a:spcAft>
-                <a:spcPts val="1200"/>
-              </a:spcAft>
-              <a:buNone/>
-            </a:pPr>
-            <a:r>
-              <a:rPr lang="en-US" sz="3200" dirty="0" err="1" smtClean="0"/>
-              <a:t>HttpClient</a:t>
-            </a:r>
-            <a:endParaRPr lang="en-US" sz="3200" dirty="0"/>
-          </a:p>
-          <a:p>
-            <a:pPr marL="0" lvl="1" indent="0">
-              <a:spcAft>
-                <a:spcPts val="1200"/>
-              </a:spcAft>
-              <a:buNone/>
-            </a:pPr>
-            <a:r>
-              <a:rPr lang="en-US" sz="3200" dirty="0" err="1" smtClean="0"/>
-              <a:t>WebApi.Enhancements</a:t>
-            </a:r>
-            <a:endParaRPr lang="en-US" sz="3200" dirty="0"/>
-          </a:p>
-        </p:txBody>
-      </p:sp>
-      <p:pic>
-        <p:nvPicPr>
-          <p:cNvPr id="9" name="Picture 2"/>
-          <p:cNvPicPr>
-            <a:picLocks noChangeAspect="1" noChangeArrowheads="1"/>
-          </p:cNvPicPr>
-          <p:nvPr>
-            <p:custDataLst>
-              <p:tags r:id="rId5"/>
-            </p:custDataLst>
-          </p:nvPr>
-        </p:nvPicPr>
-        <p:blipFill>
-          <a:blip r:embed="rId10">
-            <a:extLst>
-              <a:ext uri="{28A0092B-C50C-407E-A947-70E740481C1C}">
-                <a14:useLocalDpi xmlns:a14="http://schemas.microsoft.com/office/drawing/2010/main" val="0"/>
-              </a:ext>
-            </a:extLst>
-          </a:blip>
-          <a:srcRect/>
-          <a:stretch>
-            <a:fillRect/>
-          </a:stretch>
-        </p:blipFill>
-        <p:spPr bwMode="auto">
-          <a:xfrm>
-            <a:off x="517525" y="1420813"/>
-            <a:ext cx="5556704" cy="3954626"/>
-          </a:xfrm>
-          <a:prstGeom prst="rect">
-            <a:avLst/>
-          </a:prstGeom>
-          <a:noFill/>
-          <a:ln>
-            <a:noFill/>
-          </a:ln>
-          <a:effectLst/>
-          <a:extLst>
-            <a:ext uri="{909E8E84-426E-40DD-AFC4-6F175D3DCCD1}">
-              <a14:hiddenFill xmlns:a14="http://schemas.microsoft.com/office/drawing/2010/main">
-                <a:solidFill>
-                  <a:schemeClr val="accent1"/>
-                </a:solidFill>
-              </a14:hiddenFill>
-            </a:ext>
-            <a:ext uri="{91240B29-F687-4F45-9708-019B960494DF}">
-              <a14:hiddenLine xmlns:a14="http://schemas.microsoft.com/office/drawing/2010/main" w="9525">
-                <a:solidFill>
-                  <a:schemeClr val="tx1"/>
-                </a:solidFill>
-                <a:miter lim="800000"/>
-                <a:headEnd/>
-                <a:tailEnd/>
-              </a14:hiddenLine>
-            </a:ext>
-            <a:ext uri="{AF507438-7753-43E0-B8FC-AC1667EBCBE1}">
-              <a14:hiddenEffects xmlns:a14="http://schemas.microsoft.com/office/drawing/2010/main">
-                <a:effectLst>
-                  <a:outerShdw dist="35921" dir="2700000" algn="ctr" rotWithShape="0">
-                    <a:schemeClr val="bg2"/>
-                  </a:outerShdw>
-                </a:effectLst>
-              </a14:hiddenEffects>
-            </a:ext>
-          </a:extLst>
-        </p:spPr>
-      </p:pic>
-    </p:spTree>
-    <p:extLst>
-      <p:ext uri="{BB962C8B-B14F-4D97-AF65-F5344CB8AC3E}">
-        <p14:creationId xmlns:p14="http://schemas.microsoft.com/office/powerpoint/2010/main" val="3080060354"/>
-      </p:ext>
-    </p:extLst>
-  </p:cSld>
-  <p:clrMapOvr>
-    <a:masterClrMapping/>
-  </p:clrMapOvr>
-  <mc:AlternateContent xmlns:mc="http://schemas.openxmlformats.org/markup-compatibility/2006" xmlns:p14="http://schemas.microsoft.com/office/powerpoint/2010/main">
-    <mc:Choice Requires="p14">
-      <p:transition spd="med" p14:dur="700">
-        <p:fade/>
-      </p:transition>
-    </mc:Choice>
-    <mc:Fallback xmlns="">
-      <p:transition spd="med">
-        <p:fade/>
-      </p:transition>
-    </mc:Fallback>
-  </mc:AlternateContent>
-  <p:timing>
-    <p:tnLst>
-      <p:par>
-        <p:cTn id="1" dur="indefinite" restart="never" nodeType="tmRoot"/>
-      </p:par>
-    </p:tnLst>
-  </p:timing>
-</p:sld>
-</file>
-
 <file path=ppt/slides/slide29.xml><?xml version="1.0" encoding="utf-8"?>
 <p:sld xmlns:a="http://schemas.openxmlformats.org/drawingml/2006/main" xmlns:r="http://schemas.openxmlformats.org/officeDocument/2006/relationships" xmlns:p="http://schemas.openxmlformats.org/presentationml/2006/main">
   <p:cSld>
@@ -33758,7 +34428,7 @@
           <a:graphicData uri="http://schemas.openxmlformats.org/presentationml/2006/ole">
             <mc:AlternateContent xmlns:mc="http://schemas.openxmlformats.org/markup-compatibility/2006">
               <mc:Choice xmlns:v="urn:schemas-microsoft-com:vml" Requires="v">
-                <p:oleObj spid="_x0000_s55364" name="think-cell Slide" r:id="rId6" imgW="270" imgH="270" progId="TCLayout.ActiveDocument.1">
+                <p:oleObj spid="_x0000_s55367" name="think-cell Slide" r:id="rId6" imgW="270" imgH="270" progId="TCLayout.ActiveDocument.1">
                   <p:embed/>
                 </p:oleObj>
               </mc:Choice>
@@ -34835,7 +35505,7 @@
           <a:graphicData uri="http://schemas.openxmlformats.org/presentationml/2006/ole">
             <mc:AlternateContent xmlns:mc="http://schemas.openxmlformats.org/markup-compatibility/2006">
               <mc:Choice xmlns:v="urn:schemas-microsoft-com:vml" Requires="v">
-                <p:oleObj spid="_x0000_s23617" name="think-cell Slide" r:id="rId7" imgW="270" imgH="270" progId="TCLayout.ActiveDocument.1">
+                <p:oleObj spid="_x0000_s23620" name="think-cell Slide" r:id="rId7" imgW="270" imgH="270" progId="TCLayout.ActiveDocument.1">
                   <p:embed/>
                 </p:oleObj>
               </mc:Choice>
@@ -35020,7 +35690,7 @@
           <a:graphicData uri="http://schemas.openxmlformats.org/presentationml/2006/ole">
             <mc:AlternateContent xmlns:mc="http://schemas.openxmlformats.org/markup-compatibility/2006">
               <mc:Choice xmlns:v="urn:schemas-microsoft-com:vml" Requires="v">
-                <p:oleObj spid="_x0000_s2117" name="think-cell Slide" r:id="rId8" imgW="270" imgH="270" progId="TCLayout.ActiveDocument.1">
+                <p:oleObj spid="_x0000_s2120" name="think-cell Slide" r:id="rId8" imgW="270" imgH="270" progId="TCLayout.ActiveDocument.1">
                   <p:embed/>
                 </p:oleObj>
               </mc:Choice>
@@ -35424,22 +36094,7 @@
                   <a:schemeClr val="bg1"/>
                 </a:solidFill>
               </a:rPr>
-              <a:t>Documentation &amp; </a:t>
-            </a:r>
-            <a:r>
-              <a:rPr lang="en-US" sz="3200" dirty="0" smtClean="0">
-                <a:ln>
-                  <a:solidFill>
-                    <a:schemeClr val="bg1">
-                      <a:alpha val="0"/>
-                    </a:schemeClr>
-                  </a:solidFill>
-                </a:ln>
-                <a:solidFill>
-                  <a:schemeClr val="bg1"/>
-                </a:solidFill>
-              </a:rPr>
-              <a:t>Articles</a:t>
+              <a:t>Documentation &amp; Articles</a:t>
             </a:r>
             <a:endParaRPr lang="en-US" sz="3200" dirty="0">
               <a:ln>
@@ -35556,7 +36211,7 @@
           <a:graphicData uri="http://schemas.openxmlformats.org/presentationml/2006/ole">
             <mc:AlternateContent xmlns:mc="http://schemas.openxmlformats.org/markup-compatibility/2006">
               <mc:Choice xmlns:v="urn:schemas-microsoft-com:vml" Requires="v">
-                <p:oleObj spid="_x0000_s57411" name="think-cell Slide" r:id="rId6" imgW="270" imgH="270" progId="TCLayout.ActiveDocument.1">
+                <p:oleObj spid="_x0000_s57414" name="think-cell Slide" r:id="rId6" imgW="270" imgH="270" progId="TCLayout.ActiveDocument.1">
                   <p:embed/>
                 </p:oleObj>
               </mc:Choice>
@@ -36038,7 +36693,7 @@
           <a:graphicData uri="http://schemas.openxmlformats.org/presentationml/2006/ole">
             <mc:AlternateContent xmlns:mc="http://schemas.openxmlformats.org/markup-compatibility/2006">
               <mc:Choice xmlns:v="urn:schemas-microsoft-com:vml" Requires="v">
-                <p:oleObj spid="_x0000_s58432" name="think-cell Slide" r:id="rId5" imgW="270" imgH="270" progId="TCLayout.ActiveDocument.1">
+                <p:oleObj spid="_x0000_s58435" name="think-cell Slide" r:id="rId5" imgW="270" imgH="270" progId="TCLayout.ActiveDocument.1">
                   <p:embed/>
                 </p:oleObj>
               </mc:Choice>
@@ -36217,7 +36872,7 @@
           <a:graphicData uri="http://schemas.openxmlformats.org/presentationml/2006/ole">
             <mc:AlternateContent xmlns:mc="http://schemas.openxmlformats.org/markup-compatibility/2006">
               <mc:Choice xmlns:v="urn:schemas-microsoft-com:vml" Requires="v">
-                <p:oleObj spid="_x0000_s25667" name="think-cell Slide" r:id="rId5" imgW="270" imgH="270" progId="TCLayout.ActiveDocument.1">
+                <p:oleObj spid="_x0000_s25670" name="think-cell Slide" r:id="rId5" imgW="270" imgH="270" progId="TCLayout.ActiveDocument.1">
                   <p:embed/>
                 </p:oleObj>
               </mc:Choice>
@@ -39937,6 +40592,1200 @@
             </p:custDataLst>
             <p:extLst>
               <p:ext uri="{D42A27DB-BD31-4B8C-83A1-F6EECF244321}">
+                <p14:modId xmlns:p14="http://schemas.microsoft.com/office/powerpoint/2010/main" val="1170968028"/>
+              </p:ext>
+            </p:extLst>
+          </p:nvPr>
+        </p:nvGraphicFramePr>
+        <p:xfrm>
+          <a:off x="0" y="0"/>
+          <a:ext cx="158750" cy="158750"/>
+        </p:xfrm>
+        <a:graphic>
+          <a:graphicData uri="http://schemas.openxmlformats.org/presentationml/2006/ole">
+            <mc:AlternateContent xmlns:mc="http://schemas.openxmlformats.org/markup-compatibility/2006">
+              <mc:Choice xmlns:v="urn:schemas-microsoft-com:vml" Requires="v">
+                <p:oleObj spid="_x0000_s61442" name="think-cell Slide" r:id="rId5" imgW="270" imgH="270" progId="TCLayout.ActiveDocument.1">
+                  <p:embed/>
+                </p:oleObj>
+              </mc:Choice>
+              <mc:Fallback>
+                <p:oleObj name="think-cell Slide" r:id="rId5" imgW="270" imgH="270" progId="TCLayout.ActiveDocument.1">
+                  <p:embed/>
+                  <p:pic>
+                    <p:nvPicPr>
+                      <p:cNvPr id="0" name=""/>
+                      <p:cNvPicPr/>
+                      <p:nvPr/>
+                    </p:nvPicPr>
+                    <p:blipFill>
+                      <a:blip r:embed="rId6"/>
+                      <a:stretch>
+                        <a:fillRect/>
+                      </a:stretch>
+                    </p:blipFill>
+                    <p:spPr>
+                      <a:xfrm>
+                        <a:off x="0" y="0"/>
+                        <a:ext cx="158750" cy="158750"/>
+                      </a:xfrm>
+                      <a:prstGeom prst="rect">
+                        <a:avLst/>
+                      </a:prstGeom>
+                    </p:spPr>
+                  </p:pic>
+                </p:oleObj>
+              </mc:Fallback>
+            </mc:AlternateContent>
+          </a:graphicData>
+        </a:graphic>
+      </p:graphicFrame>
+      <p:sp>
+        <p:nvSpPr>
+          <p:cNvPr id="7" name="Text Placeholder 6"/>
+          <p:cNvSpPr>
+            <a:spLocks noGrp="1"/>
+          </p:cNvSpPr>
+          <p:nvPr>
+            <p:ph type="body" sz="quarter" idx="10"/>
+          </p:nvPr>
+        </p:nvSpPr>
+        <p:spPr/>
+        <p:txBody>
+          <a:bodyPr/>
+          <a:lstStyle/>
+          <a:p>
+            <a:r>
+              <a:rPr lang="en-US" dirty="0" smtClean="0"/>
+              <a:t>Where Can </a:t>
+            </a:r>
+            <a:br>
+              <a:rPr lang="en-US" dirty="0" smtClean="0"/>
+            </a:br>
+            <a:r>
+              <a:rPr lang="en-US" dirty="0" smtClean="0"/>
+              <a:t>You Get </a:t>
+            </a:r>
+            <a:r>
+              <a:rPr lang="en-US" dirty="0" smtClean="0"/>
+              <a:t>Web API?</a:t>
+            </a:r>
+            <a:endParaRPr lang="en-US" dirty="0"/>
+          </a:p>
+        </p:txBody>
+      </p:sp>
+      <p:grpSp>
+        <p:nvGrpSpPr>
+          <p:cNvPr id="16" name="Group 15"/>
+          <p:cNvGrpSpPr/>
+          <p:nvPr/>
+        </p:nvGrpSpPr>
+        <p:grpSpPr>
+          <a:xfrm>
+            <a:off x="8170082" y="839952"/>
+            <a:ext cx="3176307" cy="3905469"/>
+            <a:chOff x="7788166" y="839952"/>
+            <a:chExt cx="3176307" cy="3905469"/>
+          </a:xfrm>
+        </p:grpSpPr>
+        <p:sp>
+          <p:nvSpPr>
+            <p:cNvPr id="17" name="Trapezoid 16"/>
+            <p:cNvSpPr/>
+            <p:nvPr/>
+          </p:nvSpPr>
+          <p:spPr bwMode="black">
+            <a:xfrm>
+              <a:off x="7788166" y="4025813"/>
+              <a:ext cx="3176307" cy="719608"/>
+            </a:xfrm>
+            <a:prstGeom prst="trapezoid">
+              <a:avLst/>
+            </a:prstGeom>
+            <a:noFill/>
+            <a:ln w="25400" cap="sq" cmpd="sng" algn="ctr">
+              <a:solidFill>
+                <a:srgbClr val="FFFFFF">
+                  <a:alpha val="30000"/>
+                </a:srgbClr>
+              </a:solidFill>
+              <a:prstDash val="solid"/>
+              <a:miter lim="800000"/>
+              <a:headEnd type="none" w="med" len="med"/>
+              <a:tailEnd type="none" w="med" len="med"/>
+            </a:ln>
+            <a:effectLst/>
+          </p:spPr>
+          <p:txBody>
+            <a:bodyPr vert="horz" wrap="square" lIns="91436" tIns="45718" rIns="91436" bIns="45718" numCol="1" rtlCol="0" anchor="ctr" anchorCtr="0" compatLnSpc="1">
+              <a:prstTxWarp prst="textNoShape">
+                <a:avLst/>
+              </a:prstTxWarp>
+            </a:bodyPr>
+            <a:lstStyle/>
+            <a:p>
+              <a:pPr algn="ctr" defTabSz="822781" fontAlgn="base">
+                <a:spcBef>
+                  <a:spcPct val="0"/>
+                </a:spcBef>
+                <a:spcAft>
+                  <a:spcPct val="0"/>
+                </a:spcAft>
+                <a:defRPr/>
+              </a:pPr>
+              <a:endParaRPr lang="en-US" kern="0" spc="-135" dirty="0">
+                <a:gradFill>
+                  <a:gsLst>
+                    <a:gs pos="0">
+                      <a:srgbClr val="FFFFFF"/>
+                    </a:gs>
+                    <a:gs pos="100000">
+                      <a:srgbClr val="FFFFFF"/>
+                    </a:gs>
+                  </a:gsLst>
+                  <a:lin ang="5400000" scaled="0"/>
+                </a:gradFill>
+                <a:latin typeface="Segoe Light" pitchFamily="34" charset="0"/>
+              </a:endParaRPr>
+            </a:p>
+          </p:txBody>
+        </p:sp>
+        <p:sp>
+          <p:nvSpPr>
+            <p:cNvPr id="18" name="Freeform 6"/>
+            <p:cNvSpPr>
+              <a:spLocks/>
+            </p:cNvSpPr>
+            <p:nvPr/>
+          </p:nvSpPr>
+          <p:spPr bwMode="black">
+            <a:xfrm>
+              <a:off x="8414040" y="839952"/>
+              <a:ext cx="1908911" cy="3173957"/>
+            </a:xfrm>
+            <a:custGeom>
+              <a:avLst/>
+              <a:gdLst/>
+              <a:ahLst/>
+              <a:cxnLst/>
+              <a:rect l="l" t="t" r="r" b="b"/>
+              <a:pathLst>
+                <a:path w="1908911" h="3173957">
+                  <a:moveTo>
+                    <a:pt x="957345" y="542283"/>
+                  </a:moveTo>
+                  <a:cubicBezTo>
+                    <a:pt x="788835" y="542283"/>
+                    <a:pt x="652229" y="678854"/>
+                    <a:pt x="652229" y="847320"/>
+                  </a:cubicBezTo>
+                  <a:cubicBezTo>
+                    <a:pt x="652229" y="1015785"/>
+                    <a:pt x="788835" y="1152357"/>
+                    <a:pt x="957345" y="1152357"/>
+                  </a:cubicBezTo>
+                  <a:cubicBezTo>
+                    <a:pt x="1125855" y="1152357"/>
+                    <a:pt x="1262462" y="1015785"/>
+                    <a:pt x="1262462" y="847320"/>
+                  </a:cubicBezTo>
+                  <a:cubicBezTo>
+                    <a:pt x="1262462" y="678854"/>
+                    <a:pt x="1125855" y="542283"/>
+                    <a:pt x="957345" y="542283"/>
+                  </a:cubicBezTo>
+                  <a:close/>
+                  <a:moveTo>
+                    <a:pt x="952588" y="0"/>
+                  </a:moveTo>
+                  <a:cubicBezTo>
+                    <a:pt x="1479314" y="0"/>
+                    <a:pt x="1908911" y="427300"/>
+                    <a:pt x="1908911" y="955801"/>
+                  </a:cubicBezTo>
+                  <a:cubicBezTo>
+                    <a:pt x="1908911" y="967046"/>
+                    <a:pt x="1908911" y="978291"/>
+                    <a:pt x="1908911" y="989536"/>
+                  </a:cubicBezTo>
+                  <a:cubicBezTo>
+                    <a:pt x="1908911" y="1053257"/>
+                    <a:pt x="1901439" y="1120727"/>
+                    <a:pt x="1886499" y="1191941"/>
+                  </a:cubicBezTo>
+                  <a:cubicBezTo>
+                    <a:pt x="1886490" y="1191964"/>
+                    <a:pt x="1883885" y="1198763"/>
+                    <a:pt x="1127211" y="3173957"/>
+                  </a:cubicBezTo>
+                  <a:lnTo>
+                    <a:pt x="771911" y="3173957"/>
+                  </a:lnTo>
+                  <a:cubicBezTo>
+                    <a:pt x="641191" y="2829987"/>
+                    <a:pt x="413896" y="2231895"/>
+                    <a:pt x="18678" y="1191941"/>
+                  </a:cubicBezTo>
+                  <a:cubicBezTo>
+                    <a:pt x="7472" y="1135720"/>
+                    <a:pt x="0" y="1079495"/>
+                    <a:pt x="0" y="1027019"/>
+                  </a:cubicBezTo>
+                  <a:cubicBezTo>
+                    <a:pt x="0" y="1004529"/>
+                    <a:pt x="0" y="982039"/>
+                    <a:pt x="0" y="955801"/>
+                  </a:cubicBezTo>
+                  <a:cubicBezTo>
+                    <a:pt x="0" y="427300"/>
+                    <a:pt x="425862" y="0"/>
+                    <a:pt x="952588" y="0"/>
+                  </a:cubicBezTo>
+                  <a:close/>
+                </a:path>
+              </a:pathLst>
+            </a:custGeom>
+            <a:solidFill>
+              <a:srgbClr val="FFFFFF">
+                <a:alpha val="30000"/>
+              </a:srgbClr>
+            </a:solidFill>
+            <a:ln>
+              <a:noFill/>
+              <a:headEnd type="none" w="med" len="med"/>
+              <a:tailEnd type="none" w="med" len="med"/>
+            </a:ln>
+            <a:extLst>
+              <a:ext uri="{91240B29-F687-4F45-9708-019B960494DF}">
+                <a14:hiddenLine xmlns:a14="http://schemas.microsoft.com/office/drawing/2010/main" w="9525">
+                  <a:solidFill>
+                    <a:srgbClr val="000000"/>
+                  </a:solidFill>
+                  <a:round/>
+                  <a:headEnd/>
+                  <a:tailEnd/>
+                </a14:hiddenLine>
+              </a:ext>
+            </a:extLst>
+          </p:spPr>
+          <p:style>
+            <a:lnRef idx="2">
+              <a:schemeClr val="accent3">
+                <a:shade val="50000"/>
+              </a:schemeClr>
+            </a:lnRef>
+            <a:fillRef idx="1">
+              <a:schemeClr val="accent3"/>
+            </a:fillRef>
+            <a:effectRef idx="0">
+              <a:schemeClr val="accent3"/>
+            </a:effectRef>
+            <a:fontRef idx="minor">
+              <a:schemeClr val="lt1"/>
+            </a:fontRef>
+          </p:style>
+          <p:txBody>
+            <a:bodyPr vert="horz" wrap="square" lIns="91436" tIns="45718" rIns="91436" bIns="45718" numCol="1" rtlCol="0" anchor="ctr" anchorCtr="0" compatLnSpc="1">
+              <a:prstTxWarp prst="textNoShape">
+                <a:avLst/>
+              </a:prstTxWarp>
+            </a:bodyPr>
+            <a:lstStyle/>
+            <a:p>
+              <a:pPr defTabSz="740740"/>
+              <a:endParaRPr lang="en-US" spc="-122">
+                <a:solidFill>
+                  <a:schemeClr val="tx1">
+                    <a:lumMod val="50000"/>
+                  </a:schemeClr>
+                </a:solidFill>
+                <a:latin typeface="Segoe Light" pitchFamily="34" charset="0"/>
+              </a:endParaRPr>
+            </a:p>
+          </p:txBody>
+        </p:sp>
+        <p:sp>
+          <p:nvSpPr>
+            <p:cNvPr id="19" name="Freeform 6"/>
+            <p:cNvSpPr>
+              <a:spLocks/>
+            </p:cNvSpPr>
+            <p:nvPr/>
+          </p:nvSpPr>
+          <p:spPr bwMode="black">
+            <a:xfrm>
+              <a:off x="9195000" y="4040678"/>
+              <a:ext cx="337130" cy="441777"/>
+            </a:xfrm>
+            <a:custGeom>
+              <a:avLst/>
+              <a:gdLst/>
+              <a:ahLst/>
+              <a:cxnLst/>
+              <a:rect l="l" t="t" r="r" b="b"/>
+              <a:pathLst>
+                <a:path w="337130" h="441777">
+                  <a:moveTo>
+                    <a:pt x="0" y="0"/>
+                  </a:moveTo>
+                  <a:lnTo>
+                    <a:pt x="337130" y="0"/>
+                  </a:lnTo>
+                  <a:cubicBezTo>
+                    <a:pt x="284415" y="137603"/>
+                    <a:pt x="228085" y="284647"/>
+                    <a:pt x="167890" y="441777"/>
+                  </a:cubicBezTo>
+                  <a:cubicBezTo>
+                    <a:pt x="167885" y="441765"/>
+                    <a:pt x="167009" y="439458"/>
+                    <a:pt x="0" y="0"/>
+                  </a:cubicBezTo>
+                  <a:close/>
+                </a:path>
+              </a:pathLst>
+            </a:custGeom>
+            <a:solidFill>
+              <a:srgbClr val="FFFFFF">
+                <a:alpha val="30000"/>
+              </a:srgbClr>
+            </a:solidFill>
+            <a:ln>
+              <a:noFill/>
+              <a:headEnd type="none" w="med" len="med"/>
+              <a:tailEnd type="none" w="med" len="med"/>
+            </a:ln>
+            <a:extLst>
+              <a:ext uri="{91240B29-F687-4F45-9708-019B960494DF}">
+                <a14:hiddenLine xmlns:a14="http://schemas.microsoft.com/office/drawing/2010/main" w="9525">
+                  <a:solidFill>
+                    <a:srgbClr val="000000"/>
+                  </a:solidFill>
+                  <a:round/>
+                  <a:headEnd/>
+                  <a:tailEnd/>
+                </a14:hiddenLine>
+              </a:ext>
+            </a:extLst>
+          </p:spPr>
+          <p:style>
+            <a:lnRef idx="2">
+              <a:schemeClr val="accent3">
+                <a:shade val="50000"/>
+              </a:schemeClr>
+            </a:lnRef>
+            <a:fillRef idx="1">
+              <a:schemeClr val="accent3"/>
+            </a:fillRef>
+            <a:effectRef idx="0">
+              <a:schemeClr val="accent3"/>
+            </a:effectRef>
+            <a:fontRef idx="minor">
+              <a:schemeClr val="lt1"/>
+            </a:fontRef>
+          </p:style>
+          <p:txBody>
+            <a:bodyPr vert="horz" wrap="square" lIns="91436" tIns="45718" rIns="91436" bIns="45718" numCol="1" rtlCol="0" anchor="ctr" anchorCtr="0" compatLnSpc="1">
+              <a:prstTxWarp prst="textNoShape">
+                <a:avLst/>
+              </a:prstTxWarp>
+            </a:bodyPr>
+            <a:lstStyle/>
+            <a:p>
+              <a:pPr defTabSz="740740"/>
+              <a:endParaRPr lang="en-US" spc="-122">
+                <a:solidFill>
+                  <a:schemeClr val="tx1">
+                    <a:lumMod val="50000"/>
+                  </a:schemeClr>
+                </a:solidFill>
+                <a:latin typeface="Segoe Light" pitchFamily="34" charset="0"/>
+              </a:endParaRPr>
+            </a:p>
+          </p:txBody>
+        </p:sp>
+      </p:grpSp>
+    </p:spTree>
+    <p:extLst>
+      <p:ext uri="{BB962C8B-B14F-4D97-AF65-F5344CB8AC3E}">
+        <p14:creationId xmlns:p14="http://schemas.microsoft.com/office/powerpoint/2010/main" val="2021504991"/>
+      </p:ext>
+    </p:extLst>
+  </p:cSld>
+  <p:clrMapOvr>
+    <a:masterClrMapping/>
+  </p:clrMapOvr>
+  <mc:AlternateContent xmlns:mc="http://schemas.openxmlformats.org/markup-compatibility/2006" xmlns:p14="http://schemas.microsoft.com/office/powerpoint/2010/main">
+    <mc:Choice Requires="p14">
+      <p:transition spd="med" p14:dur="700">
+        <p:fade/>
+      </p:transition>
+    </mc:Choice>
+    <mc:Fallback xmlns="">
+      <p:transition spd="med">
+        <p:fade/>
+      </p:transition>
+    </mc:Fallback>
+  </mc:AlternateContent>
+  <p:timing>
+    <p:tnLst>
+      <p:par>
+        <p:cTn id="1" dur="indefinite" restart="never" nodeType="tmRoot"/>
+      </p:par>
+    </p:tnLst>
+  </p:timing>
+</p:sld>
+</file>
+
+<file path=ppt/slides/slide7.xml><?xml version="1.0" encoding="utf-8"?>
+<p:sld xmlns:a="http://schemas.openxmlformats.org/drawingml/2006/main" xmlns:r="http://schemas.openxmlformats.org/officeDocument/2006/relationships" xmlns:p="http://schemas.openxmlformats.org/presentationml/2006/main">
+  <p:cSld>
+    <p:spTree>
+      <p:nvGrpSpPr>
+        <p:cNvPr id="1" name=""/>
+        <p:cNvGrpSpPr/>
+        <p:nvPr/>
+      </p:nvGrpSpPr>
+      <p:grpSpPr>
+        <a:xfrm>
+          <a:off x="0" y="0"/>
+          <a:ext cx="0" cy="0"/>
+          <a:chOff x="0" y="0"/>
+          <a:chExt cx="0" cy="0"/>
+        </a:xfrm>
+      </p:grpSpPr>
+      <p:graphicFrame>
+        <p:nvGraphicFramePr>
+          <p:cNvPr id="2" name="Object 1" hidden="1"/>
+          <p:cNvGraphicFramePr>
+            <a:graphicFrameLocks noChangeAspect="1"/>
+          </p:cNvGraphicFramePr>
+          <p:nvPr>
+            <p:custDataLst>
+              <p:tags r:id="rId2"/>
+            </p:custDataLst>
+            <p:extLst>
+              <p:ext uri="{D42A27DB-BD31-4B8C-83A1-F6EECF244321}">
+                <p14:modId xmlns:p14="http://schemas.microsoft.com/office/powerpoint/2010/main" val="392288528"/>
+              </p:ext>
+            </p:extLst>
+          </p:nvPr>
+        </p:nvGraphicFramePr>
+        <p:xfrm>
+          <a:off x="0" y="0"/>
+          <a:ext cx="158750" cy="158750"/>
+        </p:xfrm>
+        <a:graphic>
+          <a:graphicData uri="http://schemas.openxmlformats.org/presentationml/2006/ole">
+            <mc:AlternateContent xmlns:mc="http://schemas.openxmlformats.org/markup-compatibility/2006">
+              <mc:Choice xmlns:v="urn:schemas-microsoft-com:vml" Requires="v">
+                <p:oleObj spid="_x0000_s62466" name="think-cell Slide" r:id="rId6" imgW="270" imgH="270" progId="TCLayout.ActiveDocument.1">
+                  <p:embed/>
+                </p:oleObj>
+              </mc:Choice>
+              <mc:Fallback>
+                <p:oleObj name="think-cell Slide" r:id="rId6" imgW="270" imgH="270" progId="TCLayout.ActiveDocument.1">
+                  <p:embed/>
+                  <p:pic>
+                    <p:nvPicPr>
+                      <p:cNvPr id="0" name=""/>
+                      <p:cNvPicPr/>
+                      <p:nvPr/>
+                    </p:nvPicPr>
+                    <p:blipFill>
+                      <a:blip r:embed="rId7"/>
+                      <a:stretch>
+                        <a:fillRect/>
+                      </a:stretch>
+                    </p:blipFill>
+                    <p:spPr>
+                      <a:xfrm>
+                        <a:off x="0" y="0"/>
+                        <a:ext cx="158750" cy="158750"/>
+                      </a:xfrm>
+                      <a:prstGeom prst="rect">
+                        <a:avLst/>
+                      </a:prstGeom>
+                    </p:spPr>
+                  </p:pic>
+                </p:oleObj>
+              </mc:Fallback>
+            </mc:AlternateContent>
+          </a:graphicData>
+        </a:graphic>
+      </p:graphicFrame>
+      <p:sp>
+        <p:nvSpPr>
+          <p:cNvPr id="6" name="Title 5"/>
+          <p:cNvSpPr>
+            <a:spLocks noGrp="1"/>
+          </p:cNvSpPr>
+          <p:nvPr>
+            <p:ph type="title"/>
+            <p:custDataLst>
+              <p:tags r:id="rId3"/>
+            </p:custDataLst>
+          </p:nvPr>
+        </p:nvSpPr>
+        <p:spPr/>
+        <p:txBody>
+          <a:bodyPr/>
+          <a:lstStyle/>
+          <a:p>
+            <a:r>
+              <a:rPr lang="en-US" dirty="0" smtClean="0"/>
+              <a:t>Homepage: asp.net/web-</a:t>
+            </a:r>
+            <a:r>
+              <a:rPr lang="en-US" dirty="0" err="1" smtClean="0"/>
+              <a:t>api</a:t>
+            </a:r>
+            <a:endParaRPr lang="en-US" dirty="0"/>
+          </a:p>
+        </p:txBody>
+      </p:sp>
+      <p:pic>
+        <p:nvPicPr>
+          <p:cNvPr id="7" name="Picture 5"/>
+          <p:cNvPicPr>
+            <a:picLocks noChangeAspect="1" noChangeArrowheads="1"/>
+          </p:cNvPicPr>
+          <p:nvPr/>
+        </p:nvPicPr>
+        <p:blipFill rotWithShape="1">
+          <a:blip r:embed="rId8">
+            <a:extLst>
+              <a:ext uri="{28A0092B-C50C-407E-A947-70E740481C1C}">
+                <a14:useLocalDpi xmlns:a14="http://schemas.microsoft.com/office/drawing/2010/main" val="0"/>
+              </a:ext>
+            </a:extLst>
+          </a:blip>
+          <a:srcRect l="703" t="8633" r="2659" b="32339"/>
+          <a:stretch/>
+        </p:blipFill>
+        <p:spPr bwMode="auto">
+          <a:xfrm>
+            <a:off x="517525" y="1141413"/>
+            <a:ext cx="8725167" cy="5108575"/>
+          </a:xfrm>
+          <a:prstGeom prst="rect">
+            <a:avLst/>
+          </a:prstGeom>
+          <a:noFill/>
+          <a:ln>
+            <a:noFill/>
+          </a:ln>
+          <a:effectLst/>
+          <a:extLst>
+            <a:ext uri="{909E8E84-426E-40DD-AFC4-6F175D3DCCD1}">
+              <a14:hiddenFill xmlns:a14="http://schemas.microsoft.com/office/drawing/2010/main">
+                <a:solidFill>
+                  <a:schemeClr val="accent1"/>
+                </a:solidFill>
+              </a14:hiddenFill>
+            </a:ext>
+            <a:ext uri="{91240B29-F687-4F45-9708-019B960494DF}">
+              <a14:hiddenLine xmlns:a14="http://schemas.microsoft.com/office/drawing/2010/main" w="9525">
+                <a:solidFill>
+                  <a:schemeClr val="tx1"/>
+                </a:solidFill>
+                <a:miter lim="800000"/>
+                <a:headEnd/>
+                <a:tailEnd/>
+              </a14:hiddenLine>
+            </a:ext>
+            <a:ext uri="{AF507438-7753-43E0-B8FC-AC1667EBCBE1}">
+              <a14:hiddenEffects xmlns:a14="http://schemas.microsoft.com/office/drawing/2010/main">
+                <a:effectLst>
+                  <a:outerShdw dist="35921" dir="2700000" algn="ctr" rotWithShape="0">
+                    <a:schemeClr val="bg2"/>
+                  </a:outerShdw>
+                </a:effectLst>
+              </a14:hiddenEffects>
+            </a:ext>
+          </a:extLst>
+        </p:spPr>
+      </p:pic>
+    </p:spTree>
+    <p:extLst>
+      <p:ext uri="{BB962C8B-B14F-4D97-AF65-F5344CB8AC3E}">
+        <p14:creationId xmlns:p14="http://schemas.microsoft.com/office/powerpoint/2010/main" val="1217556028"/>
+      </p:ext>
+    </p:extLst>
+  </p:cSld>
+  <p:clrMapOvr>
+    <a:masterClrMapping/>
+  </p:clrMapOvr>
+  <mc:AlternateContent xmlns:mc="http://schemas.openxmlformats.org/markup-compatibility/2006" xmlns:p14="http://schemas.microsoft.com/office/powerpoint/2010/main">
+    <mc:Choice Requires="p14">
+      <p:transition spd="med" p14:dur="700">
+        <p:fade/>
+      </p:transition>
+    </mc:Choice>
+    <mc:Fallback xmlns="">
+      <p:transition spd="med">
+        <p:fade/>
+      </p:transition>
+    </mc:Fallback>
+  </mc:AlternateContent>
+  <p:timing>
+    <p:tnLst>
+      <p:par>
+        <p:cTn id="1" dur="indefinite" restart="never" nodeType="tmRoot"/>
+      </p:par>
+    </p:tnLst>
+  </p:timing>
+</p:sld>
+</file>
+
+<file path=ppt/slides/slide8.xml><?xml version="1.0" encoding="utf-8"?>
+<p:sld xmlns:a="http://schemas.openxmlformats.org/drawingml/2006/main" xmlns:r="http://schemas.openxmlformats.org/officeDocument/2006/relationships" xmlns:p="http://schemas.openxmlformats.org/presentationml/2006/main">
+  <p:cSld>
+    <p:spTree>
+      <p:nvGrpSpPr>
+        <p:cNvPr id="1" name=""/>
+        <p:cNvGrpSpPr/>
+        <p:nvPr/>
+      </p:nvGrpSpPr>
+      <p:grpSpPr>
+        <a:xfrm>
+          <a:off x="0" y="0"/>
+          <a:ext cx="0" cy="0"/>
+          <a:chOff x="0" y="0"/>
+          <a:chExt cx="0" cy="0"/>
+        </a:xfrm>
+      </p:grpSpPr>
+      <p:graphicFrame>
+        <p:nvGraphicFramePr>
+          <p:cNvPr id="2" name="Object 1" hidden="1"/>
+          <p:cNvGraphicFramePr>
+            <a:graphicFrameLocks noChangeAspect="1"/>
+          </p:cNvGraphicFramePr>
+          <p:nvPr>
+            <p:custDataLst>
+              <p:tags r:id="rId2"/>
+            </p:custDataLst>
+            <p:extLst>
+              <p:ext uri="{D42A27DB-BD31-4B8C-83A1-F6EECF244321}">
+                <p14:modId xmlns:p14="http://schemas.microsoft.com/office/powerpoint/2010/main" val="3361024165"/>
+              </p:ext>
+            </p:extLst>
+          </p:nvPr>
+        </p:nvGraphicFramePr>
+        <p:xfrm>
+          <a:off x="0" y="0"/>
+          <a:ext cx="158750" cy="158750"/>
+        </p:xfrm>
+        <a:graphic>
+          <a:graphicData uri="http://schemas.openxmlformats.org/presentationml/2006/ole">
+            <mc:AlternateContent xmlns:mc="http://schemas.openxmlformats.org/markup-compatibility/2006">
+              <mc:Choice xmlns:v="urn:schemas-microsoft-com:vml" Requires="v">
+                <p:oleObj spid="_x0000_s63490" name="think-cell Slide" r:id="rId8" imgW="270" imgH="270" progId="TCLayout.ActiveDocument.1">
+                  <p:embed/>
+                </p:oleObj>
+              </mc:Choice>
+              <mc:Fallback>
+                <p:oleObj name="think-cell Slide" r:id="rId8" imgW="270" imgH="270" progId="TCLayout.ActiveDocument.1">
+                  <p:embed/>
+                  <p:pic>
+                    <p:nvPicPr>
+                      <p:cNvPr id="0" name=""/>
+                      <p:cNvPicPr/>
+                      <p:nvPr/>
+                    </p:nvPicPr>
+                    <p:blipFill>
+                      <a:blip r:embed="rId9"/>
+                      <a:stretch>
+                        <a:fillRect/>
+                      </a:stretch>
+                    </p:blipFill>
+                    <p:spPr>
+                      <a:xfrm>
+                        <a:off x="0" y="0"/>
+                        <a:ext cx="158750" cy="158750"/>
+                      </a:xfrm>
+                      <a:prstGeom prst="rect">
+                        <a:avLst/>
+                      </a:prstGeom>
+                    </p:spPr>
+                  </p:pic>
+                </p:oleObj>
+              </mc:Fallback>
+            </mc:AlternateContent>
+          </a:graphicData>
+        </a:graphic>
+      </p:graphicFrame>
+      <p:sp>
+        <p:nvSpPr>
+          <p:cNvPr id="6" name="Title 5"/>
+          <p:cNvSpPr>
+            <a:spLocks noGrp="1"/>
+          </p:cNvSpPr>
+          <p:nvPr>
+            <p:ph type="title"/>
+            <p:custDataLst>
+              <p:tags r:id="rId3"/>
+            </p:custDataLst>
+          </p:nvPr>
+        </p:nvSpPr>
+        <p:spPr/>
+        <p:txBody>
+          <a:bodyPr/>
+          <a:lstStyle/>
+          <a:p>
+            <a:r>
+              <a:rPr lang="en-US" dirty="0" smtClean="0"/>
+              <a:t>Find Us on Nuget</a:t>
+            </a:r>
+            <a:endParaRPr lang="en-US" dirty="0"/>
+          </a:p>
+        </p:txBody>
+      </p:sp>
+      <p:sp>
+        <p:nvSpPr>
+          <p:cNvPr id="8" name="Content Placeholder 2"/>
+          <p:cNvSpPr txBox="1">
+            <a:spLocks/>
+          </p:cNvSpPr>
+          <p:nvPr>
+            <p:custDataLst>
+              <p:tags r:id="rId4"/>
+            </p:custDataLst>
+          </p:nvPr>
+        </p:nvSpPr>
+        <p:spPr>
+          <a:xfrm>
+            <a:off x="6743699" y="1422162"/>
+            <a:ext cx="4932363" cy="4324261"/>
+          </a:xfrm>
+          <a:prstGeom prst="rect">
+            <a:avLst/>
+          </a:prstGeom>
+        </p:spPr>
+        <p:txBody>
+          <a:bodyPr lIns="0" rIns="0">
+            <a:spAutoFit/>
+          </a:bodyPr>
+          <a:lstStyle>
+            <a:lvl1pPr marL="347663" indent="-347663" algn="l" defTabSz="914363" rtl="0" eaLnBrk="1" latinLnBrk="0" hangingPunct="1">
+              <a:lnSpc>
+                <a:spcPct val="100000"/>
+              </a:lnSpc>
+              <a:spcBef>
+                <a:spcPts val="1200"/>
+              </a:spcBef>
+              <a:spcAft>
+                <a:spcPts val="0"/>
+              </a:spcAft>
+              <a:buSzPct val="80000"/>
+              <a:buFont typeface="Arial" pitchFamily="34" charset="0"/>
+              <a:buChar char="•"/>
+              <a:defRPr sz="3200" kern="1200">
+                <a:ln>
+                  <a:solidFill>
+                    <a:schemeClr val="bg1">
+                      <a:alpha val="0"/>
+                    </a:schemeClr>
+                  </a:solidFill>
+                </a:ln>
+                <a:solidFill>
+                  <a:srgbClr val="595959"/>
+                </a:solidFill>
+                <a:latin typeface="+mn-lt"/>
+                <a:ea typeface="+mn-ea"/>
+                <a:cs typeface="+mn-cs"/>
+              </a:defRPr>
+            </a:lvl1pPr>
+            <a:lvl2pPr marL="804863" indent="-344488" algn="l" defTabSz="914363" rtl="0" eaLnBrk="1" latinLnBrk="0" hangingPunct="1">
+              <a:lnSpc>
+                <a:spcPct val="100000"/>
+              </a:lnSpc>
+              <a:spcBef>
+                <a:spcPts val="600"/>
+              </a:spcBef>
+              <a:spcAft>
+                <a:spcPts val="0"/>
+              </a:spcAft>
+              <a:buSzPct val="80000"/>
+              <a:buFont typeface="Arial" pitchFamily="34" charset="0"/>
+              <a:buChar char="•"/>
+              <a:defRPr sz="2800" kern="1200">
+                <a:ln>
+                  <a:solidFill>
+                    <a:schemeClr val="bg1">
+                      <a:alpha val="0"/>
+                    </a:schemeClr>
+                  </a:solidFill>
+                </a:ln>
+                <a:solidFill>
+                  <a:srgbClr val="595959"/>
+                </a:solidFill>
+                <a:latin typeface="+mn-lt"/>
+                <a:ea typeface="+mn-ea"/>
+                <a:cs typeface="+mn-cs"/>
+              </a:defRPr>
+            </a:lvl2pPr>
+            <a:lvl3pPr marL="1258888" indent="-344488" algn="l" defTabSz="914363" rtl="0" eaLnBrk="1" latinLnBrk="0" hangingPunct="1">
+              <a:lnSpc>
+                <a:spcPct val="100000"/>
+              </a:lnSpc>
+              <a:spcBef>
+                <a:spcPts val="300"/>
+              </a:spcBef>
+              <a:spcAft>
+                <a:spcPts val="0"/>
+              </a:spcAft>
+              <a:buSzPct val="80000"/>
+              <a:buFont typeface="Arial" pitchFamily="34" charset="0"/>
+              <a:buChar char="•"/>
+              <a:defRPr sz="2400" kern="1200">
+                <a:ln>
+                  <a:solidFill>
+                    <a:schemeClr val="bg1">
+                      <a:alpha val="0"/>
+                    </a:schemeClr>
+                  </a:solidFill>
+                </a:ln>
+                <a:solidFill>
+                  <a:srgbClr val="595959"/>
+                </a:solidFill>
+                <a:latin typeface="+mn-lt"/>
+                <a:ea typeface="+mn-ea"/>
+                <a:cs typeface="+mn-cs"/>
+              </a:defRPr>
+            </a:lvl3pPr>
+            <a:lvl4pPr marL="1716088" indent="-346075" algn="l" defTabSz="914363" rtl="0" eaLnBrk="1" latinLnBrk="0" hangingPunct="1">
+              <a:lnSpc>
+                <a:spcPct val="100000"/>
+              </a:lnSpc>
+              <a:spcBef>
+                <a:spcPts val="300"/>
+              </a:spcBef>
+              <a:spcAft>
+                <a:spcPts val="0"/>
+              </a:spcAft>
+              <a:buSzPct val="80000"/>
+              <a:buFont typeface="Arial" pitchFamily="34" charset="0"/>
+              <a:buChar char="•"/>
+              <a:defRPr sz="2000" kern="1200">
+                <a:ln>
+                  <a:solidFill>
+                    <a:schemeClr val="bg1">
+                      <a:alpha val="0"/>
+                    </a:schemeClr>
+                  </a:solidFill>
+                </a:ln>
+                <a:solidFill>
+                  <a:srgbClr val="595959"/>
+                </a:solidFill>
+                <a:latin typeface="+mn-lt"/>
+                <a:ea typeface="+mn-ea"/>
+                <a:cs typeface="+mn-cs"/>
+              </a:defRPr>
+            </a:lvl4pPr>
+            <a:lvl5pPr marL="2176463" indent="-347663" algn="l" defTabSz="914363" rtl="0" eaLnBrk="1" latinLnBrk="0" hangingPunct="1">
+              <a:lnSpc>
+                <a:spcPct val="100000"/>
+              </a:lnSpc>
+              <a:spcBef>
+                <a:spcPts val="300"/>
+              </a:spcBef>
+              <a:spcAft>
+                <a:spcPts val="0"/>
+              </a:spcAft>
+              <a:buSzPct val="80000"/>
+              <a:buFont typeface="Arial" pitchFamily="34" charset="0"/>
+              <a:buChar char="•"/>
+              <a:defRPr sz="2000" kern="1200">
+                <a:ln>
+                  <a:solidFill>
+                    <a:schemeClr val="bg1">
+                      <a:alpha val="0"/>
+                    </a:schemeClr>
+                  </a:solidFill>
+                </a:ln>
+                <a:solidFill>
+                  <a:srgbClr val="595959"/>
+                </a:solidFill>
+                <a:latin typeface="+mn-lt"/>
+                <a:ea typeface="+mn-ea"/>
+                <a:cs typeface="+mn-cs"/>
+              </a:defRPr>
+            </a:lvl5pPr>
+            <a:lvl6pPr marL="2514499" indent="-228591" algn="l" defTabSz="914363" rtl="0" eaLnBrk="1" latinLnBrk="0" hangingPunct="1">
+              <a:spcBef>
+                <a:spcPct val="20000"/>
+              </a:spcBef>
+              <a:buFont typeface="Arial" pitchFamily="34" charset="0"/>
+              <a:buChar char="•"/>
+              <a:defRPr sz="2000" kern="1200">
+                <a:solidFill>
+                  <a:schemeClr val="tx1"/>
+                </a:solidFill>
+                <a:latin typeface="+mn-lt"/>
+                <a:ea typeface="+mn-ea"/>
+                <a:cs typeface="+mn-cs"/>
+              </a:defRPr>
+            </a:lvl6pPr>
+            <a:lvl7pPr marL="2971681" indent="-228591" algn="l" defTabSz="914363" rtl="0" eaLnBrk="1" latinLnBrk="0" hangingPunct="1">
+              <a:spcBef>
+                <a:spcPct val="20000"/>
+              </a:spcBef>
+              <a:buFont typeface="Arial" pitchFamily="34" charset="0"/>
+              <a:buChar char="•"/>
+              <a:defRPr sz="2000" kern="1200">
+                <a:solidFill>
+                  <a:schemeClr val="tx1"/>
+                </a:solidFill>
+                <a:latin typeface="+mn-lt"/>
+                <a:ea typeface="+mn-ea"/>
+                <a:cs typeface="+mn-cs"/>
+              </a:defRPr>
+            </a:lvl7pPr>
+            <a:lvl8pPr marL="3428863" indent="-228591" algn="l" defTabSz="914363" rtl="0" eaLnBrk="1" latinLnBrk="0" hangingPunct="1">
+              <a:spcBef>
+                <a:spcPct val="20000"/>
+              </a:spcBef>
+              <a:buFont typeface="Arial" pitchFamily="34" charset="0"/>
+              <a:buChar char="•"/>
+              <a:defRPr sz="2000" kern="1200">
+                <a:solidFill>
+                  <a:schemeClr val="tx1"/>
+                </a:solidFill>
+                <a:latin typeface="+mn-lt"/>
+                <a:ea typeface="+mn-ea"/>
+                <a:cs typeface="+mn-cs"/>
+              </a:defRPr>
+            </a:lvl8pPr>
+            <a:lvl9pPr marL="3886045" indent="-228591" algn="l" defTabSz="914363" rtl="0" eaLnBrk="1" latinLnBrk="0" hangingPunct="1">
+              <a:spcBef>
+                <a:spcPct val="20000"/>
+              </a:spcBef>
+              <a:buFont typeface="Arial" pitchFamily="34" charset="0"/>
+              <a:buChar char="•"/>
+              <a:defRPr sz="2000" kern="1200">
+                <a:solidFill>
+                  <a:schemeClr val="tx1"/>
+                </a:solidFill>
+                <a:latin typeface="+mn-lt"/>
+                <a:ea typeface="+mn-ea"/>
+                <a:cs typeface="+mn-cs"/>
+              </a:defRPr>
+            </a:lvl9pPr>
+          </a:lstStyle>
+          <a:p>
+            <a:pPr marL="0" indent="0">
+              <a:spcAft>
+                <a:spcPts val="1200"/>
+              </a:spcAft>
+              <a:buNone/>
+            </a:pPr>
+            <a:r>
+              <a:rPr lang="en-US" sz="4000" dirty="0" smtClean="0">
+                <a:solidFill>
+                  <a:schemeClr val="accent2"/>
+                </a:solidFill>
+                <a:latin typeface="Segoe UI Light" pitchFamily="34" charset="0"/>
+              </a:rPr>
+              <a:t>Nuget Packages</a:t>
+            </a:r>
+          </a:p>
+          <a:p>
+            <a:pPr marL="0" lvl="1" indent="0">
+              <a:spcAft>
+                <a:spcPts val="1200"/>
+              </a:spcAft>
+              <a:buNone/>
+            </a:pPr>
+            <a:r>
+              <a:rPr lang="en-US" sz="3200" dirty="0" smtClean="0"/>
+              <a:t>WebApi</a:t>
+            </a:r>
+            <a:endParaRPr lang="en-US" sz="3200" dirty="0"/>
+          </a:p>
+          <a:p>
+            <a:pPr marL="0" lvl="1" indent="0">
+              <a:spcAft>
+                <a:spcPts val="1200"/>
+              </a:spcAft>
+              <a:buNone/>
+            </a:pPr>
+            <a:r>
+              <a:rPr lang="en-US" sz="3200" dirty="0" err="1" smtClean="0"/>
+              <a:t>WebApi.OData</a:t>
+            </a:r>
+            <a:endParaRPr lang="en-US" sz="3200" dirty="0"/>
+          </a:p>
+          <a:p>
+            <a:pPr marL="0" lvl="1" indent="0">
+              <a:spcAft>
+                <a:spcPts val="1200"/>
+              </a:spcAft>
+              <a:buNone/>
+            </a:pPr>
+            <a:r>
+              <a:rPr lang="en-US" sz="3200" dirty="0" err="1" smtClean="0"/>
+              <a:t>JsonValue</a:t>
+            </a:r>
+            <a:endParaRPr lang="en-US" sz="3200" dirty="0"/>
+          </a:p>
+          <a:p>
+            <a:pPr marL="0" lvl="1" indent="0">
+              <a:spcAft>
+                <a:spcPts val="1200"/>
+              </a:spcAft>
+              <a:buNone/>
+            </a:pPr>
+            <a:r>
+              <a:rPr lang="en-US" sz="3200" dirty="0" err="1" smtClean="0"/>
+              <a:t>HttpClient</a:t>
+            </a:r>
+            <a:endParaRPr lang="en-US" sz="3200" dirty="0"/>
+          </a:p>
+          <a:p>
+            <a:pPr marL="0" lvl="1" indent="0">
+              <a:spcAft>
+                <a:spcPts val="1200"/>
+              </a:spcAft>
+              <a:buNone/>
+            </a:pPr>
+            <a:r>
+              <a:rPr lang="en-US" sz="3200" dirty="0" err="1" smtClean="0"/>
+              <a:t>WebApi.Enhancements</a:t>
+            </a:r>
+            <a:endParaRPr lang="en-US" sz="3200" dirty="0"/>
+          </a:p>
+        </p:txBody>
+      </p:sp>
+      <p:pic>
+        <p:nvPicPr>
+          <p:cNvPr id="9" name="Picture 2"/>
+          <p:cNvPicPr>
+            <a:picLocks noChangeAspect="1" noChangeArrowheads="1"/>
+          </p:cNvPicPr>
+          <p:nvPr>
+            <p:custDataLst>
+              <p:tags r:id="rId5"/>
+            </p:custDataLst>
+          </p:nvPr>
+        </p:nvPicPr>
+        <p:blipFill>
+          <a:blip r:embed="rId10">
+            <a:extLst>
+              <a:ext uri="{28A0092B-C50C-407E-A947-70E740481C1C}">
+                <a14:useLocalDpi xmlns:a14="http://schemas.microsoft.com/office/drawing/2010/main" val="0"/>
+              </a:ext>
+            </a:extLst>
+          </a:blip>
+          <a:srcRect/>
+          <a:stretch>
+            <a:fillRect/>
+          </a:stretch>
+        </p:blipFill>
+        <p:spPr bwMode="auto">
+          <a:xfrm>
+            <a:off x="517525" y="1420813"/>
+            <a:ext cx="5556704" cy="3954626"/>
+          </a:xfrm>
+          <a:prstGeom prst="rect">
+            <a:avLst/>
+          </a:prstGeom>
+          <a:noFill/>
+          <a:ln>
+            <a:noFill/>
+          </a:ln>
+          <a:effectLst/>
+          <a:extLst>
+            <a:ext uri="{909E8E84-426E-40DD-AFC4-6F175D3DCCD1}">
+              <a14:hiddenFill xmlns:a14="http://schemas.microsoft.com/office/drawing/2010/main">
+                <a:solidFill>
+                  <a:schemeClr val="accent1"/>
+                </a:solidFill>
+              </a14:hiddenFill>
+            </a:ext>
+            <a:ext uri="{91240B29-F687-4F45-9708-019B960494DF}">
+              <a14:hiddenLine xmlns:a14="http://schemas.microsoft.com/office/drawing/2010/main" w="9525">
+                <a:solidFill>
+                  <a:schemeClr val="tx1"/>
+                </a:solidFill>
+                <a:miter lim="800000"/>
+                <a:headEnd/>
+                <a:tailEnd/>
+              </a14:hiddenLine>
+            </a:ext>
+            <a:ext uri="{AF507438-7753-43E0-B8FC-AC1667EBCBE1}">
+              <a14:hiddenEffects xmlns:a14="http://schemas.microsoft.com/office/drawing/2010/main">
+                <a:effectLst>
+                  <a:outerShdw dist="35921" dir="2700000" algn="ctr" rotWithShape="0">
+                    <a:schemeClr val="bg2"/>
+                  </a:outerShdw>
+                </a:effectLst>
+              </a14:hiddenEffects>
+            </a:ext>
+          </a:extLst>
+        </p:spPr>
+      </p:pic>
+    </p:spTree>
+    <p:extLst>
+      <p:ext uri="{BB962C8B-B14F-4D97-AF65-F5344CB8AC3E}">
+        <p14:creationId xmlns:p14="http://schemas.microsoft.com/office/powerpoint/2010/main" val="3053568541"/>
+      </p:ext>
+    </p:extLst>
+  </p:cSld>
+  <p:clrMapOvr>
+    <a:masterClrMapping/>
+  </p:clrMapOvr>
+  <mc:AlternateContent xmlns:mc="http://schemas.openxmlformats.org/markup-compatibility/2006" xmlns:p14="http://schemas.microsoft.com/office/powerpoint/2010/main">
+    <mc:Choice Requires="p14">
+      <p:transition spd="med" p14:dur="700">
+        <p:fade/>
+      </p:transition>
+    </mc:Choice>
+    <mc:Fallback xmlns="">
+      <p:transition spd="med">
+        <p:fade/>
+      </p:transition>
+    </mc:Fallback>
+  </mc:AlternateContent>
+  <p:timing>
+    <p:tnLst>
+      <p:par>
+        <p:cTn id="1" dur="indefinite" restart="never" nodeType="tmRoot"/>
+      </p:par>
+    </p:tnLst>
+  </p:timing>
+</p:sld>
+</file>
+
+<file path=ppt/slides/slide9.xml><?xml version="1.0" encoding="utf-8"?>
+<p:sld xmlns:a="http://schemas.openxmlformats.org/drawingml/2006/main" xmlns:r="http://schemas.openxmlformats.org/officeDocument/2006/relationships" xmlns:p="http://schemas.openxmlformats.org/presentationml/2006/main">
+  <p:cSld>
+    <p:spTree>
+      <p:nvGrpSpPr>
+        <p:cNvPr id="1" name=""/>
+        <p:cNvGrpSpPr/>
+        <p:nvPr/>
+      </p:nvGrpSpPr>
+      <p:grpSpPr>
+        <a:xfrm>
+          <a:off x="0" y="0"/>
+          <a:ext cx="0" cy="0"/>
+          <a:chOff x="0" y="0"/>
+          <a:chExt cx="0" cy="0"/>
+        </a:xfrm>
+      </p:grpSpPr>
+      <p:graphicFrame>
+        <p:nvGraphicFramePr>
+          <p:cNvPr id="3" name="Object 2" hidden="1"/>
+          <p:cNvGraphicFramePr>
+            <a:graphicFrameLocks noChangeAspect="1"/>
+          </p:cNvGraphicFramePr>
+          <p:nvPr>
+            <p:custDataLst>
+              <p:tags r:id="rId2"/>
+            </p:custDataLst>
+            <p:extLst>
+              <p:ext uri="{D42A27DB-BD31-4B8C-83A1-F6EECF244321}">
                 <p14:modId xmlns:p14="http://schemas.microsoft.com/office/powerpoint/2010/main" val="4042091960"/>
               </p:ext>
             </p:extLst>
@@ -39950,7 +41799,7 @@
           <a:graphicData uri="http://schemas.openxmlformats.org/presentationml/2006/ole">
             <mc:AlternateContent xmlns:mc="http://schemas.openxmlformats.org/markup-compatibility/2006">
               <mc:Choice xmlns:v="urn:schemas-microsoft-com:vml" Requires="v">
-                <p:oleObj spid="_x0000_s29768" name="think-cell Slide" r:id="rId7" imgW="270" imgH="270" progId="TCLayout.ActiveDocument.1">
+                <p:oleObj spid="_x0000_s29771" name="think-cell Slide" r:id="rId7" imgW="270" imgH="270" progId="TCLayout.ActiveDocument.1">
                   <p:embed/>
                 </p:oleObj>
               </mc:Choice>
@@ -41045,1879 +42894,6 @@
 </p:sld>
 </file>
 
-<file path=ppt/slides/slide7.xml><?xml version="1.0" encoding="utf-8"?>
-<p:sld xmlns:a="http://schemas.openxmlformats.org/drawingml/2006/main" xmlns:r="http://schemas.openxmlformats.org/officeDocument/2006/relationships" xmlns:p="http://schemas.openxmlformats.org/presentationml/2006/main">
-  <p:cSld>
-    <p:spTree>
-      <p:nvGrpSpPr>
-        <p:cNvPr id="1" name=""/>
-        <p:cNvGrpSpPr/>
-        <p:nvPr/>
-      </p:nvGrpSpPr>
-      <p:grpSpPr>
-        <a:xfrm>
-          <a:off x="0" y="0"/>
-          <a:ext cx="0" cy="0"/>
-          <a:chOff x="0" y="0"/>
-          <a:chExt cx="0" cy="0"/>
-        </a:xfrm>
-      </p:grpSpPr>
-      <p:sp>
-        <p:nvSpPr>
-          <p:cNvPr id="15" name="Rectangle 14"/>
-          <p:cNvSpPr/>
-          <p:nvPr/>
-        </p:nvSpPr>
-        <p:spPr bwMode="auto">
-          <a:xfrm>
-            <a:off x="-1" y="2971258"/>
-            <a:ext cx="12188825" cy="3108543"/>
-          </a:xfrm>
-          <a:prstGeom prst="rect">
-            <a:avLst/>
-          </a:prstGeom>
-          <a:solidFill>
-            <a:schemeClr val="accent2">
-              <a:lumMod val="20000"/>
-              <a:lumOff val="80000"/>
-            </a:schemeClr>
-          </a:solidFill>
-          <a:ln>
-            <a:noFill/>
-            <a:headEnd type="none" w="med" len="med"/>
-            <a:tailEnd type="none" w="med" len="med"/>
-          </a:ln>
-          <a:effectLst/>
-        </p:spPr>
-        <p:style>
-          <a:lnRef idx="1">
-            <a:schemeClr val="accent2"/>
-          </a:lnRef>
-          <a:fillRef idx="3">
-            <a:schemeClr val="accent2"/>
-          </a:fillRef>
-          <a:effectRef idx="2">
-            <a:schemeClr val="accent2"/>
-          </a:effectRef>
-          <a:fontRef idx="minor">
-            <a:schemeClr val="lt1"/>
-          </a:fontRef>
-        </p:style>
-        <p:txBody>
-          <a:bodyPr vert="horz" wrap="square" lIns="91436" tIns="45718" rIns="91436" bIns="45718" numCol="1" rtlCol="0" anchor="ctr" anchorCtr="0" compatLnSpc="1">
-            <a:prstTxWarp prst="textNoShape">
-              <a:avLst/>
-            </a:prstTxWarp>
-          </a:bodyPr>
-          <a:lstStyle/>
-          <a:p>
-            <a:pPr algn="ctr" defTabSz="914099" fontAlgn="base">
-              <a:spcBef>
-                <a:spcPct val="0"/>
-              </a:spcBef>
-              <a:spcAft>
-                <a:spcPct val="0"/>
-              </a:spcAft>
-            </a:pPr>
-            <a:endParaRPr lang="en-US" sz="2200" dirty="0" smtClean="0">
-              <a:gradFill>
-                <a:gsLst>
-                  <a:gs pos="0">
-                    <a:srgbClr val="FFFFFF"/>
-                  </a:gs>
-                  <a:gs pos="100000">
-                    <a:srgbClr val="FFFFFF"/>
-                  </a:gs>
-                </a:gsLst>
-                <a:lin ang="5400000" scaled="0"/>
-              </a:gradFill>
-            </a:endParaRPr>
-          </a:p>
-        </p:txBody>
-      </p:sp>
-      <p:sp>
-        <p:nvSpPr>
-          <p:cNvPr id="14" name="Rectangle 13"/>
-          <p:cNvSpPr/>
-          <p:nvPr/>
-        </p:nvSpPr>
-        <p:spPr bwMode="auto">
-          <a:xfrm>
-            <a:off x="0" y="1698670"/>
-            <a:ext cx="12188825" cy="1166331"/>
-          </a:xfrm>
-          <a:prstGeom prst="rect">
-            <a:avLst/>
-          </a:prstGeom>
-          <a:solidFill>
-            <a:schemeClr val="accent2">
-              <a:lumMod val="20000"/>
-              <a:lumOff val="80000"/>
-            </a:schemeClr>
-          </a:solidFill>
-          <a:ln>
-            <a:noFill/>
-            <a:headEnd type="none" w="med" len="med"/>
-            <a:tailEnd type="none" w="med" len="med"/>
-          </a:ln>
-          <a:effectLst/>
-        </p:spPr>
-        <p:style>
-          <a:lnRef idx="1">
-            <a:schemeClr val="accent2"/>
-          </a:lnRef>
-          <a:fillRef idx="3">
-            <a:schemeClr val="accent2"/>
-          </a:fillRef>
-          <a:effectRef idx="2">
-            <a:schemeClr val="accent2"/>
-          </a:effectRef>
-          <a:fontRef idx="minor">
-            <a:schemeClr val="lt1"/>
-          </a:fontRef>
-        </p:style>
-        <p:txBody>
-          <a:bodyPr vert="horz" wrap="square" lIns="91436" tIns="45718" rIns="91436" bIns="45718" numCol="1" rtlCol="0" anchor="ctr" anchorCtr="0" compatLnSpc="1">
-            <a:prstTxWarp prst="textNoShape">
-              <a:avLst/>
-            </a:prstTxWarp>
-          </a:bodyPr>
-          <a:lstStyle/>
-          <a:p>
-            <a:pPr algn="ctr" defTabSz="914099" fontAlgn="base">
-              <a:spcBef>
-                <a:spcPct val="0"/>
-              </a:spcBef>
-              <a:spcAft>
-                <a:spcPct val="0"/>
-              </a:spcAft>
-            </a:pPr>
-            <a:endParaRPr lang="en-US" sz="2200" dirty="0" smtClean="0">
-              <a:gradFill>
-                <a:gsLst>
-                  <a:gs pos="0">
-                    <a:srgbClr val="FFFFFF"/>
-                  </a:gs>
-                  <a:gs pos="100000">
-                    <a:srgbClr val="FFFFFF"/>
-                  </a:gs>
-                </a:gsLst>
-                <a:lin ang="5400000" scaled="0"/>
-              </a:gradFill>
-            </a:endParaRPr>
-          </a:p>
-        </p:txBody>
-      </p:sp>
-      <p:sp>
-        <p:nvSpPr>
-          <p:cNvPr id="3" name="Title 2"/>
-          <p:cNvSpPr>
-            <a:spLocks noGrp="1"/>
-          </p:cNvSpPr>
-          <p:nvPr>
-            <p:ph type="title"/>
-          </p:nvPr>
-        </p:nvSpPr>
-        <p:spPr>
-          <a:xfrm>
-            <a:off x="519112" y="228600"/>
-            <a:ext cx="11149013" cy="664797"/>
-          </a:xfrm>
-        </p:spPr>
-        <p:txBody>
-          <a:bodyPr/>
-          <a:lstStyle/>
-          <a:p>
-            <a:r>
-              <a:rPr lang="en-US" sz="4800" dirty="0" smtClean="0"/>
-              <a:t>Sample Read-only Model and Controller</a:t>
-            </a:r>
-            <a:endParaRPr lang="en-US" sz="4800" dirty="0"/>
-          </a:p>
-        </p:txBody>
-      </p:sp>
-      <p:sp>
-        <p:nvSpPr>
-          <p:cNvPr id="5" name="TextBox 4"/>
-          <p:cNvSpPr txBox="1"/>
-          <p:nvPr/>
-        </p:nvSpPr>
-        <p:spPr>
-          <a:xfrm>
-            <a:off x="5130025" y="1695450"/>
-            <a:ext cx="6211891" cy="1169551"/>
-          </a:xfrm>
-          <a:prstGeom prst="rect">
-            <a:avLst/>
-          </a:prstGeom>
-          <a:solidFill>
-            <a:schemeClr val="accent6"/>
-          </a:solidFill>
-          <a:ln>
-            <a:noFill/>
-          </a:ln>
-          <a:effectLst/>
-        </p:spPr>
-        <p:style>
-          <a:lnRef idx="3">
-            <a:schemeClr val="lt1"/>
-          </a:lnRef>
-          <a:fillRef idx="1">
-            <a:schemeClr val="accent3"/>
-          </a:fillRef>
-          <a:effectRef idx="1">
-            <a:schemeClr val="accent3"/>
-          </a:effectRef>
-          <a:fontRef idx="minor">
-            <a:schemeClr val="lt1"/>
-          </a:fontRef>
-        </p:style>
-        <p:txBody>
-          <a:bodyPr wrap="square" rtlCol="0">
-            <a:spAutoFit/>
-          </a:bodyPr>
-          <a:lstStyle/>
-          <a:p>
-            <a:r>
-              <a:rPr lang="en-US" sz="1400" dirty="0">
-                <a:solidFill>
-                  <a:schemeClr val="lt1">
-                    <a:alpha val="99000"/>
-                  </a:schemeClr>
-                </a:solidFill>
-                <a:latin typeface="Consolas" pitchFamily="49" charset="0"/>
-                <a:cs typeface="Consolas" pitchFamily="49" charset="0"/>
-              </a:rPr>
-              <a:t>public class Person</a:t>
-            </a:r>
-          </a:p>
-          <a:p>
-            <a:r>
-              <a:rPr lang="en-US" sz="1400" dirty="0">
-                <a:solidFill>
-                  <a:schemeClr val="lt1">
-                    <a:alpha val="99000"/>
-                  </a:schemeClr>
-                </a:solidFill>
-                <a:latin typeface="Consolas" pitchFamily="49" charset="0"/>
-                <a:cs typeface="Consolas" pitchFamily="49" charset="0"/>
-              </a:rPr>
-              <a:t>{</a:t>
-            </a:r>
-          </a:p>
-          <a:p>
-            <a:r>
-              <a:rPr lang="en-US" sz="1400" dirty="0">
-                <a:solidFill>
-                  <a:schemeClr val="lt1">
-                    <a:alpha val="99000"/>
-                  </a:schemeClr>
-                </a:solidFill>
-                <a:latin typeface="Consolas" pitchFamily="49" charset="0"/>
-                <a:cs typeface="Consolas" pitchFamily="49" charset="0"/>
-              </a:rPr>
-              <a:t>    public </a:t>
-            </a:r>
-            <a:r>
-              <a:rPr lang="en-US" sz="1400" dirty="0" err="1">
-                <a:solidFill>
-                  <a:schemeClr val="lt1">
-                    <a:alpha val="99000"/>
-                  </a:schemeClr>
-                </a:solidFill>
-                <a:latin typeface="Consolas" pitchFamily="49" charset="0"/>
-                <a:cs typeface="Consolas" pitchFamily="49" charset="0"/>
-              </a:rPr>
-              <a:t>int</a:t>
-            </a:r>
-            <a:r>
-              <a:rPr lang="en-US" sz="1400" dirty="0">
-                <a:solidFill>
-                  <a:schemeClr val="lt1">
-                    <a:alpha val="99000"/>
-                  </a:schemeClr>
-                </a:solidFill>
-                <a:latin typeface="Consolas" pitchFamily="49" charset="0"/>
-                <a:cs typeface="Consolas" pitchFamily="49" charset="0"/>
-              </a:rPr>
-              <a:t> Id { get; set; }</a:t>
-            </a:r>
-          </a:p>
-          <a:p>
-            <a:r>
-              <a:rPr lang="en-US" sz="1400" dirty="0">
-                <a:solidFill>
-                  <a:schemeClr val="lt1">
-                    <a:alpha val="99000"/>
-                  </a:schemeClr>
-                </a:solidFill>
-                <a:latin typeface="Consolas" pitchFamily="49" charset="0"/>
-                <a:cs typeface="Consolas" pitchFamily="49" charset="0"/>
-              </a:rPr>
-              <a:t>    public string Name { get; set; }</a:t>
-            </a:r>
-          </a:p>
-          <a:p>
-            <a:r>
-              <a:rPr lang="en-US" sz="1400" dirty="0">
-                <a:solidFill>
-                  <a:schemeClr val="lt1">
-                    <a:alpha val="99000"/>
-                  </a:schemeClr>
-                </a:solidFill>
-                <a:latin typeface="Consolas" pitchFamily="49" charset="0"/>
-                <a:cs typeface="Consolas" pitchFamily="49" charset="0"/>
-              </a:rPr>
-              <a:t>}</a:t>
-            </a:r>
-            <a:endParaRPr lang="en-US" sz="1400" dirty="0" smtClean="0">
-              <a:solidFill>
-                <a:schemeClr val="lt1">
-                  <a:alpha val="99000"/>
-                </a:schemeClr>
-              </a:solidFill>
-              <a:latin typeface="Consolas" pitchFamily="49" charset="0"/>
-              <a:cs typeface="Consolas" pitchFamily="49" charset="0"/>
-            </a:endParaRPr>
-          </a:p>
-        </p:txBody>
-      </p:sp>
-      <p:sp>
-        <p:nvSpPr>
-          <p:cNvPr id="8" name="Rectangle 7"/>
-          <p:cNvSpPr/>
-          <p:nvPr/>
-        </p:nvSpPr>
-        <p:spPr>
-          <a:xfrm>
-            <a:off x="433839" y="1698670"/>
-            <a:ext cx="2167838" cy="1077218"/>
-          </a:xfrm>
-          <a:prstGeom prst="rect">
-            <a:avLst/>
-          </a:prstGeom>
-        </p:spPr>
-        <p:txBody>
-          <a:bodyPr wrap="none">
-            <a:spAutoFit/>
-          </a:bodyPr>
-          <a:lstStyle/>
-          <a:p>
-            <a:r>
-              <a:rPr lang="en-US" sz="4000" dirty="0" smtClean="0">
-                <a:solidFill>
-                  <a:schemeClr val="accent2">
-                    <a:alpha val="99000"/>
-                  </a:schemeClr>
-                </a:solidFill>
-                <a:latin typeface="Segoe UI Light" pitchFamily="34" charset="0"/>
-              </a:rPr>
-              <a:t>Step 1:</a:t>
-            </a:r>
-            <a:endParaRPr lang="en-US" sz="4000" dirty="0">
-              <a:solidFill>
-                <a:schemeClr val="accent2">
-                  <a:alpha val="99000"/>
-                </a:schemeClr>
-              </a:solidFill>
-              <a:latin typeface="Segoe UI Light" pitchFamily="34" charset="0"/>
-            </a:endParaRPr>
-          </a:p>
-          <a:p>
-            <a:r>
-              <a:rPr lang="en-US" dirty="0" smtClean="0">
-                <a:solidFill>
-                  <a:schemeClr val="tx2">
-                    <a:alpha val="99000"/>
-                  </a:schemeClr>
-                </a:solidFill>
-                <a:latin typeface="Segoe UI Light" pitchFamily="34" charset="0"/>
-              </a:rPr>
-              <a:t>Create a Model</a:t>
-            </a:r>
-            <a:endParaRPr lang="en-US" dirty="0">
-              <a:solidFill>
-                <a:schemeClr val="tx2">
-                  <a:alpha val="99000"/>
-                </a:schemeClr>
-              </a:solidFill>
-              <a:latin typeface="Segoe UI Light" pitchFamily="34" charset="0"/>
-            </a:endParaRPr>
-          </a:p>
-        </p:txBody>
-      </p:sp>
-      <p:sp>
-        <p:nvSpPr>
-          <p:cNvPr id="9" name="TextBox 8"/>
-          <p:cNvSpPr txBox="1"/>
-          <p:nvPr/>
-        </p:nvSpPr>
-        <p:spPr>
-          <a:xfrm>
-            <a:off x="5130023" y="2971258"/>
-            <a:ext cx="6211893" cy="3108543"/>
-          </a:xfrm>
-          <a:prstGeom prst="rect">
-            <a:avLst/>
-          </a:prstGeom>
-          <a:solidFill>
-            <a:schemeClr val="accent6"/>
-          </a:solidFill>
-          <a:ln>
-            <a:noFill/>
-          </a:ln>
-          <a:effectLst/>
-        </p:spPr>
-        <p:style>
-          <a:lnRef idx="3">
-            <a:schemeClr val="lt1"/>
-          </a:lnRef>
-          <a:fillRef idx="1">
-            <a:schemeClr val="accent3"/>
-          </a:fillRef>
-          <a:effectRef idx="1">
-            <a:schemeClr val="accent3"/>
-          </a:effectRef>
-          <a:fontRef idx="minor">
-            <a:schemeClr val="lt1"/>
-          </a:fontRef>
-        </p:style>
-        <p:txBody>
-          <a:bodyPr wrap="square" rtlCol="0">
-            <a:spAutoFit/>
-          </a:bodyPr>
-          <a:lstStyle/>
-          <a:p>
-            <a:r>
-              <a:rPr lang="en-US" sz="1400" dirty="0">
-                <a:solidFill>
-                  <a:schemeClr val="lt1">
-                    <a:alpha val="99000"/>
-                  </a:schemeClr>
-                </a:solidFill>
-                <a:latin typeface="Consolas" pitchFamily="49" charset="0"/>
-                <a:cs typeface="Consolas" pitchFamily="49" charset="0"/>
-              </a:rPr>
-              <a:t>public class </a:t>
-            </a:r>
-            <a:r>
-              <a:rPr lang="en-US" sz="1400" dirty="0" err="1">
-                <a:solidFill>
-                  <a:schemeClr val="lt1">
-                    <a:alpha val="99000"/>
-                  </a:schemeClr>
-                </a:solidFill>
-                <a:latin typeface="Consolas" pitchFamily="49" charset="0"/>
-                <a:cs typeface="Consolas" pitchFamily="49" charset="0"/>
-              </a:rPr>
-              <a:t>PersonController</a:t>
-            </a:r>
-            <a:r>
-              <a:rPr lang="en-US" sz="1400" dirty="0">
-                <a:solidFill>
-                  <a:schemeClr val="lt1">
-                    <a:alpha val="99000"/>
-                  </a:schemeClr>
-                </a:solidFill>
-                <a:latin typeface="Consolas" pitchFamily="49" charset="0"/>
-                <a:cs typeface="Consolas" pitchFamily="49" charset="0"/>
-              </a:rPr>
-              <a:t> : </a:t>
-            </a:r>
-            <a:r>
-              <a:rPr lang="en-US" sz="1400" dirty="0" err="1">
-                <a:solidFill>
-                  <a:schemeClr val="accent4">
-                    <a:lumMod val="40000"/>
-                    <a:lumOff val="60000"/>
-                    <a:alpha val="99000"/>
-                  </a:schemeClr>
-                </a:solidFill>
-                <a:latin typeface="Consolas" pitchFamily="49" charset="0"/>
-                <a:cs typeface="Consolas" pitchFamily="49" charset="0"/>
-              </a:rPr>
-              <a:t>ApiController</a:t>
-            </a:r>
-            <a:endParaRPr lang="en-US" sz="1400" dirty="0">
-              <a:solidFill>
-                <a:schemeClr val="accent4">
-                  <a:lumMod val="40000"/>
-                  <a:lumOff val="60000"/>
-                  <a:alpha val="99000"/>
-                </a:schemeClr>
-              </a:solidFill>
-              <a:latin typeface="Consolas" pitchFamily="49" charset="0"/>
-              <a:cs typeface="Consolas" pitchFamily="49" charset="0"/>
-            </a:endParaRPr>
-          </a:p>
-          <a:p>
-            <a:r>
-              <a:rPr lang="en-US" sz="1400" dirty="0">
-                <a:solidFill>
-                  <a:schemeClr val="lt1">
-                    <a:alpha val="99000"/>
-                  </a:schemeClr>
-                </a:solidFill>
-                <a:latin typeface="Consolas" pitchFamily="49" charset="0"/>
-                <a:cs typeface="Consolas" pitchFamily="49" charset="0"/>
-              </a:rPr>
-              <a:t>{</a:t>
-            </a:r>
-          </a:p>
-          <a:p>
-            <a:r>
-              <a:rPr lang="en-US" sz="1400" dirty="0">
-                <a:solidFill>
-                  <a:schemeClr val="lt1">
-                    <a:alpha val="99000"/>
-                  </a:schemeClr>
-                </a:solidFill>
-                <a:latin typeface="Consolas" pitchFamily="49" charset="0"/>
-                <a:cs typeface="Consolas" pitchFamily="49" charset="0"/>
-              </a:rPr>
-              <a:t>    List&lt;Person&gt; _people</a:t>
-            </a:r>
-            <a:r>
-              <a:rPr lang="en-US" sz="1400" dirty="0" smtClean="0">
-                <a:solidFill>
-                  <a:schemeClr val="lt1">
-                    <a:alpha val="99000"/>
-                  </a:schemeClr>
-                </a:solidFill>
-                <a:latin typeface="Consolas" pitchFamily="49" charset="0"/>
-                <a:cs typeface="Consolas" pitchFamily="49" charset="0"/>
-              </a:rPr>
-              <a:t>;</a:t>
-            </a:r>
-            <a:endParaRPr lang="en-US" sz="1400" dirty="0">
-              <a:solidFill>
-                <a:schemeClr val="lt1">
-                  <a:alpha val="99000"/>
-                </a:schemeClr>
-              </a:solidFill>
-              <a:latin typeface="Consolas" pitchFamily="49" charset="0"/>
-              <a:cs typeface="Consolas" pitchFamily="49" charset="0"/>
-            </a:endParaRPr>
-          </a:p>
-          <a:p>
-            <a:r>
-              <a:rPr lang="en-US" sz="1400" dirty="0">
-                <a:solidFill>
-                  <a:schemeClr val="lt1">
-                    <a:alpha val="99000"/>
-                  </a:schemeClr>
-                </a:solidFill>
-                <a:latin typeface="Consolas" pitchFamily="49" charset="0"/>
-                <a:cs typeface="Consolas" pitchFamily="49" charset="0"/>
-              </a:rPr>
-              <a:t>    public </a:t>
-            </a:r>
-            <a:r>
-              <a:rPr lang="en-US" sz="1400" dirty="0" err="1">
-                <a:solidFill>
-                  <a:schemeClr val="lt1">
-                    <a:alpha val="99000"/>
-                  </a:schemeClr>
-                </a:solidFill>
-                <a:latin typeface="Consolas" pitchFamily="49" charset="0"/>
-                <a:cs typeface="Consolas" pitchFamily="49" charset="0"/>
-              </a:rPr>
-              <a:t>PersonController</a:t>
-            </a:r>
-            <a:r>
-              <a:rPr lang="en-US" sz="1400" dirty="0">
-                <a:solidFill>
-                  <a:schemeClr val="lt1">
-                    <a:alpha val="99000"/>
-                  </a:schemeClr>
-                </a:solidFill>
-                <a:latin typeface="Consolas" pitchFamily="49" charset="0"/>
-                <a:cs typeface="Consolas" pitchFamily="49" charset="0"/>
-              </a:rPr>
-              <a:t>()</a:t>
-            </a:r>
-          </a:p>
-          <a:p>
-            <a:r>
-              <a:rPr lang="en-US" sz="1400" dirty="0">
-                <a:solidFill>
-                  <a:schemeClr val="lt1">
-                    <a:alpha val="99000"/>
-                  </a:schemeClr>
-                </a:solidFill>
-                <a:latin typeface="Consolas" pitchFamily="49" charset="0"/>
-                <a:cs typeface="Consolas" pitchFamily="49" charset="0"/>
-              </a:rPr>
-              <a:t>    {</a:t>
-            </a:r>
-          </a:p>
-          <a:p>
-            <a:r>
-              <a:rPr lang="en-US" sz="1400" dirty="0">
-                <a:solidFill>
-                  <a:schemeClr val="lt1">
-                    <a:alpha val="99000"/>
-                  </a:schemeClr>
-                </a:solidFill>
-                <a:latin typeface="Consolas" pitchFamily="49" charset="0"/>
-                <a:cs typeface="Consolas" pitchFamily="49" charset="0"/>
-              </a:rPr>
-              <a:t>        _people = new List&lt;Person&gt;();</a:t>
-            </a:r>
-          </a:p>
-          <a:p>
-            <a:r>
-              <a:rPr lang="en-US" sz="1400" dirty="0">
-                <a:solidFill>
-                  <a:schemeClr val="lt1">
-                    <a:alpha val="99000"/>
-                  </a:schemeClr>
-                </a:solidFill>
-                <a:latin typeface="Consolas" pitchFamily="49" charset="0"/>
-                <a:cs typeface="Consolas" pitchFamily="49" charset="0"/>
-              </a:rPr>
-              <a:t>        _</a:t>
-            </a:r>
-            <a:r>
-              <a:rPr lang="en-US" sz="1400" dirty="0" err="1">
-                <a:solidFill>
-                  <a:schemeClr val="lt1">
-                    <a:alpha val="99000"/>
-                  </a:schemeClr>
-                </a:solidFill>
-                <a:latin typeface="Consolas" pitchFamily="49" charset="0"/>
-                <a:cs typeface="Consolas" pitchFamily="49" charset="0"/>
-              </a:rPr>
-              <a:t>people.AddRange</a:t>
-            </a:r>
-            <a:r>
-              <a:rPr lang="en-US" sz="1400" dirty="0">
-                <a:solidFill>
-                  <a:schemeClr val="lt1">
-                    <a:alpha val="99000"/>
-                  </a:schemeClr>
-                </a:solidFill>
-                <a:latin typeface="Consolas" pitchFamily="49" charset="0"/>
-                <a:cs typeface="Consolas" pitchFamily="49" charset="0"/>
-              </a:rPr>
-              <a:t>(new Person[]</a:t>
-            </a:r>
-          </a:p>
-          <a:p>
-            <a:r>
-              <a:rPr lang="en-US" sz="1400" dirty="0">
-                <a:solidFill>
-                  <a:schemeClr val="lt1">
-                    <a:alpha val="99000"/>
-                  </a:schemeClr>
-                </a:solidFill>
-                <a:latin typeface="Consolas" pitchFamily="49" charset="0"/>
-                <a:cs typeface="Consolas" pitchFamily="49" charset="0"/>
-              </a:rPr>
-              <a:t>        {</a:t>
-            </a:r>
-          </a:p>
-          <a:p>
-            <a:r>
-              <a:rPr lang="en-US" sz="1400" dirty="0">
-                <a:solidFill>
-                  <a:schemeClr val="lt1">
-                    <a:alpha val="99000"/>
-                  </a:schemeClr>
-                </a:solidFill>
-                <a:latin typeface="Consolas" pitchFamily="49" charset="0"/>
-                <a:cs typeface="Consolas" pitchFamily="49" charset="0"/>
-              </a:rPr>
-              <a:t>            new Person { Id = 1, Name = "Chuck Norris" },</a:t>
-            </a:r>
-          </a:p>
-          <a:p>
-            <a:r>
-              <a:rPr lang="en-US" sz="1400" dirty="0">
-                <a:solidFill>
-                  <a:schemeClr val="lt1">
-                    <a:alpha val="99000"/>
-                  </a:schemeClr>
-                </a:solidFill>
-                <a:latin typeface="Consolas" pitchFamily="49" charset="0"/>
-                <a:cs typeface="Consolas" pitchFamily="49" charset="0"/>
-              </a:rPr>
-              <a:t>            new Person { Id = 2, Name = "David </a:t>
-            </a:r>
-            <a:r>
-              <a:rPr lang="en-US" sz="1400" dirty="0" err="1">
-                <a:solidFill>
-                  <a:schemeClr val="lt1">
-                    <a:alpha val="99000"/>
-                  </a:schemeClr>
-                </a:solidFill>
-                <a:latin typeface="Consolas" pitchFamily="49" charset="0"/>
-                <a:cs typeface="Consolas" pitchFamily="49" charset="0"/>
-              </a:rPr>
-              <a:t>Caradine</a:t>
-            </a:r>
-            <a:r>
-              <a:rPr lang="en-US" sz="1400" dirty="0">
-                <a:solidFill>
-                  <a:schemeClr val="lt1">
-                    <a:alpha val="99000"/>
-                  </a:schemeClr>
-                </a:solidFill>
-                <a:latin typeface="Consolas" pitchFamily="49" charset="0"/>
-                <a:cs typeface="Consolas" pitchFamily="49" charset="0"/>
-              </a:rPr>
-              <a:t>" </a:t>
-            </a:r>
-            <a:r>
-              <a:rPr lang="en-US" sz="1400" dirty="0" smtClean="0">
-                <a:solidFill>
-                  <a:schemeClr val="lt1">
-                    <a:alpha val="99000"/>
-                  </a:schemeClr>
-                </a:solidFill>
-                <a:latin typeface="Consolas" pitchFamily="49" charset="0"/>
-                <a:cs typeface="Consolas" pitchFamily="49" charset="0"/>
-              </a:rPr>
-              <a:t>},</a:t>
-            </a:r>
-          </a:p>
-          <a:p>
-            <a:r>
-              <a:rPr lang="en-US" sz="1400" dirty="0" smtClean="0">
-                <a:solidFill>
-                  <a:schemeClr val="lt1">
-                    <a:alpha val="99000"/>
-                  </a:schemeClr>
-                </a:solidFill>
-                <a:latin typeface="Consolas" pitchFamily="49" charset="0"/>
-                <a:cs typeface="Consolas" pitchFamily="49" charset="0"/>
-              </a:rPr>
-              <a:t>            new Person { Id = 3, Name = "Bruce Lee" }</a:t>
-            </a:r>
-          </a:p>
-          <a:p>
-            <a:r>
-              <a:rPr lang="en-US" sz="1400" dirty="0" smtClean="0">
-                <a:solidFill>
-                  <a:schemeClr val="lt1">
-                    <a:alpha val="99000"/>
-                  </a:schemeClr>
-                </a:solidFill>
-                <a:latin typeface="Consolas" pitchFamily="49" charset="0"/>
-                <a:cs typeface="Consolas" pitchFamily="49" charset="0"/>
-              </a:rPr>
-              <a:t>        </a:t>
-            </a:r>
-            <a:r>
-              <a:rPr lang="en-US" sz="1400" dirty="0">
-                <a:solidFill>
-                  <a:schemeClr val="lt1">
-                    <a:alpha val="99000"/>
-                  </a:schemeClr>
-                </a:solidFill>
-                <a:latin typeface="Consolas" pitchFamily="49" charset="0"/>
-                <a:cs typeface="Consolas" pitchFamily="49" charset="0"/>
-              </a:rPr>
-              <a:t>});</a:t>
-            </a:r>
-          </a:p>
-          <a:p>
-            <a:r>
-              <a:rPr lang="en-US" sz="1400" dirty="0">
-                <a:solidFill>
-                  <a:schemeClr val="lt1">
-                    <a:alpha val="99000"/>
-                  </a:schemeClr>
-                </a:solidFill>
-                <a:latin typeface="Consolas" pitchFamily="49" charset="0"/>
-                <a:cs typeface="Consolas" pitchFamily="49" charset="0"/>
-              </a:rPr>
-              <a:t>    }</a:t>
-            </a:r>
-          </a:p>
-          <a:p>
-            <a:r>
-              <a:rPr lang="en-US" sz="1400" dirty="0">
-                <a:solidFill>
-                  <a:schemeClr val="lt1">
-                    <a:alpha val="99000"/>
-                  </a:schemeClr>
-                </a:solidFill>
-                <a:latin typeface="Consolas" pitchFamily="49" charset="0"/>
-                <a:cs typeface="Consolas" pitchFamily="49" charset="0"/>
-              </a:rPr>
-              <a:t>}</a:t>
-            </a:r>
-            <a:endParaRPr lang="en-US" sz="1400" dirty="0" smtClean="0">
-              <a:solidFill>
-                <a:schemeClr val="lt1">
-                  <a:alpha val="99000"/>
-                </a:schemeClr>
-              </a:solidFill>
-              <a:latin typeface="Consolas" pitchFamily="49" charset="0"/>
-              <a:cs typeface="Consolas" pitchFamily="49" charset="0"/>
-            </a:endParaRPr>
-          </a:p>
-        </p:txBody>
-      </p:sp>
-      <p:sp>
-        <p:nvSpPr>
-          <p:cNvPr id="10" name="Rectangle 9"/>
-          <p:cNvSpPr/>
-          <p:nvPr/>
-        </p:nvSpPr>
-        <p:spPr>
-          <a:xfrm>
-            <a:off x="433838" y="2971258"/>
-            <a:ext cx="3156890" cy="1077218"/>
-          </a:xfrm>
-          <a:prstGeom prst="rect">
-            <a:avLst/>
-          </a:prstGeom>
-        </p:spPr>
-        <p:txBody>
-          <a:bodyPr wrap="none">
-            <a:spAutoFit/>
-          </a:bodyPr>
-          <a:lstStyle/>
-          <a:p>
-            <a:r>
-              <a:rPr lang="en-US" sz="4000" dirty="0" smtClean="0">
-                <a:solidFill>
-                  <a:schemeClr val="accent2">
-                    <a:alpha val="99000"/>
-                  </a:schemeClr>
-                </a:solidFill>
-                <a:latin typeface="Segoe UI Light" pitchFamily="34" charset="0"/>
-              </a:rPr>
-              <a:t>Step 2:</a:t>
-            </a:r>
-            <a:endParaRPr lang="en-US" sz="4000" dirty="0">
-              <a:solidFill>
-                <a:schemeClr val="accent2">
-                  <a:alpha val="99000"/>
-                </a:schemeClr>
-              </a:solidFill>
-              <a:latin typeface="Segoe UI Light" pitchFamily="34" charset="0"/>
-            </a:endParaRPr>
-          </a:p>
-          <a:p>
-            <a:r>
-              <a:rPr lang="en-US" dirty="0" smtClean="0">
-                <a:solidFill>
-                  <a:schemeClr val="tx2">
-                    <a:alpha val="99000"/>
-                  </a:schemeClr>
-                </a:solidFill>
-                <a:latin typeface="Segoe UI Light" pitchFamily="34" charset="0"/>
-              </a:rPr>
-              <a:t>Make an API Controller</a:t>
-            </a:r>
-            <a:endParaRPr lang="en-US" dirty="0">
-              <a:solidFill>
-                <a:schemeClr val="tx2">
-                  <a:alpha val="99000"/>
-                </a:schemeClr>
-              </a:solidFill>
-              <a:latin typeface="Segoe UI Light" pitchFamily="34" charset="0"/>
-            </a:endParaRPr>
-          </a:p>
-        </p:txBody>
-      </p:sp>
-    </p:spTree>
-    <p:extLst>
-      <p:ext uri="{BB962C8B-B14F-4D97-AF65-F5344CB8AC3E}">
-        <p14:creationId xmlns:p14="http://schemas.microsoft.com/office/powerpoint/2010/main" val="4173126892"/>
-      </p:ext>
-    </p:extLst>
-  </p:cSld>
-  <p:clrMapOvr>
-    <a:masterClrMapping/>
-  </p:clrMapOvr>
-  <p:transition>
-    <p:fade/>
-  </p:transition>
-  <p:timing>
-    <p:tnLst>
-      <p:par>
-        <p:cTn id="1" dur="indefinite" restart="never" nodeType="tmRoot"/>
-      </p:par>
-    </p:tnLst>
-  </p:timing>
-</p:sld>
-</file>
-
-<file path=ppt/slides/slide8.xml><?xml version="1.0" encoding="utf-8"?>
-<p:sld xmlns:a="http://schemas.openxmlformats.org/drawingml/2006/main" xmlns:r="http://schemas.openxmlformats.org/officeDocument/2006/relationships" xmlns:p="http://schemas.openxmlformats.org/presentationml/2006/main">
-  <p:cSld>
-    <p:spTree>
-      <p:nvGrpSpPr>
-        <p:cNvPr id="1" name=""/>
-        <p:cNvGrpSpPr/>
-        <p:nvPr/>
-      </p:nvGrpSpPr>
-      <p:grpSpPr>
-        <a:xfrm>
-          <a:off x="0" y="0"/>
-          <a:ext cx="0" cy="0"/>
-          <a:chOff x="0" y="0"/>
-          <a:chExt cx="0" cy="0"/>
-        </a:xfrm>
-      </p:grpSpPr>
-      <p:sp>
-        <p:nvSpPr>
-          <p:cNvPr id="15" name="Rectangle 14"/>
-          <p:cNvSpPr/>
-          <p:nvPr/>
-        </p:nvSpPr>
-        <p:spPr bwMode="auto">
-          <a:xfrm>
-            <a:off x="-1" y="3004814"/>
-            <a:ext cx="12188825" cy="1169551"/>
-          </a:xfrm>
-          <a:prstGeom prst="rect">
-            <a:avLst/>
-          </a:prstGeom>
-          <a:solidFill>
-            <a:schemeClr val="accent2">
-              <a:lumMod val="20000"/>
-              <a:lumOff val="80000"/>
-            </a:schemeClr>
-          </a:solidFill>
-          <a:ln>
-            <a:noFill/>
-            <a:headEnd type="none" w="med" len="med"/>
-            <a:tailEnd type="none" w="med" len="med"/>
-          </a:ln>
-          <a:effectLst/>
-        </p:spPr>
-        <p:style>
-          <a:lnRef idx="1">
-            <a:schemeClr val="accent2"/>
-          </a:lnRef>
-          <a:fillRef idx="3">
-            <a:schemeClr val="accent2"/>
-          </a:fillRef>
-          <a:effectRef idx="2">
-            <a:schemeClr val="accent2"/>
-          </a:effectRef>
-          <a:fontRef idx="minor">
-            <a:schemeClr val="lt1"/>
-          </a:fontRef>
-        </p:style>
-        <p:txBody>
-          <a:bodyPr vert="horz" wrap="square" lIns="91436" tIns="45718" rIns="91436" bIns="45718" numCol="1" rtlCol="0" anchor="ctr" anchorCtr="0" compatLnSpc="1">
-            <a:prstTxWarp prst="textNoShape">
-              <a:avLst/>
-            </a:prstTxWarp>
-          </a:bodyPr>
-          <a:lstStyle/>
-          <a:p>
-            <a:pPr algn="ctr" defTabSz="914099" fontAlgn="base">
-              <a:spcBef>
-                <a:spcPct val="0"/>
-              </a:spcBef>
-              <a:spcAft>
-                <a:spcPct val="0"/>
-              </a:spcAft>
-            </a:pPr>
-            <a:endParaRPr lang="en-US" sz="2200" dirty="0" smtClean="0">
-              <a:gradFill>
-                <a:gsLst>
-                  <a:gs pos="0">
-                    <a:srgbClr val="FFFFFF"/>
-                  </a:gs>
-                  <a:gs pos="100000">
-                    <a:srgbClr val="FFFFFF"/>
-                  </a:gs>
-                </a:gsLst>
-                <a:lin ang="5400000" scaled="0"/>
-              </a:gradFill>
-            </a:endParaRPr>
-          </a:p>
-        </p:txBody>
-      </p:sp>
-      <p:sp>
-        <p:nvSpPr>
-          <p:cNvPr id="14" name="Rectangle 13"/>
-          <p:cNvSpPr/>
-          <p:nvPr/>
-        </p:nvSpPr>
-        <p:spPr bwMode="auto">
-          <a:xfrm>
-            <a:off x="0" y="1698670"/>
-            <a:ext cx="12188825" cy="1166331"/>
-          </a:xfrm>
-          <a:prstGeom prst="rect">
-            <a:avLst/>
-          </a:prstGeom>
-          <a:solidFill>
-            <a:schemeClr val="accent2">
-              <a:lumMod val="20000"/>
-              <a:lumOff val="80000"/>
-            </a:schemeClr>
-          </a:solidFill>
-          <a:ln>
-            <a:noFill/>
-            <a:headEnd type="none" w="med" len="med"/>
-            <a:tailEnd type="none" w="med" len="med"/>
-          </a:ln>
-          <a:effectLst/>
-        </p:spPr>
-        <p:style>
-          <a:lnRef idx="1">
-            <a:schemeClr val="accent2"/>
-          </a:lnRef>
-          <a:fillRef idx="3">
-            <a:schemeClr val="accent2"/>
-          </a:fillRef>
-          <a:effectRef idx="2">
-            <a:schemeClr val="accent2"/>
-          </a:effectRef>
-          <a:fontRef idx="minor">
-            <a:schemeClr val="lt1"/>
-          </a:fontRef>
-        </p:style>
-        <p:txBody>
-          <a:bodyPr vert="horz" wrap="square" lIns="91436" tIns="45718" rIns="91436" bIns="45718" numCol="1" rtlCol="0" anchor="ctr" anchorCtr="0" compatLnSpc="1">
-            <a:prstTxWarp prst="textNoShape">
-              <a:avLst/>
-            </a:prstTxWarp>
-          </a:bodyPr>
-          <a:lstStyle/>
-          <a:p>
-            <a:pPr algn="ctr" defTabSz="914099" fontAlgn="base">
-              <a:spcBef>
-                <a:spcPct val="0"/>
-              </a:spcBef>
-              <a:spcAft>
-                <a:spcPct val="0"/>
-              </a:spcAft>
-            </a:pPr>
-            <a:endParaRPr lang="en-US" sz="2200" dirty="0" smtClean="0">
-              <a:gradFill>
-                <a:gsLst>
-                  <a:gs pos="0">
-                    <a:srgbClr val="FFFFFF"/>
-                  </a:gs>
-                  <a:gs pos="100000">
-                    <a:srgbClr val="FFFFFF"/>
-                  </a:gs>
-                </a:gsLst>
-                <a:lin ang="5400000" scaled="0"/>
-              </a:gradFill>
-            </a:endParaRPr>
-          </a:p>
-        </p:txBody>
-      </p:sp>
-      <p:sp>
-        <p:nvSpPr>
-          <p:cNvPr id="3" name="Title 2"/>
-          <p:cNvSpPr>
-            <a:spLocks noGrp="1"/>
-          </p:cNvSpPr>
-          <p:nvPr>
-            <p:ph type="title"/>
-          </p:nvPr>
-        </p:nvSpPr>
-        <p:spPr>
-          <a:xfrm>
-            <a:off x="519112" y="228600"/>
-            <a:ext cx="11149013" cy="664797"/>
-          </a:xfrm>
-        </p:spPr>
-        <p:txBody>
-          <a:bodyPr/>
-          <a:lstStyle/>
-          <a:p>
-            <a:r>
-              <a:rPr lang="en-US" sz="4800" dirty="0" smtClean="0"/>
-              <a:t>Read-only Controller Actions to return data</a:t>
-            </a:r>
-            <a:endParaRPr lang="en-US" sz="4800" dirty="0"/>
-          </a:p>
-        </p:txBody>
-      </p:sp>
-      <p:sp>
-        <p:nvSpPr>
-          <p:cNvPr id="5" name="TextBox 4"/>
-          <p:cNvSpPr txBox="1"/>
-          <p:nvPr/>
-        </p:nvSpPr>
-        <p:spPr>
-          <a:xfrm>
-            <a:off x="5130025" y="1695450"/>
-            <a:ext cx="5901497" cy="1169551"/>
-          </a:xfrm>
-          <a:prstGeom prst="rect">
-            <a:avLst/>
-          </a:prstGeom>
-          <a:solidFill>
-            <a:schemeClr val="accent6"/>
-          </a:solidFill>
-          <a:ln>
-            <a:noFill/>
-          </a:ln>
-          <a:effectLst/>
-        </p:spPr>
-        <p:style>
-          <a:lnRef idx="3">
-            <a:schemeClr val="lt1"/>
-          </a:lnRef>
-          <a:fillRef idx="1">
-            <a:schemeClr val="accent3"/>
-          </a:fillRef>
-          <a:effectRef idx="1">
-            <a:schemeClr val="accent3"/>
-          </a:effectRef>
-          <a:fontRef idx="minor">
-            <a:schemeClr val="lt1"/>
-          </a:fontRef>
-        </p:style>
-        <p:txBody>
-          <a:bodyPr wrap="square" rtlCol="0">
-            <a:spAutoFit/>
-          </a:bodyPr>
-          <a:lstStyle/>
-          <a:p>
-            <a:r>
-              <a:rPr lang="en-US" sz="1400" dirty="0">
-                <a:solidFill>
-                  <a:schemeClr val="lt1">
-                    <a:alpha val="99000"/>
-                  </a:schemeClr>
-                </a:solidFill>
-                <a:latin typeface="Consolas" pitchFamily="49" charset="0"/>
-                <a:cs typeface="Consolas" pitchFamily="49" charset="0"/>
-              </a:rPr>
-              <a:t>// GET /</a:t>
-            </a:r>
-            <a:r>
-              <a:rPr lang="en-US" sz="1400" dirty="0" err="1">
-                <a:solidFill>
-                  <a:schemeClr val="lt1">
-                    <a:alpha val="99000"/>
-                  </a:schemeClr>
-                </a:solidFill>
-                <a:latin typeface="Consolas" pitchFamily="49" charset="0"/>
-                <a:cs typeface="Consolas" pitchFamily="49" charset="0"/>
-              </a:rPr>
-              <a:t>api</a:t>
-            </a:r>
-            <a:r>
-              <a:rPr lang="en-US" sz="1400" dirty="0">
-                <a:solidFill>
-                  <a:schemeClr val="lt1">
-                    <a:alpha val="99000"/>
-                  </a:schemeClr>
-                </a:solidFill>
-                <a:latin typeface="Consolas" pitchFamily="49" charset="0"/>
-                <a:cs typeface="Consolas" pitchFamily="49" charset="0"/>
-              </a:rPr>
-              <a:t>/person</a:t>
-            </a:r>
-          </a:p>
-          <a:p>
-            <a:r>
-              <a:rPr lang="en-US" sz="1400" dirty="0">
-                <a:solidFill>
-                  <a:schemeClr val="lt1">
-                    <a:alpha val="99000"/>
-                  </a:schemeClr>
-                </a:solidFill>
-                <a:latin typeface="Consolas" pitchFamily="49" charset="0"/>
-                <a:cs typeface="Consolas" pitchFamily="49" charset="0"/>
-              </a:rPr>
-              <a:t>public </a:t>
-            </a:r>
-            <a:r>
-              <a:rPr lang="en-US" sz="1400" dirty="0" err="1">
-                <a:solidFill>
-                  <a:schemeClr val="lt1">
-                    <a:alpha val="99000"/>
-                  </a:schemeClr>
-                </a:solidFill>
-                <a:latin typeface="Consolas" pitchFamily="49" charset="0"/>
-                <a:cs typeface="Consolas" pitchFamily="49" charset="0"/>
-              </a:rPr>
-              <a:t>IEnumerable</a:t>
-            </a:r>
-            <a:r>
-              <a:rPr lang="en-US" sz="1400" dirty="0">
-                <a:solidFill>
-                  <a:schemeClr val="lt1">
-                    <a:alpha val="99000"/>
-                  </a:schemeClr>
-                </a:solidFill>
-                <a:latin typeface="Consolas" pitchFamily="49" charset="0"/>
-                <a:cs typeface="Consolas" pitchFamily="49" charset="0"/>
-              </a:rPr>
-              <a:t>&lt;</a:t>
-            </a:r>
-            <a:r>
-              <a:rPr lang="en-US" sz="1400" dirty="0">
-                <a:solidFill>
-                  <a:schemeClr val="accent4">
-                    <a:lumMod val="40000"/>
-                    <a:lumOff val="60000"/>
-                    <a:alpha val="99000"/>
-                  </a:schemeClr>
-                </a:solidFill>
-                <a:latin typeface="Consolas" pitchFamily="49" charset="0"/>
-                <a:cs typeface="Consolas" pitchFamily="49" charset="0"/>
-              </a:rPr>
-              <a:t>Person</a:t>
-            </a:r>
-            <a:r>
-              <a:rPr lang="en-US" sz="1400" dirty="0">
-                <a:solidFill>
-                  <a:schemeClr val="lt1">
-                    <a:alpha val="99000"/>
-                  </a:schemeClr>
-                </a:solidFill>
-                <a:latin typeface="Consolas" pitchFamily="49" charset="0"/>
-                <a:cs typeface="Consolas" pitchFamily="49" charset="0"/>
-              </a:rPr>
-              <a:t>&gt; Get()</a:t>
-            </a:r>
-          </a:p>
-          <a:p>
-            <a:r>
-              <a:rPr lang="en-US" sz="1400" dirty="0">
-                <a:solidFill>
-                  <a:schemeClr val="lt1">
-                    <a:alpha val="99000"/>
-                  </a:schemeClr>
-                </a:solidFill>
-                <a:latin typeface="Consolas" pitchFamily="49" charset="0"/>
-                <a:cs typeface="Consolas" pitchFamily="49" charset="0"/>
-              </a:rPr>
-              <a:t>{</a:t>
-            </a:r>
-          </a:p>
-          <a:p>
-            <a:r>
-              <a:rPr lang="en-US" sz="1400" dirty="0">
-                <a:solidFill>
-                  <a:schemeClr val="lt1">
-                    <a:alpha val="99000"/>
-                  </a:schemeClr>
-                </a:solidFill>
-                <a:latin typeface="Consolas" pitchFamily="49" charset="0"/>
-                <a:cs typeface="Consolas" pitchFamily="49" charset="0"/>
-              </a:rPr>
-              <a:t>    return _people;</a:t>
-            </a:r>
-          </a:p>
-          <a:p>
-            <a:r>
-              <a:rPr lang="en-US" sz="1400" dirty="0">
-                <a:solidFill>
-                  <a:schemeClr val="lt1">
-                    <a:alpha val="99000"/>
-                  </a:schemeClr>
-                </a:solidFill>
-                <a:latin typeface="Consolas" pitchFamily="49" charset="0"/>
-                <a:cs typeface="Consolas" pitchFamily="49" charset="0"/>
-              </a:rPr>
-              <a:t>}</a:t>
-            </a:r>
-            <a:endParaRPr lang="en-US" sz="1400" dirty="0" smtClean="0">
-              <a:solidFill>
-                <a:schemeClr val="lt1">
-                  <a:alpha val="99000"/>
-                </a:schemeClr>
-              </a:solidFill>
-              <a:latin typeface="Consolas" pitchFamily="49" charset="0"/>
-              <a:cs typeface="Consolas" pitchFamily="49" charset="0"/>
-            </a:endParaRPr>
-          </a:p>
-        </p:txBody>
-      </p:sp>
-      <p:sp>
-        <p:nvSpPr>
-          <p:cNvPr id="8" name="Rectangle 7"/>
-          <p:cNvSpPr/>
-          <p:nvPr/>
-        </p:nvSpPr>
-        <p:spPr>
-          <a:xfrm>
-            <a:off x="433839" y="1698670"/>
-            <a:ext cx="2485232" cy="1077218"/>
-          </a:xfrm>
-          <a:prstGeom prst="rect">
-            <a:avLst/>
-          </a:prstGeom>
-        </p:spPr>
-        <p:txBody>
-          <a:bodyPr wrap="none">
-            <a:spAutoFit/>
-          </a:bodyPr>
-          <a:lstStyle/>
-          <a:p>
-            <a:r>
-              <a:rPr lang="en-US" sz="4000" dirty="0" smtClean="0">
-                <a:solidFill>
-                  <a:schemeClr val="accent2">
-                    <a:alpha val="99000"/>
-                  </a:schemeClr>
-                </a:solidFill>
-                <a:latin typeface="Segoe UI Light" pitchFamily="34" charset="0"/>
-              </a:rPr>
-              <a:t>Step 3:</a:t>
-            </a:r>
-            <a:endParaRPr lang="en-US" sz="4000" dirty="0">
-              <a:solidFill>
-                <a:schemeClr val="accent2">
-                  <a:alpha val="99000"/>
-                </a:schemeClr>
-              </a:solidFill>
-              <a:latin typeface="Segoe UI Light" pitchFamily="34" charset="0"/>
-            </a:endParaRPr>
-          </a:p>
-          <a:p>
-            <a:r>
-              <a:rPr lang="en-US" dirty="0" smtClean="0">
-                <a:solidFill>
-                  <a:schemeClr val="tx2">
-                    <a:alpha val="99000"/>
-                  </a:schemeClr>
-                </a:solidFill>
-                <a:latin typeface="Segoe UI Light" pitchFamily="34" charset="0"/>
-              </a:rPr>
-              <a:t>Return everything</a:t>
-            </a:r>
-            <a:endParaRPr lang="en-US" dirty="0">
-              <a:solidFill>
-                <a:schemeClr val="tx2">
-                  <a:alpha val="99000"/>
-                </a:schemeClr>
-              </a:solidFill>
-              <a:latin typeface="Segoe UI Light" pitchFamily="34" charset="0"/>
-            </a:endParaRPr>
-          </a:p>
-        </p:txBody>
-      </p:sp>
-      <p:sp>
-        <p:nvSpPr>
-          <p:cNvPr id="9" name="TextBox 8"/>
-          <p:cNvSpPr txBox="1"/>
-          <p:nvPr/>
-        </p:nvSpPr>
-        <p:spPr>
-          <a:xfrm>
-            <a:off x="5130023" y="3004814"/>
-            <a:ext cx="5901499" cy="1169551"/>
-          </a:xfrm>
-          <a:prstGeom prst="rect">
-            <a:avLst/>
-          </a:prstGeom>
-          <a:solidFill>
-            <a:schemeClr val="accent6"/>
-          </a:solidFill>
-          <a:ln>
-            <a:noFill/>
-          </a:ln>
-          <a:effectLst/>
-        </p:spPr>
-        <p:style>
-          <a:lnRef idx="3">
-            <a:schemeClr val="lt1"/>
-          </a:lnRef>
-          <a:fillRef idx="1">
-            <a:schemeClr val="accent3"/>
-          </a:fillRef>
-          <a:effectRef idx="1">
-            <a:schemeClr val="accent3"/>
-          </a:effectRef>
-          <a:fontRef idx="minor">
-            <a:schemeClr val="lt1"/>
-          </a:fontRef>
-        </p:style>
-        <p:txBody>
-          <a:bodyPr wrap="square" rtlCol="0">
-            <a:spAutoFit/>
-          </a:bodyPr>
-          <a:lstStyle/>
-          <a:p>
-            <a:r>
-              <a:rPr lang="en-US" sz="1400" dirty="0">
-                <a:solidFill>
-                  <a:schemeClr val="lt1">
-                    <a:alpha val="99000"/>
-                  </a:schemeClr>
-                </a:solidFill>
-                <a:latin typeface="Consolas" pitchFamily="49" charset="0"/>
-                <a:cs typeface="Consolas" pitchFamily="49" charset="0"/>
-              </a:rPr>
-              <a:t>// GET /</a:t>
-            </a:r>
-            <a:r>
-              <a:rPr lang="en-US" sz="1400" dirty="0" err="1">
-                <a:solidFill>
-                  <a:schemeClr val="lt1">
-                    <a:alpha val="99000"/>
-                  </a:schemeClr>
-                </a:solidFill>
-                <a:latin typeface="Consolas" pitchFamily="49" charset="0"/>
-                <a:cs typeface="Consolas" pitchFamily="49" charset="0"/>
-              </a:rPr>
-              <a:t>api</a:t>
-            </a:r>
-            <a:r>
-              <a:rPr lang="en-US" sz="1400" dirty="0">
-                <a:solidFill>
-                  <a:schemeClr val="lt1">
-                    <a:alpha val="99000"/>
-                  </a:schemeClr>
-                </a:solidFill>
-                <a:latin typeface="Consolas" pitchFamily="49" charset="0"/>
-                <a:cs typeface="Consolas" pitchFamily="49" charset="0"/>
-              </a:rPr>
-              <a:t>/person/5</a:t>
-            </a:r>
-          </a:p>
-          <a:p>
-            <a:r>
-              <a:rPr lang="en-US" sz="1400" dirty="0">
-                <a:solidFill>
-                  <a:schemeClr val="lt1">
-                    <a:alpha val="99000"/>
-                  </a:schemeClr>
-                </a:solidFill>
-                <a:latin typeface="Consolas" pitchFamily="49" charset="0"/>
-                <a:cs typeface="Consolas" pitchFamily="49" charset="0"/>
-              </a:rPr>
-              <a:t>public </a:t>
-            </a:r>
-            <a:r>
-              <a:rPr lang="en-US" sz="1400" dirty="0" smtClean="0">
-                <a:solidFill>
-                  <a:schemeClr val="accent4">
-                    <a:lumMod val="40000"/>
-                    <a:lumOff val="60000"/>
-                    <a:alpha val="99000"/>
-                  </a:schemeClr>
-                </a:solidFill>
-                <a:latin typeface="Consolas" pitchFamily="49" charset="0"/>
-                <a:cs typeface="Consolas" pitchFamily="49" charset="0"/>
-              </a:rPr>
-              <a:t>Person</a:t>
-            </a:r>
-            <a:r>
-              <a:rPr lang="en-US" sz="1400" dirty="0" smtClean="0">
-                <a:solidFill>
-                  <a:schemeClr val="lt1">
-                    <a:alpha val="99000"/>
-                  </a:schemeClr>
-                </a:solidFill>
-                <a:latin typeface="Consolas" pitchFamily="49" charset="0"/>
-                <a:cs typeface="Consolas" pitchFamily="49" charset="0"/>
-              </a:rPr>
-              <a:t> Get(</a:t>
-            </a:r>
-            <a:r>
-              <a:rPr lang="en-US" sz="1400" dirty="0" err="1" smtClean="0">
-                <a:solidFill>
-                  <a:schemeClr val="lt1">
-                    <a:alpha val="99000"/>
-                  </a:schemeClr>
-                </a:solidFill>
-                <a:latin typeface="Consolas" pitchFamily="49" charset="0"/>
-                <a:cs typeface="Consolas" pitchFamily="49" charset="0"/>
-              </a:rPr>
-              <a:t>int</a:t>
-            </a:r>
-            <a:r>
-              <a:rPr lang="en-US" sz="1400" dirty="0" smtClean="0">
-                <a:solidFill>
-                  <a:schemeClr val="lt1">
-                    <a:alpha val="99000"/>
-                  </a:schemeClr>
-                </a:solidFill>
-                <a:latin typeface="Consolas" pitchFamily="49" charset="0"/>
-                <a:cs typeface="Consolas" pitchFamily="49" charset="0"/>
-              </a:rPr>
-              <a:t> </a:t>
-            </a:r>
-            <a:r>
-              <a:rPr lang="en-US" sz="1400" dirty="0">
-                <a:solidFill>
-                  <a:schemeClr val="lt1">
-                    <a:alpha val="99000"/>
-                  </a:schemeClr>
-                </a:solidFill>
-                <a:latin typeface="Consolas" pitchFamily="49" charset="0"/>
-                <a:cs typeface="Consolas" pitchFamily="49" charset="0"/>
-              </a:rPr>
-              <a:t>id)</a:t>
-            </a:r>
-          </a:p>
-          <a:p>
-            <a:r>
-              <a:rPr lang="en-US" sz="1400" dirty="0">
-                <a:solidFill>
-                  <a:schemeClr val="lt1">
-                    <a:alpha val="99000"/>
-                  </a:schemeClr>
-                </a:solidFill>
-                <a:latin typeface="Consolas" pitchFamily="49" charset="0"/>
-                <a:cs typeface="Consolas" pitchFamily="49" charset="0"/>
-              </a:rPr>
-              <a:t>{</a:t>
-            </a:r>
-          </a:p>
-          <a:p>
-            <a:r>
-              <a:rPr lang="en-US" sz="1400" dirty="0">
-                <a:solidFill>
-                  <a:schemeClr val="lt1">
-                    <a:alpha val="99000"/>
-                  </a:schemeClr>
-                </a:solidFill>
-                <a:latin typeface="Consolas" pitchFamily="49" charset="0"/>
-                <a:cs typeface="Consolas" pitchFamily="49" charset="0"/>
-              </a:rPr>
-              <a:t>    return _</a:t>
-            </a:r>
-            <a:r>
-              <a:rPr lang="en-US" sz="1400" dirty="0" err="1">
-                <a:solidFill>
-                  <a:schemeClr val="lt1">
-                    <a:alpha val="99000"/>
-                  </a:schemeClr>
-                </a:solidFill>
-                <a:latin typeface="Consolas" pitchFamily="49" charset="0"/>
-                <a:cs typeface="Consolas" pitchFamily="49" charset="0"/>
-              </a:rPr>
-              <a:t>people.First</a:t>
-            </a:r>
-            <a:r>
-              <a:rPr lang="en-US" sz="1400" dirty="0">
-                <a:solidFill>
-                  <a:schemeClr val="lt1">
-                    <a:alpha val="99000"/>
-                  </a:schemeClr>
-                </a:solidFill>
-                <a:latin typeface="Consolas" pitchFamily="49" charset="0"/>
-                <a:cs typeface="Consolas" pitchFamily="49" charset="0"/>
-              </a:rPr>
-              <a:t>(x =&gt; </a:t>
-            </a:r>
-            <a:r>
-              <a:rPr lang="en-US" sz="1400" dirty="0" err="1">
-                <a:solidFill>
-                  <a:schemeClr val="lt1">
-                    <a:alpha val="99000"/>
-                  </a:schemeClr>
-                </a:solidFill>
-                <a:latin typeface="Consolas" pitchFamily="49" charset="0"/>
-                <a:cs typeface="Consolas" pitchFamily="49" charset="0"/>
-              </a:rPr>
-              <a:t>x.Id</a:t>
-            </a:r>
-            <a:r>
-              <a:rPr lang="en-US" sz="1400" dirty="0">
-                <a:solidFill>
-                  <a:schemeClr val="lt1">
-                    <a:alpha val="99000"/>
-                  </a:schemeClr>
-                </a:solidFill>
-                <a:latin typeface="Consolas" pitchFamily="49" charset="0"/>
-                <a:cs typeface="Consolas" pitchFamily="49" charset="0"/>
-              </a:rPr>
-              <a:t> == id);</a:t>
-            </a:r>
-          </a:p>
-          <a:p>
-            <a:r>
-              <a:rPr lang="en-US" sz="1400" dirty="0">
-                <a:solidFill>
-                  <a:schemeClr val="lt1">
-                    <a:alpha val="99000"/>
-                  </a:schemeClr>
-                </a:solidFill>
-                <a:latin typeface="Consolas" pitchFamily="49" charset="0"/>
-                <a:cs typeface="Consolas" pitchFamily="49" charset="0"/>
-              </a:rPr>
-              <a:t>}</a:t>
-            </a:r>
-            <a:endParaRPr lang="en-US" sz="1400" dirty="0" smtClean="0">
-              <a:solidFill>
-                <a:schemeClr val="lt1">
-                  <a:alpha val="99000"/>
-                </a:schemeClr>
-              </a:solidFill>
-              <a:latin typeface="Consolas" pitchFamily="49" charset="0"/>
-              <a:cs typeface="Consolas" pitchFamily="49" charset="0"/>
-            </a:endParaRPr>
-          </a:p>
-        </p:txBody>
-      </p:sp>
-      <p:sp>
-        <p:nvSpPr>
-          <p:cNvPr id="10" name="Rectangle 9"/>
-          <p:cNvSpPr/>
-          <p:nvPr/>
-        </p:nvSpPr>
-        <p:spPr>
-          <a:xfrm>
-            <a:off x="433838" y="3004814"/>
-            <a:ext cx="2259658" cy="1077218"/>
-          </a:xfrm>
-          <a:prstGeom prst="rect">
-            <a:avLst/>
-          </a:prstGeom>
-        </p:spPr>
-        <p:txBody>
-          <a:bodyPr wrap="none">
-            <a:spAutoFit/>
-          </a:bodyPr>
-          <a:lstStyle/>
-          <a:p>
-            <a:r>
-              <a:rPr lang="en-US" sz="4000" dirty="0" smtClean="0">
-                <a:solidFill>
-                  <a:schemeClr val="accent2">
-                    <a:alpha val="99000"/>
-                  </a:schemeClr>
-                </a:solidFill>
-                <a:latin typeface="Segoe UI Light" pitchFamily="34" charset="0"/>
-              </a:rPr>
-              <a:t>Step 4:</a:t>
-            </a:r>
-            <a:endParaRPr lang="en-US" sz="4000" dirty="0">
-              <a:solidFill>
-                <a:schemeClr val="accent2">
-                  <a:alpha val="99000"/>
-                </a:schemeClr>
-              </a:solidFill>
-              <a:latin typeface="Segoe UI Light" pitchFamily="34" charset="0"/>
-            </a:endParaRPr>
-          </a:p>
-          <a:p>
-            <a:r>
-              <a:rPr lang="en-US" dirty="0" smtClean="0">
-                <a:solidFill>
-                  <a:schemeClr val="tx2">
-                    <a:alpha val="99000"/>
-                  </a:schemeClr>
-                </a:solidFill>
-                <a:latin typeface="Segoe UI Light" pitchFamily="34" charset="0"/>
-              </a:rPr>
-              <a:t>Return one item</a:t>
-            </a:r>
-            <a:endParaRPr lang="en-US" dirty="0">
-              <a:solidFill>
-                <a:schemeClr val="tx2">
-                  <a:alpha val="99000"/>
-                </a:schemeClr>
-              </a:solidFill>
-              <a:latin typeface="Segoe UI Light" pitchFamily="34" charset="0"/>
-            </a:endParaRPr>
-          </a:p>
-        </p:txBody>
-      </p:sp>
-    </p:spTree>
-    <p:extLst>
-      <p:ext uri="{BB962C8B-B14F-4D97-AF65-F5344CB8AC3E}">
-        <p14:creationId xmlns:p14="http://schemas.microsoft.com/office/powerpoint/2010/main" val="3708377492"/>
-      </p:ext>
-    </p:extLst>
-  </p:cSld>
-  <p:clrMapOvr>
-    <a:masterClrMapping/>
-  </p:clrMapOvr>
-  <p:transition>
-    <p:fade/>
-  </p:transition>
-  <p:timing>
-    <p:tnLst>
-      <p:par>
-        <p:cTn id="1" dur="indefinite" restart="never" nodeType="tmRoot"/>
-      </p:par>
-    </p:tnLst>
-  </p:timing>
-</p:sld>
-</file>
-
-<file path=ppt/slides/slide9.xml><?xml version="1.0" encoding="utf-8"?>
-<p:sld xmlns:a="http://schemas.openxmlformats.org/drawingml/2006/main" xmlns:r="http://schemas.openxmlformats.org/officeDocument/2006/relationships" xmlns:p="http://schemas.openxmlformats.org/presentationml/2006/main">
-  <p:cSld>
-    <p:spTree>
-      <p:nvGrpSpPr>
-        <p:cNvPr id="1" name=""/>
-        <p:cNvGrpSpPr/>
-        <p:nvPr/>
-      </p:nvGrpSpPr>
-      <p:grpSpPr>
-        <a:xfrm>
-          <a:off x="0" y="0"/>
-          <a:ext cx="0" cy="0"/>
-          <a:chOff x="0" y="0"/>
-          <a:chExt cx="0" cy="0"/>
-        </a:xfrm>
-      </p:grpSpPr>
-      <p:graphicFrame>
-        <p:nvGraphicFramePr>
-          <p:cNvPr id="2" name="Object 1" hidden="1"/>
-          <p:cNvGraphicFramePr>
-            <a:graphicFrameLocks noChangeAspect="1"/>
-          </p:cNvGraphicFramePr>
-          <p:nvPr>
-            <p:custDataLst>
-              <p:tags r:id="rId2"/>
-            </p:custDataLst>
-            <p:extLst>
-              <p:ext uri="{D42A27DB-BD31-4B8C-83A1-F6EECF244321}">
-                <p14:modId xmlns:p14="http://schemas.microsoft.com/office/powerpoint/2010/main" val="3019174690"/>
-              </p:ext>
-            </p:extLst>
-          </p:nvPr>
-        </p:nvGraphicFramePr>
-        <p:xfrm>
-          <a:off x="0" y="0"/>
-          <a:ext cx="158750" cy="158750"/>
-        </p:xfrm>
-        <a:graphic>
-          <a:graphicData uri="http://schemas.openxmlformats.org/presentationml/2006/ole">
-            <mc:AlternateContent xmlns:mc="http://schemas.openxmlformats.org/markup-compatibility/2006">
-              <mc:Choice xmlns:v="urn:schemas-microsoft-com:vml" Requires="v">
-                <p:oleObj spid="_x0000_s30787" name="think-cell Slide" r:id="rId6" imgW="270" imgH="270" progId="TCLayout.ActiveDocument.1">
-                  <p:embed/>
-                </p:oleObj>
-              </mc:Choice>
-              <mc:Fallback>
-                <p:oleObj name="think-cell Slide" r:id="rId6" imgW="270" imgH="270" progId="TCLayout.ActiveDocument.1">
-                  <p:embed/>
-                  <p:pic>
-                    <p:nvPicPr>
-                      <p:cNvPr id="0" name=""/>
-                      <p:cNvPicPr/>
-                      <p:nvPr/>
-                    </p:nvPicPr>
-                    <p:blipFill>
-                      <a:blip r:embed="rId7"/>
-                      <a:stretch>
-                        <a:fillRect/>
-                      </a:stretch>
-                    </p:blipFill>
-                    <p:spPr>
-                      <a:xfrm>
-                        <a:off x="0" y="0"/>
-                        <a:ext cx="158750" cy="158750"/>
-                      </a:xfrm>
-                      <a:prstGeom prst="rect">
-                        <a:avLst/>
-                      </a:prstGeom>
-                    </p:spPr>
-                  </p:pic>
-                </p:oleObj>
-              </mc:Fallback>
-            </mc:AlternateContent>
-          </a:graphicData>
-        </a:graphic>
-      </p:graphicFrame>
-      <p:sp>
-        <p:nvSpPr>
-          <p:cNvPr id="4" name="Title 3"/>
-          <p:cNvSpPr>
-            <a:spLocks noGrp="1"/>
-          </p:cNvSpPr>
-          <p:nvPr>
-            <p:ph type="ctrTitle"/>
-            <p:custDataLst>
-              <p:tags r:id="rId3"/>
-            </p:custDataLst>
-          </p:nvPr>
-        </p:nvSpPr>
-        <p:spPr/>
-        <p:txBody>
-          <a:bodyPr/>
-          <a:lstStyle/>
-          <a:p>
-            <a:r>
-              <a:rPr lang="en-US" smtClean="0"/>
-              <a:t>Building a read only Web API</a:t>
-            </a:r>
-            <a:endParaRPr lang="en-US" dirty="0"/>
-          </a:p>
-        </p:txBody>
-      </p:sp>
-      <p:sp>
-        <p:nvSpPr>
-          <p:cNvPr id="9" name="Subtitle 8"/>
-          <p:cNvSpPr>
-            <a:spLocks noGrp="1"/>
-          </p:cNvSpPr>
-          <p:nvPr>
-            <p:ph type="subTitle" idx="1"/>
-          </p:nvPr>
-        </p:nvSpPr>
-        <p:spPr/>
-        <p:txBody>
-          <a:bodyPr/>
-          <a:lstStyle/>
-          <a:p>
-            <a:endParaRPr lang="en-US"/>
-          </a:p>
-        </p:txBody>
-      </p:sp>
-      <p:sp>
-        <p:nvSpPr>
-          <p:cNvPr id="6" name="Text Placeholder 5"/>
-          <p:cNvSpPr>
-            <a:spLocks noGrp="1"/>
-          </p:cNvSpPr>
-          <p:nvPr>
-            <p:ph type="body" sz="quarter" idx="10"/>
-          </p:nvPr>
-        </p:nvSpPr>
-        <p:spPr/>
-        <p:txBody>
-          <a:bodyPr/>
-          <a:lstStyle/>
-          <a:p>
-            <a:r>
-              <a:rPr lang="en-US" smtClean="0"/>
-              <a:t>demo</a:t>
-            </a:r>
-            <a:endParaRPr lang="en-US" dirty="0"/>
-          </a:p>
-        </p:txBody>
-      </p:sp>
-    </p:spTree>
-    <p:extLst>
-      <p:ext uri="{BB962C8B-B14F-4D97-AF65-F5344CB8AC3E}">
-        <p14:creationId xmlns:p14="http://schemas.microsoft.com/office/powerpoint/2010/main" val="319233477"/>
-      </p:ext>
-    </p:extLst>
-  </p:cSld>
-  <p:clrMapOvr>
-    <a:masterClrMapping/>
-  </p:clrMapOvr>
-  <mc:AlternateContent xmlns:mc="http://schemas.openxmlformats.org/markup-compatibility/2006" xmlns:p14="http://schemas.microsoft.com/office/powerpoint/2010/main">
-    <mc:Choice Requires="p14">
-      <p:transition spd="med" p14:dur="700">
-        <p:fade/>
-      </p:transition>
-    </mc:Choice>
-    <mc:Fallback xmlns="">
-      <p:transition spd="med">
-        <p:fade/>
-      </p:transition>
-    </mc:Fallback>
-  </mc:AlternateContent>
-  <p:timing>
-    <p:tnLst>
-      <p:par>
-        <p:cTn id="1" dur="indefinite" restart="never" nodeType="tmRoot"/>
-      </p:par>
-    </p:tnLst>
-  </p:timing>
-</p:sld>
-</file>
-
 <file path=ppt/tags/tag1.xml><?xml version="1.0" encoding="utf-8"?>
 <p:tagLst xmlns:a="http://schemas.openxmlformats.org/drawingml/2006/main" xmlns:r="http://schemas.openxmlformats.org/officeDocument/2006/relationships" xmlns:p="http://schemas.openxmlformats.org/presentationml/2006/main">
   <p:tag name="THINKCELLUNDODONOTDELETE" val="26"/>
@@ -42932,37 +42908,37 @@
 
 <file path=ppt/tags/tag11.xml><?xml version="1.0" encoding="utf-8"?>
 <p:tagLst xmlns:a="http://schemas.openxmlformats.org/drawingml/2006/main" xmlns:r="http://schemas.openxmlformats.org/officeDocument/2006/relationships" xmlns:p="http://schemas.openxmlformats.org/presentationml/2006/main">
-  <p:tag name="THINKCELLSHAPEDONOTDELETE" val="pKrD95805lkyLQO9pM3_REQ"/>
+  <p:tag name="THINKCELLSHAPEDONOTDELETE" val="pVbq7KMpK1EaOPUyWRwX51A"/>
 </p:tagLst>
 </file>
 
 <file path=ppt/tags/tag12.xml><?xml version="1.0" encoding="utf-8"?>
 <p:tagLst xmlns:a="http://schemas.openxmlformats.org/drawingml/2006/main" xmlns:r="http://schemas.openxmlformats.org/officeDocument/2006/relationships" xmlns:p="http://schemas.openxmlformats.org/presentationml/2006/main">
-  <p:tag name="THINKCELLSHAPEDONOTDELETE" val="thinkcellActiveDocDoNotDelete"/>
+  <p:tag name="THINKCELLSHAPEDONOTDELETE" val="p4Jpbr8oqBUC2tnP9JwQcgA"/>
 </p:tagLst>
 </file>
 
 <file path=ppt/tags/tag13.xml><?xml version="1.0" encoding="utf-8"?>
 <p:tagLst xmlns:a="http://schemas.openxmlformats.org/drawingml/2006/main" xmlns:r="http://schemas.openxmlformats.org/officeDocument/2006/relationships" xmlns:p="http://schemas.openxmlformats.org/presentationml/2006/main">
-  <p:tag name="THINKCELLSHAPEDONOTDELETE" val="p7.K6bBAJvkS3.ukwBGLqdg"/>
+  <p:tag name="THINKCELLSHAPEDONOTDELETE" val="p61LhpbdLD0uNGibxDJOGUg"/>
 </p:tagLst>
 </file>
 
 <file path=ppt/tags/tag14.xml><?xml version="1.0" encoding="utf-8"?>
 <p:tagLst xmlns:a="http://schemas.openxmlformats.org/drawingml/2006/main" xmlns:r="http://schemas.openxmlformats.org/officeDocument/2006/relationships" xmlns:p="http://schemas.openxmlformats.org/presentationml/2006/main">
-  <p:tag name="THINKCELLSHAPEDONOTDELETE" val="pCDymgjsaf0qp25wa8mnEJA"/>
+  <p:tag name="THINKCELLSHAPEDONOTDELETE" val="thinkcellActiveDocDoNotDelete"/>
 </p:tagLst>
 </file>
 
 <file path=ppt/tags/tag15.xml><?xml version="1.0" encoding="utf-8"?>
 <p:tagLst xmlns:a="http://schemas.openxmlformats.org/drawingml/2006/main" xmlns:r="http://schemas.openxmlformats.org/officeDocument/2006/relationships" xmlns:p="http://schemas.openxmlformats.org/presentationml/2006/main">
-  <p:tag name="THINKCELLSHAPEDONOTDELETE" val="pCDymgjsaf0qp25wa8mnEJA"/>
+  <p:tag name="THINKCELLSHAPEDONOTDELETE" val="ppotS1hKZWk2IA3lF7vlk2g"/>
 </p:tagLst>
 </file>
 
 <file path=ppt/tags/tag16.xml><?xml version="1.0" encoding="utf-8"?>
 <p:tagLst xmlns:a="http://schemas.openxmlformats.org/drawingml/2006/main" xmlns:r="http://schemas.openxmlformats.org/officeDocument/2006/relationships" xmlns:p="http://schemas.openxmlformats.org/presentationml/2006/main">
-  <p:tag name="THINKCELLSHAPEDONOTDELETE" val="pCDymgjsaf0qp25wa8mnEJA"/>
+  <p:tag name="THINKCELLSHAPEDONOTDELETE" val="pz8wvpVT650CuEZCub0M4QQ"/>
 </p:tagLst>
 </file>
 
@@ -42974,13 +42950,13 @@
 
 <file path=ppt/tags/tag18.xml><?xml version="1.0" encoding="utf-8"?>
 <p:tagLst xmlns:a="http://schemas.openxmlformats.org/drawingml/2006/main" xmlns:r="http://schemas.openxmlformats.org/officeDocument/2006/relationships" xmlns:p="http://schemas.openxmlformats.org/presentationml/2006/main">
-  <p:tag name="THINKCELLSHAPEDONOTDELETE" val="pnGWmLj.42EuGG.fPUDRgpA"/>
+  <p:tag name="THINKCELLSHAPEDONOTDELETE" val="pKrD95805lkyLQO9pM3_REQ"/>
 </p:tagLst>
 </file>
 
 <file path=ppt/tags/tag19.xml><?xml version="1.0" encoding="utf-8"?>
 <p:tagLst xmlns:a="http://schemas.openxmlformats.org/drawingml/2006/main" xmlns:r="http://schemas.openxmlformats.org/officeDocument/2006/relationships" xmlns:p="http://schemas.openxmlformats.org/presentationml/2006/main">
-  <p:tag name="THINKCELLSHAPEDONOTDELETE" val="pmsziOZcAzkeLuUr01fOqhA"/>
+  <p:tag name="THINKCELLSHAPEDONOTDELETE" val="thinkcellActiveDocDoNotDelete"/>
 </p:tagLst>
 </file>
 
@@ -42992,55 +42968,55 @@
 
 <file path=ppt/tags/tag20.xml><?xml version="1.0" encoding="utf-8"?>
 <p:tagLst xmlns:a="http://schemas.openxmlformats.org/drawingml/2006/main" xmlns:r="http://schemas.openxmlformats.org/officeDocument/2006/relationships" xmlns:p="http://schemas.openxmlformats.org/presentationml/2006/main">
-  <p:tag name="THINKCELLSHAPEDONOTDELETE" val="thinkcellActiveDocDoNotDelete"/>
+  <p:tag name="THINKCELLSHAPEDONOTDELETE" val="p7.K6bBAJvkS3.ukwBGLqdg"/>
 </p:tagLst>
 </file>
 
 <file path=ppt/tags/tag21.xml><?xml version="1.0" encoding="utf-8"?>
 <p:tagLst xmlns:a="http://schemas.openxmlformats.org/drawingml/2006/main" xmlns:r="http://schemas.openxmlformats.org/officeDocument/2006/relationships" xmlns:p="http://schemas.openxmlformats.org/presentationml/2006/main">
-  <p:tag name="THINKCELLSHAPEDONOTDELETE" val="pEIYRcEz4nE2YSTsJelfFPw"/>
+  <p:tag name="THINKCELLSHAPEDONOTDELETE" val="pCDymgjsaf0qp25wa8mnEJA"/>
 </p:tagLst>
 </file>
 
 <file path=ppt/tags/tag22.xml><?xml version="1.0" encoding="utf-8"?>
 <p:tagLst xmlns:a="http://schemas.openxmlformats.org/drawingml/2006/main" xmlns:r="http://schemas.openxmlformats.org/officeDocument/2006/relationships" xmlns:p="http://schemas.openxmlformats.org/presentationml/2006/main">
-  <p:tag name="THINKCELLSHAPEDONOTDELETE" val="thinkcellActiveDocDoNotDelete"/>
+  <p:tag name="THINKCELLSHAPEDONOTDELETE" val="pCDymgjsaf0qp25wa8mnEJA"/>
 </p:tagLst>
 </file>
 
 <file path=ppt/tags/tag23.xml><?xml version="1.0" encoding="utf-8"?>
 <p:tagLst xmlns:a="http://schemas.openxmlformats.org/drawingml/2006/main" xmlns:r="http://schemas.openxmlformats.org/officeDocument/2006/relationships" xmlns:p="http://schemas.openxmlformats.org/presentationml/2006/main">
-  <p:tag name="THINKCELLSHAPEDONOTDELETE" val="pIjiEg.rS2Uaogoku2rjz_Q"/>
+  <p:tag name="THINKCELLSHAPEDONOTDELETE" val="pCDymgjsaf0qp25wa8mnEJA"/>
 </p:tagLst>
 </file>
 
 <file path=ppt/tags/tag24.xml><?xml version="1.0" encoding="utf-8"?>
 <p:tagLst xmlns:a="http://schemas.openxmlformats.org/drawingml/2006/main" xmlns:r="http://schemas.openxmlformats.org/officeDocument/2006/relationships" xmlns:p="http://schemas.openxmlformats.org/presentationml/2006/main">
-  <p:tag name="THINKCELLSHAPEDONOTDELETE" val="p9I4sl5BEAEKj9CcRq8cy8g"/>
+  <p:tag name="THINKCELLSHAPEDONOTDELETE" val="thinkcellActiveDocDoNotDelete"/>
 </p:tagLst>
 </file>
 
 <file path=ppt/tags/tag25.xml><?xml version="1.0" encoding="utf-8"?>
 <p:tagLst xmlns:a="http://schemas.openxmlformats.org/drawingml/2006/main" xmlns:r="http://schemas.openxmlformats.org/officeDocument/2006/relationships" xmlns:p="http://schemas.openxmlformats.org/presentationml/2006/main">
-  <p:tag name="THINKCELLSHAPEDONOTDELETE" val="thinkcellActiveDocDoNotDelete"/>
+  <p:tag name="THINKCELLSHAPEDONOTDELETE" val="pnGWmLj.42EuGG.fPUDRgpA"/>
 </p:tagLst>
 </file>
 
 <file path=ppt/tags/tag26.xml><?xml version="1.0" encoding="utf-8"?>
 <p:tagLst xmlns:a="http://schemas.openxmlformats.org/drawingml/2006/main" xmlns:r="http://schemas.openxmlformats.org/officeDocument/2006/relationships" xmlns:p="http://schemas.openxmlformats.org/presentationml/2006/main">
-  <p:tag name="THINKCELLSHAPEDONOTDELETE" val="pEQX5uKmZKked19c3NapSRQ"/>
+  <p:tag name="THINKCELLSHAPEDONOTDELETE" val="pmsziOZcAzkeLuUr01fOqhA"/>
 </p:tagLst>
 </file>
 
 <file path=ppt/tags/tag27.xml><?xml version="1.0" encoding="utf-8"?>
 <p:tagLst xmlns:a="http://schemas.openxmlformats.org/drawingml/2006/main" xmlns:r="http://schemas.openxmlformats.org/officeDocument/2006/relationships" xmlns:p="http://schemas.openxmlformats.org/presentationml/2006/main">
-  <p:tag name="THINKCELLSHAPEDONOTDELETE" val="pZf7VmKem2kCFMALb6xG9mA"/>
+  <p:tag name="THINKCELLSHAPEDONOTDELETE" val="thinkcellActiveDocDoNotDelete"/>
 </p:tagLst>
 </file>
 
 <file path=ppt/tags/tag28.xml><?xml version="1.0" encoding="utf-8"?>
 <p:tagLst xmlns:a="http://schemas.openxmlformats.org/drawingml/2006/main" xmlns:r="http://schemas.openxmlformats.org/officeDocument/2006/relationships" xmlns:p="http://schemas.openxmlformats.org/presentationml/2006/main">
-  <p:tag name="THINKCELLSHAPEDONOTDELETE" val="thinkcellActiveDocDoNotDelete"/>
+  <p:tag name="THINKCELLSHAPEDONOTDELETE" val="pEIYRcEz4nE2YSTsJelfFPw"/>
 </p:tagLst>
 </file>
 
@@ -43058,13 +43034,13 @@
 
 <file path=ppt/tags/tag30.xml><?xml version="1.0" encoding="utf-8"?>
 <p:tagLst xmlns:a="http://schemas.openxmlformats.org/drawingml/2006/main" xmlns:r="http://schemas.openxmlformats.org/officeDocument/2006/relationships" xmlns:p="http://schemas.openxmlformats.org/presentationml/2006/main">
-  <p:tag name="THINKCELLSHAPEDONOTDELETE" val="pq9Ku5AHzx0K4jpM9nXZOaw"/>
+  <p:tag name="THINKCELLSHAPEDONOTDELETE" val="pIjiEg.rS2Uaogoku2rjz_Q"/>
 </p:tagLst>
 </file>
 
 <file path=ppt/tags/tag31.xml><?xml version="1.0" encoding="utf-8"?>
 <p:tagLst xmlns:a="http://schemas.openxmlformats.org/drawingml/2006/main" xmlns:r="http://schemas.openxmlformats.org/officeDocument/2006/relationships" xmlns:p="http://schemas.openxmlformats.org/presentationml/2006/main">
-  <p:tag name="THINKCELLSHAPEDONOTDELETE" val="p8sb8545bxkyugdA0d2oQnw"/>
+  <p:tag name="THINKCELLSHAPEDONOTDELETE" val="p9I4sl5BEAEKj9CcRq8cy8g"/>
 </p:tagLst>
 </file>
 
@@ -43076,13 +43052,13 @@
 
 <file path=ppt/tags/tag33.xml><?xml version="1.0" encoding="utf-8"?>
 <p:tagLst xmlns:a="http://schemas.openxmlformats.org/drawingml/2006/main" xmlns:r="http://schemas.openxmlformats.org/officeDocument/2006/relationships" xmlns:p="http://schemas.openxmlformats.org/presentationml/2006/main">
-  <p:tag name="THINKCELLSHAPEDONOTDELETE" val="pYU7t8HL_nke8U3fHbY0Qhg"/>
+  <p:tag name="THINKCELLSHAPEDONOTDELETE" val="pEQX5uKmZKked19c3NapSRQ"/>
 </p:tagLst>
 </file>
 
 <file path=ppt/tags/tag34.xml><?xml version="1.0" encoding="utf-8"?>
 <p:tagLst xmlns:a="http://schemas.openxmlformats.org/drawingml/2006/main" xmlns:r="http://schemas.openxmlformats.org/officeDocument/2006/relationships" xmlns:p="http://schemas.openxmlformats.org/presentationml/2006/main">
-  <p:tag name="THINKCELLSHAPEDONOTDELETE" val="pUN0XFAYQa0C4JLKML54jpQ"/>
+  <p:tag name="THINKCELLSHAPEDONOTDELETE" val="pZf7VmKem2kCFMALb6xG9mA"/>
 </p:tagLst>
 </file>
 
@@ -43094,25 +43070,25 @@
 
 <file path=ppt/tags/tag36.xml><?xml version="1.0" encoding="utf-8"?>
 <p:tagLst xmlns:a="http://schemas.openxmlformats.org/drawingml/2006/main" xmlns:r="http://schemas.openxmlformats.org/officeDocument/2006/relationships" xmlns:p="http://schemas.openxmlformats.org/presentationml/2006/main">
-  <p:tag name="THINKCELLSHAPEDONOTDELETE" val="paZZJ7WqZRUO.VUy_r3705g"/>
+  <p:tag name="THINKCELLSHAPEDONOTDELETE" val="thinkcellActiveDocDoNotDelete"/>
 </p:tagLst>
 </file>
 
 <file path=ppt/tags/tag37.xml><?xml version="1.0" encoding="utf-8"?>
 <p:tagLst xmlns:a="http://schemas.openxmlformats.org/drawingml/2006/main" xmlns:r="http://schemas.openxmlformats.org/officeDocument/2006/relationships" xmlns:p="http://schemas.openxmlformats.org/presentationml/2006/main">
-  <p:tag name="THINKCELLSHAPEDONOTDELETE" val="thinkcellActiveDocDoNotDelete"/>
+  <p:tag name="THINKCELLSHAPEDONOTDELETE" val="pq9Ku5AHzx0K4jpM9nXZOaw"/>
 </p:tagLst>
 </file>
 
 <file path=ppt/tags/tag38.xml><?xml version="1.0" encoding="utf-8"?>
 <p:tagLst xmlns:a="http://schemas.openxmlformats.org/drawingml/2006/main" xmlns:r="http://schemas.openxmlformats.org/officeDocument/2006/relationships" xmlns:p="http://schemas.openxmlformats.org/presentationml/2006/main">
-  <p:tag name="THINKCELLSHAPEDONOTDELETE" val="p.4SlR.2h8UOzrEkxrftVEA"/>
+  <p:tag name="THINKCELLSHAPEDONOTDELETE" val="p8sb8545bxkyugdA0d2oQnw"/>
 </p:tagLst>
 </file>
 
 <file path=ppt/tags/tag39.xml><?xml version="1.0" encoding="utf-8"?>
 <p:tagLst xmlns:a="http://schemas.openxmlformats.org/drawingml/2006/main" xmlns:r="http://schemas.openxmlformats.org/officeDocument/2006/relationships" xmlns:p="http://schemas.openxmlformats.org/presentationml/2006/main">
-  <p:tag name="THINKCELLSHAPEDONOTDELETE" val="pg9c96qjfD0WXNl5eOTs8UA"/>
+  <p:tag name="THINKCELLSHAPEDONOTDELETE" val="thinkcellActiveDocDoNotDelete"/>
 </p:tagLst>
 </file>
 
@@ -43124,25 +43100,25 @@
 
 <file path=ppt/tags/tag40.xml><?xml version="1.0" encoding="utf-8"?>
 <p:tagLst xmlns:a="http://schemas.openxmlformats.org/drawingml/2006/main" xmlns:r="http://schemas.openxmlformats.org/officeDocument/2006/relationships" xmlns:p="http://schemas.openxmlformats.org/presentationml/2006/main">
-  <p:tag name="THINKCELLSHAPEDONOTDELETE" val="thinkcellActiveDocDoNotDelete"/>
+  <p:tag name="THINKCELLSHAPEDONOTDELETE" val="pYU7t8HL_nke8U3fHbY0Qhg"/>
 </p:tagLst>
 </file>
 
 <file path=ppt/tags/tag41.xml><?xml version="1.0" encoding="utf-8"?>
 <p:tagLst xmlns:a="http://schemas.openxmlformats.org/drawingml/2006/main" xmlns:r="http://schemas.openxmlformats.org/officeDocument/2006/relationships" xmlns:p="http://schemas.openxmlformats.org/presentationml/2006/main">
-  <p:tag name="THINKCELLSHAPEDONOTDELETE" val="thinkcellActiveDocDoNotDelete"/>
+  <p:tag name="THINKCELLSHAPEDONOTDELETE" val="pUN0XFAYQa0C4JLKML54jpQ"/>
 </p:tagLst>
 </file>
 
 <file path=ppt/tags/tag42.xml><?xml version="1.0" encoding="utf-8"?>
 <p:tagLst xmlns:a="http://schemas.openxmlformats.org/drawingml/2006/main" xmlns:r="http://schemas.openxmlformats.org/officeDocument/2006/relationships" xmlns:p="http://schemas.openxmlformats.org/presentationml/2006/main">
-  <p:tag name="THINKCELLSHAPEDONOTDELETE" val="pLrhE3TJgl0.W6ks70b1CtQ"/>
+  <p:tag name="THINKCELLSHAPEDONOTDELETE" val="thinkcellActiveDocDoNotDelete"/>
 </p:tagLst>
 </file>
 
 <file path=ppt/tags/tag43.xml><?xml version="1.0" encoding="utf-8"?>
 <p:tagLst xmlns:a="http://schemas.openxmlformats.org/drawingml/2006/main" xmlns:r="http://schemas.openxmlformats.org/officeDocument/2006/relationships" xmlns:p="http://schemas.openxmlformats.org/presentationml/2006/main">
-  <p:tag name="THINKCELLSHAPEDONOTDELETE" val="p0fp0GS3bzkeI_WlLaSFYYw"/>
+  <p:tag name="THINKCELLSHAPEDONOTDELETE" val="paZZJ7WqZRUO.VUy_r3705g"/>
 </p:tagLst>
 </file>
 
@@ -43154,19 +43130,19 @@
 
 <file path=ppt/tags/tag45.xml><?xml version="1.0" encoding="utf-8"?>
 <p:tagLst xmlns:a="http://schemas.openxmlformats.org/drawingml/2006/main" xmlns:r="http://schemas.openxmlformats.org/officeDocument/2006/relationships" xmlns:p="http://schemas.openxmlformats.org/presentationml/2006/main">
-  <p:tag name="THINKCELLSHAPEDONOTDELETE" val="thinkcellActiveDocDoNotDelete"/>
+  <p:tag name="THINKCELLSHAPEDONOTDELETE" val="p.4SlR.2h8UOzrEkxrftVEA"/>
 </p:tagLst>
 </file>
 
 <file path=ppt/tags/tag46.xml><?xml version="1.0" encoding="utf-8"?>
 <p:tagLst xmlns:a="http://schemas.openxmlformats.org/drawingml/2006/main" xmlns:r="http://schemas.openxmlformats.org/officeDocument/2006/relationships" xmlns:p="http://schemas.openxmlformats.org/presentationml/2006/main">
-  <p:tag name="THINKCELLSHAPEDONOTDELETE" val="pxph_AIEKW0KQWitR1s9DgA"/>
+  <p:tag name="THINKCELLSHAPEDONOTDELETE" val="pg9c96qjfD0WXNl5eOTs8UA"/>
 </p:tagLst>
 </file>
 
 <file path=ppt/tags/tag47.xml><?xml version="1.0" encoding="utf-8"?>
 <p:tagLst xmlns:a="http://schemas.openxmlformats.org/drawingml/2006/main" xmlns:r="http://schemas.openxmlformats.org/officeDocument/2006/relationships" xmlns:p="http://schemas.openxmlformats.org/presentationml/2006/main">
-  <p:tag name="THINKCELLSHAPEDONOTDELETE" val="pkUigVkQ.IU6phTmEZ18cYA"/>
+  <p:tag name="THINKCELLSHAPEDONOTDELETE" val="thinkcellActiveDocDoNotDelete"/>
 </p:tagLst>
 </file>
 
@@ -43178,7 +43154,7 @@
 
 <file path=ppt/tags/tag49.xml><?xml version="1.0" encoding="utf-8"?>
 <p:tagLst xmlns:a="http://schemas.openxmlformats.org/drawingml/2006/main" xmlns:r="http://schemas.openxmlformats.org/officeDocument/2006/relationships" xmlns:p="http://schemas.openxmlformats.org/presentationml/2006/main">
-  <p:tag name="THINKCELLSHAPEDONOTDELETE" val="thinkcellActiveDocDoNotDelete"/>
+  <p:tag name="THINKCELLSHAPEDONOTDELETE" val="pLrhE3TJgl0.W6ks70b1CtQ"/>
 </p:tagLst>
 </file>
 
@@ -43190,7 +43166,7 @@
 
 <file path=ppt/tags/tag50.xml><?xml version="1.0" encoding="utf-8"?>
 <p:tagLst xmlns:a="http://schemas.openxmlformats.org/drawingml/2006/main" xmlns:r="http://schemas.openxmlformats.org/officeDocument/2006/relationships" xmlns:p="http://schemas.openxmlformats.org/presentationml/2006/main">
-  <p:tag name="THINKCELLSHAPEDONOTDELETE" val="pVbq7KMpK1EaOPUyWRwX51A"/>
+  <p:tag name="THINKCELLSHAPEDONOTDELETE" val="p0fp0GS3bzkeI_WlLaSFYYw"/>
 </p:tagLst>
 </file>
 
@@ -43202,19 +43178,19 @@
 
 <file path=ppt/tags/tag52.xml><?xml version="1.0" encoding="utf-8"?>
 <p:tagLst xmlns:a="http://schemas.openxmlformats.org/drawingml/2006/main" xmlns:r="http://schemas.openxmlformats.org/officeDocument/2006/relationships" xmlns:p="http://schemas.openxmlformats.org/presentationml/2006/main">
-  <p:tag name="THINKCELLSHAPEDONOTDELETE" val="pVbq7KMpK1EaOPUyWRwX51A"/>
+  <p:tag name="THINKCELLSHAPEDONOTDELETE" val="thinkcellActiveDocDoNotDelete"/>
 </p:tagLst>
 </file>
 
 <file path=ppt/tags/tag53.xml><?xml version="1.0" encoding="utf-8"?>
 <p:tagLst xmlns:a="http://schemas.openxmlformats.org/drawingml/2006/main" xmlns:r="http://schemas.openxmlformats.org/officeDocument/2006/relationships" xmlns:p="http://schemas.openxmlformats.org/presentationml/2006/main">
-  <p:tag name="THINKCELLSHAPEDONOTDELETE" val="p4Jpbr8oqBUC2tnP9JwQcgA"/>
+  <p:tag name="THINKCELLSHAPEDONOTDELETE" val="pxph_AIEKW0KQWitR1s9DgA"/>
 </p:tagLst>
 </file>
 
 <file path=ppt/tags/tag54.xml><?xml version="1.0" encoding="utf-8"?>
 <p:tagLst xmlns:a="http://schemas.openxmlformats.org/drawingml/2006/main" xmlns:r="http://schemas.openxmlformats.org/officeDocument/2006/relationships" xmlns:p="http://schemas.openxmlformats.org/presentationml/2006/main">
-  <p:tag name="THINKCELLSHAPEDONOTDELETE" val="p61LhpbdLD0uNGibxDJOGUg"/>
+  <p:tag name="THINKCELLSHAPEDONOTDELETE" val="pkUigVkQ.IU6phTmEZ18cYA"/>
 </p:tagLst>
 </file>
 
@@ -43286,13 +43262,13 @@
 
 <file path=ppt/tags/tag8.xml><?xml version="1.0" encoding="utf-8"?>
 <p:tagLst xmlns:a="http://schemas.openxmlformats.org/drawingml/2006/main" xmlns:r="http://schemas.openxmlformats.org/officeDocument/2006/relationships" xmlns:p="http://schemas.openxmlformats.org/presentationml/2006/main">
-  <p:tag name="THINKCELLSHAPEDONOTDELETE" val="ppotS1hKZWk2IA3lF7vlk2g"/>
+  <p:tag name="THINKCELLSHAPEDONOTDELETE" val="thinkcellActiveDocDoNotDelete"/>
 </p:tagLst>
 </file>
 
 <file path=ppt/tags/tag9.xml><?xml version="1.0" encoding="utf-8"?>
 <p:tagLst xmlns:a="http://schemas.openxmlformats.org/drawingml/2006/main" xmlns:r="http://schemas.openxmlformats.org/officeDocument/2006/relationships" xmlns:p="http://schemas.openxmlformats.org/presentationml/2006/main">
-  <p:tag name="THINKCELLSHAPEDONOTDELETE" val="pz8wvpVT650CuEZCub0M4QQ"/>
+  <p:tag name="THINKCELLSHAPEDONOTDELETE" val="pVbq7KMpK1EaOPUyWRwX51A"/>
 </p:tagLst>
 </file>
 
@@ -44502,17 +44478,6 @@
 </file>
 
 <file path=customXml/item1.xml><?xml version="1.0" encoding="utf-8"?>
-<p:properties xmlns:p="http://schemas.microsoft.com/office/2006/metadata/properties" xmlns:xsi="http://www.w3.org/2001/XMLSchema-instance" xmlns:pc="http://schemas.microsoft.com/office/infopath/2007/PartnerControls">
-  <documentManagement>
-    <TaxKeywordTaxHTField xmlns="230e9df3-be65-4c73-a93b-d1236ebd677e">
-      <Terms xmlns="http://schemas.microsoft.com/office/infopath/2007/PartnerControls"/>
-    </TaxKeywordTaxHTField>
-    <TaxCatchAll xmlns="230e9df3-be65-4c73-a93b-d1236ebd677e"/>
-  </documentManagement>
-</p:properties>
-</file>
-
-<file path=customXml/item2.xml><?xml version="1.0" encoding="utf-8"?>
 <ct:contentTypeSchema xmlns:ct="http://schemas.microsoft.com/office/2006/metadata/contentType" xmlns:ma="http://schemas.microsoft.com/office/2006/metadata/properties/metaAttributes" ct:_="" ma:_="" ma:contentTypeName="Document" ma:contentTypeID="0x010100CA05B43BE68FE54B90DD26FDFB72BB05" ma:contentTypeVersion="0" ma:contentTypeDescription="Create a new document." ma:contentTypeScope="" ma:versionID="6df1bece345c1749bd9b91e82fa4a03a">
   <xsd:schema xmlns:xsd="http://www.w3.org/2001/XMLSchema" xmlns:xs="http://www.w3.org/2001/XMLSchema" xmlns:p="http://schemas.microsoft.com/office/2006/metadata/properties" xmlns:ns2="230e9df3-be65-4c73-a93b-d1236ebd677e" targetNamespace="http://schemas.microsoft.com/office/2006/metadata/properties" ma:root="true" ma:fieldsID="e317b0b832c9845d3aae3abd1bb0954e" ns2:_="">
     <xsd:import namespace="230e9df3-be65-4c73-a93b-d1236ebd677e"/>
@@ -44664,6 +44629,17 @@
 </ct:contentTypeSchema>
 </file>
 
+<file path=customXml/item2.xml><?xml version="1.0" encoding="utf-8"?>
+<p:properties xmlns:p="http://schemas.microsoft.com/office/2006/metadata/properties" xmlns:xsi="http://www.w3.org/2001/XMLSchema-instance" xmlns:pc="http://schemas.microsoft.com/office/infopath/2007/PartnerControls">
+  <documentManagement>
+    <TaxKeywordTaxHTField xmlns="230e9df3-be65-4c73-a93b-d1236ebd677e">
+      <Terms xmlns="http://schemas.microsoft.com/office/infopath/2007/PartnerControls"/>
+    </TaxKeywordTaxHTField>
+    <TaxCatchAll xmlns="230e9df3-be65-4c73-a93b-d1236ebd677e"/>
+  </documentManagement>
+</p:properties>
+</file>
+
 <file path=customXml/item3.xml><?xml version="1.0" encoding="utf-8"?>
 <?mso-contentType ?>
 <FormTemplates xmlns="http://schemas.microsoft.com/sharepoint/v3/contenttype/forms">
@@ -44674,22 +44650,6 @@
 </file>
 
 <file path=customXml/itemProps1.xml><?xml version="1.0" encoding="utf-8"?>
-<ds:datastoreItem xmlns:ds="http://schemas.openxmlformats.org/officeDocument/2006/customXml" ds:itemID="{69B2F97D-0457-4986-9734-D03EB073C5EA}">
-  <ds:schemaRefs>
-    <ds:schemaRef ds:uri="http://schemas.openxmlformats.org/package/2006/metadata/core-properties"/>
-    <ds:schemaRef ds:uri="http://schemas.microsoft.com/office/2006/metadata/properties"/>
-    <ds:schemaRef ds:uri="http://purl.org/dc/elements/1.1/"/>
-    <ds:schemaRef ds:uri="http://purl.org/dc/dcmitype/"/>
-    <ds:schemaRef ds:uri="http://www.w3.org/XML/1998/namespace"/>
-    <ds:schemaRef ds:uri="http://schemas.microsoft.com/office/2006/documentManagement/types"/>
-    <ds:schemaRef ds:uri="230e9df3-be65-4c73-a93b-d1236ebd677e"/>
-    <ds:schemaRef ds:uri="http://schemas.microsoft.com/office/infopath/2007/PartnerControls"/>
-    <ds:schemaRef ds:uri="http://purl.org/dc/terms/"/>
-  </ds:schemaRefs>
-</ds:datastoreItem>
-</file>
-
-<file path=customXml/itemProps2.xml><?xml version="1.0" encoding="utf-8"?>
 <ds:datastoreItem xmlns:ds="http://schemas.openxmlformats.org/officeDocument/2006/customXml" ds:itemID="{8F590144-748D-417B-8B69-088F107B0F98}">
   <ds:schemaRefs>
     <ds:schemaRef ds:uri="http://schemas.microsoft.com/office/2006/metadata/contentType"/>
@@ -44707,6 +44667,22 @@
 </ds:datastoreItem>
 </file>
 
+<file path=customXml/itemProps2.xml><?xml version="1.0" encoding="utf-8"?>
+<ds:datastoreItem xmlns:ds="http://schemas.openxmlformats.org/officeDocument/2006/customXml" ds:itemID="{69B2F97D-0457-4986-9734-D03EB073C5EA}">
+  <ds:schemaRefs>
+    <ds:schemaRef ds:uri="http://schemas.openxmlformats.org/package/2006/metadata/core-properties"/>
+    <ds:schemaRef ds:uri="http://schemas.microsoft.com/office/2006/metadata/properties"/>
+    <ds:schemaRef ds:uri="http://purl.org/dc/elements/1.1/"/>
+    <ds:schemaRef ds:uri="http://purl.org/dc/dcmitype/"/>
+    <ds:schemaRef ds:uri="http://www.w3.org/XML/1998/namespace"/>
+    <ds:schemaRef ds:uri="http://schemas.microsoft.com/office/2006/documentManagement/types"/>
+    <ds:schemaRef ds:uri="230e9df3-be65-4c73-a93b-d1236ebd677e"/>
+    <ds:schemaRef ds:uri="http://schemas.microsoft.com/office/infopath/2007/PartnerControls"/>
+    <ds:schemaRef ds:uri="http://purl.org/dc/terms/"/>
+  </ds:schemaRefs>
+</ds:datastoreItem>
+</file>
+
 <file path=customXml/itemProps3.xml><?xml version="1.0" encoding="utf-8"?>
 <ds:datastoreItem xmlns:ds="http://schemas.openxmlformats.org/officeDocument/2006/customXml" ds:itemID="{B882D8D6-9D38-4159-A398-AAC3689D3D7C}">
   <ds:schemaRefs>

--- a/AddingWebApiToASPNETSite/AddingWebApiToASPNETSite.pptx
+++ b/AddingWebApiToASPNETSite/AddingWebApiToASPNETSite.pptx
@@ -6,10 +6,10 @@
     <p:sldMasterId id="2147483779" r:id="rId5"/>
   </p:sldMasterIdLst>
   <p:notesMasterIdLst>
-    <p:notesMasterId r:id="rId40"/>
+    <p:notesMasterId r:id="rId43"/>
   </p:notesMasterIdLst>
   <p:handoutMasterIdLst>
-    <p:handoutMasterId r:id="rId41"/>
+    <p:handoutMasterId r:id="rId44"/>
   </p:handoutMasterIdLst>
   <p:sldIdLst>
     <p:sldId id="296" r:id="rId6"/>
@@ -37,45 +37,48 @@
     <p:sldId id="310" r:id="rId28"/>
     <p:sldId id="311" r:id="rId29"/>
     <p:sldId id="273" r:id="rId30"/>
-    <p:sldId id="275" r:id="rId31"/>
-    <p:sldId id="276" r:id="rId32"/>
-    <p:sldId id="277" r:id="rId33"/>
-    <p:sldId id="280" r:id="rId34"/>
-    <p:sldId id="281" r:id="rId35"/>
-    <p:sldId id="288" r:id="rId36"/>
-    <p:sldId id="290" r:id="rId37"/>
-    <p:sldId id="291" r:id="rId38"/>
-    <p:sldId id="292" r:id="rId39"/>
+    <p:sldId id="314" r:id="rId31"/>
+    <p:sldId id="275" r:id="rId32"/>
+    <p:sldId id="315" r:id="rId33"/>
+    <p:sldId id="312" r:id="rId34"/>
+    <p:sldId id="313" r:id="rId35"/>
+    <p:sldId id="276" r:id="rId36"/>
+    <p:sldId id="280" r:id="rId37"/>
+    <p:sldId id="281" r:id="rId38"/>
+    <p:sldId id="288" r:id="rId39"/>
+    <p:sldId id="290" r:id="rId40"/>
+    <p:sldId id="291" r:id="rId41"/>
+    <p:sldId id="292" r:id="rId42"/>
   </p:sldIdLst>
   <p:sldSz cx="12188825" cy="6858000"/>
   <p:notesSz cx="6858000" cy="9296400"/>
   <p:embeddedFontLst>
     <p:embeddedFont>
+      <p:font typeface="Consolas" pitchFamily="49" charset="0"/>
+      <p:regular r:id="rId45"/>
+      <p:bold r:id="rId46"/>
+      <p:italic r:id="rId47"/>
+      <p:boldItalic r:id="rId48"/>
+    </p:embeddedFont>
+    <p:embeddedFont>
+      <p:font typeface="Segoe Light" pitchFamily="34" charset="0"/>
+      <p:regular r:id="rId49"/>
+      <p:italic r:id="rId50"/>
+    </p:embeddedFont>
+    <p:embeddedFont>
       <p:font typeface="Segoe UI Light" pitchFamily="34" charset="0"/>
-      <p:regular r:id="rId42"/>
+      <p:regular r:id="rId51"/>
     </p:embeddedFont>
     <p:embeddedFont>
       <p:font typeface="Segoe UI" pitchFamily="34" charset="0"/>
-      <p:regular r:id="rId43"/>
-      <p:bold r:id="rId44"/>
-      <p:italic r:id="rId45"/>
-      <p:boldItalic r:id="rId46"/>
-    </p:embeddedFont>
-    <p:embeddedFont>
-      <p:font typeface="Consolas" pitchFamily="49" charset="0"/>
-      <p:regular r:id="rId47"/>
-      <p:bold r:id="rId48"/>
-      <p:italic r:id="rId49"/>
-      <p:boldItalic r:id="rId50"/>
-    </p:embeddedFont>
-    <p:embeddedFont>
-      <p:font typeface="Segoe Light" pitchFamily="34" charset="0"/>
-      <p:regular r:id="rId51"/>
-      <p:italic r:id="rId52"/>
+      <p:regular r:id="rId52"/>
+      <p:bold r:id="rId53"/>
+      <p:italic r:id="rId54"/>
+      <p:boldItalic r:id="rId55"/>
     </p:embeddedFont>
   </p:embeddedFontLst>
   <p:custDataLst>
-    <p:tags r:id="rId53"/>
+    <p:tags r:id="rId56"/>
   </p:custDataLst>
   <p:defaultTextStyle>
     <a:defPPr>
@@ -268,7 +271,7 @@
               <a:rPr lang="en-US" smtClean="0">
                 <a:latin typeface="Segoe UI" pitchFamily="34" charset="0"/>
               </a:rPr>
-              <a:t>4/26/2012</a:t>
+              <a:t>4/27/2012</a:t>
             </a:fld>
             <a:endParaRPr lang="en-US" dirty="0">
               <a:latin typeface="Segoe UI" pitchFamily="34" charset="0"/>
@@ -450,7 +453,7 @@
             <a:fld id="{CAE3F082-F902-42D8-A765-720E172C3194}" type="datetimeFigureOut">
               <a:rPr lang="en-US" smtClean="0"/>
               <a:pPr/>
-              <a:t>4/26/2012</a:t>
+              <a:t>4/27/2012</a:t>
             </a:fld>
             <a:endParaRPr lang="en-US" dirty="0"/>
           </a:p>
@@ -3087,7 +3090,107 @@
           <a:bodyPr/>
           <a:lstStyle/>
           <a:p>
-            <a:endParaRPr lang="en-US"/>
+            <a:r>
+              <a:rPr lang="en-US" u="sng" dirty="0" smtClean="0"/>
+              <a:t>Estimated Time:</a:t>
+            </a:r>
+            <a:r>
+              <a:rPr lang="en-US" dirty="0" smtClean="0"/>
+              <a:t> 2 minutes</a:t>
+            </a:r>
+          </a:p>
+          <a:p>
+            <a:endParaRPr lang="en-US" dirty="0" smtClean="0"/>
+          </a:p>
+          <a:p>
+            <a:r>
+              <a:rPr lang="en-US" dirty="0" smtClean="0"/>
+              <a:t>No matter which</a:t>
+            </a:r>
+            <a:r>
+              <a:rPr lang="en-US" baseline="0" dirty="0" smtClean="0"/>
+              <a:t> type of developer you are, you get the benefit of the ASP.NET Core runtime, which provides many useful modules that provide functionality that you are likely to need when creating web applications.  For example: Profile, Roles and Membership is important if you want to build in users and security around different parts of your website.</a:t>
+            </a:r>
+            <a:endParaRPr lang="en-US" dirty="0" smtClean="0"/>
+          </a:p>
+          <a:p>
+            <a:endParaRPr lang="en-US" dirty="0" smtClean="0"/>
+          </a:p>
+          <a:p>
+            <a:r>
+              <a:rPr lang="en-US" dirty="0" smtClean="0"/>
+              <a:t>[Build x 3]</a:t>
+            </a:r>
+          </a:p>
+          <a:p>
+            <a:endParaRPr lang="en-US" dirty="0" smtClean="0"/>
+          </a:p>
+          <a:p>
+            <a:r>
+              <a:rPr lang="en-US" dirty="0" smtClean="0"/>
+              <a:t>ASP.NET</a:t>
+            </a:r>
+            <a:r>
+              <a:rPr lang="en-US" baseline="0" dirty="0" smtClean="0"/>
+              <a:t> Web Forms, ASP.NET MVC and ASP.NET Web Pages are three different approaches to building web applications on the server side with ASP.NET.  They all build on top of the same core runtime that provides them with the same powerful set of modules that web developers can leverage from within their web applications.  </a:t>
+            </a:r>
+          </a:p>
+          <a:p>
+            <a:endParaRPr lang="en-US" baseline="0" dirty="0" smtClean="0"/>
+          </a:p>
+          <a:p>
+            <a:r>
+              <a:rPr lang="en-US" dirty="0" smtClean="0"/>
+              <a:t>ASP.NET Web Forms is great for developers coming from</a:t>
+            </a:r>
+            <a:r>
+              <a:rPr lang="en-US" baseline="0" dirty="0" smtClean="0"/>
+              <a:t> desktop application development where they are accustomed to controls, event-driven development and code-behind.  Despite not being concepts that are native to the web, Web Forms achieves this by abstracting away things like maintaining state, form posting and much more.  This ease of development means that developers relinquish a certain amount of control as Web Forms manages communication between the server and client on your behalf.</a:t>
+            </a:r>
+          </a:p>
+          <a:p>
+            <a:endParaRPr lang="en-US" baseline="0" dirty="0" smtClean="0"/>
+          </a:p>
+          <a:p>
+            <a:r>
+              <a:rPr lang="en-US" baseline="0" dirty="0" smtClean="0"/>
+              <a:t>ASP.NET MVC, in contrast, is for developers that like to be in full control of the interactions between client and server and provides a more “raw” approach to what happens in the web application.  Due to its loosely coupled architecture, MVC is also very extensible with many places for developers to customize and plugin components as well write test code easily.</a:t>
+            </a:r>
+          </a:p>
+          <a:p>
+            <a:endParaRPr lang="en-US" baseline="0" dirty="0" smtClean="0"/>
+          </a:p>
+          <a:p>
+            <a:r>
+              <a:rPr lang="en-US" baseline="0" dirty="0" smtClean="0"/>
+              <a:t>Developing in ASP.NET Web Pages is centered around inline code and is similar to PHP or classic ASP in that compilation of your application isn’t required (it is in </a:t>
+            </a:r>
+            <a:r>
+              <a:rPr lang="en-US" baseline="0" dirty="0" err="1" smtClean="0"/>
+              <a:t>WebForms</a:t>
+            </a:r>
+            <a:r>
+              <a:rPr lang="en-US" baseline="0" dirty="0" smtClean="0"/>
+              <a:t> and MVC).  It is designed to provide the simplest approach to building websites with the fewest number of concepts to learn.</a:t>
+            </a:r>
+          </a:p>
+          <a:p>
+            <a:endParaRPr lang="en-US" baseline="0" dirty="0" smtClean="0"/>
+          </a:p>
+          <a:p>
+            <a:r>
+              <a:rPr lang="en-US" baseline="0" dirty="0" smtClean="0"/>
+              <a:t>[Build x 2]</a:t>
+            </a:r>
+          </a:p>
+          <a:p>
+            <a:endParaRPr lang="en-US" baseline="0" dirty="0" smtClean="0"/>
+          </a:p>
+          <a:p>
+            <a:r>
+              <a:rPr lang="en-US" baseline="0" dirty="0" smtClean="0"/>
+              <a:t>When it comes to controlling the markup that is rendered to the client there are two view engines you may use.  The Web Forms view engine is shared by both Web Forms and MVC and uses the familiar &lt;% %&gt; syntax.  With ASP.NET MVC 3 and ASP.NET Web Pages Microsoft introduced the Razor View Engine which uses a different syntax centered around the @ symbol.  The Razor syntax uses fewer characters to achieve the same things in Web Forms and allows the developer to mix markup and code really easily.</a:t>
+            </a:r>
           </a:p>
         </p:txBody>
       </p:sp>
@@ -3106,19 +3209,19 @@
           <a:bodyPr/>
           <a:lstStyle/>
           <a:p>
-            <a:fld id="{82AABF77-E2E4-44CA-BA5C-65E132CF08D8}" type="slidenum">
+            <a:fld id="{87A12A5C-4330-4241-88FF-F2EE6603F1FB}" type="slidenum">
               <a:rPr lang="en-US" smtClean="0"/>
               <a:pPr/>
               <a:t>26</a:t>
             </a:fld>
-            <a:endParaRPr lang="en-US" dirty="0"/>
+            <a:endParaRPr lang="en-US"/>
           </a:p>
         </p:txBody>
       </p:sp>
     </p:spTree>
     <p:extLst>
       <p:ext uri="{BB962C8B-B14F-4D97-AF65-F5344CB8AC3E}">
-        <p14:creationId xmlns:p14="http://schemas.microsoft.com/office/powerpoint/2010/main" val="1930220159"/>
+        <p14:creationId xmlns:p14="http://schemas.microsoft.com/office/powerpoint/2010/main" val="528678486"/>
       </p:ext>
     </p:extLst>
   </p:cSld>
@@ -3155,12 +3258,7 @@
             <p:ph type="sldImg"/>
           </p:nvPr>
         </p:nvSpPr>
-        <p:spPr>
-          <a:xfrm>
-            <a:off x="331788" y="696913"/>
-            <a:ext cx="6194425" cy="3486150"/>
-          </a:xfrm>
-        </p:spPr>
+        <p:spPr/>
       </p:sp>
       <p:sp>
         <p:nvSpPr>
@@ -3177,7 +3275,7 @@
           <a:bodyPr/>
           <a:lstStyle/>
           <a:p>
-            <a:endParaRPr lang="en-US" dirty="0"/>
+            <a:endParaRPr lang="en-US"/>
           </a:p>
         </p:txBody>
       </p:sp>
@@ -3196,7 +3294,7 @@
           <a:bodyPr/>
           <a:lstStyle/>
           <a:p>
-            <a:fld id="{8B263312-38AA-4E1E-B2B5-0F8F122B24FE}" type="slidenum">
+            <a:fld id="{82AABF77-E2E4-44CA-BA5C-65E132CF08D8}" type="slidenum">
               <a:rPr lang="en-US" smtClean="0"/>
               <a:pPr/>
               <a:t>27</a:t>
@@ -3208,7 +3306,7 @@
     </p:spTree>
     <p:extLst>
       <p:ext uri="{BB962C8B-B14F-4D97-AF65-F5344CB8AC3E}">
-        <p14:creationId xmlns:p14="http://schemas.microsoft.com/office/powerpoint/2010/main" val="346265460"/>
+        <p14:creationId xmlns:p14="http://schemas.microsoft.com/office/powerpoint/2010/main" val="1930220159"/>
       </p:ext>
     </p:extLst>
   </p:cSld>
@@ -3347,7 +3445,231 @@
           <a:bodyPr/>
           <a:lstStyle/>
           <a:p>
-            <a:endParaRPr lang="en-US"/>
+            <a:r>
+              <a:rPr lang="en-US" dirty="0" smtClean="0"/>
+              <a:t>1</a:t>
+            </a:r>
+            <a:r>
+              <a:rPr lang="en-US" baseline="0" dirty="0" smtClean="0"/>
+              <a:t> minute</a:t>
+            </a:r>
+          </a:p>
+          <a:p>
+            <a:endParaRPr lang="en-US" baseline="0" dirty="0" smtClean="0"/>
+          </a:p>
+          <a:p>
+            <a:r>
+              <a:rPr lang="en-US" baseline="0" dirty="0" smtClean="0"/>
+              <a:t>The transition from code to markup is one of the most elegant things about Razor but there a few rules that are worth knowing about.  </a:t>
+            </a:r>
+          </a:p>
+          <a:p>
+            <a:endParaRPr lang="es-AR" baseline="0" dirty="0" smtClean="0"/>
+          </a:p>
+          <a:p>
+            <a:r>
+              <a:rPr lang="en-US" b="1" u="sng" baseline="0" noProof="0" dirty="0" smtClean="0"/>
+              <a:t>Option</a:t>
+            </a:r>
+            <a:r>
+              <a:rPr lang="es-AR" b="1" u="sng" baseline="0" dirty="0" smtClean="0"/>
+              <a:t> 1:</a:t>
+            </a:r>
+            <a:endParaRPr lang="en-US" b="1" u="sng" baseline="0" dirty="0" smtClean="0"/>
+          </a:p>
+          <a:p>
+            <a:pPr marL="0" indent="0">
+              <a:buNone/>
+            </a:pPr>
+            <a:r>
+              <a:rPr lang="en-US" baseline="0" dirty="0" smtClean="0"/>
+              <a:t>Code is the primary citizen in a code block, not HTML.  This means the parser will always expect code unless it finds valid opening (and closing) tags. </a:t>
+            </a:r>
+            <a:r>
+              <a:rPr lang="en-US" i="0" baseline="0" dirty="0" smtClean="0"/>
+              <a:t>In the first option block you see that after the @{ a name variable is defined. No additional tag is necessary. </a:t>
+            </a:r>
+          </a:p>
+          <a:p>
+            <a:pPr marL="0" indent="0">
+              <a:buNone/>
+            </a:pPr>
+            <a:r>
+              <a:rPr lang="en-US" i="0" baseline="0" dirty="0" smtClean="0"/>
+              <a:t>A &lt;div&gt; section tells Razor that what follows should be taken as literal. Then the @name indicates a variable that needs to be replaced with its value.</a:t>
+            </a:r>
+          </a:p>
+          <a:p>
+            <a:pPr marL="0" indent="0">
+              <a:buNone/>
+            </a:pPr>
+            <a:endParaRPr lang="es-AR" baseline="0" dirty="0" smtClean="0"/>
+          </a:p>
+          <a:p>
+            <a:pPr marL="0" indent="0">
+              <a:buNone/>
+            </a:pPr>
+            <a:r>
+              <a:rPr lang="en-US" b="1" u="sng" baseline="0" noProof="0" dirty="0" smtClean="0"/>
+              <a:t>Option 2:</a:t>
+            </a:r>
+          </a:p>
+          <a:p>
+            <a:pPr marL="0" indent="0">
+              <a:buNone/>
+            </a:pPr>
+            <a:r>
+              <a:rPr lang="en-US" baseline="0" dirty="0" smtClean="0"/>
+              <a:t>Similarly, to explicitly call out text in a code block as HTML, wrap it in a &lt;text&gt; tag</a:t>
+            </a:r>
+          </a:p>
+          <a:p>
+            <a:pPr marL="0" indent="0">
+              <a:buNone/>
+            </a:pPr>
+            <a:endParaRPr lang="es-AR" baseline="0" dirty="0" smtClean="0"/>
+          </a:p>
+          <a:p>
+            <a:pPr marL="0" marR="0" indent="0" algn="l" defTabSz="914400" rtl="0" eaLnBrk="1" fontAlgn="auto" latinLnBrk="0" hangingPunct="1">
+              <a:lnSpc>
+                <a:spcPct val="100000"/>
+              </a:lnSpc>
+              <a:spcBef>
+                <a:spcPts val="0"/>
+              </a:spcBef>
+              <a:spcAft>
+                <a:spcPts val="0"/>
+              </a:spcAft>
+              <a:buClrTx/>
+              <a:buSzTx/>
+              <a:buFontTx/>
+              <a:buNone/>
+              <a:tabLst/>
+              <a:defRPr/>
+            </a:pPr>
+            <a:r>
+              <a:rPr lang="en-US" b="1" u="sng" baseline="0" noProof="0" dirty="0" smtClean="0"/>
+              <a:t>Option 3:</a:t>
+            </a:r>
+          </a:p>
+          <a:p>
+            <a:pPr marL="0" indent="0">
+              <a:buNone/>
+            </a:pPr>
+            <a:r>
+              <a:rPr lang="en-US" baseline="0" dirty="0" smtClean="0"/>
+              <a:t>Single line of output within markup can be denoted by @:</a:t>
+            </a:r>
+          </a:p>
+          <a:p>
+            <a:pPr marL="0" marR="0" indent="0" algn="l" defTabSz="914400" rtl="0" eaLnBrk="1" fontAlgn="auto" latinLnBrk="0" hangingPunct="1">
+              <a:lnSpc>
+                <a:spcPct val="100000"/>
+              </a:lnSpc>
+              <a:spcBef>
+                <a:spcPts val="0"/>
+              </a:spcBef>
+              <a:spcAft>
+                <a:spcPts val="0"/>
+              </a:spcAft>
+              <a:buClrTx/>
+              <a:buSzTx/>
+              <a:buFontTx/>
+              <a:buNone/>
+              <a:tabLst/>
+              <a:defRPr/>
+            </a:pPr>
+            <a:r>
+              <a:rPr lang="en-US" i="0" baseline="0" noProof="0" dirty="0" smtClean="0"/>
+              <a:t>This option is useful when you don’t want to render an </a:t>
+            </a:r>
+            <a:r>
+              <a:rPr lang="en-US" i="0" dirty="0" smtClean="0"/>
+              <a:t>HTML element as part of the output. </a:t>
+            </a:r>
+            <a:endParaRPr lang="en-US" i="0" baseline="0" dirty="0" smtClean="0"/>
+          </a:p>
+          <a:p>
+            <a:endParaRPr lang="en-US" baseline="0" dirty="0" smtClean="0"/>
+          </a:p>
+          <a:p>
+            <a:pPr marL="0" marR="0" indent="0" algn="l" defTabSz="914400" rtl="0" eaLnBrk="1" fontAlgn="auto" latinLnBrk="0" hangingPunct="1">
+              <a:lnSpc>
+                <a:spcPct val="100000"/>
+              </a:lnSpc>
+              <a:spcBef>
+                <a:spcPts val="0"/>
+              </a:spcBef>
+              <a:spcAft>
+                <a:spcPts val="0"/>
+              </a:spcAft>
+              <a:buClrTx/>
+              <a:buSzTx/>
+              <a:buFontTx/>
+              <a:buNone/>
+              <a:tabLst/>
+              <a:defRPr/>
+            </a:pPr>
+            <a:r>
+              <a:rPr lang="en-US" dirty="0" smtClean="0"/>
+              <a:t>Extra Knowledge (Advanced):</a:t>
+            </a:r>
+          </a:p>
+          <a:p>
+            <a:pPr marL="0" marR="0" indent="0" algn="l" defTabSz="914400" rtl="0" eaLnBrk="1" fontAlgn="auto" latinLnBrk="0" hangingPunct="1">
+              <a:lnSpc>
+                <a:spcPct val="100000"/>
+              </a:lnSpc>
+              <a:spcBef>
+                <a:spcPts val="0"/>
+              </a:spcBef>
+              <a:spcAft>
+                <a:spcPts val="0"/>
+              </a:spcAft>
+              <a:buClrTx/>
+              <a:buSzTx/>
+              <a:buFontTx/>
+              <a:buNone/>
+              <a:tabLst/>
+              <a:defRPr/>
+            </a:pPr>
+            <a:endParaRPr lang="en-US" dirty="0" smtClean="0"/>
+          </a:p>
+          <a:p>
+            <a:pPr marL="0" marR="0" indent="0" algn="l" defTabSz="914400" rtl="0" eaLnBrk="1" fontAlgn="auto" latinLnBrk="0" hangingPunct="1">
+              <a:lnSpc>
+                <a:spcPct val="100000"/>
+              </a:lnSpc>
+              <a:spcBef>
+                <a:spcPts val="0"/>
+              </a:spcBef>
+              <a:spcAft>
+                <a:spcPts val="0"/>
+              </a:spcAft>
+              <a:buClrTx/>
+              <a:buSzTx/>
+              <a:buFontTx/>
+              <a:buNone/>
+              <a:tabLst/>
+              <a:defRPr/>
+            </a:pPr>
+            <a:r>
+              <a:rPr lang="en-US" dirty="0" smtClean="0"/>
+              <a:t>The</a:t>
+            </a:r>
+            <a:r>
+              <a:rPr lang="en-US" baseline="0" dirty="0" smtClean="0"/>
+              <a:t> Parser that understands Razor is itself a standalone assembly (</a:t>
+            </a:r>
+            <a:r>
+              <a:rPr lang="en-US" dirty="0" smtClean="0"/>
+              <a:t>System.Web.Razor.dll)</a:t>
+            </a:r>
+            <a:r>
+              <a:rPr lang="en-US" baseline="0" dirty="0" smtClean="0"/>
+              <a:t> which has no dependencies on ASP.NET which means you can use it to parse CSHTML/VBHTML files and produce C#/VB code in any .NET application.  </a:t>
+            </a:r>
+            <a:endParaRPr lang="en-US" dirty="0" smtClean="0"/>
           </a:p>
         </p:txBody>
       </p:sp>
@@ -3366,19 +3688,18 @@
           <a:bodyPr/>
           <a:lstStyle/>
           <a:p>
-            <a:fld id="{82AABF77-E2E4-44CA-BA5C-65E132CF08D8}" type="slidenum">
+            <a:fld id="{D88053AA-761C-4194-BE5B-5E836C7C1428}" type="slidenum">
               <a:rPr lang="en-US" smtClean="0"/>
-              <a:pPr/>
               <a:t>29</a:t>
             </a:fld>
-            <a:endParaRPr lang="en-US" dirty="0"/>
+            <a:endParaRPr lang="en-US"/>
           </a:p>
         </p:txBody>
       </p:sp>
     </p:spTree>
     <p:extLst>
       <p:ext uri="{BB962C8B-B14F-4D97-AF65-F5344CB8AC3E}">
-        <p14:creationId xmlns:p14="http://schemas.microsoft.com/office/powerpoint/2010/main" val="128416714"/>
+        <p14:creationId xmlns:p14="http://schemas.microsoft.com/office/powerpoint/2010/main" val="706457235"/>
       </p:ext>
     </p:extLst>
   </p:cSld>
@@ -3389,6 +3710,314 @@
 </file>
 
 <file path=ppt/notesSlides/notesSlide26.xml><?xml version="1.0" encoding="utf-8"?>
+<p:notes xmlns:a="http://schemas.openxmlformats.org/drawingml/2006/main" xmlns:r="http://schemas.openxmlformats.org/officeDocument/2006/relationships" xmlns:p="http://schemas.openxmlformats.org/presentationml/2006/main">
+  <p:cSld>
+    <p:spTree>
+      <p:nvGrpSpPr>
+        <p:cNvPr id="1" name=""/>
+        <p:cNvGrpSpPr/>
+        <p:nvPr/>
+      </p:nvGrpSpPr>
+      <p:grpSpPr>
+        <a:xfrm>
+          <a:off x="0" y="0"/>
+          <a:ext cx="0" cy="0"/>
+          <a:chOff x="0" y="0"/>
+          <a:chExt cx="0" cy="0"/>
+        </a:xfrm>
+      </p:grpSpPr>
+      <p:sp>
+        <p:nvSpPr>
+          <p:cNvPr id="2" name="Slide Image Placeholder 1"/>
+          <p:cNvSpPr>
+            <a:spLocks noGrp="1" noRot="1" noChangeAspect="1"/>
+          </p:cNvSpPr>
+          <p:nvPr>
+            <p:ph type="sldImg"/>
+          </p:nvPr>
+        </p:nvSpPr>
+        <p:spPr/>
+      </p:sp>
+      <p:sp>
+        <p:nvSpPr>
+          <p:cNvPr id="3" name="Notes Placeholder 2"/>
+          <p:cNvSpPr>
+            <a:spLocks noGrp="1"/>
+          </p:cNvSpPr>
+          <p:nvPr>
+            <p:ph type="body" idx="1"/>
+          </p:nvPr>
+        </p:nvSpPr>
+        <p:spPr/>
+        <p:txBody>
+          <a:bodyPr/>
+          <a:lstStyle/>
+          <a:p>
+            <a:r>
+              <a:rPr lang="en-US" dirty="0" smtClean="0"/>
+              <a:t>1</a:t>
+            </a:r>
+            <a:r>
+              <a:rPr lang="en-US" baseline="0" dirty="0" smtClean="0"/>
+              <a:t> minute</a:t>
+            </a:r>
+          </a:p>
+          <a:p>
+            <a:endParaRPr lang="en-US" baseline="0" dirty="0" smtClean="0"/>
+          </a:p>
+          <a:p>
+            <a:r>
+              <a:rPr lang="en-US" baseline="0" dirty="0" smtClean="0"/>
+              <a:t>The transition from code to markup is one of the most elegant things about Razor but there a few rules that are worth knowing about.  </a:t>
+            </a:r>
+          </a:p>
+          <a:p>
+            <a:endParaRPr lang="es-AR" baseline="0" dirty="0" smtClean="0"/>
+          </a:p>
+          <a:p>
+            <a:r>
+              <a:rPr lang="en-US" b="1" u="sng" baseline="0" noProof="0" dirty="0" smtClean="0"/>
+              <a:t>Option</a:t>
+            </a:r>
+            <a:r>
+              <a:rPr lang="es-AR" b="1" u="sng" baseline="0" dirty="0" smtClean="0"/>
+              <a:t> 1:</a:t>
+            </a:r>
+            <a:endParaRPr lang="en-US" b="1" u="sng" baseline="0" dirty="0" smtClean="0"/>
+          </a:p>
+          <a:p>
+            <a:pPr marL="0" indent="0">
+              <a:buNone/>
+            </a:pPr>
+            <a:r>
+              <a:rPr lang="en-US" baseline="0" dirty="0" smtClean="0"/>
+              <a:t>Code is the primary citizen in a code block, not HTML.  This means the parser will always expect code unless it finds valid opening (and closing) tags. </a:t>
+            </a:r>
+            <a:r>
+              <a:rPr lang="en-US" i="0" baseline="0" dirty="0" smtClean="0"/>
+              <a:t>In the first option block you see that after the @{ a name variable is defined. No additional tag is necessary. </a:t>
+            </a:r>
+          </a:p>
+          <a:p>
+            <a:pPr marL="0" indent="0">
+              <a:buNone/>
+            </a:pPr>
+            <a:r>
+              <a:rPr lang="en-US" i="0" baseline="0" dirty="0" smtClean="0"/>
+              <a:t>A &lt;div&gt; section tells Razor that what follows should be taken as literal. Then the @name indicates a variable that needs to be replaced with its value.</a:t>
+            </a:r>
+          </a:p>
+          <a:p>
+            <a:pPr marL="0" indent="0">
+              <a:buNone/>
+            </a:pPr>
+            <a:endParaRPr lang="es-AR" baseline="0" dirty="0" smtClean="0"/>
+          </a:p>
+          <a:p>
+            <a:pPr marL="0" indent="0">
+              <a:buNone/>
+            </a:pPr>
+            <a:r>
+              <a:rPr lang="en-US" b="1" u="sng" baseline="0" noProof="0" dirty="0" smtClean="0"/>
+              <a:t>Option 2:</a:t>
+            </a:r>
+          </a:p>
+          <a:p>
+            <a:pPr marL="0" indent="0">
+              <a:buNone/>
+            </a:pPr>
+            <a:r>
+              <a:rPr lang="en-US" baseline="0" dirty="0" smtClean="0"/>
+              <a:t>Similarly, to explicitly call out text in a code block as HTML, wrap it in a &lt;text&gt; tag</a:t>
+            </a:r>
+          </a:p>
+          <a:p>
+            <a:pPr marL="0" indent="0">
+              <a:buNone/>
+            </a:pPr>
+            <a:endParaRPr lang="es-AR" baseline="0" dirty="0" smtClean="0"/>
+          </a:p>
+          <a:p>
+            <a:pPr marL="0" marR="0" indent="0" algn="l" defTabSz="914400" rtl="0" eaLnBrk="1" fontAlgn="auto" latinLnBrk="0" hangingPunct="1">
+              <a:lnSpc>
+                <a:spcPct val="100000"/>
+              </a:lnSpc>
+              <a:spcBef>
+                <a:spcPts val="0"/>
+              </a:spcBef>
+              <a:spcAft>
+                <a:spcPts val="0"/>
+              </a:spcAft>
+              <a:buClrTx/>
+              <a:buSzTx/>
+              <a:buFontTx/>
+              <a:buNone/>
+              <a:tabLst/>
+              <a:defRPr/>
+            </a:pPr>
+            <a:r>
+              <a:rPr lang="en-US" b="1" u="sng" baseline="0" noProof="0" dirty="0" smtClean="0"/>
+              <a:t>Option 3:</a:t>
+            </a:r>
+          </a:p>
+          <a:p>
+            <a:pPr marL="0" indent="0">
+              <a:buNone/>
+            </a:pPr>
+            <a:r>
+              <a:rPr lang="en-US" baseline="0" dirty="0" smtClean="0"/>
+              <a:t>Single line of output within markup can be denoted by @:</a:t>
+            </a:r>
+          </a:p>
+          <a:p>
+            <a:pPr marL="0" marR="0" indent="0" algn="l" defTabSz="914400" rtl="0" eaLnBrk="1" fontAlgn="auto" latinLnBrk="0" hangingPunct="1">
+              <a:lnSpc>
+                <a:spcPct val="100000"/>
+              </a:lnSpc>
+              <a:spcBef>
+                <a:spcPts val="0"/>
+              </a:spcBef>
+              <a:spcAft>
+                <a:spcPts val="0"/>
+              </a:spcAft>
+              <a:buClrTx/>
+              <a:buSzTx/>
+              <a:buFontTx/>
+              <a:buNone/>
+              <a:tabLst/>
+              <a:defRPr/>
+            </a:pPr>
+            <a:r>
+              <a:rPr lang="en-US" i="0" baseline="0" noProof="0" dirty="0" smtClean="0"/>
+              <a:t>This option is useful when you don’t want to render an </a:t>
+            </a:r>
+            <a:r>
+              <a:rPr lang="en-US" i="0" dirty="0" smtClean="0"/>
+              <a:t>HTML element as part of the output. </a:t>
+            </a:r>
+            <a:endParaRPr lang="en-US" i="0" baseline="0" dirty="0" smtClean="0"/>
+          </a:p>
+          <a:p>
+            <a:endParaRPr lang="en-US" baseline="0" dirty="0" smtClean="0"/>
+          </a:p>
+          <a:p>
+            <a:pPr marL="0" marR="0" indent="0" algn="l" defTabSz="914400" rtl="0" eaLnBrk="1" fontAlgn="auto" latinLnBrk="0" hangingPunct="1">
+              <a:lnSpc>
+                <a:spcPct val="100000"/>
+              </a:lnSpc>
+              <a:spcBef>
+                <a:spcPts val="0"/>
+              </a:spcBef>
+              <a:spcAft>
+                <a:spcPts val="0"/>
+              </a:spcAft>
+              <a:buClrTx/>
+              <a:buSzTx/>
+              <a:buFontTx/>
+              <a:buNone/>
+              <a:tabLst/>
+              <a:defRPr/>
+            </a:pPr>
+            <a:r>
+              <a:rPr lang="en-US" dirty="0" smtClean="0"/>
+              <a:t>Extra Knowledge (Advanced):</a:t>
+            </a:r>
+          </a:p>
+          <a:p>
+            <a:pPr marL="0" marR="0" indent="0" algn="l" defTabSz="914400" rtl="0" eaLnBrk="1" fontAlgn="auto" latinLnBrk="0" hangingPunct="1">
+              <a:lnSpc>
+                <a:spcPct val="100000"/>
+              </a:lnSpc>
+              <a:spcBef>
+                <a:spcPts val="0"/>
+              </a:spcBef>
+              <a:spcAft>
+                <a:spcPts val="0"/>
+              </a:spcAft>
+              <a:buClrTx/>
+              <a:buSzTx/>
+              <a:buFontTx/>
+              <a:buNone/>
+              <a:tabLst/>
+              <a:defRPr/>
+            </a:pPr>
+            <a:endParaRPr lang="en-US" dirty="0" smtClean="0"/>
+          </a:p>
+          <a:p>
+            <a:pPr marL="0" marR="0" indent="0" algn="l" defTabSz="914400" rtl="0" eaLnBrk="1" fontAlgn="auto" latinLnBrk="0" hangingPunct="1">
+              <a:lnSpc>
+                <a:spcPct val="100000"/>
+              </a:lnSpc>
+              <a:spcBef>
+                <a:spcPts val="0"/>
+              </a:spcBef>
+              <a:spcAft>
+                <a:spcPts val="0"/>
+              </a:spcAft>
+              <a:buClrTx/>
+              <a:buSzTx/>
+              <a:buFontTx/>
+              <a:buNone/>
+              <a:tabLst/>
+              <a:defRPr/>
+            </a:pPr>
+            <a:r>
+              <a:rPr lang="en-US" dirty="0" smtClean="0"/>
+              <a:t>The</a:t>
+            </a:r>
+            <a:r>
+              <a:rPr lang="en-US" baseline="0" dirty="0" smtClean="0"/>
+              <a:t> Parser that understands Razor is itself a standalone assembly (</a:t>
+            </a:r>
+            <a:r>
+              <a:rPr lang="en-US" dirty="0" smtClean="0"/>
+              <a:t>System.Web.Razor.dll)</a:t>
+            </a:r>
+            <a:r>
+              <a:rPr lang="en-US" baseline="0" dirty="0" smtClean="0"/>
+              <a:t> which has no dependencies on ASP.NET which means you can use it to parse CSHTML/VBHTML files and produce C#/VB code in any .NET application.  </a:t>
+            </a:r>
+            <a:endParaRPr lang="en-US" dirty="0" smtClean="0"/>
+          </a:p>
+        </p:txBody>
+      </p:sp>
+      <p:sp>
+        <p:nvSpPr>
+          <p:cNvPr id="4" name="Slide Number Placeholder 3"/>
+          <p:cNvSpPr>
+            <a:spLocks noGrp="1"/>
+          </p:cNvSpPr>
+          <p:nvPr>
+            <p:ph type="sldNum" sz="quarter" idx="10"/>
+          </p:nvPr>
+        </p:nvSpPr>
+        <p:spPr/>
+        <p:txBody>
+          <a:bodyPr/>
+          <a:lstStyle/>
+          <a:p>
+            <a:fld id="{D88053AA-761C-4194-BE5B-5E836C7C1428}" type="slidenum">
+              <a:rPr lang="en-US" smtClean="0"/>
+              <a:t>30</a:t>
+            </a:fld>
+            <a:endParaRPr lang="en-US"/>
+          </a:p>
+        </p:txBody>
+      </p:sp>
+    </p:spTree>
+    <p:extLst>
+      <p:ext uri="{BB962C8B-B14F-4D97-AF65-F5344CB8AC3E}">
+        <p14:creationId xmlns:p14="http://schemas.microsoft.com/office/powerpoint/2010/main" val="706457235"/>
+      </p:ext>
+    </p:extLst>
+  </p:cSld>
+  <p:clrMapOvr>
+    <a:masterClrMapping/>
+  </p:clrMapOvr>
+</p:notes>
+</file>
+
+<file path=ppt/notesSlides/notesSlide27.xml><?xml version="1.0" encoding="utf-8"?>
 <p:notes xmlns:a="http://schemas.openxmlformats.org/drawingml/2006/main" xmlns:r="http://schemas.openxmlformats.org/officeDocument/2006/relationships" xmlns:p="http://schemas.openxmlformats.org/presentationml/2006/main">
   <p:cSld>
     <p:spTree>
@@ -3459,7 +4088,7 @@
             <a:fld id="{8B263312-38AA-4E1E-B2B5-0F8F122B24FE}" type="slidenum">
               <a:rPr lang="en-US" smtClean="0"/>
               <a:pPr/>
-              <a:t>30</a:t>
+              <a:t>31</a:t>
             </a:fld>
             <a:endParaRPr lang="en-US" dirty="0"/>
           </a:p>
@@ -3469,91 +4098,6 @@
     <p:extLst>
       <p:ext uri="{BB962C8B-B14F-4D97-AF65-F5344CB8AC3E}">
         <p14:creationId xmlns:p14="http://schemas.microsoft.com/office/powerpoint/2010/main" val="346265460"/>
-      </p:ext>
-    </p:extLst>
-  </p:cSld>
-  <p:clrMapOvr>
-    <a:masterClrMapping/>
-  </p:clrMapOvr>
-</p:notes>
-</file>
-
-<file path=ppt/notesSlides/notesSlide27.xml><?xml version="1.0" encoding="utf-8"?>
-<p:notes xmlns:a="http://schemas.openxmlformats.org/drawingml/2006/main" xmlns:r="http://schemas.openxmlformats.org/officeDocument/2006/relationships" xmlns:p="http://schemas.openxmlformats.org/presentationml/2006/main">
-  <p:cSld>
-    <p:spTree>
-      <p:nvGrpSpPr>
-        <p:cNvPr id="1" name=""/>
-        <p:cNvGrpSpPr/>
-        <p:nvPr/>
-      </p:nvGrpSpPr>
-      <p:grpSpPr>
-        <a:xfrm>
-          <a:off x="0" y="0"/>
-          <a:ext cx="0" cy="0"/>
-          <a:chOff x="0" y="0"/>
-          <a:chExt cx="0" cy="0"/>
-        </a:xfrm>
-      </p:grpSpPr>
-      <p:sp>
-        <p:nvSpPr>
-          <p:cNvPr id="2" name="Slide Image Placeholder 1"/>
-          <p:cNvSpPr>
-            <a:spLocks noGrp="1" noRot="1" noChangeAspect="1"/>
-          </p:cNvSpPr>
-          <p:nvPr>
-            <p:ph type="sldImg"/>
-          </p:nvPr>
-        </p:nvSpPr>
-        <p:spPr/>
-      </p:sp>
-      <p:sp>
-        <p:nvSpPr>
-          <p:cNvPr id="3" name="Notes Placeholder 2"/>
-          <p:cNvSpPr>
-            <a:spLocks noGrp="1"/>
-          </p:cNvSpPr>
-          <p:nvPr>
-            <p:ph type="body" idx="1"/>
-          </p:nvPr>
-        </p:nvSpPr>
-        <p:spPr/>
-        <p:txBody>
-          <a:bodyPr/>
-          <a:lstStyle/>
-          <a:p>
-            <a:endParaRPr lang="en-US"/>
-          </a:p>
-        </p:txBody>
-      </p:sp>
-      <p:sp>
-        <p:nvSpPr>
-          <p:cNvPr id="4" name="Slide Number Placeholder 3"/>
-          <p:cNvSpPr>
-            <a:spLocks noGrp="1"/>
-          </p:cNvSpPr>
-          <p:nvPr>
-            <p:ph type="sldNum" sz="quarter" idx="10"/>
-          </p:nvPr>
-        </p:nvSpPr>
-        <p:spPr/>
-        <p:txBody>
-          <a:bodyPr/>
-          <a:lstStyle/>
-          <a:p>
-            <a:fld id="{82AABF77-E2E4-44CA-BA5C-65E132CF08D8}" type="slidenum">
-              <a:rPr lang="en-US" smtClean="0"/>
-              <a:pPr/>
-              <a:t>31</a:t>
-            </a:fld>
-            <a:endParaRPr lang="en-US" dirty="0"/>
-          </a:p>
-        </p:txBody>
-      </p:sp>
-    </p:spTree>
-    <p:extLst>
-      <p:ext uri="{BB962C8B-B14F-4D97-AF65-F5344CB8AC3E}">
-        <p14:creationId xmlns:p14="http://schemas.microsoft.com/office/powerpoint/2010/main" val="379710883"/>
       </p:ext>
     </p:extLst>
   </p:cSld>
@@ -3638,7 +4182,7 @@
     </p:spTree>
     <p:extLst>
       <p:ext uri="{BB962C8B-B14F-4D97-AF65-F5344CB8AC3E}">
-        <p14:creationId xmlns:p14="http://schemas.microsoft.com/office/powerpoint/2010/main" val="2579232813"/>
+        <p14:creationId xmlns:p14="http://schemas.microsoft.com/office/powerpoint/2010/main" val="128416714"/>
       </p:ext>
     </p:extLst>
   </p:cSld>
@@ -3675,7 +4219,12 @@
             <p:ph type="sldImg"/>
           </p:nvPr>
         </p:nvSpPr>
-        <p:spPr/>
+        <p:spPr>
+          <a:xfrm>
+            <a:off x="331788" y="696913"/>
+            <a:ext cx="6194425" cy="3486150"/>
+          </a:xfrm>
+        </p:spPr>
       </p:sp>
       <p:sp>
         <p:nvSpPr>
@@ -3692,7 +4241,7 @@
           <a:bodyPr/>
           <a:lstStyle/>
           <a:p>
-            <a:endParaRPr lang="en-US"/>
+            <a:endParaRPr lang="en-US" dirty="0"/>
           </a:p>
         </p:txBody>
       </p:sp>
@@ -3711,7 +4260,7 @@
           <a:bodyPr/>
           <a:lstStyle/>
           <a:p>
-            <a:fld id="{82AABF77-E2E4-44CA-BA5C-65E132CF08D8}" type="slidenum">
+            <a:fld id="{8B263312-38AA-4E1E-B2B5-0F8F122B24FE}" type="slidenum">
               <a:rPr lang="en-US" smtClean="0"/>
               <a:pPr/>
               <a:t>33</a:t>
@@ -3723,7 +4272,7 @@
     </p:spTree>
     <p:extLst>
       <p:ext uri="{BB962C8B-B14F-4D97-AF65-F5344CB8AC3E}">
-        <p14:creationId xmlns:p14="http://schemas.microsoft.com/office/powerpoint/2010/main" val="3790048969"/>
+        <p14:creationId xmlns:p14="http://schemas.microsoft.com/office/powerpoint/2010/main" val="346265460"/>
       </p:ext>
     </p:extLst>
   </p:cSld>
@@ -3853,6 +4402,261 @@
             <p:ph type="sldImg"/>
           </p:nvPr>
         </p:nvSpPr>
+        <p:spPr/>
+      </p:sp>
+      <p:sp>
+        <p:nvSpPr>
+          <p:cNvPr id="3" name="Notes Placeholder 2"/>
+          <p:cNvSpPr>
+            <a:spLocks noGrp="1"/>
+          </p:cNvSpPr>
+          <p:nvPr>
+            <p:ph type="body" idx="1"/>
+          </p:nvPr>
+        </p:nvSpPr>
+        <p:spPr/>
+        <p:txBody>
+          <a:bodyPr/>
+          <a:lstStyle/>
+          <a:p>
+            <a:endParaRPr lang="en-US"/>
+          </a:p>
+        </p:txBody>
+      </p:sp>
+      <p:sp>
+        <p:nvSpPr>
+          <p:cNvPr id="4" name="Slide Number Placeholder 3"/>
+          <p:cNvSpPr>
+            <a:spLocks noGrp="1"/>
+          </p:cNvSpPr>
+          <p:nvPr>
+            <p:ph type="sldNum" sz="quarter" idx="10"/>
+          </p:nvPr>
+        </p:nvSpPr>
+        <p:spPr/>
+        <p:txBody>
+          <a:bodyPr/>
+          <a:lstStyle/>
+          <a:p>
+            <a:fld id="{82AABF77-E2E4-44CA-BA5C-65E132CF08D8}" type="slidenum">
+              <a:rPr lang="en-US" smtClean="0"/>
+              <a:pPr/>
+              <a:t>34</a:t>
+            </a:fld>
+            <a:endParaRPr lang="en-US" dirty="0"/>
+          </a:p>
+        </p:txBody>
+      </p:sp>
+    </p:spTree>
+    <p:extLst>
+      <p:ext uri="{BB962C8B-B14F-4D97-AF65-F5344CB8AC3E}">
+        <p14:creationId xmlns:p14="http://schemas.microsoft.com/office/powerpoint/2010/main" val="379710883"/>
+      </p:ext>
+    </p:extLst>
+  </p:cSld>
+  <p:clrMapOvr>
+    <a:masterClrMapping/>
+  </p:clrMapOvr>
+</p:notes>
+</file>
+
+<file path=ppt/notesSlides/notesSlide31.xml><?xml version="1.0" encoding="utf-8"?>
+<p:notes xmlns:a="http://schemas.openxmlformats.org/drawingml/2006/main" xmlns:r="http://schemas.openxmlformats.org/officeDocument/2006/relationships" xmlns:p="http://schemas.openxmlformats.org/presentationml/2006/main">
+  <p:cSld>
+    <p:spTree>
+      <p:nvGrpSpPr>
+        <p:cNvPr id="1" name=""/>
+        <p:cNvGrpSpPr/>
+        <p:nvPr/>
+      </p:nvGrpSpPr>
+      <p:grpSpPr>
+        <a:xfrm>
+          <a:off x="0" y="0"/>
+          <a:ext cx="0" cy="0"/>
+          <a:chOff x="0" y="0"/>
+          <a:chExt cx="0" cy="0"/>
+        </a:xfrm>
+      </p:grpSpPr>
+      <p:sp>
+        <p:nvSpPr>
+          <p:cNvPr id="2" name="Slide Image Placeholder 1"/>
+          <p:cNvSpPr>
+            <a:spLocks noGrp="1" noRot="1" noChangeAspect="1"/>
+          </p:cNvSpPr>
+          <p:nvPr>
+            <p:ph type="sldImg"/>
+          </p:nvPr>
+        </p:nvSpPr>
+        <p:spPr/>
+      </p:sp>
+      <p:sp>
+        <p:nvSpPr>
+          <p:cNvPr id="3" name="Notes Placeholder 2"/>
+          <p:cNvSpPr>
+            <a:spLocks noGrp="1"/>
+          </p:cNvSpPr>
+          <p:nvPr>
+            <p:ph type="body" idx="1"/>
+          </p:nvPr>
+        </p:nvSpPr>
+        <p:spPr/>
+        <p:txBody>
+          <a:bodyPr/>
+          <a:lstStyle/>
+          <a:p>
+            <a:endParaRPr lang="en-US"/>
+          </a:p>
+        </p:txBody>
+      </p:sp>
+      <p:sp>
+        <p:nvSpPr>
+          <p:cNvPr id="4" name="Slide Number Placeholder 3"/>
+          <p:cNvSpPr>
+            <a:spLocks noGrp="1"/>
+          </p:cNvSpPr>
+          <p:nvPr>
+            <p:ph type="sldNum" sz="quarter" idx="10"/>
+          </p:nvPr>
+        </p:nvSpPr>
+        <p:spPr/>
+        <p:txBody>
+          <a:bodyPr/>
+          <a:lstStyle/>
+          <a:p>
+            <a:fld id="{82AABF77-E2E4-44CA-BA5C-65E132CF08D8}" type="slidenum">
+              <a:rPr lang="en-US" smtClean="0"/>
+              <a:pPr/>
+              <a:t>35</a:t>
+            </a:fld>
+            <a:endParaRPr lang="en-US" dirty="0"/>
+          </a:p>
+        </p:txBody>
+      </p:sp>
+    </p:spTree>
+    <p:extLst>
+      <p:ext uri="{BB962C8B-B14F-4D97-AF65-F5344CB8AC3E}">
+        <p14:creationId xmlns:p14="http://schemas.microsoft.com/office/powerpoint/2010/main" val="2579232813"/>
+      </p:ext>
+    </p:extLst>
+  </p:cSld>
+  <p:clrMapOvr>
+    <a:masterClrMapping/>
+  </p:clrMapOvr>
+</p:notes>
+</file>
+
+<file path=ppt/notesSlides/notesSlide32.xml><?xml version="1.0" encoding="utf-8"?>
+<p:notes xmlns:a="http://schemas.openxmlformats.org/drawingml/2006/main" xmlns:r="http://schemas.openxmlformats.org/officeDocument/2006/relationships" xmlns:p="http://schemas.openxmlformats.org/presentationml/2006/main">
+  <p:cSld>
+    <p:spTree>
+      <p:nvGrpSpPr>
+        <p:cNvPr id="1" name=""/>
+        <p:cNvGrpSpPr/>
+        <p:nvPr/>
+      </p:nvGrpSpPr>
+      <p:grpSpPr>
+        <a:xfrm>
+          <a:off x="0" y="0"/>
+          <a:ext cx="0" cy="0"/>
+          <a:chOff x="0" y="0"/>
+          <a:chExt cx="0" cy="0"/>
+        </a:xfrm>
+      </p:grpSpPr>
+      <p:sp>
+        <p:nvSpPr>
+          <p:cNvPr id="2" name="Slide Image Placeholder 1"/>
+          <p:cNvSpPr>
+            <a:spLocks noGrp="1" noRot="1" noChangeAspect="1"/>
+          </p:cNvSpPr>
+          <p:nvPr>
+            <p:ph type="sldImg"/>
+          </p:nvPr>
+        </p:nvSpPr>
+        <p:spPr/>
+      </p:sp>
+      <p:sp>
+        <p:nvSpPr>
+          <p:cNvPr id="3" name="Notes Placeholder 2"/>
+          <p:cNvSpPr>
+            <a:spLocks noGrp="1"/>
+          </p:cNvSpPr>
+          <p:nvPr>
+            <p:ph type="body" idx="1"/>
+          </p:nvPr>
+        </p:nvSpPr>
+        <p:spPr/>
+        <p:txBody>
+          <a:bodyPr/>
+          <a:lstStyle/>
+          <a:p>
+            <a:endParaRPr lang="en-US"/>
+          </a:p>
+        </p:txBody>
+      </p:sp>
+      <p:sp>
+        <p:nvSpPr>
+          <p:cNvPr id="4" name="Slide Number Placeholder 3"/>
+          <p:cNvSpPr>
+            <a:spLocks noGrp="1"/>
+          </p:cNvSpPr>
+          <p:nvPr>
+            <p:ph type="sldNum" sz="quarter" idx="10"/>
+          </p:nvPr>
+        </p:nvSpPr>
+        <p:spPr/>
+        <p:txBody>
+          <a:bodyPr/>
+          <a:lstStyle/>
+          <a:p>
+            <a:fld id="{82AABF77-E2E4-44CA-BA5C-65E132CF08D8}" type="slidenum">
+              <a:rPr lang="en-US" smtClean="0"/>
+              <a:pPr/>
+              <a:t>36</a:t>
+            </a:fld>
+            <a:endParaRPr lang="en-US" dirty="0"/>
+          </a:p>
+        </p:txBody>
+      </p:sp>
+    </p:spTree>
+    <p:extLst>
+      <p:ext uri="{BB962C8B-B14F-4D97-AF65-F5344CB8AC3E}">
+        <p14:creationId xmlns:p14="http://schemas.microsoft.com/office/powerpoint/2010/main" val="3790048969"/>
+      </p:ext>
+    </p:extLst>
+  </p:cSld>
+  <p:clrMapOvr>
+    <a:masterClrMapping/>
+  </p:clrMapOvr>
+</p:notes>
+</file>
+
+<file path=ppt/notesSlides/notesSlide33.xml><?xml version="1.0" encoding="utf-8"?>
+<p:notes xmlns:a="http://schemas.openxmlformats.org/drawingml/2006/main" xmlns:r="http://schemas.openxmlformats.org/officeDocument/2006/relationships" xmlns:p="http://schemas.openxmlformats.org/presentationml/2006/main">
+  <p:cSld>
+    <p:spTree>
+      <p:nvGrpSpPr>
+        <p:cNvPr id="1" name=""/>
+        <p:cNvGrpSpPr/>
+        <p:nvPr/>
+      </p:nvGrpSpPr>
+      <p:grpSpPr>
+        <a:xfrm>
+          <a:off x="0" y="0"/>
+          <a:ext cx="0" cy="0"/>
+          <a:chOff x="0" y="0"/>
+          <a:chExt cx="0" cy="0"/>
+        </a:xfrm>
+      </p:grpSpPr>
+      <p:sp>
+        <p:nvSpPr>
+          <p:cNvPr id="2" name="Slide Image Placeholder 1"/>
+          <p:cNvSpPr>
+            <a:spLocks noGrp="1" noRot="1" noChangeAspect="1"/>
+          </p:cNvSpPr>
+          <p:nvPr>
+            <p:ph type="sldImg"/>
+          </p:nvPr>
+        </p:nvSpPr>
         <p:spPr>
           <a:xfrm>
             <a:off x="331788" y="696913"/>
@@ -3896,7 +4700,7 @@
           <a:p>
             <a:fld id="{82AABF77-E2E4-44CA-BA5C-65E132CF08D8}" type="slidenum">
               <a:rPr lang="en-US" smtClean="0"/>
-              <a:t>34</a:t>
+              <a:t>37</a:t>
             </a:fld>
             <a:endParaRPr lang="en-US" dirty="0"/>
           </a:p>
@@ -20893,7 +21697,7 @@
           <a:graphicData uri="http://schemas.openxmlformats.org/presentationml/2006/ole">
             <mc:AlternateContent xmlns:mc="http://schemas.openxmlformats.org/markup-compatibility/2006">
               <mc:Choice xmlns:v="urn:schemas-microsoft-com:vml" Requires="v">
-                <p:oleObj spid="_x0000_s34907" name="think-cell Slide" r:id="rId7" imgW="270" imgH="270" progId="TCLayout.ActiveDocument.1">
+                <p:oleObj spid="_x0000_s34916" name="think-cell Slide" r:id="rId7" imgW="270" imgH="270" progId="TCLayout.ActiveDocument.1">
                   <p:embed/>
                 </p:oleObj>
               </mc:Choice>
@@ -23484,7 +24288,7 @@
           <a:graphicData uri="http://schemas.openxmlformats.org/presentationml/2006/ole">
             <mc:AlternateContent xmlns:mc="http://schemas.openxmlformats.org/markup-compatibility/2006">
               <mc:Choice xmlns:v="urn:schemas-microsoft-com:vml" Requires="v">
-                <p:oleObj spid="_x0000_s66566" name="think-cell Slide" r:id="rId6" imgW="270" imgH="270" progId="TCLayout.ActiveDocument.1">
+                <p:oleObj spid="_x0000_s66575" name="think-cell Slide" r:id="rId6" imgW="270" imgH="270" progId="TCLayout.ActiveDocument.1">
                   <p:embed/>
                 </p:oleObj>
               </mc:Choice>
@@ -23661,7 +24465,7 @@
           <a:graphicData uri="http://schemas.openxmlformats.org/presentationml/2006/ole">
             <mc:AlternateContent xmlns:mc="http://schemas.openxmlformats.org/markup-compatibility/2006">
               <mc:Choice xmlns:v="urn:schemas-microsoft-com:vml" Requires="v">
-                <p:oleObj spid="_x0000_s35929" name="think-cell Slide" r:id="rId7" imgW="270" imgH="270" progId="TCLayout.ActiveDocument.1">
+                <p:oleObj spid="_x0000_s35938" name="think-cell Slide" r:id="rId7" imgW="270" imgH="270" progId="TCLayout.ActiveDocument.1">
                   <p:embed/>
                 </p:oleObj>
               </mc:Choice>
@@ -26712,7 +27516,7 @@
           <a:graphicData uri="http://schemas.openxmlformats.org/presentationml/2006/ole">
             <mc:AlternateContent xmlns:mc="http://schemas.openxmlformats.org/markup-compatibility/2006">
               <mc:Choice xmlns:v="urn:schemas-microsoft-com:vml" Requires="v">
-                <p:oleObj spid="_x0000_s59470" name="think-cell Slide" r:id="rId5" imgW="270" imgH="270" progId="TCLayout.ActiveDocument.1">
+                <p:oleObj spid="_x0000_s59479" name="think-cell Slide" r:id="rId5" imgW="270" imgH="270" progId="TCLayout.ActiveDocument.1">
                   <p:embed/>
                 </p:oleObj>
               </mc:Choice>
@@ -26891,7 +27695,7 @@
           <a:graphicData uri="http://schemas.openxmlformats.org/presentationml/2006/ole">
             <mc:AlternateContent xmlns:mc="http://schemas.openxmlformats.org/markup-compatibility/2006">
               <mc:Choice xmlns:v="urn:schemas-microsoft-com:vml" Requires="v">
-                <p:oleObj spid="_x0000_s36949" name="think-cell Slide" r:id="rId6" imgW="270" imgH="270" progId="TCLayout.ActiveDocument.1">
+                <p:oleObj spid="_x0000_s36958" name="think-cell Slide" r:id="rId6" imgW="270" imgH="270" progId="TCLayout.ActiveDocument.1">
                   <p:embed/>
                 </p:oleObj>
               </mc:Choice>
@@ -27075,7 +27879,7 @@
           <a:graphicData uri="http://schemas.openxmlformats.org/presentationml/2006/ole">
             <mc:AlternateContent xmlns:mc="http://schemas.openxmlformats.org/markup-compatibility/2006">
               <mc:Choice xmlns:v="urn:schemas-microsoft-com:vml" Requires="v">
-                <p:oleObj spid="_x0000_s39001" name="think-cell Slide" r:id="rId7" imgW="270" imgH="270" progId="TCLayout.ActiveDocument.1">
+                <p:oleObj spid="_x0000_s39010" name="think-cell Slide" r:id="rId7" imgW="270" imgH="270" progId="TCLayout.ActiveDocument.1">
                   <p:embed/>
                 </p:oleObj>
               </mc:Choice>
@@ -28145,7 +28949,7 @@
           <a:graphicData uri="http://schemas.openxmlformats.org/presentationml/2006/ole">
             <mc:AlternateContent xmlns:mc="http://schemas.openxmlformats.org/markup-compatibility/2006">
               <mc:Choice xmlns:v="urn:schemas-microsoft-com:vml" Requires="v">
-                <p:oleObj spid="_x0000_s41049" name="think-cell Slide" r:id="rId7" imgW="270" imgH="270" progId="TCLayout.ActiveDocument.1">
+                <p:oleObj spid="_x0000_s41058" name="think-cell Slide" r:id="rId7" imgW="270" imgH="270" progId="TCLayout.ActiveDocument.1">
                   <p:embed/>
                 </p:oleObj>
               </mc:Choice>
@@ -30429,7 +31233,7 @@
           <a:graphicData uri="http://schemas.openxmlformats.org/presentationml/2006/ole">
             <mc:AlternateContent xmlns:mc="http://schemas.openxmlformats.org/markup-compatibility/2006">
               <mc:Choice xmlns:v="urn:schemas-microsoft-com:vml" Requires="v">
-                <p:oleObj spid="_x0000_s40021" name="think-cell Slide" r:id="rId5" imgW="270" imgH="270" progId="TCLayout.ActiveDocument.1">
+                <p:oleObj spid="_x0000_s40030" name="think-cell Slide" r:id="rId5" imgW="270" imgH="270" progId="TCLayout.ActiveDocument.1">
                   <p:embed/>
                 </p:oleObj>
               </mc:Choice>
@@ -30590,6 +31394,1801 @@
           <a:chExt cx="0" cy="0"/>
         </a:xfrm>
       </p:grpSpPr>
+      <p:sp>
+        <p:nvSpPr>
+          <p:cNvPr id="19" name="Rectangle 18"/>
+          <p:cNvSpPr/>
+          <p:nvPr/>
+        </p:nvSpPr>
+        <p:spPr bwMode="auto">
+          <a:xfrm>
+            <a:off x="519112" y="6363586"/>
+            <a:ext cx="1766888" cy="207336"/>
+          </a:xfrm>
+          <a:prstGeom prst="rect">
+            <a:avLst/>
+          </a:prstGeom>
+          <a:solidFill>
+            <a:schemeClr val="bg1"/>
+          </a:solidFill>
+          <a:ln>
+            <a:noFill/>
+            <a:headEnd type="none" w="med" len="med"/>
+            <a:tailEnd type="none" w="med" len="med"/>
+          </a:ln>
+          <a:effectLst/>
+        </p:spPr>
+        <p:style>
+          <a:lnRef idx="1">
+            <a:schemeClr val="accent2"/>
+          </a:lnRef>
+          <a:fillRef idx="3">
+            <a:schemeClr val="accent2"/>
+          </a:fillRef>
+          <a:effectRef idx="2">
+            <a:schemeClr val="accent2"/>
+          </a:effectRef>
+          <a:fontRef idx="minor">
+            <a:schemeClr val="lt1"/>
+          </a:fontRef>
+        </p:style>
+        <p:txBody>
+          <a:bodyPr vert="horz" wrap="square" lIns="91436" tIns="45718" rIns="91436" bIns="45718" numCol="1" rtlCol="0" anchor="ctr" anchorCtr="0" compatLnSpc="1">
+            <a:prstTxWarp prst="textNoShape">
+              <a:avLst/>
+            </a:prstTxWarp>
+          </a:bodyPr>
+          <a:lstStyle/>
+          <a:p>
+            <a:pPr algn="ctr" defTabSz="914099" fontAlgn="base">
+              <a:spcBef>
+                <a:spcPct val="0"/>
+              </a:spcBef>
+              <a:spcAft>
+                <a:spcPct val="0"/>
+              </a:spcAft>
+            </a:pPr>
+            <a:endParaRPr lang="en-US" sz="2200" dirty="0" smtClean="0">
+              <a:gradFill>
+                <a:gsLst>
+                  <a:gs pos="0">
+                    <a:srgbClr val="FFFFFF"/>
+                  </a:gs>
+                  <a:gs pos="100000">
+                    <a:srgbClr val="FFFFFF"/>
+                  </a:gs>
+                </a:gsLst>
+                <a:lin ang="5400000" scaled="0"/>
+              </a:gradFill>
+            </a:endParaRPr>
+          </a:p>
+        </p:txBody>
+      </p:sp>
+      <p:sp>
+        <p:nvSpPr>
+          <p:cNvPr id="3" name="Title 2"/>
+          <p:cNvSpPr>
+            <a:spLocks noGrp="1"/>
+          </p:cNvSpPr>
+          <p:nvPr>
+            <p:ph type="title"/>
+          </p:nvPr>
+        </p:nvSpPr>
+        <p:spPr/>
+        <p:txBody>
+          <a:bodyPr>
+            <a:noAutofit/>
+          </a:bodyPr>
+          <a:lstStyle/>
+          <a:p>
+            <a:r>
+              <a:rPr lang="en-US" dirty="0" smtClean="0"/>
+              <a:t>Web API is a part of ASP.NET</a:t>
+            </a:r>
+            <a:endParaRPr lang="en-US" dirty="0"/>
+          </a:p>
+        </p:txBody>
+      </p:sp>
+      <p:sp>
+        <p:nvSpPr>
+          <p:cNvPr id="4" name="Rectangle 3"/>
+          <p:cNvSpPr/>
+          <p:nvPr/>
+        </p:nvSpPr>
+        <p:spPr bwMode="auto">
+          <a:xfrm>
+            <a:off x="879902" y="4527299"/>
+            <a:ext cx="8935748" cy="2004005"/>
+          </a:xfrm>
+          <a:prstGeom prst="rect">
+            <a:avLst/>
+          </a:prstGeom>
+          <a:solidFill>
+            <a:schemeClr val="accent2"/>
+          </a:solidFill>
+          <a:ln>
+            <a:noFill/>
+            <a:headEnd type="none" w="med" len="med"/>
+            <a:tailEnd type="none" w="med" len="med"/>
+          </a:ln>
+          <a:effectLst/>
+        </p:spPr>
+        <p:style>
+          <a:lnRef idx="1">
+            <a:schemeClr val="accent2"/>
+          </a:lnRef>
+          <a:fillRef idx="3">
+            <a:schemeClr val="accent2"/>
+          </a:fillRef>
+          <a:effectRef idx="2">
+            <a:schemeClr val="accent2"/>
+          </a:effectRef>
+          <a:fontRef idx="minor">
+            <a:schemeClr val="lt1"/>
+          </a:fontRef>
+        </p:style>
+        <p:txBody>
+          <a:bodyPr vert="horz" wrap="square" lIns="91436" tIns="45718" rIns="91436" bIns="45718" numCol="1" rtlCol="0" anchor="ctr" anchorCtr="0" compatLnSpc="1">
+            <a:prstTxWarp prst="textNoShape">
+              <a:avLst/>
+            </a:prstTxWarp>
+          </a:bodyPr>
+          <a:lstStyle/>
+          <a:p>
+            <a:pPr algn="ctr" defTabSz="914099" fontAlgn="base">
+              <a:spcBef>
+                <a:spcPct val="0"/>
+              </a:spcBef>
+              <a:spcAft>
+                <a:spcPct val="0"/>
+              </a:spcAft>
+            </a:pPr>
+            <a:endParaRPr lang="en-US" dirty="0">
+              <a:gradFill>
+                <a:gsLst>
+                  <a:gs pos="0">
+                    <a:srgbClr val="FFFFFF"/>
+                  </a:gs>
+                  <a:gs pos="100000">
+                    <a:srgbClr val="FFFFFF"/>
+                  </a:gs>
+                </a:gsLst>
+                <a:lin ang="5400000" scaled="0"/>
+              </a:gradFill>
+            </a:endParaRPr>
+          </a:p>
+        </p:txBody>
+      </p:sp>
+      <p:sp>
+        <p:nvSpPr>
+          <p:cNvPr id="5" name="Rectangle 4"/>
+          <p:cNvSpPr/>
+          <p:nvPr/>
+        </p:nvSpPr>
+        <p:spPr bwMode="auto">
+          <a:xfrm>
+            <a:off x="3898929" y="5763308"/>
+            <a:ext cx="2850125" cy="487680"/>
+          </a:xfrm>
+          <a:prstGeom prst="rect">
+            <a:avLst/>
+          </a:prstGeom>
+          <a:solidFill>
+            <a:schemeClr val="accent4"/>
+          </a:solidFill>
+          <a:ln>
+            <a:noFill/>
+            <a:headEnd type="none" w="med" len="med"/>
+            <a:tailEnd type="none" w="med" len="med"/>
+          </a:ln>
+          <a:effectLst/>
+        </p:spPr>
+        <p:style>
+          <a:lnRef idx="1">
+            <a:schemeClr val="accent2"/>
+          </a:lnRef>
+          <a:fillRef idx="3">
+            <a:schemeClr val="accent2"/>
+          </a:fillRef>
+          <a:effectRef idx="2">
+            <a:schemeClr val="accent2"/>
+          </a:effectRef>
+          <a:fontRef idx="minor">
+            <a:schemeClr val="lt1"/>
+          </a:fontRef>
+        </p:style>
+        <p:txBody>
+          <a:bodyPr vert="horz" wrap="square" lIns="91436" tIns="45718" rIns="91436" bIns="45718" numCol="1" rtlCol="0" anchor="ctr" anchorCtr="0" compatLnSpc="1">
+            <a:prstTxWarp prst="textNoShape">
+              <a:avLst/>
+            </a:prstTxWarp>
+          </a:bodyPr>
+          <a:lstStyle/>
+          <a:p>
+            <a:pPr algn="ctr" defTabSz="914099" fontAlgn="base">
+              <a:spcBef>
+                <a:spcPct val="0"/>
+              </a:spcBef>
+              <a:spcAft>
+                <a:spcPct val="0"/>
+              </a:spcAft>
+            </a:pPr>
+            <a:r>
+              <a:rPr lang="en-US" sz="2000" dirty="0">
+                <a:gradFill>
+                  <a:gsLst>
+                    <a:gs pos="0">
+                      <a:srgbClr val="FFFFFF"/>
+                    </a:gs>
+                    <a:gs pos="100000">
+                      <a:srgbClr val="FFFFFF"/>
+                    </a:gs>
+                  </a:gsLst>
+                  <a:lin ang="5400000" scaled="0"/>
+                </a:gradFill>
+              </a:rPr>
+              <a:t>Caching</a:t>
+            </a:r>
+          </a:p>
+        </p:txBody>
+      </p:sp>
+      <p:sp>
+        <p:nvSpPr>
+          <p:cNvPr id="6" name="Rectangle 5"/>
+          <p:cNvSpPr/>
+          <p:nvPr/>
+        </p:nvSpPr>
+        <p:spPr bwMode="auto">
+          <a:xfrm>
+            <a:off x="948136" y="5232075"/>
+            <a:ext cx="2850125" cy="487680"/>
+          </a:xfrm>
+          <a:prstGeom prst="rect">
+            <a:avLst/>
+          </a:prstGeom>
+          <a:solidFill>
+            <a:schemeClr val="accent4"/>
+          </a:solidFill>
+          <a:ln>
+            <a:noFill/>
+            <a:headEnd type="none" w="med" len="med"/>
+            <a:tailEnd type="none" w="med" len="med"/>
+          </a:ln>
+          <a:effectLst/>
+        </p:spPr>
+        <p:style>
+          <a:lnRef idx="1">
+            <a:schemeClr val="accent2"/>
+          </a:lnRef>
+          <a:fillRef idx="3">
+            <a:schemeClr val="accent2"/>
+          </a:fillRef>
+          <a:effectRef idx="2">
+            <a:schemeClr val="accent2"/>
+          </a:effectRef>
+          <a:fontRef idx="minor">
+            <a:schemeClr val="lt1"/>
+          </a:fontRef>
+        </p:style>
+        <p:txBody>
+          <a:bodyPr vert="horz" wrap="square" lIns="91436" tIns="45718" rIns="91436" bIns="45718" numCol="1" rtlCol="0" anchor="ctr" anchorCtr="0" compatLnSpc="1">
+            <a:prstTxWarp prst="textNoShape">
+              <a:avLst/>
+            </a:prstTxWarp>
+          </a:bodyPr>
+          <a:lstStyle/>
+          <a:p>
+            <a:pPr algn="ctr" defTabSz="914099" fontAlgn="base">
+              <a:spcBef>
+                <a:spcPct val="0"/>
+              </a:spcBef>
+              <a:spcAft>
+                <a:spcPct val="0"/>
+              </a:spcAft>
+            </a:pPr>
+            <a:r>
+              <a:rPr lang="en-US" sz="2000" dirty="0">
+                <a:gradFill>
+                  <a:gsLst>
+                    <a:gs pos="0">
+                      <a:srgbClr val="FFFFFF"/>
+                    </a:gs>
+                    <a:gs pos="100000">
+                      <a:srgbClr val="FFFFFF"/>
+                    </a:gs>
+                  </a:gsLst>
+                  <a:lin ang="5400000" scaled="0"/>
+                </a:gradFill>
+              </a:rPr>
+              <a:t>Modules</a:t>
+            </a:r>
+          </a:p>
+        </p:txBody>
+      </p:sp>
+      <p:sp>
+        <p:nvSpPr>
+          <p:cNvPr id="7" name="Rectangle 6"/>
+          <p:cNvSpPr/>
+          <p:nvPr/>
+        </p:nvSpPr>
+        <p:spPr bwMode="auto">
+          <a:xfrm>
+            <a:off x="3911208" y="5232075"/>
+            <a:ext cx="2850125" cy="487680"/>
+          </a:xfrm>
+          <a:prstGeom prst="rect">
+            <a:avLst/>
+          </a:prstGeom>
+          <a:solidFill>
+            <a:schemeClr val="accent4"/>
+          </a:solidFill>
+          <a:ln>
+            <a:noFill/>
+            <a:headEnd type="none" w="med" len="med"/>
+            <a:tailEnd type="none" w="med" len="med"/>
+          </a:ln>
+          <a:effectLst/>
+        </p:spPr>
+        <p:style>
+          <a:lnRef idx="1">
+            <a:schemeClr val="accent2"/>
+          </a:lnRef>
+          <a:fillRef idx="3">
+            <a:schemeClr val="accent2"/>
+          </a:fillRef>
+          <a:effectRef idx="2">
+            <a:schemeClr val="accent2"/>
+          </a:effectRef>
+          <a:fontRef idx="minor">
+            <a:schemeClr val="lt1"/>
+          </a:fontRef>
+        </p:style>
+        <p:txBody>
+          <a:bodyPr vert="horz" wrap="square" lIns="91436" tIns="45718" rIns="91436" bIns="45718" numCol="1" rtlCol="0" anchor="ctr" anchorCtr="0" compatLnSpc="1">
+            <a:prstTxWarp prst="textNoShape">
+              <a:avLst/>
+            </a:prstTxWarp>
+          </a:bodyPr>
+          <a:lstStyle/>
+          <a:p>
+            <a:pPr algn="ctr" defTabSz="914099" fontAlgn="base">
+              <a:spcBef>
+                <a:spcPct val="0"/>
+              </a:spcBef>
+              <a:spcAft>
+                <a:spcPct val="0"/>
+              </a:spcAft>
+            </a:pPr>
+            <a:r>
+              <a:rPr lang="en-US" sz="2000" dirty="0">
+                <a:gradFill>
+                  <a:gsLst>
+                    <a:gs pos="0">
+                      <a:srgbClr val="FFFFFF"/>
+                    </a:gs>
+                    <a:gs pos="100000">
+                      <a:srgbClr val="FFFFFF"/>
+                    </a:gs>
+                  </a:gsLst>
+                  <a:lin ang="5400000" scaled="0"/>
+                </a:gradFill>
+              </a:rPr>
+              <a:t>Handlers</a:t>
+            </a:r>
+          </a:p>
+        </p:txBody>
+      </p:sp>
+      <p:sp>
+        <p:nvSpPr>
+          <p:cNvPr id="8" name="Rectangle 7"/>
+          <p:cNvSpPr/>
+          <p:nvPr/>
+        </p:nvSpPr>
+        <p:spPr bwMode="auto">
+          <a:xfrm>
+            <a:off x="948136" y="5780715"/>
+            <a:ext cx="2850125" cy="487680"/>
+          </a:xfrm>
+          <a:prstGeom prst="rect">
+            <a:avLst/>
+          </a:prstGeom>
+          <a:solidFill>
+            <a:schemeClr val="accent4"/>
+          </a:solidFill>
+          <a:ln>
+            <a:noFill/>
+            <a:headEnd type="none" w="med" len="med"/>
+            <a:tailEnd type="none" w="med" len="med"/>
+          </a:ln>
+          <a:effectLst/>
+        </p:spPr>
+        <p:style>
+          <a:lnRef idx="1">
+            <a:schemeClr val="accent2"/>
+          </a:lnRef>
+          <a:fillRef idx="3">
+            <a:schemeClr val="accent2"/>
+          </a:fillRef>
+          <a:effectRef idx="2">
+            <a:schemeClr val="accent2"/>
+          </a:effectRef>
+          <a:fontRef idx="minor">
+            <a:schemeClr val="lt1"/>
+          </a:fontRef>
+        </p:style>
+        <p:txBody>
+          <a:bodyPr vert="horz" wrap="square" lIns="91436" tIns="45718" rIns="91436" bIns="45718" numCol="1" rtlCol="0" anchor="ctr" anchorCtr="0" compatLnSpc="1">
+            <a:prstTxWarp prst="textNoShape">
+              <a:avLst/>
+            </a:prstTxWarp>
+          </a:bodyPr>
+          <a:lstStyle/>
+          <a:p>
+            <a:pPr algn="ctr" defTabSz="914099" fontAlgn="base">
+              <a:spcBef>
+                <a:spcPct val="0"/>
+              </a:spcBef>
+              <a:spcAft>
+                <a:spcPct val="0"/>
+              </a:spcAft>
+            </a:pPr>
+            <a:r>
+              <a:rPr lang="en-US" sz="2000" dirty="0">
+                <a:gradFill>
+                  <a:gsLst>
+                    <a:gs pos="0">
+                      <a:srgbClr val="FFFFFF"/>
+                    </a:gs>
+                    <a:gs pos="100000">
+                      <a:srgbClr val="FFFFFF"/>
+                    </a:gs>
+                  </a:gsLst>
+                  <a:lin ang="5400000" scaled="0"/>
+                </a:gradFill>
+              </a:rPr>
+              <a:t>Intrinsics</a:t>
+            </a:r>
+          </a:p>
+        </p:txBody>
+      </p:sp>
+      <p:sp>
+        <p:nvSpPr>
+          <p:cNvPr id="14" name="Rectangle 13"/>
+          <p:cNvSpPr/>
+          <p:nvPr/>
+        </p:nvSpPr>
+        <p:spPr bwMode="auto">
+          <a:xfrm>
+            <a:off x="6838093" y="5214668"/>
+            <a:ext cx="2850125" cy="487680"/>
+          </a:xfrm>
+          <a:prstGeom prst="rect">
+            <a:avLst/>
+          </a:prstGeom>
+          <a:solidFill>
+            <a:schemeClr val="accent4"/>
+          </a:solidFill>
+          <a:ln>
+            <a:noFill/>
+            <a:headEnd type="none" w="med" len="med"/>
+            <a:tailEnd type="none" w="med" len="med"/>
+          </a:ln>
+          <a:effectLst/>
+        </p:spPr>
+        <p:style>
+          <a:lnRef idx="1">
+            <a:schemeClr val="accent2"/>
+          </a:lnRef>
+          <a:fillRef idx="3">
+            <a:schemeClr val="accent2"/>
+          </a:fillRef>
+          <a:effectRef idx="2">
+            <a:schemeClr val="accent2"/>
+          </a:effectRef>
+          <a:fontRef idx="minor">
+            <a:schemeClr val="lt1"/>
+          </a:fontRef>
+        </p:style>
+        <p:txBody>
+          <a:bodyPr vert="horz" wrap="square" lIns="91436" tIns="45718" rIns="91436" bIns="45718" numCol="1" rtlCol="0" anchor="ctr" anchorCtr="0" compatLnSpc="1">
+            <a:prstTxWarp prst="textNoShape">
+              <a:avLst/>
+            </a:prstTxWarp>
+          </a:bodyPr>
+          <a:lstStyle/>
+          <a:p>
+            <a:pPr algn="ctr" defTabSz="914099" fontAlgn="base">
+              <a:spcBef>
+                <a:spcPct val="0"/>
+              </a:spcBef>
+              <a:spcAft>
+                <a:spcPct val="0"/>
+              </a:spcAft>
+            </a:pPr>
+            <a:r>
+              <a:rPr lang="en-US" sz="2000" dirty="0">
+                <a:gradFill>
+                  <a:gsLst>
+                    <a:gs pos="0">
+                      <a:srgbClr val="FFFFFF"/>
+                    </a:gs>
+                    <a:gs pos="100000">
+                      <a:srgbClr val="FFFFFF"/>
+                    </a:gs>
+                  </a:gsLst>
+                  <a:lin ang="5400000" scaled="0"/>
+                </a:gradFill>
+              </a:rPr>
+              <a:t>Membership</a:t>
+            </a:r>
+          </a:p>
+        </p:txBody>
+      </p:sp>
+      <p:sp>
+        <p:nvSpPr>
+          <p:cNvPr id="16" name="Rectangle 15"/>
+          <p:cNvSpPr/>
+          <p:nvPr/>
+        </p:nvSpPr>
+        <p:spPr bwMode="auto">
+          <a:xfrm>
+            <a:off x="6838093" y="5763308"/>
+            <a:ext cx="2850125" cy="487680"/>
+          </a:xfrm>
+          <a:prstGeom prst="rect">
+            <a:avLst/>
+          </a:prstGeom>
+          <a:solidFill>
+            <a:schemeClr val="accent4"/>
+          </a:solidFill>
+          <a:ln>
+            <a:noFill/>
+            <a:headEnd type="none" w="med" len="med"/>
+            <a:tailEnd type="none" w="med" len="med"/>
+          </a:ln>
+          <a:effectLst/>
+        </p:spPr>
+        <p:style>
+          <a:lnRef idx="1">
+            <a:schemeClr val="accent2"/>
+          </a:lnRef>
+          <a:fillRef idx="3">
+            <a:schemeClr val="accent2"/>
+          </a:fillRef>
+          <a:effectRef idx="2">
+            <a:schemeClr val="accent2"/>
+          </a:effectRef>
+          <a:fontRef idx="minor">
+            <a:schemeClr val="lt1"/>
+          </a:fontRef>
+        </p:style>
+        <p:txBody>
+          <a:bodyPr vert="horz" wrap="square" lIns="91436" tIns="45718" rIns="91436" bIns="45718" numCol="1" rtlCol="0" anchor="ctr" anchorCtr="0" compatLnSpc="1">
+            <a:prstTxWarp prst="textNoShape">
+              <a:avLst/>
+            </a:prstTxWarp>
+          </a:bodyPr>
+          <a:lstStyle/>
+          <a:p>
+            <a:pPr algn="ctr" defTabSz="914099" fontAlgn="base">
+              <a:spcBef>
+                <a:spcPct val="0"/>
+              </a:spcBef>
+              <a:spcAft>
+                <a:spcPct val="0"/>
+              </a:spcAft>
+            </a:pPr>
+            <a:r>
+              <a:rPr lang="en-US" sz="2000" dirty="0">
+                <a:gradFill>
+                  <a:gsLst>
+                    <a:gs pos="0">
+                      <a:srgbClr val="FFFFFF"/>
+                    </a:gs>
+                    <a:gs pos="100000">
+                      <a:srgbClr val="FFFFFF"/>
+                    </a:gs>
+                  </a:gsLst>
+                  <a:lin ang="5400000" scaled="0"/>
+                </a:gradFill>
+              </a:rPr>
+              <a:t>Etc.</a:t>
+            </a:r>
+          </a:p>
+        </p:txBody>
+      </p:sp>
+      <p:sp>
+        <p:nvSpPr>
+          <p:cNvPr id="17" name="TextBox 28"/>
+          <p:cNvSpPr txBox="1"/>
+          <p:nvPr/>
+        </p:nvSpPr>
+        <p:spPr>
+          <a:xfrm>
+            <a:off x="574570" y="4528923"/>
+            <a:ext cx="8130153" cy="553998"/>
+          </a:xfrm>
+          <a:prstGeom prst="rect">
+            <a:avLst/>
+          </a:prstGeom>
+          <a:noFill/>
+        </p:spPr>
+        <p:txBody>
+          <a:bodyPr wrap="square" rtlCol="0">
+            <a:spAutoFit/>
+          </a:bodyPr>
+          <a:lstStyle>
+            <a:defPPr>
+              <a:defRPr lang="en-US"/>
+            </a:defPPr>
+            <a:lvl1pPr marL="0" algn="l" defTabSz="914363" rtl="0" eaLnBrk="1" latinLnBrk="0" hangingPunct="1">
+              <a:defRPr sz="1800" kern="1200">
+                <a:solidFill>
+                  <a:schemeClr val="tx1"/>
+                </a:solidFill>
+                <a:latin typeface="+mn-lt"/>
+                <a:ea typeface="+mn-ea"/>
+                <a:cs typeface="+mn-cs"/>
+              </a:defRPr>
+            </a:lvl1pPr>
+            <a:lvl2pPr marL="457182" algn="l" defTabSz="914363" rtl="0" eaLnBrk="1" latinLnBrk="0" hangingPunct="1">
+              <a:defRPr sz="1800" kern="1200">
+                <a:solidFill>
+                  <a:schemeClr val="tx1"/>
+                </a:solidFill>
+                <a:latin typeface="+mn-lt"/>
+                <a:ea typeface="+mn-ea"/>
+                <a:cs typeface="+mn-cs"/>
+              </a:defRPr>
+            </a:lvl2pPr>
+            <a:lvl3pPr marL="914363" algn="l" defTabSz="914363" rtl="0" eaLnBrk="1" latinLnBrk="0" hangingPunct="1">
+              <a:defRPr sz="1800" kern="1200">
+                <a:solidFill>
+                  <a:schemeClr val="tx1"/>
+                </a:solidFill>
+                <a:latin typeface="+mn-lt"/>
+                <a:ea typeface="+mn-ea"/>
+                <a:cs typeface="+mn-cs"/>
+              </a:defRPr>
+            </a:lvl3pPr>
+            <a:lvl4pPr marL="1371545" algn="l" defTabSz="914363" rtl="0" eaLnBrk="1" latinLnBrk="0" hangingPunct="1">
+              <a:defRPr sz="1800" kern="1200">
+                <a:solidFill>
+                  <a:schemeClr val="tx1"/>
+                </a:solidFill>
+                <a:latin typeface="+mn-lt"/>
+                <a:ea typeface="+mn-ea"/>
+                <a:cs typeface="+mn-cs"/>
+              </a:defRPr>
+            </a:lvl4pPr>
+            <a:lvl5pPr marL="1828727" algn="l" defTabSz="914363" rtl="0" eaLnBrk="1" latinLnBrk="0" hangingPunct="1">
+              <a:defRPr sz="1800" kern="1200">
+                <a:solidFill>
+                  <a:schemeClr val="tx1"/>
+                </a:solidFill>
+                <a:latin typeface="+mn-lt"/>
+                <a:ea typeface="+mn-ea"/>
+                <a:cs typeface="+mn-cs"/>
+              </a:defRPr>
+            </a:lvl5pPr>
+            <a:lvl6pPr marL="2285909" algn="l" defTabSz="914363" rtl="0" eaLnBrk="1" latinLnBrk="0" hangingPunct="1">
+              <a:defRPr sz="1800" kern="1200">
+                <a:solidFill>
+                  <a:schemeClr val="tx1"/>
+                </a:solidFill>
+                <a:latin typeface="+mn-lt"/>
+                <a:ea typeface="+mn-ea"/>
+                <a:cs typeface="+mn-cs"/>
+              </a:defRPr>
+            </a:lvl6pPr>
+            <a:lvl7pPr marL="2743090" algn="l" defTabSz="914363" rtl="0" eaLnBrk="1" latinLnBrk="0" hangingPunct="1">
+              <a:defRPr sz="1800" kern="1200">
+                <a:solidFill>
+                  <a:schemeClr val="tx1"/>
+                </a:solidFill>
+                <a:latin typeface="+mn-lt"/>
+                <a:ea typeface="+mn-ea"/>
+                <a:cs typeface="+mn-cs"/>
+              </a:defRPr>
+            </a:lvl7pPr>
+            <a:lvl8pPr marL="3200272" algn="l" defTabSz="914363" rtl="0" eaLnBrk="1" latinLnBrk="0" hangingPunct="1">
+              <a:defRPr sz="1800" kern="1200">
+                <a:solidFill>
+                  <a:schemeClr val="tx1"/>
+                </a:solidFill>
+                <a:latin typeface="+mn-lt"/>
+                <a:ea typeface="+mn-ea"/>
+                <a:cs typeface="+mn-cs"/>
+              </a:defRPr>
+            </a:lvl8pPr>
+            <a:lvl9pPr marL="3657454" algn="l" defTabSz="914363" rtl="0" eaLnBrk="1" latinLnBrk="0" hangingPunct="1">
+              <a:defRPr sz="1800" kern="1200">
+                <a:solidFill>
+                  <a:schemeClr val="tx1"/>
+                </a:solidFill>
+                <a:latin typeface="+mn-lt"/>
+                <a:ea typeface="+mn-ea"/>
+                <a:cs typeface="+mn-cs"/>
+              </a:defRPr>
+            </a:lvl9pPr>
+          </a:lstStyle>
+          <a:p>
+            <a:pPr algn="ctr"/>
+            <a:r>
+              <a:rPr lang="en-US" sz="3000" dirty="0" smtClean="0">
+                <a:solidFill>
+                  <a:schemeClr val="bg1">
+                    <a:alpha val="99000"/>
+                  </a:schemeClr>
+                </a:solidFill>
+              </a:rPr>
+              <a:t>ASP.NET Core</a:t>
+            </a:r>
+            <a:endParaRPr lang="en-US" sz="3000" dirty="0">
+              <a:solidFill>
+                <a:schemeClr val="bg1">
+                  <a:alpha val="99000"/>
+                </a:schemeClr>
+              </a:solidFill>
+            </a:endParaRPr>
+          </a:p>
+        </p:txBody>
+      </p:sp>
+      <p:sp>
+        <p:nvSpPr>
+          <p:cNvPr id="23" name="Rectangle 22"/>
+          <p:cNvSpPr/>
+          <p:nvPr/>
+        </p:nvSpPr>
+        <p:spPr>
+          <a:xfrm>
+            <a:off x="8263156" y="3456263"/>
+            <a:ext cx="3058968" cy="979067"/>
+          </a:xfrm>
+          <a:prstGeom prst="rect">
+            <a:avLst/>
+          </a:prstGeom>
+          <a:solidFill>
+            <a:schemeClr val="accent2"/>
+          </a:solidFill>
+          <a:ln>
+            <a:noFill/>
+            <a:headEnd type="none" w="med" len="med"/>
+            <a:tailEnd type="none" w="med" len="med"/>
+          </a:ln>
+          <a:effectLst/>
+        </p:spPr>
+        <p:style>
+          <a:lnRef idx="1">
+            <a:schemeClr val="accent2"/>
+          </a:lnRef>
+          <a:fillRef idx="3">
+            <a:schemeClr val="accent2"/>
+          </a:fillRef>
+          <a:effectRef idx="2">
+            <a:schemeClr val="accent2"/>
+          </a:effectRef>
+          <a:fontRef idx="minor">
+            <a:schemeClr val="lt1"/>
+          </a:fontRef>
+        </p:style>
+        <p:txBody>
+          <a:bodyPr vert="horz" wrap="square" lIns="91436" tIns="45718" rIns="91436" bIns="45718" numCol="1" rtlCol="0" anchor="t" anchorCtr="0" compatLnSpc="1">
+            <a:prstTxWarp prst="textNoShape">
+              <a:avLst/>
+            </a:prstTxWarp>
+          </a:bodyPr>
+          <a:lstStyle/>
+          <a:p>
+            <a:pPr algn="ctr" defTabSz="914099" fontAlgn="base">
+              <a:spcBef>
+                <a:spcPct val="0"/>
+              </a:spcBef>
+              <a:spcAft>
+                <a:spcPct val="0"/>
+              </a:spcAft>
+            </a:pPr>
+            <a:r>
+              <a:rPr lang="en-US" dirty="0" smtClean="0">
+                <a:gradFill>
+                  <a:gsLst>
+                    <a:gs pos="0">
+                      <a:srgbClr val="FFFFFF"/>
+                    </a:gs>
+                    <a:gs pos="100000">
+                      <a:srgbClr val="FFFFFF"/>
+                    </a:gs>
+                  </a:gsLst>
+                  <a:lin ang="5400000" scaled="0"/>
+                </a:gradFill>
+              </a:rPr>
+              <a:t>MVC</a:t>
+            </a:r>
+            <a:endParaRPr lang="en-US" dirty="0">
+              <a:gradFill>
+                <a:gsLst>
+                  <a:gs pos="0">
+                    <a:srgbClr val="FFFFFF"/>
+                  </a:gs>
+                  <a:gs pos="100000">
+                    <a:srgbClr val="FFFFFF"/>
+                  </a:gs>
+                </a:gsLst>
+                <a:lin ang="5400000" scaled="0"/>
+              </a:gradFill>
+            </a:endParaRPr>
+          </a:p>
+        </p:txBody>
+      </p:sp>
+      <p:sp>
+        <p:nvSpPr>
+          <p:cNvPr id="24" name="Rectangle 23"/>
+          <p:cNvSpPr/>
+          <p:nvPr/>
+        </p:nvSpPr>
+        <p:spPr>
+          <a:xfrm>
+            <a:off x="5075339" y="3449433"/>
+            <a:ext cx="3114838" cy="985898"/>
+          </a:xfrm>
+          <a:prstGeom prst="rect">
+            <a:avLst/>
+          </a:prstGeom>
+          <a:solidFill>
+            <a:schemeClr val="accent2"/>
+          </a:solidFill>
+          <a:ln>
+            <a:noFill/>
+            <a:headEnd type="none" w="med" len="med"/>
+            <a:tailEnd type="none" w="med" len="med"/>
+          </a:ln>
+          <a:effectLst/>
+        </p:spPr>
+        <p:style>
+          <a:lnRef idx="1">
+            <a:schemeClr val="accent2"/>
+          </a:lnRef>
+          <a:fillRef idx="3">
+            <a:schemeClr val="accent2"/>
+          </a:fillRef>
+          <a:effectRef idx="2">
+            <a:schemeClr val="accent2"/>
+          </a:effectRef>
+          <a:fontRef idx="minor">
+            <a:schemeClr val="lt1"/>
+          </a:fontRef>
+        </p:style>
+        <p:txBody>
+          <a:bodyPr vert="horz" wrap="square" lIns="91436" tIns="45718" rIns="91436" bIns="45718" numCol="1" rtlCol="0" anchor="ctr" anchorCtr="0" compatLnSpc="1">
+            <a:prstTxWarp prst="textNoShape">
+              <a:avLst/>
+            </a:prstTxWarp>
+          </a:bodyPr>
+          <a:lstStyle/>
+          <a:p>
+            <a:pPr algn="ctr" defTabSz="914099" fontAlgn="base">
+              <a:spcBef>
+                <a:spcPct val="0"/>
+              </a:spcBef>
+              <a:spcAft>
+                <a:spcPct val="0"/>
+              </a:spcAft>
+            </a:pPr>
+            <a:r>
+              <a:rPr lang="en-US" dirty="0" smtClean="0">
+                <a:gradFill>
+                  <a:gsLst>
+                    <a:gs pos="0">
+                      <a:srgbClr val="FFFFFF"/>
+                    </a:gs>
+                    <a:gs pos="100000">
+                      <a:srgbClr val="FFFFFF"/>
+                    </a:gs>
+                  </a:gsLst>
+                  <a:lin ang="5400000" scaled="0"/>
+                </a:gradFill>
+              </a:rPr>
+              <a:t>Web Pages</a:t>
+            </a:r>
+            <a:endParaRPr lang="en-US" dirty="0">
+              <a:gradFill>
+                <a:gsLst>
+                  <a:gs pos="0">
+                    <a:srgbClr val="FFFFFF"/>
+                  </a:gs>
+                  <a:gs pos="100000">
+                    <a:srgbClr val="FFFFFF"/>
+                  </a:gs>
+                </a:gsLst>
+                <a:lin ang="5400000" scaled="0"/>
+              </a:gradFill>
+            </a:endParaRPr>
+          </a:p>
+        </p:txBody>
+      </p:sp>
+      <p:sp>
+        <p:nvSpPr>
+          <p:cNvPr id="28" name="Rectangle 27"/>
+          <p:cNvSpPr/>
+          <p:nvPr/>
+        </p:nvSpPr>
+        <p:spPr>
+          <a:xfrm>
+            <a:off x="879902" y="2659310"/>
+            <a:ext cx="4124455" cy="1768401"/>
+          </a:xfrm>
+          <a:prstGeom prst="rect">
+            <a:avLst/>
+          </a:prstGeom>
+          <a:solidFill>
+            <a:schemeClr val="accent2"/>
+          </a:solidFill>
+          <a:ln>
+            <a:noFill/>
+            <a:headEnd type="none" w="med" len="med"/>
+            <a:tailEnd type="none" w="med" len="med"/>
+          </a:ln>
+          <a:effectLst/>
+        </p:spPr>
+        <p:style>
+          <a:lnRef idx="1">
+            <a:schemeClr val="accent2"/>
+          </a:lnRef>
+          <a:fillRef idx="3">
+            <a:schemeClr val="accent2"/>
+          </a:fillRef>
+          <a:effectRef idx="2">
+            <a:schemeClr val="accent2"/>
+          </a:effectRef>
+          <a:fontRef idx="minor">
+            <a:schemeClr val="lt1"/>
+          </a:fontRef>
+        </p:style>
+        <p:txBody>
+          <a:bodyPr vert="horz" wrap="square" lIns="91436" tIns="45718" rIns="91436" bIns="45718" numCol="1" rtlCol="0" anchor="ctr" anchorCtr="0" compatLnSpc="1">
+            <a:prstTxWarp prst="textNoShape">
+              <a:avLst/>
+            </a:prstTxWarp>
+          </a:bodyPr>
+          <a:lstStyle/>
+          <a:p>
+            <a:pPr algn="ctr" defTabSz="914099" fontAlgn="base">
+              <a:spcBef>
+                <a:spcPct val="0"/>
+              </a:spcBef>
+              <a:spcAft>
+                <a:spcPct val="0"/>
+              </a:spcAft>
+            </a:pPr>
+            <a:r>
+              <a:rPr lang="en-US" dirty="0" smtClean="0">
+                <a:gradFill>
+                  <a:gsLst>
+                    <a:gs pos="0">
+                      <a:srgbClr val="FFFFFF"/>
+                    </a:gs>
+                    <a:gs pos="100000">
+                      <a:srgbClr val="FFFFFF"/>
+                    </a:gs>
+                  </a:gsLst>
+                  <a:lin ang="5400000" scaled="0"/>
+                </a:gradFill>
+              </a:rPr>
+              <a:t>Web Forms</a:t>
+            </a:r>
+            <a:endParaRPr lang="en-US" dirty="0">
+              <a:gradFill>
+                <a:gsLst>
+                  <a:gs pos="0">
+                    <a:srgbClr val="FFFFFF"/>
+                  </a:gs>
+                  <a:gs pos="100000">
+                    <a:srgbClr val="FFFFFF"/>
+                  </a:gs>
+                </a:gsLst>
+                <a:lin ang="5400000" scaled="0"/>
+              </a:gradFill>
+            </a:endParaRPr>
+          </a:p>
+        </p:txBody>
+      </p:sp>
+      <p:sp>
+        <p:nvSpPr>
+          <p:cNvPr id="29" name="Rectangle 28"/>
+          <p:cNvSpPr/>
+          <p:nvPr/>
+        </p:nvSpPr>
+        <p:spPr>
+          <a:xfrm>
+            <a:off x="5075339" y="2659310"/>
+            <a:ext cx="4740311" cy="709674"/>
+          </a:xfrm>
+          <a:prstGeom prst="rect">
+            <a:avLst/>
+          </a:prstGeom>
+          <a:solidFill>
+            <a:schemeClr val="accent2"/>
+          </a:solidFill>
+          <a:ln>
+            <a:noFill/>
+            <a:headEnd type="none" w="med" len="med"/>
+            <a:tailEnd type="none" w="med" len="med"/>
+          </a:ln>
+          <a:effectLst/>
+        </p:spPr>
+        <p:style>
+          <a:lnRef idx="1">
+            <a:schemeClr val="accent2"/>
+          </a:lnRef>
+          <a:fillRef idx="3">
+            <a:schemeClr val="accent2"/>
+          </a:fillRef>
+          <a:effectRef idx="2">
+            <a:schemeClr val="accent2"/>
+          </a:effectRef>
+          <a:fontRef idx="minor">
+            <a:schemeClr val="lt1"/>
+          </a:fontRef>
+        </p:style>
+        <p:txBody>
+          <a:bodyPr vert="horz" wrap="square" lIns="91436" tIns="45718" rIns="91436" bIns="45718" numCol="1" rtlCol="0" anchor="ctr" anchorCtr="0" compatLnSpc="1">
+            <a:prstTxWarp prst="textNoShape">
+              <a:avLst/>
+            </a:prstTxWarp>
+          </a:bodyPr>
+          <a:lstStyle/>
+          <a:p>
+            <a:pPr algn="ctr" defTabSz="914099" fontAlgn="base">
+              <a:spcBef>
+                <a:spcPct val="0"/>
+              </a:spcBef>
+              <a:spcAft>
+                <a:spcPct val="0"/>
+              </a:spcAft>
+            </a:pPr>
+            <a:r>
+              <a:rPr lang="en-US" dirty="0">
+                <a:gradFill>
+                  <a:gsLst>
+                    <a:gs pos="0">
+                      <a:srgbClr val="FFFFFF"/>
+                    </a:gs>
+                    <a:gs pos="100000">
+                      <a:srgbClr val="FFFFFF"/>
+                    </a:gs>
+                  </a:gsLst>
+                  <a:lin ang="5400000" scaled="0"/>
+                </a:gradFill>
+              </a:rPr>
+              <a:t>Razor View Engine</a:t>
+            </a:r>
+          </a:p>
+        </p:txBody>
+      </p:sp>
+      <p:sp>
+        <p:nvSpPr>
+          <p:cNvPr id="38" name="Rectangle 37"/>
+          <p:cNvSpPr/>
+          <p:nvPr/>
+        </p:nvSpPr>
+        <p:spPr bwMode="auto">
+          <a:xfrm>
+            <a:off x="8414918" y="3881611"/>
+            <a:ext cx="1400732" cy="455497"/>
+          </a:xfrm>
+          <a:prstGeom prst="rect">
+            <a:avLst/>
+          </a:prstGeom>
+          <a:solidFill>
+            <a:schemeClr val="accent4"/>
+          </a:solidFill>
+          <a:ln>
+            <a:noFill/>
+            <a:headEnd type="none" w="med" len="med"/>
+            <a:tailEnd type="none" w="med" len="med"/>
+          </a:ln>
+          <a:effectLst/>
+        </p:spPr>
+        <p:style>
+          <a:lnRef idx="1">
+            <a:schemeClr val="accent2"/>
+          </a:lnRef>
+          <a:fillRef idx="3">
+            <a:schemeClr val="accent2"/>
+          </a:fillRef>
+          <a:effectRef idx="2">
+            <a:schemeClr val="accent2"/>
+          </a:effectRef>
+          <a:fontRef idx="minor">
+            <a:schemeClr val="lt1"/>
+          </a:fontRef>
+        </p:style>
+        <p:txBody>
+          <a:bodyPr vert="horz" wrap="square" lIns="91436" tIns="45718" rIns="91436" bIns="45718" numCol="1" rtlCol="0" anchor="ctr" anchorCtr="0" compatLnSpc="1">
+            <a:prstTxWarp prst="textNoShape">
+              <a:avLst/>
+            </a:prstTxWarp>
+          </a:bodyPr>
+          <a:lstStyle/>
+          <a:p>
+            <a:pPr algn="ctr" defTabSz="914099" fontAlgn="base">
+              <a:spcBef>
+                <a:spcPct val="0"/>
+              </a:spcBef>
+              <a:spcAft>
+                <a:spcPct val="0"/>
+              </a:spcAft>
+            </a:pPr>
+            <a:r>
+              <a:rPr lang="en-US" sz="2000" dirty="0" smtClean="0">
+                <a:gradFill>
+                  <a:gsLst>
+                    <a:gs pos="0">
+                      <a:srgbClr val="FFFFFF"/>
+                    </a:gs>
+                    <a:gs pos="100000">
+                      <a:srgbClr val="FFFFFF"/>
+                    </a:gs>
+                  </a:gsLst>
+                  <a:lin ang="5400000" scaled="0"/>
+                </a:gradFill>
+              </a:rPr>
+              <a:t>MVC 4</a:t>
+            </a:r>
+            <a:endParaRPr lang="en-US" sz="2000" dirty="0">
+              <a:gradFill>
+                <a:gsLst>
+                  <a:gs pos="0">
+                    <a:srgbClr val="FFFFFF"/>
+                  </a:gs>
+                  <a:gs pos="100000">
+                    <a:srgbClr val="FFFFFF"/>
+                  </a:gs>
+                </a:gsLst>
+                <a:lin ang="5400000" scaled="0"/>
+              </a:gradFill>
+            </a:endParaRPr>
+          </a:p>
+        </p:txBody>
+      </p:sp>
+      <p:sp>
+        <p:nvSpPr>
+          <p:cNvPr id="40" name="Rectangle 39"/>
+          <p:cNvSpPr/>
+          <p:nvPr/>
+        </p:nvSpPr>
+        <p:spPr>
+          <a:xfrm>
+            <a:off x="879902" y="1703024"/>
+            <a:ext cx="8912738" cy="879485"/>
+          </a:xfrm>
+          <a:prstGeom prst="rect">
+            <a:avLst/>
+          </a:prstGeom>
+          <a:solidFill>
+            <a:schemeClr val="accent2"/>
+          </a:solidFill>
+          <a:ln>
+            <a:noFill/>
+            <a:headEnd type="none" w="med" len="med"/>
+            <a:tailEnd type="none" w="med" len="med"/>
+          </a:ln>
+          <a:effectLst/>
+        </p:spPr>
+        <p:style>
+          <a:lnRef idx="1">
+            <a:schemeClr val="accent2"/>
+          </a:lnRef>
+          <a:fillRef idx="3">
+            <a:schemeClr val="accent2"/>
+          </a:fillRef>
+          <a:effectRef idx="2">
+            <a:schemeClr val="accent2"/>
+          </a:effectRef>
+          <a:fontRef idx="minor">
+            <a:schemeClr val="lt1"/>
+          </a:fontRef>
+        </p:style>
+        <p:txBody>
+          <a:bodyPr vert="horz" wrap="square" lIns="91436" tIns="45718" rIns="91436" bIns="45718" numCol="1" rtlCol="0" anchor="ctr" anchorCtr="0" compatLnSpc="1">
+            <a:prstTxWarp prst="textNoShape">
+              <a:avLst/>
+            </a:prstTxWarp>
+          </a:bodyPr>
+          <a:lstStyle/>
+          <a:p>
+            <a:pPr algn="ctr" defTabSz="914099" fontAlgn="base">
+              <a:spcBef>
+                <a:spcPct val="0"/>
+              </a:spcBef>
+              <a:spcAft>
+                <a:spcPct val="0"/>
+              </a:spcAft>
+            </a:pPr>
+            <a:r>
+              <a:rPr lang="en-US" dirty="0" smtClean="0">
+                <a:gradFill>
+                  <a:gsLst>
+                    <a:gs pos="0">
+                      <a:srgbClr val="FFFFFF"/>
+                    </a:gs>
+                    <a:gs pos="100000">
+                      <a:srgbClr val="FFFFFF"/>
+                    </a:gs>
+                  </a:gsLst>
+                  <a:lin ang="5400000" scaled="0"/>
+                </a:gradFill>
+              </a:rPr>
+              <a:t>HTML</a:t>
+            </a:r>
+            <a:endParaRPr lang="en-US" dirty="0">
+              <a:gradFill>
+                <a:gsLst>
+                  <a:gs pos="0">
+                    <a:srgbClr val="FFFFFF"/>
+                  </a:gs>
+                  <a:gs pos="100000">
+                    <a:srgbClr val="FFFFFF"/>
+                  </a:gs>
+                </a:gsLst>
+                <a:lin ang="5400000" scaled="0"/>
+              </a:gradFill>
+            </a:endParaRPr>
+          </a:p>
+        </p:txBody>
+      </p:sp>
+      <p:sp>
+        <p:nvSpPr>
+          <p:cNvPr id="35" name="Rectangle 34"/>
+          <p:cNvSpPr/>
+          <p:nvPr/>
+        </p:nvSpPr>
+        <p:spPr>
+          <a:xfrm>
+            <a:off x="9899010" y="4536821"/>
+            <a:ext cx="1423114" cy="1996106"/>
+          </a:xfrm>
+          <a:prstGeom prst="rect">
+            <a:avLst/>
+          </a:prstGeom>
+          <a:solidFill>
+            <a:schemeClr val="accent2"/>
+          </a:solidFill>
+          <a:ln>
+            <a:noFill/>
+            <a:headEnd type="none" w="med" len="med"/>
+            <a:tailEnd type="none" w="med" len="med"/>
+          </a:ln>
+          <a:effectLst/>
+        </p:spPr>
+        <p:style>
+          <a:lnRef idx="1">
+            <a:schemeClr val="accent2"/>
+          </a:lnRef>
+          <a:fillRef idx="3">
+            <a:schemeClr val="accent2"/>
+          </a:fillRef>
+          <a:effectRef idx="2">
+            <a:schemeClr val="accent2"/>
+          </a:effectRef>
+          <a:fontRef idx="minor">
+            <a:schemeClr val="lt1"/>
+          </a:fontRef>
+        </p:style>
+        <p:txBody>
+          <a:bodyPr vert="horz" wrap="square" lIns="91436" tIns="45718" rIns="91436" bIns="45718" numCol="1" rtlCol="0" anchor="ctr" anchorCtr="0" compatLnSpc="1">
+            <a:prstTxWarp prst="textNoShape">
+              <a:avLst/>
+            </a:prstTxWarp>
+          </a:bodyPr>
+          <a:lstStyle/>
+          <a:p>
+            <a:pPr algn="ctr" defTabSz="914099" fontAlgn="base">
+              <a:spcBef>
+                <a:spcPct val="0"/>
+              </a:spcBef>
+              <a:spcAft>
+                <a:spcPct val="0"/>
+              </a:spcAft>
+            </a:pPr>
+            <a:r>
+              <a:rPr lang="en-US" dirty="0" smtClean="0">
+                <a:gradFill>
+                  <a:gsLst>
+                    <a:gs pos="0">
+                      <a:srgbClr val="FFFFFF"/>
+                    </a:gs>
+                    <a:gs pos="100000">
+                      <a:srgbClr val="FFFFFF"/>
+                    </a:gs>
+                  </a:gsLst>
+                  <a:lin ang="5400000" scaled="0"/>
+                </a:gradFill>
+              </a:rPr>
+              <a:t>Self Host</a:t>
+            </a:r>
+            <a:endParaRPr lang="en-US" dirty="0">
+              <a:gradFill>
+                <a:gsLst>
+                  <a:gs pos="0">
+                    <a:srgbClr val="FFFFFF"/>
+                  </a:gs>
+                  <a:gs pos="100000">
+                    <a:srgbClr val="FFFFFF"/>
+                  </a:gs>
+                </a:gsLst>
+                <a:lin ang="5400000" scaled="0"/>
+              </a:gradFill>
+            </a:endParaRPr>
+          </a:p>
+        </p:txBody>
+      </p:sp>
+      <p:sp>
+        <p:nvSpPr>
+          <p:cNvPr id="37" name="Rectangle 36"/>
+          <p:cNvSpPr/>
+          <p:nvPr/>
+        </p:nvSpPr>
+        <p:spPr bwMode="auto">
+          <a:xfrm>
+            <a:off x="9899010" y="3881611"/>
+            <a:ext cx="1357301" cy="455497"/>
+          </a:xfrm>
+          <a:prstGeom prst="rect">
+            <a:avLst/>
+          </a:prstGeom>
+          <a:solidFill>
+            <a:schemeClr val="accent4"/>
+          </a:solidFill>
+          <a:ln>
+            <a:noFill/>
+            <a:headEnd type="none" w="med" len="med"/>
+            <a:tailEnd type="none" w="med" len="med"/>
+          </a:ln>
+          <a:effectLst/>
+        </p:spPr>
+        <p:style>
+          <a:lnRef idx="1">
+            <a:schemeClr val="accent2"/>
+          </a:lnRef>
+          <a:fillRef idx="3">
+            <a:schemeClr val="accent2"/>
+          </a:fillRef>
+          <a:effectRef idx="2">
+            <a:schemeClr val="accent2"/>
+          </a:effectRef>
+          <a:fontRef idx="minor">
+            <a:schemeClr val="lt1"/>
+          </a:fontRef>
+        </p:style>
+        <p:txBody>
+          <a:bodyPr vert="horz" wrap="square" lIns="91436" tIns="45718" rIns="91436" bIns="45718" numCol="1" rtlCol="0" anchor="ctr" anchorCtr="0" compatLnSpc="1">
+            <a:prstTxWarp prst="textNoShape">
+              <a:avLst/>
+            </a:prstTxWarp>
+          </a:bodyPr>
+          <a:lstStyle/>
+          <a:p>
+            <a:pPr algn="ctr" defTabSz="914099" fontAlgn="base">
+              <a:spcBef>
+                <a:spcPct val="0"/>
+              </a:spcBef>
+              <a:spcAft>
+                <a:spcPct val="0"/>
+              </a:spcAft>
+            </a:pPr>
+            <a:r>
+              <a:rPr lang="en-US" sz="2000" dirty="0" smtClean="0">
+                <a:gradFill>
+                  <a:gsLst>
+                    <a:gs pos="0">
+                      <a:srgbClr val="FFFFFF"/>
+                    </a:gs>
+                    <a:gs pos="100000">
+                      <a:srgbClr val="FFFFFF"/>
+                    </a:gs>
+                  </a:gsLst>
+                  <a:lin ang="5400000" scaled="0"/>
+                </a:gradFill>
+              </a:rPr>
+              <a:t>Web API</a:t>
+            </a:r>
+            <a:endParaRPr lang="en-US" sz="2000" dirty="0">
+              <a:gradFill>
+                <a:gsLst>
+                  <a:gs pos="0">
+                    <a:srgbClr val="FFFFFF"/>
+                  </a:gs>
+                  <a:gs pos="100000">
+                    <a:srgbClr val="FFFFFF"/>
+                  </a:gs>
+                </a:gsLst>
+                <a:lin ang="5400000" scaled="0"/>
+              </a:gradFill>
+            </a:endParaRPr>
+          </a:p>
+        </p:txBody>
+      </p:sp>
+      <p:sp>
+        <p:nvSpPr>
+          <p:cNvPr id="41" name="Rectangle 40"/>
+          <p:cNvSpPr/>
+          <p:nvPr/>
+        </p:nvSpPr>
+        <p:spPr>
+          <a:xfrm>
+            <a:off x="9899009" y="2659310"/>
+            <a:ext cx="1423115" cy="721959"/>
+          </a:xfrm>
+          <a:prstGeom prst="rect">
+            <a:avLst/>
+          </a:prstGeom>
+          <a:solidFill>
+            <a:schemeClr val="accent2"/>
+          </a:solidFill>
+          <a:ln>
+            <a:noFill/>
+            <a:headEnd type="none" w="med" len="med"/>
+            <a:tailEnd type="none" w="med" len="med"/>
+          </a:ln>
+          <a:effectLst/>
+        </p:spPr>
+        <p:style>
+          <a:lnRef idx="1">
+            <a:schemeClr val="accent2"/>
+          </a:lnRef>
+          <a:fillRef idx="3">
+            <a:schemeClr val="accent2"/>
+          </a:fillRef>
+          <a:effectRef idx="2">
+            <a:schemeClr val="accent2"/>
+          </a:effectRef>
+          <a:fontRef idx="minor">
+            <a:schemeClr val="lt1"/>
+          </a:fontRef>
+        </p:style>
+        <p:txBody>
+          <a:bodyPr vert="horz" wrap="square" lIns="91436" tIns="45718" rIns="91436" bIns="45718" numCol="1" rtlCol="0" anchor="ctr" anchorCtr="0" compatLnSpc="1">
+            <a:prstTxWarp prst="textNoShape">
+              <a:avLst/>
+            </a:prstTxWarp>
+          </a:bodyPr>
+          <a:lstStyle/>
+          <a:p>
+            <a:pPr algn="ctr" defTabSz="914099" fontAlgn="base">
+              <a:spcBef>
+                <a:spcPct val="0"/>
+              </a:spcBef>
+              <a:spcAft>
+                <a:spcPct val="0"/>
+              </a:spcAft>
+            </a:pPr>
+            <a:r>
+              <a:rPr lang="en-US" dirty="0" smtClean="0">
+                <a:gradFill>
+                  <a:gsLst>
+                    <a:gs pos="0">
+                      <a:srgbClr val="FFFFFF"/>
+                    </a:gs>
+                    <a:gs pos="100000">
+                      <a:srgbClr val="FFFFFF"/>
+                    </a:gs>
+                  </a:gsLst>
+                  <a:lin ang="5400000" scaled="0"/>
+                </a:gradFill>
+              </a:rPr>
+              <a:t>Code</a:t>
+            </a:r>
+            <a:endParaRPr lang="en-US" dirty="0">
+              <a:gradFill>
+                <a:gsLst>
+                  <a:gs pos="0">
+                    <a:srgbClr val="FFFFFF"/>
+                  </a:gs>
+                  <a:gs pos="100000">
+                    <a:srgbClr val="FFFFFF"/>
+                  </a:gs>
+                </a:gsLst>
+                <a:lin ang="5400000" scaled="0"/>
+              </a:gradFill>
+            </a:endParaRPr>
+          </a:p>
+        </p:txBody>
+      </p:sp>
+      <p:sp>
+        <p:nvSpPr>
+          <p:cNvPr id="42" name="Rectangle 41"/>
+          <p:cNvSpPr/>
+          <p:nvPr/>
+        </p:nvSpPr>
+        <p:spPr>
+          <a:xfrm>
+            <a:off x="9889114" y="2170626"/>
+            <a:ext cx="1423115" cy="408788"/>
+          </a:xfrm>
+          <a:prstGeom prst="rect">
+            <a:avLst/>
+          </a:prstGeom>
+          <a:solidFill>
+            <a:schemeClr val="accent2"/>
+          </a:solidFill>
+          <a:ln>
+            <a:noFill/>
+            <a:headEnd type="none" w="med" len="med"/>
+            <a:tailEnd type="none" w="med" len="med"/>
+          </a:ln>
+          <a:effectLst/>
+        </p:spPr>
+        <p:style>
+          <a:lnRef idx="1">
+            <a:schemeClr val="accent2"/>
+          </a:lnRef>
+          <a:fillRef idx="3">
+            <a:schemeClr val="accent2"/>
+          </a:fillRef>
+          <a:effectRef idx="2">
+            <a:schemeClr val="accent2"/>
+          </a:effectRef>
+          <a:fontRef idx="minor">
+            <a:schemeClr val="lt1"/>
+          </a:fontRef>
+        </p:style>
+        <p:txBody>
+          <a:bodyPr vert="horz" wrap="square" lIns="91436" tIns="45718" rIns="91436" bIns="45718" numCol="1" rtlCol="0" anchor="ctr" anchorCtr="0" compatLnSpc="1">
+            <a:prstTxWarp prst="textNoShape">
+              <a:avLst/>
+            </a:prstTxWarp>
+          </a:bodyPr>
+          <a:lstStyle/>
+          <a:p>
+            <a:pPr algn="ctr" defTabSz="914099" fontAlgn="base">
+              <a:spcBef>
+                <a:spcPct val="0"/>
+              </a:spcBef>
+              <a:spcAft>
+                <a:spcPct val="0"/>
+              </a:spcAft>
+            </a:pPr>
+            <a:r>
+              <a:rPr lang="en-US" dirty="0" smtClean="0">
+                <a:gradFill>
+                  <a:gsLst>
+                    <a:gs pos="0">
+                      <a:srgbClr val="FFFFFF"/>
+                    </a:gs>
+                    <a:gs pos="100000">
+                      <a:srgbClr val="FFFFFF"/>
+                    </a:gs>
+                  </a:gsLst>
+                  <a:lin ang="5400000" scaled="0"/>
+                </a:gradFill>
+              </a:rPr>
+              <a:t>JSON</a:t>
+            </a:r>
+            <a:endParaRPr lang="en-US" dirty="0">
+              <a:gradFill>
+                <a:gsLst>
+                  <a:gs pos="0">
+                    <a:srgbClr val="FFFFFF"/>
+                  </a:gs>
+                  <a:gs pos="100000">
+                    <a:srgbClr val="FFFFFF"/>
+                  </a:gs>
+                </a:gsLst>
+                <a:lin ang="5400000" scaled="0"/>
+              </a:gradFill>
+            </a:endParaRPr>
+          </a:p>
+        </p:txBody>
+      </p:sp>
+      <p:sp>
+        <p:nvSpPr>
+          <p:cNvPr id="44" name="Rectangle 43"/>
+          <p:cNvSpPr/>
+          <p:nvPr/>
+        </p:nvSpPr>
+        <p:spPr>
+          <a:xfrm>
+            <a:off x="9899008" y="1703024"/>
+            <a:ext cx="1423115" cy="408788"/>
+          </a:xfrm>
+          <a:prstGeom prst="rect">
+            <a:avLst/>
+          </a:prstGeom>
+          <a:solidFill>
+            <a:schemeClr val="accent2"/>
+          </a:solidFill>
+          <a:ln>
+            <a:noFill/>
+            <a:headEnd type="none" w="med" len="med"/>
+            <a:tailEnd type="none" w="med" len="med"/>
+          </a:ln>
+          <a:effectLst/>
+        </p:spPr>
+        <p:style>
+          <a:lnRef idx="1">
+            <a:schemeClr val="accent2"/>
+          </a:lnRef>
+          <a:fillRef idx="3">
+            <a:schemeClr val="accent2"/>
+          </a:fillRef>
+          <a:effectRef idx="2">
+            <a:schemeClr val="accent2"/>
+          </a:effectRef>
+          <a:fontRef idx="minor">
+            <a:schemeClr val="lt1"/>
+          </a:fontRef>
+        </p:style>
+        <p:txBody>
+          <a:bodyPr vert="horz" wrap="square" lIns="91436" tIns="45718" rIns="91436" bIns="45718" numCol="1" rtlCol="0" anchor="ctr" anchorCtr="0" compatLnSpc="1">
+            <a:prstTxWarp prst="textNoShape">
+              <a:avLst/>
+            </a:prstTxWarp>
+          </a:bodyPr>
+          <a:lstStyle/>
+          <a:p>
+            <a:pPr algn="ctr" defTabSz="914099" fontAlgn="base">
+              <a:spcBef>
+                <a:spcPct val="0"/>
+              </a:spcBef>
+              <a:spcAft>
+                <a:spcPct val="0"/>
+              </a:spcAft>
+            </a:pPr>
+            <a:r>
+              <a:rPr lang="en-US" dirty="0" smtClean="0">
+                <a:gradFill>
+                  <a:gsLst>
+                    <a:gs pos="0">
+                      <a:srgbClr val="FFFFFF"/>
+                    </a:gs>
+                    <a:gs pos="100000">
+                      <a:srgbClr val="FFFFFF"/>
+                    </a:gs>
+                  </a:gsLst>
+                  <a:lin ang="5400000" scaled="0"/>
+                </a:gradFill>
+              </a:rPr>
+              <a:t>XML</a:t>
+            </a:r>
+            <a:endParaRPr lang="en-US" dirty="0">
+              <a:gradFill>
+                <a:gsLst>
+                  <a:gs pos="0">
+                    <a:srgbClr val="FFFFFF"/>
+                  </a:gs>
+                  <a:gs pos="100000">
+                    <a:srgbClr val="FFFFFF"/>
+                  </a:gs>
+                </a:gsLst>
+                <a:lin ang="5400000" scaled="0"/>
+              </a:gradFill>
+            </a:endParaRPr>
+          </a:p>
+        </p:txBody>
+      </p:sp>
+    </p:spTree>
+    <p:extLst>
+      <p:ext uri="{BB962C8B-B14F-4D97-AF65-F5344CB8AC3E}">
+        <p14:creationId xmlns:p14="http://schemas.microsoft.com/office/powerpoint/2010/main" val="1982343468"/>
+      </p:ext>
+    </p:extLst>
+  </p:cSld>
+  <p:clrMapOvr>
+    <a:masterClrMapping/>
+  </p:clrMapOvr>
+  <p:transition>
+    <p:fade/>
+  </p:transition>
+  <p:timing>
+    <p:tnLst>
+      <p:par>
+        <p:cTn id="1" dur="indefinite" restart="never" nodeType="tmRoot">
+          <p:childTnLst>
+            <p:seq concurrent="1" nextAc="seek">
+              <p:cTn id="2" dur="indefinite" nodeType="mainSeq">
+                <p:childTnLst>
+                  <p:par>
+                    <p:cTn id="3" fill="hold">
+                      <p:stCondLst>
+                        <p:cond delay="indefinite"/>
+                        <p:cond evt="onBegin" delay="0">
+                          <p:tn val="2"/>
+                        </p:cond>
+                      </p:stCondLst>
+                      <p:childTnLst>
+                        <p:par>
+                          <p:cTn id="4" fill="hold">
+                            <p:stCondLst>
+                              <p:cond delay="0"/>
+                            </p:stCondLst>
+                            <p:childTnLst>
+                              <p:par>
+                                <p:cTn id="5" presetID="10" presetClass="entr" presetSubtype="0" fill="hold" grpId="0" nodeType="afterEffect">
+                                  <p:stCondLst>
+                                    <p:cond delay="1000"/>
+                                  </p:stCondLst>
+                                  <p:childTnLst>
+                                    <p:set>
+                                      <p:cBhvr>
+                                        <p:cTn id="6" dur="1" fill="hold">
+                                          <p:stCondLst>
+                                            <p:cond delay="0"/>
+                                          </p:stCondLst>
+                                        </p:cTn>
+                                        <p:tgtEl>
+                                          <p:spTgt spid="35"/>
+                                        </p:tgtEl>
+                                        <p:attrNameLst>
+                                          <p:attrName>style.visibility</p:attrName>
+                                        </p:attrNameLst>
+                                      </p:cBhvr>
+                                      <p:to>
+                                        <p:strVal val="visible"/>
+                                      </p:to>
+                                    </p:set>
+                                    <p:animEffect transition="in" filter="fade">
+                                      <p:cBhvr>
+                                        <p:cTn id="7" dur="500"/>
+                                        <p:tgtEl>
+                                          <p:spTgt spid="35"/>
+                                        </p:tgtEl>
+                                      </p:cBhvr>
+                                    </p:animEffect>
+                                  </p:childTnLst>
+                                </p:cTn>
+                              </p:par>
+                            </p:childTnLst>
+                          </p:cTn>
+                        </p:par>
+                      </p:childTnLst>
+                    </p:cTn>
+                  </p:par>
+                </p:childTnLst>
+              </p:cTn>
+              <p:prevCondLst>
+                <p:cond evt="onPrev" delay="0">
+                  <p:tgtEl>
+                    <p:sldTgt/>
+                  </p:tgtEl>
+                </p:cond>
+              </p:prevCondLst>
+              <p:nextCondLst>
+                <p:cond evt="onNext" delay="0">
+                  <p:tgtEl>
+                    <p:sldTgt/>
+                  </p:tgtEl>
+                </p:cond>
+              </p:nextCondLst>
+            </p:seq>
+          </p:childTnLst>
+        </p:cTn>
+      </p:par>
+    </p:tnLst>
+    <p:bldLst>
+      <p:bldP spid="35" grpId="0" animBg="1"/>
+    </p:bldLst>
+  </p:timing>
+</p:sld>
+</file>
+
+<file path=ppt/slides/slide27.xml><?xml version="1.0" encoding="utf-8"?>
+<p:sld xmlns:a="http://schemas.openxmlformats.org/drawingml/2006/main" xmlns:r="http://schemas.openxmlformats.org/officeDocument/2006/relationships" xmlns:p="http://schemas.openxmlformats.org/presentationml/2006/main">
+  <p:cSld>
+    <p:spTree>
+      <p:nvGrpSpPr>
+        <p:cNvPr id="1" name=""/>
+        <p:cNvGrpSpPr/>
+        <p:nvPr/>
+      </p:nvGrpSpPr>
+      <p:grpSpPr>
+        <a:xfrm>
+          <a:off x="0" y="0"/>
+          <a:ext cx="0" cy="0"/>
+          <a:chOff x="0" y="0"/>
+          <a:chExt cx="0" cy="0"/>
+        </a:xfrm>
+      </p:grpSpPr>
       <p:graphicFrame>
         <p:nvGraphicFramePr>
           <p:cNvPr id="3" name="Object 2" hidden="1"/>
@@ -30615,7 +33214,7 @@
           <a:graphicData uri="http://schemas.openxmlformats.org/presentationml/2006/ole">
             <mc:AlternateContent xmlns:mc="http://schemas.openxmlformats.org/markup-compatibility/2006">
               <mc:Choice xmlns:v="urn:schemas-microsoft-com:vml" Requires="v">
-                <p:oleObj spid="_x0000_s42073" name="think-cell Slide" r:id="rId7" imgW="270" imgH="270" progId="TCLayout.ActiveDocument.1">
+                <p:oleObj spid="_x0000_s42082" name="think-cell Slide" r:id="rId7" imgW="270" imgH="270" progId="TCLayout.ActiveDocument.1">
                   <p:embed/>
                 </p:oleObj>
               </mc:Choice>
@@ -30669,8 +33268,8 @@
           <a:lstStyle/>
           <a:p>
             <a:r>
-              <a:rPr lang="en-US" smtClean="0"/>
-              <a:t>Configuring Your Web API</a:t>
+              <a:rPr lang="en-US" dirty="0" smtClean="0"/>
+              <a:t>Self Hosting Your Web API</a:t>
             </a:r>
             <a:endParaRPr lang="en-US" dirty="0"/>
           </a:p>
@@ -30692,7 +33291,7 @@
         <p:spPr>
           <a:xfrm>
             <a:off x="519112" y="1424049"/>
-            <a:ext cx="11149013" cy="4579715"/>
+            <a:ext cx="11149013" cy="3551742"/>
           </a:xfrm>
         </p:spPr>
         <p:txBody>
@@ -30719,8 +33318,39 @@
                 </a:gradFill>
                 <a:latin typeface="Segoe UI Light" pitchFamily="34" charset="0"/>
               </a:rPr>
-              <a:t>Why?</a:t>
-            </a:r>
+              <a:t>Why</a:t>
+            </a:r>
+            <a:r>
+              <a:rPr lang="en-US" sz="4000" dirty="0" smtClean="0">
+                <a:gradFill>
+                  <a:gsLst>
+                    <a:gs pos="0">
+                      <a:schemeClr val="accent2"/>
+                    </a:gs>
+                    <a:gs pos="100000">
+                      <a:schemeClr val="accent2"/>
+                    </a:gs>
+                  </a:gsLst>
+                  <a:lin ang="5400000" scaled="0"/>
+                </a:gradFill>
+                <a:latin typeface="Segoe UI Light" pitchFamily="34" charset="0"/>
+              </a:rPr>
+              <a:t>? </a:t>
+            </a:r>
+            <a:endParaRPr lang="en-US" sz="4000" dirty="0">
+              <a:gradFill>
+                <a:gsLst>
+                  <a:gs pos="0">
+                    <a:schemeClr val="accent2"/>
+                  </a:gs>
+                  <a:gs pos="100000">
+                    <a:schemeClr val="accent2"/>
+                  </a:gs>
+                </a:gsLst>
+                <a:lin ang="5400000" scaled="0"/>
+              </a:gradFill>
+              <a:latin typeface="Segoe UI Light" pitchFamily="34" charset="0"/>
+            </a:endParaRPr>
           </a:p>
           <a:p>
             <a:pPr>
@@ -30732,7 +33362,33 @@
               <a:rPr lang="en-US" dirty="0" smtClean="0">
                 <a:latin typeface="Segoe UI Light" pitchFamily="34" charset="0"/>
               </a:rPr>
-              <a:t>Change common settings like </a:t>
+              <a:t>More granular control</a:t>
+            </a:r>
+          </a:p>
+          <a:p>
+            <a:pPr>
+              <a:spcAft>
+                <a:spcPts val="1200"/>
+              </a:spcAft>
+            </a:pPr>
+            <a:r>
+              <a:rPr lang="en-US" dirty="0" smtClean="0">
+                <a:latin typeface="Segoe UI Light" pitchFamily="34" charset="0"/>
+              </a:rPr>
+              <a:t>No need for a web server</a:t>
+            </a:r>
+          </a:p>
+          <a:p>
+            <a:pPr>
+              <a:spcAft>
+                <a:spcPts val="1200"/>
+              </a:spcAft>
+            </a:pPr>
+            <a:r>
+              <a:rPr lang="en-US" dirty="0" smtClean="0">
+                <a:latin typeface="Segoe UI Light" pitchFamily="34" charset="0"/>
+              </a:rPr>
+              <a:t>Isolated cases requiring minimal resources via</a:t>
             </a:r>
             <a:br>
               <a:rPr lang="en-US" dirty="0" smtClean="0">
@@ -30740,14 +33396,11 @@
               </a:rPr>
             </a:br>
             <a:r>
-              <a:rPr lang="en-US" dirty="0" err="1" smtClean="0">
+              <a:rPr lang="en-US" dirty="0" smtClean="0">
                 <a:latin typeface="Segoe UI Light" pitchFamily="34" charset="0"/>
               </a:rPr>
-              <a:t>MaxRecievedMessageSize</a:t>
-            </a:r>
-            <a:endParaRPr lang="en-US" dirty="0" smtClean="0">
-              <a:latin typeface="Segoe UI Light" pitchFamily="34" charset="0"/>
-            </a:endParaRPr>
+              <a:t>standard protocol sets</a:t>
+            </a:r>
           </a:p>
           <a:p>
             <a:pPr>
@@ -30756,88 +33409,24 @@
               </a:spcAft>
             </a:pPr>
             <a:r>
-              <a:rPr lang="en-US" dirty="0" smtClean="0">
+              <a:rPr lang="en-US" sz="4000" dirty="0">
+                <a:solidFill>
+                  <a:schemeClr val="accent6">
+                    <a:lumMod val="60000"/>
+                    <a:lumOff val="40000"/>
+                  </a:schemeClr>
+                </a:solidFill>
                 <a:latin typeface="Segoe UI Light" pitchFamily="34" charset="0"/>
               </a:rPr>
-              <a:t>Enable web </a:t>
-            </a:r>
-            <a:r>
-              <a:rPr lang="en-US" dirty="0" err="1" smtClean="0">
-                <a:latin typeface="Segoe UI Light" pitchFamily="34" charset="0"/>
-              </a:rPr>
-              <a:t>api</a:t>
-            </a:r>
-            <a:r>
-              <a:rPr lang="en-US" dirty="0" smtClean="0">
-                <a:latin typeface="Segoe UI Light" pitchFamily="34" charset="0"/>
-              </a:rPr>
-              <a:t> test client</a:t>
-            </a:r>
-          </a:p>
-          <a:p>
-            <a:pPr>
-              <a:spcAft>
-                <a:spcPts val="1200"/>
-              </a:spcAft>
-            </a:pPr>
-            <a:r>
-              <a:rPr lang="en-US" dirty="0" smtClean="0">
-                <a:latin typeface="Segoe UI Light" pitchFamily="34" charset="0"/>
-              </a:rPr>
-              <a:t>Wire up an </a:t>
-            </a:r>
-            <a:r>
-              <a:rPr lang="en-US" dirty="0" err="1" smtClean="0">
-                <a:latin typeface="Segoe UI Light" pitchFamily="34" charset="0"/>
-              </a:rPr>
-              <a:t>IoC</a:t>
-            </a:r>
-            <a:r>
-              <a:rPr lang="en-US" dirty="0" smtClean="0">
-                <a:latin typeface="Segoe UI Light" pitchFamily="34" charset="0"/>
-              </a:rPr>
-              <a:t> container</a:t>
-            </a:r>
-          </a:p>
-          <a:p>
-            <a:pPr>
-              <a:spcAft>
-                <a:spcPts val="1200"/>
-              </a:spcAft>
-            </a:pPr>
-            <a:r>
-              <a:rPr lang="en-US" dirty="0" smtClean="0">
-                <a:latin typeface="Segoe UI Light" pitchFamily="34" charset="0"/>
-              </a:rPr>
-              <a:t>Enable security</a:t>
-            </a:r>
-          </a:p>
-          <a:p>
-            <a:pPr>
-              <a:spcAft>
-                <a:spcPts val="1200"/>
-              </a:spcAft>
-            </a:pPr>
-            <a:r>
-              <a:rPr lang="en-US" dirty="0" smtClean="0">
-                <a:latin typeface="Segoe UI Light" pitchFamily="34" charset="0"/>
-              </a:rPr>
-              <a:t>Configure handlers and formatters</a:t>
-            </a:r>
-          </a:p>
-          <a:p>
-            <a:pPr>
-              <a:spcAft>
-                <a:spcPts val="1200"/>
-              </a:spcAft>
-            </a:pPr>
-            <a:r>
-              <a:rPr lang="en-US" dirty="0" smtClean="0">
-                <a:latin typeface="Segoe UI Light" pitchFamily="34" charset="0"/>
-              </a:rPr>
-              <a:t>Adding custom error handlers</a:t>
-            </a:r>
-            <a:endParaRPr lang="en-US" dirty="0">
+              <a:t>Why Not?</a:t>
+            </a:r>
+            <a:endParaRPr lang="en-US" sz="4000" dirty="0" smtClean="0">
+              <a:solidFill>
+                <a:schemeClr val="accent6">
+                  <a:lumMod val="60000"/>
+                  <a:lumOff val="40000"/>
+                </a:schemeClr>
+              </a:solidFill>
               <a:latin typeface="Segoe UI Light" pitchFamily="34" charset="0"/>
             </a:endParaRPr>
           </a:p>
@@ -32770,190 +35359,6 @@
 </p:sld>
 </file>
 
-<file path=ppt/slides/slide27.xml><?xml version="1.0" encoding="utf-8"?>
-<p:sld xmlns:a="http://schemas.openxmlformats.org/drawingml/2006/main" xmlns:r="http://schemas.openxmlformats.org/officeDocument/2006/relationships" xmlns:p="http://schemas.openxmlformats.org/presentationml/2006/main">
-  <p:cSld>
-    <p:spTree>
-      <p:nvGrpSpPr>
-        <p:cNvPr id="1" name=""/>
-        <p:cNvGrpSpPr/>
-        <p:nvPr/>
-      </p:nvGrpSpPr>
-      <p:grpSpPr>
-        <a:xfrm>
-          <a:off x="0" y="0"/>
-          <a:ext cx="0" cy="0"/>
-          <a:chOff x="0" y="0"/>
-          <a:chExt cx="0" cy="0"/>
-        </a:xfrm>
-      </p:grpSpPr>
-      <p:graphicFrame>
-        <p:nvGraphicFramePr>
-          <p:cNvPr id="3" name="Object 2" hidden="1"/>
-          <p:cNvGraphicFramePr>
-            <a:graphicFrameLocks noChangeAspect="1"/>
-          </p:cNvGraphicFramePr>
-          <p:nvPr>
-            <p:custDataLst>
-              <p:tags r:id="rId2"/>
-            </p:custDataLst>
-            <p:extLst>
-              <p:ext uri="{D42A27DB-BD31-4B8C-83A1-F6EECF244321}">
-                <p14:modId xmlns:p14="http://schemas.microsoft.com/office/powerpoint/2010/main" val="2419750896"/>
-              </p:ext>
-            </p:extLst>
-          </p:nvPr>
-        </p:nvGraphicFramePr>
-        <p:xfrm>
-          <a:off x="0" y="0"/>
-          <a:ext cx="158750" cy="158750"/>
-        </p:xfrm>
-        <a:graphic>
-          <a:graphicData uri="http://schemas.openxmlformats.org/presentationml/2006/ole">
-            <mc:AlternateContent xmlns:mc="http://schemas.openxmlformats.org/markup-compatibility/2006">
-              <mc:Choice xmlns:v="urn:schemas-microsoft-com:vml" Requires="v">
-                <p:oleObj spid="_x0000_s43091" name="think-cell Slide" r:id="rId6" imgW="270" imgH="270" progId="TCLayout.ActiveDocument.1">
-                  <p:embed/>
-                </p:oleObj>
-              </mc:Choice>
-              <mc:Fallback>
-                <p:oleObj name="think-cell Slide" r:id="rId6" imgW="270" imgH="270" progId="TCLayout.ActiveDocument.1">
-                  <p:embed/>
-                  <p:pic>
-                    <p:nvPicPr>
-                      <p:cNvPr id="0" name=""/>
-                      <p:cNvPicPr/>
-                      <p:nvPr/>
-                    </p:nvPicPr>
-                    <p:blipFill>
-                      <a:blip r:embed="rId7"/>
-                      <a:stretch>
-                        <a:fillRect/>
-                      </a:stretch>
-                    </p:blipFill>
-                    <p:spPr>
-                      <a:xfrm>
-                        <a:off x="0" y="0"/>
-                        <a:ext cx="158750" cy="158750"/>
-                      </a:xfrm>
-                      <a:prstGeom prst="rect">
-                        <a:avLst/>
-                      </a:prstGeom>
-                    </p:spPr>
-                  </p:pic>
-                </p:oleObj>
-              </mc:Fallback>
-            </mc:AlternateContent>
-          </a:graphicData>
-        </a:graphic>
-      </p:graphicFrame>
-      <p:sp>
-        <p:nvSpPr>
-          <p:cNvPr id="4" name="Title 3"/>
-          <p:cNvSpPr>
-            <a:spLocks noGrp="1"/>
-          </p:cNvSpPr>
-          <p:nvPr>
-            <p:ph type="ctrTitle"/>
-            <p:custDataLst>
-              <p:tags r:id="rId3"/>
-            </p:custDataLst>
-          </p:nvPr>
-        </p:nvSpPr>
-        <p:spPr/>
-        <p:txBody>
-          <a:bodyPr/>
-          <a:lstStyle/>
-          <a:p>
-            <a:r>
-              <a:rPr lang="en-US" smtClean="0"/>
-              <a:t>Configuring your </a:t>
-            </a:r>
-            <a:br>
-              <a:rPr lang="en-US" smtClean="0"/>
-            </a:br>
-            <a:r>
-              <a:rPr lang="en-US" smtClean="0"/>
-              <a:t>Web API</a:t>
-            </a:r>
-            <a:endParaRPr lang="en-US" dirty="0"/>
-          </a:p>
-        </p:txBody>
-      </p:sp>
-      <p:sp>
-        <p:nvSpPr>
-          <p:cNvPr id="7" name="Subtitle 6"/>
-          <p:cNvSpPr>
-            <a:spLocks noGrp="1"/>
-          </p:cNvSpPr>
-          <p:nvPr>
-            <p:ph type="subTitle" idx="1"/>
-          </p:nvPr>
-        </p:nvSpPr>
-        <p:spPr/>
-        <p:txBody>
-          <a:bodyPr/>
-          <a:lstStyle/>
-          <a:p>
-            <a:endParaRPr lang="en-US"/>
-          </a:p>
-        </p:txBody>
-      </p:sp>
-      <p:sp>
-        <p:nvSpPr>
-          <p:cNvPr id="6" name="Text Placeholder 5"/>
-          <p:cNvSpPr>
-            <a:spLocks noGrp="1"/>
-          </p:cNvSpPr>
-          <p:nvPr>
-            <p:ph type="body" sz="quarter" idx="10"/>
-          </p:nvPr>
-        </p:nvSpPr>
-        <p:spPr/>
-        <p:txBody>
-          <a:bodyPr/>
-          <a:lstStyle/>
-          <a:p>
-            <a:r>
-              <a:rPr lang="en-US" smtClean="0"/>
-              <a:t>demo</a:t>
-            </a:r>
-            <a:endParaRPr lang="en-US" dirty="0"/>
-          </a:p>
-        </p:txBody>
-      </p:sp>
-    </p:spTree>
-    <p:extLst>
-      <p:ext uri="{BB962C8B-B14F-4D97-AF65-F5344CB8AC3E}">
-        <p14:creationId xmlns:p14="http://schemas.microsoft.com/office/powerpoint/2010/main" val="1149727636"/>
-      </p:ext>
-    </p:extLst>
-  </p:cSld>
-  <p:clrMapOvr>
-    <a:masterClrMapping/>
-  </p:clrMapOvr>
-  <mc:AlternateContent xmlns:mc="http://schemas.openxmlformats.org/markup-compatibility/2006" xmlns:p14="http://schemas.microsoft.com/office/powerpoint/2010/main">
-    <mc:Choice Requires="p14">
-      <p:transition spd="med" p14:dur="700">
-        <p:fade/>
-      </p:transition>
-    </mc:Choice>
-    <mc:Fallback xmlns="">
-      <p:transition spd="med">
-        <p:fade/>
-      </p:transition>
-    </mc:Fallback>
-  </mc:AlternateContent>
-  <p:timing>
-    <p:tnLst>
-      <p:par>
-        <p:cTn id="1" dur="indefinite" restart="never" nodeType="tmRoot"/>
-      </p:par>
-    </p:tnLst>
-  </p:timing>
-</p:sld>
-</file>
-
 <file path=ppt/slides/slide28.xml><?xml version="1.0" encoding="utf-8"?>
 <p:sld xmlns:a="http://schemas.openxmlformats.org/drawingml/2006/main" xmlns:r="http://schemas.openxmlformats.org/officeDocument/2006/relationships" xmlns:p="http://schemas.openxmlformats.org/presentationml/2006/main">
   <p:cSld>
@@ -32983,7 +35388,7 @@
             </p:custDataLst>
             <p:extLst>
               <p:ext uri="{D42A27DB-BD31-4B8C-83A1-F6EECF244321}">
-                <p14:modId xmlns:p14="http://schemas.microsoft.com/office/powerpoint/2010/main" val="612743760"/>
+                <p14:modId xmlns:p14="http://schemas.microsoft.com/office/powerpoint/2010/main" val="4206968460"/>
               </p:ext>
             </p:extLst>
           </p:nvPr>
@@ -32996,7 +35401,7 @@
           <a:graphicData uri="http://schemas.openxmlformats.org/presentationml/2006/ole">
             <mc:AlternateContent xmlns:mc="http://schemas.openxmlformats.org/markup-compatibility/2006">
               <mc:Choice xmlns:v="urn:schemas-microsoft-com:vml" Requires="v">
-                <p:oleObj spid="_x0000_s44118" name="think-cell Slide" r:id="rId7" imgW="270" imgH="270" progId="TCLayout.ActiveDocument.1">
+                <p:oleObj spid="_x0000_s67588" name="think-cell Slide" r:id="rId7" imgW="270" imgH="270" progId="TCLayout.ActiveDocument.1">
                   <p:embed/>
                 </p:oleObj>
               </mc:Choice>
@@ -33050,8 +35455,16 @@
           <a:lstStyle/>
           <a:p>
             <a:r>
-              <a:rPr lang="en-US" smtClean="0"/>
-              <a:t>Configuring Your Web API</a:t>
+              <a:rPr lang="en-US" dirty="0" smtClean="0"/>
+              <a:t>Configuring </a:t>
+            </a:r>
+            <a:r>
+              <a:rPr lang="en-US" dirty="0" smtClean="0"/>
+              <a:t>Your Web </a:t>
+            </a:r>
+            <a:r>
+              <a:rPr lang="en-US" dirty="0" smtClean="0"/>
+              <a:t>API for Self Host</a:t>
             </a:r>
             <a:endParaRPr lang="en-US" dirty="0"/>
           </a:p>
@@ -33072,8 +35485,8 @@
         </p:nvSpPr>
         <p:spPr>
           <a:xfrm>
-            <a:off x="519112" y="1420813"/>
-            <a:ext cx="11149013" cy="3077766"/>
+            <a:off x="455314" y="1420813"/>
+            <a:ext cx="11830543" cy="3077766"/>
           </a:xfrm>
         </p:spPr>
         <p:txBody>
@@ -33223,7 +35636,7 @@
               <a:t>Pass </a:t>
             </a:r>
             <a:r>
-              <a:rPr lang="en-US" sz="4000" dirty="0" err="1">
+              <a:rPr lang="en-US" sz="4000" dirty="0" err="1" smtClean="0">
                 <a:gradFill>
                   <a:gsLst>
                     <a:gs pos="0">
@@ -33237,10 +35650,10 @@
                 </a:gradFill>
                 <a:latin typeface="Segoe UI Light" pitchFamily="34" charset="0"/>
               </a:rPr>
-              <a:t>config</a:t>
-            </a:r>
-            <a:r>
-              <a:rPr lang="en-US" sz="4000" dirty="0">
+              <a:t>HttpConfiguration</a:t>
+            </a:r>
+            <a:r>
+              <a:rPr lang="en-US" sz="4000" dirty="0" smtClean="0">
                 <a:gradFill>
                   <a:gsLst>
                     <a:gs pos="0">
@@ -33254,7 +35667,7 @@
                 </a:gradFill>
                 <a:latin typeface="Segoe UI Light" pitchFamily="34" charset="0"/>
               </a:rPr>
-              <a:t> </a:t>
+              <a:t> instance </a:t>
             </a:r>
             <a:r>
               <a:rPr lang="en-US" sz="4000" dirty="0" smtClean="0">
@@ -33273,6 +35686,39 @@
               </a:rPr>
               <a:t>to </a:t>
             </a:r>
+            <a:r>
+              <a:rPr lang="en-US" sz="4000" dirty="0" smtClean="0">
+                <a:gradFill>
+                  <a:gsLst>
+                    <a:gs pos="0">
+                      <a:schemeClr val="accent2"/>
+                    </a:gs>
+                    <a:gs pos="100000">
+                      <a:schemeClr val="accent2"/>
+                    </a:gs>
+                  </a:gsLst>
+                  <a:lin ang="5400000" scaled="0"/>
+                </a:gradFill>
+                <a:latin typeface="Segoe UI Light" pitchFamily="34" charset="0"/>
+              </a:rPr>
+              <a:t/>
+            </a:r>
+            <a:br>
+              <a:rPr lang="en-US" sz="4000" dirty="0" smtClean="0">
+                <a:gradFill>
+                  <a:gsLst>
+                    <a:gs pos="0">
+                      <a:schemeClr val="accent2"/>
+                    </a:gs>
+                    <a:gs pos="100000">
+                      <a:schemeClr val="accent2"/>
+                    </a:gs>
+                  </a:gsLst>
+                  <a:lin ang="5400000" scaled="0"/>
+                </a:gradFill>
+                <a:latin typeface="Segoe UI Light" pitchFamily="34" charset="0"/>
+              </a:rPr>
+            </a:br>
             <a:r>
               <a:rPr lang="en-US" sz="4000" dirty="0" err="1" smtClean="0">
                 <a:gradFill>
@@ -35874,7 +38320,7 @@
     </p:spTree>
     <p:extLst>
       <p:ext uri="{BB962C8B-B14F-4D97-AF65-F5344CB8AC3E}">
-        <p14:creationId xmlns:p14="http://schemas.microsoft.com/office/powerpoint/2010/main" val="3554911171"/>
+        <p14:creationId xmlns:p14="http://schemas.microsoft.com/office/powerpoint/2010/main" val="3505747689"/>
       </p:ext>
     </p:extLst>
   </p:cSld>
@@ -35920,6 +38366,2273 @@
           <a:chExt cx="0" cy="0"/>
         </a:xfrm>
       </p:grpSpPr>
+      <p:sp>
+        <p:nvSpPr>
+          <p:cNvPr id="14" name="Rectangle 13"/>
+          <p:cNvSpPr/>
+          <p:nvPr/>
+        </p:nvSpPr>
+        <p:spPr bwMode="auto">
+          <a:xfrm>
+            <a:off x="0" y="1158338"/>
+            <a:ext cx="12188825" cy="4613427"/>
+          </a:xfrm>
+          <a:prstGeom prst="rect">
+            <a:avLst/>
+          </a:prstGeom>
+          <a:solidFill>
+            <a:schemeClr val="accent2">
+              <a:lumMod val="20000"/>
+              <a:lumOff val="80000"/>
+            </a:schemeClr>
+          </a:solidFill>
+          <a:ln>
+            <a:noFill/>
+            <a:headEnd type="none" w="med" len="med"/>
+            <a:tailEnd type="none" w="med" len="med"/>
+          </a:ln>
+          <a:effectLst/>
+        </p:spPr>
+        <p:style>
+          <a:lnRef idx="1">
+            <a:schemeClr val="accent2"/>
+          </a:lnRef>
+          <a:fillRef idx="3">
+            <a:schemeClr val="accent2"/>
+          </a:fillRef>
+          <a:effectRef idx="2">
+            <a:schemeClr val="accent2"/>
+          </a:effectRef>
+          <a:fontRef idx="minor">
+            <a:schemeClr val="lt1"/>
+          </a:fontRef>
+        </p:style>
+        <p:txBody>
+          <a:bodyPr vert="horz" wrap="square" lIns="91436" tIns="45718" rIns="91436" bIns="45718" numCol="1" rtlCol="0" anchor="ctr" anchorCtr="0" compatLnSpc="1">
+            <a:prstTxWarp prst="textNoShape">
+              <a:avLst/>
+            </a:prstTxWarp>
+          </a:bodyPr>
+          <a:lstStyle/>
+          <a:p>
+            <a:pPr algn="ctr" defTabSz="914099" fontAlgn="base">
+              <a:spcBef>
+                <a:spcPct val="0"/>
+              </a:spcBef>
+              <a:spcAft>
+                <a:spcPct val="0"/>
+              </a:spcAft>
+            </a:pPr>
+            <a:endParaRPr lang="en-US" sz="2200" dirty="0" smtClean="0">
+              <a:gradFill>
+                <a:gsLst>
+                  <a:gs pos="0">
+                    <a:srgbClr val="FFFFFF"/>
+                  </a:gs>
+                  <a:gs pos="100000">
+                    <a:srgbClr val="FFFFFF"/>
+                  </a:gs>
+                </a:gsLst>
+                <a:lin ang="5400000" scaled="0"/>
+              </a:gradFill>
+            </a:endParaRPr>
+          </a:p>
+        </p:txBody>
+      </p:sp>
+      <p:sp>
+        <p:nvSpPr>
+          <p:cNvPr id="3" name="Title 2"/>
+          <p:cNvSpPr>
+            <a:spLocks noGrp="1"/>
+          </p:cNvSpPr>
+          <p:nvPr>
+            <p:ph type="title"/>
+          </p:nvPr>
+        </p:nvSpPr>
+        <p:spPr>
+          <a:xfrm>
+            <a:off x="519112" y="228600"/>
+            <a:ext cx="11149013" cy="664797"/>
+          </a:xfrm>
+        </p:spPr>
+        <p:txBody>
+          <a:bodyPr/>
+          <a:lstStyle/>
+          <a:p>
+            <a:r>
+              <a:rPr lang="en-US" sz="4800" dirty="0" smtClean="0"/>
+              <a:t>Self Hosting a Web API Controller is Easy</a:t>
+            </a:r>
+            <a:endParaRPr lang="en-US" sz="4800" dirty="0"/>
+          </a:p>
+        </p:txBody>
+      </p:sp>
+      <p:sp>
+        <p:nvSpPr>
+          <p:cNvPr id="5" name="TextBox 4"/>
+          <p:cNvSpPr txBox="1"/>
+          <p:nvPr/>
+        </p:nvSpPr>
+        <p:spPr>
+          <a:xfrm>
+            <a:off x="3861765" y="1155118"/>
+            <a:ext cx="7909816" cy="4616648"/>
+          </a:xfrm>
+          <a:prstGeom prst="rect">
+            <a:avLst/>
+          </a:prstGeom>
+          <a:solidFill>
+            <a:schemeClr val="accent6"/>
+          </a:solidFill>
+          <a:ln>
+            <a:noFill/>
+          </a:ln>
+          <a:effectLst/>
+        </p:spPr>
+        <p:style>
+          <a:lnRef idx="3">
+            <a:schemeClr val="lt1"/>
+          </a:lnRef>
+          <a:fillRef idx="1">
+            <a:schemeClr val="accent3"/>
+          </a:fillRef>
+          <a:effectRef idx="1">
+            <a:schemeClr val="accent3"/>
+          </a:effectRef>
+          <a:fontRef idx="minor">
+            <a:schemeClr val="lt1"/>
+          </a:fontRef>
+        </p:style>
+        <p:txBody>
+          <a:bodyPr wrap="square" rtlCol="0">
+            <a:spAutoFit/>
+          </a:bodyPr>
+          <a:lstStyle/>
+          <a:p>
+            <a:r>
+              <a:rPr lang="en-US" sz="1400" dirty="0">
+                <a:solidFill>
+                  <a:schemeClr val="bg1"/>
+                </a:solidFill>
+                <a:latin typeface="Consolas" pitchFamily="49" charset="0"/>
+                <a:cs typeface="Consolas" pitchFamily="49" charset="0"/>
+              </a:rPr>
+              <a:t>class Program</a:t>
+            </a:r>
+          </a:p>
+          <a:p>
+            <a:r>
+              <a:rPr lang="en-US" sz="1400" dirty="0">
+                <a:solidFill>
+                  <a:schemeClr val="bg1"/>
+                </a:solidFill>
+                <a:latin typeface="Consolas" pitchFamily="49" charset="0"/>
+                <a:cs typeface="Consolas" pitchFamily="49" charset="0"/>
+              </a:rPr>
+              <a:t>{</a:t>
+            </a:r>
+          </a:p>
+          <a:p>
+            <a:r>
+              <a:rPr lang="en-US" sz="1400" dirty="0">
+                <a:solidFill>
+                  <a:schemeClr val="bg1"/>
+                </a:solidFill>
+                <a:latin typeface="Consolas" pitchFamily="49" charset="0"/>
+                <a:cs typeface="Consolas" pitchFamily="49" charset="0"/>
+              </a:rPr>
+              <a:t>    static void Main(string[] </a:t>
+            </a:r>
+            <a:r>
+              <a:rPr lang="en-US" sz="1400" dirty="0" err="1">
+                <a:solidFill>
+                  <a:schemeClr val="bg1"/>
+                </a:solidFill>
+                <a:latin typeface="Consolas" pitchFamily="49" charset="0"/>
+                <a:cs typeface="Consolas" pitchFamily="49" charset="0"/>
+              </a:rPr>
+              <a:t>args</a:t>
+            </a:r>
+            <a:r>
+              <a:rPr lang="en-US" sz="1400" dirty="0">
+                <a:solidFill>
+                  <a:schemeClr val="bg1"/>
+                </a:solidFill>
+                <a:latin typeface="Consolas" pitchFamily="49" charset="0"/>
+                <a:cs typeface="Consolas" pitchFamily="49" charset="0"/>
+              </a:rPr>
+              <a:t>)</a:t>
+            </a:r>
+          </a:p>
+          <a:p>
+            <a:r>
+              <a:rPr lang="en-US" sz="1400" dirty="0">
+                <a:solidFill>
+                  <a:schemeClr val="bg1"/>
+                </a:solidFill>
+                <a:latin typeface="Consolas" pitchFamily="49" charset="0"/>
+                <a:cs typeface="Consolas" pitchFamily="49" charset="0"/>
+              </a:rPr>
+              <a:t>    {</a:t>
+            </a:r>
+          </a:p>
+          <a:p>
+            <a:r>
+              <a:rPr lang="en-US" sz="1400" dirty="0">
+                <a:solidFill>
+                  <a:schemeClr val="bg1"/>
+                </a:solidFill>
+                <a:latin typeface="Consolas" pitchFamily="49" charset="0"/>
+                <a:cs typeface="Consolas" pitchFamily="49" charset="0"/>
+              </a:rPr>
+              <a:t>        // configure the server</a:t>
+            </a:r>
+          </a:p>
+          <a:p>
+            <a:r>
+              <a:rPr lang="en-US" sz="1400" dirty="0">
+                <a:solidFill>
+                  <a:schemeClr val="bg1"/>
+                </a:solidFill>
+                <a:latin typeface="Consolas" pitchFamily="49" charset="0"/>
+                <a:cs typeface="Consolas" pitchFamily="49" charset="0"/>
+              </a:rPr>
+              <a:t>        </a:t>
+            </a:r>
+            <a:r>
+              <a:rPr lang="en-US" sz="1400" dirty="0" err="1">
+                <a:solidFill>
+                  <a:schemeClr val="bg1"/>
+                </a:solidFill>
+                <a:latin typeface="Consolas" pitchFamily="49" charset="0"/>
+                <a:cs typeface="Consolas" pitchFamily="49" charset="0"/>
+              </a:rPr>
+              <a:t>var</a:t>
+            </a:r>
+            <a:r>
+              <a:rPr lang="en-US" sz="1400" dirty="0">
+                <a:solidFill>
+                  <a:schemeClr val="bg1"/>
+                </a:solidFill>
+                <a:latin typeface="Consolas" pitchFamily="49" charset="0"/>
+                <a:cs typeface="Consolas" pitchFamily="49" charset="0"/>
+              </a:rPr>
+              <a:t> </a:t>
+            </a:r>
+            <a:r>
+              <a:rPr lang="en-US" sz="1400" dirty="0" err="1">
+                <a:solidFill>
+                  <a:schemeClr val="bg1"/>
+                </a:solidFill>
+                <a:latin typeface="Consolas" pitchFamily="49" charset="0"/>
+                <a:cs typeface="Consolas" pitchFamily="49" charset="0"/>
+              </a:rPr>
+              <a:t>baseAddress</a:t>
+            </a:r>
+            <a:r>
+              <a:rPr lang="en-US" sz="1400" dirty="0">
+                <a:solidFill>
+                  <a:schemeClr val="bg1"/>
+                </a:solidFill>
+                <a:latin typeface="Consolas" pitchFamily="49" charset="0"/>
+                <a:cs typeface="Consolas" pitchFamily="49" charset="0"/>
+              </a:rPr>
+              <a:t> = "http://localhost:8080/";</a:t>
+            </a:r>
+          </a:p>
+          <a:p>
+            <a:r>
+              <a:rPr lang="en-US" sz="1400" dirty="0">
+                <a:solidFill>
+                  <a:schemeClr val="bg1"/>
+                </a:solidFill>
+                <a:latin typeface="Consolas" pitchFamily="49" charset="0"/>
+                <a:cs typeface="Consolas" pitchFamily="49" charset="0"/>
+              </a:rPr>
+              <a:t>        </a:t>
+            </a:r>
+            <a:r>
+              <a:rPr lang="en-US" sz="1400" dirty="0" err="1">
+                <a:solidFill>
+                  <a:schemeClr val="bg1"/>
+                </a:solidFill>
+                <a:latin typeface="Consolas" pitchFamily="49" charset="0"/>
+                <a:cs typeface="Consolas" pitchFamily="49" charset="0"/>
+              </a:rPr>
+              <a:t>var</a:t>
+            </a:r>
+            <a:r>
+              <a:rPr lang="en-US" sz="1400" dirty="0">
+                <a:solidFill>
+                  <a:schemeClr val="bg1"/>
+                </a:solidFill>
+                <a:latin typeface="Consolas" pitchFamily="49" charset="0"/>
+                <a:cs typeface="Consolas" pitchFamily="49" charset="0"/>
+              </a:rPr>
+              <a:t> </a:t>
+            </a:r>
+            <a:r>
+              <a:rPr lang="en-US" sz="1400" dirty="0" err="1">
+                <a:solidFill>
+                  <a:schemeClr val="bg1"/>
+                </a:solidFill>
+                <a:latin typeface="Consolas" pitchFamily="49" charset="0"/>
+                <a:cs typeface="Consolas" pitchFamily="49" charset="0"/>
+              </a:rPr>
+              <a:t>config</a:t>
+            </a:r>
+            <a:r>
+              <a:rPr lang="en-US" sz="1400" dirty="0">
+                <a:solidFill>
+                  <a:schemeClr val="bg1"/>
+                </a:solidFill>
+                <a:latin typeface="Consolas" pitchFamily="49" charset="0"/>
+                <a:cs typeface="Consolas" pitchFamily="49" charset="0"/>
+              </a:rPr>
+              <a:t> = new </a:t>
+            </a:r>
+            <a:r>
+              <a:rPr lang="en-US" sz="1400" dirty="0" err="1">
+                <a:solidFill>
+                  <a:schemeClr val="accent4">
+                    <a:lumMod val="60000"/>
+                    <a:lumOff val="40000"/>
+                  </a:schemeClr>
+                </a:solidFill>
+                <a:latin typeface="Consolas" pitchFamily="49" charset="0"/>
+                <a:cs typeface="Consolas" pitchFamily="49" charset="0"/>
+              </a:rPr>
+              <a:t>HttpSelfHostConfiguration</a:t>
+            </a:r>
+            <a:r>
+              <a:rPr lang="en-US" sz="1400" dirty="0">
+                <a:solidFill>
+                  <a:schemeClr val="bg1"/>
+                </a:solidFill>
+                <a:latin typeface="Consolas" pitchFamily="49" charset="0"/>
+                <a:cs typeface="Consolas" pitchFamily="49" charset="0"/>
+              </a:rPr>
+              <a:t>(</a:t>
+            </a:r>
+            <a:r>
+              <a:rPr lang="en-US" sz="1400" dirty="0" err="1">
+                <a:solidFill>
+                  <a:schemeClr val="bg1"/>
+                </a:solidFill>
+                <a:latin typeface="Consolas" pitchFamily="49" charset="0"/>
+                <a:cs typeface="Consolas" pitchFamily="49" charset="0"/>
+              </a:rPr>
+              <a:t>baseAddress</a:t>
+            </a:r>
+            <a:r>
+              <a:rPr lang="en-US" sz="1400" dirty="0">
+                <a:solidFill>
+                  <a:schemeClr val="bg1"/>
+                </a:solidFill>
+                <a:latin typeface="Consolas" pitchFamily="49" charset="0"/>
+                <a:cs typeface="Consolas" pitchFamily="49" charset="0"/>
+              </a:rPr>
+              <a:t>);</a:t>
+            </a:r>
+          </a:p>
+          <a:p>
+            <a:endParaRPr lang="en-US" sz="1400" dirty="0">
+              <a:solidFill>
+                <a:schemeClr val="bg1"/>
+              </a:solidFill>
+              <a:latin typeface="Consolas" pitchFamily="49" charset="0"/>
+              <a:cs typeface="Consolas" pitchFamily="49" charset="0"/>
+            </a:endParaRPr>
+          </a:p>
+          <a:p>
+            <a:r>
+              <a:rPr lang="en-US" sz="1400" dirty="0">
+                <a:solidFill>
+                  <a:schemeClr val="bg1"/>
+                </a:solidFill>
+                <a:latin typeface="Consolas" pitchFamily="49" charset="0"/>
+                <a:cs typeface="Consolas" pitchFamily="49" charset="0"/>
+              </a:rPr>
+              <a:t>        </a:t>
+            </a:r>
+            <a:r>
+              <a:rPr lang="en-US" sz="1400" dirty="0" err="1">
+                <a:solidFill>
+                  <a:schemeClr val="bg1"/>
+                </a:solidFill>
+                <a:latin typeface="Consolas" pitchFamily="49" charset="0"/>
+                <a:cs typeface="Consolas" pitchFamily="49" charset="0"/>
+              </a:rPr>
+              <a:t>config.Routes.MapHttpRoute</a:t>
+            </a:r>
+            <a:r>
+              <a:rPr lang="en-US" sz="1400" dirty="0">
+                <a:solidFill>
+                  <a:schemeClr val="bg1"/>
+                </a:solidFill>
+                <a:latin typeface="Consolas" pitchFamily="49" charset="0"/>
+                <a:cs typeface="Consolas" pitchFamily="49" charset="0"/>
+              </a:rPr>
+              <a:t>(</a:t>
+            </a:r>
+          </a:p>
+          <a:p>
+            <a:r>
+              <a:rPr lang="en-US" sz="1400" dirty="0">
+                <a:solidFill>
+                  <a:schemeClr val="bg1"/>
+                </a:solidFill>
+                <a:latin typeface="Consolas" pitchFamily="49" charset="0"/>
+                <a:cs typeface="Consolas" pitchFamily="49" charset="0"/>
+              </a:rPr>
+              <a:t>            name: "</a:t>
+            </a:r>
+            <a:r>
+              <a:rPr lang="en-US" sz="1400" dirty="0" err="1">
+                <a:solidFill>
+                  <a:schemeClr val="bg1"/>
+                </a:solidFill>
+                <a:latin typeface="Consolas" pitchFamily="49" charset="0"/>
+                <a:cs typeface="Consolas" pitchFamily="49" charset="0"/>
+              </a:rPr>
+              <a:t>DefaultApi</a:t>
+            </a:r>
+            <a:r>
+              <a:rPr lang="en-US" sz="1400" dirty="0">
+                <a:solidFill>
+                  <a:schemeClr val="bg1"/>
+                </a:solidFill>
+                <a:latin typeface="Consolas" pitchFamily="49" charset="0"/>
+                <a:cs typeface="Consolas" pitchFamily="49" charset="0"/>
+              </a:rPr>
+              <a:t>",</a:t>
+            </a:r>
+          </a:p>
+          <a:p>
+            <a:r>
+              <a:rPr lang="en-US" sz="1400" dirty="0">
+                <a:solidFill>
+                  <a:schemeClr val="bg1"/>
+                </a:solidFill>
+                <a:latin typeface="Consolas" pitchFamily="49" charset="0"/>
+                <a:cs typeface="Consolas" pitchFamily="49" charset="0"/>
+              </a:rPr>
+              <a:t>            </a:t>
+            </a:r>
+            <a:r>
+              <a:rPr lang="en-US" sz="1400" dirty="0" err="1">
+                <a:solidFill>
+                  <a:schemeClr val="bg1"/>
+                </a:solidFill>
+                <a:latin typeface="Consolas" pitchFamily="49" charset="0"/>
+                <a:cs typeface="Consolas" pitchFamily="49" charset="0"/>
+              </a:rPr>
+              <a:t>routeTemplate</a:t>
+            </a:r>
+            <a:r>
+              <a:rPr lang="en-US" sz="1400" dirty="0">
+                <a:solidFill>
+                  <a:schemeClr val="bg1"/>
+                </a:solidFill>
+                <a:latin typeface="Consolas" pitchFamily="49" charset="0"/>
+                <a:cs typeface="Consolas" pitchFamily="49" charset="0"/>
+              </a:rPr>
+              <a:t>: "</a:t>
+            </a:r>
+            <a:r>
+              <a:rPr lang="en-US" sz="1400" dirty="0" err="1">
+                <a:solidFill>
+                  <a:schemeClr val="bg1"/>
+                </a:solidFill>
+                <a:latin typeface="Consolas" pitchFamily="49" charset="0"/>
+                <a:cs typeface="Consolas" pitchFamily="49" charset="0"/>
+              </a:rPr>
+              <a:t>api</a:t>
+            </a:r>
+            <a:r>
+              <a:rPr lang="en-US" sz="1400" dirty="0">
+                <a:solidFill>
+                  <a:schemeClr val="bg1"/>
+                </a:solidFill>
+                <a:latin typeface="Consolas" pitchFamily="49" charset="0"/>
+                <a:cs typeface="Consolas" pitchFamily="49" charset="0"/>
+              </a:rPr>
+              <a:t>/{controller}/{id}",</a:t>
+            </a:r>
+          </a:p>
+          <a:p>
+            <a:r>
+              <a:rPr lang="en-US" sz="1400" dirty="0">
+                <a:solidFill>
+                  <a:schemeClr val="bg1"/>
+                </a:solidFill>
+                <a:latin typeface="Consolas" pitchFamily="49" charset="0"/>
+                <a:cs typeface="Consolas" pitchFamily="49" charset="0"/>
+              </a:rPr>
+              <a:t>            defaults: new { id = </a:t>
+            </a:r>
+            <a:r>
+              <a:rPr lang="en-US" sz="1400" dirty="0" err="1">
+                <a:solidFill>
+                  <a:schemeClr val="bg1"/>
+                </a:solidFill>
+                <a:latin typeface="Consolas" pitchFamily="49" charset="0"/>
+                <a:cs typeface="Consolas" pitchFamily="49" charset="0"/>
+              </a:rPr>
+              <a:t>RouteParameter.Optional</a:t>
+            </a:r>
+            <a:r>
+              <a:rPr lang="en-US" sz="1400" dirty="0">
+                <a:solidFill>
+                  <a:schemeClr val="bg1"/>
+                </a:solidFill>
+                <a:latin typeface="Consolas" pitchFamily="49" charset="0"/>
+                <a:cs typeface="Consolas" pitchFamily="49" charset="0"/>
+              </a:rPr>
+              <a:t> }</a:t>
+            </a:r>
+          </a:p>
+          <a:p>
+            <a:r>
+              <a:rPr lang="en-US" sz="1400" dirty="0">
+                <a:solidFill>
+                  <a:schemeClr val="bg1"/>
+                </a:solidFill>
+                <a:latin typeface="Consolas" pitchFamily="49" charset="0"/>
+                <a:cs typeface="Consolas" pitchFamily="49" charset="0"/>
+              </a:rPr>
+              <a:t>        );</a:t>
+            </a:r>
+          </a:p>
+          <a:p>
+            <a:endParaRPr lang="en-US" sz="1400" dirty="0">
+              <a:solidFill>
+                <a:schemeClr val="bg1"/>
+              </a:solidFill>
+              <a:latin typeface="Consolas" pitchFamily="49" charset="0"/>
+              <a:cs typeface="Consolas" pitchFamily="49" charset="0"/>
+            </a:endParaRPr>
+          </a:p>
+          <a:p>
+            <a:r>
+              <a:rPr lang="en-US" sz="1400" dirty="0">
+                <a:solidFill>
+                  <a:schemeClr val="bg1"/>
+                </a:solidFill>
+                <a:latin typeface="Consolas" pitchFamily="49" charset="0"/>
+                <a:cs typeface="Consolas" pitchFamily="49" charset="0"/>
+              </a:rPr>
+              <a:t>        // Create and open the server </a:t>
+            </a:r>
+          </a:p>
+          <a:p>
+            <a:r>
+              <a:rPr lang="en-US" sz="1400" dirty="0">
+                <a:solidFill>
+                  <a:schemeClr val="bg1"/>
+                </a:solidFill>
+                <a:latin typeface="Consolas" pitchFamily="49" charset="0"/>
+                <a:cs typeface="Consolas" pitchFamily="49" charset="0"/>
+              </a:rPr>
+              <a:t>        </a:t>
+            </a:r>
+            <a:r>
+              <a:rPr lang="en-US" sz="1400" dirty="0" err="1">
+                <a:solidFill>
+                  <a:schemeClr val="bg1"/>
+                </a:solidFill>
+                <a:latin typeface="Consolas" pitchFamily="49" charset="0"/>
+                <a:cs typeface="Consolas" pitchFamily="49" charset="0"/>
+              </a:rPr>
+              <a:t>var</a:t>
+            </a:r>
+            <a:r>
+              <a:rPr lang="en-US" sz="1400" dirty="0">
+                <a:solidFill>
+                  <a:schemeClr val="bg1"/>
+                </a:solidFill>
+                <a:latin typeface="Consolas" pitchFamily="49" charset="0"/>
+                <a:cs typeface="Consolas" pitchFamily="49" charset="0"/>
+              </a:rPr>
+              <a:t> server = new </a:t>
+            </a:r>
+            <a:r>
+              <a:rPr lang="en-US" sz="1400" dirty="0" err="1">
+                <a:solidFill>
+                  <a:schemeClr val="accent4">
+                    <a:lumMod val="60000"/>
+                    <a:lumOff val="40000"/>
+                  </a:schemeClr>
+                </a:solidFill>
+                <a:latin typeface="Consolas" pitchFamily="49" charset="0"/>
+                <a:cs typeface="Consolas" pitchFamily="49" charset="0"/>
+              </a:rPr>
+              <a:t>HttpSelfHostServer</a:t>
+            </a:r>
+            <a:r>
+              <a:rPr lang="en-US" sz="1400" dirty="0">
+                <a:solidFill>
+                  <a:schemeClr val="bg1"/>
+                </a:solidFill>
+                <a:latin typeface="Consolas" pitchFamily="49" charset="0"/>
+                <a:cs typeface="Consolas" pitchFamily="49" charset="0"/>
+              </a:rPr>
+              <a:t>(</a:t>
+            </a:r>
+            <a:r>
+              <a:rPr lang="en-US" sz="1400" dirty="0" err="1">
+                <a:solidFill>
+                  <a:schemeClr val="bg1"/>
+                </a:solidFill>
+                <a:latin typeface="Consolas" pitchFamily="49" charset="0"/>
+                <a:cs typeface="Consolas" pitchFamily="49" charset="0"/>
+              </a:rPr>
+              <a:t>config</a:t>
+            </a:r>
+            <a:r>
+              <a:rPr lang="en-US" sz="1400" dirty="0">
+                <a:solidFill>
+                  <a:schemeClr val="bg1"/>
+                </a:solidFill>
+                <a:latin typeface="Consolas" pitchFamily="49" charset="0"/>
+                <a:cs typeface="Consolas" pitchFamily="49" charset="0"/>
+              </a:rPr>
+              <a:t>);</a:t>
+            </a:r>
+          </a:p>
+          <a:p>
+            <a:r>
+              <a:rPr lang="en-US" sz="1400" dirty="0">
+                <a:solidFill>
+                  <a:schemeClr val="bg1"/>
+                </a:solidFill>
+                <a:latin typeface="Consolas" pitchFamily="49" charset="0"/>
+                <a:cs typeface="Consolas" pitchFamily="49" charset="0"/>
+              </a:rPr>
+              <a:t>        </a:t>
+            </a:r>
+            <a:r>
+              <a:rPr lang="en-US" sz="1400" dirty="0" err="1">
+                <a:solidFill>
+                  <a:schemeClr val="bg1"/>
+                </a:solidFill>
+                <a:latin typeface="Consolas" pitchFamily="49" charset="0"/>
+                <a:cs typeface="Consolas" pitchFamily="49" charset="0"/>
+              </a:rPr>
+              <a:t>server.OpenAsync</a:t>
+            </a:r>
+            <a:r>
+              <a:rPr lang="en-US" sz="1400" dirty="0">
+                <a:solidFill>
+                  <a:schemeClr val="bg1"/>
+                </a:solidFill>
+                <a:latin typeface="Consolas" pitchFamily="49" charset="0"/>
+                <a:cs typeface="Consolas" pitchFamily="49" charset="0"/>
+              </a:rPr>
+              <a:t>().Wait();</a:t>
+            </a:r>
+          </a:p>
+          <a:p>
+            <a:r>
+              <a:rPr lang="en-US" sz="1400" dirty="0">
+                <a:solidFill>
+                  <a:schemeClr val="bg1"/>
+                </a:solidFill>
+                <a:latin typeface="Consolas" pitchFamily="49" charset="0"/>
+                <a:cs typeface="Consolas" pitchFamily="49" charset="0"/>
+              </a:rPr>
+              <a:t>        </a:t>
+            </a:r>
+            <a:r>
+              <a:rPr lang="en-US" sz="1400" dirty="0" err="1">
+                <a:solidFill>
+                  <a:schemeClr val="bg1"/>
+                </a:solidFill>
+                <a:latin typeface="Consolas" pitchFamily="49" charset="0"/>
+                <a:cs typeface="Consolas" pitchFamily="49" charset="0"/>
+              </a:rPr>
+              <a:t>Console.WriteLine</a:t>
+            </a:r>
+            <a:r>
+              <a:rPr lang="en-US" sz="1400" dirty="0">
+                <a:solidFill>
+                  <a:schemeClr val="bg1"/>
+                </a:solidFill>
+                <a:latin typeface="Consolas" pitchFamily="49" charset="0"/>
+                <a:cs typeface="Consolas" pitchFamily="49" charset="0"/>
+              </a:rPr>
+              <a:t>("The server is running</a:t>
+            </a:r>
+            <a:r>
+              <a:rPr lang="en-US" sz="1400" dirty="0" smtClean="0">
+                <a:solidFill>
+                  <a:schemeClr val="bg1"/>
+                </a:solidFill>
+                <a:latin typeface="Consolas" pitchFamily="49" charset="0"/>
+                <a:cs typeface="Consolas" pitchFamily="49" charset="0"/>
+              </a:rPr>
+              <a:t>...");</a:t>
+            </a:r>
+          </a:p>
+          <a:p>
+            <a:r>
+              <a:rPr lang="en-US" sz="1400" dirty="0">
+                <a:solidFill>
+                  <a:schemeClr val="bg1"/>
+                </a:solidFill>
+                <a:latin typeface="Consolas" pitchFamily="49" charset="0"/>
+                <a:cs typeface="Consolas" pitchFamily="49" charset="0"/>
+              </a:rPr>
+              <a:t> </a:t>
+            </a:r>
+            <a:r>
+              <a:rPr lang="en-US" sz="1400" dirty="0" smtClean="0">
+                <a:solidFill>
+                  <a:schemeClr val="bg1"/>
+                </a:solidFill>
+                <a:latin typeface="Consolas" pitchFamily="49" charset="0"/>
+                <a:cs typeface="Consolas" pitchFamily="49" charset="0"/>
+              </a:rPr>
+              <a:t>       </a:t>
+            </a:r>
+            <a:r>
+              <a:rPr lang="en-US" sz="1400" dirty="0" err="1" smtClean="0">
+                <a:solidFill>
+                  <a:schemeClr val="bg1"/>
+                </a:solidFill>
+                <a:latin typeface="Consolas" pitchFamily="49" charset="0"/>
+                <a:cs typeface="Consolas" pitchFamily="49" charset="0"/>
+              </a:rPr>
+              <a:t>Console.ReadLine</a:t>
+            </a:r>
+            <a:r>
+              <a:rPr lang="en-US" sz="1400" dirty="0" smtClean="0">
+                <a:solidFill>
+                  <a:schemeClr val="bg1"/>
+                </a:solidFill>
+                <a:latin typeface="Consolas" pitchFamily="49" charset="0"/>
+                <a:cs typeface="Consolas" pitchFamily="49" charset="0"/>
+              </a:rPr>
+              <a:t>();</a:t>
+            </a:r>
+            <a:endParaRPr lang="en-US" sz="1400" dirty="0">
+              <a:solidFill>
+                <a:schemeClr val="bg1"/>
+              </a:solidFill>
+              <a:latin typeface="Consolas" pitchFamily="49" charset="0"/>
+              <a:cs typeface="Consolas" pitchFamily="49" charset="0"/>
+            </a:endParaRPr>
+          </a:p>
+          <a:p>
+            <a:r>
+              <a:rPr lang="en-US" sz="1400" dirty="0">
+                <a:solidFill>
+                  <a:schemeClr val="bg1"/>
+                </a:solidFill>
+                <a:latin typeface="Consolas" pitchFamily="49" charset="0"/>
+                <a:cs typeface="Consolas" pitchFamily="49" charset="0"/>
+              </a:rPr>
+              <a:t>    }</a:t>
+            </a:r>
+          </a:p>
+          <a:p>
+            <a:r>
+              <a:rPr lang="en-US" sz="1400" dirty="0">
+                <a:solidFill>
+                  <a:schemeClr val="bg1"/>
+                </a:solidFill>
+                <a:latin typeface="Consolas" pitchFamily="49" charset="0"/>
+                <a:cs typeface="Consolas" pitchFamily="49" charset="0"/>
+              </a:rPr>
+              <a:t>}</a:t>
+            </a:r>
+            <a:endParaRPr lang="en-US" sz="1400" dirty="0" smtClean="0">
+              <a:solidFill>
+                <a:schemeClr val="bg1"/>
+              </a:solidFill>
+              <a:latin typeface="Consolas" pitchFamily="49" charset="0"/>
+              <a:cs typeface="Consolas" pitchFamily="49" charset="0"/>
+            </a:endParaRPr>
+          </a:p>
+        </p:txBody>
+      </p:sp>
+      <p:sp>
+        <p:nvSpPr>
+          <p:cNvPr id="8" name="Rectangle 7"/>
+          <p:cNvSpPr/>
+          <p:nvPr/>
+        </p:nvSpPr>
+        <p:spPr>
+          <a:xfrm>
+            <a:off x="288365" y="1158338"/>
+            <a:ext cx="3572966" cy="4031873"/>
+          </a:xfrm>
+          <a:prstGeom prst="rect">
+            <a:avLst/>
+          </a:prstGeom>
+        </p:spPr>
+        <p:txBody>
+          <a:bodyPr wrap="none">
+            <a:spAutoFit/>
+          </a:bodyPr>
+          <a:lstStyle/>
+          <a:p>
+            <a:r>
+              <a:rPr lang="en-US" sz="4000" dirty="0" smtClean="0">
+                <a:solidFill>
+                  <a:schemeClr val="accent2">
+                    <a:alpha val="99000"/>
+                  </a:schemeClr>
+                </a:solidFill>
+                <a:latin typeface="Segoe UI Light" pitchFamily="34" charset="0"/>
+              </a:rPr>
+              <a:t>Console Host:</a:t>
+            </a:r>
+            <a:endParaRPr lang="en-US" dirty="0">
+              <a:solidFill>
+                <a:schemeClr val="tx2">
+                  <a:alpha val="99000"/>
+                </a:schemeClr>
+              </a:solidFill>
+              <a:latin typeface="Segoe UI Light" pitchFamily="34" charset="0"/>
+            </a:endParaRPr>
+          </a:p>
+          <a:p>
+            <a:r>
+              <a:rPr lang="en-US" dirty="0" smtClean="0">
+                <a:solidFill>
+                  <a:schemeClr val="tx2">
+                    <a:alpha val="99000"/>
+                  </a:schemeClr>
+                </a:solidFill>
+                <a:latin typeface="Segoe UI Light" pitchFamily="34" charset="0"/>
+              </a:rPr>
+              <a:t>First set up the </a:t>
+            </a:r>
+            <a:br>
+              <a:rPr lang="en-US" dirty="0" smtClean="0">
+                <a:solidFill>
+                  <a:schemeClr val="tx2">
+                    <a:alpha val="99000"/>
+                  </a:schemeClr>
+                </a:solidFill>
+                <a:latin typeface="Segoe UI Light" pitchFamily="34" charset="0"/>
+              </a:rPr>
+            </a:br>
+            <a:r>
+              <a:rPr lang="en-US" dirty="0" smtClean="0">
+                <a:solidFill>
+                  <a:schemeClr val="tx2">
+                    <a:alpha val="99000"/>
+                  </a:schemeClr>
+                </a:solidFill>
+                <a:latin typeface="Segoe UI Light" pitchFamily="34" charset="0"/>
+              </a:rPr>
+              <a:t>configuration and </a:t>
+            </a:r>
+            <a:br>
+              <a:rPr lang="en-US" dirty="0" smtClean="0">
+                <a:solidFill>
+                  <a:schemeClr val="tx2">
+                    <a:alpha val="99000"/>
+                  </a:schemeClr>
+                </a:solidFill>
+                <a:latin typeface="Segoe UI Light" pitchFamily="34" charset="0"/>
+              </a:rPr>
+            </a:br>
+            <a:r>
+              <a:rPr lang="en-US" dirty="0" smtClean="0">
+                <a:solidFill>
+                  <a:schemeClr val="tx2">
+                    <a:alpha val="99000"/>
+                  </a:schemeClr>
+                </a:solidFill>
+                <a:latin typeface="Segoe UI Light" pitchFamily="34" charset="0"/>
+              </a:rPr>
+              <a:t>the routes, just like in </a:t>
+            </a:r>
+            <a:br>
+              <a:rPr lang="en-US" dirty="0" smtClean="0">
+                <a:solidFill>
+                  <a:schemeClr val="tx2">
+                    <a:alpha val="99000"/>
+                  </a:schemeClr>
+                </a:solidFill>
+                <a:latin typeface="Segoe UI Light" pitchFamily="34" charset="0"/>
+              </a:rPr>
+            </a:br>
+            <a:r>
+              <a:rPr lang="en-US" dirty="0" err="1" smtClean="0">
+                <a:solidFill>
+                  <a:schemeClr val="tx2">
+                    <a:alpha val="99000"/>
+                  </a:schemeClr>
+                </a:solidFill>
+                <a:latin typeface="Segoe UI Light" pitchFamily="34" charset="0"/>
+              </a:rPr>
+              <a:t>Global.asax.cs</a:t>
+            </a:r>
+            <a:r>
+              <a:rPr lang="en-US" dirty="0" smtClean="0">
+                <a:solidFill>
+                  <a:schemeClr val="tx2">
+                    <a:alpha val="99000"/>
+                  </a:schemeClr>
+                </a:solidFill>
+                <a:latin typeface="Segoe UI Light" pitchFamily="34" charset="0"/>
+              </a:rPr>
+              <a:t>.</a:t>
+            </a:r>
+          </a:p>
+          <a:p>
+            <a:endParaRPr lang="en-US" dirty="0">
+              <a:solidFill>
+                <a:schemeClr val="tx2">
+                  <a:alpha val="99000"/>
+                </a:schemeClr>
+              </a:solidFill>
+              <a:latin typeface="Segoe UI Light" pitchFamily="34" charset="0"/>
+            </a:endParaRPr>
+          </a:p>
+          <a:p>
+            <a:r>
+              <a:rPr lang="en-US" dirty="0" smtClean="0">
+                <a:solidFill>
+                  <a:schemeClr val="tx2">
+                    <a:alpha val="99000"/>
+                  </a:schemeClr>
+                </a:solidFill>
+                <a:latin typeface="Segoe UI Light" pitchFamily="34" charset="0"/>
+              </a:rPr>
+              <a:t>Then, host the controller</a:t>
+            </a:r>
+            <a:br>
+              <a:rPr lang="en-US" dirty="0" smtClean="0">
+                <a:solidFill>
+                  <a:schemeClr val="tx2">
+                    <a:alpha val="99000"/>
+                  </a:schemeClr>
+                </a:solidFill>
+                <a:latin typeface="Segoe UI Light" pitchFamily="34" charset="0"/>
+              </a:rPr>
+            </a:br>
+            <a:r>
+              <a:rPr lang="en-US" dirty="0" smtClean="0">
+                <a:solidFill>
+                  <a:schemeClr val="tx2">
+                    <a:alpha val="99000"/>
+                  </a:schemeClr>
+                </a:solidFill>
+                <a:latin typeface="Segoe UI Light" pitchFamily="34" charset="0"/>
+              </a:rPr>
+              <a:t>using </a:t>
+            </a:r>
+            <a:r>
+              <a:rPr lang="en-US" dirty="0" err="1" smtClean="0">
+                <a:solidFill>
+                  <a:schemeClr val="tx2">
+                    <a:alpha val="99000"/>
+                  </a:schemeClr>
+                </a:solidFill>
+                <a:latin typeface="Segoe UI Light" pitchFamily="34" charset="0"/>
+              </a:rPr>
+              <a:t>HttpSelfHostServer</a:t>
+            </a:r>
+            <a:r>
+              <a:rPr lang="en-US" dirty="0">
+                <a:solidFill>
+                  <a:schemeClr val="tx2">
+                    <a:alpha val="99000"/>
+                  </a:schemeClr>
+                </a:solidFill>
+                <a:latin typeface="Segoe UI Light" pitchFamily="34" charset="0"/>
+              </a:rPr>
+              <a:t/>
+            </a:r>
+            <a:br>
+              <a:rPr lang="en-US" dirty="0">
+                <a:solidFill>
+                  <a:schemeClr val="tx2">
+                    <a:alpha val="99000"/>
+                  </a:schemeClr>
+                </a:solidFill>
+                <a:latin typeface="Segoe UI Light" pitchFamily="34" charset="0"/>
+              </a:rPr>
+            </a:br>
+            <a:r>
+              <a:rPr lang="en-US" dirty="0" smtClean="0">
+                <a:solidFill>
+                  <a:schemeClr val="tx2">
+                    <a:alpha val="99000"/>
+                  </a:schemeClr>
+                </a:solidFill>
+                <a:latin typeface="Segoe UI Light" pitchFamily="34" charset="0"/>
+              </a:rPr>
+              <a:t>and open the server up to</a:t>
+            </a:r>
+            <a:br>
+              <a:rPr lang="en-US" dirty="0" smtClean="0">
+                <a:solidFill>
+                  <a:schemeClr val="tx2">
+                    <a:alpha val="99000"/>
+                  </a:schemeClr>
+                </a:solidFill>
+                <a:latin typeface="Segoe UI Light" pitchFamily="34" charset="0"/>
+              </a:rPr>
+            </a:br>
+            <a:r>
+              <a:rPr lang="en-US" dirty="0" smtClean="0">
+                <a:solidFill>
+                  <a:schemeClr val="tx2">
+                    <a:alpha val="99000"/>
+                  </a:schemeClr>
+                </a:solidFill>
+                <a:latin typeface="Segoe UI Light" pitchFamily="34" charset="0"/>
+              </a:rPr>
+              <a:t>listen for requests.</a:t>
+            </a:r>
+            <a:endParaRPr lang="en-US" dirty="0">
+              <a:solidFill>
+                <a:schemeClr val="tx2">
+                  <a:alpha val="99000"/>
+                </a:schemeClr>
+              </a:solidFill>
+              <a:latin typeface="Segoe UI Light" pitchFamily="34" charset="0"/>
+            </a:endParaRPr>
+          </a:p>
+        </p:txBody>
+      </p:sp>
+    </p:spTree>
+    <p:extLst>
+      <p:ext uri="{BB962C8B-B14F-4D97-AF65-F5344CB8AC3E}">
+        <p14:creationId xmlns:p14="http://schemas.microsoft.com/office/powerpoint/2010/main" val="2294629268"/>
+      </p:ext>
+    </p:extLst>
+  </p:cSld>
+  <p:clrMapOvr>
+    <a:masterClrMapping/>
+  </p:clrMapOvr>
+  <p:transition>
+    <p:fade/>
+  </p:transition>
+  <p:timing>
+    <p:tnLst>
+      <p:par>
+        <p:cTn id="1" dur="indefinite" restart="never" nodeType="tmRoot"/>
+      </p:par>
+    </p:tnLst>
+  </p:timing>
+</p:sld>
+</file>
+
+<file path=ppt/slides/slide3.xml><?xml version="1.0" encoding="utf-8"?>
+<p:sld xmlns:a="http://schemas.openxmlformats.org/drawingml/2006/main" xmlns:r="http://schemas.openxmlformats.org/officeDocument/2006/relationships" xmlns:p="http://schemas.openxmlformats.org/presentationml/2006/main">
+  <p:cSld>
+    <p:spTree>
+      <p:nvGrpSpPr>
+        <p:cNvPr id="1" name=""/>
+        <p:cNvGrpSpPr/>
+        <p:nvPr/>
+      </p:nvGrpSpPr>
+      <p:grpSpPr>
+        <a:xfrm>
+          <a:off x="0" y="0"/>
+          <a:ext cx="0" cy="0"/>
+          <a:chOff x="0" y="0"/>
+          <a:chExt cx="0" cy="0"/>
+        </a:xfrm>
+      </p:grpSpPr>
+      <p:graphicFrame>
+        <p:nvGraphicFramePr>
+          <p:cNvPr id="2" name="Object 1" hidden="1"/>
+          <p:cNvGraphicFramePr>
+            <a:graphicFrameLocks noChangeAspect="1"/>
+          </p:cNvGraphicFramePr>
+          <p:nvPr>
+            <p:custDataLst>
+              <p:tags r:id="rId2"/>
+            </p:custDataLst>
+            <p:extLst>
+              <p:ext uri="{D42A27DB-BD31-4B8C-83A1-F6EECF244321}">
+                <p14:modId xmlns:p14="http://schemas.microsoft.com/office/powerpoint/2010/main" val="1079077315"/>
+              </p:ext>
+            </p:extLst>
+          </p:nvPr>
+        </p:nvGraphicFramePr>
+        <p:xfrm>
+          <a:off x="0" y="0"/>
+          <a:ext cx="158750" cy="158750"/>
+        </p:xfrm>
+        <a:graphic>
+          <a:graphicData uri="http://schemas.openxmlformats.org/presentationml/2006/ole">
+            <mc:AlternateContent xmlns:mc="http://schemas.openxmlformats.org/markup-compatibility/2006">
+              <mc:Choice xmlns:v="urn:schemas-microsoft-com:vml" Requires="v">
+                <p:oleObj spid="_x0000_s23644" name="think-cell Slide" r:id="rId7" imgW="270" imgH="270" progId="TCLayout.ActiveDocument.1">
+                  <p:embed/>
+                </p:oleObj>
+              </mc:Choice>
+              <mc:Fallback>
+                <p:oleObj name="think-cell Slide" r:id="rId7" imgW="270" imgH="270" progId="TCLayout.ActiveDocument.1">
+                  <p:embed/>
+                  <p:pic>
+                    <p:nvPicPr>
+                      <p:cNvPr id="0" name=""/>
+                      <p:cNvPicPr/>
+                      <p:nvPr/>
+                    </p:nvPicPr>
+                    <p:blipFill>
+                      <a:blip r:embed="rId8"/>
+                      <a:stretch>
+                        <a:fillRect/>
+                      </a:stretch>
+                    </p:blipFill>
+                    <p:spPr>
+                      <a:xfrm>
+                        <a:off x="0" y="0"/>
+                        <a:ext cx="158750" cy="158750"/>
+                      </a:xfrm>
+                      <a:prstGeom prst="rect">
+                        <a:avLst/>
+                      </a:prstGeom>
+                    </p:spPr>
+                  </p:pic>
+                </p:oleObj>
+              </mc:Fallback>
+            </mc:AlternateContent>
+          </a:graphicData>
+        </a:graphic>
+      </p:graphicFrame>
+      <p:sp>
+        <p:nvSpPr>
+          <p:cNvPr id="5" name="Title 4"/>
+          <p:cNvSpPr>
+            <a:spLocks noGrp="1"/>
+          </p:cNvSpPr>
+          <p:nvPr>
+            <p:ph type="title"/>
+            <p:custDataLst>
+              <p:tags r:id="rId3"/>
+            </p:custDataLst>
+          </p:nvPr>
+        </p:nvSpPr>
+        <p:spPr/>
+        <p:txBody>
+          <a:bodyPr/>
+          <a:lstStyle/>
+          <a:p>
+            <a:r>
+              <a:rPr lang="en-US" smtClean="0"/>
+              <a:t>Agenda </a:t>
+            </a:r>
+            <a:endParaRPr lang="en-US" dirty="0"/>
+          </a:p>
+        </p:txBody>
+      </p:sp>
+      <p:sp>
+        <p:nvSpPr>
+          <p:cNvPr id="6" name="Content Placeholder 5"/>
+          <p:cNvSpPr>
+            <a:spLocks noGrp="1"/>
+          </p:cNvSpPr>
+          <p:nvPr>
+            <p:ph type="body" sz="quarter" idx="11"/>
+            <p:custDataLst>
+              <p:tags r:id="rId4"/>
+            </p:custDataLst>
+          </p:nvPr>
+        </p:nvSpPr>
+        <p:spPr>
+          <a:xfrm>
+            <a:off x="3473804" y="1828765"/>
+            <a:ext cx="6945312" cy="4419671"/>
+          </a:xfrm>
+        </p:spPr>
+        <p:txBody>
+          <a:bodyPr/>
+          <a:lstStyle/>
+          <a:p>
+            <a:r>
+              <a:rPr lang="en-US" dirty="0" smtClean="0"/>
+              <a:t>Why all the hype </a:t>
+            </a:r>
+            <a:br>
+              <a:rPr lang="en-US" dirty="0" smtClean="0"/>
+            </a:br>
+            <a:r>
+              <a:rPr lang="en-US" dirty="0" smtClean="0"/>
+              <a:t>for Web APIs?</a:t>
+            </a:r>
+          </a:p>
+          <a:p>
+            <a:r>
+              <a:rPr lang="en-US" dirty="0" smtClean="0"/>
+              <a:t>Building Web APIs for browser/JSON clients</a:t>
+            </a:r>
+          </a:p>
+          <a:p>
+            <a:r>
+              <a:rPr lang="en-US" dirty="0" smtClean="0"/>
+              <a:t>Building Web APIs for native/non-browser clients</a:t>
+            </a:r>
+            <a:endParaRPr lang="en-US" dirty="0"/>
+          </a:p>
+        </p:txBody>
+      </p:sp>
+    </p:spTree>
+    <p:extLst>
+      <p:ext uri="{BB962C8B-B14F-4D97-AF65-F5344CB8AC3E}">
+        <p14:creationId xmlns:p14="http://schemas.microsoft.com/office/powerpoint/2010/main" val="621077321"/>
+      </p:ext>
+    </p:extLst>
+  </p:cSld>
+  <p:clrMapOvr>
+    <a:masterClrMapping/>
+  </p:clrMapOvr>
+  <mc:AlternateContent xmlns:mc="http://schemas.openxmlformats.org/markup-compatibility/2006" xmlns:p14="http://schemas.microsoft.com/office/powerpoint/2010/main">
+    <mc:Choice Requires="p14">
+      <p:transition spd="med" p14:dur="700">
+        <p:fade/>
+      </p:transition>
+    </mc:Choice>
+    <mc:Fallback xmlns="">
+      <p:transition spd="med">
+        <p:fade/>
+      </p:transition>
+    </mc:Fallback>
+  </mc:AlternateContent>
+  <p:timing>
+    <p:tnLst>
+      <p:par>
+        <p:cTn id="1" dur="indefinite" restart="never" nodeType="tmRoot"/>
+      </p:par>
+    </p:tnLst>
+  </p:timing>
+</p:sld>
+</file>
+
+<file path=ppt/slides/slide30.xml><?xml version="1.0" encoding="utf-8"?>
+<p:sld xmlns:a="http://schemas.openxmlformats.org/drawingml/2006/main" xmlns:r="http://schemas.openxmlformats.org/officeDocument/2006/relationships" xmlns:p="http://schemas.openxmlformats.org/presentationml/2006/main">
+  <p:cSld>
+    <p:spTree>
+      <p:nvGrpSpPr>
+        <p:cNvPr id="1" name=""/>
+        <p:cNvGrpSpPr/>
+        <p:nvPr/>
+      </p:nvGrpSpPr>
+      <p:grpSpPr>
+        <a:xfrm>
+          <a:off x="0" y="0"/>
+          <a:ext cx="0" cy="0"/>
+          <a:chOff x="0" y="0"/>
+          <a:chExt cx="0" cy="0"/>
+        </a:xfrm>
+      </p:grpSpPr>
+      <p:sp>
+        <p:nvSpPr>
+          <p:cNvPr id="14" name="Rectangle 13"/>
+          <p:cNvSpPr/>
+          <p:nvPr/>
+        </p:nvSpPr>
+        <p:spPr bwMode="auto">
+          <a:xfrm>
+            <a:off x="0" y="1158339"/>
+            <a:ext cx="12188825" cy="4182540"/>
+          </a:xfrm>
+          <a:prstGeom prst="rect">
+            <a:avLst/>
+          </a:prstGeom>
+          <a:solidFill>
+            <a:schemeClr val="accent2">
+              <a:lumMod val="20000"/>
+              <a:lumOff val="80000"/>
+            </a:schemeClr>
+          </a:solidFill>
+          <a:ln>
+            <a:noFill/>
+            <a:headEnd type="none" w="med" len="med"/>
+            <a:tailEnd type="none" w="med" len="med"/>
+          </a:ln>
+          <a:effectLst/>
+        </p:spPr>
+        <p:style>
+          <a:lnRef idx="1">
+            <a:schemeClr val="accent2"/>
+          </a:lnRef>
+          <a:fillRef idx="3">
+            <a:schemeClr val="accent2"/>
+          </a:fillRef>
+          <a:effectRef idx="2">
+            <a:schemeClr val="accent2"/>
+          </a:effectRef>
+          <a:fontRef idx="minor">
+            <a:schemeClr val="lt1"/>
+          </a:fontRef>
+        </p:style>
+        <p:txBody>
+          <a:bodyPr vert="horz" wrap="square" lIns="91436" tIns="45718" rIns="91436" bIns="45718" numCol="1" rtlCol="0" anchor="ctr" anchorCtr="0" compatLnSpc="1">
+            <a:prstTxWarp prst="textNoShape">
+              <a:avLst/>
+            </a:prstTxWarp>
+          </a:bodyPr>
+          <a:lstStyle/>
+          <a:p>
+            <a:pPr algn="ctr" defTabSz="914099" fontAlgn="base">
+              <a:spcBef>
+                <a:spcPct val="0"/>
+              </a:spcBef>
+              <a:spcAft>
+                <a:spcPct val="0"/>
+              </a:spcAft>
+            </a:pPr>
+            <a:endParaRPr lang="en-US" sz="2200" dirty="0" smtClean="0">
+              <a:gradFill>
+                <a:gsLst>
+                  <a:gs pos="0">
+                    <a:srgbClr val="FFFFFF"/>
+                  </a:gs>
+                  <a:gs pos="100000">
+                    <a:srgbClr val="FFFFFF"/>
+                  </a:gs>
+                </a:gsLst>
+                <a:lin ang="5400000" scaled="0"/>
+              </a:gradFill>
+            </a:endParaRPr>
+          </a:p>
+        </p:txBody>
+      </p:sp>
+      <p:sp>
+        <p:nvSpPr>
+          <p:cNvPr id="3" name="Title 2"/>
+          <p:cNvSpPr>
+            <a:spLocks noGrp="1"/>
+          </p:cNvSpPr>
+          <p:nvPr>
+            <p:ph type="title"/>
+          </p:nvPr>
+        </p:nvSpPr>
+        <p:spPr>
+          <a:xfrm>
+            <a:off x="519112" y="228600"/>
+            <a:ext cx="11149013" cy="664797"/>
+          </a:xfrm>
+        </p:spPr>
+        <p:txBody>
+          <a:bodyPr/>
+          <a:lstStyle/>
+          <a:p>
+            <a:r>
+              <a:rPr lang="en-US" sz="4800" dirty="0" smtClean="0"/>
+              <a:t>Self Hosting a Web API Controller is Easy</a:t>
+            </a:r>
+            <a:endParaRPr lang="en-US" sz="4800" dirty="0"/>
+          </a:p>
+        </p:txBody>
+      </p:sp>
+      <p:sp>
+        <p:nvSpPr>
+          <p:cNvPr id="5" name="TextBox 4"/>
+          <p:cNvSpPr txBox="1"/>
+          <p:nvPr/>
+        </p:nvSpPr>
+        <p:spPr>
+          <a:xfrm>
+            <a:off x="3861765" y="1155118"/>
+            <a:ext cx="8150126" cy="4185761"/>
+          </a:xfrm>
+          <a:prstGeom prst="rect">
+            <a:avLst/>
+          </a:prstGeom>
+          <a:solidFill>
+            <a:schemeClr val="accent6"/>
+          </a:solidFill>
+          <a:ln>
+            <a:noFill/>
+          </a:ln>
+          <a:effectLst/>
+        </p:spPr>
+        <p:style>
+          <a:lnRef idx="3">
+            <a:schemeClr val="lt1"/>
+          </a:lnRef>
+          <a:fillRef idx="1">
+            <a:schemeClr val="accent3"/>
+          </a:fillRef>
+          <a:effectRef idx="1">
+            <a:schemeClr val="accent3"/>
+          </a:effectRef>
+          <a:fontRef idx="minor">
+            <a:schemeClr val="lt1"/>
+          </a:fontRef>
+        </p:style>
+        <p:txBody>
+          <a:bodyPr wrap="square" rtlCol="0">
+            <a:spAutoFit/>
+          </a:bodyPr>
+          <a:lstStyle/>
+          <a:p>
+            <a:r>
+              <a:rPr lang="en-US" sz="1400" dirty="0">
+                <a:solidFill>
+                  <a:schemeClr val="bg1"/>
+                </a:solidFill>
+                <a:latin typeface="Consolas" pitchFamily="49" charset="0"/>
+                <a:cs typeface="Consolas" pitchFamily="49" charset="0"/>
+              </a:rPr>
+              <a:t>public class </a:t>
+            </a:r>
+            <a:r>
+              <a:rPr lang="en-US" sz="1400" dirty="0" err="1">
+                <a:solidFill>
+                  <a:schemeClr val="bg1"/>
+                </a:solidFill>
+                <a:latin typeface="Consolas" pitchFamily="49" charset="0"/>
+                <a:cs typeface="Consolas" pitchFamily="49" charset="0"/>
+              </a:rPr>
+              <a:t>EnvironmentStatus</a:t>
+            </a:r>
+            <a:endParaRPr lang="en-US" sz="1400" dirty="0">
+              <a:solidFill>
+                <a:schemeClr val="bg1"/>
+              </a:solidFill>
+              <a:latin typeface="Consolas" pitchFamily="49" charset="0"/>
+              <a:cs typeface="Consolas" pitchFamily="49" charset="0"/>
+            </a:endParaRPr>
+          </a:p>
+          <a:p>
+            <a:r>
+              <a:rPr lang="en-US" sz="1400" dirty="0">
+                <a:solidFill>
+                  <a:schemeClr val="bg1"/>
+                </a:solidFill>
+                <a:latin typeface="Consolas" pitchFamily="49" charset="0"/>
+                <a:cs typeface="Consolas" pitchFamily="49" charset="0"/>
+              </a:rPr>
+              <a:t>{</a:t>
+            </a:r>
+          </a:p>
+          <a:p>
+            <a:r>
+              <a:rPr lang="en-US" sz="1400" dirty="0">
+                <a:solidFill>
+                  <a:schemeClr val="bg1"/>
+                </a:solidFill>
+                <a:latin typeface="Consolas" pitchFamily="49" charset="0"/>
+                <a:cs typeface="Consolas" pitchFamily="49" charset="0"/>
+              </a:rPr>
+              <a:t>    public string </a:t>
+            </a:r>
+            <a:r>
+              <a:rPr lang="en-US" sz="1400" dirty="0" err="1">
+                <a:solidFill>
+                  <a:schemeClr val="bg1"/>
+                </a:solidFill>
+                <a:latin typeface="Consolas" pitchFamily="49" charset="0"/>
+                <a:cs typeface="Consolas" pitchFamily="49" charset="0"/>
+              </a:rPr>
+              <a:t>MachineName</a:t>
+            </a:r>
+            <a:r>
+              <a:rPr lang="en-US" sz="1400" dirty="0">
+                <a:solidFill>
+                  <a:schemeClr val="bg1"/>
+                </a:solidFill>
+                <a:latin typeface="Consolas" pitchFamily="49" charset="0"/>
+                <a:cs typeface="Consolas" pitchFamily="49" charset="0"/>
+              </a:rPr>
+              <a:t> { get; set; }</a:t>
+            </a:r>
+          </a:p>
+          <a:p>
+            <a:r>
+              <a:rPr lang="en-US" sz="1400" dirty="0">
+                <a:solidFill>
+                  <a:schemeClr val="bg1"/>
+                </a:solidFill>
+                <a:latin typeface="Consolas" pitchFamily="49" charset="0"/>
+                <a:cs typeface="Consolas" pitchFamily="49" charset="0"/>
+              </a:rPr>
+              <a:t>    public </a:t>
+            </a:r>
+            <a:r>
+              <a:rPr lang="en-US" sz="1400" dirty="0" err="1">
+                <a:solidFill>
+                  <a:schemeClr val="bg1"/>
+                </a:solidFill>
+                <a:latin typeface="Consolas" pitchFamily="49" charset="0"/>
+                <a:cs typeface="Consolas" pitchFamily="49" charset="0"/>
+              </a:rPr>
+              <a:t>DateTime</a:t>
+            </a:r>
+            <a:r>
+              <a:rPr lang="en-US" sz="1400" dirty="0">
+                <a:solidFill>
+                  <a:schemeClr val="bg1"/>
+                </a:solidFill>
+                <a:latin typeface="Consolas" pitchFamily="49" charset="0"/>
+                <a:cs typeface="Consolas" pitchFamily="49" charset="0"/>
+              </a:rPr>
+              <a:t> </a:t>
+            </a:r>
+            <a:r>
+              <a:rPr lang="en-US" sz="1400" dirty="0" err="1">
+                <a:solidFill>
+                  <a:schemeClr val="bg1"/>
+                </a:solidFill>
+                <a:latin typeface="Consolas" pitchFamily="49" charset="0"/>
+                <a:cs typeface="Consolas" pitchFamily="49" charset="0"/>
+              </a:rPr>
+              <a:t>TimeOnServer</a:t>
+            </a:r>
+            <a:r>
+              <a:rPr lang="en-US" sz="1400" dirty="0">
+                <a:solidFill>
+                  <a:schemeClr val="bg1"/>
+                </a:solidFill>
+                <a:latin typeface="Consolas" pitchFamily="49" charset="0"/>
+                <a:cs typeface="Consolas" pitchFamily="49" charset="0"/>
+              </a:rPr>
+              <a:t> { get; set; }</a:t>
+            </a:r>
+          </a:p>
+          <a:p>
+            <a:r>
+              <a:rPr lang="en-US" sz="1400" dirty="0">
+                <a:solidFill>
+                  <a:schemeClr val="bg1"/>
+                </a:solidFill>
+                <a:latin typeface="Consolas" pitchFamily="49" charset="0"/>
+                <a:cs typeface="Consolas" pitchFamily="49" charset="0"/>
+              </a:rPr>
+              <a:t>}</a:t>
+            </a:r>
+          </a:p>
+          <a:p>
+            <a:endParaRPr lang="en-US" sz="1400" dirty="0">
+              <a:solidFill>
+                <a:schemeClr val="bg1"/>
+              </a:solidFill>
+              <a:latin typeface="Consolas" pitchFamily="49" charset="0"/>
+              <a:cs typeface="Consolas" pitchFamily="49" charset="0"/>
+            </a:endParaRPr>
+          </a:p>
+          <a:p>
+            <a:r>
+              <a:rPr lang="en-US" sz="1400" dirty="0">
+                <a:solidFill>
+                  <a:schemeClr val="bg1"/>
+                </a:solidFill>
+                <a:latin typeface="Consolas" pitchFamily="49" charset="0"/>
+                <a:cs typeface="Consolas" pitchFamily="49" charset="0"/>
+              </a:rPr>
+              <a:t>public class </a:t>
+            </a:r>
+            <a:r>
+              <a:rPr lang="en-US" sz="1400" dirty="0" err="1">
+                <a:solidFill>
+                  <a:schemeClr val="bg1"/>
+                </a:solidFill>
+                <a:latin typeface="Consolas" pitchFamily="49" charset="0"/>
+                <a:cs typeface="Consolas" pitchFamily="49" charset="0"/>
+              </a:rPr>
+              <a:t>EnvironmentController</a:t>
+            </a:r>
+            <a:r>
+              <a:rPr lang="en-US" sz="1400" dirty="0">
+                <a:solidFill>
+                  <a:schemeClr val="bg1"/>
+                </a:solidFill>
+                <a:latin typeface="Consolas" pitchFamily="49" charset="0"/>
+                <a:cs typeface="Consolas" pitchFamily="49" charset="0"/>
+              </a:rPr>
+              <a:t> : </a:t>
+            </a:r>
+            <a:r>
+              <a:rPr lang="en-US" sz="1400" dirty="0" err="1">
+                <a:solidFill>
+                  <a:schemeClr val="bg1"/>
+                </a:solidFill>
+                <a:latin typeface="Consolas" pitchFamily="49" charset="0"/>
+                <a:cs typeface="Consolas" pitchFamily="49" charset="0"/>
+              </a:rPr>
+              <a:t>ApiController</a:t>
+            </a:r>
+            <a:endParaRPr lang="en-US" sz="1400" dirty="0">
+              <a:solidFill>
+                <a:schemeClr val="bg1"/>
+              </a:solidFill>
+              <a:latin typeface="Consolas" pitchFamily="49" charset="0"/>
+              <a:cs typeface="Consolas" pitchFamily="49" charset="0"/>
+            </a:endParaRPr>
+          </a:p>
+          <a:p>
+            <a:r>
+              <a:rPr lang="en-US" sz="1400" dirty="0">
+                <a:solidFill>
+                  <a:schemeClr val="bg1"/>
+                </a:solidFill>
+                <a:latin typeface="Consolas" pitchFamily="49" charset="0"/>
+                <a:cs typeface="Consolas" pitchFamily="49" charset="0"/>
+              </a:rPr>
+              <a:t>{</a:t>
+            </a:r>
+          </a:p>
+          <a:p>
+            <a:r>
+              <a:rPr lang="en-US" sz="1400" dirty="0">
+                <a:solidFill>
+                  <a:schemeClr val="bg1"/>
+                </a:solidFill>
+                <a:latin typeface="Consolas" pitchFamily="49" charset="0"/>
+                <a:cs typeface="Consolas" pitchFamily="49" charset="0"/>
+              </a:rPr>
+              <a:t>    public </a:t>
+            </a:r>
+            <a:r>
+              <a:rPr lang="en-US" sz="1400" dirty="0" err="1">
+                <a:solidFill>
+                  <a:schemeClr val="bg1"/>
+                </a:solidFill>
+                <a:latin typeface="Consolas" pitchFamily="49" charset="0"/>
+                <a:cs typeface="Consolas" pitchFamily="49" charset="0"/>
+              </a:rPr>
+              <a:t>EnvironmentStatus</a:t>
+            </a:r>
+            <a:r>
+              <a:rPr lang="en-US" sz="1400" dirty="0">
+                <a:solidFill>
+                  <a:schemeClr val="bg1"/>
+                </a:solidFill>
+                <a:latin typeface="Consolas" pitchFamily="49" charset="0"/>
+                <a:cs typeface="Consolas" pitchFamily="49" charset="0"/>
+              </a:rPr>
+              <a:t> Get()</a:t>
+            </a:r>
+          </a:p>
+          <a:p>
+            <a:r>
+              <a:rPr lang="en-US" sz="1400" dirty="0">
+                <a:solidFill>
+                  <a:schemeClr val="bg1"/>
+                </a:solidFill>
+                <a:latin typeface="Consolas" pitchFamily="49" charset="0"/>
+                <a:cs typeface="Consolas" pitchFamily="49" charset="0"/>
+              </a:rPr>
+              <a:t>    {</a:t>
+            </a:r>
+          </a:p>
+          <a:p>
+            <a:r>
+              <a:rPr lang="en-US" sz="1400" dirty="0">
+                <a:solidFill>
+                  <a:schemeClr val="bg1"/>
+                </a:solidFill>
+                <a:latin typeface="Consolas" pitchFamily="49" charset="0"/>
+                <a:cs typeface="Consolas" pitchFamily="49" charset="0"/>
+              </a:rPr>
+              <a:t>        </a:t>
+            </a:r>
+            <a:r>
+              <a:rPr lang="en-US" sz="1400" dirty="0" err="1">
+                <a:solidFill>
+                  <a:schemeClr val="bg1"/>
+                </a:solidFill>
+                <a:latin typeface="Consolas" pitchFamily="49" charset="0"/>
+                <a:cs typeface="Consolas" pitchFamily="49" charset="0"/>
+              </a:rPr>
+              <a:t>Console.WriteLine</a:t>
+            </a:r>
+            <a:r>
+              <a:rPr lang="en-US" sz="1400" dirty="0" smtClean="0">
+                <a:solidFill>
+                  <a:schemeClr val="bg1"/>
+                </a:solidFill>
+                <a:latin typeface="Consolas" pitchFamily="49" charset="0"/>
+                <a:cs typeface="Consolas" pitchFamily="49" charset="0"/>
+              </a:rPr>
+              <a:t>(“User </a:t>
+            </a:r>
+            <a:r>
+              <a:rPr lang="en-US" sz="1400" dirty="0">
+                <a:solidFill>
+                  <a:schemeClr val="bg1"/>
+                </a:solidFill>
+                <a:latin typeface="Consolas" pitchFamily="49" charset="0"/>
+                <a:cs typeface="Consolas" pitchFamily="49" charset="0"/>
+              </a:rPr>
+              <a:t>agent " + </a:t>
+            </a:r>
+            <a:r>
+              <a:rPr lang="en-US" sz="1400" dirty="0" err="1">
+                <a:solidFill>
+                  <a:schemeClr val="bg1"/>
+                </a:solidFill>
+                <a:latin typeface="Consolas" pitchFamily="49" charset="0"/>
+                <a:cs typeface="Consolas" pitchFamily="49" charset="0"/>
+              </a:rPr>
+              <a:t>Request.Headers.UserAgent</a:t>
+            </a:r>
+            <a:r>
+              <a:rPr lang="en-US" sz="1400" dirty="0">
+                <a:solidFill>
+                  <a:schemeClr val="bg1"/>
+                </a:solidFill>
+                <a:latin typeface="Consolas" pitchFamily="49" charset="0"/>
+                <a:cs typeface="Consolas" pitchFamily="49" charset="0"/>
+              </a:rPr>
+              <a:t>);</a:t>
+            </a:r>
+          </a:p>
+          <a:p>
+            <a:endParaRPr lang="en-US" sz="1400" dirty="0">
+              <a:solidFill>
+                <a:schemeClr val="bg1"/>
+              </a:solidFill>
+              <a:latin typeface="Consolas" pitchFamily="49" charset="0"/>
+              <a:cs typeface="Consolas" pitchFamily="49" charset="0"/>
+            </a:endParaRPr>
+          </a:p>
+          <a:p>
+            <a:r>
+              <a:rPr lang="en-US" sz="1400" dirty="0">
+                <a:solidFill>
+                  <a:schemeClr val="bg1"/>
+                </a:solidFill>
+                <a:latin typeface="Consolas" pitchFamily="49" charset="0"/>
+                <a:cs typeface="Consolas" pitchFamily="49" charset="0"/>
+              </a:rPr>
+              <a:t>        return new </a:t>
+            </a:r>
+            <a:r>
+              <a:rPr lang="en-US" sz="1400" dirty="0" err="1">
+                <a:solidFill>
+                  <a:schemeClr val="bg1"/>
+                </a:solidFill>
+                <a:latin typeface="Consolas" pitchFamily="49" charset="0"/>
+                <a:cs typeface="Consolas" pitchFamily="49" charset="0"/>
+              </a:rPr>
+              <a:t>EnvironmentStatus</a:t>
+            </a:r>
+            <a:endParaRPr lang="en-US" sz="1400" dirty="0">
+              <a:solidFill>
+                <a:schemeClr val="bg1"/>
+              </a:solidFill>
+              <a:latin typeface="Consolas" pitchFamily="49" charset="0"/>
+              <a:cs typeface="Consolas" pitchFamily="49" charset="0"/>
+            </a:endParaRPr>
+          </a:p>
+          <a:p>
+            <a:r>
+              <a:rPr lang="en-US" sz="1400" dirty="0">
+                <a:solidFill>
+                  <a:schemeClr val="bg1"/>
+                </a:solidFill>
+                <a:latin typeface="Consolas" pitchFamily="49" charset="0"/>
+                <a:cs typeface="Consolas" pitchFamily="49" charset="0"/>
+              </a:rPr>
+              <a:t>        {</a:t>
+            </a:r>
+          </a:p>
+          <a:p>
+            <a:r>
+              <a:rPr lang="en-US" sz="1400" dirty="0">
+                <a:solidFill>
+                  <a:schemeClr val="bg1"/>
+                </a:solidFill>
+                <a:latin typeface="Consolas" pitchFamily="49" charset="0"/>
+                <a:cs typeface="Consolas" pitchFamily="49" charset="0"/>
+              </a:rPr>
+              <a:t>            </a:t>
+            </a:r>
+            <a:r>
+              <a:rPr lang="en-US" sz="1400" dirty="0" err="1">
+                <a:solidFill>
+                  <a:schemeClr val="bg1"/>
+                </a:solidFill>
+                <a:latin typeface="Consolas" pitchFamily="49" charset="0"/>
+                <a:cs typeface="Consolas" pitchFamily="49" charset="0"/>
+              </a:rPr>
+              <a:t>MachineName</a:t>
+            </a:r>
+            <a:r>
+              <a:rPr lang="en-US" sz="1400" dirty="0">
+                <a:solidFill>
+                  <a:schemeClr val="bg1"/>
+                </a:solidFill>
+                <a:latin typeface="Consolas" pitchFamily="49" charset="0"/>
+                <a:cs typeface="Consolas" pitchFamily="49" charset="0"/>
+              </a:rPr>
+              <a:t> = </a:t>
+            </a:r>
+            <a:r>
+              <a:rPr lang="en-US" sz="1400" dirty="0" err="1">
+                <a:solidFill>
+                  <a:schemeClr val="bg1"/>
+                </a:solidFill>
+                <a:latin typeface="Consolas" pitchFamily="49" charset="0"/>
+                <a:cs typeface="Consolas" pitchFamily="49" charset="0"/>
+              </a:rPr>
+              <a:t>Environment.MachineName</a:t>
+            </a:r>
+            <a:r>
+              <a:rPr lang="en-US" sz="1400" dirty="0">
+                <a:solidFill>
+                  <a:schemeClr val="bg1"/>
+                </a:solidFill>
+                <a:latin typeface="Consolas" pitchFamily="49" charset="0"/>
+                <a:cs typeface="Consolas" pitchFamily="49" charset="0"/>
+              </a:rPr>
+              <a:t>,</a:t>
+            </a:r>
+          </a:p>
+          <a:p>
+            <a:r>
+              <a:rPr lang="en-US" sz="1400" dirty="0">
+                <a:solidFill>
+                  <a:schemeClr val="bg1"/>
+                </a:solidFill>
+                <a:latin typeface="Consolas" pitchFamily="49" charset="0"/>
+                <a:cs typeface="Consolas" pitchFamily="49" charset="0"/>
+              </a:rPr>
+              <a:t>            </a:t>
+            </a:r>
+            <a:r>
+              <a:rPr lang="en-US" sz="1400" dirty="0" err="1">
+                <a:solidFill>
+                  <a:schemeClr val="bg1"/>
+                </a:solidFill>
+                <a:latin typeface="Consolas" pitchFamily="49" charset="0"/>
+                <a:cs typeface="Consolas" pitchFamily="49" charset="0"/>
+              </a:rPr>
+              <a:t>TimeOnServer</a:t>
+            </a:r>
+            <a:r>
+              <a:rPr lang="en-US" sz="1400" dirty="0">
+                <a:solidFill>
+                  <a:schemeClr val="bg1"/>
+                </a:solidFill>
+                <a:latin typeface="Consolas" pitchFamily="49" charset="0"/>
+                <a:cs typeface="Consolas" pitchFamily="49" charset="0"/>
+              </a:rPr>
+              <a:t> = </a:t>
+            </a:r>
+            <a:r>
+              <a:rPr lang="en-US" sz="1400" dirty="0" err="1">
+                <a:solidFill>
+                  <a:schemeClr val="bg1"/>
+                </a:solidFill>
+                <a:latin typeface="Consolas" pitchFamily="49" charset="0"/>
+                <a:cs typeface="Consolas" pitchFamily="49" charset="0"/>
+              </a:rPr>
+              <a:t>DateTime.Now</a:t>
+            </a:r>
+            <a:endParaRPr lang="en-US" sz="1400" dirty="0">
+              <a:solidFill>
+                <a:schemeClr val="bg1"/>
+              </a:solidFill>
+              <a:latin typeface="Consolas" pitchFamily="49" charset="0"/>
+              <a:cs typeface="Consolas" pitchFamily="49" charset="0"/>
+            </a:endParaRPr>
+          </a:p>
+          <a:p>
+            <a:r>
+              <a:rPr lang="en-US" sz="1400" dirty="0">
+                <a:solidFill>
+                  <a:schemeClr val="bg1"/>
+                </a:solidFill>
+                <a:latin typeface="Consolas" pitchFamily="49" charset="0"/>
+                <a:cs typeface="Consolas" pitchFamily="49" charset="0"/>
+              </a:rPr>
+              <a:t>        };</a:t>
+            </a:r>
+          </a:p>
+          <a:p>
+            <a:r>
+              <a:rPr lang="en-US" sz="1400" dirty="0">
+                <a:solidFill>
+                  <a:schemeClr val="bg1"/>
+                </a:solidFill>
+                <a:latin typeface="Consolas" pitchFamily="49" charset="0"/>
+                <a:cs typeface="Consolas" pitchFamily="49" charset="0"/>
+              </a:rPr>
+              <a:t>    }</a:t>
+            </a:r>
+          </a:p>
+          <a:p>
+            <a:r>
+              <a:rPr lang="en-US" sz="1400" dirty="0">
+                <a:solidFill>
+                  <a:schemeClr val="bg1"/>
+                </a:solidFill>
+                <a:latin typeface="Consolas" pitchFamily="49" charset="0"/>
+                <a:cs typeface="Consolas" pitchFamily="49" charset="0"/>
+              </a:rPr>
+              <a:t>}</a:t>
+            </a:r>
+            <a:endParaRPr lang="en-US" sz="1400" dirty="0" smtClean="0">
+              <a:solidFill>
+                <a:schemeClr val="bg1"/>
+              </a:solidFill>
+              <a:latin typeface="Consolas" pitchFamily="49" charset="0"/>
+              <a:cs typeface="Consolas" pitchFamily="49" charset="0"/>
+            </a:endParaRPr>
+          </a:p>
+        </p:txBody>
+      </p:sp>
+      <p:sp>
+        <p:nvSpPr>
+          <p:cNvPr id="8" name="Rectangle 7"/>
+          <p:cNvSpPr/>
+          <p:nvPr/>
+        </p:nvSpPr>
+        <p:spPr>
+          <a:xfrm>
+            <a:off x="288365" y="1158338"/>
+            <a:ext cx="3348545" cy="2185214"/>
+          </a:xfrm>
+          <a:prstGeom prst="rect">
+            <a:avLst/>
+          </a:prstGeom>
+        </p:spPr>
+        <p:txBody>
+          <a:bodyPr wrap="none">
+            <a:spAutoFit/>
+          </a:bodyPr>
+          <a:lstStyle/>
+          <a:p>
+            <a:r>
+              <a:rPr lang="en-US" sz="4000" dirty="0" smtClean="0">
+                <a:solidFill>
+                  <a:schemeClr val="accent2">
+                    <a:alpha val="99000"/>
+                  </a:schemeClr>
+                </a:solidFill>
+                <a:latin typeface="Segoe UI Light" pitchFamily="34" charset="0"/>
+              </a:rPr>
+              <a:t>Controller:</a:t>
+            </a:r>
+            <a:endParaRPr lang="en-US" dirty="0">
+              <a:solidFill>
+                <a:schemeClr val="tx2">
+                  <a:alpha val="99000"/>
+                </a:schemeClr>
+              </a:solidFill>
+              <a:latin typeface="Segoe UI Light" pitchFamily="34" charset="0"/>
+            </a:endParaRPr>
+          </a:p>
+          <a:p>
+            <a:r>
+              <a:rPr lang="en-US" dirty="0" smtClean="0">
+                <a:solidFill>
+                  <a:schemeClr val="tx2">
+                    <a:alpha val="99000"/>
+                  </a:schemeClr>
+                </a:solidFill>
+                <a:latin typeface="Segoe UI Light" pitchFamily="34" charset="0"/>
+              </a:rPr>
+              <a:t>This simple controller</a:t>
+            </a:r>
+            <a:br>
+              <a:rPr lang="en-US" dirty="0" smtClean="0">
+                <a:solidFill>
+                  <a:schemeClr val="tx2">
+                    <a:alpha val="99000"/>
+                  </a:schemeClr>
+                </a:solidFill>
+                <a:latin typeface="Segoe UI Light" pitchFamily="34" charset="0"/>
+              </a:rPr>
+            </a:br>
+            <a:r>
+              <a:rPr lang="en-US" dirty="0" smtClean="0">
+                <a:solidFill>
+                  <a:schemeClr val="tx2">
+                    <a:alpha val="99000"/>
+                  </a:schemeClr>
+                </a:solidFill>
+                <a:latin typeface="Segoe UI Light" pitchFamily="34" charset="0"/>
+              </a:rPr>
+              <a:t>provides information </a:t>
+            </a:r>
+            <a:br>
+              <a:rPr lang="en-US" dirty="0" smtClean="0">
+                <a:solidFill>
+                  <a:schemeClr val="tx2">
+                    <a:alpha val="99000"/>
+                  </a:schemeClr>
+                </a:solidFill>
+                <a:latin typeface="Segoe UI Light" pitchFamily="34" charset="0"/>
+              </a:rPr>
+            </a:br>
+            <a:r>
+              <a:rPr lang="en-US" dirty="0" smtClean="0">
+                <a:solidFill>
+                  <a:schemeClr val="tx2">
+                    <a:alpha val="99000"/>
+                  </a:schemeClr>
+                </a:solidFill>
+                <a:latin typeface="Segoe UI Light" pitchFamily="34" charset="0"/>
+              </a:rPr>
+              <a:t>about the server hosting</a:t>
+            </a:r>
+            <a:br>
+              <a:rPr lang="en-US" dirty="0" smtClean="0">
+                <a:solidFill>
+                  <a:schemeClr val="tx2">
+                    <a:alpha val="99000"/>
+                  </a:schemeClr>
+                </a:solidFill>
+                <a:latin typeface="Segoe UI Light" pitchFamily="34" charset="0"/>
+              </a:rPr>
+            </a:br>
+            <a:r>
+              <a:rPr lang="en-US" dirty="0" smtClean="0">
+                <a:solidFill>
+                  <a:schemeClr val="tx2">
+                    <a:alpha val="99000"/>
+                  </a:schemeClr>
+                </a:solidFill>
+                <a:latin typeface="Segoe UI Light" pitchFamily="34" charset="0"/>
+              </a:rPr>
+              <a:t>the controller. </a:t>
+            </a:r>
+            <a:endParaRPr lang="en-US" dirty="0">
+              <a:solidFill>
+                <a:schemeClr val="tx2">
+                  <a:alpha val="99000"/>
+                </a:schemeClr>
+              </a:solidFill>
+              <a:latin typeface="Segoe UI Light" pitchFamily="34" charset="0"/>
+            </a:endParaRPr>
+          </a:p>
+        </p:txBody>
+      </p:sp>
+    </p:spTree>
+    <p:extLst>
+      <p:ext uri="{BB962C8B-B14F-4D97-AF65-F5344CB8AC3E}">
+        <p14:creationId xmlns:p14="http://schemas.microsoft.com/office/powerpoint/2010/main" val="3073757646"/>
+      </p:ext>
+    </p:extLst>
+  </p:cSld>
+  <p:clrMapOvr>
+    <a:masterClrMapping/>
+  </p:clrMapOvr>
+  <p:transition>
+    <p:fade/>
+  </p:transition>
+  <p:timing>
+    <p:tnLst>
+      <p:par>
+        <p:cTn id="1" dur="indefinite" restart="never" nodeType="tmRoot"/>
+      </p:par>
+    </p:tnLst>
+  </p:timing>
+</p:sld>
+</file>
+
+<file path=ppt/slides/slide31.xml><?xml version="1.0" encoding="utf-8"?>
+<p:sld xmlns:a="http://schemas.openxmlformats.org/drawingml/2006/main" xmlns:r="http://schemas.openxmlformats.org/officeDocument/2006/relationships" xmlns:p="http://schemas.openxmlformats.org/presentationml/2006/main">
+  <p:cSld>
+    <p:spTree>
+      <p:nvGrpSpPr>
+        <p:cNvPr id="1" name=""/>
+        <p:cNvGrpSpPr/>
+        <p:nvPr/>
+      </p:nvGrpSpPr>
+      <p:grpSpPr>
+        <a:xfrm>
+          <a:off x="0" y="0"/>
+          <a:ext cx="0" cy="0"/>
+          <a:chOff x="0" y="0"/>
+          <a:chExt cx="0" cy="0"/>
+        </a:xfrm>
+      </p:grpSpPr>
+      <p:graphicFrame>
+        <p:nvGraphicFramePr>
+          <p:cNvPr id="3" name="Object 2" hidden="1"/>
+          <p:cNvGraphicFramePr>
+            <a:graphicFrameLocks noChangeAspect="1"/>
+          </p:cNvGraphicFramePr>
+          <p:nvPr>
+            <p:custDataLst>
+              <p:tags r:id="rId2"/>
+            </p:custDataLst>
+            <p:extLst>
+              <p:ext uri="{D42A27DB-BD31-4B8C-83A1-F6EECF244321}">
+                <p14:modId xmlns:p14="http://schemas.microsoft.com/office/powerpoint/2010/main" val="2419750896"/>
+              </p:ext>
+            </p:extLst>
+          </p:nvPr>
+        </p:nvGraphicFramePr>
+        <p:xfrm>
+          <a:off x="0" y="0"/>
+          <a:ext cx="158750" cy="158750"/>
+        </p:xfrm>
+        <a:graphic>
+          <a:graphicData uri="http://schemas.openxmlformats.org/presentationml/2006/ole">
+            <mc:AlternateContent xmlns:mc="http://schemas.openxmlformats.org/markup-compatibility/2006">
+              <mc:Choice xmlns:v="urn:schemas-microsoft-com:vml" Requires="v">
+                <p:oleObj spid="_x0000_s43100" name="think-cell Slide" r:id="rId6" imgW="270" imgH="270" progId="TCLayout.ActiveDocument.1">
+                  <p:embed/>
+                </p:oleObj>
+              </mc:Choice>
+              <mc:Fallback>
+                <p:oleObj name="think-cell Slide" r:id="rId6" imgW="270" imgH="270" progId="TCLayout.ActiveDocument.1">
+                  <p:embed/>
+                  <p:pic>
+                    <p:nvPicPr>
+                      <p:cNvPr id="0" name=""/>
+                      <p:cNvPicPr/>
+                      <p:nvPr/>
+                    </p:nvPicPr>
+                    <p:blipFill>
+                      <a:blip r:embed="rId7"/>
+                      <a:stretch>
+                        <a:fillRect/>
+                      </a:stretch>
+                    </p:blipFill>
+                    <p:spPr>
+                      <a:xfrm>
+                        <a:off x="0" y="0"/>
+                        <a:ext cx="158750" cy="158750"/>
+                      </a:xfrm>
+                      <a:prstGeom prst="rect">
+                        <a:avLst/>
+                      </a:prstGeom>
+                    </p:spPr>
+                  </p:pic>
+                </p:oleObj>
+              </mc:Fallback>
+            </mc:AlternateContent>
+          </a:graphicData>
+        </a:graphic>
+      </p:graphicFrame>
+      <p:sp>
+        <p:nvSpPr>
+          <p:cNvPr id="4" name="Title 3"/>
+          <p:cNvSpPr>
+            <a:spLocks noGrp="1"/>
+          </p:cNvSpPr>
+          <p:nvPr>
+            <p:ph type="ctrTitle"/>
+            <p:custDataLst>
+              <p:tags r:id="rId3"/>
+            </p:custDataLst>
+          </p:nvPr>
+        </p:nvSpPr>
+        <p:spPr/>
+        <p:txBody>
+          <a:bodyPr/>
+          <a:lstStyle/>
+          <a:p>
+            <a:r>
+              <a:rPr lang="en-US" dirty="0" smtClean="0"/>
+              <a:t>Self Hosting Your</a:t>
+            </a:r>
+            <a:r>
+              <a:rPr lang="en-US" dirty="0" smtClean="0"/>
+              <a:t/>
+            </a:r>
+            <a:br>
+              <a:rPr lang="en-US" dirty="0" smtClean="0"/>
+            </a:br>
+            <a:r>
+              <a:rPr lang="en-US" dirty="0" smtClean="0"/>
+              <a:t>Web API</a:t>
+            </a:r>
+            <a:endParaRPr lang="en-US" dirty="0"/>
+          </a:p>
+        </p:txBody>
+      </p:sp>
+      <p:sp>
+        <p:nvSpPr>
+          <p:cNvPr id="7" name="Subtitle 6"/>
+          <p:cNvSpPr>
+            <a:spLocks noGrp="1"/>
+          </p:cNvSpPr>
+          <p:nvPr>
+            <p:ph type="subTitle" idx="1"/>
+          </p:nvPr>
+        </p:nvSpPr>
+        <p:spPr/>
+        <p:txBody>
+          <a:bodyPr/>
+          <a:lstStyle/>
+          <a:p>
+            <a:endParaRPr lang="en-US"/>
+          </a:p>
+        </p:txBody>
+      </p:sp>
+      <p:sp>
+        <p:nvSpPr>
+          <p:cNvPr id="6" name="Text Placeholder 5"/>
+          <p:cNvSpPr>
+            <a:spLocks noGrp="1"/>
+          </p:cNvSpPr>
+          <p:nvPr>
+            <p:ph type="body" sz="quarter" idx="10"/>
+          </p:nvPr>
+        </p:nvSpPr>
+        <p:spPr/>
+        <p:txBody>
+          <a:bodyPr/>
+          <a:lstStyle/>
+          <a:p>
+            <a:r>
+              <a:rPr lang="en-US" smtClean="0"/>
+              <a:t>demo</a:t>
+            </a:r>
+            <a:endParaRPr lang="en-US" dirty="0"/>
+          </a:p>
+        </p:txBody>
+      </p:sp>
+    </p:spTree>
+    <p:extLst>
+      <p:ext uri="{BB962C8B-B14F-4D97-AF65-F5344CB8AC3E}">
+        <p14:creationId xmlns:p14="http://schemas.microsoft.com/office/powerpoint/2010/main" val="1149727636"/>
+      </p:ext>
+    </p:extLst>
+  </p:cSld>
+  <p:clrMapOvr>
+    <a:masterClrMapping/>
+  </p:clrMapOvr>
+  <mc:AlternateContent xmlns:mc="http://schemas.openxmlformats.org/markup-compatibility/2006" xmlns:p14="http://schemas.microsoft.com/office/powerpoint/2010/main">
+    <mc:Choice Requires="p14">
+      <p:transition spd="med" p14:dur="700">
+        <p:fade/>
+      </p:transition>
+    </mc:Choice>
+    <mc:Fallback xmlns="">
+      <p:transition spd="med">
+        <p:fade/>
+      </p:transition>
+    </mc:Fallback>
+  </mc:AlternateContent>
+  <p:timing>
+    <p:tnLst>
+      <p:par>
+        <p:cTn id="1" dur="indefinite" restart="never" nodeType="tmRoot"/>
+      </p:par>
+    </p:tnLst>
+  </p:timing>
+</p:sld>
+</file>
+
+<file path=ppt/slides/slide32.xml><?xml version="1.0" encoding="utf-8"?>
+<p:sld xmlns:a="http://schemas.openxmlformats.org/drawingml/2006/main" xmlns:r="http://schemas.openxmlformats.org/officeDocument/2006/relationships" xmlns:p="http://schemas.openxmlformats.org/presentationml/2006/main">
+  <p:cSld>
+    <p:spTree>
+      <p:nvGrpSpPr>
+        <p:cNvPr id="1" name=""/>
+        <p:cNvGrpSpPr/>
+        <p:nvPr/>
+      </p:nvGrpSpPr>
+      <p:grpSpPr>
+        <a:xfrm>
+          <a:off x="0" y="0"/>
+          <a:ext cx="0" cy="0"/>
+          <a:chOff x="0" y="0"/>
+          <a:chExt cx="0" cy="0"/>
+        </a:xfrm>
+      </p:grpSpPr>
       <p:graphicFrame>
         <p:nvGraphicFramePr>
           <p:cNvPr id="3" name="Object 2" hidden="1"/>
@@ -35945,7 +40658,7 @@
           <a:graphicData uri="http://schemas.openxmlformats.org/presentationml/2006/ole">
             <mc:AlternateContent xmlns:mc="http://schemas.openxmlformats.org/markup-compatibility/2006">
               <mc:Choice xmlns:v="urn:schemas-microsoft-com:vml" Requires="v">
-                <p:oleObj spid="_x0000_s47192" name="think-cell Slide" r:id="rId7" imgW="270" imgH="270" progId="TCLayout.ActiveDocument.1">
+                <p:oleObj spid="_x0000_s47201" name="think-cell Slide" r:id="rId7" imgW="270" imgH="270" progId="TCLayout.ActiveDocument.1">
                   <p:embed/>
                 </p:oleObj>
               </mc:Choice>
@@ -36885,192 +41598,7 @@
 </p:sld>
 </file>
 
-<file path=ppt/slides/slide3.xml><?xml version="1.0" encoding="utf-8"?>
-<p:sld xmlns:a="http://schemas.openxmlformats.org/drawingml/2006/main" xmlns:r="http://schemas.openxmlformats.org/officeDocument/2006/relationships" xmlns:p="http://schemas.openxmlformats.org/presentationml/2006/main">
-  <p:cSld>
-    <p:spTree>
-      <p:nvGrpSpPr>
-        <p:cNvPr id="1" name=""/>
-        <p:cNvGrpSpPr/>
-        <p:nvPr/>
-      </p:nvGrpSpPr>
-      <p:grpSpPr>
-        <a:xfrm>
-          <a:off x="0" y="0"/>
-          <a:ext cx="0" cy="0"/>
-          <a:chOff x="0" y="0"/>
-          <a:chExt cx="0" cy="0"/>
-        </a:xfrm>
-      </p:grpSpPr>
-      <p:graphicFrame>
-        <p:nvGraphicFramePr>
-          <p:cNvPr id="2" name="Object 1" hidden="1"/>
-          <p:cNvGraphicFramePr>
-            <a:graphicFrameLocks noChangeAspect="1"/>
-          </p:cNvGraphicFramePr>
-          <p:nvPr>
-            <p:custDataLst>
-              <p:tags r:id="rId2"/>
-            </p:custDataLst>
-            <p:extLst>
-              <p:ext uri="{D42A27DB-BD31-4B8C-83A1-F6EECF244321}">
-                <p14:modId xmlns:p14="http://schemas.microsoft.com/office/powerpoint/2010/main" val="1079077315"/>
-              </p:ext>
-            </p:extLst>
-          </p:nvPr>
-        </p:nvGraphicFramePr>
-        <p:xfrm>
-          <a:off x="0" y="0"/>
-          <a:ext cx="158750" cy="158750"/>
-        </p:xfrm>
-        <a:graphic>
-          <a:graphicData uri="http://schemas.openxmlformats.org/presentationml/2006/ole">
-            <mc:AlternateContent xmlns:mc="http://schemas.openxmlformats.org/markup-compatibility/2006">
-              <mc:Choice xmlns:v="urn:schemas-microsoft-com:vml" Requires="v">
-                <p:oleObj spid="_x0000_s23635" name="think-cell Slide" r:id="rId7" imgW="270" imgH="270" progId="TCLayout.ActiveDocument.1">
-                  <p:embed/>
-                </p:oleObj>
-              </mc:Choice>
-              <mc:Fallback>
-                <p:oleObj name="think-cell Slide" r:id="rId7" imgW="270" imgH="270" progId="TCLayout.ActiveDocument.1">
-                  <p:embed/>
-                  <p:pic>
-                    <p:nvPicPr>
-                      <p:cNvPr id="0" name=""/>
-                      <p:cNvPicPr/>
-                      <p:nvPr/>
-                    </p:nvPicPr>
-                    <p:blipFill>
-                      <a:blip r:embed="rId8"/>
-                      <a:stretch>
-                        <a:fillRect/>
-                      </a:stretch>
-                    </p:blipFill>
-                    <p:spPr>
-                      <a:xfrm>
-                        <a:off x="0" y="0"/>
-                        <a:ext cx="158750" cy="158750"/>
-                      </a:xfrm>
-                      <a:prstGeom prst="rect">
-                        <a:avLst/>
-                      </a:prstGeom>
-                    </p:spPr>
-                  </p:pic>
-                </p:oleObj>
-              </mc:Fallback>
-            </mc:AlternateContent>
-          </a:graphicData>
-        </a:graphic>
-      </p:graphicFrame>
-      <p:sp>
-        <p:nvSpPr>
-          <p:cNvPr id="5" name="Title 4"/>
-          <p:cNvSpPr>
-            <a:spLocks noGrp="1"/>
-          </p:cNvSpPr>
-          <p:nvPr>
-            <p:ph type="title"/>
-            <p:custDataLst>
-              <p:tags r:id="rId3"/>
-            </p:custDataLst>
-          </p:nvPr>
-        </p:nvSpPr>
-        <p:spPr/>
-        <p:txBody>
-          <a:bodyPr/>
-          <a:lstStyle/>
-          <a:p>
-            <a:r>
-              <a:rPr lang="en-US" smtClean="0"/>
-              <a:t>Agenda </a:t>
-            </a:r>
-            <a:endParaRPr lang="en-US" dirty="0"/>
-          </a:p>
-        </p:txBody>
-      </p:sp>
-      <p:sp>
-        <p:nvSpPr>
-          <p:cNvPr id="6" name="Content Placeholder 5"/>
-          <p:cNvSpPr>
-            <a:spLocks noGrp="1"/>
-          </p:cNvSpPr>
-          <p:nvPr>
-            <p:ph type="body" sz="quarter" idx="11"/>
-            <p:custDataLst>
-              <p:tags r:id="rId4"/>
-            </p:custDataLst>
-          </p:nvPr>
-        </p:nvSpPr>
-        <p:spPr>
-          <a:xfrm>
-            <a:off x="3473804" y="1828765"/>
-            <a:ext cx="6945312" cy="4419671"/>
-          </a:xfrm>
-        </p:spPr>
-        <p:txBody>
-          <a:bodyPr/>
-          <a:lstStyle/>
-          <a:p>
-            <a:r>
-              <a:rPr lang="en-US" dirty="0" smtClean="0"/>
-              <a:t>Why all the hype </a:t>
-            </a:r>
-            <a:br>
-              <a:rPr lang="en-US" dirty="0" smtClean="0"/>
-            </a:br>
-            <a:r>
-              <a:rPr lang="en-US" dirty="0" smtClean="0"/>
-              <a:t>for Web APIs?</a:t>
-            </a:r>
-          </a:p>
-          <a:p>
-            <a:r>
-              <a:rPr lang="en-US" dirty="0" smtClean="0"/>
-              <a:t>Building Web APIs for browser/JSON clients</a:t>
-            </a:r>
-          </a:p>
-          <a:p>
-            <a:r>
-              <a:rPr lang="en-US" dirty="0" smtClean="0"/>
-              <a:t>Building Web APIs for native/non-browser clients</a:t>
-            </a:r>
-            <a:endParaRPr lang="en-US" dirty="0"/>
-          </a:p>
-        </p:txBody>
-      </p:sp>
-    </p:spTree>
-    <p:extLst>
-      <p:ext uri="{BB962C8B-B14F-4D97-AF65-F5344CB8AC3E}">
-        <p14:creationId xmlns:p14="http://schemas.microsoft.com/office/powerpoint/2010/main" val="621077321"/>
-      </p:ext>
-    </p:extLst>
-  </p:cSld>
-  <p:clrMapOvr>
-    <a:masterClrMapping/>
-  </p:clrMapOvr>
-  <mc:AlternateContent xmlns:mc="http://schemas.openxmlformats.org/markup-compatibility/2006" xmlns:p14="http://schemas.microsoft.com/office/powerpoint/2010/main">
-    <mc:Choice Requires="p14">
-      <p:transition spd="med" p14:dur="700">
-        <p:fade/>
-      </p:transition>
-    </mc:Choice>
-    <mc:Fallback xmlns="">
-      <p:transition spd="med">
-        <p:fade/>
-      </p:transition>
-    </mc:Fallback>
-  </mc:AlternateContent>
-  <p:timing>
-    <p:tnLst>
-      <p:par>
-        <p:cTn id="1" dur="indefinite" restart="never" nodeType="tmRoot"/>
-      </p:par>
-    </p:tnLst>
-  </p:timing>
-</p:sld>
-</file>
-
-<file path=ppt/slides/slide30.xml><?xml version="1.0" encoding="utf-8"?>
+<file path=ppt/slides/slide33.xml><?xml version="1.0" encoding="utf-8"?>
 <p:sld xmlns:a="http://schemas.openxmlformats.org/drawingml/2006/main" xmlns:r="http://schemas.openxmlformats.org/officeDocument/2006/relationships" xmlns:p="http://schemas.openxmlformats.org/presentationml/2006/main">
   <p:cSld>
     <p:spTree>
@@ -37112,7 +41640,7 @@
           <a:graphicData uri="http://schemas.openxmlformats.org/presentationml/2006/ole">
             <mc:AlternateContent xmlns:mc="http://schemas.openxmlformats.org/markup-compatibility/2006">
               <mc:Choice xmlns:v="urn:schemas-microsoft-com:vml" Requires="v">
-                <p:oleObj spid="_x0000_s48213" name="think-cell Slide" r:id="rId5" imgW="270" imgH="270" progId="TCLayout.ActiveDocument.1">
+                <p:oleObj spid="_x0000_s48222" name="think-cell Slide" r:id="rId5" imgW="270" imgH="270" progId="TCLayout.ActiveDocument.1">
                   <p:embed/>
                 </p:oleObj>
               </mc:Choice>
@@ -37248,7 +41776,7 @@
 </p:sld>
 </file>
 
-<file path=ppt/slides/slide31.xml><?xml version="1.0" encoding="utf-8"?>
+<file path=ppt/slides/slide34.xml><?xml version="1.0" encoding="utf-8"?>
 <p:sld xmlns:a="http://schemas.openxmlformats.org/drawingml/2006/main" xmlns:r="http://schemas.openxmlformats.org/officeDocument/2006/relationships" xmlns:p="http://schemas.openxmlformats.org/presentationml/2006/main">
   <p:cSld>
     <p:spTree>
@@ -37290,7 +41818,7 @@
           <a:graphicData uri="http://schemas.openxmlformats.org/presentationml/2006/ole">
             <mc:AlternateContent xmlns:mc="http://schemas.openxmlformats.org/markup-compatibility/2006">
               <mc:Choice xmlns:v="urn:schemas-microsoft-com:vml" Requires="v">
-                <p:oleObj spid="_x0000_s55382" name="think-cell Slide" r:id="rId6" imgW="270" imgH="270" progId="TCLayout.ActiveDocument.1">
+                <p:oleObj spid="_x0000_s55391" name="think-cell Slide" r:id="rId6" imgW="270" imgH="270" progId="TCLayout.ActiveDocument.1">
                   <p:embed/>
                 </p:oleObj>
               </mc:Choice>
@@ -38325,7 +42853,7 @@
 </p:sld>
 </file>
 
-<file path=ppt/slides/slide32.xml><?xml version="1.0" encoding="utf-8"?>
+<file path=ppt/slides/slide35.xml><?xml version="1.0" encoding="utf-8"?>
 <p:sld xmlns:a="http://schemas.openxmlformats.org/drawingml/2006/main" xmlns:r="http://schemas.openxmlformats.org/officeDocument/2006/relationships" xmlns:p="http://schemas.openxmlformats.org/presentationml/2006/main">
   <p:cSld>
     <p:spTree>
@@ -38367,7 +42895,7 @@
           <a:graphicData uri="http://schemas.openxmlformats.org/presentationml/2006/ole">
             <mc:AlternateContent xmlns:mc="http://schemas.openxmlformats.org/markup-compatibility/2006">
               <mc:Choice xmlns:v="urn:schemas-microsoft-com:vml" Requires="v">
-                <p:oleObj spid="_x0000_s2135" name="think-cell Slide" r:id="rId8" imgW="270" imgH="270" progId="TCLayout.ActiveDocument.1">
+                <p:oleObj spid="_x0000_s2144" name="think-cell Slide" r:id="rId8" imgW="270" imgH="270" progId="TCLayout.ActiveDocument.1">
                   <p:embed/>
                 </p:oleObj>
               </mc:Choice>
@@ -38846,7 +43374,7 @@
 </p:sld>
 </file>
 
-<file path=ppt/slides/slide33.xml><?xml version="1.0" encoding="utf-8"?>
+<file path=ppt/slides/slide36.xml><?xml version="1.0" encoding="utf-8"?>
 <p:sld xmlns:a="http://schemas.openxmlformats.org/drawingml/2006/main" xmlns:r="http://schemas.openxmlformats.org/officeDocument/2006/relationships" xmlns:p="http://schemas.openxmlformats.org/presentationml/2006/main">
   <p:cSld>
     <p:spTree>
@@ -38888,7 +43416,7 @@
           <a:graphicData uri="http://schemas.openxmlformats.org/presentationml/2006/ole">
             <mc:AlternateContent xmlns:mc="http://schemas.openxmlformats.org/markup-compatibility/2006">
               <mc:Choice xmlns:v="urn:schemas-microsoft-com:vml" Requires="v">
-                <p:oleObj spid="_x0000_s57429" name="think-cell Slide" r:id="rId6" imgW="270" imgH="270" progId="TCLayout.ActiveDocument.1">
+                <p:oleObj spid="_x0000_s57438" name="think-cell Slide" r:id="rId6" imgW="270" imgH="270" progId="TCLayout.ActiveDocument.1">
                   <p:embed/>
                 </p:oleObj>
               </mc:Choice>
@@ -39328,7 +43856,7 @@
 </p:sld>
 </file>
 
-<file path=ppt/slides/slide34.xml><?xml version="1.0" encoding="utf-8"?>
+<file path=ppt/slides/slide37.xml><?xml version="1.0" encoding="utf-8"?>
 <p:sld xmlns:a="http://schemas.openxmlformats.org/drawingml/2006/main" xmlns:r="http://schemas.openxmlformats.org/officeDocument/2006/relationships" xmlns:p="http://schemas.openxmlformats.org/presentationml/2006/main">
   <p:cSld>
     <p:spTree>
@@ -39370,7 +43898,7 @@
           <a:graphicData uri="http://schemas.openxmlformats.org/presentationml/2006/ole">
             <mc:AlternateContent xmlns:mc="http://schemas.openxmlformats.org/markup-compatibility/2006">
               <mc:Choice xmlns:v="urn:schemas-microsoft-com:vml" Requires="v">
-                <p:oleObj spid="_x0000_s58450" name="think-cell Slide" r:id="rId5" imgW="270" imgH="270" progId="TCLayout.ActiveDocument.1">
+                <p:oleObj spid="_x0000_s58459" name="think-cell Slide" r:id="rId5" imgW="270" imgH="270" progId="TCLayout.ActiveDocument.1">
                   <p:embed/>
                 </p:oleObj>
               </mc:Choice>
@@ -39549,7 +44077,7 @@
           <a:graphicData uri="http://schemas.openxmlformats.org/presentationml/2006/ole">
             <mc:AlternateContent xmlns:mc="http://schemas.openxmlformats.org/markup-compatibility/2006">
               <mc:Choice xmlns:v="urn:schemas-microsoft-com:vml" Requires="v">
-                <p:oleObj spid="_x0000_s25685" name="think-cell Slide" r:id="rId5" imgW="270" imgH="270" progId="TCLayout.ActiveDocument.1">
+                <p:oleObj spid="_x0000_s25694" name="think-cell Slide" r:id="rId5" imgW="270" imgH="270" progId="TCLayout.ActiveDocument.1">
                   <p:embed/>
                 </p:oleObj>
               </mc:Choice>
@@ -42695,104 +47223,18 @@
       </p:sp>
       <p:grpSp>
         <p:nvGrpSpPr>
-          <p:cNvPr id="9" name="Group 8"/>
+          <p:cNvPr id="2" name="Group 1"/>
           <p:cNvGrpSpPr/>
           <p:nvPr/>
         </p:nvGrpSpPr>
         <p:grpSpPr>
           <a:xfrm>
             <a:off x="9889114" y="1703024"/>
-            <a:ext cx="1433010" cy="4829903"/>
+            <a:ext cx="1433010" cy="2634084"/>
             <a:chOff x="9889114" y="1703024"/>
-            <a:chExt cx="1433010" cy="4829903"/>
+            <a:chExt cx="1433010" cy="2634084"/>
           </a:xfrm>
         </p:grpSpPr>
-        <p:sp>
-          <p:nvSpPr>
-            <p:cNvPr id="35" name="Rectangle 34"/>
-            <p:cNvSpPr/>
-            <p:nvPr/>
-          </p:nvSpPr>
-          <p:spPr>
-            <a:xfrm>
-              <a:off x="9899010" y="4536821"/>
-              <a:ext cx="1423114" cy="1996106"/>
-            </a:xfrm>
-            <a:prstGeom prst="rect">
-              <a:avLst/>
-            </a:prstGeom>
-            <a:solidFill>
-              <a:schemeClr val="accent2"/>
-            </a:solidFill>
-            <a:ln>
-              <a:noFill/>
-              <a:headEnd type="none" w="med" len="med"/>
-              <a:tailEnd type="none" w="med" len="med"/>
-            </a:ln>
-            <a:effectLst/>
-          </p:spPr>
-          <p:style>
-            <a:lnRef idx="1">
-              <a:schemeClr val="accent2"/>
-            </a:lnRef>
-            <a:fillRef idx="3">
-              <a:schemeClr val="accent2"/>
-            </a:fillRef>
-            <a:effectRef idx="2">
-              <a:schemeClr val="accent2"/>
-            </a:effectRef>
-            <a:fontRef idx="minor">
-              <a:schemeClr val="lt1"/>
-            </a:fontRef>
-          </p:style>
-          <p:txBody>
-            <a:bodyPr vert="horz" wrap="square" lIns="91436" tIns="45718" rIns="91436" bIns="45718" numCol="1" rtlCol="0" anchor="ctr" anchorCtr="0" compatLnSpc="1">
-              <a:prstTxWarp prst="textNoShape">
-                <a:avLst/>
-              </a:prstTxWarp>
-            </a:bodyPr>
-            <a:lstStyle/>
-            <a:p>
-              <a:pPr algn="ctr" defTabSz="914099" fontAlgn="base">
-                <a:spcBef>
-                  <a:spcPct val="0"/>
-                </a:spcBef>
-                <a:spcAft>
-                  <a:spcPct val="0"/>
-                </a:spcAft>
-              </a:pPr>
-              <a:r>
-                <a:rPr lang="en-US" dirty="0" smtClean="0">
-                  <a:gradFill>
-                    <a:gsLst>
-                      <a:gs pos="0">
-                        <a:srgbClr val="FFFFFF"/>
-                      </a:gs>
-                      <a:gs pos="100000">
-                        <a:srgbClr val="FFFFFF"/>
-                      </a:gs>
-                    </a:gsLst>
-                    <a:lin ang="5400000" scaled="0"/>
-                  </a:gradFill>
-                </a:rPr>
-                <a:t>Self Host</a:t>
-              </a:r>
-              <a:endParaRPr lang="en-US" dirty="0">
-                <a:gradFill>
-                  <a:gsLst>
-                    <a:gs pos="0">
-                      <a:srgbClr val="FFFFFF"/>
-                    </a:gs>
-                    <a:gs pos="100000">
-                      <a:srgbClr val="FFFFFF"/>
-                    </a:gs>
-                  </a:gsLst>
-                  <a:lin ang="5400000" scaled="0"/>
-                </a:gradFill>
-              </a:endParaRPr>
-            </a:p>
-          </p:txBody>
-        </p:sp>
         <p:sp>
           <p:nvSpPr>
             <p:cNvPr id="37" name="Rectangle 36"/>
@@ -43177,7 +47619,7 @@
                               <p:par>
                                 <p:cTn id="5" presetID="10" presetClass="entr" presetSubtype="0" fill="hold" nodeType="afterEffect">
                                   <p:stCondLst>
-                                    <p:cond delay="1000"/>
+                                    <p:cond delay="0"/>
                                   </p:stCondLst>
                                   <p:childTnLst>
                                     <p:set>
@@ -43188,7 +47630,7 @@
                                           </p:stCondLst>
                                         </p:cTn>
                                         <p:tgtEl>
-                                          <p:spTgt spid="9"/>
+                                          <p:spTgt spid="2"/>
                                         </p:tgtEl>
                                         <p:attrNameLst>
                                           <p:attrName>style.visibility</p:attrName>
@@ -43202,7 +47644,7 @@
                                       <p:cBhvr>
                                         <p:cTn id="7" dur="500"/>
                                         <p:tgtEl>
-                                          <p:spTgt spid="9"/>
+                                          <p:spTgt spid="2"/>
                                         </p:tgtEl>
                                       </p:cBhvr>
                                     </p:animEffect>
@@ -43282,7 +47724,7 @@
           <a:graphicData uri="http://schemas.openxmlformats.org/presentationml/2006/ole">
             <mc:AlternateContent xmlns:mc="http://schemas.openxmlformats.org/markup-compatibility/2006">
               <mc:Choice xmlns:v="urn:schemas-microsoft-com:vml" Requires="v">
-                <p:oleObj spid="_x0000_s61457" name="think-cell Slide" r:id="rId5" imgW="270" imgH="270" progId="TCLayout.ActiveDocument.1">
+                <p:oleObj spid="_x0000_s61466" name="think-cell Slide" r:id="rId5" imgW="270" imgH="270" progId="TCLayout.ActiveDocument.1">
                   <p:embed/>
                 </p:oleObj>
               </mc:Choice>
@@ -43752,7 +48194,7 @@
           <a:graphicData uri="http://schemas.openxmlformats.org/presentationml/2006/ole">
             <mc:AlternateContent xmlns:mc="http://schemas.openxmlformats.org/markup-compatibility/2006">
               <mc:Choice xmlns:v="urn:schemas-microsoft-com:vml" Requires="v">
-                <p:oleObj spid="_x0000_s62481" name="think-cell Slide" r:id="rId6" imgW="270" imgH="270" progId="TCLayout.ActiveDocument.1">
+                <p:oleObj spid="_x0000_s62490" name="think-cell Slide" r:id="rId6" imgW="270" imgH="270" progId="TCLayout.ActiveDocument.1">
                   <p:embed/>
                 </p:oleObj>
               </mc:Choice>
@@ -43953,7 +48395,7 @@
           <a:graphicData uri="http://schemas.openxmlformats.org/presentationml/2006/ole">
             <mc:AlternateContent xmlns:mc="http://schemas.openxmlformats.org/markup-compatibility/2006">
               <mc:Choice xmlns:v="urn:schemas-microsoft-com:vml" Requires="v">
-                <p:oleObj spid="_x0000_s63505" name="think-cell Slide" r:id="rId8" imgW="270" imgH="270" progId="TCLayout.ActiveDocument.1">
+                <p:oleObj spid="_x0000_s63514" name="think-cell Slide" r:id="rId8" imgW="270" imgH="270" progId="TCLayout.ActiveDocument.1">
                   <p:embed/>
                 </p:oleObj>
               </mc:Choice>
@@ -44472,7 +48914,7 @@
           <a:graphicData uri="http://schemas.openxmlformats.org/presentationml/2006/ole">
             <mc:AlternateContent xmlns:mc="http://schemas.openxmlformats.org/markup-compatibility/2006">
               <mc:Choice xmlns:v="urn:schemas-microsoft-com:vml" Requires="v">
-                <p:oleObj spid="_x0000_s29786" name="think-cell Slide" r:id="rId7" imgW="270" imgH="270" progId="TCLayout.ActiveDocument.1">
+                <p:oleObj spid="_x0000_s29795" name="think-cell Slide" r:id="rId7" imgW="270" imgH="270" progId="TCLayout.ActiveDocument.1">
                   <p:embed/>
                 </p:oleObj>
               </mc:Choice>
@@ -45773,25 +50215,25 @@
 
 <file path=ppt/tags/tag40.xml><?xml version="1.0" encoding="utf-8"?>
 <p:tagLst xmlns:a="http://schemas.openxmlformats.org/drawingml/2006/main" xmlns:r="http://schemas.openxmlformats.org/officeDocument/2006/relationships" xmlns:p="http://schemas.openxmlformats.org/presentationml/2006/main">
-  <p:tag name="THINKCELLSHAPEDONOTDELETE" val="paZZJ7WqZRUO.VUy_r3705g"/>
+  <p:tag name="THINKCELLSHAPEDONOTDELETE" val="p.4SlR.2h8UOzrEkxrftVEA"/>
 </p:tagLst>
 </file>
 
 <file path=ppt/tags/tag41.xml><?xml version="1.0" encoding="utf-8"?>
 <p:tagLst xmlns:a="http://schemas.openxmlformats.org/drawingml/2006/main" xmlns:r="http://schemas.openxmlformats.org/officeDocument/2006/relationships" xmlns:p="http://schemas.openxmlformats.org/presentationml/2006/main">
-  <p:tag name="THINKCELLSHAPEDONOTDELETE" val="thinkcellActiveDocDoNotDelete"/>
+  <p:tag name="THINKCELLSHAPEDONOTDELETE" val="pg9c96qjfD0WXNl5eOTs8UA"/>
 </p:tagLst>
 </file>
 
 <file path=ppt/tags/tag42.xml><?xml version="1.0" encoding="utf-8"?>
 <p:tagLst xmlns:a="http://schemas.openxmlformats.org/drawingml/2006/main" xmlns:r="http://schemas.openxmlformats.org/officeDocument/2006/relationships" xmlns:p="http://schemas.openxmlformats.org/presentationml/2006/main">
-  <p:tag name="THINKCELLSHAPEDONOTDELETE" val="p.4SlR.2h8UOzrEkxrftVEA"/>
+  <p:tag name="THINKCELLSHAPEDONOTDELETE" val="thinkcellActiveDocDoNotDelete"/>
 </p:tagLst>
 </file>
 
 <file path=ppt/tags/tag43.xml><?xml version="1.0" encoding="utf-8"?>
 <p:tagLst xmlns:a="http://schemas.openxmlformats.org/drawingml/2006/main" xmlns:r="http://schemas.openxmlformats.org/officeDocument/2006/relationships" xmlns:p="http://schemas.openxmlformats.org/presentationml/2006/main">
-  <p:tag name="THINKCELLSHAPEDONOTDELETE" val="pg9c96qjfD0WXNl5eOTs8UA"/>
+  <p:tag name="THINKCELLSHAPEDONOTDELETE" val="paZZJ7WqZRUO.VUy_r3705g"/>
 </p:tagLst>
 </file>
 
@@ -47109,17 +51551,6 @@
 </file>
 
 <file path=customXml/item1.xml><?xml version="1.0" encoding="utf-8"?>
-<p:properties xmlns:p="http://schemas.microsoft.com/office/2006/metadata/properties" xmlns:xsi="http://www.w3.org/2001/XMLSchema-instance" xmlns:pc="http://schemas.microsoft.com/office/infopath/2007/PartnerControls">
-  <documentManagement>
-    <TaxKeywordTaxHTField xmlns="230e9df3-be65-4c73-a93b-d1236ebd677e">
-      <Terms xmlns="http://schemas.microsoft.com/office/infopath/2007/PartnerControls"/>
-    </TaxKeywordTaxHTField>
-    <TaxCatchAll xmlns="230e9df3-be65-4c73-a93b-d1236ebd677e"/>
-  </documentManagement>
-</p:properties>
-</file>
-
-<file path=customXml/item2.xml><?xml version="1.0" encoding="utf-8"?>
 <ct:contentTypeSchema xmlns:ct="http://schemas.microsoft.com/office/2006/metadata/contentType" xmlns:ma="http://schemas.microsoft.com/office/2006/metadata/properties/metaAttributes" ct:_="" ma:_="" ma:contentTypeName="Document" ma:contentTypeID="0x010100CA05B43BE68FE54B90DD26FDFB72BB05" ma:contentTypeVersion="0" ma:contentTypeDescription="Create a new document." ma:contentTypeScope="" ma:versionID="6df1bece345c1749bd9b91e82fa4a03a">
   <xsd:schema xmlns:xsd="http://www.w3.org/2001/XMLSchema" xmlns:xs="http://www.w3.org/2001/XMLSchema" xmlns:p="http://schemas.microsoft.com/office/2006/metadata/properties" xmlns:ns2="230e9df3-be65-4c73-a93b-d1236ebd677e" targetNamespace="http://schemas.microsoft.com/office/2006/metadata/properties" ma:root="true" ma:fieldsID="e317b0b832c9845d3aae3abd1bb0954e" ns2:_="">
     <xsd:import namespace="230e9df3-be65-4c73-a93b-d1236ebd677e"/>
@@ -47271,6 +51702,17 @@
 </ct:contentTypeSchema>
 </file>
 
+<file path=customXml/item2.xml><?xml version="1.0" encoding="utf-8"?>
+<p:properties xmlns:p="http://schemas.microsoft.com/office/2006/metadata/properties" xmlns:xsi="http://www.w3.org/2001/XMLSchema-instance" xmlns:pc="http://schemas.microsoft.com/office/infopath/2007/PartnerControls">
+  <documentManagement>
+    <TaxKeywordTaxHTField xmlns="230e9df3-be65-4c73-a93b-d1236ebd677e">
+      <Terms xmlns="http://schemas.microsoft.com/office/infopath/2007/PartnerControls"/>
+    </TaxKeywordTaxHTField>
+    <TaxCatchAll xmlns="230e9df3-be65-4c73-a93b-d1236ebd677e"/>
+  </documentManagement>
+</p:properties>
+</file>
+
 <file path=customXml/item3.xml><?xml version="1.0" encoding="utf-8"?>
 <?mso-contentType ?>
 <FormTemplates xmlns="http://schemas.microsoft.com/sharepoint/v3/contenttype/forms">
@@ -47281,22 +51723,6 @@
 </file>
 
 <file path=customXml/itemProps1.xml><?xml version="1.0" encoding="utf-8"?>
-<ds:datastoreItem xmlns:ds="http://schemas.openxmlformats.org/officeDocument/2006/customXml" ds:itemID="{69B2F97D-0457-4986-9734-D03EB073C5EA}">
-  <ds:schemaRefs>
-    <ds:schemaRef ds:uri="http://schemas.openxmlformats.org/package/2006/metadata/core-properties"/>
-    <ds:schemaRef ds:uri="http://schemas.microsoft.com/office/2006/metadata/properties"/>
-    <ds:schemaRef ds:uri="http://purl.org/dc/elements/1.1/"/>
-    <ds:schemaRef ds:uri="http://purl.org/dc/dcmitype/"/>
-    <ds:schemaRef ds:uri="http://www.w3.org/XML/1998/namespace"/>
-    <ds:schemaRef ds:uri="http://schemas.microsoft.com/office/2006/documentManagement/types"/>
-    <ds:schemaRef ds:uri="230e9df3-be65-4c73-a93b-d1236ebd677e"/>
-    <ds:schemaRef ds:uri="http://schemas.microsoft.com/office/infopath/2007/PartnerControls"/>
-    <ds:schemaRef ds:uri="http://purl.org/dc/terms/"/>
-  </ds:schemaRefs>
-</ds:datastoreItem>
-</file>
-
-<file path=customXml/itemProps2.xml><?xml version="1.0" encoding="utf-8"?>
 <ds:datastoreItem xmlns:ds="http://schemas.openxmlformats.org/officeDocument/2006/customXml" ds:itemID="{8F590144-748D-417B-8B69-088F107B0F98}">
   <ds:schemaRefs>
     <ds:schemaRef ds:uri="http://schemas.microsoft.com/office/2006/metadata/contentType"/>
@@ -47314,6 +51740,22 @@
 </ds:datastoreItem>
 </file>
 
+<file path=customXml/itemProps2.xml><?xml version="1.0" encoding="utf-8"?>
+<ds:datastoreItem xmlns:ds="http://schemas.openxmlformats.org/officeDocument/2006/customXml" ds:itemID="{69B2F97D-0457-4986-9734-D03EB073C5EA}">
+  <ds:schemaRefs>
+    <ds:schemaRef ds:uri="http://schemas.openxmlformats.org/package/2006/metadata/core-properties"/>
+    <ds:schemaRef ds:uri="http://schemas.microsoft.com/office/2006/metadata/properties"/>
+    <ds:schemaRef ds:uri="http://purl.org/dc/elements/1.1/"/>
+    <ds:schemaRef ds:uri="http://purl.org/dc/dcmitype/"/>
+    <ds:schemaRef ds:uri="http://www.w3.org/XML/1998/namespace"/>
+    <ds:schemaRef ds:uri="http://schemas.microsoft.com/office/2006/documentManagement/types"/>
+    <ds:schemaRef ds:uri="230e9df3-be65-4c73-a93b-d1236ebd677e"/>
+    <ds:schemaRef ds:uri="http://schemas.microsoft.com/office/infopath/2007/PartnerControls"/>
+    <ds:schemaRef ds:uri="http://purl.org/dc/terms/"/>
+  </ds:schemaRefs>
+</ds:datastoreItem>
+</file>
+
 <file path=customXml/itemProps3.xml><?xml version="1.0" encoding="utf-8"?>
 <ds:datastoreItem xmlns:ds="http://schemas.openxmlformats.org/officeDocument/2006/customXml" ds:itemID="{B882D8D6-9D38-4159-A398-AAC3689D3D7C}">
   <ds:schemaRefs>

--- a/AddingWebApiToASPNETSite/AddingWebApiToASPNETSite.pptx
+++ b/AddingWebApiToASPNETSite/AddingWebApiToASPNETSite.pptx
@@ -54,23 +54,23 @@
   <p:notesSz cx="6858000" cy="9296400"/>
   <p:embeddedFontLst>
     <p:embeddedFont>
-      <p:font typeface="Consolas" pitchFamily="49" charset="0"/>
+      <p:font typeface="Segoe Light" pitchFamily="34" charset="0"/>
       <p:regular r:id="rId45"/>
-      <p:bold r:id="rId46"/>
-      <p:italic r:id="rId47"/>
-      <p:boldItalic r:id="rId48"/>
-    </p:embeddedFont>
-    <p:embeddedFont>
-      <p:font typeface="Segoe Light" pitchFamily="34" charset="0"/>
-      <p:regular r:id="rId49"/>
-      <p:italic r:id="rId50"/>
+      <p:italic r:id="rId46"/>
     </p:embeddedFont>
     <p:embeddedFont>
       <p:font typeface="Segoe UI Light" pitchFamily="34" charset="0"/>
-      <p:regular r:id="rId51"/>
+      <p:regular r:id="rId47"/>
     </p:embeddedFont>
     <p:embeddedFont>
       <p:font typeface="Segoe UI" pitchFamily="34" charset="0"/>
+      <p:regular r:id="rId48"/>
+      <p:bold r:id="rId49"/>
+      <p:italic r:id="rId50"/>
+      <p:boldItalic r:id="rId51"/>
+    </p:embeddedFont>
+    <p:embeddedFont>
+      <p:font typeface="Consolas" pitchFamily="49" charset="0"/>
       <p:regular r:id="rId52"/>
       <p:bold r:id="rId53"/>
       <p:italic r:id="rId54"/>
@@ -271,7 +271,7 @@
               <a:rPr lang="en-US" smtClean="0">
                 <a:latin typeface="Segoe UI" pitchFamily="34" charset="0"/>
               </a:rPr>
-              <a:t>4/27/2012</a:t>
+              <a:t>5/2/2012</a:t>
             </a:fld>
             <a:endParaRPr lang="en-US" dirty="0">
               <a:latin typeface="Segoe UI" pitchFamily="34" charset="0"/>
@@ -453,7 +453,7 @@
             <a:fld id="{CAE3F082-F902-42D8-A765-720E172C3194}" type="datetimeFigureOut">
               <a:rPr lang="en-US" smtClean="0"/>
               <a:pPr/>
-              <a:t>4/27/2012</a:t>
+              <a:t>5/2/2012</a:t>
             </a:fld>
             <a:endParaRPr lang="en-US" dirty="0"/>
           </a:p>
@@ -17257,10 +17257,10 @@
                   </a:gradFill>
                   <a:latin typeface="Segoe UI Light" pitchFamily="34" charset="0"/>
                 </a:rPr>
-                <a:t> #</a:t>
+                <a:t> </a:t>
               </a:r>
               <a:r>
-                <a:rPr lang="en-US" sz="2600" spc="-100" dirty="0" err="1">
+                <a:rPr lang="en-US" sz="2600" spc="-100" dirty="0" smtClean="0">
                   <a:gradFill>
                     <a:gsLst>
                       <a:gs pos="0">
@@ -17274,7 +17274,24 @@
                   </a:gradFill>
                   <a:latin typeface="Segoe UI Light" pitchFamily="34" charset="0"/>
                 </a:rPr>
-                <a:t>webcamps</a:t>
+                <a:t>#</a:t>
+              </a:r>
+              <a:r>
+                <a:rPr lang="en-US" sz="2600" spc="-100" smtClean="0">
+                  <a:gradFill>
+                    <a:gsLst>
+                      <a:gs pos="0">
+                        <a:srgbClr val="595959"/>
+                      </a:gs>
+                      <a:gs pos="86000">
+                        <a:srgbClr val="595959"/>
+                      </a:gs>
+                    </a:gsLst>
+                    <a:lin ang="5400000" scaled="0"/>
+                  </a:gradFill>
+                  <a:latin typeface="Segoe UI Light" pitchFamily="34" charset="0"/>
+                </a:rPr>
+                <a:t>devamps</a:t>
               </a:r>
               <a:endParaRPr lang="en-US" sz="2600" spc="-100" dirty="0">
                 <a:gradFill>
@@ -21697,7 +21714,7 @@
           <a:graphicData uri="http://schemas.openxmlformats.org/presentationml/2006/ole">
             <mc:AlternateContent xmlns:mc="http://schemas.openxmlformats.org/markup-compatibility/2006">
               <mc:Choice xmlns:v="urn:schemas-microsoft-com:vml" Requires="v">
-                <p:oleObj spid="_x0000_s34916" name="think-cell Slide" r:id="rId7" imgW="270" imgH="270" progId="TCLayout.ActiveDocument.1">
+                <p:oleObj spid="_x0000_s34917" name="think-cell Slide" r:id="rId7" imgW="270" imgH="270" progId="TCLayout.ActiveDocument.1">
                   <p:embed/>
                 </p:oleObj>
               </mc:Choice>
@@ -24288,7 +24305,7 @@
           <a:graphicData uri="http://schemas.openxmlformats.org/presentationml/2006/ole">
             <mc:AlternateContent xmlns:mc="http://schemas.openxmlformats.org/markup-compatibility/2006">
               <mc:Choice xmlns:v="urn:schemas-microsoft-com:vml" Requires="v">
-                <p:oleObj spid="_x0000_s66575" name="think-cell Slide" r:id="rId6" imgW="270" imgH="270" progId="TCLayout.ActiveDocument.1">
+                <p:oleObj spid="_x0000_s66576" name="think-cell Slide" r:id="rId6" imgW="270" imgH="270" progId="TCLayout.ActiveDocument.1">
                   <p:embed/>
                 </p:oleObj>
               </mc:Choice>
@@ -24465,7 +24482,7 @@
           <a:graphicData uri="http://schemas.openxmlformats.org/presentationml/2006/ole">
             <mc:AlternateContent xmlns:mc="http://schemas.openxmlformats.org/markup-compatibility/2006">
               <mc:Choice xmlns:v="urn:schemas-microsoft-com:vml" Requires="v">
-                <p:oleObj spid="_x0000_s35938" name="think-cell Slide" r:id="rId7" imgW="270" imgH="270" progId="TCLayout.ActiveDocument.1">
+                <p:oleObj spid="_x0000_s35939" name="think-cell Slide" r:id="rId7" imgW="270" imgH="270" progId="TCLayout.ActiveDocument.1">
                   <p:embed/>
                 </p:oleObj>
               </mc:Choice>
@@ -27516,7 +27533,7 @@
           <a:graphicData uri="http://schemas.openxmlformats.org/presentationml/2006/ole">
             <mc:AlternateContent xmlns:mc="http://schemas.openxmlformats.org/markup-compatibility/2006">
               <mc:Choice xmlns:v="urn:schemas-microsoft-com:vml" Requires="v">
-                <p:oleObj spid="_x0000_s59479" name="think-cell Slide" r:id="rId5" imgW="270" imgH="270" progId="TCLayout.ActiveDocument.1">
+                <p:oleObj spid="_x0000_s59480" name="think-cell Slide" r:id="rId5" imgW="270" imgH="270" progId="TCLayout.ActiveDocument.1">
                   <p:embed/>
                 </p:oleObj>
               </mc:Choice>
@@ -27695,7 +27712,7 @@
           <a:graphicData uri="http://schemas.openxmlformats.org/presentationml/2006/ole">
             <mc:AlternateContent xmlns:mc="http://schemas.openxmlformats.org/markup-compatibility/2006">
               <mc:Choice xmlns:v="urn:schemas-microsoft-com:vml" Requires="v">
-                <p:oleObj spid="_x0000_s36958" name="think-cell Slide" r:id="rId6" imgW="270" imgH="270" progId="TCLayout.ActiveDocument.1">
+                <p:oleObj spid="_x0000_s36959" name="think-cell Slide" r:id="rId6" imgW="270" imgH="270" progId="TCLayout.ActiveDocument.1">
                   <p:embed/>
                 </p:oleObj>
               </mc:Choice>
@@ -27879,7 +27896,7 @@
           <a:graphicData uri="http://schemas.openxmlformats.org/presentationml/2006/ole">
             <mc:AlternateContent xmlns:mc="http://schemas.openxmlformats.org/markup-compatibility/2006">
               <mc:Choice xmlns:v="urn:schemas-microsoft-com:vml" Requires="v">
-                <p:oleObj spid="_x0000_s39010" name="think-cell Slide" r:id="rId7" imgW="270" imgH="270" progId="TCLayout.ActiveDocument.1">
+                <p:oleObj spid="_x0000_s39011" name="think-cell Slide" r:id="rId7" imgW="270" imgH="270" progId="TCLayout.ActiveDocument.1">
                   <p:embed/>
                 </p:oleObj>
               </mc:Choice>
@@ -28949,7 +28966,7 @@
           <a:graphicData uri="http://schemas.openxmlformats.org/presentationml/2006/ole">
             <mc:AlternateContent xmlns:mc="http://schemas.openxmlformats.org/markup-compatibility/2006">
               <mc:Choice xmlns:v="urn:schemas-microsoft-com:vml" Requires="v">
-                <p:oleObj spid="_x0000_s41058" name="think-cell Slide" r:id="rId7" imgW="270" imgH="270" progId="TCLayout.ActiveDocument.1">
+                <p:oleObj spid="_x0000_s41059" name="think-cell Slide" r:id="rId7" imgW="270" imgH="270" progId="TCLayout.ActiveDocument.1">
                   <p:embed/>
                 </p:oleObj>
               </mc:Choice>
@@ -31233,7 +31250,7 @@
           <a:graphicData uri="http://schemas.openxmlformats.org/presentationml/2006/ole">
             <mc:AlternateContent xmlns:mc="http://schemas.openxmlformats.org/markup-compatibility/2006">
               <mc:Choice xmlns:v="urn:schemas-microsoft-com:vml" Requires="v">
-                <p:oleObj spid="_x0000_s40030" name="think-cell Slide" r:id="rId5" imgW="270" imgH="270" progId="TCLayout.ActiveDocument.1">
+                <p:oleObj spid="_x0000_s40031" name="think-cell Slide" r:id="rId5" imgW="270" imgH="270" progId="TCLayout.ActiveDocument.1">
                   <p:embed/>
                 </p:oleObj>
               </mc:Choice>
@@ -33214,7 +33231,7 @@
           <a:graphicData uri="http://schemas.openxmlformats.org/presentationml/2006/ole">
             <mc:AlternateContent xmlns:mc="http://schemas.openxmlformats.org/markup-compatibility/2006">
               <mc:Choice xmlns:v="urn:schemas-microsoft-com:vml" Requires="v">
-                <p:oleObj spid="_x0000_s42082" name="think-cell Slide" r:id="rId7" imgW="270" imgH="270" progId="TCLayout.ActiveDocument.1">
+                <p:oleObj spid="_x0000_s42083" name="think-cell Slide" r:id="rId7" imgW="270" imgH="270" progId="TCLayout.ActiveDocument.1">
                   <p:embed/>
                 </p:oleObj>
               </mc:Choice>
@@ -35401,7 +35418,7 @@
           <a:graphicData uri="http://schemas.openxmlformats.org/presentationml/2006/ole">
             <mc:AlternateContent xmlns:mc="http://schemas.openxmlformats.org/markup-compatibility/2006">
               <mc:Choice xmlns:v="urn:schemas-microsoft-com:vml" Requires="v">
-                <p:oleObj spid="_x0000_s67588" name="think-cell Slide" r:id="rId7" imgW="270" imgH="270" progId="TCLayout.ActiveDocument.1">
+                <p:oleObj spid="_x0000_s67589" name="think-cell Slide" r:id="rId7" imgW="270" imgH="270" progId="TCLayout.ActiveDocument.1">
                   <p:embed/>
                 </p:oleObj>
               </mc:Choice>
@@ -35456,15 +35473,7 @@
           <a:p>
             <a:r>
               <a:rPr lang="en-US" dirty="0" smtClean="0"/>
-              <a:t>Configuring </a:t>
-            </a:r>
-            <a:r>
-              <a:rPr lang="en-US" dirty="0" smtClean="0"/>
-              <a:t>Your Web </a:t>
-            </a:r>
-            <a:r>
-              <a:rPr lang="en-US" dirty="0" smtClean="0"/>
-              <a:t>API for Self Host</a:t>
+              <a:t>Configuring Your Web API for Self Host</a:t>
             </a:r>
             <a:endParaRPr lang="en-US" dirty="0"/>
           </a:p>
@@ -35667,41 +35676,7 @@
                 </a:gradFill>
                 <a:latin typeface="Segoe UI Light" pitchFamily="34" charset="0"/>
               </a:rPr>
-              <a:t> instance </a:t>
-            </a:r>
-            <a:r>
-              <a:rPr lang="en-US" sz="4000" dirty="0" smtClean="0">
-                <a:gradFill>
-                  <a:gsLst>
-                    <a:gs pos="0">
-                      <a:schemeClr val="accent2"/>
-                    </a:gs>
-                    <a:gs pos="100000">
-                      <a:schemeClr val="accent2"/>
-                    </a:gs>
-                  </a:gsLst>
-                  <a:lin ang="5400000" scaled="0"/>
-                </a:gradFill>
-                <a:latin typeface="Segoe UI Light" pitchFamily="34" charset="0"/>
-              </a:rPr>
-              <a:t>to </a:t>
-            </a:r>
-            <a:r>
-              <a:rPr lang="en-US" sz="4000" dirty="0" smtClean="0">
-                <a:gradFill>
-                  <a:gsLst>
-                    <a:gs pos="0">
-                      <a:schemeClr val="accent2"/>
-                    </a:gs>
-                    <a:gs pos="100000">
-                      <a:schemeClr val="accent2"/>
-                    </a:gs>
-                  </a:gsLst>
-                  <a:lin ang="5400000" scaled="0"/>
-                </a:gradFill>
-                <a:latin typeface="Segoe UI Light" pitchFamily="34" charset="0"/>
-              </a:rPr>
-              <a:t/>
+              <a:t> instance to </a:t>
             </a:r>
             <a:br>
               <a:rPr lang="en-US" sz="4000" dirty="0" smtClean="0">
@@ -39467,7 +39442,7 @@
           <a:graphicData uri="http://schemas.openxmlformats.org/presentationml/2006/ole">
             <mc:AlternateContent xmlns:mc="http://schemas.openxmlformats.org/markup-compatibility/2006">
               <mc:Choice xmlns:v="urn:schemas-microsoft-com:vml" Requires="v">
-                <p:oleObj spid="_x0000_s23644" name="think-cell Slide" r:id="rId7" imgW="270" imgH="270" progId="TCLayout.ActiveDocument.1">
+                <p:oleObj spid="_x0000_s23645" name="think-cell Slide" r:id="rId7" imgW="270" imgH="270" progId="TCLayout.ActiveDocument.1">
                   <p:embed/>
                 </p:oleObj>
               </mc:Choice>
@@ -40470,7 +40445,7 @@
           <a:graphicData uri="http://schemas.openxmlformats.org/presentationml/2006/ole">
             <mc:AlternateContent xmlns:mc="http://schemas.openxmlformats.org/markup-compatibility/2006">
               <mc:Choice xmlns:v="urn:schemas-microsoft-com:vml" Requires="v">
-                <p:oleObj spid="_x0000_s43100" name="think-cell Slide" r:id="rId6" imgW="270" imgH="270" progId="TCLayout.ActiveDocument.1">
+                <p:oleObj spid="_x0000_s43101" name="think-cell Slide" r:id="rId6" imgW="270" imgH="270" progId="TCLayout.ActiveDocument.1">
                   <p:embed/>
                 </p:oleObj>
               </mc:Choice>
@@ -40526,10 +40501,6 @@
             <a:r>
               <a:rPr lang="en-US" dirty="0" smtClean="0"/>
               <a:t>Self Hosting Your</a:t>
-            </a:r>
-            <a:r>
-              <a:rPr lang="en-US" dirty="0" smtClean="0"/>
-              <a:t/>
             </a:r>
             <a:br>
               <a:rPr lang="en-US" dirty="0" smtClean="0"/>
@@ -40658,7 +40629,7 @@
           <a:graphicData uri="http://schemas.openxmlformats.org/presentationml/2006/ole">
             <mc:AlternateContent xmlns:mc="http://schemas.openxmlformats.org/markup-compatibility/2006">
               <mc:Choice xmlns:v="urn:schemas-microsoft-com:vml" Requires="v">
-                <p:oleObj spid="_x0000_s47201" name="think-cell Slide" r:id="rId7" imgW="270" imgH="270" progId="TCLayout.ActiveDocument.1">
+                <p:oleObj spid="_x0000_s47202" name="think-cell Slide" r:id="rId7" imgW="270" imgH="270" progId="TCLayout.ActiveDocument.1">
                   <p:embed/>
                 </p:oleObj>
               </mc:Choice>
@@ -41640,7 +41611,7 @@
           <a:graphicData uri="http://schemas.openxmlformats.org/presentationml/2006/ole">
             <mc:AlternateContent xmlns:mc="http://schemas.openxmlformats.org/markup-compatibility/2006">
               <mc:Choice xmlns:v="urn:schemas-microsoft-com:vml" Requires="v">
-                <p:oleObj spid="_x0000_s48222" name="think-cell Slide" r:id="rId5" imgW="270" imgH="270" progId="TCLayout.ActiveDocument.1">
+                <p:oleObj spid="_x0000_s48223" name="think-cell Slide" r:id="rId5" imgW="270" imgH="270" progId="TCLayout.ActiveDocument.1">
                   <p:embed/>
                 </p:oleObj>
               </mc:Choice>
@@ -41818,7 +41789,7 @@
           <a:graphicData uri="http://schemas.openxmlformats.org/presentationml/2006/ole">
             <mc:AlternateContent xmlns:mc="http://schemas.openxmlformats.org/markup-compatibility/2006">
               <mc:Choice xmlns:v="urn:schemas-microsoft-com:vml" Requires="v">
-                <p:oleObj spid="_x0000_s55391" name="think-cell Slide" r:id="rId6" imgW="270" imgH="270" progId="TCLayout.ActiveDocument.1">
+                <p:oleObj spid="_x0000_s55392" name="think-cell Slide" r:id="rId6" imgW="270" imgH="270" progId="TCLayout.ActiveDocument.1">
                   <p:embed/>
                 </p:oleObj>
               </mc:Choice>
@@ -42895,7 +42866,7 @@
           <a:graphicData uri="http://schemas.openxmlformats.org/presentationml/2006/ole">
             <mc:AlternateContent xmlns:mc="http://schemas.openxmlformats.org/markup-compatibility/2006">
               <mc:Choice xmlns:v="urn:schemas-microsoft-com:vml" Requires="v">
-                <p:oleObj spid="_x0000_s2144" name="think-cell Slide" r:id="rId8" imgW="270" imgH="270" progId="TCLayout.ActiveDocument.1">
+                <p:oleObj spid="_x0000_s2145" name="think-cell Slide" r:id="rId8" imgW="270" imgH="270" progId="TCLayout.ActiveDocument.1">
                   <p:embed/>
                 </p:oleObj>
               </mc:Choice>
@@ -43416,7 +43387,7 @@
           <a:graphicData uri="http://schemas.openxmlformats.org/presentationml/2006/ole">
             <mc:AlternateContent xmlns:mc="http://schemas.openxmlformats.org/markup-compatibility/2006">
               <mc:Choice xmlns:v="urn:schemas-microsoft-com:vml" Requires="v">
-                <p:oleObj spid="_x0000_s57438" name="think-cell Slide" r:id="rId6" imgW="270" imgH="270" progId="TCLayout.ActiveDocument.1">
+                <p:oleObj spid="_x0000_s57439" name="think-cell Slide" r:id="rId6" imgW="270" imgH="270" progId="TCLayout.ActiveDocument.1">
                   <p:embed/>
                 </p:oleObj>
               </mc:Choice>
@@ -43898,7 +43869,7 @@
           <a:graphicData uri="http://schemas.openxmlformats.org/presentationml/2006/ole">
             <mc:AlternateContent xmlns:mc="http://schemas.openxmlformats.org/markup-compatibility/2006">
               <mc:Choice xmlns:v="urn:schemas-microsoft-com:vml" Requires="v">
-                <p:oleObj spid="_x0000_s58459" name="think-cell Slide" r:id="rId5" imgW="270" imgH="270" progId="TCLayout.ActiveDocument.1">
+                <p:oleObj spid="_x0000_s58460" name="think-cell Slide" r:id="rId5" imgW="270" imgH="270" progId="TCLayout.ActiveDocument.1">
                   <p:embed/>
                 </p:oleObj>
               </mc:Choice>
@@ -44077,7 +44048,7 @@
           <a:graphicData uri="http://schemas.openxmlformats.org/presentationml/2006/ole">
             <mc:AlternateContent xmlns:mc="http://schemas.openxmlformats.org/markup-compatibility/2006">
               <mc:Choice xmlns:v="urn:schemas-microsoft-com:vml" Requires="v">
-                <p:oleObj spid="_x0000_s25694" name="think-cell Slide" r:id="rId5" imgW="270" imgH="270" progId="TCLayout.ActiveDocument.1">
+                <p:oleObj spid="_x0000_s25695" name="think-cell Slide" r:id="rId5" imgW="270" imgH="270" progId="TCLayout.ActiveDocument.1">
                   <p:embed/>
                 </p:oleObj>
               </mc:Choice>
@@ -47724,7 +47695,7 @@
           <a:graphicData uri="http://schemas.openxmlformats.org/presentationml/2006/ole">
             <mc:AlternateContent xmlns:mc="http://schemas.openxmlformats.org/markup-compatibility/2006">
               <mc:Choice xmlns:v="urn:schemas-microsoft-com:vml" Requires="v">
-                <p:oleObj spid="_x0000_s61466" name="think-cell Slide" r:id="rId5" imgW="270" imgH="270" progId="TCLayout.ActiveDocument.1">
+                <p:oleObj spid="_x0000_s61467" name="think-cell Slide" r:id="rId5" imgW="270" imgH="270" progId="TCLayout.ActiveDocument.1">
                   <p:embed/>
                 </p:oleObj>
               </mc:Choice>
@@ -48194,7 +48165,7 @@
           <a:graphicData uri="http://schemas.openxmlformats.org/presentationml/2006/ole">
             <mc:AlternateContent xmlns:mc="http://schemas.openxmlformats.org/markup-compatibility/2006">
               <mc:Choice xmlns:v="urn:schemas-microsoft-com:vml" Requires="v">
-                <p:oleObj spid="_x0000_s62490" name="think-cell Slide" r:id="rId6" imgW="270" imgH="270" progId="TCLayout.ActiveDocument.1">
+                <p:oleObj spid="_x0000_s62491" name="think-cell Slide" r:id="rId6" imgW="270" imgH="270" progId="TCLayout.ActiveDocument.1">
                   <p:embed/>
                 </p:oleObj>
               </mc:Choice>
@@ -48395,7 +48366,7 @@
           <a:graphicData uri="http://schemas.openxmlformats.org/presentationml/2006/ole">
             <mc:AlternateContent xmlns:mc="http://schemas.openxmlformats.org/markup-compatibility/2006">
               <mc:Choice xmlns:v="urn:schemas-microsoft-com:vml" Requires="v">
-                <p:oleObj spid="_x0000_s63514" name="think-cell Slide" r:id="rId8" imgW="270" imgH="270" progId="TCLayout.ActiveDocument.1">
+                <p:oleObj spid="_x0000_s63515" name="think-cell Slide" r:id="rId8" imgW="270" imgH="270" progId="TCLayout.ActiveDocument.1">
                   <p:embed/>
                 </p:oleObj>
               </mc:Choice>
@@ -48914,7 +48885,7 @@
           <a:graphicData uri="http://schemas.openxmlformats.org/presentationml/2006/ole">
             <mc:AlternateContent xmlns:mc="http://schemas.openxmlformats.org/markup-compatibility/2006">
               <mc:Choice xmlns:v="urn:schemas-microsoft-com:vml" Requires="v">
-                <p:oleObj spid="_x0000_s29795" name="think-cell Slide" r:id="rId7" imgW="270" imgH="270" progId="TCLayout.ActiveDocument.1">
+                <p:oleObj spid="_x0000_s29796" name="think-cell Slide" r:id="rId7" imgW="270" imgH="270" progId="TCLayout.ActiveDocument.1">
                   <p:embed/>
                 </p:oleObj>
               </mc:Choice>
@@ -51551,6 +51522,17 @@
 </file>
 
 <file path=customXml/item1.xml><?xml version="1.0" encoding="utf-8"?>
+<p:properties xmlns:p="http://schemas.microsoft.com/office/2006/metadata/properties" xmlns:xsi="http://www.w3.org/2001/XMLSchema-instance" xmlns:pc="http://schemas.microsoft.com/office/infopath/2007/PartnerControls">
+  <documentManagement>
+    <TaxKeywordTaxHTField xmlns="230e9df3-be65-4c73-a93b-d1236ebd677e">
+      <Terms xmlns="http://schemas.microsoft.com/office/infopath/2007/PartnerControls"/>
+    </TaxKeywordTaxHTField>
+    <TaxCatchAll xmlns="230e9df3-be65-4c73-a93b-d1236ebd677e"/>
+  </documentManagement>
+</p:properties>
+</file>
+
+<file path=customXml/item2.xml><?xml version="1.0" encoding="utf-8"?>
 <ct:contentTypeSchema xmlns:ct="http://schemas.microsoft.com/office/2006/metadata/contentType" xmlns:ma="http://schemas.microsoft.com/office/2006/metadata/properties/metaAttributes" ct:_="" ma:_="" ma:contentTypeName="Document" ma:contentTypeID="0x010100CA05B43BE68FE54B90DD26FDFB72BB05" ma:contentTypeVersion="0" ma:contentTypeDescription="Create a new document." ma:contentTypeScope="" ma:versionID="6df1bece345c1749bd9b91e82fa4a03a">
   <xsd:schema xmlns:xsd="http://www.w3.org/2001/XMLSchema" xmlns:xs="http://www.w3.org/2001/XMLSchema" xmlns:p="http://schemas.microsoft.com/office/2006/metadata/properties" xmlns:ns2="230e9df3-be65-4c73-a93b-d1236ebd677e" targetNamespace="http://schemas.microsoft.com/office/2006/metadata/properties" ma:root="true" ma:fieldsID="e317b0b832c9845d3aae3abd1bb0954e" ns2:_="">
     <xsd:import namespace="230e9df3-be65-4c73-a93b-d1236ebd677e"/>
@@ -51702,17 +51684,6 @@
 </ct:contentTypeSchema>
 </file>
 
-<file path=customXml/item2.xml><?xml version="1.0" encoding="utf-8"?>
-<p:properties xmlns:p="http://schemas.microsoft.com/office/2006/metadata/properties" xmlns:xsi="http://www.w3.org/2001/XMLSchema-instance" xmlns:pc="http://schemas.microsoft.com/office/infopath/2007/PartnerControls">
-  <documentManagement>
-    <TaxKeywordTaxHTField xmlns="230e9df3-be65-4c73-a93b-d1236ebd677e">
-      <Terms xmlns="http://schemas.microsoft.com/office/infopath/2007/PartnerControls"/>
-    </TaxKeywordTaxHTField>
-    <TaxCatchAll xmlns="230e9df3-be65-4c73-a93b-d1236ebd677e"/>
-  </documentManagement>
-</p:properties>
-</file>
-
 <file path=customXml/item3.xml><?xml version="1.0" encoding="utf-8"?>
 <?mso-contentType ?>
 <FormTemplates xmlns="http://schemas.microsoft.com/sharepoint/v3/contenttype/forms">
@@ -51723,6 +51694,22 @@
 </file>
 
 <file path=customXml/itemProps1.xml><?xml version="1.0" encoding="utf-8"?>
+<ds:datastoreItem xmlns:ds="http://schemas.openxmlformats.org/officeDocument/2006/customXml" ds:itemID="{69B2F97D-0457-4986-9734-D03EB073C5EA}">
+  <ds:schemaRefs>
+    <ds:schemaRef ds:uri="http://schemas.openxmlformats.org/package/2006/metadata/core-properties"/>
+    <ds:schemaRef ds:uri="http://schemas.microsoft.com/office/2006/metadata/properties"/>
+    <ds:schemaRef ds:uri="http://purl.org/dc/elements/1.1/"/>
+    <ds:schemaRef ds:uri="http://purl.org/dc/dcmitype/"/>
+    <ds:schemaRef ds:uri="http://www.w3.org/XML/1998/namespace"/>
+    <ds:schemaRef ds:uri="http://schemas.microsoft.com/office/2006/documentManagement/types"/>
+    <ds:schemaRef ds:uri="230e9df3-be65-4c73-a93b-d1236ebd677e"/>
+    <ds:schemaRef ds:uri="http://schemas.microsoft.com/office/infopath/2007/PartnerControls"/>
+    <ds:schemaRef ds:uri="http://purl.org/dc/terms/"/>
+  </ds:schemaRefs>
+</ds:datastoreItem>
+</file>
+
+<file path=customXml/itemProps2.xml><?xml version="1.0" encoding="utf-8"?>
 <ds:datastoreItem xmlns:ds="http://schemas.openxmlformats.org/officeDocument/2006/customXml" ds:itemID="{8F590144-748D-417B-8B69-088F107B0F98}">
   <ds:schemaRefs>
     <ds:schemaRef ds:uri="http://schemas.microsoft.com/office/2006/metadata/contentType"/>
@@ -51740,22 +51727,6 @@
 </ds:datastoreItem>
 </file>
 
-<file path=customXml/itemProps2.xml><?xml version="1.0" encoding="utf-8"?>
-<ds:datastoreItem xmlns:ds="http://schemas.openxmlformats.org/officeDocument/2006/customXml" ds:itemID="{69B2F97D-0457-4986-9734-D03EB073C5EA}">
-  <ds:schemaRefs>
-    <ds:schemaRef ds:uri="http://schemas.openxmlformats.org/package/2006/metadata/core-properties"/>
-    <ds:schemaRef ds:uri="http://schemas.microsoft.com/office/2006/metadata/properties"/>
-    <ds:schemaRef ds:uri="http://purl.org/dc/elements/1.1/"/>
-    <ds:schemaRef ds:uri="http://purl.org/dc/dcmitype/"/>
-    <ds:schemaRef ds:uri="http://www.w3.org/XML/1998/namespace"/>
-    <ds:schemaRef ds:uri="http://schemas.microsoft.com/office/2006/documentManagement/types"/>
-    <ds:schemaRef ds:uri="230e9df3-be65-4c73-a93b-d1236ebd677e"/>
-    <ds:schemaRef ds:uri="http://schemas.microsoft.com/office/infopath/2007/PartnerControls"/>
-    <ds:schemaRef ds:uri="http://purl.org/dc/terms/"/>
-  </ds:schemaRefs>
-</ds:datastoreItem>
-</file>
-
 <file path=customXml/itemProps3.xml><?xml version="1.0" encoding="utf-8"?>
 <ds:datastoreItem xmlns:ds="http://schemas.openxmlformats.org/officeDocument/2006/customXml" ds:itemID="{B882D8D6-9D38-4159-A398-AAC3689D3D7C}">
   <ds:schemaRefs>

--- a/AddingWebApiToASPNETSite/AddingWebApiToASPNETSite.pptx
+++ b/AddingWebApiToASPNETSite/AddingWebApiToASPNETSite.pptx
@@ -6,79 +6,80 @@
     <p:sldMasterId id="2147483779" r:id="rId5"/>
   </p:sldMasterIdLst>
   <p:notesMasterIdLst>
-    <p:notesMasterId r:id="rId43"/>
+    <p:notesMasterId r:id="rId44"/>
   </p:notesMasterIdLst>
   <p:handoutMasterIdLst>
-    <p:handoutMasterId r:id="rId44"/>
+    <p:handoutMasterId r:id="rId45"/>
   </p:handoutMasterIdLst>
   <p:sldIdLst>
     <p:sldId id="296" r:id="rId6"/>
     <p:sldId id="293" r:id="rId7"/>
     <p:sldId id="257" r:id="rId8"/>
     <p:sldId id="259" r:id="rId9"/>
-    <p:sldId id="297" r:id="rId10"/>
-    <p:sldId id="303" r:id="rId11"/>
-    <p:sldId id="304" r:id="rId12"/>
-    <p:sldId id="305" r:id="rId13"/>
-    <p:sldId id="263" r:id="rId14"/>
-    <p:sldId id="298" r:id="rId15"/>
-    <p:sldId id="299" r:id="rId16"/>
-    <p:sldId id="306" r:id="rId17"/>
-    <p:sldId id="268" r:id="rId18"/>
-    <p:sldId id="300" r:id="rId19"/>
-    <p:sldId id="302" r:id="rId20"/>
-    <p:sldId id="309" r:id="rId21"/>
-    <p:sldId id="269" r:id="rId22"/>
-    <p:sldId id="307" r:id="rId23"/>
-    <p:sldId id="308" r:id="rId24"/>
-    <p:sldId id="270" r:id="rId25"/>
-    <p:sldId id="272" r:id="rId26"/>
-    <p:sldId id="274" r:id="rId27"/>
-    <p:sldId id="310" r:id="rId28"/>
-    <p:sldId id="311" r:id="rId29"/>
-    <p:sldId id="273" r:id="rId30"/>
-    <p:sldId id="314" r:id="rId31"/>
-    <p:sldId id="275" r:id="rId32"/>
-    <p:sldId id="315" r:id="rId33"/>
-    <p:sldId id="312" r:id="rId34"/>
-    <p:sldId id="313" r:id="rId35"/>
-    <p:sldId id="276" r:id="rId36"/>
-    <p:sldId id="280" r:id="rId37"/>
-    <p:sldId id="281" r:id="rId38"/>
-    <p:sldId id="288" r:id="rId39"/>
-    <p:sldId id="290" r:id="rId40"/>
-    <p:sldId id="291" r:id="rId41"/>
-    <p:sldId id="292" r:id="rId42"/>
+    <p:sldId id="316" r:id="rId10"/>
+    <p:sldId id="297" r:id="rId11"/>
+    <p:sldId id="303" r:id="rId12"/>
+    <p:sldId id="304" r:id="rId13"/>
+    <p:sldId id="305" r:id="rId14"/>
+    <p:sldId id="263" r:id="rId15"/>
+    <p:sldId id="298" r:id="rId16"/>
+    <p:sldId id="299" r:id="rId17"/>
+    <p:sldId id="306" r:id="rId18"/>
+    <p:sldId id="268" r:id="rId19"/>
+    <p:sldId id="300" r:id="rId20"/>
+    <p:sldId id="302" r:id="rId21"/>
+    <p:sldId id="309" r:id="rId22"/>
+    <p:sldId id="269" r:id="rId23"/>
+    <p:sldId id="307" r:id="rId24"/>
+    <p:sldId id="308" r:id="rId25"/>
+    <p:sldId id="270" r:id="rId26"/>
+    <p:sldId id="272" r:id="rId27"/>
+    <p:sldId id="274" r:id="rId28"/>
+    <p:sldId id="310" r:id="rId29"/>
+    <p:sldId id="311" r:id="rId30"/>
+    <p:sldId id="273" r:id="rId31"/>
+    <p:sldId id="314" r:id="rId32"/>
+    <p:sldId id="275" r:id="rId33"/>
+    <p:sldId id="315" r:id="rId34"/>
+    <p:sldId id="312" r:id="rId35"/>
+    <p:sldId id="313" r:id="rId36"/>
+    <p:sldId id="276" r:id="rId37"/>
+    <p:sldId id="280" r:id="rId38"/>
+    <p:sldId id="281" r:id="rId39"/>
+    <p:sldId id="288" r:id="rId40"/>
+    <p:sldId id="290" r:id="rId41"/>
+    <p:sldId id="291" r:id="rId42"/>
+    <p:sldId id="292" r:id="rId43"/>
   </p:sldIdLst>
   <p:sldSz cx="12188825" cy="6858000"/>
   <p:notesSz cx="6858000" cy="9296400"/>
   <p:embeddedFontLst>
     <p:embeddedFont>
       <p:font typeface="Segoe Light" pitchFamily="34" charset="0"/>
-      <p:regular r:id="rId45"/>
-      <p:italic r:id="rId46"/>
+      <p:regular r:id="rId46"/>
+      <p:italic r:id="rId47"/>
     </p:embeddedFont>
     <p:embeddedFont>
-      <p:font typeface="Segoe UI Light" pitchFamily="34" charset="0"/>
-      <p:regular r:id="rId47"/>
-    </p:embeddedFont>
-    <p:embeddedFont>
-      <p:font typeface="Segoe UI" pitchFamily="34" charset="0"/>
+      <p:font typeface="Consolas" pitchFamily="49" charset="0"/>
       <p:regular r:id="rId48"/>
       <p:bold r:id="rId49"/>
       <p:italic r:id="rId50"/>
       <p:boldItalic r:id="rId51"/>
     </p:embeddedFont>
     <p:embeddedFont>
-      <p:font typeface="Consolas" pitchFamily="49" charset="0"/>
+      <p:font typeface="Segoe UI Light" pitchFamily="34" charset="0"/>
       <p:regular r:id="rId52"/>
-      <p:bold r:id="rId53"/>
-      <p:italic r:id="rId54"/>
-      <p:boldItalic r:id="rId55"/>
+    </p:embeddedFont>
+    <p:embeddedFont>
+      <p:font typeface="Segoe UI" pitchFamily="34" charset="0"/>
+      <p:regular r:id="rId53"/>
+      <p:bold r:id="rId54"/>
+      <p:italic r:id="rId55"/>
+      <p:boldItalic r:id="rId56"/>
     </p:embeddedFont>
   </p:embeddedFontLst>
   <p:custDataLst>
-    <p:tags r:id="rId56"/>
+    <p:tags r:id="rId57"/>
   </p:custDataLst>
   <p:defaultTextStyle>
     <a:defPPr>
@@ -179,6 +180,3237 @@
 </p:presentation>
 </file>
 
+<file path=ppt/diagrams/colors1.xml><?xml version="1.0" encoding="utf-8"?>
+<dgm:colorsDef xmlns:dgm="http://schemas.openxmlformats.org/drawingml/2006/diagram" xmlns:a="http://schemas.openxmlformats.org/drawingml/2006/main" uniqueId="urn:microsoft.com/office/officeart/2005/8/colors/accent1_2">
+  <dgm:title val=""/>
+  <dgm:desc val=""/>
+  <dgm:catLst>
+    <dgm:cat type="accent1" pri="11200"/>
+  </dgm:catLst>
+  <dgm:styleLbl name="node0">
+    <dgm:fillClrLst meth="repeat">
+      <a:schemeClr val="accent1"/>
+    </dgm:fillClrLst>
+    <dgm:linClrLst meth="repeat">
+      <a:schemeClr val="lt1"/>
+    </dgm:linClrLst>
+    <dgm:effectClrLst/>
+    <dgm:txLinClrLst/>
+    <dgm:txFillClrLst/>
+    <dgm:txEffectClrLst/>
+  </dgm:styleLbl>
+  <dgm:styleLbl name="alignNode1">
+    <dgm:fillClrLst meth="repeat">
+      <a:schemeClr val="accent1"/>
+    </dgm:fillClrLst>
+    <dgm:linClrLst meth="repeat">
+      <a:schemeClr val="accent1"/>
+    </dgm:linClrLst>
+    <dgm:effectClrLst/>
+    <dgm:txLinClrLst/>
+    <dgm:txFillClrLst/>
+    <dgm:txEffectClrLst/>
+  </dgm:styleLbl>
+  <dgm:styleLbl name="node1">
+    <dgm:fillClrLst meth="repeat">
+      <a:schemeClr val="accent1"/>
+    </dgm:fillClrLst>
+    <dgm:linClrLst meth="repeat">
+      <a:schemeClr val="lt1"/>
+    </dgm:linClrLst>
+    <dgm:effectClrLst/>
+    <dgm:txLinClrLst/>
+    <dgm:txFillClrLst/>
+    <dgm:txEffectClrLst/>
+  </dgm:styleLbl>
+  <dgm:styleLbl name="lnNode1">
+    <dgm:fillClrLst meth="repeat">
+      <a:schemeClr val="accent1"/>
+    </dgm:fillClrLst>
+    <dgm:linClrLst meth="repeat">
+      <a:schemeClr val="lt1"/>
+    </dgm:linClrLst>
+    <dgm:effectClrLst/>
+    <dgm:txLinClrLst/>
+    <dgm:txFillClrLst/>
+    <dgm:txEffectClrLst/>
+  </dgm:styleLbl>
+  <dgm:styleLbl name="vennNode1">
+    <dgm:fillClrLst meth="repeat">
+      <a:schemeClr val="accent1">
+        <a:alpha val="50000"/>
+      </a:schemeClr>
+    </dgm:fillClrLst>
+    <dgm:linClrLst meth="repeat">
+      <a:schemeClr val="lt1"/>
+    </dgm:linClrLst>
+    <dgm:effectClrLst/>
+    <dgm:txLinClrLst/>
+    <dgm:txFillClrLst/>
+    <dgm:txEffectClrLst/>
+  </dgm:styleLbl>
+  <dgm:styleLbl name="node2">
+    <dgm:fillClrLst meth="repeat">
+      <a:schemeClr val="accent1"/>
+    </dgm:fillClrLst>
+    <dgm:linClrLst meth="repeat">
+      <a:schemeClr val="lt1"/>
+    </dgm:linClrLst>
+    <dgm:effectClrLst/>
+    <dgm:txLinClrLst/>
+    <dgm:txFillClrLst/>
+    <dgm:txEffectClrLst/>
+  </dgm:styleLbl>
+  <dgm:styleLbl name="node3">
+    <dgm:fillClrLst meth="repeat">
+      <a:schemeClr val="accent1"/>
+    </dgm:fillClrLst>
+    <dgm:linClrLst meth="repeat">
+      <a:schemeClr val="lt1"/>
+    </dgm:linClrLst>
+    <dgm:effectClrLst/>
+    <dgm:txLinClrLst/>
+    <dgm:txFillClrLst/>
+    <dgm:txEffectClrLst/>
+  </dgm:styleLbl>
+  <dgm:styleLbl name="node4">
+    <dgm:fillClrLst meth="repeat">
+      <a:schemeClr val="accent1"/>
+    </dgm:fillClrLst>
+    <dgm:linClrLst meth="repeat">
+      <a:schemeClr val="lt1"/>
+    </dgm:linClrLst>
+    <dgm:effectClrLst/>
+    <dgm:txLinClrLst/>
+    <dgm:txFillClrLst/>
+    <dgm:txEffectClrLst/>
+  </dgm:styleLbl>
+  <dgm:styleLbl name="fgImgPlace1">
+    <dgm:fillClrLst meth="repeat">
+      <a:schemeClr val="accent1">
+        <a:tint val="50000"/>
+      </a:schemeClr>
+    </dgm:fillClrLst>
+    <dgm:linClrLst meth="repeat">
+      <a:schemeClr val="lt1"/>
+    </dgm:linClrLst>
+    <dgm:effectClrLst/>
+    <dgm:txLinClrLst/>
+    <dgm:txFillClrLst meth="repeat">
+      <a:schemeClr val="lt1"/>
+    </dgm:txFillClrLst>
+    <dgm:txEffectClrLst/>
+  </dgm:styleLbl>
+  <dgm:styleLbl name="alignImgPlace1">
+    <dgm:fillClrLst meth="repeat">
+      <a:schemeClr val="accent1">
+        <a:tint val="50000"/>
+      </a:schemeClr>
+    </dgm:fillClrLst>
+    <dgm:linClrLst meth="repeat">
+      <a:schemeClr val="lt1"/>
+    </dgm:linClrLst>
+    <dgm:effectClrLst/>
+    <dgm:txLinClrLst/>
+    <dgm:txFillClrLst meth="repeat">
+      <a:schemeClr val="lt1"/>
+    </dgm:txFillClrLst>
+    <dgm:txEffectClrLst/>
+  </dgm:styleLbl>
+  <dgm:styleLbl name="bgImgPlace1">
+    <dgm:fillClrLst meth="repeat">
+      <a:schemeClr val="accent1">
+        <a:tint val="50000"/>
+      </a:schemeClr>
+    </dgm:fillClrLst>
+    <dgm:linClrLst meth="repeat">
+      <a:schemeClr val="lt1"/>
+    </dgm:linClrLst>
+    <dgm:effectClrLst/>
+    <dgm:txLinClrLst/>
+    <dgm:txFillClrLst meth="repeat">
+      <a:schemeClr val="lt1"/>
+    </dgm:txFillClrLst>
+    <dgm:txEffectClrLst/>
+  </dgm:styleLbl>
+  <dgm:styleLbl name="sibTrans2D1">
+    <dgm:fillClrLst meth="repeat">
+      <a:schemeClr val="accent1">
+        <a:tint val="60000"/>
+      </a:schemeClr>
+    </dgm:fillClrLst>
+    <dgm:linClrLst meth="repeat">
+      <a:schemeClr val="accent1">
+        <a:tint val="60000"/>
+      </a:schemeClr>
+    </dgm:linClrLst>
+    <dgm:effectClrLst/>
+    <dgm:txLinClrLst/>
+    <dgm:txFillClrLst/>
+    <dgm:txEffectClrLst/>
+  </dgm:styleLbl>
+  <dgm:styleLbl name="fgSibTrans2D1">
+    <dgm:fillClrLst meth="repeat">
+      <a:schemeClr val="accent1">
+        <a:tint val="60000"/>
+      </a:schemeClr>
+    </dgm:fillClrLst>
+    <dgm:linClrLst meth="repeat">
+      <a:schemeClr val="accent1">
+        <a:tint val="60000"/>
+      </a:schemeClr>
+    </dgm:linClrLst>
+    <dgm:effectClrLst/>
+    <dgm:txLinClrLst/>
+    <dgm:txFillClrLst/>
+    <dgm:txEffectClrLst/>
+  </dgm:styleLbl>
+  <dgm:styleLbl name="bgSibTrans2D1">
+    <dgm:fillClrLst meth="repeat">
+      <a:schemeClr val="accent1">
+        <a:tint val="60000"/>
+      </a:schemeClr>
+    </dgm:fillClrLst>
+    <dgm:linClrLst meth="repeat">
+      <a:schemeClr val="accent1">
+        <a:tint val="60000"/>
+      </a:schemeClr>
+    </dgm:linClrLst>
+    <dgm:effectClrLst/>
+    <dgm:txLinClrLst/>
+    <dgm:txFillClrLst/>
+    <dgm:txEffectClrLst/>
+  </dgm:styleLbl>
+  <dgm:styleLbl name="sibTrans1D1">
+    <dgm:fillClrLst meth="repeat">
+      <a:schemeClr val="accent1"/>
+    </dgm:fillClrLst>
+    <dgm:linClrLst meth="repeat">
+      <a:schemeClr val="accent1"/>
+    </dgm:linClrLst>
+    <dgm:effectClrLst/>
+    <dgm:txLinClrLst/>
+    <dgm:txFillClrLst meth="repeat">
+      <a:schemeClr val="tx1"/>
+    </dgm:txFillClrLst>
+    <dgm:txEffectClrLst/>
+  </dgm:styleLbl>
+  <dgm:styleLbl name="callout">
+    <dgm:fillClrLst meth="repeat">
+      <a:schemeClr val="accent1"/>
+    </dgm:fillClrLst>
+    <dgm:linClrLst meth="repeat">
+      <a:schemeClr val="accent1">
+        <a:tint val="50000"/>
+      </a:schemeClr>
+    </dgm:linClrLst>
+    <dgm:effectClrLst/>
+    <dgm:txLinClrLst/>
+    <dgm:txFillClrLst meth="repeat">
+      <a:schemeClr val="tx1"/>
+    </dgm:txFillClrLst>
+    <dgm:txEffectClrLst/>
+  </dgm:styleLbl>
+  <dgm:styleLbl name="asst0">
+    <dgm:fillClrLst meth="repeat">
+      <a:schemeClr val="accent1"/>
+    </dgm:fillClrLst>
+    <dgm:linClrLst meth="repeat">
+      <a:schemeClr val="lt1"/>
+    </dgm:linClrLst>
+    <dgm:effectClrLst/>
+    <dgm:txLinClrLst/>
+    <dgm:txFillClrLst/>
+    <dgm:txEffectClrLst/>
+  </dgm:styleLbl>
+  <dgm:styleLbl name="asst1">
+    <dgm:fillClrLst meth="repeat">
+      <a:schemeClr val="accent1"/>
+    </dgm:fillClrLst>
+    <dgm:linClrLst meth="repeat">
+      <a:schemeClr val="lt1"/>
+    </dgm:linClrLst>
+    <dgm:effectClrLst/>
+    <dgm:txLinClrLst/>
+    <dgm:txFillClrLst/>
+    <dgm:txEffectClrLst/>
+  </dgm:styleLbl>
+  <dgm:styleLbl name="asst2">
+    <dgm:fillClrLst meth="repeat">
+      <a:schemeClr val="accent1"/>
+    </dgm:fillClrLst>
+    <dgm:linClrLst meth="repeat">
+      <a:schemeClr val="lt1"/>
+    </dgm:linClrLst>
+    <dgm:effectClrLst/>
+    <dgm:txLinClrLst/>
+    <dgm:txFillClrLst/>
+    <dgm:txEffectClrLst/>
+  </dgm:styleLbl>
+  <dgm:styleLbl name="asst3">
+    <dgm:fillClrLst meth="repeat">
+      <a:schemeClr val="accent1"/>
+    </dgm:fillClrLst>
+    <dgm:linClrLst meth="repeat">
+      <a:schemeClr val="lt1"/>
+    </dgm:linClrLst>
+    <dgm:effectClrLst/>
+    <dgm:txLinClrLst/>
+    <dgm:txFillClrLst/>
+    <dgm:txEffectClrLst/>
+  </dgm:styleLbl>
+  <dgm:styleLbl name="asst4">
+    <dgm:fillClrLst meth="repeat">
+      <a:schemeClr val="accent1"/>
+    </dgm:fillClrLst>
+    <dgm:linClrLst meth="repeat">
+      <a:schemeClr val="lt1"/>
+    </dgm:linClrLst>
+    <dgm:effectClrLst/>
+    <dgm:txLinClrLst/>
+    <dgm:txFillClrLst/>
+    <dgm:txEffectClrLst/>
+  </dgm:styleLbl>
+  <dgm:styleLbl name="parChTrans2D1">
+    <dgm:fillClrLst meth="repeat">
+      <a:schemeClr val="accent1">
+        <a:tint val="60000"/>
+      </a:schemeClr>
+    </dgm:fillClrLst>
+    <dgm:linClrLst meth="repeat">
+      <a:schemeClr val="accent1">
+        <a:tint val="60000"/>
+      </a:schemeClr>
+    </dgm:linClrLst>
+    <dgm:effectClrLst/>
+    <dgm:txLinClrLst/>
+    <dgm:txFillClrLst meth="repeat">
+      <a:schemeClr val="lt1"/>
+    </dgm:txFillClrLst>
+    <dgm:txEffectClrLst/>
+  </dgm:styleLbl>
+  <dgm:styleLbl name="parChTrans2D2">
+    <dgm:fillClrLst meth="repeat">
+      <a:schemeClr val="accent1"/>
+    </dgm:fillClrLst>
+    <dgm:linClrLst meth="repeat">
+      <a:schemeClr val="accent1"/>
+    </dgm:linClrLst>
+    <dgm:effectClrLst/>
+    <dgm:txLinClrLst/>
+    <dgm:txFillClrLst meth="repeat">
+      <a:schemeClr val="lt1"/>
+    </dgm:txFillClrLst>
+    <dgm:txEffectClrLst/>
+  </dgm:styleLbl>
+  <dgm:styleLbl name="parChTrans2D3">
+    <dgm:fillClrLst meth="repeat">
+      <a:schemeClr val="accent1"/>
+    </dgm:fillClrLst>
+    <dgm:linClrLst meth="repeat">
+      <a:schemeClr val="accent1"/>
+    </dgm:linClrLst>
+    <dgm:effectClrLst/>
+    <dgm:txLinClrLst/>
+    <dgm:txFillClrLst meth="repeat">
+      <a:schemeClr val="lt1"/>
+    </dgm:txFillClrLst>
+    <dgm:txEffectClrLst/>
+  </dgm:styleLbl>
+  <dgm:styleLbl name="parChTrans2D4">
+    <dgm:fillClrLst meth="repeat">
+      <a:schemeClr val="accent1"/>
+    </dgm:fillClrLst>
+    <dgm:linClrLst meth="repeat">
+      <a:schemeClr val="accent1"/>
+    </dgm:linClrLst>
+    <dgm:effectClrLst/>
+    <dgm:txLinClrLst/>
+    <dgm:txFillClrLst meth="repeat">
+      <a:schemeClr val="lt1"/>
+    </dgm:txFillClrLst>
+    <dgm:txEffectClrLst/>
+  </dgm:styleLbl>
+  <dgm:styleLbl name="parChTrans1D1">
+    <dgm:fillClrLst meth="repeat">
+      <a:schemeClr val="accent1"/>
+    </dgm:fillClrLst>
+    <dgm:linClrLst meth="repeat">
+      <a:schemeClr val="accent1">
+        <a:shade val="60000"/>
+      </a:schemeClr>
+    </dgm:linClrLst>
+    <dgm:effectClrLst/>
+    <dgm:txLinClrLst/>
+    <dgm:txFillClrLst meth="repeat">
+      <a:schemeClr val="tx1"/>
+    </dgm:txFillClrLst>
+    <dgm:txEffectClrLst/>
+  </dgm:styleLbl>
+  <dgm:styleLbl name="parChTrans1D2">
+    <dgm:fillClrLst meth="repeat">
+      <a:schemeClr val="accent1"/>
+    </dgm:fillClrLst>
+    <dgm:linClrLst meth="repeat">
+      <a:schemeClr val="accent1">
+        <a:shade val="60000"/>
+      </a:schemeClr>
+    </dgm:linClrLst>
+    <dgm:effectClrLst/>
+    <dgm:txLinClrLst/>
+    <dgm:txFillClrLst meth="repeat">
+      <a:schemeClr val="tx1"/>
+    </dgm:txFillClrLst>
+    <dgm:txEffectClrLst/>
+  </dgm:styleLbl>
+  <dgm:styleLbl name="parChTrans1D3">
+    <dgm:fillClrLst meth="repeat">
+      <a:schemeClr val="accent1"/>
+    </dgm:fillClrLst>
+    <dgm:linClrLst meth="repeat">
+      <a:schemeClr val="accent1">
+        <a:shade val="80000"/>
+      </a:schemeClr>
+    </dgm:linClrLst>
+    <dgm:effectClrLst/>
+    <dgm:txLinClrLst/>
+    <dgm:txFillClrLst meth="repeat">
+      <a:schemeClr val="tx1"/>
+    </dgm:txFillClrLst>
+    <dgm:txEffectClrLst/>
+  </dgm:styleLbl>
+  <dgm:styleLbl name="parChTrans1D4">
+    <dgm:fillClrLst meth="repeat">
+      <a:schemeClr val="accent1"/>
+    </dgm:fillClrLst>
+    <dgm:linClrLst meth="repeat">
+      <a:schemeClr val="accent1">
+        <a:shade val="80000"/>
+      </a:schemeClr>
+    </dgm:linClrLst>
+    <dgm:effectClrLst/>
+    <dgm:txLinClrLst/>
+    <dgm:txFillClrLst meth="repeat">
+      <a:schemeClr val="tx1"/>
+    </dgm:txFillClrLst>
+    <dgm:txEffectClrLst/>
+  </dgm:styleLbl>
+  <dgm:styleLbl name="fgAcc1">
+    <dgm:fillClrLst meth="repeat">
+      <a:schemeClr val="lt1">
+        <a:alpha val="90000"/>
+      </a:schemeClr>
+    </dgm:fillClrLst>
+    <dgm:linClrLst meth="repeat">
+      <a:schemeClr val="accent1"/>
+    </dgm:linClrLst>
+    <dgm:effectClrLst/>
+    <dgm:txLinClrLst/>
+    <dgm:txFillClrLst meth="repeat">
+      <a:schemeClr val="dk1"/>
+    </dgm:txFillClrLst>
+    <dgm:txEffectClrLst/>
+  </dgm:styleLbl>
+  <dgm:styleLbl name="conFgAcc1">
+    <dgm:fillClrLst meth="repeat">
+      <a:schemeClr val="lt1">
+        <a:alpha val="90000"/>
+      </a:schemeClr>
+    </dgm:fillClrLst>
+    <dgm:linClrLst meth="repeat">
+      <a:schemeClr val="accent1"/>
+    </dgm:linClrLst>
+    <dgm:effectClrLst/>
+    <dgm:txLinClrLst/>
+    <dgm:txFillClrLst meth="repeat">
+      <a:schemeClr val="dk1"/>
+    </dgm:txFillClrLst>
+    <dgm:txEffectClrLst/>
+  </dgm:styleLbl>
+  <dgm:styleLbl name="alignAcc1">
+    <dgm:fillClrLst meth="repeat">
+      <a:schemeClr val="lt1">
+        <a:alpha val="90000"/>
+      </a:schemeClr>
+    </dgm:fillClrLst>
+    <dgm:linClrLst meth="repeat">
+      <a:schemeClr val="accent1"/>
+    </dgm:linClrLst>
+    <dgm:effectClrLst/>
+    <dgm:txLinClrLst/>
+    <dgm:txFillClrLst meth="repeat">
+      <a:schemeClr val="dk1"/>
+    </dgm:txFillClrLst>
+    <dgm:txEffectClrLst/>
+  </dgm:styleLbl>
+  <dgm:styleLbl name="trAlignAcc1">
+    <dgm:fillClrLst meth="repeat">
+      <a:schemeClr val="lt1">
+        <a:alpha val="40000"/>
+      </a:schemeClr>
+    </dgm:fillClrLst>
+    <dgm:linClrLst meth="repeat">
+      <a:schemeClr val="accent1"/>
+    </dgm:linClrLst>
+    <dgm:effectClrLst/>
+    <dgm:txLinClrLst/>
+    <dgm:txFillClrLst meth="repeat">
+      <a:schemeClr val="dk1"/>
+    </dgm:txFillClrLst>
+    <dgm:txEffectClrLst/>
+  </dgm:styleLbl>
+  <dgm:styleLbl name="bgAcc1">
+    <dgm:fillClrLst meth="repeat">
+      <a:schemeClr val="lt1">
+        <a:alpha val="90000"/>
+      </a:schemeClr>
+    </dgm:fillClrLst>
+    <dgm:linClrLst meth="repeat">
+      <a:schemeClr val="accent1"/>
+    </dgm:linClrLst>
+    <dgm:effectClrLst/>
+    <dgm:txLinClrLst/>
+    <dgm:txFillClrLst meth="repeat">
+      <a:schemeClr val="dk1"/>
+    </dgm:txFillClrLst>
+    <dgm:txEffectClrLst/>
+  </dgm:styleLbl>
+  <dgm:styleLbl name="solidFgAcc1">
+    <dgm:fillClrLst meth="repeat">
+      <a:schemeClr val="lt1"/>
+    </dgm:fillClrLst>
+    <dgm:linClrLst meth="repeat">
+      <a:schemeClr val="accent1"/>
+    </dgm:linClrLst>
+    <dgm:effectClrLst/>
+    <dgm:txLinClrLst/>
+    <dgm:txFillClrLst meth="repeat">
+      <a:schemeClr val="dk1"/>
+    </dgm:txFillClrLst>
+    <dgm:txEffectClrLst/>
+  </dgm:styleLbl>
+  <dgm:styleLbl name="solidAlignAcc1">
+    <dgm:fillClrLst meth="repeat">
+      <a:schemeClr val="lt1"/>
+    </dgm:fillClrLst>
+    <dgm:linClrLst meth="repeat">
+      <a:schemeClr val="accent1"/>
+    </dgm:linClrLst>
+    <dgm:effectClrLst/>
+    <dgm:txLinClrLst/>
+    <dgm:txFillClrLst meth="repeat">
+      <a:schemeClr val="dk1"/>
+    </dgm:txFillClrLst>
+    <dgm:txEffectClrLst/>
+  </dgm:styleLbl>
+  <dgm:styleLbl name="solidBgAcc1">
+    <dgm:fillClrLst meth="repeat">
+      <a:schemeClr val="lt1"/>
+    </dgm:fillClrLst>
+    <dgm:linClrLst meth="repeat">
+      <a:schemeClr val="accent1"/>
+    </dgm:linClrLst>
+    <dgm:effectClrLst/>
+    <dgm:txLinClrLst/>
+    <dgm:txFillClrLst meth="repeat">
+      <a:schemeClr val="dk1"/>
+    </dgm:txFillClrLst>
+    <dgm:txEffectClrLst/>
+  </dgm:styleLbl>
+  <dgm:styleLbl name="fgAccFollowNode1">
+    <dgm:fillClrLst meth="repeat">
+      <a:schemeClr val="accent1">
+        <a:alpha val="90000"/>
+        <a:tint val="40000"/>
+      </a:schemeClr>
+    </dgm:fillClrLst>
+    <dgm:linClrLst meth="repeat">
+      <a:schemeClr val="accent1">
+        <a:alpha val="90000"/>
+        <a:tint val="40000"/>
+      </a:schemeClr>
+    </dgm:linClrLst>
+    <dgm:effectClrLst/>
+    <dgm:txLinClrLst/>
+    <dgm:txFillClrLst meth="repeat">
+      <a:schemeClr val="dk1"/>
+    </dgm:txFillClrLst>
+    <dgm:txEffectClrLst/>
+  </dgm:styleLbl>
+  <dgm:styleLbl name="alignAccFollowNode1">
+    <dgm:fillClrLst meth="repeat">
+      <a:schemeClr val="accent1">
+        <a:alpha val="90000"/>
+        <a:tint val="40000"/>
+      </a:schemeClr>
+    </dgm:fillClrLst>
+    <dgm:linClrLst meth="repeat">
+      <a:schemeClr val="accent1">
+        <a:alpha val="90000"/>
+        <a:tint val="40000"/>
+      </a:schemeClr>
+    </dgm:linClrLst>
+    <dgm:effectClrLst/>
+    <dgm:txLinClrLst/>
+    <dgm:txFillClrLst meth="repeat">
+      <a:schemeClr val="dk1"/>
+    </dgm:txFillClrLst>
+    <dgm:txEffectClrLst/>
+  </dgm:styleLbl>
+  <dgm:styleLbl name="bgAccFollowNode1">
+    <dgm:fillClrLst meth="repeat">
+      <a:schemeClr val="accent1">
+        <a:alpha val="90000"/>
+        <a:tint val="40000"/>
+      </a:schemeClr>
+    </dgm:fillClrLst>
+    <dgm:linClrLst meth="repeat">
+      <a:schemeClr val="accent1">
+        <a:alpha val="90000"/>
+        <a:tint val="40000"/>
+      </a:schemeClr>
+    </dgm:linClrLst>
+    <dgm:effectClrLst/>
+    <dgm:txLinClrLst/>
+    <dgm:txFillClrLst meth="repeat">
+      <a:schemeClr val="dk1"/>
+    </dgm:txFillClrLst>
+    <dgm:txEffectClrLst/>
+  </dgm:styleLbl>
+  <dgm:styleLbl name="fgAcc0">
+    <dgm:fillClrLst meth="repeat">
+      <a:schemeClr val="lt1">
+        <a:alpha val="90000"/>
+      </a:schemeClr>
+    </dgm:fillClrLst>
+    <dgm:linClrLst meth="repeat">
+      <a:schemeClr val="accent1"/>
+    </dgm:linClrLst>
+    <dgm:effectClrLst/>
+    <dgm:txLinClrLst/>
+    <dgm:txFillClrLst meth="repeat">
+      <a:schemeClr val="dk1"/>
+    </dgm:txFillClrLst>
+    <dgm:txEffectClrLst/>
+  </dgm:styleLbl>
+  <dgm:styleLbl name="fgAcc2">
+    <dgm:fillClrLst meth="repeat">
+      <a:schemeClr val="lt1">
+        <a:alpha val="90000"/>
+      </a:schemeClr>
+    </dgm:fillClrLst>
+    <dgm:linClrLst meth="repeat">
+      <a:schemeClr val="accent1"/>
+    </dgm:linClrLst>
+    <dgm:effectClrLst/>
+    <dgm:txLinClrLst/>
+    <dgm:txFillClrLst meth="repeat">
+      <a:schemeClr val="dk1"/>
+    </dgm:txFillClrLst>
+    <dgm:txEffectClrLst/>
+  </dgm:styleLbl>
+  <dgm:styleLbl name="fgAcc3">
+    <dgm:fillClrLst meth="repeat">
+      <a:schemeClr val="lt1">
+        <a:alpha val="90000"/>
+      </a:schemeClr>
+    </dgm:fillClrLst>
+    <dgm:linClrLst meth="repeat">
+      <a:schemeClr val="accent1"/>
+    </dgm:linClrLst>
+    <dgm:effectClrLst/>
+    <dgm:txLinClrLst/>
+    <dgm:txFillClrLst meth="repeat">
+      <a:schemeClr val="dk1"/>
+    </dgm:txFillClrLst>
+    <dgm:txEffectClrLst/>
+  </dgm:styleLbl>
+  <dgm:styleLbl name="fgAcc4">
+    <dgm:fillClrLst meth="repeat">
+      <a:schemeClr val="lt1">
+        <a:alpha val="90000"/>
+      </a:schemeClr>
+    </dgm:fillClrLst>
+    <dgm:linClrLst meth="repeat">
+      <a:schemeClr val="accent1"/>
+    </dgm:linClrLst>
+    <dgm:effectClrLst/>
+    <dgm:txLinClrLst/>
+    <dgm:txFillClrLst meth="repeat">
+      <a:schemeClr val="dk1"/>
+    </dgm:txFillClrLst>
+    <dgm:txEffectClrLst/>
+  </dgm:styleLbl>
+  <dgm:styleLbl name="bgShp">
+    <dgm:fillClrLst meth="repeat">
+      <a:schemeClr val="accent1">
+        <a:tint val="40000"/>
+      </a:schemeClr>
+    </dgm:fillClrLst>
+    <dgm:linClrLst meth="repeat">
+      <a:schemeClr val="accent1"/>
+    </dgm:linClrLst>
+    <dgm:effectClrLst/>
+    <dgm:txLinClrLst/>
+    <dgm:txFillClrLst meth="repeat">
+      <a:schemeClr val="dk1"/>
+    </dgm:txFillClrLst>
+    <dgm:txEffectClrLst/>
+  </dgm:styleLbl>
+  <dgm:styleLbl name="dkBgShp">
+    <dgm:fillClrLst meth="repeat">
+      <a:schemeClr val="accent1">
+        <a:shade val="80000"/>
+      </a:schemeClr>
+    </dgm:fillClrLst>
+    <dgm:linClrLst meth="repeat">
+      <a:schemeClr val="accent1"/>
+    </dgm:linClrLst>
+    <dgm:effectClrLst/>
+    <dgm:txLinClrLst/>
+    <dgm:txFillClrLst meth="repeat">
+      <a:schemeClr val="lt1"/>
+    </dgm:txFillClrLst>
+    <dgm:txEffectClrLst/>
+  </dgm:styleLbl>
+  <dgm:styleLbl name="trBgShp">
+    <dgm:fillClrLst meth="repeat">
+      <a:schemeClr val="accent1">
+        <a:tint val="50000"/>
+        <a:alpha val="40000"/>
+      </a:schemeClr>
+    </dgm:fillClrLst>
+    <dgm:linClrLst meth="repeat">
+      <a:schemeClr val="accent1"/>
+    </dgm:linClrLst>
+    <dgm:effectClrLst/>
+    <dgm:txLinClrLst/>
+    <dgm:txFillClrLst meth="repeat">
+      <a:schemeClr val="lt1"/>
+    </dgm:txFillClrLst>
+    <dgm:txEffectClrLst/>
+  </dgm:styleLbl>
+  <dgm:styleLbl name="fgShp">
+    <dgm:fillClrLst meth="repeat">
+      <a:schemeClr val="accent1">
+        <a:tint val="60000"/>
+      </a:schemeClr>
+    </dgm:fillClrLst>
+    <dgm:linClrLst meth="repeat">
+      <a:schemeClr val="lt1"/>
+    </dgm:linClrLst>
+    <dgm:effectClrLst/>
+    <dgm:txLinClrLst/>
+    <dgm:txFillClrLst meth="repeat">
+      <a:schemeClr val="dk1"/>
+    </dgm:txFillClrLst>
+    <dgm:txEffectClrLst/>
+  </dgm:styleLbl>
+  <dgm:styleLbl name="revTx">
+    <dgm:fillClrLst meth="repeat">
+      <a:schemeClr val="lt1">
+        <a:alpha val="0"/>
+      </a:schemeClr>
+    </dgm:fillClrLst>
+    <dgm:linClrLst meth="repeat">
+      <a:schemeClr val="dk1">
+        <a:alpha val="0"/>
+      </a:schemeClr>
+    </dgm:linClrLst>
+    <dgm:effectClrLst/>
+    <dgm:txLinClrLst/>
+    <dgm:txFillClrLst meth="repeat">
+      <a:schemeClr val="tx1"/>
+    </dgm:txFillClrLst>
+    <dgm:txEffectClrLst/>
+  </dgm:styleLbl>
+</dgm:colorsDef>
+</file>
+
+<file path=ppt/diagrams/data1.xml><?xml version="1.0" encoding="utf-8"?>
+<dgm:dataModel xmlns:dgm="http://schemas.openxmlformats.org/drawingml/2006/diagram" xmlns:a="http://schemas.openxmlformats.org/drawingml/2006/main">
+  <dgm:ptLst>
+    <dgm:pt modelId="{36C18888-E6B3-4A3F-945F-46D62E3C85D0}" type="doc">
+      <dgm:prSet loTypeId="urn:microsoft.com/office/officeart/2005/8/layout/hList1" loCatId="list" qsTypeId="urn:microsoft.com/office/officeart/2005/8/quickstyle/simple1" qsCatId="simple" csTypeId="urn:microsoft.com/office/officeart/2005/8/colors/accent1_2" csCatId="accent1" phldr="1"/>
+      <dgm:spPr/>
+      <dgm:t>
+        <a:bodyPr/>
+        <a:lstStyle/>
+        <a:p>
+          <a:endParaRPr lang="en-US"/>
+        </a:p>
+      </dgm:t>
+    </dgm:pt>
+    <dgm:pt modelId="{B0C4A85A-E702-4E8E-9447-5AC9E2688E93}">
+      <dgm:prSet phldrT="[Text]"/>
+      <dgm:spPr/>
+      <dgm:t>
+        <a:bodyPr/>
+        <a:lstStyle/>
+        <a:p>
+          <a:r>
+            <a:rPr lang="en-US" dirty="0" smtClean="0"/>
+            <a:t>WCF</a:t>
+          </a:r>
+          <a:endParaRPr lang="en-US" dirty="0"/>
+        </a:p>
+      </dgm:t>
+    </dgm:pt>
+    <dgm:pt modelId="{4D41E08F-0657-44AC-983B-81671FD0F257}" type="parTrans" cxnId="{FD9CAA52-82D7-493B-9D9C-0E901BFC91FD}">
+      <dgm:prSet/>
+      <dgm:spPr/>
+      <dgm:t>
+        <a:bodyPr/>
+        <a:lstStyle/>
+        <a:p>
+          <a:endParaRPr lang="en-US"/>
+        </a:p>
+      </dgm:t>
+    </dgm:pt>
+    <dgm:pt modelId="{79323907-8858-4F49-B7B4-5B051247075B}" type="sibTrans" cxnId="{FD9CAA52-82D7-493B-9D9C-0E901BFC91FD}">
+      <dgm:prSet/>
+      <dgm:spPr/>
+      <dgm:t>
+        <a:bodyPr/>
+        <a:lstStyle/>
+        <a:p>
+          <a:endParaRPr lang="en-US"/>
+        </a:p>
+      </dgm:t>
+    </dgm:pt>
+    <dgm:pt modelId="{947EF703-BCB5-429B-A365-C1D3BBCB8891}">
+      <dgm:prSet phldrT="[Text]"/>
+      <dgm:spPr/>
+      <dgm:t>
+        <a:bodyPr/>
+        <a:lstStyle/>
+        <a:p>
+          <a:r>
+            <a:rPr lang="en-US" dirty="0" smtClean="0"/>
+            <a:t>Back-end Services</a:t>
+          </a:r>
+          <a:endParaRPr lang="en-US" dirty="0"/>
+        </a:p>
+      </dgm:t>
+    </dgm:pt>
+    <dgm:pt modelId="{CE1224C9-71D3-42B3-8BB9-3DA65496B81D}" type="parTrans" cxnId="{77C542A1-BA68-4EFB-BAC4-9D70FF84BCAB}">
+      <dgm:prSet/>
+      <dgm:spPr/>
+      <dgm:t>
+        <a:bodyPr/>
+        <a:lstStyle/>
+        <a:p>
+          <a:endParaRPr lang="en-US"/>
+        </a:p>
+      </dgm:t>
+    </dgm:pt>
+    <dgm:pt modelId="{C473EAB2-66C4-4030-9FD7-E8B3D2D3E022}" type="sibTrans" cxnId="{77C542A1-BA68-4EFB-BAC4-9D70FF84BCAB}">
+      <dgm:prSet/>
+      <dgm:spPr/>
+      <dgm:t>
+        <a:bodyPr/>
+        <a:lstStyle/>
+        <a:p>
+          <a:endParaRPr lang="en-US"/>
+        </a:p>
+      </dgm:t>
+    </dgm:pt>
+    <dgm:pt modelId="{418E581D-4D33-4D1C-8617-3D39338A2D02}">
+      <dgm:prSet phldrT="[Text]"/>
+      <dgm:spPr/>
+      <dgm:t>
+        <a:bodyPr/>
+        <a:lstStyle/>
+        <a:p>
+          <a:r>
+            <a:rPr lang="en-US" dirty="0" smtClean="0"/>
+            <a:t>SOAP, WS-*</a:t>
+          </a:r>
+          <a:endParaRPr lang="en-US" dirty="0"/>
+        </a:p>
+      </dgm:t>
+    </dgm:pt>
+    <dgm:pt modelId="{00FF94DD-E3B6-4DE2-B951-EC68F2BBDDBF}" type="parTrans" cxnId="{FC6E8F75-8D41-4652-802A-E6EA649A0538}">
+      <dgm:prSet/>
+      <dgm:spPr/>
+      <dgm:t>
+        <a:bodyPr/>
+        <a:lstStyle/>
+        <a:p>
+          <a:endParaRPr lang="en-US"/>
+        </a:p>
+      </dgm:t>
+    </dgm:pt>
+    <dgm:pt modelId="{75882FDE-E0A6-40D5-8D7D-8A9958B97388}" type="sibTrans" cxnId="{FC6E8F75-8D41-4652-802A-E6EA649A0538}">
+      <dgm:prSet/>
+      <dgm:spPr/>
+      <dgm:t>
+        <a:bodyPr/>
+        <a:lstStyle/>
+        <a:p>
+          <a:endParaRPr lang="en-US"/>
+        </a:p>
+      </dgm:t>
+    </dgm:pt>
+    <dgm:pt modelId="{91749CC0-3C52-4EF3-A6F1-13A55A766978}">
+      <dgm:prSet phldrT="[Text]"/>
+      <dgm:spPr/>
+      <dgm:t>
+        <a:bodyPr/>
+        <a:lstStyle/>
+        <a:p>
+          <a:r>
+            <a:rPr lang="en-US" dirty="0" smtClean="0"/>
+            <a:t>ASP.NET Web API</a:t>
+          </a:r>
+          <a:endParaRPr lang="en-US" dirty="0"/>
+        </a:p>
+      </dgm:t>
+    </dgm:pt>
+    <dgm:pt modelId="{036D4F46-38B1-496E-9951-D70F7AA21544}" type="parTrans" cxnId="{AE08A043-CDE3-4289-9718-1F724EB0CD12}">
+      <dgm:prSet/>
+      <dgm:spPr/>
+      <dgm:t>
+        <a:bodyPr/>
+        <a:lstStyle/>
+        <a:p>
+          <a:endParaRPr lang="en-US"/>
+        </a:p>
+      </dgm:t>
+    </dgm:pt>
+    <dgm:pt modelId="{FB9BA4AF-673A-4517-9444-4BCF97DB0F3F}" type="sibTrans" cxnId="{AE08A043-CDE3-4289-9718-1F724EB0CD12}">
+      <dgm:prSet/>
+      <dgm:spPr/>
+      <dgm:t>
+        <a:bodyPr/>
+        <a:lstStyle/>
+        <a:p>
+          <a:endParaRPr lang="en-US"/>
+        </a:p>
+      </dgm:t>
+    </dgm:pt>
+    <dgm:pt modelId="{9F17B568-3C34-45ED-A463-5B7BAA9AC5B2}">
+      <dgm:prSet phldrT="[Text]"/>
+      <dgm:spPr/>
+      <dgm:t>
+        <a:bodyPr/>
+        <a:lstStyle/>
+        <a:p>
+          <a:r>
+            <a:rPr lang="en-US" dirty="0" smtClean="0"/>
+            <a:t>Front-end Services</a:t>
+          </a:r>
+          <a:endParaRPr lang="en-US" dirty="0"/>
+        </a:p>
+      </dgm:t>
+    </dgm:pt>
+    <dgm:pt modelId="{CD39A284-CFAC-4D13-97E6-D48FD951B35E}" type="parTrans" cxnId="{9BDB124F-8D93-4EF6-87C1-8B865D70A1E4}">
+      <dgm:prSet/>
+      <dgm:spPr/>
+      <dgm:t>
+        <a:bodyPr/>
+        <a:lstStyle/>
+        <a:p>
+          <a:endParaRPr lang="en-US"/>
+        </a:p>
+      </dgm:t>
+    </dgm:pt>
+    <dgm:pt modelId="{ED5F0BE5-F7B4-4A15-B1DB-FC304E290A33}" type="sibTrans" cxnId="{9BDB124F-8D93-4EF6-87C1-8B865D70A1E4}">
+      <dgm:prSet/>
+      <dgm:spPr/>
+      <dgm:t>
+        <a:bodyPr/>
+        <a:lstStyle/>
+        <a:p>
+          <a:endParaRPr lang="en-US"/>
+        </a:p>
+      </dgm:t>
+    </dgm:pt>
+    <dgm:pt modelId="{1E308909-3458-4AFB-A2C7-D83858B4DFB6}">
+      <dgm:prSet phldrT="[Text]"/>
+      <dgm:spPr/>
+      <dgm:t>
+        <a:bodyPr/>
+        <a:lstStyle/>
+        <a:p>
+          <a:r>
+            <a:rPr lang="en-US" dirty="0" smtClean="0"/>
+            <a:t>Media Types: JSON, XML, form-URL-encoded, custom</a:t>
+          </a:r>
+          <a:endParaRPr lang="en-US" dirty="0"/>
+        </a:p>
+      </dgm:t>
+    </dgm:pt>
+    <dgm:pt modelId="{6D85FC7D-F921-4876-ABB8-4EB0143E9F21}" type="parTrans" cxnId="{60B2724E-E73A-48A4-9B8E-3AD1E95D5271}">
+      <dgm:prSet/>
+      <dgm:spPr/>
+      <dgm:t>
+        <a:bodyPr/>
+        <a:lstStyle/>
+        <a:p>
+          <a:endParaRPr lang="en-US"/>
+        </a:p>
+      </dgm:t>
+    </dgm:pt>
+    <dgm:pt modelId="{D2983B7B-5AF6-4B1E-B755-BF661F0FFF35}" type="sibTrans" cxnId="{60B2724E-E73A-48A4-9B8E-3AD1E95D5271}">
+      <dgm:prSet/>
+      <dgm:spPr/>
+      <dgm:t>
+        <a:bodyPr/>
+        <a:lstStyle/>
+        <a:p>
+          <a:endParaRPr lang="en-US"/>
+        </a:p>
+      </dgm:t>
+    </dgm:pt>
+    <dgm:pt modelId="{0E2295DA-C222-4357-9DE0-3A4D5D69BB46}">
+      <dgm:prSet phldrT="[Text]"/>
+      <dgm:spPr/>
+      <dgm:t>
+        <a:bodyPr/>
+        <a:lstStyle/>
+        <a:p>
+          <a:r>
+            <a:rPr lang="en-US" dirty="0" smtClean="0"/>
+            <a:t>Transports: HTTP, TCP, UDP, Queues, </a:t>
+          </a:r>
+          <a:r>
+            <a:rPr lang="en-US" dirty="0" err="1" smtClean="0"/>
+            <a:t>WebSockets</a:t>
+          </a:r>
+          <a:r>
+            <a:rPr lang="en-US" dirty="0" smtClean="0"/>
+            <a:t>, custom</a:t>
+          </a:r>
+          <a:endParaRPr lang="en-US" dirty="0"/>
+        </a:p>
+      </dgm:t>
+    </dgm:pt>
+    <dgm:pt modelId="{129FAEC2-A513-4C65-92EB-5461CB2BD132}" type="parTrans" cxnId="{0C52D2A6-4236-4F76-8196-2B9DAA5A46A4}">
+      <dgm:prSet/>
+      <dgm:spPr/>
+      <dgm:t>
+        <a:bodyPr/>
+        <a:lstStyle/>
+        <a:p>
+          <a:endParaRPr lang="en-US"/>
+        </a:p>
+      </dgm:t>
+    </dgm:pt>
+    <dgm:pt modelId="{BD5E5961-1A95-44A0-AA01-5AB0EF2B9CFA}" type="sibTrans" cxnId="{0C52D2A6-4236-4F76-8196-2B9DAA5A46A4}">
+      <dgm:prSet/>
+      <dgm:spPr/>
+      <dgm:t>
+        <a:bodyPr/>
+        <a:lstStyle/>
+        <a:p>
+          <a:endParaRPr lang="en-US"/>
+        </a:p>
+      </dgm:t>
+    </dgm:pt>
+    <dgm:pt modelId="{22428B5E-4E48-4035-AFCD-518E49C6A393}">
+      <dgm:prSet phldrT="[Text]"/>
+      <dgm:spPr/>
+      <dgm:t>
+        <a:bodyPr/>
+        <a:lstStyle/>
+        <a:p>
+          <a:r>
+            <a:rPr lang="en-US" dirty="0" smtClean="0"/>
+            <a:t>Message patterns: request-reply, one-way, duplex</a:t>
+          </a:r>
+          <a:endParaRPr lang="en-US" dirty="0"/>
+        </a:p>
+      </dgm:t>
+    </dgm:pt>
+    <dgm:pt modelId="{543E335F-4F36-4A80-A3E8-009DC0C04C78}" type="parTrans" cxnId="{DECCA291-2F79-4239-A721-F8171422C5EC}">
+      <dgm:prSet/>
+      <dgm:spPr/>
+      <dgm:t>
+        <a:bodyPr/>
+        <a:lstStyle/>
+        <a:p>
+          <a:endParaRPr lang="en-US"/>
+        </a:p>
+      </dgm:t>
+    </dgm:pt>
+    <dgm:pt modelId="{363C7E6F-AD7A-466A-8DFF-172FD6232AF6}" type="sibTrans" cxnId="{DECCA291-2F79-4239-A721-F8171422C5EC}">
+      <dgm:prSet/>
+      <dgm:spPr/>
+      <dgm:t>
+        <a:bodyPr/>
+        <a:lstStyle/>
+        <a:p>
+          <a:endParaRPr lang="en-US"/>
+        </a:p>
+      </dgm:t>
+    </dgm:pt>
+    <dgm:pt modelId="{D6EDBDD1-686E-41B7-B79B-13D35C4D7776}">
+      <dgm:prSet phldrT="[Text]"/>
+      <dgm:spPr/>
+      <dgm:t>
+        <a:bodyPr/>
+        <a:lstStyle/>
+        <a:p>
+          <a:r>
+            <a:rPr lang="en-US" dirty="0" smtClean="0"/>
+            <a:t>Use WCF Web HTTP to add HTTP endpoints to existing WCF services</a:t>
+          </a:r>
+          <a:endParaRPr lang="en-US" dirty="0"/>
+        </a:p>
+      </dgm:t>
+    </dgm:pt>
+    <dgm:pt modelId="{8630CBB8-F8A3-4EF1-A9E1-C96798F4CFE8}" type="parTrans" cxnId="{D8BED489-B8D9-4BEA-8B55-42A8BF514432}">
+      <dgm:prSet/>
+      <dgm:spPr/>
+      <dgm:t>
+        <a:bodyPr/>
+        <a:lstStyle/>
+        <a:p>
+          <a:endParaRPr lang="en-US"/>
+        </a:p>
+      </dgm:t>
+    </dgm:pt>
+    <dgm:pt modelId="{13E80E52-65D4-473D-8D6D-7D1E42A6A95D}" type="sibTrans" cxnId="{D8BED489-B8D9-4BEA-8B55-42A8BF514432}">
+      <dgm:prSet/>
+      <dgm:spPr/>
+      <dgm:t>
+        <a:bodyPr/>
+        <a:lstStyle/>
+        <a:p>
+          <a:endParaRPr lang="en-US"/>
+        </a:p>
+      </dgm:t>
+    </dgm:pt>
+    <dgm:pt modelId="{E1662A7E-04FF-42B4-A97C-CC5B741006FA}">
+      <dgm:prSet phldrT="[Text]"/>
+      <dgm:spPr/>
+      <dgm:t>
+        <a:bodyPr/>
+        <a:lstStyle/>
+        <a:p>
+          <a:r>
+            <a:rPr lang="en-US" dirty="0" smtClean="0"/>
+            <a:t>Use WCF Data Services for full </a:t>
+          </a:r>
+          <a:r>
+            <a:rPr lang="en-US" dirty="0" err="1" smtClean="0"/>
+            <a:t>OData</a:t>
+          </a:r>
+          <a:r>
+            <a:rPr lang="en-US" dirty="0" smtClean="0"/>
+            <a:t> support</a:t>
+          </a:r>
+          <a:endParaRPr lang="en-US" dirty="0"/>
+        </a:p>
+      </dgm:t>
+    </dgm:pt>
+    <dgm:pt modelId="{41D0A000-A944-47DA-9E8D-A7693EAC4EA5}" type="parTrans" cxnId="{C358707F-B9E4-4E80-9324-C74C16E0C214}">
+      <dgm:prSet/>
+      <dgm:spPr/>
+      <dgm:t>
+        <a:bodyPr/>
+        <a:lstStyle/>
+        <a:p>
+          <a:endParaRPr lang="en-US"/>
+        </a:p>
+      </dgm:t>
+    </dgm:pt>
+    <dgm:pt modelId="{8278A8A6-59EF-4F4C-A1B6-1120D1EC2E42}" type="sibTrans" cxnId="{C358707F-B9E4-4E80-9324-C74C16E0C214}">
+      <dgm:prSet/>
+      <dgm:spPr/>
+      <dgm:t>
+        <a:bodyPr/>
+        <a:lstStyle/>
+        <a:p>
+          <a:endParaRPr lang="en-US"/>
+        </a:p>
+      </dgm:t>
+    </dgm:pt>
+    <dgm:pt modelId="{F016B6E0-7631-403F-994D-767520C00FF6}">
+      <dgm:prSet phldrT="[Text]"/>
+      <dgm:spPr/>
+      <dgm:t>
+        <a:bodyPr/>
+        <a:lstStyle/>
+        <a:p>
+          <a:r>
+            <a:rPr lang="en-US" dirty="0" smtClean="0"/>
+            <a:t>HTTP only</a:t>
+          </a:r>
+          <a:endParaRPr lang="en-US" dirty="0"/>
+        </a:p>
+      </dgm:t>
+    </dgm:pt>
+    <dgm:pt modelId="{2D12CAE3-AFA4-4BCF-9C46-30A5159A50F3}" type="parTrans" cxnId="{4281BBA6-6DBC-4705-BC3A-99E1228A114B}">
+      <dgm:prSet/>
+      <dgm:spPr/>
+      <dgm:t>
+        <a:bodyPr/>
+        <a:lstStyle/>
+        <a:p>
+          <a:endParaRPr lang="en-US"/>
+        </a:p>
+      </dgm:t>
+    </dgm:pt>
+    <dgm:pt modelId="{6026073D-37B9-4916-922A-142DD2670D9B}" type="sibTrans" cxnId="{4281BBA6-6DBC-4705-BC3A-99E1228A114B}">
+      <dgm:prSet/>
+      <dgm:spPr/>
+      <dgm:t>
+        <a:bodyPr/>
+        <a:lstStyle/>
+        <a:p>
+          <a:endParaRPr lang="en-US"/>
+        </a:p>
+      </dgm:t>
+    </dgm:pt>
+    <dgm:pt modelId="{5BA3DD9C-73CD-49C5-81DE-88DE0C5B24C3}">
+      <dgm:prSet phldrT="[Text]"/>
+      <dgm:spPr/>
+      <dgm:t>
+        <a:bodyPr/>
+        <a:lstStyle/>
+        <a:p>
+          <a:r>
+            <a:rPr lang="en-US" dirty="0" smtClean="0"/>
+            <a:t>Request-reply only</a:t>
+          </a:r>
+          <a:endParaRPr lang="en-US" dirty="0"/>
+        </a:p>
+      </dgm:t>
+    </dgm:pt>
+    <dgm:pt modelId="{6C7F887F-D91A-43D2-90FE-8C8F0805935D}" type="parTrans" cxnId="{A80F809C-57D2-4EB9-A448-2893662E89BF}">
+      <dgm:prSet/>
+      <dgm:spPr/>
+      <dgm:t>
+        <a:bodyPr/>
+        <a:lstStyle/>
+        <a:p>
+          <a:endParaRPr lang="en-US"/>
+        </a:p>
+      </dgm:t>
+    </dgm:pt>
+    <dgm:pt modelId="{9292A80B-E2C2-4850-9473-855E6F8DDF6C}" type="sibTrans" cxnId="{A80F809C-57D2-4EB9-A448-2893662E89BF}">
+      <dgm:prSet/>
+      <dgm:spPr/>
+      <dgm:t>
+        <a:bodyPr/>
+        <a:lstStyle/>
+        <a:p>
+          <a:endParaRPr lang="en-US"/>
+        </a:p>
+      </dgm:t>
+    </dgm:pt>
+    <dgm:pt modelId="{A616F9A7-C32B-4CA8-94D0-1A02A9016BF7}">
+      <dgm:prSet phldrT="[Text]"/>
+      <dgm:spPr/>
+      <dgm:t>
+        <a:bodyPr/>
+        <a:lstStyle/>
+        <a:p>
+          <a:r>
+            <a:rPr lang="en-US" dirty="0" smtClean="0"/>
+            <a:t>REST, resource-centric</a:t>
+          </a:r>
+          <a:endParaRPr lang="en-US" dirty="0"/>
+        </a:p>
+      </dgm:t>
+    </dgm:pt>
+    <dgm:pt modelId="{1E731B29-67A7-4822-9229-E629DA6B0464}" type="parTrans" cxnId="{D938E3A1-AF94-4F4D-A225-AA10754688CD}">
+      <dgm:prSet/>
+      <dgm:spPr/>
+      <dgm:t>
+        <a:bodyPr/>
+        <a:lstStyle/>
+        <a:p>
+          <a:endParaRPr lang="en-US"/>
+        </a:p>
+      </dgm:t>
+    </dgm:pt>
+    <dgm:pt modelId="{CE130D26-6856-4039-A6EE-90C66916BE64}" type="sibTrans" cxnId="{D938E3A1-AF94-4F4D-A225-AA10754688CD}">
+      <dgm:prSet/>
+      <dgm:spPr/>
+      <dgm:t>
+        <a:bodyPr/>
+        <a:lstStyle/>
+        <a:p>
+          <a:endParaRPr lang="en-US"/>
+        </a:p>
+      </dgm:t>
+    </dgm:pt>
+    <dgm:pt modelId="{591EE327-CDCB-49F3-8AE5-1109FD1BB2DB}">
+      <dgm:prSet phldrT="[Text]"/>
+      <dgm:spPr/>
+      <dgm:t>
+        <a:bodyPr/>
+        <a:lstStyle/>
+        <a:p>
+          <a:r>
+            <a:rPr lang="en-US" dirty="0" smtClean="0"/>
+            <a:t>Use </a:t>
+          </a:r>
+          <a:r>
+            <a:rPr lang="en-US" dirty="0" err="1" smtClean="0"/>
+            <a:t>SignalR</a:t>
+          </a:r>
+          <a:r>
+            <a:rPr lang="en-US" dirty="0" smtClean="0"/>
+            <a:t> for asynchronous signaling (polling, long-polling, </a:t>
+          </a:r>
+          <a:r>
+            <a:rPr lang="en-US" dirty="0" err="1" smtClean="0"/>
+            <a:t>WebSockets</a:t>
+          </a:r>
+          <a:r>
+            <a:rPr lang="en-US" dirty="0" smtClean="0"/>
+            <a:t>)</a:t>
+          </a:r>
+          <a:endParaRPr lang="en-US" dirty="0"/>
+        </a:p>
+      </dgm:t>
+    </dgm:pt>
+    <dgm:pt modelId="{2476335E-5328-4399-BFC2-3F573FB30030}" type="parTrans" cxnId="{31C384CB-4D22-40FB-95CD-0FBEDB2DC7B3}">
+      <dgm:prSet/>
+      <dgm:spPr/>
+      <dgm:t>
+        <a:bodyPr/>
+        <a:lstStyle/>
+        <a:p>
+          <a:endParaRPr lang="en-US"/>
+        </a:p>
+      </dgm:t>
+    </dgm:pt>
+    <dgm:pt modelId="{761864A2-741A-4617-8D0D-C2E03C21BDC4}" type="sibTrans" cxnId="{31C384CB-4D22-40FB-95CD-0FBEDB2DC7B3}">
+      <dgm:prSet/>
+      <dgm:spPr/>
+      <dgm:t>
+        <a:bodyPr/>
+        <a:lstStyle/>
+        <a:p>
+          <a:endParaRPr lang="en-US"/>
+        </a:p>
+      </dgm:t>
+    </dgm:pt>
+    <dgm:pt modelId="{80066836-629D-4447-BC9B-6290547F04C6}" type="pres">
+      <dgm:prSet presAssocID="{36C18888-E6B3-4A3F-945F-46D62E3C85D0}" presName="Name0" presStyleCnt="0">
+        <dgm:presLayoutVars>
+          <dgm:dir/>
+          <dgm:animLvl val="lvl"/>
+          <dgm:resizeHandles val="exact"/>
+        </dgm:presLayoutVars>
+      </dgm:prSet>
+      <dgm:spPr/>
+    </dgm:pt>
+    <dgm:pt modelId="{B0D32504-27CC-4C91-A891-ED0AF413ADD0}" type="pres">
+      <dgm:prSet presAssocID="{B0C4A85A-E702-4E8E-9447-5AC9E2688E93}" presName="composite" presStyleCnt="0"/>
+      <dgm:spPr/>
+    </dgm:pt>
+    <dgm:pt modelId="{F8789EDF-5455-4FD3-B800-A9981BAD921C}" type="pres">
+      <dgm:prSet presAssocID="{B0C4A85A-E702-4E8E-9447-5AC9E2688E93}" presName="parTx" presStyleLbl="alignNode1" presStyleIdx="0" presStyleCnt="2">
+        <dgm:presLayoutVars>
+          <dgm:chMax val="0"/>
+          <dgm:chPref val="0"/>
+          <dgm:bulletEnabled val="1"/>
+        </dgm:presLayoutVars>
+      </dgm:prSet>
+      <dgm:spPr/>
+    </dgm:pt>
+    <dgm:pt modelId="{565730E6-76D9-4992-B2E0-04BDA4E0175C}" type="pres">
+      <dgm:prSet presAssocID="{B0C4A85A-E702-4E8E-9447-5AC9E2688E93}" presName="desTx" presStyleLbl="alignAccFollowNode1" presStyleIdx="0" presStyleCnt="2">
+        <dgm:presLayoutVars>
+          <dgm:bulletEnabled val="1"/>
+        </dgm:presLayoutVars>
+      </dgm:prSet>
+      <dgm:spPr/>
+      <dgm:t>
+        <a:bodyPr/>
+        <a:lstStyle/>
+        <a:p>
+          <a:endParaRPr lang="en-US"/>
+        </a:p>
+      </dgm:t>
+    </dgm:pt>
+    <dgm:pt modelId="{3A022004-51CA-4F97-A237-7ED1CCCE0B0D}" type="pres">
+      <dgm:prSet presAssocID="{79323907-8858-4F49-B7B4-5B051247075B}" presName="space" presStyleCnt="0"/>
+      <dgm:spPr/>
+    </dgm:pt>
+    <dgm:pt modelId="{B05C9545-89C1-4942-815E-A597570E7F7E}" type="pres">
+      <dgm:prSet presAssocID="{91749CC0-3C52-4EF3-A6F1-13A55A766978}" presName="composite" presStyleCnt="0"/>
+      <dgm:spPr/>
+    </dgm:pt>
+    <dgm:pt modelId="{ADB5FD3D-3BF3-46B4-95A4-25246B247C52}" type="pres">
+      <dgm:prSet presAssocID="{91749CC0-3C52-4EF3-A6F1-13A55A766978}" presName="parTx" presStyleLbl="alignNode1" presStyleIdx="1" presStyleCnt="2">
+        <dgm:presLayoutVars>
+          <dgm:chMax val="0"/>
+          <dgm:chPref val="0"/>
+          <dgm:bulletEnabled val="1"/>
+        </dgm:presLayoutVars>
+      </dgm:prSet>
+      <dgm:spPr/>
+    </dgm:pt>
+    <dgm:pt modelId="{3BBE0E96-597D-436E-85B6-BD788570DDC6}" type="pres">
+      <dgm:prSet presAssocID="{91749CC0-3C52-4EF3-A6F1-13A55A766978}" presName="desTx" presStyleLbl="alignAccFollowNode1" presStyleIdx="1" presStyleCnt="2">
+        <dgm:presLayoutVars>
+          <dgm:bulletEnabled val="1"/>
+        </dgm:presLayoutVars>
+      </dgm:prSet>
+      <dgm:spPr/>
+      <dgm:t>
+        <a:bodyPr/>
+        <a:lstStyle/>
+        <a:p>
+          <a:endParaRPr lang="en-US"/>
+        </a:p>
+      </dgm:t>
+    </dgm:pt>
+  </dgm:ptLst>
+  <dgm:cxnLst>
+    <dgm:cxn modelId="{68ADDBBF-7A5A-4E09-9BA2-FBE6C1AEB3E6}" type="presOf" srcId="{947EF703-BCB5-429B-A365-C1D3BBCB8891}" destId="{565730E6-76D9-4992-B2E0-04BDA4E0175C}" srcOrd="0" destOrd="0" presId="urn:microsoft.com/office/officeart/2005/8/layout/hList1"/>
+    <dgm:cxn modelId="{D938E3A1-AF94-4F4D-A225-AA10754688CD}" srcId="{91749CC0-3C52-4EF3-A6F1-13A55A766978}" destId="{A616F9A7-C32B-4CA8-94D0-1A02A9016BF7}" srcOrd="4" destOrd="0" parTransId="{1E731B29-67A7-4822-9229-E629DA6B0464}" sibTransId="{CE130D26-6856-4039-A6EE-90C66916BE64}"/>
+    <dgm:cxn modelId="{B2F69432-3B38-493D-B006-3602118DEE34}" type="presOf" srcId="{418E581D-4D33-4D1C-8617-3D39338A2D02}" destId="{565730E6-76D9-4992-B2E0-04BDA4E0175C}" srcOrd="0" destOrd="1" presId="urn:microsoft.com/office/officeart/2005/8/layout/hList1"/>
+    <dgm:cxn modelId="{3384E757-526E-4722-ACEB-C0CD7B62047F}" type="presOf" srcId="{22428B5E-4E48-4035-AFCD-518E49C6A393}" destId="{565730E6-76D9-4992-B2E0-04BDA4E0175C}" srcOrd="0" destOrd="3" presId="urn:microsoft.com/office/officeart/2005/8/layout/hList1"/>
+    <dgm:cxn modelId="{8DF389B0-9B4D-4F04-A60F-1EAC6B87CA52}" type="presOf" srcId="{B0C4A85A-E702-4E8E-9447-5AC9E2688E93}" destId="{F8789EDF-5455-4FD3-B800-A9981BAD921C}" srcOrd="0" destOrd="0" presId="urn:microsoft.com/office/officeart/2005/8/layout/hList1"/>
+    <dgm:cxn modelId="{A76B01B7-BEE6-4854-9597-57F3DEC1D4EC}" type="presOf" srcId="{1E308909-3458-4AFB-A2C7-D83858B4DFB6}" destId="{3BBE0E96-597D-436E-85B6-BD788570DDC6}" srcOrd="0" destOrd="1" presId="urn:microsoft.com/office/officeart/2005/8/layout/hList1"/>
+    <dgm:cxn modelId="{6EA8E397-A0E3-402E-8A23-D5B3713D4E45}" type="presOf" srcId="{F016B6E0-7631-403F-994D-767520C00FF6}" destId="{3BBE0E96-597D-436E-85B6-BD788570DDC6}" srcOrd="0" destOrd="2" presId="urn:microsoft.com/office/officeart/2005/8/layout/hList1"/>
+    <dgm:cxn modelId="{60B2724E-E73A-48A4-9B8E-3AD1E95D5271}" srcId="{91749CC0-3C52-4EF3-A6F1-13A55A766978}" destId="{1E308909-3458-4AFB-A2C7-D83858B4DFB6}" srcOrd="1" destOrd="0" parTransId="{6D85FC7D-F921-4876-ABB8-4EB0143E9F21}" sibTransId="{D2983B7B-5AF6-4B1E-B755-BF661F0FFF35}"/>
+    <dgm:cxn modelId="{55AA4AA1-89CC-4429-9A95-C2083C7B3E75}" type="presOf" srcId="{36C18888-E6B3-4A3F-945F-46D62E3C85D0}" destId="{80066836-629D-4447-BC9B-6290547F04C6}" srcOrd="0" destOrd="0" presId="urn:microsoft.com/office/officeart/2005/8/layout/hList1"/>
+    <dgm:cxn modelId="{19BD8CFF-0C15-4117-AB29-32A4DC51C381}" type="presOf" srcId="{91749CC0-3C52-4EF3-A6F1-13A55A766978}" destId="{ADB5FD3D-3BF3-46B4-95A4-25246B247C52}" srcOrd="0" destOrd="0" presId="urn:microsoft.com/office/officeart/2005/8/layout/hList1"/>
+    <dgm:cxn modelId="{FC6E8F75-8D41-4652-802A-E6EA649A0538}" srcId="{B0C4A85A-E702-4E8E-9447-5AC9E2688E93}" destId="{418E581D-4D33-4D1C-8617-3D39338A2D02}" srcOrd="1" destOrd="0" parTransId="{00FF94DD-E3B6-4DE2-B951-EC68F2BBDDBF}" sibTransId="{75882FDE-E0A6-40D5-8D7D-8A9958B97388}"/>
+    <dgm:cxn modelId="{FD9CAA52-82D7-493B-9D9C-0E901BFC91FD}" srcId="{36C18888-E6B3-4A3F-945F-46D62E3C85D0}" destId="{B0C4A85A-E702-4E8E-9447-5AC9E2688E93}" srcOrd="0" destOrd="0" parTransId="{4D41E08F-0657-44AC-983B-81671FD0F257}" sibTransId="{79323907-8858-4F49-B7B4-5B051247075B}"/>
+    <dgm:cxn modelId="{E601830B-BE7C-4A73-8D85-3BC1FBA527BB}" type="presOf" srcId="{0E2295DA-C222-4357-9DE0-3A4D5D69BB46}" destId="{565730E6-76D9-4992-B2E0-04BDA4E0175C}" srcOrd="0" destOrd="2" presId="urn:microsoft.com/office/officeart/2005/8/layout/hList1"/>
+    <dgm:cxn modelId="{2D570682-884D-4786-8F25-F4816D345CD9}" type="presOf" srcId="{E1662A7E-04FF-42B4-A97C-CC5B741006FA}" destId="{565730E6-76D9-4992-B2E0-04BDA4E0175C}" srcOrd="0" destOrd="5" presId="urn:microsoft.com/office/officeart/2005/8/layout/hList1"/>
+    <dgm:cxn modelId="{AE08A043-CDE3-4289-9718-1F724EB0CD12}" srcId="{36C18888-E6B3-4A3F-945F-46D62E3C85D0}" destId="{91749CC0-3C52-4EF3-A6F1-13A55A766978}" srcOrd="1" destOrd="0" parTransId="{036D4F46-38B1-496E-9951-D70F7AA21544}" sibTransId="{FB9BA4AF-673A-4517-9444-4BCF97DB0F3F}"/>
+    <dgm:cxn modelId="{0C52D2A6-4236-4F76-8196-2B9DAA5A46A4}" srcId="{B0C4A85A-E702-4E8E-9447-5AC9E2688E93}" destId="{0E2295DA-C222-4357-9DE0-3A4D5D69BB46}" srcOrd="2" destOrd="0" parTransId="{129FAEC2-A513-4C65-92EB-5461CB2BD132}" sibTransId="{BD5E5961-1A95-44A0-AA01-5AB0EF2B9CFA}"/>
+    <dgm:cxn modelId="{DECCA291-2F79-4239-A721-F8171422C5EC}" srcId="{B0C4A85A-E702-4E8E-9447-5AC9E2688E93}" destId="{22428B5E-4E48-4035-AFCD-518E49C6A393}" srcOrd="3" destOrd="0" parTransId="{543E335F-4F36-4A80-A3E8-009DC0C04C78}" sibTransId="{363C7E6F-AD7A-466A-8DFF-172FD6232AF6}"/>
+    <dgm:cxn modelId="{2E8E931E-52E1-426B-814F-E11C06E6F8F8}" type="presOf" srcId="{9F17B568-3C34-45ED-A463-5B7BAA9AC5B2}" destId="{3BBE0E96-597D-436E-85B6-BD788570DDC6}" srcOrd="0" destOrd="0" presId="urn:microsoft.com/office/officeart/2005/8/layout/hList1"/>
+    <dgm:cxn modelId="{9BDB124F-8D93-4EF6-87C1-8B865D70A1E4}" srcId="{91749CC0-3C52-4EF3-A6F1-13A55A766978}" destId="{9F17B568-3C34-45ED-A463-5B7BAA9AC5B2}" srcOrd="0" destOrd="0" parTransId="{CD39A284-CFAC-4D13-97E6-D48FD951B35E}" sibTransId="{ED5F0BE5-F7B4-4A15-B1DB-FC304E290A33}"/>
+    <dgm:cxn modelId="{F0EE5D3C-1944-4902-A3C5-6F446CC7F42B}" type="presOf" srcId="{A616F9A7-C32B-4CA8-94D0-1A02A9016BF7}" destId="{3BBE0E96-597D-436E-85B6-BD788570DDC6}" srcOrd="0" destOrd="4" presId="urn:microsoft.com/office/officeart/2005/8/layout/hList1"/>
+    <dgm:cxn modelId="{070049E4-5AA4-4356-BA72-10B45AE19F80}" type="presOf" srcId="{5BA3DD9C-73CD-49C5-81DE-88DE0C5B24C3}" destId="{3BBE0E96-597D-436E-85B6-BD788570DDC6}" srcOrd="0" destOrd="3" presId="urn:microsoft.com/office/officeart/2005/8/layout/hList1"/>
+    <dgm:cxn modelId="{31C384CB-4D22-40FB-95CD-0FBEDB2DC7B3}" srcId="{91749CC0-3C52-4EF3-A6F1-13A55A766978}" destId="{591EE327-CDCB-49F3-8AE5-1109FD1BB2DB}" srcOrd="5" destOrd="0" parTransId="{2476335E-5328-4399-BFC2-3F573FB30030}" sibTransId="{761864A2-741A-4617-8D0D-C2E03C21BDC4}"/>
+    <dgm:cxn modelId="{C358707F-B9E4-4E80-9324-C74C16E0C214}" srcId="{B0C4A85A-E702-4E8E-9447-5AC9E2688E93}" destId="{E1662A7E-04FF-42B4-A97C-CC5B741006FA}" srcOrd="5" destOrd="0" parTransId="{41D0A000-A944-47DA-9E8D-A7693EAC4EA5}" sibTransId="{8278A8A6-59EF-4F4C-A1B6-1120D1EC2E42}"/>
+    <dgm:cxn modelId="{B36161C3-CF05-4BCD-A247-2013BB00277B}" type="presOf" srcId="{D6EDBDD1-686E-41B7-B79B-13D35C4D7776}" destId="{565730E6-76D9-4992-B2E0-04BDA4E0175C}" srcOrd="0" destOrd="4" presId="urn:microsoft.com/office/officeart/2005/8/layout/hList1"/>
+    <dgm:cxn modelId="{6B316C88-C408-416A-AE72-E507100647FC}" type="presOf" srcId="{591EE327-CDCB-49F3-8AE5-1109FD1BB2DB}" destId="{3BBE0E96-597D-436E-85B6-BD788570DDC6}" srcOrd="0" destOrd="5" presId="urn:microsoft.com/office/officeart/2005/8/layout/hList1"/>
+    <dgm:cxn modelId="{D8BED489-B8D9-4BEA-8B55-42A8BF514432}" srcId="{B0C4A85A-E702-4E8E-9447-5AC9E2688E93}" destId="{D6EDBDD1-686E-41B7-B79B-13D35C4D7776}" srcOrd="4" destOrd="0" parTransId="{8630CBB8-F8A3-4EF1-A9E1-C96798F4CFE8}" sibTransId="{13E80E52-65D4-473D-8D6D-7D1E42A6A95D}"/>
+    <dgm:cxn modelId="{A80F809C-57D2-4EB9-A448-2893662E89BF}" srcId="{91749CC0-3C52-4EF3-A6F1-13A55A766978}" destId="{5BA3DD9C-73CD-49C5-81DE-88DE0C5B24C3}" srcOrd="3" destOrd="0" parTransId="{6C7F887F-D91A-43D2-90FE-8C8F0805935D}" sibTransId="{9292A80B-E2C2-4850-9473-855E6F8DDF6C}"/>
+    <dgm:cxn modelId="{77C542A1-BA68-4EFB-BAC4-9D70FF84BCAB}" srcId="{B0C4A85A-E702-4E8E-9447-5AC9E2688E93}" destId="{947EF703-BCB5-429B-A365-C1D3BBCB8891}" srcOrd="0" destOrd="0" parTransId="{CE1224C9-71D3-42B3-8BB9-3DA65496B81D}" sibTransId="{C473EAB2-66C4-4030-9FD7-E8B3D2D3E022}"/>
+    <dgm:cxn modelId="{4281BBA6-6DBC-4705-BC3A-99E1228A114B}" srcId="{91749CC0-3C52-4EF3-A6F1-13A55A766978}" destId="{F016B6E0-7631-403F-994D-767520C00FF6}" srcOrd="2" destOrd="0" parTransId="{2D12CAE3-AFA4-4BCF-9C46-30A5159A50F3}" sibTransId="{6026073D-37B9-4916-922A-142DD2670D9B}"/>
+    <dgm:cxn modelId="{CFD9954C-AF50-4EBE-8D05-04AF04E1AC0D}" type="presParOf" srcId="{80066836-629D-4447-BC9B-6290547F04C6}" destId="{B0D32504-27CC-4C91-A891-ED0AF413ADD0}" srcOrd="0" destOrd="0" presId="urn:microsoft.com/office/officeart/2005/8/layout/hList1"/>
+    <dgm:cxn modelId="{BFF6F24D-32BF-4AE2-A8FD-D64C5E1B765F}" type="presParOf" srcId="{B0D32504-27CC-4C91-A891-ED0AF413ADD0}" destId="{F8789EDF-5455-4FD3-B800-A9981BAD921C}" srcOrd="0" destOrd="0" presId="urn:microsoft.com/office/officeart/2005/8/layout/hList1"/>
+    <dgm:cxn modelId="{4ECA59E8-504C-4322-AA5B-BA073346E296}" type="presParOf" srcId="{B0D32504-27CC-4C91-A891-ED0AF413ADD0}" destId="{565730E6-76D9-4992-B2E0-04BDA4E0175C}" srcOrd="1" destOrd="0" presId="urn:microsoft.com/office/officeart/2005/8/layout/hList1"/>
+    <dgm:cxn modelId="{37658DB1-9594-4A7D-AEA8-2D0689882924}" type="presParOf" srcId="{80066836-629D-4447-BC9B-6290547F04C6}" destId="{3A022004-51CA-4F97-A237-7ED1CCCE0B0D}" srcOrd="1" destOrd="0" presId="urn:microsoft.com/office/officeart/2005/8/layout/hList1"/>
+    <dgm:cxn modelId="{38C6280B-A684-4E46-9A63-CB1B97862C1B}" type="presParOf" srcId="{80066836-629D-4447-BC9B-6290547F04C6}" destId="{B05C9545-89C1-4942-815E-A597570E7F7E}" srcOrd="2" destOrd="0" presId="urn:microsoft.com/office/officeart/2005/8/layout/hList1"/>
+    <dgm:cxn modelId="{9796494A-E14B-48BE-9510-067165193105}" type="presParOf" srcId="{B05C9545-89C1-4942-815E-A597570E7F7E}" destId="{ADB5FD3D-3BF3-46B4-95A4-25246B247C52}" srcOrd="0" destOrd="0" presId="urn:microsoft.com/office/officeart/2005/8/layout/hList1"/>
+    <dgm:cxn modelId="{33C842E7-6912-46B0-B2F1-5E2721A90218}" type="presParOf" srcId="{B05C9545-89C1-4942-815E-A597570E7F7E}" destId="{3BBE0E96-597D-436E-85B6-BD788570DDC6}" srcOrd="1" destOrd="0" presId="urn:microsoft.com/office/officeart/2005/8/layout/hList1"/>
+  </dgm:cxnLst>
+  <dgm:bg/>
+  <dgm:whole/>
+  <dgm:extLst>
+    <a:ext uri="http://schemas.microsoft.com/office/drawing/2008/diagram">
+      <dsp:dataModelExt xmlns:dsp="http://schemas.microsoft.com/office/drawing/2008/diagram" relId="rId6" minVer="http://schemas.openxmlformats.org/drawingml/2006/diagram"/>
+    </a:ext>
+  </dgm:extLst>
+</dgm:dataModel>
+</file>
+
+<file path=ppt/diagrams/drawing1.xml><?xml version="1.0" encoding="utf-8"?>
+<dsp:drawing xmlns:dgm="http://schemas.openxmlformats.org/drawingml/2006/diagram" xmlns:dsp="http://schemas.microsoft.com/office/drawing/2008/diagram" xmlns:a="http://schemas.openxmlformats.org/drawingml/2006/main">
+  <dsp:spTree>
+    <dsp:nvGrpSpPr>
+      <dsp:cNvPr id="0" name=""/>
+      <dsp:cNvGrpSpPr/>
+    </dsp:nvGrpSpPr>
+    <dsp:grpSpPr/>
+    <dsp:sp modelId="{F8789EDF-5455-4FD3-B800-A9981BAD921C}">
+      <dsp:nvSpPr>
+        <dsp:cNvPr id="0" name=""/>
+        <dsp:cNvSpPr/>
+      </dsp:nvSpPr>
+      <dsp:spPr>
+        <a:xfrm>
+          <a:off x="39" y="170233"/>
+          <a:ext cx="3797104" cy="576000"/>
+        </a:xfrm>
+        <a:prstGeom prst="rect">
+          <a:avLst/>
+        </a:prstGeom>
+        <a:solidFill>
+          <a:schemeClr val="accent1">
+            <a:hueOff val="0"/>
+            <a:satOff val="0"/>
+            <a:lumOff val="0"/>
+            <a:alphaOff val="0"/>
+          </a:schemeClr>
+        </a:solidFill>
+        <a:ln w="25400" cap="flat" cmpd="sng" algn="ctr">
+          <a:solidFill>
+            <a:schemeClr val="accent1">
+              <a:hueOff val="0"/>
+              <a:satOff val="0"/>
+              <a:lumOff val="0"/>
+              <a:alphaOff val="0"/>
+            </a:schemeClr>
+          </a:solidFill>
+          <a:prstDash val="solid"/>
+        </a:ln>
+        <a:effectLst/>
+      </dsp:spPr>
+      <dsp:style>
+        <a:lnRef idx="2">
+          <a:scrgbClr r="0" g="0" b="0"/>
+        </a:lnRef>
+        <a:fillRef idx="1">
+          <a:scrgbClr r="0" g="0" b="0"/>
+        </a:fillRef>
+        <a:effectRef idx="0">
+          <a:scrgbClr r="0" g="0" b="0"/>
+        </a:effectRef>
+        <a:fontRef idx="minor">
+          <a:schemeClr val="lt1"/>
+        </a:fontRef>
+      </dsp:style>
+      <dsp:txBody>
+        <a:bodyPr spcFirstLastPara="0" vert="horz" wrap="square" lIns="142240" tIns="81280" rIns="142240" bIns="81280" numCol="1" spcCol="1270" anchor="ctr" anchorCtr="0">
+          <a:noAutofit/>
+        </a:bodyPr>
+        <a:lstStyle/>
+        <a:p>
+          <a:pPr lvl="0" algn="ctr" defTabSz="889000">
+            <a:lnSpc>
+              <a:spcPct val="90000"/>
+            </a:lnSpc>
+            <a:spcBef>
+              <a:spcPct val="0"/>
+            </a:spcBef>
+            <a:spcAft>
+              <a:spcPct val="35000"/>
+            </a:spcAft>
+          </a:pPr>
+          <a:r>
+            <a:rPr lang="en-US" sz="2000" kern="1200" dirty="0" smtClean="0"/>
+            <a:t>WCF</a:t>
+          </a:r>
+          <a:endParaRPr lang="en-US" sz="2000" kern="1200" dirty="0"/>
+        </a:p>
+      </dsp:txBody>
+      <dsp:txXfrm>
+        <a:off x="39" y="170233"/>
+        <a:ext cx="3797104" cy="576000"/>
+      </dsp:txXfrm>
+    </dsp:sp>
+    <dsp:sp modelId="{565730E6-76D9-4992-B2E0-04BDA4E0175C}">
+      <dsp:nvSpPr>
+        <dsp:cNvPr id="0" name=""/>
+        <dsp:cNvSpPr/>
+      </dsp:nvSpPr>
+      <dsp:spPr>
+        <a:xfrm>
+          <a:off x="39" y="746233"/>
+          <a:ext cx="3797104" cy="3952799"/>
+        </a:xfrm>
+        <a:prstGeom prst="rect">
+          <a:avLst/>
+        </a:prstGeom>
+        <a:solidFill>
+          <a:schemeClr val="accent1">
+            <a:alpha val="90000"/>
+            <a:tint val="40000"/>
+            <a:hueOff val="0"/>
+            <a:satOff val="0"/>
+            <a:lumOff val="0"/>
+            <a:alphaOff val="0"/>
+          </a:schemeClr>
+        </a:solidFill>
+        <a:ln w="25400" cap="flat" cmpd="sng" algn="ctr">
+          <a:solidFill>
+            <a:schemeClr val="accent1">
+              <a:alpha val="90000"/>
+              <a:tint val="40000"/>
+              <a:hueOff val="0"/>
+              <a:satOff val="0"/>
+              <a:lumOff val="0"/>
+              <a:alphaOff val="0"/>
+            </a:schemeClr>
+          </a:solidFill>
+          <a:prstDash val="solid"/>
+        </a:ln>
+        <a:effectLst/>
+      </dsp:spPr>
+      <dsp:style>
+        <a:lnRef idx="2">
+          <a:scrgbClr r="0" g="0" b="0"/>
+        </a:lnRef>
+        <a:fillRef idx="1">
+          <a:scrgbClr r="0" g="0" b="0"/>
+        </a:fillRef>
+        <a:effectRef idx="0">
+          <a:scrgbClr r="0" g="0" b="0"/>
+        </a:effectRef>
+        <a:fontRef idx="minor"/>
+      </dsp:style>
+      <dsp:txBody>
+        <a:bodyPr spcFirstLastPara="0" vert="horz" wrap="square" lIns="106680" tIns="106680" rIns="142240" bIns="160020" numCol="1" spcCol="1270" anchor="t" anchorCtr="0">
+          <a:noAutofit/>
+        </a:bodyPr>
+        <a:lstStyle/>
+        <a:p>
+          <a:pPr marL="228600" lvl="1" indent="-228600" algn="l" defTabSz="889000">
+            <a:lnSpc>
+              <a:spcPct val="90000"/>
+            </a:lnSpc>
+            <a:spcBef>
+              <a:spcPct val="0"/>
+            </a:spcBef>
+            <a:spcAft>
+              <a:spcPct val="15000"/>
+            </a:spcAft>
+            <a:buChar char="••"/>
+          </a:pPr>
+          <a:r>
+            <a:rPr lang="en-US" sz="2000" kern="1200" dirty="0" smtClean="0"/>
+            <a:t>Back-end Services</a:t>
+          </a:r>
+          <a:endParaRPr lang="en-US" sz="2000" kern="1200" dirty="0"/>
+        </a:p>
+        <a:p>
+          <a:pPr marL="228600" lvl="1" indent="-228600" algn="l" defTabSz="889000">
+            <a:lnSpc>
+              <a:spcPct val="90000"/>
+            </a:lnSpc>
+            <a:spcBef>
+              <a:spcPct val="0"/>
+            </a:spcBef>
+            <a:spcAft>
+              <a:spcPct val="15000"/>
+            </a:spcAft>
+            <a:buChar char="••"/>
+          </a:pPr>
+          <a:r>
+            <a:rPr lang="en-US" sz="2000" kern="1200" dirty="0" smtClean="0"/>
+            <a:t>SOAP, WS-*</a:t>
+          </a:r>
+          <a:endParaRPr lang="en-US" sz="2000" kern="1200" dirty="0"/>
+        </a:p>
+        <a:p>
+          <a:pPr marL="228600" lvl="1" indent="-228600" algn="l" defTabSz="889000">
+            <a:lnSpc>
+              <a:spcPct val="90000"/>
+            </a:lnSpc>
+            <a:spcBef>
+              <a:spcPct val="0"/>
+            </a:spcBef>
+            <a:spcAft>
+              <a:spcPct val="15000"/>
+            </a:spcAft>
+            <a:buChar char="••"/>
+          </a:pPr>
+          <a:r>
+            <a:rPr lang="en-US" sz="2000" kern="1200" dirty="0" smtClean="0"/>
+            <a:t>Transports: HTTP, TCP, UDP, Queues, </a:t>
+          </a:r>
+          <a:r>
+            <a:rPr lang="en-US" sz="2000" kern="1200" dirty="0" err="1" smtClean="0"/>
+            <a:t>WebSockets</a:t>
+          </a:r>
+          <a:r>
+            <a:rPr lang="en-US" sz="2000" kern="1200" dirty="0" smtClean="0"/>
+            <a:t>, custom</a:t>
+          </a:r>
+          <a:endParaRPr lang="en-US" sz="2000" kern="1200" dirty="0"/>
+        </a:p>
+        <a:p>
+          <a:pPr marL="228600" lvl="1" indent="-228600" algn="l" defTabSz="889000">
+            <a:lnSpc>
+              <a:spcPct val="90000"/>
+            </a:lnSpc>
+            <a:spcBef>
+              <a:spcPct val="0"/>
+            </a:spcBef>
+            <a:spcAft>
+              <a:spcPct val="15000"/>
+            </a:spcAft>
+            <a:buChar char="••"/>
+          </a:pPr>
+          <a:r>
+            <a:rPr lang="en-US" sz="2000" kern="1200" dirty="0" smtClean="0"/>
+            <a:t>Message patterns: request-reply, one-way, duplex</a:t>
+          </a:r>
+          <a:endParaRPr lang="en-US" sz="2000" kern="1200" dirty="0"/>
+        </a:p>
+        <a:p>
+          <a:pPr marL="228600" lvl="1" indent="-228600" algn="l" defTabSz="889000">
+            <a:lnSpc>
+              <a:spcPct val="90000"/>
+            </a:lnSpc>
+            <a:spcBef>
+              <a:spcPct val="0"/>
+            </a:spcBef>
+            <a:spcAft>
+              <a:spcPct val="15000"/>
+            </a:spcAft>
+            <a:buChar char="••"/>
+          </a:pPr>
+          <a:r>
+            <a:rPr lang="en-US" sz="2000" kern="1200" dirty="0" smtClean="0"/>
+            <a:t>Use WCF Web HTTP to add HTTP endpoints to existing WCF services</a:t>
+          </a:r>
+          <a:endParaRPr lang="en-US" sz="2000" kern="1200" dirty="0"/>
+        </a:p>
+        <a:p>
+          <a:pPr marL="228600" lvl="1" indent="-228600" algn="l" defTabSz="889000">
+            <a:lnSpc>
+              <a:spcPct val="90000"/>
+            </a:lnSpc>
+            <a:spcBef>
+              <a:spcPct val="0"/>
+            </a:spcBef>
+            <a:spcAft>
+              <a:spcPct val="15000"/>
+            </a:spcAft>
+            <a:buChar char="••"/>
+          </a:pPr>
+          <a:r>
+            <a:rPr lang="en-US" sz="2000" kern="1200" dirty="0" smtClean="0"/>
+            <a:t>Use WCF Data Services for full </a:t>
+          </a:r>
+          <a:r>
+            <a:rPr lang="en-US" sz="2000" kern="1200" dirty="0" err="1" smtClean="0"/>
+            <a:t>OData</a:t>
+          </a:r>
+          <a:r>
+            <a:rPr lang="en-US" sz="2000" kern="1200" dirty="0" smtClean="0"/>
+            <a:t> support</a:t>
+          </a:r>
+          <a:endParaRPr lang="en-US" sz="2000" kern="1200" dirty="0"/>
+        </a:p>
+      </dsp:txBody>
+      <dsp:txXfrm>
+        <a:off x="39" y="746233"/>
+        <a:ext cx="3797104" cy="3952799"/>
+      </dsp:txXfrm>
+    </dsp:sp>
+    <dsp:sp modelId="{ADB5FD3D-3BF3-46B4-95A4-25246B247C52}">
+      <dsp:nvSpPr>
+        <dsp:cNvPr id="0" name=""/>
+        <dsp:cNvSpPr/>
+      </dsp:nvSpPr>
+      <dsp:spPr>
+        <a:xfrm>
+          <a:off x="4328738" y="170233"/>
+          <a:ext cx="3797104" cy="576000"/>
+        </a:xfrm>
+        <a:prstGeom prst="rect">
+          <a:avLst/>
+        </a:prstGeom>
+        <a:solidFill>
+          <a:schemeClr val="accent1">
+            <a:hueOff val="0"/>
+            <a:satOff val="0"/>
+            <a:lumOff val="0"/>
+            <a:alphaOff val="0"/>
+          </a:schemeClr>
+        </a:solidFill>
+        <a:ln w="25400" cap="flat" cmpd="sng" algn="ctr">
+          <a:solidFill>
+            <a:schemeClr val="accent1">
+              <a:hueOff val="0"/>
+              <a:satOff val="0"/>
+              <a:lumOff val="0"/>
+              <a:alphaOff val="0"/>
+            </a:schemeClr>
+          </a:solidFill>
+          <a:prstDash val="solid"/>
+        </a:ln>
+        <a:effectLst/>
+      </dsp:spPr>
+      <dsp:style>
+        <a:lnRef idx="2">
+          <a:scrgbClr r="0" g="0" b="0"/>
+        </a:lnRef>
+        <a:fillRef idx="1">
+          <a:scrgbClr r="0" g="0" b="0"/>
+        </a:fillRef>
+        <a:effectRef idx="0">
+          <a:scrgbClr r="0" g="0" b="0"/>
+        </a:effectRef>
+        <a:fontRef idx="minor">
+          <a:schemeClr val="lt1"/>
+        </a:fontRef>
+      </dsp:style>
+      <dsp:txBody>
+        <a:bodyPr spcFirstLastPara="0" vert="horz" wrap="square" lIns="142240" tIns="81280" rIns="142240" bIns="81280" numCol="1" spcCol="1270" anchor="ctr" anchorCtr="0">
+          <a:noAutofit/>
+        </a:bodyPr>
+        <a:lstStyle/>
+        <a:p>
+          <a:pPr lvl="0" algn="ctr" defTabSz="889000">
+            <a:lnSpc>
+              <a:spcPct val="90000"/>
+            </a:lnSpc>
+            <a:spcBef>
+              <a:spcPct val="0"/>
+            </a:spcBef>
+            <a:spcAft>
+              <a:spcPct val="35000"/>
+            </a:spcAft>
+          </a:pPr>
+          <a:r>
+            <a:rPr lang="en-US" sz="2000" kern="1200" dirty="0" smtClean="0"/>
+            <a:t>ASP.NET Web API</a:t>
+          </a:r>
+          <a:endParaRPr lang="en-US" sz="2000" kern="1200" dirty="0"/>
+        </a:p>
+      </dsp:txBody>
+      <dsp:txXfrm>
+        <a:off x="4328738" y="170233"/>
+        <a:ext cx="3797104" cy="576000"/>
+      </dsp:txXfrm>
+    </dsp:sp>
+    <dsp:sp modelId="{3BBE0E96-597D-436E-85B6-BD788570DDC6}">
+      <dsp:nvSpPr>
+        <dsp:cNvPr id="0" name=""/>
+        <dsp:cNvSpPr/>
+      </dsp:nvSpPr>
+      <dsp:spPr>
+        <a:xfrm>
+          <a:off x="4328738" y="746233"/>
+          <a:ext cx="3797104" cy="3952799"/>
+        </a:xfrm>
+        <a:prstGeom prst="rect">
+          <a:avLst/>
+        </a:prstGeom>
+        <a:solidFill>
+          <a:schemeClr val="accent1">
+            <a:alpha val="90000"/>
+            <a:tint val="40000"/>
+            <a:hueOff val="0"/>
+            <a:satOff val="0"/>
+            <a:lumOff val="0"/>
+            <a:alphaOff val="0"/>
+          </a:schemeClr>
+        </a:solidFill>
+        <a:ln w="25400" cap="flat" cmpd="sng" algn="ctr">
+          <a:solidFill>
+            <a:schemeClr val="accent1">
+              <a:alpha val="90000"/>
+              <a:tint val="40000"/>
+              <a:hueOff val="0"/>
+              <a:satOff val="0"/>
+              <a:lumOff val="0"/>
+              <a:alphaOff val="0"/>
+            </a:schemeClr>
+          </a:solidFill>
+          <a:prstDash val="solid"/>
+        </a:ln>
+        <a:effectLst/>
+      </dsp:spPr>
+      <dsp:style>
+        <a:lnRef idx="2">
+          <a:scrgbClr r="0" g="0" b="0"/>
+        </a:lnRef>
+        <a:fillRef idx="1">
+          <a:scrgbClr r="0" g="0" b="0"/>
+        </a:fillRef>
+        <a:effectRef idx="0">
+          <a:scrgbClr r="0" g="0" b="0"/>
+        </a:effectRef>
+        <a:fontRef idx="minor"/>
+      </dsp:style>
+      <dsp:txBody>
+        <a:bodyPr spcFirstLastPara="0" vert="horz" wrap="square" lIns="106680" tIns="106680" rIns="142240" bIns="160020" numCol="1" spcCol="1270" anchor="t" anchorCtr="0">
+          <a:noAutofit/>
+        </a:bodyPr>
+        <a:lstStyle/>
+        <a:p>
+          <a:pPr marL="228600" lvl="1" indent="-228600" algn="l" defTabSz="889000">
+            <a:lnSpc>
+              <a:spcPct val="90000"/>
+            </a:lnSpc>
+            <a:spcBef>
+              <a:spcPct val="0"/>
+            </a:spcBef>
+            <a:spcAft>
+              <a:spcPct val="15000"/>
+            </a:spcAft>
+            <a:buChar char="••"/>
+          </a:pPr>
+          <a:r>
+            <a:rPr lang="en-US" sz="2000" kern="1200" dirty="0" smtClean="0"/>
+            <a:t>Front-end Services</a:t>
+          </a:r>
+          <a:endParaRPr lang="en-US" sz="2000" kern="1200" dirty="0"/>
+        </a:p>
+        <a:p>
+          <a:pPr marL="228600" lvl="1" indent="-228600" algn="l" defTabSz="889000">
+            <a:lnSpc>
+              <a:spcPct val="90000"/>
+            </a:lnSpc>
+            <a:spcBef>
+              <a:spcPct val="0"/>
+            </a:spcBef>
+            <a:spcAft>
+              <a:spcPct val="15000"/>
+            </a:spcAft>
+            <a:buChar char="••"/>
+          </a:pPr>
+          <a:r>
+            <a:rPr lang="en-US" sz="2000" kern="1200" dirty="0" smtClean="0"/>
+            <a:t>Media Types: JSON, XML, form-URL-encoded, custom</a:t>
+          </a:r>
+          <a:endParaRPr lang="en-US" sz="2000" kern="1200" dirty="0"/>
+        </a:p>
+        <a:p>
+          <a:pPr marL="228600" lvl="1" indent="-228600" algn="l" defTabSz="889000">
+            <a:lnSpc>
+              <a:spcPct val="90000"/>
+            </a:lnSpc>
+            <a:spcBef>
+              <a:spcPct val="0"/>
+            </a:spcBef>
+            <a:spcAft>
+              <a:spcPct val="15000"/>
+            </a:spcAft>
+            <a:buChar char="••"/>
+          </a:pPr>
+          <a:r>
+            <a:rPr lang="en-US" sz="2000" kern="1200" dirty="0" smtClean="0"/>
+            <a:t>HTTP only</a:t>
+          </a:r>
+          <a:endParaRPr lang="en-US" sz="2000" kern="1200" dirty="0"/>
+        </a:p>
+        <a:p>
+          <a:pPr marL="228600" lvl="1" indent="-228600" algn="l" defTabSz="889000">
+            <a:lnSpc>
+              <a:spcPct val="90000"/>
+            </a:lnSpc>
+            <a:spcBef>
+              <a:spcPct val="0"/>
+            </a:spcBef>
+            <a:spcAft>
+              <a:spcPct val="15000"/>
+            </a:spcAft>
+            <a:buChar char="••"/>
+          </a:pPr>
+          <a:r>
+            <a:rPr lang="en-US" sz="2000" kern="1200" dirty="0" smtClean="0"/>
+            <a:t>Request-reply only</a:t>
+          </a:r>
+          <a:endParaRPr lang="en-US" sz="2000" kern="1200" dirty="0"/>
+        </a:p>
+        <a:p>
+          <a:pPr marL="228600" lvl="1" indent="-228600" algn="l" defTabSz="889000">
+            <a:lnSpc>
+              <a:spcPct val="90000"/>
+            </a:lnSpc>
+            <a:spcBef>
+              <a:spcPct val="0"/>
+            </a:spcBef>
+            <a:spcAft>
+              <a:spcPct val="15000"/>
+            </a:spcAft>
+            <a:buChar char="••"/>
+          </a:pPr>
+          <a:r>
+            <a:rPr lang="en-US" sz="2000" kern="1200" dirty="0" smtClean="0"/>
+            <a:t>REST, resource-centric</a:t>
+          </a:r>
+          <a:endParaRPr lang="en-US" sz="2000" kern="1200" dirty="0"/>
+        </a:p>
+        <a:p>
+          <a:pPr marL="228600" lvl="1" indent="-228600" algn="l" defTabSz="889000">
+            <a:lnSpc>
+              <a:spcPct val="90000"/>
+            </a:lnSpc>
+            <a:spcBef>
+              <a:spcPct val="0"/>
+            </a:spcBef>
+            <a:spcAft>
+              <a:spcPct val="15000"/>
+            </a:spcAft>
+            <a:buChar char="••"/>
+          </a:pPr>
+          <a:r>
+            <a:rPr lang="en-US" sz="2000" kern="1200" dirty="0" smtClean="0"/>
+            <a:t>Use </a:t>
+          </a:r>
+          <a:r>
+            <a:rPr lang="en-US" sz="2000" kern="1200" dirty="0" err="1" smtClean="0"/>
+            <a:t>SignalR</a:t>
+          </a:r>
+          <a:r>
+            <a:rPr lang="en-US" sz="2000" kern="1200" dirty="0" smtClean="0"/>
+            <a:t> for asynchronous signaling (polling, long-polling, </a:t>
+          </a:r>
+          <a:r>
+            <a:rPr lang="en-US" sz="2000" kern="1200" dirty="0" err="1" smtClean="0"/>
+            <a:t>WebSockets</a:t>
+          </a:r>
+          <a:r>
+            <a:rPr lang="en-US" sz="2000" kern="1200" dirty="0" smtClean="0"/>
+            <a:t>)</a:t>
+          </a:r>
+          <a:endParaRPr lang="en-US" sz="2000" kern="1200" dirty="0"/>
+        </a:p>
+      </dsp:txBody>
+      <dsp:txXfrm>
+        <a:off x="4328738" y="746233"/>
+        <a:ext cx="3797104" cy="3952799"/>
+      </dsp:txXfrm>
+    </dsp:sp>
+  </dsp:spTree>
+</dsp:drawing>
+</file>
+
+<file path=ppt/diagrams/layout1.xml><?xml version="1.0" encoding="utf-8"?>
+<dgm:layoutDef xmlns:dgm="http://schemas.openxmlformats.org/drawingml/2006/diagram" xmlns:a="http://schemas.openxmlformats.org/drawingml/2006/main" uniqueId="urn:microsoft.com/office/officeart/2005/8/layout/hList1">
+  <dgm:title val=""/>
+  <dgm:desc val=""/>
+  <dgm:catLst>
+    <dgm:cat type="list" pri="5000"/>
+    <dgm:cat type="convert" pri="5000"/>
+  </dgm:catLst>
+  <dgm:sampData>
+    <dgm:dataModel>
+      <dgm:ptLst>
+        <dgm:pt modelId="0" type="doc"/>
+        <dgm:pt modelId="1">
+          <dgm:prSet phldr="1"/>
+        </dgm:pt>
+        <dgm:pt modelId="11">
+          <dgm:prSet phldr="1"/>
+        </dgm:pt>
+        <dgm:pt modelId="12">
+          <dgm:prSet phldr="1"/>
+        </dgm:pt>
+        <dgm:pt modelId="2">
+          <dgm:prSet phldr="1"/>
+        </dgm:pt>
+        <dgm:pt modelId="21">
+          <dgm:prSet phldr="1"/>
+        </dgm:pt>
+        <dgm:pt modelId="22">
+          <dgm:prSet phldr="1"/>
+        </dgm:pt>
+        <dgm:pt modelId="3">
+          <dgm:prSet phldr="1"/>
+        </dgm:pt>
+        <dgm:pt modelId="31">
+          <dgm:prSet phldr="1"/>
+        </dgm:pt>
+        <dgm:pt modelId="32">
+          <dgm:prSet phldr="1"/>
+        </dgm:pt>
+      </dgm:ptLst>
+      <dgm:cxnLst>
+        <dgm:cxn modelId="4" srcId="0" destId="1" srcOrd="0" destOrd="0"/>
+        <dgm:cxn modelId="5" srcId="0" destId="2" srcOrd="1" destOrd="0"/>
+        <dgm:cxn modelId="6" srcId="0" destId="3" srcOrd="2" destOrd="0"/>
+        <dgm:cxn modelId="13" srcId="1" destId="11" srcOrd="0" destOrd="0"/>
+        <dgm:cxn modelId="14" srcId="1" destId="12" srcOrd="1" destOrd="0"/>
+        <dgm:cxn modelId="23" srcId="2" destId="21" srcOrd="0" destOrd="0"/>
+        <dgm:cxn modelId="24" srcId="2" destId="22" srcOrd="1" destOrd="0"/>
+        <dgm:cxn modelId="33" srcId="3" destId="31" srcOrd="0" destOrd="0"/>
+        <dgm:cxn modelId="34" srcId="3" destId="32" srcOrd="1" destOrd="0"/>
+      </dgm:cxnLst>
+      <dgm:bg/>
+      <dgm:whole/>
+    </dgm:dataModel>
+  </dgm:sampData>
+  <dgm:styleData>
+    <dgm:dataModel>
+      <dgm:ptLst>
+        <dgm:pt modelId="0" type="doc"/>
+        <dgm:pt modelId="1">
+          <dgm:prSet phldr="1"/>
+        </dgm:pt>
+        <dgm:pt modelId="2">
+          <dgm:prSet phldr="1"/>
+        </dgm:pt>
+      </dgm:ptLst>
+      <dgm:cxnLst>
+        <dgm:cxn modelId="3" srcId="0" destId="1" srcOrd="0" destOrd="0"/>
+        <dgm:cxn modelId="4" srcId="0" destId="2" srcOrd="1" destOrd="0"/>
+      </dgm:cxnLst>
+      <dgm:bg/>
+      <dgm:whole/>
+    </dgm:dataModel>
+  </dgm:styleData>
+  <dgm:clrData>
+    <dgm:dataModel>
+      <dgm:ptLst>
+        <dgm:pt modelId="0" type="doc"/>
+        <dgm:pt modelId="1">
+          <dgm:prSet phldr="1"/>
+        </dgm:pt>
+        <dgm:pt modelId="2">
+          <dgm:prSet phldr="1"/>
+        </dgm:pt>
+        <dgm:pt modelId="3">
+          <dgm:prSet phldr="1"/>
+        </dgm:pt>
+        <dgm:pt modelId="4">
+          <dgm:prSet phldr="1"/>
+        </dgm:pt>
+      </dgm:ptLst>
+      <dgm:cxnLst>
+        <dgm:cxn modelId="5" srcId="0" destId="1" srcOrd="0" destOrd="0"/>
+        <dgm:cxn modelId="6" srcId="0" destId="2" srcOrd="1" destOrd="0"/>
+        <dgm:cxn modelId="7" srcId="0" destId="3" srcOrd="2" destOrd="0"/>
+        <dgm:cxn modelId="8" srcId="0" destId="4" srcOrd="3" destOrd="0"/>
+      </dgm:cxnLst>
+      <dgm:bg/>
+      <dgm:whole/>
+    </dgm:dataModel>
+  </dgm:clrData>
+  <dgm:layoutNode name="Name0">
+    <dgm:varLst>
+      <dgm:dir/>
+      <dgm:animLvl val="lvl"/>
+      <dgm:resizeHandles val="exact"/>
+    </dgm:varLst>
+    <dgm:choose name="Name1">
+      <dgm:if name="Name2" func="var" arg="dir" op="equ" val="norm">
+        <dgm:alg type="lin"/>
+      </dgm:if>
+      <dgm:else name="Name3">
+        <dgm:alg type="lin">
+          <dgm:param type="linDir" val="fromR"/>
+        </dgm:alg>
+      </dgm:else>
+    </dgm:choose>
+    <dgm:shape xmlns:r="http://schemas.openxmlformats.org/officeDocument/2006/relationships" r:blip="">
+      <dgm:adjLst/>
+    </dgm:shape>
+    <dgm:presOf/>
+    <dgm:constrLst>
+      <dgm:constr type="h" for="ch" forName="composite" refType="h"/>
+      <dgm:constr type="w" for="ch" forName="composite" refType="w"/>
+      <dgm:constr type="w" for="des" forName="parTx"/>
+      <dgm:constr type="h" for="des" forName="parTx" op="equ"/>
+      <dgm:constr type="w" for="des" forName="desTx"/>
+      <dgm:constr type="h" for="des" forName="desTx" op="equ"/>
+      <dgm:constr type="primFontSz" for="des" forName="parTx" val="65"/>
+      <dgm:constr type="secFontSz" for="des" forName="desTx" refType="primFontSz" refFor="des" refForName="parTx" op="equ"/>
+      <dgm:constr type="h" for="des" forName="parTx" refType="primFontSz" refFor="des" refForName="parTx" fact="0.8"/>
+      <dgm:constr type="h" for="des" forName="desTx" refType="primFontSz" refFor="des" refForName="parTx" fact="1.22"/>
+      <dgm:constr type="w" for="ch" forName="space" refType="w" refFor="ch" refForName="composite" op="equ" fact="0.14"/>
+    </dgm:constrLst>
+    <dgm:ruleLst>
+      <dgm:rule type="w" for="ch" forName="composite" val="0" fact="NaN" max="NaN"/>
+      <dgm:rule type="primFontSz" for="des" forName="parTx" val="5" fact="NaN" max="NaN"/>
+    </dgm:ruleLst>
+    <dgm:forEach name="Name4" axis="ch" ptType="node">
+      <dgm:layoutNode name="composite">
+        <dgm:alg type="composite"/>
+        <dgm:shape xmlns:r="http://schemas.openxmlformats.org/officeDocument/2006/relationships" r:blip="">
+          <dgm:adjLst/>
+        </dgm:shape>
+        <dgm:presOf/>
+        <dgm:constrLst>
+          <dgm:constr type="l" for="ch" forName="parTx"/>
+          <dgm:constr type="w" for="ch" forName="parTx" refType="w"/>
+          <dgm:constr type="t" for="ch" forName="parTx"/>
+          <dgm:constr type="l" for="ch" forName="desTx"/>
+          <dgm:constr type="w" for="ch" forName="desTx" refType="w" refFor="ch" refForName="parTx"/>
+          <dgm:constr type="t" for="ch" forName="desTx" refType="h" refFor="ch" refForName="parTx"/>
+        </dgm:constrLst>
+        <dgm:ruleLst>
+          <dgm:rule type="h" val="INF" fact="NaN" max="NaN"/>
+        </dgm:ruleLst>
+        <dgm:layoutNode name="parTx" styleLbl="alignNode1">
+          <dgm:varLst>
+            <dgm:chMax val="0"/>
+            <dgm:chPref val="0"/>
+            <dgm:bulletEnabled val="1"/>
+          </dgm:varLst>
+          <dgm:alg type="tx"/>
+          <dgm:shape xmlns:r="http://schemas.openxmlformats.org/officeDocument/2006/relationships" type="rect" r:blip="">
+            <dgm:adjLst/>
+          </dgm:shape>
+          <dgm:presOf axis="self" ptType="node"/>
+          <dgm:constrLst>
+            <dgm:constr type="h" refType="w" op="lte" fact="0.4"/>
+            <dgm:constr type="h"/>
+            <dgm:constr type="tMarg" refType="primFontSz" fact="0.32"/>
+            <dgm:constr type="bMarg" refType="primFontSz" fact="0.32"/>
+          </dgm:constrLst>
+          <dgm:ruleLst>
+            <dgm:rule type="h" val="INF" fact="NaN" max="NaN"/>
+          </dgm:ruleLst>
+        </dgm:layoutNode>
+        <dgm:layoutNode name="desTx" styleLbl="alignAccFollowNode1">
+          <dgm:varLst>
+            <dgm:bulletEnabled val="1"/>
+          </dgm:varLst>
+          <dgm:alg type="tx">
+            <dgm:param type="stBulletLvl" val="1"/>
+          </dgm:alg>
+          <dgm:shape xmlns:r="http://schemas.openxmlformats.org/officeDocument/2006/relationships" type="rect" r:blip="">
+            <dgm:adjLst/>
+          </dgm:shape>
+          <dgm:presOf axis="des" ptType="node"/>
+          <dgm:constrLst>
+            <dgm:constr type="secFontSz" val="65"/>
+            <dgm:constr type="primFontSz" refType="secFontSz"/>
+            <dgm:constr type="h"/>
+            <dgm:constr type="lMarg" refType="primFontSz" fact="0.42"/>
+            <dgm:constr type="tMarg" refType="primFontSz" fact="0.42"/>
+            <dgm:constr type="bMarg" refType="primFontSz" fact="0.63"/>
+          </dgm:constrLst>
+          <dgm:ruleLst>
+            <dgm:rule type="h" val="INF" fact="NaN" max="NaN"/>
+          </dgm:ruleLst>
+        </dgm:layoutNode>
+      </dgm:layoutNode>
+      <dgm:forEach name="Name5" axis="followSib" ptType="sibTrans" cnt="1">
+        <dgm:layoutNode name="space">
+          <dgm:alg type="sp"/>
+          <dgm:shape xmlns:r="http://schemas.openxmlformats.org/officeDocument/2006/relationships" r:blip="">
+            <dgm:adjLst/>
+          </dgm:shape>
+          <dgm:presOf/>
+          <dgm:constrLst/>
+          <dgm:ruleLst/>
+        </dgm:layoutNode>
+      </dgm:forEach>
+    </dgm:forEach>
+  </dgm:layoutNode>
+</dgm:layoutDef>
+</file>
+
+<file path=ppt/diagrams/quickStyle1.xml><?xml version="1.0" encoding="utf-8"?>
+<dgm:styleDef xmlns:dgm="http://schemas.openxmlformats.org/drawingml/2006/diagram" xmlns:a="http://schemas.openxmlformats.org/drawingml/2006/main" uniqueId="urn:microsoft.com/office/officeart/2005/8/quickstyle/simple1">
+  <dgm:title val=""/>
+  <dgm:desc val=""/>
+  <dgm:catLst>
+    <dgm:cat type="simple" pri="10100"/>
+  </dgm:catLst>
+  <dgm:scene3d>
+    <a:camera prst="orthographicFront"/>
+    <a:lightRig rig="threePt" dir="t"/>
+  </dgm:scene3d>
+  <dgm:styleLbl name="node0">
+    <dgm:scene3d>
+      <a:camera prst="orthographicFront"/>
+      <a:lightRig rig="threePt" dir="t"/>
+    </dgm:scene3d>
+    <dgm:sp3d/>
+    <dgm:txPr/>
+    <dgm:style>
+      <a:lnRef idx="2">
+        <a:scrgbClr r="0" g="0" b="0"/>
+      </a:lnRef>
+      <a:fillRef idx="1">
+        <a:scrgbClr r="0" g="0" b="0"/>
+      </a:fillRef>
+      <a:effectRef idx="0">
+        <a:scrgbClr r="0" g="0" b="0"/>
+      </a:effectRef>
+      <a:fontRef idx="minor">
+        <a:schemeClr val="lt1"/>
+      </a:fontRef>
+    </dgm:style>
+  </dgm:styleLbl>
+  <dgm:styleLbl name="lnNode1">
+    <dgm:scene3d>
+      <a:camera prst="orthographicFront"/>
+      <a:lightRig rig="threePt" dir="t"/>
+    </dgm:scene3d>
+    <dgm:sp3d/>
+    <dgm:txPr/>
+    <dgm:style>
+      <a:lnRef idx="2">
+        <a:scrgbClr r="0" g="0" b="0"/>
+      </a:lnRef>
+      <a:fillRef idx="1">
+        <a:scrgbClr r="0" g="0" b="0"/>
+      </a:fillRef>
+      <a:effectRef idx="0">
+        <a:scrgbClr r="0" g="0" b="0"/>
+      </a:effectRef>
+      <a:fontRef idx="minor">
+        <a:schemeClr val="lt1"/>
+      </a:fontRef>
+    </dgm:style>
+  </dgm:styleLbl>
+  <dgm:styleLbl name="vennNode1">
+    <dgm:scene3d>
+      <a:camera prst="orthographicFront"/>
+      <a:lightRig rig="threePt" dir="t"/>
+    </dgm:scene3d>
+    <dgm:sp3d/>
+    <dgm:txPr/>
+    <dgm:style>
+      <a:lnRef idx="2">
+        <a:scrgbClr r="0" g="0" b="0"/>
+      </a:lnRef>
+      <a:fillRef idx="1">
+        <a:scrgbClr r="0" g="0" b="0"/>
+      </a:fillRef>
+      <a:effectRef idx="0">
+        <a:scrgbClr r="0" g="0" b="0"/>
+      </a:effectRef>
+      <a:fontRef idx="minor">
+        <a:schemeClr val="tx1"/>
+      </a:fontRef>
+    </dgm:style>
+  </dgm:styleLbl>
+  <dgm:styleLbl name="alignNode1">
+    <dgm:scene3d>
+      <a:camera prst="orthographicFront"/>
+      <a:lightRig rig="threePt" dir="t"/>
+    </dgm:scene3d>
+    <dgm:sp3d/>
+    <dgm:txPr/>
+    <dgm:style>
+      <a:lnRef idx="2">
+        <a:scrgbClr r="0" g="0" b="0"/>
+      </a:lnRef>
+      <a:fillRef idx="1">
+        <a:scrgbClr r="0" g="0" b="0"/>
+      </a:fillRef>
+      <a:effectRef idx="0">
+        <a:scrgbClr r="0" g="0" b="0"/>
+      </a:effectRef>
+      <a:fontRef idx="minor">
+        <a:schemeClr val="lt1"/>
+      </a:fontRef>
+    </dgm:style>
+  </dgm:styleLbl>
+  <dgm:styleLbl name="node1">
+    <dgm:scene3d>
+      <a:camera prst="orthographicFront"/>
+      <a:lightRig rig="threePt" dir="t"/>
+    </dgm:scene3d>
+    <dgm:sp3d/>
+    <dgm:txPr/>
+    <dgm:style>
+      <a:lnRef idx="2">
+        <a:scrgbClr r="0" g="0" b="0"/>
+      </a:lnRef>
+      <a:fillRef idx="1">
+        <a:scrgbClr r="0" g="0" b="0"/>
+      </a:fillRef>
+      <a:effectRef idx="0">
+        <a:scrgbClr r="0" g="0" b="0"/>
+      </a:effectRef>
+      <a:fontRef idx="minor">
+        <a:schemeClr val="lt1"/>
+      </a:fontRef>
+    </dgm:style>
+  </dgm:styleLbl>
+  <dgm:styleLbl name="node2">
+    <dgm:scene3d>
+      <a:camera prst="orthographicFront"/>
+      <a:lightRig rig="threePt" dir="t"/>
+    </dgm:scene3d>
+    <dgm:sp3d/>
+    <dgm:txPr/>
+    <dgm:style>
+      <a:lnRef idx="2">
+        <a:scrgbClr r="0" g="0" b="0"/>
+      </a:lnRef>
+      <a:fillRef idx="1">
+        <a:scrgbClr r="0" g="0" b="0"/>
+      </a:fillRef>
+      <a:effectRef idx="0">
+        <a:scrgbClr r="0" g="0" b="0"/>
+      </a:effectRef>
+      <a:fontRef idx="minor">
+        <a:schemeClr val="lt1"/>
+      </a:fontRef>
+    </dgm:style>
+  </dgm:styleLbl>
+  <dgm:styleLbl name="node3">
+    <dgm:scene3d>
+      <a:camera prst="orthographicFront"/>
+      <a:lightRig rig="threePt" dir="t"/>
+    </dgm:scene3d>
+    <dgm:sp3d/>
+    <dgm:txPr/>
+    <dgm:style>
+      <a:lnRef idx="2">
+        <a:scrgbClr r="0" g="0" b="0"/>
+      </a:lnRef>
+      <a:fillRef idx="1">
+        <a:scrgbClr r="0" g="0" b="0"/>
+      </a:fillRef>
+      <a:effectRef idx="0">
+        <a:scrgbClr r="0" g="0" b="0"/>
+      </a:effectRef>
+      <a:fontRef idx="minor">
+        <a:schemeClr val="lt1"/>
+      </a:fontRef>
+    </dgm:style>
+  </dgm:styleLbl>
+  <dgm:styleLbl name="node4">
+    <dgm:scene3d>
+      <a:camera prst="orthographicFront"/>
+      <a:lightRig rig="threePt" dir="t"/>
+    </dgm:scene3d>
+    <dgm:sp3d/>
+    <dgm:txPr/>
+    <dgm:style>
+      <a:lnRef idx="2">
+        <a:scrgbClr r="0" g="0" b="0"/>
+      </a:lnRef>
+      <a:fillRef idx="1">
+        <a:scrgbClr r="0" g="0" b="0"/>
+      </a:fillRef>
+      <a:effectRef idx="0">
+        <a:scrgbClr r="0" g="0" b="0"/>
+      </a:effectRef>
+      <a:fontRef idx="minor">
+        <a:schemeClr val="lt1"/>
+      </a:fontRef>
+    </dgm:style>
+  </dgm:styleLbl>
+  <dgm:styleLbl name="fgImgPlace1">
+    <dgm:scene3d>
+      <a:camera prst="orthographicFront"/>
+      <a:lightRig rig="threePt" dir="t"/>
+    </dgm:scene3d>
+    <dgm:sp3d/>
+    <dgm:txPr/>
+    <dgm:style>
+      <a:lnRef idx="2">
+        <a:scrgbClr r="0" g="0" b="0"/>
+      </a:lnRef>
+      <a:fillRef idx="1">
+        <a:scrgbClr r="0" g="0" b="0"/>
+      </a:fillRef>
+      <a:effectRef idx="0">
+        <a:scrgbClr r="0" g="0" b="0"/>
+      </a:effectRef>
+      <a:fontRef idx="minor"/>
+    </dgm:style>
+  </dgm:styleLbl>
+  <dgm:styleLbl name="alignImgPlace1">
+    <dgm:scene3d>
+      <a:camera prst="orthographicFront"/>
+      <a:lightRig rig="threePt" dir="t"/>
+    </dgm:scene3d>
+    <dgm:sp3d/>
+    <dgm:txPr/>
+    <dgm:style>
+      <a:lnRef idx="2">
+        <a:scrgbClr r="0" g="0" b="0"/>
+      </a:lnRef>
+      <a:fillRef idx="1">
+        <a:scrgbClr r="0" g="0" b="0"/>
+      </a:fillRef>
+      <a:effectRef idx="0">
+        <a:scrgbClr r="0" g="0" b="0"/>
+      </a:effectRef>
+      <a:fontRef idx="minor"/>
+    </dgm:style>
+  </dgm:styleLbl>
+  <dgm:styleLbl name="bgImgPlace1">
+    <dgm:scene3d>
+      <a:camera prst="orthographicFront"/>
+      <a:lightRig rig="threePt" dir="t"/>
+    </dgm:scene3d>
+    <dgm:sp3d/>
+    <dgm:txPr/>
+    <dgm:style>
+      <a:lnRef idx="2">
+        <a:scrgbClr r="0" g="0" b="0"/>
+      </a:lnRef>
+      <a:fillRef idx="1">
+        <a:scrgbClr r="0" g="0" b="0"/>
+      </a:fillRef>
+      <a:effectRef idx="0">
+        <a:scrgbClr r="0" g="0" b="0"/>
+      </a:effectRef>
+      <a:fontRef idx="minor"/>
+    </dgm:style>
+  </dgm:styleLbl>
+  <dgm:styleLbl name="sibTrans2D1">
+    <dgm:scene3d>
+      <a:camera prst="orthographicFront"/>
+      <a:lightRig rig="threePt" dir="t"/>
+    </dgm:scene3d>
+    <dgm:sp3d/>
+    <dgm:txPr/>
+    <dgm:style>
+      <a:lnRef idx="0">
+        <a:scrgbClr r="0" g="0" b="0"/>
+      </a:lnRef>
+      <a:fillRef idx="1">
+        <a:scrgbClr r="0" g="0" b="0"/>
+      </a:fillRef>
+      <a:effectRef idx="0">
+        <a:scrgbClr r="0" g="0" b="0"/>
+      </a:effectRef>
+      <a:fontRef idx="minor">
+        <a:schemeClr val="lt1"/>
+      </a:fontRef>
+    </dgm:style>
+  </dgm:styleLbl>
+  <dgm:styleLbl name="fgSibTrans2D1">
+    <dgm:scene3d>
+      <a:camera prst="orthographicFront"/>
+      <a:lightRig rig="threePt" dir="t"/>
+    </dgm:scene3d>
+    <dgm:sp3d/>
+    <dgm:txPr/>
+    <dgm:style>
+      <a:lnRef idx="0">
+        <a:scrgbClr r="0" g="0" b="0"/>
+      </a:lnRef>
+      <a:fillRef idx="1">
+        <a:scrgbClr r="0" g="0" b="0"/>
+      </a:fillRef>
+      <a:effectRef idx="0">
+        <a:scrgbClr r="0" g="0" b="0"/>
+      </a:effectRef>
+      <a:fontRef idx="minor">
+        <a:schemeClr val="lt1"/>
+      </a:fontRef>
+    </dgm:style>
+  </dgm:styleLbl>
+  <dgm:styleLbl name="bgSibTrans2D1">
+    <dgm:scene3d>
+      <a:camera prst="orthographicFront"/>
+      <a:lightRig rig="threePt" dir="t"/>
+    </dgm:scene3d>
+    <dgm:sp3d/>
+    <dgm:txPr/>
+    <dgm:style>
+      <a:lnRef idx="0">
+        <a:scrgbClr r="0" g="0" b="0"/>
+      </a:lnRef>
+      <a:fillRef idx="1">
+        <a:scrgbClr r="0" g="0" b="0"/>
+      </a:fillRef>
+      <a:effectRef idx="0">
+        <a:scrgbClr r="0" g="0" b="0"/>
+      </a:effectRef>
+      <a:fontRef idx="minor">
+        <a:schemeClr val="lt1"/>
+      </a:fontRef>
+    </dgm:style>
+  </dgm:styleLbl>
+  <dgm:styleLbl name="sibTrans1D1">
+    <dgm:scene3d>
+      <a:camera prst="orthographicFront"/>
+      <a:lightRig rig="threePt" dir="t"/>
+    </dgm:scene3d>
+    <dgm:sp3d/>
+    <dgm:txPr/>
+    <dgm:style>
+      <a:lnRef idx="1">
+        <a:scrgbClr r="0" g="0" b="0"/>
+      </a:lnRef>
+      <a:fillRef idx="0">
+        <a:scrgbClr r="0" g="0" b="0"/>
+      </a:fillRef>
+      <a:effectRef idx="0">
+        <a:scrgbClr r="0" g="0" b="0"/>
+      </a:effectRef>
+      <a:fontRef idx="minor"/>
+    </dgm:style>
+  </dgm:styleLbl>
+  <dgm:styleLbl name="callout">
+    <dgm:scene3d>
+      <a:camera prst="orthographicFront"/>
+      <a:lightRig rig="threePt" dir="t"/>
+    </dgm:scene3d>
+    <dgm:sp3d/>
+    <dgm:txPr/>
+    <dgm:style>
+      <a:lnRef idx="2">
+        <a:scrgbClr r="0" g="0" b="0"/>
+      </a:lnRef>
+      <a:fillRef idx="1">
+        <a:scrgbClr r="0" g="0" b="0"/>
+      </a:fillRef>
+      <a:effectRef idx="0">
+        <a:scrgbClr r="0" g="0" b="0"/>
+      </a:effectRef>
+      <a:fontRef idx="minor"/>
+    </dgm:style>
+  </dgm:styleLbl>
+  <dgm:styleLbl name="asst0">
+    <dgm:scene3d>
+      <a:camera prst="orthographicFront"/>
+      <a:lightRig rig="threePt" dir="t"/>
+    </dgm:scene3d>
+    <dgm:sp3d/>
+    <dgm:txPr/>
+    <dgm:style>
+      <a:lnRef idx="2">
+        <a:scrgbClr r="0" g="0" b="0"/>
+      </a:lnRef>
+      <a:fillRef idx="1">
+        <a:scrgbClr r="0" g="0" b="0"/>
+      </a:fillRef>
+      <a:effectRef idx="0">
+        <a:scrgbClr r="0" g="0" b="0"/>
+      </a:effectRef>
+      <a:fontRef idx="minor">
+        <a:schemeClr val="lt1"/>
+      </a:fontRef>
+    </dgm:style>
+  </dgm:styleLbl>
+  <dgm:styleLbl name="asst1">
+    <dgm:scene3d>
+      <a:camera prst="orthographicFront"/>
+      <a:lightRig rig="threePt" dir="t"/>
+    </dgm:scene3d>
+    <dgm:sp3d/>
+    <dgm:txPr/>
+    <dgm:style>
+      <a:lnRef idx="2">
+        <a:scrgbClr r="0" g="0" b="0"/>
+      </a:lnRef>
+      <a:fillRef idx="1">
+        <a:scrgbClr r="0" g="0" b="0"/>
+      </a:fillRef>
+      <a:effectRef idx="0">
+        <a:scrgbClr r="0" g="0" b="0"/>
+      </a:effectRef>
+      <a:fontRef idx="minor">
+        <a:schemeClr val="lt1"/>
+      </a:fontRef>
+    </dgm:style>
+  </dgm:styleLbl>
+  <dgm:styleLbl name="asst2">
+    <dgm:scene3d>
+      <a:camera prst="orthographicFront"/>
+      <a:lightRig rig="threePt" dir="t"/>
+    </dgm:scene3d>
+    <dgm:sp3d/>
+    <dgm:txPr/>
+    <dgm:style>
+      <a:lnRef idx="2">
+        <a:scrgbClr r="0" g="0" b="0"/>
+      </a:lnRef>
+      <a:fillRef idx="1">
+        <a:scrgbClr r="0" g="0" b="0"/>
+      </a:fillRef>
+      <a:effectRef idx="0">
+        <a:scrgbClr r="0" g="0" b="0"/>
+      </a:effectRef>
+      <a:fontRef idx="minor">
+        <a:schemeClr val="lt1"/>
+      </a:fontRef>
+    </dgm:style>
+  </dgm:styleLbl>
+  <dgm:styleLbl name="asst3">
+    <dgm:scene3d>
+      <a:camera prst="orthographicFront"/>
+      <a:lightRig rig="threePt" dir="t"/>
+    </dgm:scene3d>
+    <dgm:sp3d/>
+    <dgm:txPr/>
+    <dgm:style>
+      <a:lnRef idx="2">
+        <a:scrgbClr r="0" g="0" b="0"/>
+      </a:lnRef>
+      <a:fillRef idx="1">
+        <a:scrgbClr r="0" g="0" b="0"/>
+      </a:fillRef>
+      <a:effectRef idx="0">
+        <a:scrgbClr r="0" g="0" b="0"/>
+      </a:effectRef>
+      <a:fontRef idx="minor">
+        <a:schemeClr val="lt1"/>
+      </a:fontRef>
+    </dgm:style>
+  </dgm:styleLbl>
+  <dgm:styleLbl name="asst4">
+    <dgm:scene3d>
+      <a:camera prst="orthographicFront"/>
+      <a:lightRig rig="threePt" dir="t"/>
+    </dgm:scene3d>
+    <dgm:sp3d/>
+    <dgm:txPr/>
+    <dgm:style>
+      <a:lnRef idx="2">
+        <a:scrgbClr r="0" g="0" b="0"/>
+      </a:lnRef>
+      <a:fillRef idx="1">
+        <a:scrgbClr r="0" g="0" b="0"/>
+      </a:fillRef>
+      <a:effectRef idx="0">
+        <a:scrgbClr r="0" g="0" b="0"/>
+      </a:effectRef>
+      <a:fontRef idx="minor">
+        <a:schemeClr val="lt1"/>
+      </a:fontRef>
+    </dgm:style>
+  </dgm:styleLbl>
+  <dgm:styleLbl name="parChTrans2D1">
+    <dgm:scene3d>
+      <a:camera prst="orthographicFront"/>
+      <a:lightRig rig="threePt" dir="t"/>
+    </dgm:scene3d>
+    <dgm:sp3d/>
+    <dgm:txPr/>
+    <dgm:style>
+      <a:lnRef idx="2">
+        <a:scrgbClr r="0" g="0" b="0"/>
+      </a:lnRef>
+      <a:fillRef idx="1">
+        <a:scrgbClr r="0" g="0" b="0"/>
+      </a:fillRef>
+      <a:effectRef idx="0">
+        <a:scrgbClr r="0" g="0" b="0"/>
+      </a:effectRef>
+      <a:fontRef idx="minor">
+        <a:schemeClr val="lt1"/>
+      </a:fontRef>
+    </dgm:style>
+  </dgm:styleLbl>
+  <dgm:styleLbl name="parChTrans2D2">
+    <dgm:scene3d>
+      <a:camera prst="orthographicFront"/>
+      <a:lightRig rig="threePt" dir="t"/>
+    </dgm:scene3d>
+    <dgm:sp3d/>
+    <dgm:txPr/>
+    <dgm:style>
+      <a:lnRef idx="2">
+        <a:scrgbClr r="0" g="0" b="0"/>
+      </a:lnRef>
+      <a:fillRef idx="1">
+        <a:scrgbClr r="0" g="0" b="0"/>
+      </a:fillRef>
+      <a:effectRef idx="0">
+        <a:scrgbClr r="0" g="0" b="0"/>
+      </a:effectRef>
+      <a:fontRef idx="minor">
+        <a:schemeClr val="lt1"/>
+      </a:fontRef>
+    </dgm:style>
+  </dgm:styleLbl>
+  <dgm:styleLbl name="parChTrans2D3">
+    <dgm:scene3d>
+      <a:camera prst="orthographicFront"/>
+      <a:lightRig rig="threePt" dir="t"/>
+    </dgm:scene3d>
+    <dgm:sp3d/>
+    <dgm:txPr/>
+    <dgm:style>
+      <a:lnRef idx="2">
+        <a:scrgbClr r="0" g="0" b="0"/>
+      </a:lnRef>
+      <a:fillRef idx="1">
+        <a:scrgbClr r="0" g="0" b="0"/>
+      </a:fillRef>
+      <a:effectRef idx="0">
+        <a:scrgbClr r="0" g="0" b="0"/>
+      </a:effectRef>
+      <a:fontRef idx="minor">
+        <a:schemeClr val="lt1"/>
+      </a:fontRef>
+    </dgm:style>
+  </dgm:styleLbl>
+  <dgm:styleLbl name="parChTrans2D4">
+    <dgm:scene3d>
+      <a:camera prst="orthographicFront"/>
+      <a:lightRig rig="threePt" dir="t"/>
+    </dgm:scene3d>
+    <dgm:sp3d/>
+    <dgm:txPr/>
+    <dgm:style>
+      <a:lnRef idx="2">
+        <a:scrgbClr r="0" g="0" b="0"/>
+      </a:lnRef>
+      <a:fillRef idx="1">
+        <a:scrgbClr r="0" g="0" b="0"/>
+      </a:fillRef>
+      <a:effectRef idx="0">
+        <a:scrgbClr r="0" g="0" b="0"/>
+      </a:effectRef>
+      <a:fontRef idx="minor">
+        <a:schemeClr val="lt1"/>
+      </a:fontRef>
+    </dgm:style>
+  </dgm:styleLbl>
+  <dgm:styleLbl name="parChTrans1D1">
+    <dgm:scene3d>
+      <a:camera prst="orthographicFront"/>
+      <a:lightRig rig="threePt" dir="t"/>
+    </dgm:scene3d>
+    <dgm:sp3d/>
+    <dgm:txPr/>
+    <dgm:style>
+      <a:lnRef idx="2">
+        <a:scrgbClr r="0" g="0" b="0"/>
+      </a:lnRef>
+      <a:fillRef idx="0">
+        <a:scrgbClr r="0" g="0" b="0"/>
+      </a:fillRef>
+      <a:effectRef idx="0">
+        <a:scrgbClr r="0" g="0" b="0"/>
+      </a:effectRef>
+      <a:fontRef idx="minor"/>
+    </dgm:style>
+  </dgm:styleLbl>
+  <dgm:styleLbl name="parChTrans1D2">
+    <dgm:scene3d>
+      <a:camera prst="orthographicFront"/>
+      <a:lightRig rig="threePt" dir="t"/>
+    </dgm:scene3d>
+    <dgm:sp3d/>
+    <dgm:txPr/>
+    <dgm:style>
+      <a:lnRef idx="2">
+        <a:scrgbClr r="0" g="0" b="0"/>
+      </a:lnRef>
+      <a:fillRef idx="0">
+        <a:scrgbClr r="0" g="0" b="0"/>
+      </a:fillRef>
+      <a:effectRef idx="0">
+        <a:scrgbClr r="0" g="0" b="0"/>
+      </a:effectRef>
+      <a:fontRef idx="minor"/>
+    </dgm:style>
+  </dgm:styleLbl>
+  <dgm:styleLbl name="parChTrans1D3">
+    <dgm:scene3d>
+      <a:camera prst="orthographicFront"/>
+      <a:lightRig rig="threePt" dir="t"/>
+    </dgm:scene3d>
+    <dgm:sp3d/>
+    <dgm:txPr/>
+    <dgm:style>
+      <a:lnRef idx="2">
+        <a:scrgbClr r="0" g="0" b="0"/>
+      </a:lnRef>
+      <a:fillRef idx="0">
+        <a:scrgbClr r="0" g="0" b="0"/>
+      </a:fillRef>
+      <a:effectRef idx="0">
+        <a:scrgbClr r="0" g="0" b="0"/>
+      </a:effectRef>
+      <a:fontRef idx="minor"/>
+    </dgm:style>
+  </dgm:styleLbl>
+  <dgm:styleLbl name="parChTrans1D4">
+    <dgm:scene3d>
+      <a:camera prst="orthographicFront"/>
+      <a:lightRig rig="threePt" dir="t"/>
+    </dgm:scene3d>
+    <dgm:sp3d/>
+    <dgm:txPr/>
+    <dgm:style>
+      <a:lnRef idx="2">
+        <a:scrgbClr r="0" g="0" b="0"/>
+      </a:lnRef>
+      <a:fillRef idx="0">
+        <a:scrgbClr r="0" g="0" b="0"/>
+      </a:fillRef>
+      <a:effectRef idx="0">
+        <a:scrgbClr r="0" g="0" b="0"/>
+      </a:effectRef>
+      <a:fontRef idx="minor"/>
+    </dgm:style>
+  </dgm:styleLbl>
+  <dgm:styleLbl name="fgAcc1">
+    <dgm:scene3d>
+      <a:camera prst="orthographicFront"/>
+      <a:lightRig rig="threePt" dir="t"/>
+    </dgm:scene3d>
+    <dgm:sp3d/>
+    <dgm:txPr/>
+    <dgm:style>
+      <a:lnRef idx="2">
+        <a:scrgbClr r="0" g="0" b="0"/>
+      </a:lnRef>
+      <a:fillRef idx="1">
+        <a:scrgbClr r="0" g="0" b="0"/>
+      </a:fillRef>
+      <a:effectRef idx="0">
+        <a:scrgbClr r="0" g="0" b="0"/>
+      </a:effectRef>
+      <a:fontRef idx="minor"/>
+    </dgm:style>
+  </dgm:styleLbl>
+  <dgm:styleLbl name="conFgAcc1">
+    <dgm:scene3d>
+      <a:camera prst="orthographicFront"/>
+      <a:lightRig rig="threePt" dir="t"/>
+    </dgm:scene3d>
+    <dgm:sp3d/>
+    <dgm:txPr/>
+    <dgm:style>
+      <a:lnRef idx="2">
+        <a:scrgbClr r="0" g="0" b="0"/>
+      </a:lnRef>
+      <a:fillRef idx="1">
+        <a:scrgbClr r="0" g="0" b="0"/>
+      </a:fillRef>
+      <a:effectRef idx="0">
+        <a:scrgbClr r="0" g="0" b="0"/>
+      </a:effectRef>
+      <a:fontRef idx="minor"/>
+    </dgm:style>
+  </dgm:styleLbl>
+  <dgm:styleLbl name="alignAcc1">
+    <dgm:scene3d>
+      <a:camera prst="orthographicFront"/>
+      <a:lightRig rig="threePt" dir="t"/>
+    </dgm:scene3d>
+    <dgm:sp3d/>
+    <dgm:txPr/>
+    <dgm:style>
+      <a:lnRef idx="2">
+        <a:scrgbClr r="0" g="0" b="0"/>
+      </a:lnRef>
+      <a:fillRef idx="1">
+        <a:scrgbClr r="0" g="0" b="0"/>
+      </a:fillRef>
+      <a:effectRef idx="0">
+        <a:scrgbClr r="0" g="0" b="0"/>
+      </a:effectRef>
+      <a:fontRef idx="minor"/>
+    </dgm:style>
+  </dgm:styleLbl>
+  <dgm:styleLbl name="trAlignAcc1">
+    <dgm:scene3d>
+      <a:camera prst="orthographicFront"/>
+      <a:lightRig rig="threePt" dir="t"/>
+    </dgm:scene3d>
+    <dgm:sp3d/>
+    <dgm:txPr/>
+    <dgm:style>
+      <a:lnRef idx="1">
+        <a:scrgbClr r="0" g="0" b="0"/>
+      </a:lnRef>
+      <a:fillRef idx="1">
+        <a:scrgbClr r="0" g="0" b="0"/>
+      </a:fillRef>
+      <a:effectRef idx="0">
+        <a:scrgbClr r="0" g="0" b="0"/>
+      </a:effectRef>
+      <a:fontRef idx="minor"/>
+    </dgm:style>
+  </dgm:styleLbl>
+  <dgm:styleLbl name="bgAcc1">
+    <dgm:scene3d>
+      <a:camera prst="orthographicFront"/>
+      <a:lightRig rig="threePt" dir="t"/>
+    </dgm:scene3d>
+    <dgm:sp3d/>
+    <dgm:txPr/>
+    <dgm:style>
+      <a:lnRef idx="2">
+        <a:scrgbClr r="0" g="0" b="0"/>
+      </a:lnRef>
+      <a:fillRef idx="1">
+        <a:scrgbClr r="0" g="0" b="0"/>
+      </a:fillRef>
+      <a:effectRef idx="0">
+        <a:scrgbClr r="0" g="0" b="0"/>
+      </a:effectRef>
+      <a:fontRef idx="minor"/>
+    </dgm:style>
+  </dgm:styleLbl>
+  <dgm:styleLbl name="solidFgAcc1">
+    <dgm:scene3d>
+      <a:camera prst="orthographicFront"/>
+      <a:lightRig rig="threePt" dir="t"/>
+    </dgm:scene3d>
+    <dgm:sp3d/>
+    <dgm:txPr/>
+    <dgm:style>
+      <a:lnRef idx="2">
+        <a:scrgbClr r="0" g="0" b="0"/>
+      </a:lnRef>
+      <a:fillRef idx="1">
+        <a:scrgbClr r="0" g="0" b="0"/>
+      </a:fillRef>
+      <a:effectRef idx="0">
+        <a:scrgbClr r="0" g="0" b="0"/>
+      </a:effectRef>
+      <a:fontRef idx="minor"/>
+    </dgm:style>
+  </dgm:styleLbl>
+  <dgm:styleLbl name="solidAlignAcc1">
+    <dgm:scene3d>
+      <a:camera prst="orthographicFront"/>
+      <a:lightRig rig="threePt" dir="t"/>
+    </dgm:scene3d>
+    <dgm:sp3d/>
+    <dgm:txPr/>
+    <dgm:style>
+      <a:lnRef idx="2">
+        <a:scrgbClr r="0" g="0" b="0"/>
+      </a:lnRef>
+      <a:fillRef idx="1">
+        <a:scrgbClr r="0" g="0" b="0"/>
+      </a:fillRef>
+      <a:effectRef idx="0">
+        <a:scrgbClr r="0" g="0" b="0"/>
+      </a:effectRef>
+      <a:fontRef idx="minor"/>
+    </dgm:style>
+  </dgm:styleLbl>
+  <dgm:styleLbl name="solidBgAcc1">
+    <dgm:scene3d>
+      <a:camera prst="orthographicFront"/>
+      <a:lightRig rig="threePt" dir="t"/>
+    </dgm:scene3d>
+    <dgm:sp3d/>
+    <dgm:txPr/>
+    <dgm:style>
+      <a:lnRef idx="2">
+        <a:scrgbClr r="0" g="0" b="0"/>
+      </a:lnRef>
+      <a:fillRef idx="1">
+        <a:scrgbClr r="0" g="0" b="0"/>
+      </a:fillRef>
+      <a:effectRef idx="0">
+        <a:scrgbClr r="0" g="0" b="0"/>
+      </a:effectRef>
+      <a:fontRef idx="minor"/>
+    </dgm:style>
+  </dgm:styleLbl>
+  <dgm:styleLbl name="fgAccFollowNode1">
+    <dgm:scene3d>
+      <a:camera prst="orthographicFront"/>
+      <a:lightRig rig="threePt" dir="t"/>
+    </dgm:scene3d>
+    <dgm:sp3d/>
+    <dgm:txPr/>
+    <dgm:style>
+      <a:lnRef idx="2">
+        <a:scrgbClr r="0" g="0" b="0"/>
+      </a:lnRef>
+      <a:fillRef idx="1">
+        <a:scrgbClr r="0" g="0" b="0"/>
+      </a:fillRef>
+      <a:effectRef idx="0">
+        <a:scrgbClr r="0" g="0" b="0"/>
+      </a:effectRef>
+      <a:fontRef idx="minor"/>
+    </dgm:style>
+  </dgm:styleLbl>
+  <dgm:styleLbl name="alignAccFollowNode1">
+    <dgm:scene3d>
+      <a:camera prst="orthographicFront"/>
+      <a:lightRig rig="threePt" dir="t"/>
+    </dgm:scene3d>
+    <dgm:sp3d/>
+    <dgm:txPr/>
+    <dgm:style>
+      <a:lnRef idx="2">
+        <a:scrgbClr r="0" g="0" b="0"/>
+      </a:lnRef>
+      <a:fillRef idx="1">
+        <a:scrgbClr r="0" g="0" b="0"/>
+      </a:fillRef>
+      <a:effectRef idx="0">
+        <a:scrgbClr r="0" g="0" b="0"/>
+      </a:effectRef>
+      <a:fontRef idx="minor"/>
+    </dgm:style>
+  </dgm:styleLbl>
+  <dgm:styleLbl name="bgAccFollowNode1">
+    <dgm:scene3d>
+      <a:camera prst="orthographicFront"/>
+      <a:lightRig rig="threePt" dir="t"/>
+    </dgm:scene3d>
+    <dgm:sp3d/>
+    <dgm:txPr/>
+    <dgm:style>
+      <a:lnRef idx="2">
+        <a:scrgbClr r="0" g="0" b="0"/>
+      </a:lnRef>
+      <a:fillRef idx="1">
+        <a:scrgbClr r="0" g="0" b="0"/>
+      </a:fillRef>
+      <a:effectRef idx="0">
+        <a:scrgbClr r="0" g="0" b="0"/>
+      </a:effectRef>
+      <a:fontRef idx="minor"/>
+    </dgm:style>
+  </dgm:styleLbl>
+  <dgm:styleLbl name="fgAcc0">
+    <dgm:scene3d>
+      <a:camera prst="orthographicFront"/>
+      <a:lightRig rig="threePt" dir="t"/>
+    </dgm:scene3d>
+    <dgm:sp3d/>
+    <dgm:txPr/>
+    <dgm:style>
+      <a:lnRef idx="2">
+        <a:scrgbClr r="0" g="0" b="0"/>
+      </a:lnRef>
+      <a:fillRef idx="1">
+        <a:scrgbClr r="0" g="0" b="0"/>
+      </a:fillRef>
+      <a:effectRef idx="0">
+        <a:scrgbClr r="0" g="0" b="0"/>
+      </a:effectRef>
+      <a:fontRef idx="minor"/>
+    </dgm:style>
+  </dgm:styleLbl>
+  <dgm:styleLbl name="fgAcc2">
+    <dgm:scene3d>
+      <a:camera prst="orthographicFront"/>
+      <a:lightRig rig="threePt" dir="t"/>
+    </dgm:scene3d>
+    <dgm:sp3d/>
+    <dgm:txPr/>
+    <dgm:style>
+      <a:lnRef idx="2">
+        <a:scrgbClr r="0" g="0" b="0"/>
+      </a:lnRef>
+      <a:fillRef idx="1">
+        <a:scrgbClr r="0" g="0" b="0"/>
+      </a:fillRef>
+      <a:effectRef idx="0">
+        <a:scrgbClr r="0" g="0" b="0"/>
+      </a:effectRef>
+      <a:fontRef idx="minor"/>
+    </dgm:style>
+  </dgm:styleLbl>
+  <dgm:styleLbl name="fgAcc3">
+    <dgm:scene3d>
+      <a:camera prst="orthographicFront"/>
+      <a:lightRig rig="threePt" dir="t"/>
+    </dgm:scene3d>
+    <dgm:sp3d/>
+    <dgm:txPr/>
+    <dgm:style>
+      <a:lnRef idx="2">
+        <a:scrgbClr r="0" g="0" b="0"/>
+      </a:lnRef>
+      <a:fillRef idx="1">
+        <a:scrgbClr r="0" g="0" b="0"/>
+      </a:fillRef>
+      <a:effectRef idx="0">
+        <a:scrgbClr r="0" g="0" b="0"/>
+      </a:effectRef>
+      <a:fontRef idx="minor"/>
+    </dgm:style>
+  </dgm:styleLbl>
+  <dgm:styleLbl name="fgAcc4">
+    <dgm:scene3d>
+      <a:camera prst="orthographicFront"/>
+      <a:lightRig rig="threePt" dir="t"/>
+    </dgm:scene3d>
+    <dgm:sp3d/>
+    <dgm:txPr/>
+    <dgm:style>
+      <a:lnRef idx="2">
+        <a:scrgbClr r="0" g="0" b="0"/>
+      </a:lnRef>
+      <a:fillRef idx="1">
+        <a:scrgbClr r="0" g="0" b="0"/>
+      </a:fillRef>
+      <a:effectRef idx="0">
+        <a:scrgbClr r="0" g="0" b="0"/>
+      </a:effectRef>
+      <a:fontRef idx="minor"/>
+    </dgm:style>
+  </dgm:styleLbl>
+  <dgm:styleLbl name="bgShp">
+    <dgm:scene3d>
+      <a:camera prst="orthographicFront"/>
+      <a:lightRig rig="threePt" dir="t"/>
+    </dgm:scene3d>
+    <dgm:sp3d/>
+    <dgm:txPr/>
+    <dgm:style>
+      <a:lnRef idx="0">
+        <a:scrgbClr r="0" g="0" b="0"/>
+      </a:lnRef>
+      <a:fillRef idx="1">
+        <a:scrgbClr r="0" g="0" b="0"/>
+      </a:fillRef>
+      <a:effectRef idx="0">
+        <a:scrgbClr r="0" g="0" b="0"/>
+      </a:effectRef>
+      <a:fontRef idx="minor"/>
+    </dgm:style>
+  </dgm:styleLbl>
+  <dgm:styleLbl name="dkBgShp">
+    <dgm:scene3d>
+      <a:camera prst="orthographicFront"/>
+      <a:lightRig rig="threePt" dir="t"/>
+    </dgm:scene3d>
+    <dgm:sp3d/>
+    <dgm:txPr/>
+    <dgm:style>
+      <a:lnRef idx="0">
+        <a:scrgbClr r="0" g="0" b="0"/>
+      </a:lnRef>
+      <a:fillRef idx="1">
+        <a:scrgbClr r="0" g="0" b="0"/>
+      </a:fillRef>
+      <a:effectRef idx="0">
+        <a:scrgbClr r="0" g="0" b="0"/>
+      </a:effectRef>
+      <a:fontRef idx="minor"/>
+    </dgm:style>
+  </dgm:styleLbl>
+  <dgm:styleLbl name="trBgShp">
+    <dgm:scene3d>
+      <a:camera prst="orthographicFront"/>
+      <a:lightRig rig="threePt" dir="t"/>
+    </dgm:scene3d>
+    <dgm:sp3d/>
+    <dgm:txPr/>
+    <dgm:style>
+      <a:lnRef idx="0">
+        <a:scrgbClr r="0" g="0" b="0"/>
+      </a:lnRef>
+      <a:fillRef idx="1">
+        <a:scrgbClr r="0" g="0" b="0"/>
+      </a:fillRef>
+      <a:effectRef idx="0">
+        <a:scrgbClr r="0" g="0" b="0"/>
+      </a:effectRef>
+      <a:fontRef idx="minor"/>
+    </dgm:style>
+  </dgm:styleLbl>
+  <dgm:styleLbl name="fgShp">
+    <dgm:scene3d>
+      <a:camera prst="orthographicFront"/>
+      <a:lightRig rig="threePt" dir="t"/>
+    </dgm:scene3d>
+    <dgm:sp3d/>
+    <dgm:txPr/>
+    <dgm:style>
+      <a:lnRef idx="2">
+        <a:scrgbClr r="0" g="0" b="0"/>
+      </a:lnRef>
+      <a:fillRef idx="1">
+        <a:scrgbClr r="0" g="0" b="0"/>
+      </a:fillRef>
+      <a:effectRef idx="0">
+        <a:scrgbClr r="0" g="0" b="0"/>
+      </a:effectRef>
+      <a:fontRef idx="minor"/>
+    </dgm:style>
+  </dgm:styleLbl>
+  <dgm:styleLbl name="revTx">
+    <dgm:scene3d>
+      <a:camera prst="orthographicFront"/>
+      <a:lightRig rig="threePt" dir="t"/>
+    </dgm:scene3d>
+    <dgm:sp3d/>
+    <dgm:txPr/>
+    <dgm:style>
+      <a:lnRef idx="0">
+        <a:scrgbClr r="0" g="0" b="0"/>
+      </a:lnRef>
+      <a:fillRef idx="0">
+        <a:scrgbClr r="0" g="0" b="0"/>
+      </a:fillRef>
+      <a:effectRef idx="0">
+        <a:scrgbClr r="0" g="0" b="0"/>
+      </a:effectRef>
+      <a:fontRef idx="minor"/>
+    </dgm:style>
+  </dgm:styleLbl>
+</dgm:styleDef>
+</file>
+
 <file path=ppt/handoutMasters/handoutMaster1.xml><?xml version="1.0" encoding="utf-8"?>
 <p:handoutMaster xmlns:a="http://schemas.openxmlformats.org/drawingml/2006/main" xmlns:r="http://schemas.openxmlformats.org/officeDocument/2006/relationships" xmlns:p="http://schemas.openxmlformats.org/presentationml/2006/main">
   <p:cSld>
@@ -271,7 +3503,7 @@
               <a:rPr lang="en-US" smtClean="0">
                 <a:latin typeface="Segoe UI" pitchFamily="34" charset="0"/>
               </a:rPr>
-              <a:t>5/2/2012</a:t>
+              <a:t>5/8/2012</a:t>
             </a:fld>
             <a:endParaRPr lang="en-US" dirty="0">
               <a:latin typeface="Segoe UI" pitchFamily="34" charset="0"/>
@@ -453,7 +3685,7 @@
             <a:fld id="{CAE3F082-F902-42D8-A765-720E172C3194}" type="datetimeFigureOut">
               <a:rPr lang="en-US" smtClean="0"/>
               <a:pPr/>
-              <a:t>5/2/2012</a:t>
+              <a:t>5/8/2012</a:t>
             </a:fld>
             <a:endParaRPr lang="en-US" dirty="0"/>
           </a:p>
@@ -1100,7 +4332,7 @@
           <a:p>
             <a:fld id="{D88053AA-761C-4194-BE5B-5E836C7C1428}" type="slidenum">
               <a:rPr lang="en-US" smtClean="0"/>
-              <a:t>11</a:t>
+              <a:t>12</a:t>
             </a:fld>
             <a:endParaRPr lang="en-US"/>
           </a:p>
@@ -1408,7 +4640,7 @@
           <a:p>
             <a:fld id="{D88053AA-761C-4194-BE5B-5E836C7C1428}" type="slidenum">
               <a:rPr lang="en-US" smtClean="0"/>
-              <a:t>12</a:t>
+              <a:t>13</a:t>
             </a:fld>
             <a:endParaRPr lang="en-US"/>
           </a:p>
@@ -1493,7 +4725,7 @@
             <a:fld id="{82AABF77-E2E4-44CA-BA5C-65E132CF08D8}" type="slidenum">
               <a:rPr lang="en-US" smtClean="0"/>
               <a:pPr/>
-              <a:t>13</a:t>
+              <a:t>14</a:t>
             </a:fld>
             <a:endParaRPr lang="en-US" dirty="0"/>
           </a:p>
@@ -1583,7 +4815,7 @@
             <a:fld id="{8B263312-38AA-4E1E-B2B5-0F8F122B24FE}" type="slidenum">
               <a:rPr lang="en-US" smtClean="0"/>
               <a:pPr/>
-              <a:t>16</a:t>
+              <a:t>17</a:t>
             </a:fld>
             <a:endParaRPr lang="en-US" dirty="0"/>
           </a:p>
@@ -1668,7 +4900,7 @@
             <a:fld id="{82AABF77-E2E4-44CA-BA5C-65E132CF08D8}" type="slidenum">
               <a:rPr lang="en-US" smtClean="0"/>
               <a:pPr/>
-              <a:t>17</a:t>
+              <a:t>18</a:t>
             </a:fld>
             <a:endParaRPr lang="en-US" dirty="0"/>
           </a:p>
@@ -1976,7 +5208,7 @@
           <a:p>
             <a:fld id="{D88053AA-761C-4194-BE5B-5E836C7C1428}" type="slidenum">
               <a:rPr lang="en-US" smtClean="0"/>
-              <a:t>18</a:t>
+              <a:t>19</a:t>
             </a:fld>
             <a:endParaRPr lang="en-US"/>
           </a:p>
@@ -2284,7 +5516,7 @@
           <a:p>
             <a:fld id="{D88053AA-761C-4194-BE5B-5E836C7C1428}" type="slidenum">
               <a:rPr lang="en-US" smtClean="0"/>
-              <a:t>19</a:t>
+              <a:t>20</a:t>
             </a:fld>
             <a:endParaRPr lang="en-US"/>
           </a:p>
@@ -2374,7 +5606,7 @@
             <a:fld id="{8B263312-38AA-4E1E-B2B5-0F8F122B24FE}" type="slidenum">
               <a:rPr lang="en-US" smtClean="0"/>
               <a:pPr/>
-              <a:t>20</a:t>
+              <a:t>21</a:t>
             </a:fld>
             <a:endParaRPr lang="en-US" dirty="0"/>
           </a:p>
@@ -2459,7 +5691,7 @@
             <a:fld id="{82AABF77-E2E4-44CA-BA5C-65E132CF08D8}" type="slidenum">
               <a:rPr lang="en-US" smtClean="0"/>
               <a:pPr/>
-              <a:t>21</a:t>
+              <a:t>22</a:t>
             </a:fld>
             <a:endParaRPr lang="en-US" dirty="0"/>
           </a:p>
@@ -2544,7 +5776,7 @@
             <a:fld id="{82AABF77-E2E4-44CA-BA5C-65E132CF08D8}" type="slidenum">
               <a:rPr lang="en-US" smtClean="0"/>
               <a:pPr/>
-              <a:t>22</a:t>
+              <a:t>23</a:t>
             </a:fld>
             <a:endParaRPr lang="en-US" dirty="0"/>
           </a:p>
@@ -2937,7 +6169,7 @@
           <a:p>
             <a:fld id="{D88053AA-761C-4194-BE5B-5E836C7C1428}" type="slidenum">
               <a:rPr lang="en-US" smtClean="0"/>
-              <a:t>23</a:t>
+              <a:t>24</a:t>
             </a:fld>
             <a:endParaRPr lang="en-US"/>
           </a:p>
@@ -3027,7 +6259,7 @@
             <a:fld id="{8B263312-38AA-4E1E-B2B5-0F8F122B24FE}" type="slidenum">
               <a:rPr lang="en-US" smtClean="0"/>
               <a:pPr/>
-              <a:t>25</a:t>
+              <a:t>26</a:t>
             </a:fld>
             <a:endParaRPr lang="en-US" dirty="0"/>
           </a:p>
@@ -3212,7 +6444,7 @@
             <a:fld id="{87A12A5C-4330-4241-88FF-F2EE6603F1FB}" type="slidenum">
               <a:rPr lang="en-US" smtClean="0"/>
               <a:pPr/>
-              <a:t>26</a:t>
+              <a:t>27</a:t>
             </a:fld>
             <a:endParaRPr lang="en-US"/>
           </a:p>
@@ -3297,7 +6529,7 @@
             <a:fld id="{82AABF77-E2E4-44CA-BA5C-65E132CF08D8}" type="slidenum">
               <a:rPr lang="en-US" smtClean="0"/>
               <a:pPr/>
-              <a:t>27</a:t>
+              <a:t>28</a:t>
             </a:fld>
             <a:endParaRPr lang="en-US" dirty="0"/>
           </a:p>
@@ -3382,7 +6614,7 @@
             <a:fld id="{82AABF77-E2E4-44CA-BA5C-65E132CF08D8}" type="slidenum">
               <a:rPr lang="en-US" smtClean="0"/>
               <a:pPr/>
-              <a:t>28</a:t>
+              <a:t>29</a:t>
             </a:fld>
             <a:endParaRPr lang="en-US" dirty="0"/>
           </a:p>
@@ -3690,7 +6922,7 @@
           <a:p>
             <a:fld id="{D88053AA-761C-4194-BE5B-5E836C7C1428}" type="slidenum">
               <a:rPr lang="en-US" smtClean="0"/>
-              <a:t>29</a:t>
+              <a:t>30</a:t>
             </a:fld>
             <a:endParaRPr lang="en-US"/>
           </a:p>
@@ -3998,7 +7230,7 @@
           <a:p>
             <a:fld id="{D88053AA-761C-4194-BE5B-5E836C7C1428}" type="slidenum">
               <a:rPr lang="en-US" smtClean="0"/>
-              <a:t>30</a:t>
+              <a:t>31</a:t>
             </a:fld>
             <a:endParaRPr lang="en-US"/>
           </a:p>
@@ -4088,7 +7320,7 @@
             <a:fld id="{8B263312-38AA-4E1E-B2B5-0F8F122B24FE}" type="slidenum">
               <a:rPr lang="en-US" smtClean="0"/>
               <a:pPr/>
-              <a:t>31</a:t>
+              <a:t>32</a:t>
             </a:fld>
             <a:endParaRPr lang="en-US" dirty="0"/>
           </a:p>
@@ -4173,7 +7405,7 @@
             <a:fld id="{82AABF77-E2E4-44CA-BA5C-65E132CF08D8}" type="slidenum">
               <a:rPr lang="en-US" smtClean="0"/>
               <a:pPr/>
-              <a:t>32</a:t>
+              <a:t>33</a:t>
             </a:fld>
             <a:endParaRPr lang="en-US" dirty="0"/>
           </a:p>
@@ -4263,7 +7495,7 @@
             <a:fld id="{8B263312-38AA-4E1E-B2B5-0F8F122B24FE}" type="slidenum">
               <a:rPr lang="en-US" smtClean="0"/>
               <a:pPr/>
-              <a:t>33</a:t>
+              <a:t>34</a:t>
             </a:fld>
             <a:endParaRPr lang="en-US" dirty="0"/>
           </a:p>
@@ -4441,7 +7673,7 @@
             <a:fld id="{82AABF77-E2E4-44CA-BA5C-65E132CF08D8}" type="slidenum">
               <a:rPr lang="en-US" smtClean="0"/>
               <a:pPr/>
-              <a:t>34</a:t>
+              <a:t>35</a:t>
             </a:fld>
             <a:endParaRPr lang="en-US" dirty="0"/>
           </a:p>
@@ -4526,7 +7758,7 @@
             <a:fld id="{82AABF77-E2E4-44CA-BA5C-65E132CF08D8}" type="slidenum">
               <a:rPr lang="en-US" smtClean="0"/>
               <a:pPr/>
-              <a:t>35</a:t>
+              <a:t>36</a:t>
             </a:fld>
             <a:endParaRPr lang="en-US" dirty="0"/>
           </a:p>
@@ -4611,7 +7843,7 @@
             <a:fld id="{82AABF77-E2E4-44CA-BA5C-65E132CF08D8}" type="slidenum">
               <a:rPr lang="en-US" smtClean="0"/>
               <a:pPr/>
-              <a:t>36</a:t>
+              <a:t>37</a:t>
             </a:fld>
             <a:endParaRPr lang="en-US" dirty="0"/>
           </a:p>
@@ -4700,7 +7932,7 @@
           <a:p>
             <a:fld id="{82AABF77-E2E4-44CA-BA5C-65E132CF08D8}" type="slidenum">
               <a:rPr lang="en-US" smtClean="0"/>
-              <a:t>37</a:t>
+              <a:t>38</a:t>
             </a:fld>
             <a:endParaRPr lang="en-US" dirty="0"/>
           </a:p>
@@ -4885,7 +8117,7 @@
             <a:fld id="{87A12A5C-4330-4241-88FF-F2EE6603F1FB}" type="slidenum">
               <a:rPr lang="en-US" smtClean="0"/>
               <a:pPr/>
-              <a:t>5</a:t>
+              <a:t>6</a:t>
             </a:fld>
             <a:endParaRPr lang="en-US"/>
           </a:p>
@@ -4970,7 +8202,7 @@
             <a:fld id="{82AABF77-E2E4-44CA-BA5C-65E132CF08D8}" type="slidenum">
               <a:rPr lang="en-US" smtClean="0"/>
               <a:pPr/>
-              <a:t>6</a:t>
+              <a:t>7</a:t>
             </a:fld>
             <a:endParaRPr lang="en-US" dirty="0"/>
           </a:p>
@@ -5055,7 +8287,7 @@
             <a:fld id="{82AABF77-E2E4-44CA-BA5C-65E132CF08D8}" type="slidenum">
               <a:rPr lang="en-US" smtClean="0"/>
               <a:pPr/>
-              <a:t>7</a:t>
+              <a:t>8</a:t>
             </a:fld>
             <a:endParaRPr lang="en-US" dirty="0"/>
           </a:p>
@@ -5140,7 +8372,7 @@
             <a:fld id="{82AABF77-E2E4-44CA-BA5C-65E132CF08D8}" type="slidenum">
               <a:rPr lang="en-US" smtClean="0"/>
               <a:pPr/>
-              <a:t>8</a:t>
+              <a:t>9</a:t>
             </a:fld>
             <a:endParaRPr lang="en-US" dirty="0"/>
           </a:p>
@@ -5225,7 +8457,7 @@
             <a:fld id="{82AABF77-E2E4-44CA-BA5C-65E132CF08D8}" type="slidenum">
               <a:rPr lang="en-US" smtClean="0"/>
               <a:pPr/>
-              <a:t>9</a:t>
+              <a:t>10</a:t>
             </a:fld>
             <a:endParaRPr lang="en-US" dirty="0"/>
           </a:p>
@@ -5533,7 +8765,7 @@
           <a:p>
             <a:fld id="{D88053AA-761C-4194-BE5B-5E836C7C1428}" type="slidenum">
               <a:rPr lang="en-US" smtClean="0"/>
-              <a:t>10</a:t>
+              <a:t>11</a:t>
             </a:fld>
             <a:endParaRPr lang="en-US"/>
           </a:p>
@@ -19081,6 +22313,1143 @@
           <a:chExt cx="0" cy="0"/>
         </a:xfrm>
       </p:grpSpPr>
+      <p:graphicFrame>
+        <p:nvGraphicFramePr>
+          <p:cNvPr id="3" name="Object 2" hidden="1"/>
+          <p:cNvGraphicFramePr>
+            <a:graphicFrameLocks noChangeAspect="1"/>
+          </p:cNvGraphicFramePr>
+          <p:nvPr>
+            <p:custDataLst>
+              <p:tags r:id="rId2"/>
+            </p:custDataLst>
+            <p:extLst>
+              <p:ext uri="{D42A27DB-BD31-4B8C-83A1-F6EECF244321}">
+                <p14:modId xmlns:p14="http://schemas.microsoft.com/office/powerpoint/2010/main" val="4042091960"/>
+              </p:ext>
+            </p:extLst>
+          </p:nvPr>
+        </p:nvGraphicFramePr>
+        <p:xfrm>
+          <a:off x="0" y="0"/>
+          <a:ext cx="158750" cy="158750"/>
+        </p:xfrm>
+        <a:graphic>
+          <a:graphicData uri="http://schemas.openxmlformats.org/presentationml/2006/ole">
+            <mc:AlternateContent xmlns:mc="http://schemas.openxmlformats.org/markup-compatibility/2006">
+              <mc:Choice xmlns:v="urn:schemas-microsoft-com:vml" Requires="v">
+                <p:oleObj spid="_x0000_s29798" name="think-cell Slide" r:id="rId7" imgW="270" imgH="270" progId="TCLayout.ActiveDocument.1">
+                  <p:embed/>
+                </p:oleObj>
+              </mc:Choice>
+              <mc:Fallback>
+                <p:oleObj name="think-cell Slide" r:id="rId7" imgW="270" imgH="270" progId="TCLayout.ActiveDocument.1">
+                  <p:embed/>
+                  <p:pic>
+                    <p:nvPicPr>
+                      <p:cNvPr id="0" name=""/>
+                      <p:cNvPicPr/>
+                      <p:nvPr/>
+                    </p:nvPicPr>
+                    <p:blipFill>
+                      <a:blip r:embed="rId8"/>
+                      <a:stretch>
+                        <a:fillRect/>
+                      </a:stretch>
+                    </p:blipFill>
+                    <p:spPr>
+                      <a:xfrm>
+                        <a:off x="0" y="0"/>
+                        <a:ext cx="158750" cy="158750"/>
+                      </a:xfrm>
+                      <a:prstGeom prst="rect">
+                        <a:avLst/>
+                      </a:prstGeom>
+                    </p:spPr>
+                  </p:pic>
+                </p:oleObj>
+              </mc:Fallback>
+            </mc:AlternateContent>
+          </a:graphicData>
+        </a:graphic>
+      </p:graphicFrame>
+      <p:sp>
+        <p:nvSpPr>
+          <p:cNvPr id="2" name="Title 1"/>
+          <p:cNvSpPr>
+            <a:spLocks noGrp="1"/>
+          </p:cNvSpPr>
+          <p:nvPr>
+            <p:ph type="title"/>
+            <p:custDataLst>
+              <p:tags r:id="rId3"/>
+            </p:custDataLst>
+          </p:nvPr>
+        </p:nvSpPr>
+        <p:spPr/>
+        <p:txBody>
+          <a:bodyPr/>
+          <a:lstStyle/>
+          <a:p>
+            <a:r>
+              <a:rPr lang="en-US" smtClean="0"/>
+              <a:t>Building a Read Only Web API</a:t>
+            </a:r>
+            <a:endParaRPr lang="en-US" dirty="0"/>
+          </a:p>
+        </p:txBody>
+      </p:sp>
+      <p:sp>
+        <p:nvSpPr>
+          <p:cNvPr id="11" name="Content Placeholder 10"/>
+          <p:cNvSpPr>
+            <a:spLocks noGrp="1"/>
+          </p:cNvSpPr>
+          <p:nvPr>
+            <p:ph type="body" sz="quarter" idx="10"/>
+            <p:custDataLst>
+              <p:tags r:id="rId4"/>
+            </p:custDataLst>
+          </p:nvPr>
+        </p:nvSpPr>
+        <p:spPr>
+          <a:xfrm>
+            <a:off x="519112" y="1422157"/>
+            <a:ext cx="11149013" cy="2369880"/>
+          </a:xfrm>
+        </p:spPr>
+        <p:txBody>
+          <a:bodyPr/>
+          <a:lstStyle/>
+          <a:p>
+            <a:pPr>
+              <a:spcAft>
+                <a:spcPts val="1200"/>
+              </a:spcAft>
+            </a:pPr>
+            <a:r>
+              <a:rPr lang="en-US" sz="4000" dirty="0" smtClean="0">
+                <a:gradFill>
+                  <a:gsLst>
+                    <a:gs pos="0">
+                      <a:schemeClr val="accent2"/>
+                    </a:gs>
+                    <a:gs pos="100000">
+                      <a:schemeClr val="accent2"/>
+                    </a:gs>
+                  </a:gsLst>
+                  <a:lin ang="5400000" scaled="0"/>
+                </a:gradFill>
+                <a:latin typeface="Segoe UI Light" pitchFamily="34" charset="0"/>
+              </a:rPr>
+              <a:t>Why?</a:t>
+            </a:r>
+          </a:p>
+          <a:p>
+            <a:pPr>
+              <a:spcAft>
+                <a:spcPts val="1200"/>
+              </a:spcAft>
+            </a:pPr>
+            <a:r>
+              <a:rPr lang="en-US" sz="4000" dirty="0" smtClean="0">
+                <a:latin typeface="Segoe UI Light" pitchFamily="34" charset="0"/>
+              </a:rPr>
+              <a:t>Allow browser </a:t>
+            </a:r>
+            <a:r>
+              <a:rPr lang="en-US" sz="4000" smtClean="0">
+                <a:latin typeface="Segoe UI Light" pitchFamily="34" charset="0"/>
+              </a:rPr>
+              <a:t>or other clients </a:t>
+            </a:r>
+            <a:r>
+              <a:rPr lang="en-US" sz="4000" dirty="0" smtClean="0">
+                <a:latin typeface="Segoe UI Light" pitchFamily="34" charset="0"/>
+              </a:rPr>
+              <a:t>to </a:t>
+            </a:r>
+            <a:br>
+              <a:rPr lang="en-US" sz="4000" dirty="0" smtClean="0">
+                <a:latin typeface="Segoe UI Light" pitchFamily="34" charset="0"/>
+              </a:rPr>
+            </a:br>
+            <a:r>
+              <a:rPr lang="en-US" sz="4000" dirty="0" smtClean="0">
+                <a:latin typeface="Segoe UI Light" pitchFamily="34" charset="0"/>
+              </a:rPr>
+              <a:t>easily retrieve information </a:t>
+            </a:r>
+            <a:br>
+              <a:rPr lang="en-US" sz="4000" dirty="0" smtClean="0">
+                <a:latin typeface="Segoe UI Light" pitchFamily="34" charset="0"/>
+              </a:rPr>
+            </a:br>
+            <a:r>
+              <a:rPr lang="en-US" sz="4000" dirty="0" smtClean="0">
+                <a:latin typeface="Segoe UI Light" pitchFamily="34" charset="0"/>
+              </a:rPr>
+              <a:t>from your system</a:t>
+            </a:r>
+            <a:endParaRPr lang="en-US" sz="4000" dirty="0">
+              <a:latin typeface="Segoe UI Light" pitchFamily="34" charset="0"/>
+            </a:endParaRPr>
+          </a:p>
+        </p:txBody>
+      </p:sp>
+      <p:sp>
+        <p:nvSpPr>
+          <p:cNvPr id="6" name="Rectangle 5"/>
+          <p:cNvSpPr/>
+          <p:nvPr/>
+        </p:nvSpPr>
+        <p:spPr bwMode="auto">
+          <a:xfrm>
+            <a:off x="9072081" y="1141413"/>
+            <a:ext cx="2603981" cy="5716587"/>
+          </a:xfrm>
+          <a:prstGeom prst="rect">
+            <a:avLst/>
+          </a:prstGeom>
+          <a:solidFill>
+            <a:schemeClr val="accent4"/>
+          </a:solidFill>
+          <a:ln>
+            <a:noFill/>
+            <a:headEnd type="none" w="med" len="med"/>
+            <a:tailEnd type="none" w="med" len="med"/>
+          </a:ln>
+          <a:effectLst/>
+        </p:spPr>
+        <p:style>
+          <a:lnRef idx="1">
+            <a:schemeClr val="accent2"/>
+          </a:lnRef>
+          <a:fillRef idx="3">
+            <a:schemeClr val="accent2"/>
+          </a:fillRef>
+          <a:effectRef idx="2">
+            <a:schemeClr val="accent2"/>
+          </a:effectRef>
+          <a:fontRef idx="minor">
+            <a:schemeClr val="lt1"/>
+          </a:fontRef>
+        </p:style>
+        <p:txBody>
+          <a:bodyPr vert="horz" wrap="square" lIns="91436" tIns="45718" rIns="91436" bIns="45718" numCol="1" rtlCol="0" anchor="ctr" anchorCtr="0" compatLnSpc="1">
+            <a:prstTxWarp prst="textNoShape">
+              <a:avLst/>
+            </a:prstTxWarp>
+          </a:bodyPr>
+          <a:lstStyle/>
+          <a:p>
+            <a:pPr algn="ctr" defTabSz="914099" fontAlgn="base">
+              <a:spcBef>
+                <a:spcPct val="0"/>
+              </a:spcBef>
+              <a:spcAft>
+                <a:spcPct val="0"/>
+              </a:spcAft>
+            </a:pPr>
+            <a:endParaRPr lang="en-US" sz="2200" dirty="0" smtClean="0">
+              <a:gradFill>
+                <a:gsLst>
+                  <a:gs pos="0">
+                    <a:srgbClr val="FFFFFF"/>
+                  </a:gs>
+                  <a:gs pos="100000">
+                    <a:srgbClr val="FFFFFF"/>
+                  </a:gs>
+                </a:gsLst>
+                <a:lin ang="5400000" scaled="0"/>
+              </a:gradFill>
+            </a:endParaRPr>
+          </a:p>
+        </p:txBody>
+      </p:sp>
+      <p:sp>
+        <p:nvSpPr>
+          <p:cNvPr id="8" name="Freeform 9"/>
+          <p:cNvSpPr>
+            <a:spLocks noEditPoints="1"/>
+          </p:cNvSpPr>
+          <p:nvPr/>
+        </p:nvSpPr>
+        <p:spPr bwMode="black">
+          <a:xfrm>
+            <a:off x="9526363" y="1591438"/>
+            <a:ext cx="1695417" cy="1694975"/>
+          </a:xfrm>
+          <a:custGeom>
+            <a:avLst/>
+            <a:gdLst>
+              <a:gd name="T0" fmla="*/ 204 w 300"/>
+              <a:gd name="T1" fmla="*/ 62 h 300"/>
+              <a:gd name="T2" fmla="*/ 232 w 300"/>
+              <a:gd name="T3" fmla="*/ 76 h 300"/>
+              <a:gd name="T4" fmla="*/ 204 w 300"/>
+              <a:gd name="T5" fmla="*/ 89 h 300"/>
+              <a:gd name="T6" fmla="*/ 174 w 300"/>
+              <a:gd name="T7" fmla="*/ 83 h 300"/>
+              <a:gd name="T8" fmla="*/ 178 w 300"/>
+              <a:gd name="T9" fmla="*/ 49 h 300"/>
+              <a:gd name="T10" fmla="*/ 150 w 300"/>
+              <a:gd name="T11" fmla="*/ 35 h 300"/>
+              <a:gd name="T12" fmla="*/ 178 w 300"/>
+              <a:gd name="T13" fmla="*/ 22 h 300"/>
+              <a:gd name="T14" fmla="*/ 208 w 300"/>
+              <a:gd name="T15" fmla="*/ 28 h 300"/>
+              <a:gd name="T16" fmla="*/ 288 w 300"/>
+              <a:gd name="T17" fmla="*/ 199 h 300"/>
+              <a:gd name="T18" fmla="*/ 266 w 300"/>
+              <a:gd name="T19" fmla="*/ 219 h 300"/>
+              <a:gd name="T20" fmla="*/ 169 w 300"/>
+              <a:gd name="T21" fmla="*/ 242 h 300"/>
+              <a:gd name="T22" fmla="*/ 47 w 300"/>
+              <a:gd name="T23" fmla="*/ 175 h 300"/>
+              <a:gd name="T24" fmla="*/ 130 w 300"/>
+              <a:gd name="T25" fmla="*/ 160 h 300"/>
+              <a:gd name="T26" fmla="*/ 198 w 300"/>
+              <a:gd name="T27" fmla="*/ 158 h 300"/>
+              <a:gd name="T28" fmla="*/ 201 w 300"/>
+              <a:gd name="T29" fmla="*/ 183 h 300"/>
+              <a:gd name="T30" fmla="*/ 144 w 300"/>
+              <a:gd name="T31" fmla="*/ 190 h 300"/>
+              <a:gd name="T32" fmla="*/ 223 w 300"/>
+              <a:gd name="T33" fmla="*/ 207 h 300"/>
+              <a:gd name="T34" fmla="*/ 287 w 300"/>
+              <a:gd name="T35" fmla="*/ 182 h 300"/>
+              <a:gd name="T36" fmla="*/ 34 w 300"/>
+              <a:gd name="T37" fmla="*/ 162 h 300"/>
+              <a:gd name="T38" fmla="*/ 0 w 300"/>
+              <a:gd name="T39" fmla="*/ 228 h 300"/>
+              <a:gd name="T40" fmla="*/ 39 w 300"/>
+              <a:gd name="T41" fmla="*/ 224 h 300"/>
+              <a:gd name="T42" fmla="*/ 34 w 300"/>
+              <a:gd name="T43" fmla="*/ 162 h 300"/>
+              <a:gd name="T44" fmla="*/ 300 w 300"/>
+              <a:gd name="T45" fmla="*/ 294 h 300"/>
+              <a:gd name="T46" fmla="*/ 0 w 300"/>
+              <a:gd name="T47" fmla="*/ 300 h 300"/>
+              <a:gd name="T48" fmla="*/ 270 w 300"/>
+              <a:gd name="T49" fmla="*/ 86 h 300"/>
+              <a:gd name="T50" fmla="*/ 274 w 300"/>
+              <a:gd name="T51" fmla="*/ 68 h 300"/>
+              <a:gd name="T52" fmla="*/ 296 w 300"/>
+              <a:gd name="T53" fmla="*/ 44 h 300"/>
+              <a:gd name="T54" fmla="*/ 290 w 300"/>
+              <a:gd name="T55" fmla="*/ 9 h 300"/>
+              <a:gd name="T56" fmla="*/ 239 w 300"/>
+              <a:gd name="T57" fmla="*/ 8 h 300"/>
+              <a:gd name="T58" fmla="*/ 242 w 300"/>
+              <a:gd name="T59" fmla="*/ 34 h 300"/>
+              <a:gd name="T60" fmla="*/ 264 w 300"/>
+              <a:gd name="T61" fmla="*/ 11 h 300"/>
+              <a:gd name="T62" fmla="*/ 286 w 300"/>
+              <a:gd name="T63" fmla="*/ 31 h 300"/>
+              <a:gd name="T64" fmla="*/ 274 w 300"/>
+              <a:gd name="T65" fmla="*/ 50 h 300"/>
+              <a:gd name="T66" fmla="*/ 259 w 300"/>
+              <a:gd name="T67" fmla="*/ 68 h 300"/>
+              <a:gd name="T68" fmla="*/ 256 w 300"/>
+              <a:gd name="T69" fmla="*/ 86 h 300"/>
+              <a:gd name="T70" fmla="*/ 270 w 300"/>
+              <a:gd name="T71" fmla="*/ 111 h 300"/>
+              <a:gd name="T72" fmla="*/ 256 w 300"/>
+              <a:gd name="T73" fmla="*/ 98 h 300"/>
+              <a:gd name="T74" fmla="*/ 270 w 300"/>
+              <a:gd name="T75" fmla="*/ 111 h 300"/>
+              <a:gd name="T76" fmla="*/ 75 w 300"/>
+              <a:gd name="T77" fmla="*/ 111 h 300"/>
+              <a:gd name="T78" fmla="*/ 98 w 300"/>
+              <a:gd name="T79" fmla="*/ 0 h 300"/>
+              <a:gd name="T80" fmla="*/ 153 w 300"/>
+              <a:gd name="T81" fmla="*/ 111 h 300"/>
+              <a:gd name="T82" fmla="*/ 126 w 300"/>
+              <a:gd name="T83" fmla="*/ 76 h 300"/>
+              <a:gd name="T84" fmla="*/ 123 w 300"/>
+              <a:gd name="T85" fmla="*/ 65 h 300"/>
+              <a:gd name="T86" fmla="*/ 106 w 300"/>
+              <a:gd name="T87" fmla="*/ 13 h 300"/>
+              <a:gd name="T88" fmla="*/ 100 w 300"/>
+              <a:gd name="T89" fmla="*/ 33 h 300"/>
+              <a:gd name="T90" fmla="*/ 123 w 300"/>
+              <a:gd name="T91" fmla="*/ 65 h 300"/>
+            </a:gdLst>
+            <a:ahLst/>
+            <a:cxnLst>
+              <a:cxn ang="0">
+                <a:pos x="T0" y="T1"/>
+              </a:cxn>
+              <a:cxn ang="0">
+                <a:pos x="T2" y="T3"/>
+              </a:cxn>
+              <a:cxn ang="0">
+                <a:pos x="T4" y="T5"/>
+              </a:cxn>
+              <a:cxn ang="0">
+                <a:pos x="T6" y="T7"/>
+              </a:cxn>
+              <a:cxn ang="0">
+                <a:pos x="T8" y="T9"/>
+              </a:cxn>
+              <a:cxn ang="0">
+                <a:pos x="T10" y="T11"/>
+              </a:cxn>
+              <a:cxn ang="0">
+                <a:pos x="T12" y="T13"/>
+              </a:cxn>
+              <a:cxn ang="0">
+                <a:pos x="T14" y="T15"/>
+              </a:cxn>
+              <a:cxn ang="0">
+                <a:pos x="T16" y="T17"/>
+              </a:cxn>
+              <a:cxn ang="0">
+                <a:pos x="T18" y="T19"/>
+              </a:cxn>
+              <a:cxn ang="0">
+                <a:pos x="T20" y="T21"/>
+              </a:cxn>
+              <a:cxn ang="0">
+                <a:pos x="T22" y="T23"/>
+              </a:cxn>
+              <a:cxn ang="0">
+                <a:pos x="T24" y="T25"/>
+              </a:cxn>
+              <a:cxn ang="0">
+                <a:pos x="T26" y="T27"/>
+              </a:cxn>
+              <a:cxn ang="0">
+                <a:pos x="T28" y="T29"/>
+              </a:cxn>
+              <a:cxn ang="0">
+                <a:pos x="T30" y="T31"/>
+              </a:cxn>
+              <a:cxn ang="0">
+                <a:pos x="T32" y="T33"/>
+              </a:cxn>
+              <a:cxn ang="0">
+                <a:pos x="T34" y="T35"/>
+              </a:cxn>
+              <a:cxn ang="0">
+                <a:pos x="T36" y="T37"/>
+              </a:cxn>
+              <a:cxn ang="0">
+                <a:pos x="T38" y="T39"/>
+              </a:cxn>
+              <a:cxn ang="0">
+                <a:pos x="T40" y="T41"/>
+              </a:cxn>
+              <a:cxn ang="0">
+                <a:pos x="T42" y="T43"/>
+              </a:cxn>
+              <a:cxn ang="0">
+                <a:pos x="T44" y="T45"/>
+              </a:cxn>
+              <a:cxn ang="0">
+                <a:pos x="T46" y="T47"/>
+              </a:cxn>
+              <a:cxn ang="0">
+                <a:pos x="T48" y="T49"/>
+              </a:cxn>
+              <a:cxn ang="0">
+                <a:pos x="T50" y="T51"/>
+              </a:cxn>
+              <a:cxn ang="0">
+                <a:pos x="T52" y="T53"/>
+              </a:cxn>
+              <a:cxn ang="0">
+                <a:pos x="T54" y="T55"/>
+              </a:cxn>
+              <a:cxn ang="0">
+                <a:pos x="T56" y="T57"/>
+              </a:cxn>
+              <a:cxn ang="0">
+                <a:pos x="T58" y="T59"/>
+              </a:cxn>
+              <a:cxn ang="0">
+                <a:pos x="T60" y="T61"/>
+              </a:cxn>
+              <a:cxn ang="0">
+                <a:pos x="T62" y="T63"/>
+              </a:cxn>
+              <a:cxn ang="0">
+                <a:pos x="T64" y="T65"/>
+              </a:cxn>
+              <a:cxn ang="0">
+                <a:pos x="T66" y="T67"/>
+              </a:cxn>
+              <a:cxn ang="0">
+                <a:pos x="T68" y="T69"/>
+              </a:cxn>
+              <a:cxn ang="0">
+                <a:pos x="T70" y="T71"/>
+              </a:cxn>
+              <a:cxn ang="0">
+                <a:pos x="T72" y="T73"/>
+              </a:cxn>
+              <a:cxn ang="0">
+                <a:pos x="T74" y="T75"/>
+              </a:cxn>
+              <a:cxn ang="0">
+                <a:pos x="T76" y="T77"/>
+              </a:cxn>
+              <a:cxn ang="0">
+                <a:pos x="T78" y="T79"/>
+              </a:cxn>
+              <a:cxn ang="0">
+                <a:pos x="T80" y="T81"/>
+              </a:cxn>
+              <a:cxn ang="0">
+                <a:pos x="T82" y="T83"/>
+              </a:cxn>
+              <a:cxn ang="0">
+                <a:pos x="T84" y="T85"/>
+              </a:cxn>
+              <a:cxn ang="0">
+                <a:pos x="T86" y="T87"/>
+              </a:cxn>
+              <a:cxn ang="0">
+                <a:pos x="T88" y="T89"/>
+              </a:cxn>
+              <a:cxn ang="0">
+                <a:pos x="T90" y="T91"/>
+              </a:cxn>
+            </a:cxnLst>
+            <a:rect l="0" t="0" r="r" b="b"/>
+            <a:pathLst>
+              <a:path w="300" h="300">
+                <a:moveTo>
+                  <a:pt x="174" y="83"/>
+                </a:moveTo>
+                <a:cubicBezTo>
+                  <a:pt x="204" y="62"/>
+                  <a:pt x="204" y="62"/>
+                  <a:pt x="204" y="62"/>
+                </a:cubicBezTo>
+                <a:cubicBezTo>
+                  <a:pt x="204" y="76"/>
+                  <a:pt x="204" y="76"/>
+                  <a:pt x="204" y="76"/>
+                </a:cubicBezTo>
+                <a:cubicBezTo>
+                  <a:pt x="232" y="76"/>
+                  <a:pt x="232" y="76"/>
+                  <a:pt x="232" y="76"/>
+                </a:cubicBezTo>
+                <a:cubicBezTo>
+                  <a:pt x="232" y="89"/>
+                  <a:pt x="232" y="89"/>
+                  <a:pt x="232" y="89"/>
+                </a:cubicBezTo>
+                <a:cubicBezTo>
+                  <a:pt x="204" y="89"/>
+                  <a:pt x="204" y="89"/>
+                  <a:pt x="204" y="89"/>
+                </a:cubicBezTo>
+                <a:cubicBezTo>
+                  <a:pt x="204" y="104"/>
+                  <a:pt x="204" y="104"/>
+                  <a:pt x="204" y="104"/>
+                </a:cubicBezTo>
+                <a:lnTo>
+                  <a:pt x="174" y="83"/>
+                </a:lnTo>
+                <a:close/>
+                <a:moveTo>
+                  <a:pt x="208" y="28"/>
+                </a:moveTo>
+                <a:cubicBezTo>
+                  <a:pt x="178" y="49"/>
+                  <a:pt x="178" y="49"/>
+                  <a:pt x="178" y="49"/>
+                </a:cubicBezTo>
+                <a:cubicBezTo>
+                  <a:pt x="178" y="35"/>
+                  <a:pt x="178" y="35"/>
+                  <a:pt x="178" y="35"/>
+                </a:cubicBezTo>
+                <a:cubicBezTo>
+                  <a:pt x="150" y="35"/>
+                  <a:pt x="150" y="35"/>
+                  <a:pt x="150" y="35"/>
+                </a:cubicBezTo>
+                <a:cubicBezTo>
+                  <a:pt x="150" y="22"/>
+                  <a:pt x="150" y="22"/>
+                  <a:pt x="150" y="22"/>
+                </a:cubicBezTo>
+                <a:cubicBezTo>
+                  <a:pt x="178" y="22"/>
+                  <a:pt x="178" y="22"/>
+                  <a:pt x="178" y="22"/>
+                </a:cubicBezTo>
+                <a:cubicBezTo>
+                  <a:pt x="178" y="7"/>
+                  <a:pt x="178" y="7"/>
+                  <a:pt x="178" y="7"/>
+                </a:cubicBezTo>
+                <a:lnTo>
+                  <a:pt x="208" y="28"/>
+                </a:lnTo>
+                <a:close/>
+                <a:moveTo>
+                  <a:pt x="300" y="190"/>
+                </a:moveTo>
+                <a:cubicBezTo>
+                  <a:pt x="300" y="190"/>
+                  <a:pt x="299" y="191"/>
+                  <a:pt x="288" y="199"/>
+                </a:cubicBezTo>
+                <a:cubicBezTo>
+                  <a:pt x="288" y="199"/>
+                  <a:pt x="286" y="203"/>
+                  <a:pt x="285" y="203"/>
+                </a:cubicBezTo>
+                <a:cubicBezTo>
+                  <a:pt x="280" y="207"/>
+                  <a:pt x="275" y="212"/>
+                  <a:pt x="266" y="219"/>
+                </a:cubicBezTo>
+                <a:cubicBezTo>
+                  <a:pt x="257" y="219"/>
+                  <a:pt x="238" y="228"/>
+                  <a:pt x="229" y="233"/>
+                </a:cubicBezTo>
+                <a:cubicBezTo>
+                  <a:pt x="212" y="233"/>
+                  <a:pt x="187" y="237"/>
+                  <a:pt x="169" y="242"/>
+                </a:cubicBezTo>
+                <a:cubicBezTo>
+                  <a:pt x="143" y="237"/>
+                  <a:pt x="140" y="244"/>
+                  <a:pt x="47" y="220"/>
+                </a:cubicBezTo>
+                <a:cubicBezTo>
+                  <a:pt x="47" y="220"/>
+                  <a:pt x="47" y="183"/>
+                  <a:pt x="47" y="175"/>
+                </a:cubicBezTo>
+                <a:cubicBezTo>
+                  <a:pt x="64" y="170"/>
+                  <a:pt x="69" y="160"/>
+                  <a:pt x="89" y="157"/>
+                </a:cubicBezTo>
+                <a:cubicBezTo>
+                  <a:pt x="103" y="155"/>
+                  <a:pt x="116" y="156"/>
+                  <a:pt x="130" y="160"/>
+                </a:cubicBezTo>
+                <a:cubicBezTo>
+                  <a:pt x="139" y="163"/>
+                  <a:pt x="148" y="164"/>
+                  <a:pt x="163" y="163"/>
+                </a:cubicBezTo>
+                <a:cubicBezTo>
+                  <a:pt x="176" y="162"/>
+                  <a:pt x="181" y="158"/>
+                  <a:pt x="198" y="158"/>
+                </a:cubicBezTo>
+                <a:cubicBezTo>
+                  <a:pt x="209" y="158"/>
+                  <a:pt x="220" y="165"/>
+                  <a:pt x="219" y="171"/>
+                </a:cubicBezTo>
+                <a:cubicBezTo>
+                  <a:pt x="219" y="177"/>
+                  <a:pt x="208" y="183"/>
+                  <a:pt x="201" y="183"/>
+                </a:cubicBezTo>
+                <a:cubicBezTo>
+                  <a:pt x="185" y="184"/>
+                  <a:pt x="189" y="183"/>
+                  <a:pt x="174" y="183"/>
+                </a:cubicBezTo>
+                <a:cubicBezTo>
+                  <a:pt x="156" y="182"/>
+                  <a:pt x="155" y="186"/>
+                  <a:pt x="144" y="190"/>
+                </a:cubicBezTo>
+                <a:cubicBezTo>
+                  <a:pt x="155" y="194"/>
+                  <a:pt x="162" y="198"/>
+                  <a:pt x="177" y="206"/>
+                </a:cubicBezTo>
+                <a:cubicBezTo>
+                  <a:pt x="193" y="204"/>
+                  <a:pt x="209" y="206"/>
+                  <a:pt x="223" y="207"/>
+                </a:cubicBezTo>
+                <a:cubicBezTo>
+                  <a:pt x="235" y="204"/>
+                  <a:pt x="241" y="199"/>
+                  <a:pt x="255" y="198"/>
+                </a:cubicBezTo>
+                <a:cubicBezTo>
+                  <a:pt x="264" y="191"/>
+                  <a:pt x="276" y="180"/>
+                  <a:pt x="287" y="182"/>
+                </a:cubicBezTo>
+                <a:cubicBezTo>
+                  <a:pt x="293" y="183"/>
+                  <a:pt x="300" y="190"/>
+                  <a:pt x="300" y="190"/>
+                </a:cubicBezTo>
+                <a:close/>
+                <a:moveTo>
+                  <a:pt x="34" y="162"/>
+                </a:moveTo>
+                <a:cubicBezTo>
+                  <a:pt x="0" y="162"/>
+                  <a:pt x="0" y="162"/>
+                  <a:pt x="0" y="162"/>
+                </a:cubicBezTo>
+                <a:cubicBezTo>
+                  <a:pt x="0" y="228"/>
+                  <a:pt x="0" y="228"/>
+                  <a:pt x="0" y="228"/>
+                </a:cubicBezTo>
+                <a:cubicBezTo>
+                  <a:pt x="34" y="228"/>
+                  <a:pt x="34" y="228"/>
+                  <a:pt x="34" y="228"/>
+                </a:cubicBezTo>
+                <a:cubicBezTo>
+                  <a:pt x="37" y="228"/>
+                  <a:pt x="39" y="226"/>
+                  <a:pt x="39" y="224"/>
+                </a:cubicBezTo>
+                <a:cubicBezTo>
+                  <a:pt x="39" y="166"/>
+                  <a:pt x="39" y="166"/>
+                  <a:pt x="39" y="166"/>
+                </a:cubicBezTo>
+                <a:cubicBezTo>
+                  <a:pt x="39" y="164"/>
+                  <a:pt x="37" y="162"/>
+                  <a:pt x="34" y="162"/>
+                </a:cubicBezTo>
+                <a:close/>
+                <a:moveTo>
+                  <a:pt x="300" y="300"/>
+                </a:moveTo>
+                <a:cubicBezTo>
+                  <a:pt x="300" y="294"/>
+                  <a:pt x="300" y="294"/>
+                  <a:pt x="300" y="294"/>
+                </a:cubicBezTo>
+                <a:cubicBezTo>
+                  <a:pt x="0" y="294"/>
+                  <a:pt x="0" y="294"/>
+                  <a:pt x="0" y="294"/>
+                </a:cubicBezTo>
+                <a:cubicBezTo>
+                  <a:pt x="0" y="300"/>
+                  <a:pt x="0" y="300"/>
+                  <a:pt x="0" y="300"/>
+                </a:cubicBezTo>
+                <a:cubicBezTo>
+                  <a:pt x="300" y="300"/>
+                  <a:pt x="300" y="300"/>
+                  <a:pt x="300" y="300"/>
+                </a:cubicBezTo>
+                <a:close/>
+                <a:moveTo>
+                  <a:pt x="270" y="86"/>
+                </a:moveTo>
+                <a:cubicBezTo>
+                  <a:pt x="270" y="81"/>
+                  <a:pt x="270" y="77"/>
+                  <a:pt x="271" y="74"/>
+                </a:cubicBezTo>
+                <a:cubicBezTo>
+                  <a:pt x="272" y="72"/>
+                  <a:pt x="273" y="70"/>
+                  <a:pt x="274" y="68"/>
+                </a:cubicBezTo>
+                <a:cubicBezTo>
+                  <a:pt x="275" y="66"/>
+                  <a:pt x="278" y="63"/>
+                  <a:pt x="283" y="59"/>
+                </a:cubicBezTo>
+                <a:cubicBezTo>
+                  <a:pt x="289" y="53"/>
+                  <a:pt x="294" y="48"/>
+                  <a:pt x="296" y="44"/>
+                </a:cubicBezTo>
+                <a:cubicBezTo>
+                  <a:pt x="299" y="40"/>
+                  <a:pt x="300" y="35"/>
+                  <a:pt x="300" y="31"/>
+                </a:cubicBezTo>
+                <a:cubicBezTo>
+                  <a:pt x="300" y="22"/>
+                  <a:pt x="296" y="15"/>
+                  <a:pt x="290" y="9"/>
+                </a:cubicBezTo>
+                <a:cubicBezTo>
+                  <a:pt x="283" y="3"/>
+                  <a:pt x="275" y="0"/>
+                  <a:pt x="264" y="0"/>
+                </a:cubicBezTo>
+                <a:cubicBezTo>
+                  <a:pt x="253" y="0"/>
+                  <a:pt x="245" y="3"/>
+                  <a:pt x="239" y="8"/>
+                </a:cubicBezTo>
+                <a:cubicBezTo>
+                  <a:pt x="231" y="15"/>
+                  <a:pt x="228" y="24"/>
+                  <a:pt x="228" y="34"/>
+                </a:cubicBezTo>
+                <a:cubicBezTo>
+                  <a:pt x="242" y="34"/>
+                  <a:pt x="242" y="34"/>
+                  <a:pt x="242" y="34"/>
+                </a:cubicBezTo>
+                <a:cubicBezTo>
+                  <a:pt x="243" y="26"/>
+                  <a:pt x="243" y="21"/>
+                  <a:pt x="249" y="17"/>
+                </a:cubicBezTo>
+                <a:cubicBezTo>
+                  <a:pt x="253" y="13"/>
+                  <a:pt x="258" y="11"/>
+                  <a:pt x="264" y="11"/>
+                </a:cubicBezTo>
+                <a:cubicBezTo>
+                  <a:pt x="270" y="11"/>
+                  <a:pt x="277" y="13"/>
+                  <a:pt x="281" y="17"/>
+                </a:cubicBezTo>
+                <a:cubicBezTo>
+                  <a:pt x="285" y="21"/>
+                  <a:pt x="286" y="25"/>
+                  <a:pt x="286" y="31"/>
+                </a:cubicBezTo>
+                <a:cubicBezTo>
+                  <a:pt x="286" y="34"/>
+                  <a:pt x="285" y="37"/>
+                  <a:pt x="283" y="40"/>
+                </a:cubicBezTo>
+                <a:cubicBezTo>
+                  <a:pt x="282" y="42"/>
+                  <a:pt x="279" y="46"/>
+                  <a:pt x="274" y="50"/>
+                </a:cubicBezTo>
+                <a:cubicBezTo>
+                  <a:pt x="269" y="54"/>
+                  <a:pt x="266" y="57"/>
+                  <a:pt x="264" y="59"/>
+                </a:cubicBezTo>
+                <a:cubicBezTo>
+                  <a:pt x="262" y="62"/>
+                  <a:pt x="260" y="65"/>
+                  <a:pt x="259" y="68"/>
+                </a:cubicBezTo>
+                <a:cubicBezTo>
+                  <a:pt x="257" y="72"/>
+                  <a:pt x="256" y="77"/>
+                  <a:pt x="256" y="82"/>
+                </a:cubicBezTo>
+                <a:cubicBezTo>
+                  <a:pt x="256" y="83"/>
+                  <a:pt x="256" y="85"/>
+                  <a:pt x="256" y="86"/>
+                </a:cubicBezTo>
+                <a:lnTo>
+                  <a:pt x="270" y="86"/>
+                </a:lnTo>
+                <a:close/>
+                <a:moveTo>
+                  <a:pt x="270" y="111"/>
+                </a:moveTo>
+                <a:cubicBezTo>
+                  <a:pt x="270" y="98"/>
+                  <a:pt x="270" y="98"/>
+                  <a:pt x="270" y="98"/>
+                </a:cubicBezTo>
+                <a:cubicBezTo>
+                  <a:pt x="256" y="98"/>
+                  <a:pt x="256" y="98"/>
+                  <a:pt x="256" y="98"/>
+                </a:cubicBezTo>
+                <a:cubicBezTo>
+                  <a:pt x="256" y="111"/>
+                  <a:pt x="256" y="111"/>
+                  <a:pt x="256" y="111"/>
+                </a:cubicBezTo>
+                <a:lnTo>
+                  <a:pt x="270" y="111"/>
+                </a:lnTo>
+                <a:close/>
+                <a:moveTo>
+                  <a:pt x="86" y="76"/>
+                </a:moveTo>
+                <a:cubicBezTo>
+                  <a:pt x="75" y="111"/>
+                  <a:pt x="75" y="111"/>
+                  <a:pt x="75" y="111"/>
+                </a:cubicBezTo>
+                <a:cubicBezTo>
+                  <a:pt x="60" y="111"/>
+                  <a:pt x="60" y="111"/>
+                  <a:pt x="60" y="111"/>
+                </a:cubicBezTo>
+                <a:cubicBezTo>
+                  <a:pt x="98" y="0"/>
+                  <a:pt x="98" y="0"/>
+                  <a:pt x="98" y="0"/>
+                </a:cubicBezTo>
+                <a:cubicBezTo>
+                  <a:pt x="115" y="0"/>
+                  <a:pt x="115" y="0"/>
+                  <a:pt x="115" y="0"/>
+                </a:cubicBezTo>
+                <a:cubicBezTo>
+                  <a:pt x="153" y="111"/>
+                  <a:pt x="153" y="111"/>
+                  <a:pt x="153" y="111"/>
+                </a:cubicBezTo>
+                <a:cubicBezTo>
+                  <a:pt x="138" y="111"/>
+                  <a:pt x="138" y="111"/>
+                  <a:pt x="138" y="111"/>
+                </a:cubicBezTo>
+                <a:cubicBezTo>
+                  <a:pt x="126" y="76"/>
+                  <a:pt x="126" y="76"/>
+                  <a:pt x="126" y="76"/>
+                </a:cubicBezTo>
+                <a:lnTo>
+                  <a:pt x="86" y="76"/>
+                </a:lnTo>
+                <a:close/>
+                <a:moveTo>
+                  <a:pt x="123" y="65"/>
+                </a:moveTo>
+                <a:cubicBezTo>
+                  <a:pt x="112" y="33"/>
+                  <a:pt x="112" y="33"/>
+                  <a:pt x="112" y="33"/>
+                </a:cubicBezTo>
+                <a:cubicBezTo>
+                  <a:pt x="109" y="26"/>
+                  <a:pt x="108" y="19"/>
+                  <a:pt x="106" y="13"/>
+                </a:cubicBezTo>
+                <a:cubicBezTo>
+                  <a:pt x="106" y="13"/>
+                  <a:pt x="106" y="13"/>
+                  <a:pt x="106" y="13"/>
+                </a:cubicBezTo>
+                <a:cubicBezTo>
+                  <a:pt x="104" y="19"/>
+                  <a:pt x="102" y="26"/>
+                  <a:pt x="100" y="33"/>
+                </a:cubicBezTo>
+                <a:cubicBezTo>
+                  <a:pt x="89" y="65"/>
+                  <a:pt x="89" y="65"/>
+                  <a:pt x="89" y="65"/>
+                </a:cubicBezTo>
+                <a:lnTo>
+                  <a:pt x="123" y="65"/>
+                </a:lnTo>
+                <a:close/>
+              </a:path>
+            </a:pathLst>
+          </a:custGeom>
+          <a:solidFill>
+            <a:srgbClr val="FFFFFF"/>
+          </a:solidFill>
+          <a:ln>
+            <a:noFill/>
+          </a:ln>
+        </p:spPr>
+        <p:txBody>
+          <a:bodyPr vert="horz" wrap="square" lIns="82305" tIns="41153" rIns="82305" bIns="41153" numCol="1" anchor="t" anchorCtr="0" compatLnSpc="1">
+            <a:prstTxWarp prst="textNoShape">
+              <a:avLst/>
+            </a:prstTxWarp>
+          </a:bodyPr>
+          <a:lstStyle/>
+          <a:p>
+            <a:endParaRPr lang="en-US" sz="1600"/>
+          </a:p>
+        </p:txBody>
+      </p:sp>
+    </p:spTree>
+    <p:extLst>
+      <p:ext uri="{BB962C8B-B14F-4D97-AF65-F5344CB8AC3E}">
+        <p14:creationId xmlns:p14="http://schemas.microsoft.com/office/powerpoint/2010/main" val="1108577985"/>
+      </p:ext>
+    </p:extLst>
+  </p:cSld>
+  <p:clrMapOvr>
+    <a:masterClrMapping/>
+  </p:clrMapOvr>
+  <mc:AlternateContent xmlns:mc="http://schemas.openxmlformats.org/markup-compatibility/2006" xmlns:p14="http://schemas.microsoft.com/office/powerpoint/2010/main">
+    <mc:Choice Requires="p14">
+      <p:transition spd="med" p14:dur="700">
+        <p:fade/>
+      </p:transition>
+    </mc:Choice>
+    <mc:Fallback xmlns="">
+      <p:transition spd="med">
+        <p:fade/>
+      </p:transition>
+    </mc:Fallback>
+  </mc:AlternateContent>
+  <p:timing>
+    <p:tnLst>
+      <p:par>
+        <p:cTn id="1" dur="indefinite" restart="never" nodeType="tmRoot">
+          <p:childTnLst>
+            <p:seq concurrent="1" nextAc="seek">
+              <p:cTn id="2" dur="indefinite" nodeType="mainSeq">
+                <p:childTnLst>
+                  <p:par>
+                    <p:cTn id="3" fill="hold">
+                      <p:stCondLst>
+                        <p:cond delay="indefinite"/>
+                        <p:cond evt="onBegin" delay="0">
+                          <p:tn val="2"/>
+                        </p:cond>
+                      </p:stCondLst>
+                      <p:childTnLst>
+                        <p:par>
+                          <p:cTn id="4" fill="hold">
+                            <p:stCondLst>
+                              <p:cond delay="0"/>
+                            </p:stCondLst>
+                            <p:childTnLst>
+                              <p:par>
+                                <p:cTn id="5" presetID="2" presetClass="entr" presetSubtype="4" decel="100000" fill="hold" grpId="0" nodeType="withEffect">
+                                  <p:stCondLst>
+                                    <p:cond delay="0"/>
+                                  </p:stCondLst>
+                                  <p:childTnLst>
+                                    <p:set>
+                                      <p:cBhvr>
+                                        <p:cTn id="6" dur="1" fill="hold">
+                                          <p:stCondLst>
+                                            <p:cond delay="0"/>
+                                          </p:stCondLst>
+                                        </p:cTn>
+                                        <p:tgtEl>
+                                          <p:spTgt spid="6"/>
+                                        </p:tgtEl>
+                                        <p:attrNameLst>
+                                          <p:attrName>style.visibility</p:attrName>
+                                        </p:attrNameLst>
+                                      </p:cBhvr>
+                                      <p:to>
+                                        <p:strVal val="visible"/>
+                                      </p:to>
+                                    </p:set>
+                                    <p:anim calcmode="lin" valueType="num">
+                                      <p:cBhvr additive="base">
+                                        <p:cTn id="7" dur="500" fill="hold"/>
+                                        <p:tgtEl>
+                                          <p:spTgt spid="6"/>
+                                        </p:tgtEl>
+                                        <p:attrNameLst>
+                                          <p:attrName>ppt_x</p:attrName>
+                                        </p:attrNameLst>
+                                      </p:cBhvr>
+                                      <p:tavLst>
+                                        <p:tav tm="0">
+                                          <p:val>
+                                            <p:strVal val="#ppt_x"/>
+                                          </p:val>
+                                        </p:tav>
+                                        <p:tav tm="100000">
+                                          <p:val>
+                                            <p:strVal val="#ppt_x"/>
+                                          </p:val>
+                                        </p:tav>
+                                      </p:tavLst>
+                                    </p:anim>
+                                    <p:anim calcmode="lin" valueType="num">
+                                      <p:cBhvr additive="base">
+                                        <p:cTn id="8" dur="500" fill="hold"/>
+                                        <p:tgtEl>
+                                          <p:spTgt spid="6"/>
+                                        </p:tgtEl>
+                                        <p:attrNameLst>
+                                          <p:attrName>ppt_y</p:attrName>
+                                        </p:attrNameLst>
+                                      </p:cBhvr>
+                                      <p:tavLst>
+                                        <p:tav tm="0">
+                                          <p:val>
+                                            <p:strVal val="1+#ppt_h/2"/>
+                                          </p:val>
+                                        </p:tav>
+                                        <p:tav tm="100000">
+                                          <p:val>
+                                            <p:strVal val="#ppt_y"/>
+                                          </p:val>
+                                        </p:tav>
+                                      </p:tavLst>
+                                    </p:anim>
+                                  </p:childTnLst>
+                                </p:cTn>
+                              </p:par>
+                            </p:childTnLst>
+                          </p:cTn>
+                        </p:par>
+                      </p:childTnLst>
+                    </p:cTn>
+                  </p:par>
+                </p:childTnLst>
+              </p:cTn>
+              <p:prevCondLst>
+                <p:cond evt="onPrev" delay="0">
+                  <p:tgtEl>
+                    <p:sldTgt/>
+                  </p:tgtEl>
+                </p:cond>
+              </p:prevCondLst>
+              <p:nextCondLst>
+                <p:cond evt="onNext" delay="0">
+                  <p:tgtEl>
+                    <p:sldTgt/>
+                  </p:tgtEl>
+                </p:cond>
+              </p:nextCondLst>
+            </p:seq>
+          </p:childTnLst>
+        </p:cTn>
+      </p:par>
+    </p:tnLst>
+    <p:bldLst>
+      <p:bldP spid="6" grpId="0" animBg="1"/>
+    </p:bldLst>
+  </p:timing>
+</p:sld>
+</file>
+
+<file path=ppt/slides/slide11.xml><?xml version="1.0" encoding="utf-8"?>
+<p:sld xmlns:a="http://schemas.openxmlformats.org/drawingml/2006/main" xmlns:r="http://schemas.openxmlformats.org/officeDocument/2006/relationships" xmlns:p="http://schemas.openxmlformats.org/presentationml/2006/main">
+  <p:cSld>
+    <p:spTree>
+      <p:nvGrpSpPr>
+        <p:cNvPr id="1" name=""/>
+        <p:cNvGrpSpPr/>
+        <p:nvPr/>
+      </p:nvGrpSpPr>
+      <p:grpSpPr>
+        <a:xfrm>
+          <a:off x="0" y="0"/>
+          <a:ext cx="0" cy="0"/>
+          <a:chOff x="0" y="0"/>
+          <a:chExt cx="0" cy="0"/>
+        </a:xfrm>
+      </p:grpSpPr>
       <p:sp>
         <p:nvSpPr>
           <p:cNvPr id="15" name="Rectangle 14"/>
@@ -19966,7 +24335,7 @@
 </p:sld>
 </file>
 
-<file path=ppt/slides/slide11.xml><?xml version="1.0" encoding="utf-8"?>
+<file path=ppt/slides/slide12.xml><?xml version="1.0" encoding="utf-8"?>
 <p:sld xmlns:a="http://schemas.openxmlformats.org/drawingml/2006/main" xmlns:r="http://schemas.openxmlformats.org/officeDocument/2006/relationships" xmlns:p="http://schemas.openxmlformats.org/presentationml/2006/main">
   <p:cSld>
     <p:spTree>
@@ -20760,7 +25129,7 @@
 </p:sld>
 </file>
 
-<file path=ppt/slides/slide12.xml><?xml version="1.0" encoding="utf-8"?>
+<file path=ppt/slides/slide13.xml><?xml version="1.0" encoding="utf-8"?>
 <p:sld xmlns:a="http://schemas.openxmlformats.org/drawingml/2006/main" xmlns:r="http://schemas.openxmlformats.org/officeDocument/2006/relationships" xmlns:p="http://schemas.openxmlformats.org/presentationml/2006/main">
   <p:cSld>
     <p:spTree>
@@ -21672,7 +26041,7 @@
 </p:sld>
 </file>
 
-<file path=ppt/slides/slide13.xml><?xml version="1.0" encoding="utf-8"?>
+<file path=ppt/slides/slide14.xml><?xml version="1.0" encoding="utf-8"?>
 <p:sld xmlns:a="http://schemas.openxmlformats.org/drawingml/2006/main" xmlns:r="http://schemas.openxmlformats.org/officeDocument/2006/relationships" xmlns:p="http://schemas.openxmlformats.org/presentationml/2006/main">
   <p:cSld>
     <p:spTree>
@@ -21714,7 +26083,7 @@
           <a:graphicData uri="http://schemas.openxmlformats.org/presentationml/2006/ole">
             <mc:AlternateContent xmlns:mc="http://schemas.openxmlformats.org/markup-compatibility/2006">
               <mc:Choice xmlns:v="urn:schemas-microsoft-com:vml" Requires="v">
-                <p:oleObj spid="_x0000_s34917" name="think-cell Slide" r:id="rId7" imgW="270" imgH="270" progId="TCLayout.ActiveDocument.1">
+                <p:oleObj spid="_x0000_s34919" name="think-cell Slide" r:id="rId7" imgW="270" imgH="270" progId="TCLayout.ActiveDocument.1">
                   <p:embed/>
                 </p:oleObj>
               </mc:Choice>
@@ -23857,7 +28226,7 @@
 </p:sld>
 </file>
 
-<file path=ppt/slides/slide14.xml><?xml version="1.0" encoding="utf-8"?>
+<file path=ppt/slides/slide15.xml><?xml version="1.0" encoding="utf-8"?>
 <p:sld xmlns:a="http://schemas.openxmlformats.org/drawingml/2006/main" xmlns:r="http://schemas.openxmlformats.org/officeDocument/2006/relationships" xmlns:p="http://schemas.openxmlformats.org/presentationml/2006/main">
   <p:cSld>
     <p:spTree>
@@ -24060,7 +28429,7 @@
 </p:sld>
 </file>
 
-<file path=ppt/slides/slide15.xml><?xml version="1.0" encoding="utf-8"?>
+<file path=ppt/slides/slide16.xml><?xml version="1.0" encoding="utf-8"?>
 <p:sld xmlns:a="http://schemas.openxmlformats.org/drawingml/2006/main" xmlns:r="http://schemas.openxmlformats.org/officeDocument/2006/relationships" xmlns:p="http://schemas.openxmlformats.org/presentationml/2006/main">
   <p:cSld>
     <p:spTree>
@@ -24263,7 +28632,7 @@
 </p:sld>
 </file>
 
-<file path=ppt/slides/slide16.xml><?xml version="1.0" encoding="utf-8"?>
+<file path=ppt/slides/slide17.xml><?xml version="1.0" encoding="utf-8"?>
 <p:sld xmlns:a="http://schemas.openxmlformats.org/drawingml/2006/main" xmlns:r="http://schemas.openxmlformats.org/officeDocument/2006/relationships" xmlns:p="http://schemas.openxmlformats.org/presentationml/2006/main">
   <p:cSld>
     <p:spTree>
@@ -24305,7 +28674,7 @@
           <a:graphicData uri="http://schemas.openxmlformats.org/presentationml/2006/ole">
             <mc:AlternateContent xmlns:mc="http://schemas.openxmlformats.org/markup-compatibility/2006">
               <mc:Choice xmlns:v="urn:schemas-microsoft-com:vml" Requires="v">
-                <p:oleObj spid="_x0000_s66576" name="think-cell Slide" r:id="rId6" imgW="270" imgH="270" progId="TCLayout.ActiveDocument.1">
+                <p:oleObj spid="_x0000_s66578" name="think-cell Slide" r:id="rId6" imgW="270" imgH="270" progId="TCLayout.ActiveDocument.1">
                   <p:embed/>
                 </p:oleObj>
               </mc:Choice>
@@ -24440,7 +28809,7 @@
 </p:sld>
 </file>
 
-<file path=ppt/slides/slide17.xml><?xml version="1.0" encoding="utf-8"?>
+<file path=ppt/slides/slide18.xml><?xml version="1.0" encoding="utf-8"?>
 <p:sld xmlns:a="http://schemas.openxmlformats.org/drawingml/2006/main" xmlns:r="http://schemas.openxmlformats.org/officeDocument/2006/relationships" xmlns:p="http://schemas.openxmlformats.org/presentationml/2006/main">
   <p:cSld>
     <p:spTree>
@@ -24482,7 +28851,7 @@
           <a:graphicData uri="http://schemas.openxmlformats.org/presentationml/2006/ole">
             <mc:AlternateContent xmlns:mc="http://schemas.openxmlformats.org/markup-compatibility/2006">
               <mc:Choice xmlns:v="urn:schemas-microsoft-com:vml" Requires="v">
-                <p:oleObj spid="_x0000_s35939" name="think-cell Slide" r:id="rId7" imgW="270" imgH="270" progId="TCLayout.ActiveDocument.1">
+                <p:oleObj spid="_x0000_s35941" name="think-cell Slide" r:id="rId7" imgW="270" imgH="270" progId="TCLayout.ActiveDocument.1">
                   <p:embed/>
                 </p:oleObj>
               </mc:Choice>
@@ -25947,7 +30316,7 @@
 </p:sld>
 </file>
 
-<file path=ppt/slides/slide18.xml><?xml version="1.0" encoding="utf-8"?>
+<file path=ppt/slides/slide19.xml><?xml version="1.0" encoding="utf-8"?>
 <p:sld xmlns:a="http://schemas.openxmlformats.org/drawingml/2006/main" xmlns:r="http://schemas.openxmlformats.org/officeDocument/2006/relationships" xmlns:p="http://schemas.openxmlformats.org/presentationml/2006/main">
   <p:cSld>
     <p:spTree>
@@ -26759,7 +31128,186 @@
 </p:sld>
 </file>
 
-<file path=ppt/slides/slide19.xml><?xml version="1.0" encoding="utf-8"?>
+<file path=ppt/slides/slide2.xml><?xml version="1.0" encoding="utf-8"?>
+<p:sld xmlns:a="http://schemas.openxmlformats.org/drawingml/2006/main" xmlns:r="http://schemas.openxmlformats.org/officeDocument/2006/relationships" xmlns:p="http://schemas.openxmlformats.org/presentationml/2006/main">
+  <p:cSld>
+    <p:spTree>
+      <p:nvGrpSpPr>
+        <p:cNvPr id="1" name=""/>
+        <p:cNvGrpSpPr/>
+        <p:nvPr/>
+      </p:nvGrpSpPr>
+      <p:grpSpPr>
+        <a:xfrm>
+          <a:off x="0" y="0"/>
+          <a:ext cx="0" cy="0"/>
+          <a:chOff x="0" y="0"/>
+          <a:chExt cx="0" cy="0"/>
+        </a:xfrm>
+      </p:grpSpPr>
+      <p:graphicFrame>
+        <p:nvGraphicFramePr>
+          <p:cNvPr id="4" name="Object 3" hidden="1"/>
+          <p:cNvGraphicFramePr>
+            <a:graphicFrameLocks noChangeAspect="1"/>
+          </p:cNvGraphicFramePr>
+          <p:nvPr>
+            <p:custDataLst>
+              <p:tags r:id="rId2"/>
+            </p:custDataLst>
+            <p:extLst>
+              <p:ext uri="{D42A27DB-BD31-4B8C-83A1-F6EECF244321}">
+                <p14:modId xmlns:p14="http://schemas.microsoft.com/office/powerpoint/2010/main" val="894135921"/>
+              </p:ext>
+            </p:extLst>
+          </p:nvPr>
+        </p:nvGraphicFramePr>
+        <p:xfrm>
+          <a:off x="0" y="0"/>
+          <a:ext cx="158750" cy="158750"/>
+        </p:xfrm>
+        <a:graphic>
+          <a:graphicData uri="http://schemas.openxmlformats.org/presentationml/2006/ole">
+            <mc:AlternateContent xmlns:mc="http://schemas.openxmlformats.org/markup-compatibility/2006">
+              <mc:Choice xmlns:v="urn:schemas-microsoft-com:vml" Requires="v">
+                <p:oleObj spid="_x0000_s59482" name="think-cell Slide" r:id="rId5" imgW="270" imgH="270" progId="TCLayout.ActiveDocument.1">
+                  <p:embed/>
+                </p:oleObj>
+              </mc:Choice>
+              <mc:Fallback>
+                <p:oleObj name="think-cell Slide" r:id="rId5" imgW="270" imgH="270" progId="TCLayout.ActiveDocument.1">
+                  <p:embed/>
+                  <p:pic>
+                    <p:nvPicPr>
+                      <p:cNvPr id="0" name=""/>
+                      <p:cNvPicPr/>
+                      <p:nvPr/>
+                    </p:nvPicPr>
+                    <p:blipFill>
+                      <a:blip r:embed="rId6"/>
+                      <a:stretch>
+                        <a:fillRect/>
+                      </a:stretch>
+                    </p:blipFill>
+                    <p:spPr>
+                      <a:xfrm>
+                        <a:off x="0" y="0"/>
+                        <a:ext cx="158750" cy="158750"/>
+                      </a:xfrm>
+                      <a:prstGeom prst="rect">
+                        <a:avLst/>
+                      </a:prstGeom>
+                    </p:spPr>
+                  </p:pic>
+                </p:oleObj>
+              </mc:Fallback>
+            </mc:AlternateContent>
+          </a:graphicData>
+        </a:graphic>
+      </p:graphicFrame>
+      <p:sp>
+        <p:nvSpPr>
+          <p:cNvPr id="6" name="Title 5"/>
+          <p:cNvSpPr>
+            <a:spLocks noGrp="1"/>
+          </p:cNvSpPr>
+          <p:nvPr>
+            <p:ph type="ctrTitle"/>
+          </p:nvPr>
+        </p:nvSpPr>
+        <p:spPr>
+          <a:xfrm>
+            <a:off x="519113" y="2234114"/>
+            <a:ext cx="9893248" cy="1359196"/>
+          </a:xfrm>
+        </p:spPr>
+        <p:txBody>
+          <a:bodyPr/>
+          <a:lstStyle/>
+          <a:p>
+            <a:r>
+              <a:rPr lang="en-US" dirty="0" smtClean="0"/>
+              <a:t>Building a Service Layer </a:t>
+            </a:r>
+            <a:br>
+              <a:rPr lang="en-US" dirty="0" smtClean="0"/>
+            </a:br>
+            <a:r>
+              <a:rPr lang="en-US" dirty="0" smtClean="0"/>
+              <a:t>with ASP.NET Web API</a:t>
+            </a:r>
+            <a:endParaRPr lang="en-US" dirty="0"/>
+          </a:p>
+        </p:txBody>
+      </p:sp>
+      <p:sp>
+        <p:nvSpPr>
+          <p:cNvPr id="7" name="Text Placeholder 6"/>
+          <p:cNvSpPr>
+            <a:spLocks noGrp="1"/>
+          </p:cNvSpPr>
+          <p:nvPr>
+            <p:ph type="body" sz="quarter" idx="11"/>
+          </p:nvPr>
+        </p:nvSpPr>
+        <p:spPr/>
+        <p:txBody>
+          <a:bodyPr/>
+          <a:lstStyle/>
+          <a:p>
+            <a:r>
+              <a:rPr lang="en-US" smtClean="0"/>
+              <a:t>Name</a:t>
+            </a:r>
+          </a:p>
+          <a:p>
+            <a:r>
+              <a:rPr lang="en-US" smtClean="0"/>
+              <a:t>Title</a:t>
+            </a:r>
+          </a:p>
+          <a:p>
+            <a:r>
+              <a:rPr lang="en-US" smtClean="0"/>
+              <a:t>Microsoft Corporation</a:t>
+            </a:r>
+            <a:endParaRPr lang="en-US" dirty="0"/>
+          </a:p>
+        </p:txBody>
+      </p:sp>
+    </p:spTree>
+    <p:extLst>
+      <p:ext uri="{BB962C8B-B14F-4D97-AF65-F5344CB8AC3E}">
+        <p14:creationId xmlns:p14="http://schemas.microsoft.com/office/powerpoint/2010/main" val="574643984"/>
+      </p:ext>
+    </p:extLst>
+  </p:cSld>
+  <p:clrMapOvr>
+    <a:masterClrMapping/>
+  </p:clrMapOvr>
+  <mc:AlternateContent xmlns:mc="http://schemas.openxmlformats.org/markup-compatibility/2006" xmlns:p14="http://schemas.microsoft.com/office/powerpoint/2010/main">
+    <mc:Choice Requires="p14">
+      <p:transition spd="med" p14:dur="700">
+        <p:fade/>
+      </p:transition>
+    </mc:Choice>
+    <mc:Fallback xmlns="">
+      <p:transition spd="med">
+        <p:fade/>
+      </p:transition>
+    </mc:Fallback>
+  </mc:AlternateContent>
+  <p:timing>
+    <p:tnLst>
+      <p:par>
+        <p:cTn id="1" dur="indefinite" restart="never" nodeType="tmRoot"/>
+      </p:par>
+    </p:tnLst>
+  </p:timing>
+</p:sld>
+</file>
+
+<file path=ppt/slides/slide20.xml><?xml version="1.0" encoding="utf-8"?>
 <p:sld xmlns:a="http://schemas.openxmlformats.org/drawingml/2006/main" xmlns:r="http://schemas.openxmlformats.org/officeDocument/2006/relationships" xmlns:p="http://schemas.openxmlformats.org/presentationml/2006/main">
   <p:cSld>
     <p:spTree>
@@ -27491,186 +32039,7 @@
 </p:sld>
 </file>
 
-<file path=ppt/slides/slide2.xml><?xml version="1.0" encoding="utf-8"?>
-<p:sld xmlns:a="http://schemas.openxmlformats.org/drawingml/2006/main" xmlns:r="http://schemas.openxmlformats.org/officeDocument/2006/relationships" xmlns:p="http://schemas.openxmlformats.org/presentationml/2006/main">
-  <p:cSld>
-    <p:spTree>
-      <p:nvGrpSpPr>
-        <p:cNvPr id="1" name=""/>
-        <p:cNvGrpSpPr/>
-        <p:nvPr/>
-      </p:nvGrpSpPr>
-      <p:grpSpPr>
-        <a:xfrm>
-          <a:off x="0" y="0"/>
-          <a:ext cx="0" cy="0"/>
-          <a:chOff x="0" y="0"/>
-          <a:chExt cx="0" cy="0"/>
-        </a:xfrm>
-      </p:grpSpPr>
-      <p:graphicFrame>
-        <p:nvGraphicFramePr>
-          <p:cNvPr id="4" name="Object 3" hidden="1"/>
-          <p:cNvGraphicFramePr>
-            <a:graphicFrameLocks noChangeAspect="1"/>
-          </p:cNvGraphicFramePr>
-          <p:nvPr>
-            <p:custDataLst>
-              <p:tags r:id="rId2"/>
-            </p:custDataLst>
-            <p:extLst>
-              <p:ext uri="{D42A27DB-BD31-4B8C-83A1-F6EECF244321}">
-                <p14:modId xmlns:p14="http://schemas.microsoft.com/office/powerpoint/2010/main" val="894135921"/>
-              </p:ext>
-            </p:extLst>
-          </p:nvPr>
-        </p:nvGraphicFramePr>
-        <p:xfrm>
-          <a:off x="0" y="0"/>
-          <a:ext cx="158750" cy="158750"/>
-        </p:xfrm>
-        <a:graphic>
-          <a:graphicData uri="http://schemas.openxmlformats.org/presentationml/2006/ole">
-            <mc:AlternateContent xmlns:mc="http://schemas.openxmlformats.org/markup-compatibility/2006">
-              <mc:Choice xmlns:v="urn:schemas-microsoft-com:vml" Requires="v">
-                <p:oleObj spid="_x0000_s59480" name="think-cell Slide" r:id="rId5" imgW="270" imgH="270" progId="TCLayout.ActiveDocument.1">
-                  <p:embed/>
-                </p:oleObj>
-              </mc:Choice>
-              <mc:Fallback>
-                <p:oleObj name="think-cell Slide" r:id="rId5" imgW="270" imgH="270" progId="TCLayout.ActiveDocument.1">
-                  <p:embed/>
-                  <p:pic>
-                    <p:nvPicPr>
-                      <p:cNvPr id="0" name=""/>
-                      <p:cNvPicPr/>
-                      <p:nvPr/>
-                    </p:nvPicPr>
-                    <p:blipFill>
-                      <a:blip r:embed="rId6"/>
-                      <a:stretch>
-                        <a:fillRect/>
-                      </a:stretch>
-                    </p:blipFill>
-                    <p:spPr>
-                      <a:xfrm>
-                        <a:off x="0" y="0"/>
-                        <a:ext cx="158750" cy="158750"/>
-                      </a:xfrm>
-                      <a:prstGeom prst="rect">
-                        <a:avLst/>
-                      </a:prstGeom>
-                    </p:spPr>
-                  </p:pic>
-                </p:oleObj>
-              </mc:Fallback>
-            </mc:AlternateContent>
-          </a:graphicData>
-        </a:graphic>
-      </p:graphicFrame>
-      <p:sp>
-        <p:nvSpPr>
-          <p:cNvPr id="6" name="Title 5"/>
-          <p:cNvSpPr>
-            <a:spLocks noGrp="1"/>
-          </p:cNvSpPr>
-          <p:nvPr>
-            <p:ph type="ctrTitle"/>
-          </p:nvPr>
-        </p:nvSpPr>
-        <p:spPr>
-          <a:xfrm>
-            <a:off x="519113" y="2234114"/>
-            <a:ext cx="9893248" cy="1359196"/>
-          </a:xfrm>
-        </p:spPr>
-        <p:txBody>
-          <a:bodyPr/>
-          <a:lstStyle/>
-          <a:p>
-            <a:r>
-              <a:rPr lang="en-US" dirty="0" smtClean="0"/>
-              <a:t>Building a Service Layer </a:t>
-            </a:r>
-            <a:br>
-              <a:rPr lang="en-US" dirty="0" smtClean="0"/>
-            </a:br>
-            <a:r>
-              <a:rPr lang="en-US" dirty="0" smtClean="0"/>
-              <a:t>with ASP.NET Web API</a:t>
-            </a:r>
-            <a:endParaRPr lang="en-US" dirty="0"/>
-          </a:p>
-        </p:txBody>
-      </p:sp>
-      <p:sp>
-        <p:nvSpPr>
-          <p:cNvPr id="7" name="Text Placeholder 6"/>
-          <p:cNvSpPr>
-            <a:spLocks noGrp="1"/>
-          </p:cNvSpPr>
-          <p:nvPr>
-            <p:ph type="body" sz="quarter" idx="11"/>
-          </p:nvPr>
-        </p:nvSpPr>
-        <p:spPr/>
-        <p:txBody>
-          <a:bodyPr/>
-          <a:lstStyle/>
-          <a:p>
-            <a:r>
-              <a:rPr lang="en-US" smtClean="0"/>
-              <a:t>Name</a:t>
-            </a:r>
-          </a:p>
-          <a:p>
-            <a:r>
-              <a:rPr lang="en-US" smtClean="0"/>
-              <a:t>Title</a:t>
-            </a:r>
-          </a:p>
-          <a:p>
-            <a:r>
-              <a:rPr lang="en-US" smtClean="0"/>
-              <a:t>Microsoft Corporation</a:t>
-            </a:r>
-            <a:endParaRPr lang="en-US" dirty="0"/>
-          </a:p>
-        </p:txBody>
-      </p:sp>
-    </p:spTree>
-    <p:extLst>
-      <p:ext uri="{BB962C8B-B14F-4D97-AF65-F5344CB8AC3E}">
-        <p14:creationId xmlns:p14="http://schemas.microsoft.com/office/powerpoint/2010/main" val="574643984"/>
-      </p:ext>
-    </p:extLst>
-  </p:cSld>
-  <p:clrMapOvr>
-    <a:masterClrMapping/>
-  </p:clrMapOvr>
-  <mc:AlternateContent xmlns:mc="http://schemas.openxmlformats.org/markup-compatibility/2006" xmlns:p14="http://schemas.microsoft.com/office/powerpoint/2010/main">
-    <mc:Choice Requires="p14">
-      <p:transition spd="med" p14:dur="700">
-        <p:fade/>
-      </p:transition>
-    </mc:Choice>
-    <mc:Fallback xmlns="">
-      <p:transition spd="med">
-        <p:fade/>
-      </p:transition>
-    </mc:Fallback>
-  </mc:AlternateContent>
-  <p:timing>
-    <p:tnLst>
-      <p:par>
-        <p:cTn id="1" dur="indefinite" restart="never" nodeType="tmRoot"/>
-      </p:par>
-    </p:tnLst>
-  </p:timing>
-</p:sld>
-</file>
-
-<file path=ppt/slides/slide20.xml><?xml version="1.0" encoding="utf-8"?>
+<file path=ppt/slides/slide21.xml><?xml version="1.0" encoding="utf-8"?>
 <p:sld xmlns:a="http://schemas.openxmlformats.org/drawingml/2006/main" xmlns:r="http://schemas.openxmlformats.org/officeDocument/2006/relationships" xmlns:p="http://schemas.openxmlformats.org/presentationml/2006/main">
   <p:cSld>
     <p:spTree>
@@ -27712,7 +32081,7 @@
           <a:graphicData uri="http://schemas.openxmlformats.org/presentationml/2006/ole">
             <mc:AlternateContent xmlns:mc="http://schemas.openxmlformats.org/markup-compatibility/2006">
               <mc:Choice xmlns:v="urn:schemas-microsoft-com:vml" Requires="v">
-                <p:oleObj spid="_x0000_s36959" name="think-cell Slide" r:id="rId6" imgW="270" imgH="270" progId="TCLayout.ActiveDocument.1">
+                <p:oleObj spid="_x0000_s36961" name="think-cell Slide" r:id="rId6" imgW="270" imgH="270" progId="TCLayout.ActiveDocument.1">
                   <p:embed/>
                 </p:oleObj>
               </mc:Choice>
@@ -27854,7 +32223,7 @@
 </p:sld>
 </file>
 
-<file path=ppt/slides/slide21.xml><?xml version="1.0" encoding="utf-8"?>
+<file path=ppt/slides/slide22.xml><?xml version="1.0" encoding="utf-8"?>
 <p:sld xmlns:a="http://schemas.openxmlformats.org/drawingml/2006/main" xmlns:r="http://schemas.openxmlformats.org/officeDocument/2006/relationships" xmlns:p="http://schemas.openxmlformats.org/presentationml/2006/main">
   <p:cSld>
     <p:spTree>
@@ -27896,7 +32265,7 @@
           <a:graphicData uri="http://schemas.openxmlformats.org/presentationml/2006/ole">
             <mc:AlternateContent xmlns:mc="http://schemas.openxmlformats.org/markup-compatibility/2006">
               <mc:Choice xmlns:v="urn:schemas-microsoft-com:vml" Requires="v">
-                <p:oleObj spid="_x0000_s39011" name="think-cell Slide" r:id="rId7" imgW="270" imgH="270" progId="TCLayout.ActiveDocument.1">
+                <p:oleObj spid="_x0000_s39013" name="think-cell Slide" r:id="rId7" imgW="270" imgH="270" progId="TCLayout.ActiveDocument.1">
                   <p:embed/>
                 </p:oleObj>
               </mc:Choice>
@@ -28924,7 +33293,7 @@
 </p:sld>
 </file>
 
-<file path=ppt/slides/slide22.xml><?xml version="1.0" encoding="utf-8"?>
+<file path=ppt/slides/slide23.xml><?xml version="1.0" encoding="utf-8"?>
 <p:sld xmlns:a="http://schemas.openxmlformats.org/drawingml/2006/main" xmlns:r="http://schemas.openxmlformats.org/officeDocument/2006/relationships" xmlns:p="http://schemas.openxmlformats.org/presentationml/2006/main">
   <p:cSld>
     <p:spTree>
@@ -28966,7 +33335,7 @@
           <a:graphicData uri="http://schemas.openxmlformats.org/presentationml/2006/ole">
             <mc:AlternateContent xmlns:mc="http://schemas.openxmlformats.org/markup-compatibility/2006">
               <mc:Choice xmlns:v="urn:schemas-microsoft-com:vml" Requires="v">
-                <p:oleObj spid="_x0000_s41059" name="think-cell Slide" r:id="rId7" imgW="270" imgH="270" progId="TCLayout.ActiveDocument.1">
+                <p:oleObj spid="_x0000_s41061" name="think-cell Slide" r:id="rId7" imgW="270" imgH="270" progId="TCLayout.ActiveDocument.1">
                   <p:embed/>
                 </p:oleObj>
               </mc:Choice>
@@ -29623,7 +33992,7 @@
 </p:sld>
 </file>
 
-<file path=ppt/slides/slide23.xml><?xml version="1.0" encoding="utf-8"?>
+<file path=ppt/slides/slide24.xml><?xml version="1.0" encoding="utf-8"?>
 <p:sld xmlns:a="http://schemas.openxmlformats.org/drawingml/2006/main" xmlns:r="http://schemas.openxmlformats.org/officeDocument/2006/relationships" xmlns:p="http://schemas.openxmlformats.org/presentationml/2006/main">
   <p:cSld>
     <p:spTree>
@@ -30530,7 +34899,7 @@
 </p:sld>
 </file>
 
-<file path=ppt/slides/slide24.xml><?xml version="1.0" encoding="utf-8"?>
+<file path=ppt/slides/slide25.xml><?xml version="1.0" encoding="utf-8"?>
 <p:sld xmlns:a="http://schemas.openxmlformats.org/drawingml/2006/main" xmlns:r="http://schemas.openxmlformats.org/officeDocument/2006/relationships" xmlns:p="http://schemas.openxmlformats.org/presentationml/2006/main">
   <p:cSld>
     <p:spTree>
@@ -31208,7 +35577,7 @@
 </p:sld>
 </file>
 
-<file path=ppt/slides/slide25.xml><?xml version="1.0" encoding="utf-8"?>
+<file path=ppt/slides/slide26.xml><?xml version="1.0" encoding="utf-8"?>
 <p:sld xmlns:a="http://schemas.openxmlformats.org/drawingml/2006/main" xmlns:r="http://schemas.openxmlformats.org/officeDocument/2006/relationships" xmlns:p="http://schemas.openxmlformats.org/presentationml/2006/main">
   <p:cSld>
     <p:spTree>
@@ -31250,7 +35619,7 @@
           <a:graphicData uri="http://schemas.openxmlformats.org/presentationml/2006/ole">
             <mc:AlternateContent xmlns:mc="http://schemas.openxmlformats.org/markup-compatibility/2006">
               <mc:Choice xmlns:v="urn:schemas-microsoft-com:vml" Requires="v">
-                <p:oleObj spid="_x0000_s40031" name="think-cell Slide" r:id="rId5" imgW="270" imgH="270" progId="TCLayout.ActiveDocument.1">
+                <p:oleObj spid="_x0000_s40033" name="think-cell Slide" r:id="rId5" imgW="270" imgH="270" progId="TCLayout.ActiveDocument.1">
                   <p:embed/>
                 </p:oleObj>
               </mc:Choice>
@@ -31394,7 +35763,7 @@
 </p:sld>
 </file>
 
-<file path=ppt/slides/slide26.xml><?xml version="1.0" encoding="utf-8"?>
+<file path=ppt/slides/slide27.xml><?xml version="1.0" encoding="utf-8"?>
 <p:sld xmlns:a="http://schemas.openxmlformats.org/drawingml/2006/main" xmlns:r="http://schemas.openxmlformats.org/officeDocument/2006/relationships" xmlns:p="http://schemas.openxmlformats.org/presentationml/2006/main">
   <p:cSld>
     <p:spTree>
@@ -33189,7 +37558,7 @@
 </p:sld>
 </file>
 
-<file path=ppt/slides/slide27.xml><?xml version="1.0" encoding="utf-8"?>
+<file path=ppt/slides/slide28.xml><?xml version="1.0" encoding="utf-8"?>
 <p:sld xmlns:a="http://schemas.openxmlformats.org/drawingml/2006/main" xmlns:r="http://schemas.openxmlformats.org/officeDocument/2006/relationships" xmlns:p="http://schemas.openxmlformats.org/presentationml/2006/main">
   <p:cSld>
     <p:spTree>
@@ -33231,7 +37600,7 @@
           <a:graphicData uri="http://schemas.openxmlformats.org/presentationml/2006/ole">
             <mc:AlternateContent xmlns:mc="http://schemas.openxmlformats.org/markup-compatibility/2006">
               <mc:Choice xmlns:v="urn:schemas-microsoft-com:vml" Requires="v">
-                <p:oleObj spid="_x0000_s42083" name="think-cell Slide" r:id="rId7" imgW="270" imgH="270" progId="TCLayout.ActiveDocument.1">
+                <p:oleObj spid="_x0000_s42085" name="think-cell Slide" r:id="rId7" imgW="270" imgH="270" progId="TCLayout.ActiveDocument.1">
                   <p:embed/>
                 </p:oleObj>
               </mc:Choice>
@@ -35376,7 +39745,7 @@
 </p:sld>
 </file>
 
-<file path=ppt/slides/slide28.xml><?xml version="1.0" encoding="utf-8"?>
+<file path=ppt/slides/slide29.xml><?xml version="1.0" encoding="utf-8"?>
 <p:sld xmlns:a="http://schemas.openxmlformats.org/drawingml/2006/main" xmlns:r="http://schemas.openxmlformats.org/officeDocument/2006/relationships" xmlns:p="http://schemas.openxmlformats.org/presentationml/2006/main">
   <p:cSld>
     <p:spTree>
@@ -35418,7 +39787,7 @@
           <a:graphicData uri="http://schemas.openxmlformats.org/presentationml/2006/ole">
             <mc:AlternateContent xmlns:mc="http://schemas.openxmlformats.org/markup-compatibility/2006">
               <mc:Choice xmlns:v="urn:schemas-microsoft-com:vml" Requires="v">
-                <p:oleObj spid="_x0000_s67589" name="think-cell Slide" r:id="rId7" imgW="270" imgH="270" progId="TCLayout.ActiveDocument.1">
+                <p:oleObj spid="_x0000_s67591" name="think-cell Slide" r:id="rId7" imgW="270" imgH="270" progId="TCLayout.ActiveDocument.1">
                   <p:embed/>
                 </p:oleObj>
               </mc:Choice>
@@ -38324,7 +42693,192 @@
 </p:sld>
 </file>
 
-<file path=ppt/slides/slide29.xml><?xml version="1.0" encoding="utf-8"?>
+<file path=ppt/slides/slide3.xml><?xml version="1.0" encoding="utf-8"?>
+<p:sld xmlns:a="http://schemas.openxmlformats.org/drawingml/2006/main" xmlns:r="http://schemas.openxmlformats.org/officeDocument/2006/relationships" xmlns:p="http://schemas.openxmlformats.org/presentationml/2006/main">
+  <p:cSld>
+    <p:spTree>
+      <p:nvGrpSpPr>
+        <p:cNvPr id="1" name=""/>
+        <p:cNvGrpSpPr/>
+        <p:nvPr/>
+      </p:nvGrpSpPr>
+      <p:grpSpPr>
+        <a:xfrm>
+          <a:off x="0" y="0"/>
+          <a:ext cx="0" cy="0"/>
+          <a:chOff x="0" y="0"/>
+          <a:chExt cx="0" cy="0"/>
+        </a:xfrm>
+      </p:grpSpPr>
+      <p:graphicFrame>
+        <p:nvGraphicFramePr>
+          <p:cNvPr id="2" name="Object 1" hidden="1"/>
+          <p:cNvGraphicFramePr>
+            <a:graphicFrameLocks noChangeAspect="1"/>
+          </p:cNvGraphicFramePr>
+          <p:nvPr>
+            <p:custDataLst>
+              <p:tags r:id="rId2"/>
+            </p:custDataLst>
+            <p:extLst>
+              <p:ext uri="{D42A27DB-BD31-4B8C-83A1-F6EECF244321}">
+                <p14:modId xmlns:p14="http://schemas.microsoft.com/office/powerpoint/2010/main" val="1079077315"/>
+              </p:ext>
+            </p:extLst>
+          </p:nvPr>
+        </p:nvGraphicFramePr>
+        <p:xfrm>
+          <a:off x="0" y="0"/>
+          <a:ext cx="158750" cy="158750"/>
+        </p:xfrm>
+        <a:graphic>
+          <a:graphicData uri="http://schemas.openxmlformats.org/presentationml/2006/ole">
+            <mc:AlternateContent xmlns:mc="http://schemas.openxmlformats.org/markup-compatibility/2006">
+              <mc:Choice xmlns:v="urn:schemas-microsoft-com:vml" Requires="v">
+                <p:oleObj spid="_x0000_s23647" name="think-cell Slide" r:id="rId7" imgW="270" imgH="270" progId="TCLayout.ActiveDocument.1">
+                  <p:embed/>
+                </p:oleObj>
+              </mc:Choice>
+              <mc:Fallback>
+                <p:oleObj name="think-cell Slide" r:id="rId7" imgW="270" imgH="270" progId="TCLayout.ActiveDocument.1">
+                  <p:embed/>
+                  <p:pic>
+                    <p:nvPicPr>
+                      <p:cNvPr id="0" name=""/>
+                      <p:cNvPicPr/>
+                      <p:nvPr/>
+                    </p:nvPicPr>
+                    <p:blipFill>
+                      <a:blip r:embed="rId8"/>
+                      <a:stretch>
+                        <a:fillRect/>
+                      </a:stretch>
+                    </p:blipFill>
+                    <p:spPr>
+                      <a:xfrm>
+                        <a:off x="0" y="0"/>
+                        <a:ext cx="158750" cy="158750"/>
+                      </a:xfrm>
+                      <a:prstGeom prst="rect">
+                        <a:avLst/>
+                      </a:prstGeom>
+                    </p:spPr>
+                  </p:pic>
+                </p:oleObj>
+              </mc:Fallback>
+            </mc:AlternateContent>
+          </a:graphicData>
+        </a:graphic>
+      </p:graphicFrame>
+      <p:sp>
+        <p:nvSpPr>
+          <p:cNvPr id="5" name="Title 4"/>
+          <p:cNvSpPr>
+            <a:spLocks noGrp="1"/>
+          </p:cNvSpPr>
+          <p:nvPr>
+            <p:ph type="title"/>
+            <p:custDataLst>
+              <p:tags r:id="rId3"/>
+            </p:custDataLst>
+          </p:nvPr>
+        </p:nvSpPr>
+        <p:spPr/>
+        <p:txBody>
+          <a:bodyPr/>
+          <a:lstStyle/>
+          <a:p>
+            <a:r>
+              <a:rPr lang="en-US" smtClean="0"/>
+              <a:t>Agenda </a:t>
+            </a:r>
+            <a:endParaRPr lang="en-US" dirty="0"/>
+          </a:p>
+        </p:txBody>
+      </p:sp>
+      <p:sp>
+        <p:nvSpPr>
+          <p:cNvPr id="6" name="Content Placeholder 5"/>
+          <p:cNvSpPr>
+            <a:spLocks noGrp="1"/>
+          </p:cNvSpPr>
+          <p:nvPr>
+            <p:ph type="body" sz="quarter" idx="11"/>
+            <p:custDataLst>
+              <p:tags r:id="rId4"/>
+            </p:custDataLst>
+          </p:nvPr>
+        </p:nvSpPr>
+        <p:spPr>
+          <a:xfrm>
+            <a:off x="3473804" y="1828765"/>
+            <a:ext cx="6945312" cy="4419671"/>
+          </a:xfrm>
+        </p:spPr>
+        <p:txBody>
+          <a:bodyPr/>
+          <a:lstStyle/>
+          <a:p>
+            <a:r>
+              <a:rPr lang="en-US" dirty="0" smtClean="0"/>
+              <a:t>Why all the hype </a:t>
+            </a:r>
+            <a:br>
+              <a:rPr lang="en-US" dirty="0" smtClean="0"/>
+            </a:br>
+            <a:r>
+              <a:rPr lang="en-US" dirty="0" smtClean="0"/>
+              <a:t>for Web APIs?</a:t>
+            </a:r>
+          </a:p>
+          <a:p>
+            <a:r>
+              <a:rPr lang="en-US" dirty="0" smtClean="0"/>
+              <a:t>Building Web APIs for browser/JSON clients</a:t>
+            </a:r>
+          </a:p>
+          <a:p>
+            <a:r>
+              <a:rPr lang="en-US" dirty="0" smtClean="0"/>
+              <a:t>Building Web APIs for native/non-browser clients</a:t>
+            </a:r>
+            <a:endParaRPr lang="en-US" dirty="0"/>
+          </a:p>
+        </p:txBody>
+      </p:sp>
+    </p:spTree>
+    <p:extLst>
+      <p:ext uri="{BB962C8B-B14F-4D97-AF65-F5344CB8AC3E}">
+        <p14:creationId xmlns:p14="http://schemas.microsoft.com/office/powerpoint/2010/main" val="621077321"/>
+      </p:ext>
+    </p:extLst>
+  </p:cSld>
+  <p:clrMapOvr>
+    <a:masterClrMapping/>
+  </p:clrMapOvr>
+  <mc:AlternateContent xmlns:mc="http://schemas.openxmlformats.org/markup-compatibility/2006" xmlns:p14="http://schemas.microsoft.com/office/powerpoint/2010/main">
+    <mc:Choice Requires="p14">
+      <p:transition spd="med" p14:dur="700">
+        <p:fade/>
+      </p:transition>
+    </mc:Choice>
+    <mc:Fallback xmlns="">
+      <p:transition spd="med">
+        <p:fade/>
+      </p:transition>
+    </mc:Fallback>
+  </mc:AlternateContent>
+  <p:timing>
+    <p:tnLst>
+      <p:par>
+        <p:cTn id="1" dur="indefinite" restart="never" nodeType="tmRoot"/>
+      </p:par>
+    </p:tnLst>
+  </p:timing>
+</p:sld>
+</file>
+
+<file path=ppt/slides/slide30.xml><?xml version="1.0" encoding="utf-8"?>
 <p:sld xmlns:a="http://schemas.openxmlformats.org/drawingml/2006/main" xmlns:r="http://schemas.openxmlformats.org/officeDocument/2006/relationships" xmlns:p="http://schemas.openxmlformats.org/presentationml/2006/main">
   <p:cSld>
     <p:spTree>
@@ -39400,192 +43954,7 @@
 </p:sld>
 </file>
 
-<file path=ppt/slides/slide3.xml><?xml version="1.0" encoding="utf-8"?>
-<p:sld xmlns:a="http://schemas.openxmlformats.org/drawingml/2006/main" xmlns:r="http://schemas.openxmlformats.org/officeDocument/2006/relationships" xmlns:p="http://schemas.openxmlformats.org/presentationml/2006/main">
-  <p:cSld>
-    <p:spTree>
-      <p:nvGrpSpPr>
-        <p:cNvPr id="1" name=""/>
-        <p:cNvGrpSpPr/>
-        <p:nvPr/>
-      </p:nvGrpSpPr>
-      <p:grpSpPr>
-        <a:xfrm>
-          <a:off x="0" y="0"/>
-          <a:ext cx="0" cy="0"/>
-          <a:chOff x="0" y="0"/>
-          <a:chExt cx="0" cy="0"/>
-        </a:xfrm>
-      </p:grpSpPr>
-      <p:graphicFrame>
-        <p:nvGraphicFramePr>
-          <p:cNvPr id="2" name="Object 1" hidden="1"/>
-          <p:cNvGraphicFramePr>
-            <a:graphicFrameLocks noChangeAspect="1"/>
-          </p:cNvGraphicFramePr>
-          <p:nvPr>
-            <p:custDataLst>
-              <p:tags r:id="rId2"/>
-            </p:custDataLst>
-            <p:extLst>
-              <p:ext uri="{D42A27DB-BD31-4B8C-83A1-F6EECF244321}">
-                <p14:modId xmlns:p14="http://schemas.microsoft.com/office/powerpoint/2010/main" val="1079077315"/>
-              </p:ext>
-            </p:extLst>
-          </p:nvPr>
-        </p:nvGraphicFramePr>
-        <p:xfrm>
-          <a:off x="0" y="0"/>
-          <a:ext cx="158750" cy="158750"/>
-        </p:xfrm>
-        <a:graphic>
-          <a:graphicData uri="http://schemas.openxmlformats.org/presentationml/2006/ole">
-            <mc:AlternateContent xmlns:mc="http://schemas.openxmlformats.org/markup-compatibility/2006">
-              <mc:Choice xmlns:v="urn:schemas-microsoft-com:vml" Requires="v">
-                <p:oleObj spid="_x0000_s23645" name="think-cell Slide" r:id="rId7" imgW="270" imgH="270" progId="TCLayout.ActiveDocument.1">
-                  <p:embed/>
-                </p:oleObj>
-              </mc:Choice>
-              <mc:Fallback>
-                <p:oleObj name="think-cell Slide" r:id="rId7" imgW="270" imgH="270" progId="TCLayout.ActiveDocument.1">
-                  <p:embed/>
-                  <p:pic>
-                    <p:nvPicPr>
-                      <p:cNvPr id="0" name=""/>
-                      <p:cNvPicPr/>
-                      <p:nvPr/>
-                    </p:nvPicPr>
-                    <p:blipFill>
-                      <a:blip r:embed="rId8"/>
-                      <a:stretch>
-                        <a:fillRect/>
-                      </a:stretch>
-                    </p:blipFill>
-                    <p:spPr>
-                      <a:xfrm>
-                        <a:off x="0" y="0"/>
-                        <a:ext cx="158750" cy="158750"/>
-                      </a:xfrm>
-                      <a:prstGeom prst="rect">
-                        <a:avLst/>
-                      </a:prstGeom>
-                    </p:spPr>
-                  </p:pic>
-                </p:oleObj>
-              </mc:Fallback>
-            </mc:AlternateContent>
-          </a:graphicData>
-        </a:graphic>
-      </p:graphicFrame>
-      <p:sp>
-        <p:nvSpPr>
-          <p:cNvPr id="5" name="Title 4"/>
-          <p:cNvSpPr>
-            <a:spLocks noGrp="1"/>
-          </p:cNvSpPr>
-          <p:nvPr>
-            <p:ph type="title"/>
-            <p:custDataLst>
-              <p:tags r:id="rId3"/>
-            </p:custDataLst>
-          </p:nvPr>
-        </p:nvSpPr>
-        <p:spPr/>
-        <p:txBody>
-          <a:bodyPr/>
-          <a:lstStyle/>
-          <a:p>
-            <a:r>
-              <a:rPr lang="en-US" smtClean="0"/>
-              <a:t>Agenda </a:t>
-            </a:r>
-            <a:endParaRPr lang="en-US" dirty="0"/>
-          </a:p>
-        </p:txBody>
-      </p:sp>
-      <p:sp>
-        <p:nvSpPr>
-          <p:cNvPr id="6" name="Content Placeholder 5"/>
-          <p:cNvSpPr>
-            <a:spLocks noGrp="1"/>
-          </p:cNvSpPr>
-          <p:nvPr>
-            <p:ph type="body" sz="quarter" idx="11"/>
-            <p:custDataLst>
-              <p:tags r:id="rId4"/>
-            </p:custDataLst>
-          </p:nvPr>
-        </p:nvSpPr>
-        <p:spPr>
-          <a:xfrm>
-            <a:off x="3473804" y="1828765"/>
-            <a:ext cx="6945312" cy="4419671"/>
-          </a:xfrm>
-        </p:spPr>
-        <p:txBody>
-          <a:bodyPr/>
-          <a:lstStyle/>
-          <a:p>
-            <a:r>
-              <a:rPr lang="en-US" dirty="0" smtClean="0"/>
-              <a:t>Why all the hype </a:t>
-            </a:r>
-            <a:br>
-              <a:rPr lang="en-US" dirty="0" smtClean="0"/>
-            </a:br>
-            <a:r>
-              <a:rPr lang="en-US" dirty="0" smtClean="0"/>
-              <a:t>for Web APIs?</a:t>
-            </a:r>
-          </a:p>
-          <a:p>
-            <a:r>
-              <a:rPr lang="en-US" dirty="0" smtClean="0"/>
-              <a:t>Building Web APIs for browser/JSON clients</a:t>
-            </a:r>
-          </a:p>
-          <a:p>
-            <a:r>
-              <a:rPr lang="en-US" dirty="0" smtClean="0"/>
-              <a:t>Building Web APIs for native/non-browser clients</a:t>
-            </a:r>
-            <a:endParaRPr lang="en-US" dirty="0"/>
-          </a:p>
-        </p:txBody>
-      </p:sp>
-    </p:spTree>
-    <p:extLst>
-      <p:ext uri="{BB962C8B-B14F-4D97-AF65-F5344CB8AC3E}">
-        <p14:creationId xmlns:p14="http://schemas.microsoft.com/office/powerpoint/2010/main" val="621077321"/>
-      </p:ext>
-    </p:extLst>
-  </p:cSld>
-  <p:clrMapOvr>
-    <a:masterClrMapping/>
-  </p:clrMapOvr>
-  <mc:AlternateContent xmlns:mc="http://schemas.openxmlformats.org/markup-compatibility/2006" xmlns:p14="http://schemas.microsoft.com/office/powerpoint/2010/main">
-    <mc:Choice Requires="p14">
-      <p:transition spd="med" p14:dur="700">
-        <p:fade/>
-      </p:transition>
-    </mc:Choice>
-    <mc:Fallback xmlns="">
-      <p:transition spd="med">
-        <p:fade/>
-      </p:transition>
-    </mc:Fallback>
-  </mc:AlternateContent>
-  <p:timing>
-    <p:tnLst>
-      <p:par>
-        <p:cTn id="1" dur="indefinite" restart="never" nodeType="tmRoot"/>
-      </p:par>
-    </p:tnLst>
-  </p:timing>
-</p:sld>
-</file>
-
-<file path=ppt/slides/slide30.xml><?xml version="1.0" encoding="utf-8"?>
+<file path=ppt/slides/slide31.xml><?xml version="1.0" encoding="utf-8"?>
 <p:sld xmlns:a="http://schemas.openxmlformats.org/drawingml/2006/main" xmlns:r="http://schemas.openxmlformats.org/officeDocument/2006/relationships" xmlns:p="http://schemas.openxmlformats.org/presentationml/2006/main">
   <p:cSld>
     <p:spTree>
@@ -40403,7 +44772,7 @@
 </p:sld>
 </file>
 
-<file path=ppt/slides/slide31.xml><?xml version="1.0" encoding="utf-8"?>
+<file path=ppt/slides/slide32.xml><?xml version="1.0" encoding="utf-8"?>
 <p:sld xmlns:a="http://schemas.openxmlformats.org/drawingml/2006/main" xmlns:r="http://schemas.openxmlformats.org/officeDocument/2006/relationships" xmlns:p="http://schemas.openxmlformats.org/presentationml/2006/main">
   <p:cSld>
     <p:spTree>
@@ -40445,7 +44814,7 @@
           <a:graphicData uri="http://schemas.openxmlformats.org/presentationml/2006/ole">
             <mc:AlternateContent xmlns:mc="http://schemas.openxmlformats.org/markup-compatibility/2006">
               <mc:Choice xmlns:v="urn:schemas-microsoft-com:vml" Requires="v">
-                <p:oleObj spid="_x0000_s43101" name="think-cell Slide" r:id="rId6" imgW="270" imgH="270" progId="TCLayout.ActiveDocument.1">
+                <p:oleObj spid="_x0000_s43103" name="think-cell Slide" r:id="rId6" imgW="270" imgH="270" progId="TCLayout.ActiveDocument.1">
                   <p:embed/>
                 </p:oleObj>
               </mc:Choice>
@@ -40587,7 +44956,7 @@
 </p:sld>
 </file>
 
-<file path=ppt/slides/slide32.xml><?xml version="1.0" encoding="utf-8"?>
+<file path=ppt/slides/slide33.xml><?xml version="1.0" encoding="utf-8"?>
 <p:sld xmlns:a="http://schemas.openxmlformats.org/drawingml/2006/main" xmlns:r="http://schemas.openxmlformats.org/officeDocument/2006/relationships" xmlns:p="http://schemas.openxmlformats.org/presentationml/2006/main">
   <p:cSld>
     <p:spTree>
@@ -40629,7 +44998,7 @@
           <a:graphicData uri="http://schemas.openxmlformats.org/presentationml/2006/ole">
             <mc:AlternateContent xmlns:mc="http://schemas.openxmlformats.org/markup-compatibility/2006">
               <mc:Choice xmlns:v="urn:schemas-microsoft-com:vml" Requires="v">
-                <p:oleObj spid="_x0000_s47202" name="think-cell Slide" r:id="rId7" imgW="270" imgH="270" progId="TCLayout.ActiveDocument.1">
+                <p:oleObj spid="_x0000_s47204" name="think-cell Slide" r:id="rId7" imgW="270" imgH="270" progId="TCLayout.ActiveDocument.1">
                   <p:embed/>
                 </p:oleObj>
               </mc:Choice>
@@ -41569,7 +45938,7 @@
 </p:sld>
 </file>
 
-<file path=ppt/slides/slide33.xml><?xml version="1.0" encoding="utf-8"?>
+<file path=ppt/slides/slide34.xml><?xml version="1.0" encoding="utf-8"?>
 <p:sld xmlns:a="http://schemas.openxmlformats.org/drawingml/2006/main" xmlns:r="http://schemas.openxmlformats.org/officeDocument/2006/relationships" xmlns:p="http://schemas.openxmlformats.org/presentationml/2006/main">
   <p:cSld>
     <p:spTree>
@@ -41611,7 +45980,7 @@
           <a:graphicData uri="http://schemas.openxmlformats.org/presentationml/2006/ole">
             <mc:AlternateContent xmlns:mc="http://schemas.openxmlformats.org/markup-compatibility/2006">
               <mc:Choice xmlns:v="urn:schemas-microsoft-com:vml" Requires="v">
-                <p:oleObj spid="_x0000_s48223" name="think-cell Slide" r:id="rId5" imgW="270" imgH="270" progId="TCLayout.ActiveDocument.1">
+                <p:oleObj spid="_x0000_s48225" name="think-cell Slide" r:id="rId5" imgW="270" imgH="270" progId="TCLayout.ActiveDocument.1">
                   <p:embed/>
                 </p:oleObj>
               </mc:Choice>
@@ -41747,7 +46116,7 @@
 </p:sld>
 </file>
 
-<file path=ppt/slides/slide34.xml><?xml version="1.0" encoding="utf-8"?>
+<file path=ppt/slides/slide35.xml><?xml version="1.0" encoding="utf-8"?>
 <p:sld xmlns:a="http://schemas.openxmlformats.org/drawingml/2006/main" xmlns:r="http://schemas.openxmlformats.org/officeDocument/2006/relationships" xmlns:p="http://schemas.openxmlformats.org/presentationml/2006/main">
   <p:cSld>
     <p:spTree>
@@ -41789,7 +46158,7 @@
           <a:graphicData uri="http://schemas.openxmlformats.org/presentationml/2006/ole">
             <mc:AlternateContent xmlns:mc="http://schemas.openxmlformats.org/markup-compatibility/2006">
               <mc:Choice xmlns:v="urn:schemas-microsoft-com:vml" Requires="v">
-                <p:oleObj spid="_x0000_s55392" name="think-cell Slide" r:id="rId6" imgW="270" imgH="270" progId="TCLayout.ActiveDocument.1">
+                <p:oleObj spid="_x0000_s55394" name="think-cell Slide" r:id="rId6" imgW="270" imgH="270" progId="TCLayout.ActiveDocument.1">
                   <p:embed/>
                 </p:oleObj>
               </mc:Choice>
@@ -42824,7 +47193,7 @@
 </p:sld>
 </file>
 
-<file path=ppt/slides/slide35.xml><?xml version="1.0" encoding="utf-8"?>
+<file path=ppt/slides/slide36.xml><?xml version="1.0" encoding="utf-8"?>
 <p:sld xmlns:a="http://schemas.openxmlformats.org/drawingml/2006/main" xmlns:r="http://schemas.openxmlformats.org/officeDocument/2006/relationships" xmlns:p="http://schemas.openxmlformats.org/presentationml/2006/main">
   <p:cSld>
     <p:spTree>
@@ -42866,7 +47235,7 @@
           <a:graphicData uri="http://schemas.openxmlformats.org/presentationml/2006/ole">
             <mc:AlternateContent xmlns:mc="http://schemas.openxmlformats.org/markup-compatibility/2006">
               <mc:Choice xmlns:v="urn:schemas-microsoft-com:vml" Requires="v">
-                <p:oleObj spid="_x0000_s2145" name="think-cell Slide" r:id="rId8" imgW="270" imgH="270" progId="TCLayout.ActiveDocument.1">
+                <p:oleObj spid="_x0000_s2147" name="think-cell Slide" r:id="rId8" imgW="270" imgH="270" progId="TCLayout.ActiveDocument.1">
                   <p:embed/>
                 </p:oleObj>
               </mc:Choice>
@@ -43345,7 +47714,7 @@
 </p:sld>
 </file>
 
-<file path=ppt/slides/slide36.xml><?xml version="1.0" encoding="utf-8"?>
+<file path=ppt/slides/slide37.xml><?xml version="1.0" encoding="utf-8"?>
 <p:sld xmlns:a="http://schemas.openxmlformats.org/drawingml/2006/main" xmlns:r="http://schemas.openxmlformats.org/officeDocument/2006/relationships" xmlns:p="http://schemas.openxmlformats.org/presentationml/2006/main">
   <p:cSld>
     <p:spTree>
@@ -43387,7 +47756,7 @@
           <a:graphicData uri="http://schemas.openxmlformats.org/presentationml/2006/ole">
             <mc:AlternateContent xmlns:mc="http://schemas.openxmlformats.org/markup-compatibility/2006">
               <mc:Choice xmlns:v="urn:schemas-microsoft-com:vml" Requires="v">
-                <p:oleObj spid="_x0000_s57439" name="think-cell Slide" r:id="rId6" imgW="270" imgH="270" progId="TCLayout.ActiveDocument.1">
+                <p:oleObj spid="_x0000_s57441" name="think-cell Slide" r:id="rId6" imgW="270" imgH="270" progId="TCLayout.ActiveDocument.1">
                   <p:embed/>
                 </p:oleObj>
               </mc:Choice>
@@ -43827,7 +48196,7 @@
 </p:sld>
 </file>
 
-<file path=ppt/slides/slide37.xml><?xml version="1.0" encoding="utf-8"?>
+<file path=ppt/slides/slide38.xml><?xml version="1.0" encoding="utf-8"?>
 <p:sld xmlns:a="http://schemas.openxmlformats.org/drawingml/2006/main" xmlns:r="http://schemas.openxmlformats.org/officeDocument/2006/relationships" xmlns:p="http://schemas.openxmlformats.org/presentationml/2006/main">
   <p:cSld>
     <p:spTree>
@@ -43869,7 +48238,7 @@
           <a:graphicData uri="http://schemas.openxmlformats.org/presentationml/2006/ole">
             <mc:AlternateContent xmlns:mc="http://schemas.openxmlformats.org/markup-compatibility/2006">
               <mc:Choice xmlns:v="urn:schemas-microsoft-com:vml" Requires="v">
-                <p:oleObj spid="_x0000_s58460" name="think-cell Slide" r:id="rId5" imgW="270" imgH="270" progId="TCLayout.ActiveDocument.1">
+                <p:oleObj spid="_x0000_s58462" name="think-cell Slide" r:id="rId5" imgW="270" imgH="270" progId="TCLayout.ActiveDocument.1">
                   <p:embed/>
                 </p:oleObj>
               </mc:Choice>
@@ -44048,7 +48417,7 @@
           <a:graphicData uri="http://schemas.openxmlformats.org/presentationml/2006/ole">
             <mc:AlternateContent xmlns:mc="http://schemas.openxmlformats.org/markup-compatibility/2006">
               <mc:Choice xmlns:v="urn:schemas-microsoft-com:vml" Requires="v">
-                <p:oleObj spid="_x0000_s25695" name="think-cell Slide" r:id="rId5" imgW="270" imgH="270" progId="TCLayout.ActiveDocument.1">
+                <p:oleObj spid="_x0000_s25697" name="think-cell Slide" r:id="rId5" imgW="270" imgH="270" progId="TCLayout.ActiveDocument.1">
                   <p:embed/>
                 </p:oleObj>
               </mc:Choice>
@@ -45933,6 +50302,84 @@
 </file>
 
 <file path=ppt/slides/slide5.xml><?xml version="1.0" encoding="utf-8"?>
+<p:sld xmlns:a="http://schemas.openxmlformats.org/drawingml/2006/main" xmlns:r="http://schemas.openxmlformats.org/officeDocument/2006/relationships" xmlns:p="http://schemas.openxmlformats.org/presentationml/2006/main">
+  <p:cSld>
+    <p:spTree>
+      <p:nvGrpSpPr>
+        <p:cNvPr id="1" name=""/>
+        <p:cNvGrpSpPr/>
+        <p:nvPr/>
+      </p:nvGrpSpPr>
+      <p:grpSpPr>
+        <a:xfrm>
+          <a:off x="0" y="0"/>
+          <a:ext cx="0" cy="0"/>
+          <a:chOff x="0" y="0"/>
+          <a:chExt cx="0" cy="0"/>
+        </a:xfrm>
+      </p:grpSpPr>
+      <p:sp>
+        <p:nvSpPr>
+          <p:cNvPr id="4" name="Title 3"/>
+          <p:cNvSpPr>
+            <a:spLocks noGrp="1"/>
+          </p:cNvSpPr>
+          <p:nvPr>
+            <p:ph type="title"/>
+          </p:nvPr>
+        </p:nvSpPr>
+        <p:spPr/>
+        <p:txBody>
+          <a:bodyPr/>
+          <a:lstStyle/>
+          <a:p>
+            <a:r>
+              <a:rPr lang="en-US" dirty="0" smtClean="0"/>
+              <a:t>Comparison of WCF &amp; ASP.NET Web API</a:t>
+            </a:r>
+            <a:endParaRPr lang="en-US" dirty="0"/>
+          </a:p>
+        </p:txBody>
+      </p:sp>
+      <p:graphicFrame>
+        <p:nvGraphicFramePr>
+          <p:cNvPr id="9" name="Diagram 8"/>
+          <p:cNvGraphicFramePr/>
+          <p:nvPr>
+            <p:extLst>
+              <p:ext uri="{D42A27DB-BD31-4B8C-83A1-F6EECF244321}">
+                <p14:modId xmlns:p14="http://schemas.microsoft.com/office/powerpoint/2010/main" val="1859789164"/>
+              </p:ext>
+            </p:extLst>
+          </p:nvPr>
+        </p:nvGraphicFramePr>
+        <p:xfrm>
+          <a:off x="2031471" y="1268360"/>
+          <a:ext cx="8125883" cy="4869267"/>
+        </p:xfrm>
+        <a:graphic>
+          <a:graphicData uri="http://schemas.openxmlformats.org/drawingml/2006/diagram">
+            <dgm:relIds xmlns:dgm="http://schemas.openxmlformats.org/drawingml/2006/diagram" xmlns:r="http://schemas.openxmlformats.org/officeDocument/2006/relationships" r:dm="rId2" r:lo="rId3" r:qs="rId4" r:cs="rId5"/>
+          </a:graphicData>
+        </a:graphic>
+      </p:graphicFrame>
+    </p:spTree>
+    <p:extLst>
+      <p:ext uri="{BB962C8B-B14F-4D97-AF65-F5344CB8AC3E}">
+        <p14:creationId xmlns:p14="http://schemas.microsoft.com/office/powerpoint/2010/main" val="3084609137"/>
+      </p:ext>
+    </p:extLst>
+  </p:cSld>
+  <p:clrMapOvr>
+    <a:masterClrMapping/>
+  </p:clrMapOvr>
+  <p:transition>
+    <p:fade/>
+  </p:transition>
+</p:sld>
+</file>
+
+<file path=ppt/slides/slide6.xml><?xml version="1.0" encoding="utf-8"?>
 <p:sld xmlns:a="http://schemas.openxmlformats.org/drawingml/2006/main" xmlns:r="http://schemas.openxmlformats.org/officeDocument/2006/relationships" xmlns:p="http://schemas.openxmlformats.org/presentationml/2006/main">
   <p:cSld>
     <p:spTree>
@@ -47653,7 +52100,7 @@
 </p:sld>
 </file>
 
-<file path=ppt/slides/slide6.xml><?xml version="1.0" encoding="utf-8"?>
+<file path=ppt/slides/slide7.xml><?xml version="1.0" encoding="utf-8"?>
 <p:sld xmlns:a="http://schemas.openxmlformats.org/drawingml/2006/main" xmlns:r="http://schemas.openxmlformats.org/officeDocument/2006/relationships" xmlns:p="http://schemas.openxmlformats.org/presentationml/2006/main">
   <p:cSld>
     <p:spTree>
@@ -47695,7 +52142,7 @@
           <a:graphicData uri="http://schemas.openxmlformats.org/presentationml/2006/ole">
             <mc:AlternateContent xmlns:mc="http://schemas.openxmlformats.org/markup-compatibility/2006">
               <mc:Choice xmlns:v="urn:schemas-microsoft-com:vml" Requires="v">
-                <p:oleObj spid="_x0000_s61467" name="think-cell Slide" r:id="rId5" imgW="270" imgH="270" progId="TCLayout.ActiveDocument.1">
+                <p:oleObj spid="_x0000_s61469" name="think-cell Slide" r:id="rId5" imgW="270" imgH="270" progId="TCLayout.ActiveDocument.1">
                   <p:embed/>
                 </p:oleObj>
               </mc:Choice>
@@ -48123,7 +52570,7 @@
 </p:sld>
 </file>
 
-<file path=ppt/slides/slide7.xml><?xml version="1.0" encoding="utf-8"?>
+<file path=ppt/slides/slide8.xml><?xml version="1.0" encoding="utf-8"?>
 <p:sld xmlns:a="http://schemas.openxmlformats.org/drawingml/2006/main" xmlns:r="http://schemas.openxmlformats.org/officeDocument/2006/relationships" xmlns:p="http://schemas.openxmlformats.org/presentationml/2006/main">
   <p:cSld>
     <p:spTree>
@@ -48165,7 +52612,7 @@
           <a:graphicData uri="http://schemas.openxmlformats.org/presentationml/2006/ole">
             <mc:AlternateContent xmlns:mc="http://schemas.openxmlformats.org/markup-compatibility/2006">
               <mc:Choice xmlns:v="urn:schemas-microsoft-com:vml" Requires="v">
-                <p:oleObj spid="_x0000_s62491" name="think-cell Slide" r:id="rId6" imgW="270" imgH="270" progId="TCLayout.ActiveDocument.1">
+                <p:oleObj spid="_x0000_s62493" name="think-cell Slide" r:id="rId6" imgW="270" imgH="270" progId="TCLayout.ActiveDocument.1">
                   <p:embed/>
                 </p:oleObj>
               </mc:Choice>
@@ -48324,7 +52771,7 @@
 </p:sld>
 </file>
 
-<file path=ppt/slides/slide8.xml><?xml version="1.0" encoding="utf-8"?>
+<file path=ppt/slides/slide9.xml><?xml version="1.0" encoding="utf-8"?>
 <p:sld xmlns:a="http://schemas.openxmlformats.org/drawingml/2006/main" xmlns:r="http://schemas.openxmlformats.org/officeDocument/2006/relationships" xmlns:p="http://schemas.openxmlformats.org/presentationml/2006/main">
   <p:cSld>
     <p:spTree>
@@ -48366,7 +52813,7 @@
           <a:graphicData uri="http://schemas.openxmlformats.org/presentationml/2006/ole">
             <mc:AlternateContent xmlns:mc="http://schemas.openxmlformats.org/markup-compatibility/2006">
               <mc:Choice xmlns:v="urn:schemas-microsoft-com:vml" Requires="v">
-                <p:oleObj spid="_x0000_s63515" name="think-cell Slide" r:id="rId8" imgW="270" imgH="270" progId="TCLayout.ActiveDocument.1">
+                <p:oleObj spid="_x0000_s63517" name="think-cell Slide" r:id="rId8" imgW="270" imgH="270" progId="TCLayout.ActiveDocument.1">
                   <p:embed/>
                 </p:oleObj>
               </mc:Choice>
@@ -48839,1143 +53286,6 @@
         <p:cTn id="1" dur="indefinite" restart="never" nodeType="tmRoot"/>
       </p:par>
     </p:tnLst>
-  </p:timing>
-</p:sld>
-</file>
-
-<file path=ppt/slides/slide9.xml><?xml version="1.0" encoding="utf-8"?>
-<p:sld xmlns:a="http://schemas.openxmlformats.org/drawingml/2006/main" xmlns:r="http://schemas.openxmlformats.org/officeDocument/2006/relationships" xmlns:p="http://schemas.openxmlformats.org/presentationml/2006/main">
-  <p:cSld>
-    <p:spTree>
-      <p:nvGrpSpPr>
-        <p:cNvPr id="1" name=""/>
-        <p:cNvGrpSpPr/>
-        <p:nvPr/>
-      </p:nvGrpSpPr>
-      <p:grpSpPr>
-        <a:xfrm>
-          <a:off x="0" y="0"/>
-          <a:ext cx="0" cy="0"/>
-          <a:chOff x="0" y="0"/>
-          <a:chExt cx="0" cy="0"/>
-        </a:xfrm>
-      </p:grpSpPr>
-      <p:graphicFrame>
-        <p:nvGraphicFramePr>
-          <p:cNvPr id="3" name="Object 2" hidden="1"/>
-          <p:cNvGraphicFramePr>
-            <a:graphicFrameLocks noChangeAspect="1"/>
-          </p:cNvGraphicFramePr>
-          <p:nvPr>
-            <p:custDataLst>
-              <p:tags r:id="rId2"/>
-            </p:custDataLst>
-            <p:extLst>
-              <p:ext uri="{D42A27DB-BD31-4B8C-83A1-F6EECF244321}">
-                <p14:modId xmlns:p14="http://schemas.microsoft.com/office/powerpoint/2010/main" val="4042091960"/>
-              </p:ext>
-            </p:extLst>
-          </p:nvPr>
-        </p:nvGraphicFramePr>
-        <p:xfrm>
-          <a:off x="0" y="0"/>
-          <a:ext cx="158750" cy="158750"/>
-        </p:xfrm>
-        <a:graphic>
-          <a:graphicData uri="http://schemas.openxmlformats.org/presentationml/2006/ole">
-            <mc:AlternateContent xmlns:mc="http://schemas.openxmlformats.org/markup-compatibility/2006">
-              <mc:Choice xmlns:v="urn:schemas-microsoft-com:vml" Requires="v">
-                <p:oleObj spid="_x0000_s29796" name="think-cell Slide" r:id="rId7" imgW="270" imgH="270" progId="TCLayout.ActiveDocument.1">
-                  <p:embed/>
-                </p:oleObj>
-              </mc:Choice>
-              <mc:Fallback>
-                <p:oleObj name="think-cell Slide" r:id="rId7" imgW="270" imgH="270" progId="TCLayout.ActiveDocument.1">
-                  <p:embed/>
-                  <p:pic>
-                    <p:nvPicPr>
-                      <p:cNvPr id="0" name=""/>
-                      <p:cNvPicPr/>
-                      <p:nvPr/>
-                    </p:nvPicPr>
-                    <p:blipFill>
-                      <a:blip r:embed="rId8"/>
-                      <a:stretch>
-                        <a:fillRect/>
-                      </a:stretch>
-                    </p:blipFill>
-                    <p:spPr>
-                      <a:xfrm>
-                        <a:off x="0" y="0"/>
-                        <a:ext cx="158750" cy="158750"/>
-                      </a:xfrm>
-                      <a:prstGeom prst="rect">
-                        <a:avLst/>
-                      </a:prstGeom>
-                    </p:spPr>
-                  </p:pic>
-                </p:oleObj>
-              </mc:Fallback>
-            </mc:AlternateContent>
-          </a:graphicData>
-        </a:graphic>
-      </p:graphicFrame>
-      <p:sp>
-        <p:nvSpPr>
-          <p:cNvPr id="2" name="Title 1"/>
-          <p:cNvSpPr>
-            <a:spLocks noGrp="1"/>
-          </p:cNvSpPr>
-          <p:nvPr>
-            <p:ph type="title"/>
-            <p:custDataLst>
-              <p:tags r:id="rId3"/>
-            </p:custDataLst>
-          </p:nvPr>
-        </p:nvSpPr>
-        <p:spPr/>
-        <p:txBody>
-          <a:bodyPr/>
-          <a:lstStyle/>
-          <a:p>
-            <a:r>
-              <a:rPr lang="en-US" smtClean="0"/>
-              <a:t>Building a Read Only Web API</a:t>
-            </a:r>
-            <a:endParaRPr lang="en-US" dirty="0"/>
-          </a:p>
-        </p:txBody>
-      </p:sp>
-      <p:sp>
-        <p:nvSpPr>
-          <p:cNvPr id="11" name="Content Placeholder 10"/>
-          <p:cNvSpPr>
-            <a:spLocks noGrp="1"/>
-          </p:cNvSpPr>
-          <p:nvPr>
-            <p:ph type="body" sz="quarter" idx="10"/>
-            <p:custDataLst>
-              <p:tags r:id="rId4"/>
-            </p:custDataLst>
-          </p:nvPr>
-        </p:nvSpPr>
-        <p:spPr>
-          <a:xfrm>
-            <a:off x="519112" y="1422157"/>
-            <a:ext cx="11149013" cy="2369880"/>
-          </a:xfrm>
-        </p:spPr>
-        <p:txBody>
-          <a:bodyPr/>
-          <a:lstStyle/>
-          <a:p>
-            <a:pPr>
-              <a:spcAft>
-                <a:spcPts val="1200"/>
-              </a:spcAft>
-            </a:pPr>
-            <a:r>
-              <a:rPr lang="en-US" sz="4000" dirty="0" smtClean="0">
-                <a:gradFill>
-                  <a:gsLst>
-                    <a:gs pos="0">
-                      <a:schemeClr val="accent2"/>
-                    </a:gs>
-                    <a:gs pos="100000">
-                      <a:schemeClr val="accent2"/>
-                    </a:gs>
-                  </a:gsLst>
-                  <a:lin ang="5400000" scaled="0"/>
-                </a:gradFill>
-                <a:latin typeface="Segoe UI Light" pitchFamily="34" charset="0"/>
-              </a:rPr>
-              <a:t>Why?</a:t>
-            </a:r>
-          </a:p>
-          <a:p>
-            <a:pPr>
-              <a:spcAft>
-                <a:spcPts val="1200"/>
-              </a:spcAft>
-            </a:pPr>
-            <a:r>
-              <a:rPr lang="en-US" sz="4000" dirty="0" smtClean="0">
-                <a:latin typeface="Segoe UI Light" pitchFamily="34" charset="0"/>
-              </a:rPr>
-              <a:t>Allow browser </a:t>
-            </a:r>
-            <a:r>
-              <a:rPr lang="en-US" sz="4000" smtClean="0">
-                <a:latin typeface="Segoe UI Light" pitchFamily="34" charset="0"/>
-              </a:rPr>
-              <a:t>or other clients </a:t>
-            </a:r>
-            <a:r>
-              <a:rPr lang="en-US" sz="4000" dirty="0" smtClean="0">
-                <a:latin typeface="Segoe UI Light" pitchFamily="34" charset="0"/>
-              </a:rPr>
-              <a:t>to </a:t>
-            </a:r>
-            <a:br>
-              <a:rPr lang="en-US" sz="4000" dirty="0" smtClean="0">
-                <a:latin typeface="Segoe UI Light" pitchFamily="34" charset="0"/>
-              </a:rPr>
-            </a:br>
-            <a:r>
-              <a:rPr lang="en-US" sz="4000" dirty="0" smtClean="0">
-                <a:latin typeface="Segoe UI Light" pitchFamily="34" charset="0"/>
-              </a:rPr>
-              <a:t>easily retrieve information </a:t>
-            </a:r>
-            <a:br>
-              <a:rPr lang="en-US" sz="4000" dirty="0" smtClean="0">
-                <a:latin typeface="Segoe UI Light" pitchFamily="34" charset="0"/>
-              </a:rPr>
-            </a:br>
-            <a:r>
-              <a:rPr lang="en-US" sz="4000" dirty="0" smtClean="0">
-                <a:latin typeface="Segoe UI Light" pitchFamily="34" charset="0"/>
-              </a:rPr>
-              <a:t>from your system</a:t>
-            </a:r>
-            <a:endParaRPr lang="en-US" sz="4000" dirty="0">
-              <a:latin typeface="Segoe UI Light" pitchFamily="34" charset="0"/>
-            </a:endParaRPr>
-          </a:p>
-        </p:txBody>
-      </p:sp>
-      <p:sp>
-        <p:nvSpPr>
-          <p:cNvPr id="6" name="Rectangle 5"/>
-          <p:cNvSpPr/>
-          <p:nvPr/>
-        </p:nvSpPr>
-        <p:spPr bwMode="auto">
-          <a:xfrm>
-            <a:off x="9072081" y="1141413"/>
-            <a:ext cx="2603981" cy="5716587"/>
-          </a:xfrm>
-          <a:prstGeom prst="rect">
-            <a:avLst/>
-          </a:prstGeom>
-          <a:solidFill>
-            <a:schemeClr val="accent4"/>
-          </a:solidFill>
-          <a:ln>
-            <a:noFill/>
-            <a:headEnd type="none" w="med" len="med"/>
-            <a:tailEnd type="none" w="med" len="med"/>
-          </a:ln>
-          <a:effectLst/>
-        </p:spPr>
-        <p:style>
-          <a:lnRef idx="1">
-            <a:schemeClr val="accent2"/>
-          </a:lnRef>
-          <a:fillRef idx="3">
-            <a:schemeClr val="accent2"/>
-          </a:fillRef>
-          <a:effectRef idx="2">
-            <a:schemeClr val="accent2"/>
-          </a:effectRef>
-          <a:fontRef idx="minor">
-            <a:schemeClr val="lt1"/>
-          </a:fontRef>
-        </p:style>
-        <p:txBody>
-          <a:bodyPr vert="horz" wrap="square" lIns="91436" tIns="45718" rIns="91436" bIns="45718" numCol="1" rtlCol="0" anchor="ctr" anchorCtr="0" compatLnSpc="1">
-            <a:prstTxWarp prst="textNoShape">
-              <a:avLst/>
-            </a:prstTxWarp>
-          </a:bodyPr>
-          <a:lstStyle/>
-          <a:p>
-            <a:pPr algn="ctr" defTabSz="914099" fontAlgn="base">
-              <a:spcBef>
-                <a:spcPct val="0"/>
-              </a:spcBef>
-              <a:spcAft>
-                <a:spcPct val="0"/>
-              </a:spcAft>
-            </a:pPr>
-            <a:endParaRPr lang="en-US" sz="2200" dirty="0" smtClean="0">
-              <a:gradFill>
-                <a:gsLst>
-                  <a:gs pos="0">
-                    <a:srgbClr val="FFFFFF"/>
-                  </a:gs>
-                  <a:gs pos="100000">
-                    <a:srgbClr val="FFFFFF"/>
-                  </a:gs>
-                </a:gsLst>
-                <a:lin ang="5400000" scaled="0"/>
-              </a:gradFill>
-            </a:endParaRPr>
-          </a:p>
-        </p:txBody>
-      </p:sp>
-      <p:sp>
-        <p:nvSpPr>
-          <p:cNvPr id="8" name="Freeform 9"/>
-          <p:cNvSpPr>
-            <a:spLocks noEditPoints="1"/>
-          </p:cNvSpPr>
-          <p:nvPr/>
-        </p:nvSpPr>
-        <p:spPr bwMode="black">
-          <a:xfrm>
-            <a:off x="9526363" y="1591438"/>
-            <a:ext cx="1695417" cy="1694975"/>
-          </a:xfrm>
-          <a:custGeom>
-            <a:avLst/>
-            <a:gdLst>
-              <a:gd name="T0" fmla="*/ 204 w 300"/>
-              <a:gd name="T1" fmla="*/ 62 h 300"/>
-              <a:gd name="T2" fmla="*/ 232 w 300"/>
-              <a:gd name="T3" fmla="*/ 76 h 300"/>
-              <a:gd name="T4" fmla="*/ 204 w 300"/>
-              <a:gd name="T5" fmla="*/ 89 h 300"/>
-              <a:gd name="T6" fmla="*/ 174 w 300"/>
-              <a:gd name="T7" fmla="*/ 83 h 300"/>
-              <a:gd name="T8" fmla="*/ 178 w 300"/>
-              <a:gd name="T9" fmla="*/ 49 h 300"/>
-              <a:gd name="T10" fmla="*/ 150 w 300"/>
-              <a:gd name="T11" fmla="*/ 35 h 300"/>
-              <a:gd name="T12" fmla="*/ 178 w 300"/>
-              <a:gd name="T13" fmla="*/ 22 h 300"/>
-              <a:gd name="T14" fmla="*/ 208 w 300"/>
-              <a:gd name="T15" fmla="*/ 28 h 300"/>
-              <a:gd name="T16" fmla="*/ 288 w 300"/>
-              <a:gd name="T17" fmla="*/ 199 h 300"/>
-              <a:gd name="T18" fmla="*/ 266 w 300"/>
-              <a:gd name="T19" fmla="*/ 219 h 300"/>
-              <a:gd name="T20" fmla="*/ 169 w 300"/>
-              <a:gd name="T21" fmla="*/ 242 h 300"/>
-              <a:gd name="T22" fmla="*/ 47 w 300"/>
-              <a:gd name="T23" fmla="*/ 175 h 300"/>
-              <a:gd name="T24" fmla="*/ 130 w 300"/>
-              <a:gd name="T25" fmla="*/ 160 h 300"/>
-              <a:gd name="T26" fmla="*/ 198 w 300"/>
-              <a:gd name="T27" fmla="*/ 158 h 300"/>
-              <a:gd name="T28" fmla="*/ 201 w 300"/>
-              <a:gd name="T29" fmla="*/ 183 h 300"/>
-              <a:gd name="T30" fmla="*/ 144 w 300"/>
-              <a:gd name="T31" fmla="*/ 190 h 300"/>
-              <a:gd name="T32" fmla="*/ 223 w 300"/>
-              <a:gd name="T33" fmla="*/ 207 h 300"/>
-              <a:gd name="T34" fmla="*/ 287 w 300"/>
-              <a:gd name="T35" fmla="*/ 182 h 300"/>
-              <a:gd name="T36" fmla="*/ 34 w 300"/>
-              <a:gd name="T37" fmla="*/ 162 h 300"/>
-              <a:gd name="T38" fmla="*/ 0 w 300"/>
-              <a:gd name="T39" fmla="*/ 228 h 300"/>
-              <a:gd name="T40" fmla="*/ 39 w 300"/>
-              <a:gd name="T41" fmla="*/ 224 h 300"/>
-              <a:gd name="T42" fmla="*/ 34 w 300"/>
-              <a:gd name="T43" fmla="*/ 162 h 300"/>
-              <a:gd name="T44" fmla="*/ 300 w 300"/>
-              <a:gd name="T45" fmla="*/ 294 h 300"/>
-              <a:gd name="T46" fmla="*/ 0 w 300"/>
-              <a:gd name="T47" fmla="*/ 300 h 300"/>
-              <a:gd name="T48" fmla="*/ 270 w 300"/>
-              <a:gd name="T49" fmla="*/ 86 h 300"/>
-              <a:gd name="T50" fmla="*/ 274 w 300"/>
-              <a:gd name="T51" fmla="*/ 68 h 300"/>
-              <a:gd name="T52" fmla="*/ 296 w 300"/>
-              <a:gd name="T53" fmla="*/ 44 h 300"/>
-              <a:gd name="T54" fmla="*/ 290 w 300"/>
-              <a:gd name="T55" fmla="*/ 9 h 300"/>
-              <a:gd name="T56" fmla="*/ 239 w 300"/>
-              <a:gd name="T57" fmla="*/ 8 h 300"/>
-              <a:gd name="T58" fmla="*/ 242 w 300"/>
-              <a:gd name="T59" fmla="*/ 34 h 300"/>
-              <a:gd name="T60" fmla="*/ 264 w 300"/>
-              <a:gd name="T61" fmla="*/ 11 h 300"/>
-              <a:gd name="T62" fmla="*/ 286 w 300"/>
-              <a:gd name="T63" fmla="*/ 31 h 300"/>
-              <a:gd name="T64" fmla="*/ 274 w 300"/>
-              <a:gd name="T65" fmla="*/ 50 h 300"/>
-              <a:gd name="T66" fmla="*/ 259 w 300"/>
-              <a:gd name="T67" fmla="*/ 68 h 300"/>
-              <a:gd name="T68" fmla="*/ 256 w 300"/>
-              <a:gd name="T69" fmla="*/ 86 h 300"/>
-              <a:gd name="T70" fmla="*/ 270 w 300"/>
-              <a:gd name="T71" fmla="*/ 111 h 300"/>
-              <a:gd name="T72" fmla="*/ 256 w 300"/>
-              <a:gd name="T73" fmla="*/ 98 h 300"/>
-              <a:gd name="T74" fmla="*/ 270 w 300"/>
-              <a:gd name="T75" fmla="*/ 111 h 300"/>
-              <a:gd name="T76" fmla="*/ 75 w 300"/>
-              <a:gd name="T77" fmla="*/ 111 h 300"/>
-              <a:gd name="T78" fmla="*/ 98 w 300"/>
-              <a:gd name="T79" fmla="*/ 0 h 300"/>
-              <a:gd name="T80" fmla="*/ 153 w 300"/>
-              <a:gd name="T81" fmla="*/ 111 h 300"/>
-              <a:gd name="T82" fmla="*/ 126 w 300"/>
-              <a:gd name="T83" fmla="*/ 76 h 300"/>
-              <a:gd name="T84" fmla="*/ 123 w 300"/>
-              <a:gd name="T85" fmla="*/ 65 h 300"/>
-              <a:gd name="T86" fmla="*/ 106 w 300"/>
-              <a:gd name="T87" fmla="*/ 13 h 300"/>
-              <a:gd name="T88" fmla="*/ 100 w 300"/>
-              <a:gd name="T89" fmla="*/ 33 h 300"/>
-              <a:gd name="T90" fmla="*/ 123 w 300"/>
-              <a:gd name="T91" fmla="*/ 65 h 300"/>
-            </a:gdLst>
-            <a:ahLst/>
-            <a:cxnLst>
-              <a:cxn ang="0">
-                <a:pos x="T0" y="T1"/>
-              </a:cxn>
-              <a:cxn ang="0">
-                <a:pos x="T2" y="T3"/>
-              </a:cxn>
-              <a:cxn ang="0">
-                <a:pos x="T4" y="T5"/>
-              </a:cxn>
-              <a:cxn ang="0">
-                <a:pos x="T6" y="T7"/>
-              </a:cxn>
-              <a:cxn ang="0">
-                <a:pos x="T8" y="T9"/>
-              </a:cxn>
-              <a:cxn ang="0">
-                <a:pos x="T10" y="T11"/>
-              </a:cxn>
-              <a:cxn ang="0">
-                <a:pos x="T12" y="T13"/>
-              </a:cxn>
-              <a:cxn ang="0">
-                <a:pos x="T14" y="T15"/>
-              </a:cxn>
-              <a:cxn ang="0">
-                <a:pos x="T16" y="T17"/>
-              </a:cxn>
-              <a:cxn ang="0">
-                <a:pos x="T18" y="T19"/>
-              </a:cxn>
-              <a:cxn ang="0">
-                <a:pos x="T20" y="T21"/>
-              </a:cxn>
-              <a:cxn ang="0">
-                <a:pos x="T22" y="T23"/>
-              </a:cxn>
-              <a:cxn ang="0">
-                <a:pos x="T24" y="T25"/>
-              </a:cxn>
-              <a:cxn ang="0">
-                <a:pos x="T26" y="T27"/>
-              </a:cxn>
-              <a:cxn ang="0">
-                <a:pos x="T28" y="T29"/>
-              </a:cxn>
-              <a:cxn ang="0">
-                <a:pos x="T30" y="T31"/>
-              </a:cxn>
-              <a:cxn ang="0">
-                <a:pos x="T32" y="T33"/>
-              </a:cxn>
-              <a:cxn ang="0">
-                <a:pos x="T34" y="T35"/>
-              </a:cxn>
-              <a:cxn ang="0">
-                <a:pos x="T36" y="T37"/>
-              </a:cxn>
-              <a:cxn ang="0">
-                <a:pos x="T38" y="T39"/>
-              </a:cxn>
-              <a:cxn ang="0">
-                <a:pos x="T40" y="T41"/>
-              </a:cxn>
-              <a:cxn ang="0">
-                <a:pos x="T42" y="T43"/>
-              </a:cxn>
-              <a:cxn ang="0">
-                <a:pos x="T44" y="T45"/>
-              </a:cxn>
-              <a:cxn ang="0">
-                <a:pos x="T46" y="T47"/>
-              </a:cxn>
-              <a:cxn ang="0">
-                <a:pos x="T48" y="T49"/>
-              </a:cxn>
-              <a:cxn ang="0">
-                <a:pos x="T50" y="T51"/>
-              </a:cxn>
-              <a:cxn ang="0">
-                <a:pos x="T52" y="T53"/>
-              </a:cxn>
-              <a:cxn ang="0">
-                <a:pos x="T54" y="T55"/>
-              </a:cxn>
-              <a:cxn ang="0">
-                <a:pos x="T56" y="T57"/>
-              </a:cxn>
-              <a:cxn ang="0">
-                <a:pos x="T58" y="T59"/>
-              </a:cxn>
-              <a:cxn ang="0">
-                <a:pos x="T60" y="T61"/>
-              </a:cxn>
-              <a:cxn ang="0">
-                <a:pos x="T62" y="T63"/>
-              </a:cxn>
-              <a:cxn ang="0">
-                <a:pos x="T64" y="T65"/>
-              </a:cxn>
-              <a:cxn ang="0">
-                <a:pos x="T66" y="T67"/>
-              </a:cxn>
-              <a:cxn ang="0">
-                <a:pos x="T68" y="T69"/>
-              </a:cxn>
-              <a:cxn ang="0">
-                <a:pos x="T70" y="T71"/>
-              </a:cxn>
-              <a:cxn ang="0">
-                <a:pos x="T72" y="T73"/>
-              </a:cxn>
-              <a:cxn ang="0">
-                <a:pos x="T74" y="T75"/>
-              </a:cxn>
-              <a:cxn ang="0">
-                <a:pos x="T76" y="T77"/>
-              </a:cxn>
-              <a:cxn ang="0">
-                <a:pos x="T78" y="T79"/>
-              </a:cxn>
-              <a:cxn ang="0">
-                <a:pos x="T80" y="T81"/>
-              </a:cxn>
-              <a:cxn ang="0">
-                <a:pos x="T82" y="T83"/>
-              </a:cxn>
-              <a:cxn ang="0">
-                <a:pos x="T84" y="T85"/>
-              </a:cxn>
-              <a:cxn ang="0">
-                <a:pos x="T86" y="T87"/>
-              </a:cxn>
-              <a:cxn ang="0">
-                <a:pos x="T88" y="T89"/>
-              </a:cxn>
-              <a:cxn ang="0">
-                <a:pos x="T90" y="T91"/>
-              </a:cxn>
-            </a:cxnLst>
-            <a:rect l="0" t="0" r="r" b="b"/>
-            <a:pathLst>
-              <a:path w="300" h="300">
-                <a:moveTo>
-                  <a:pt x="174" y="83"/>
-                </a:moveTo>
-                <a:cubicBezTo>
-                  <a:pt x="204" y="62"/>
-                  <a:pt x="204" y="62"/>
-                  <a:pt x="204" y="62"/>
-                </a:cubicBezTo>
-                <a:cubicBezTo>
-                  <a:pt x="204" y="76"/>
-                  <a:pt x="204" y="76"/>
-                  <a:pt x="204" y="76"/>
-                </a:cubicBezTo>
-                <a:cubicBezTo>
-                  <a:pt x="232" y="76"/>
-                  <a:pt x="232" y="76"/>
-                  <a:pt x="232" y="76"/>
-                </a:cubicBezTo>
-                <a:cubicBezTo>
-                  <a:pt x="232" y="89"/>
-                  <a:pt x="232" y="89"/>
-                  <a:pt x="232" y="89"/>
-                </a:cubicBezTo>
-                <a:cubicBezTo>
-                  <a:pt x="204" y="89"/>
-                  <a:pt x="204" y="89"/>
-                  <a:pt x="204" y="89"/>
-                </a:cubicBezTo>
-                <a:cubicBezTo>
-                  <a:pt x="204" y="104"/>
-                  <a:pt x="204" y="104"/>
-                  <a:pt x="204" y="104"/>
-                </a:cubicBezTo>
-                <a:lnTo>
-                  <a:pt x="174" y="83"/>
-                </a:lnTo>
-                <a:close/>
-                <a:moveTo>
-                  <a:pt x="208" y="28"/>
-                </a:moveTo>
-                <a:cubicBezTo>
-                  <a:pt x="178" y="49"/>
-                  <a:pt x="178" y="49"/>
-                  <a:pt x="178" y="49"/>
-                </a:cubicBezTo>
-                <a:cubicBezTo>
-                  <a:pt x="178" y="35"/>
-                  <a:pt x="178" y="35"/>
-                  <a:pt x="178" y="35"/>
-                </a:cubicBezTo>
-                <a:cubicBezTo>
-                  <a:pt x="150" y="35"/>
-                  <a:pt x="150" y="35"/>
-                  <a:pt x="150" y="35"/>
-                </a:cubicBezTo>
-                <a:cubicBezTo>
-                  <a:pt x="150" y="22"/>
-                  <a:pt x="150" y="22"/>
-                  <a:pt x="150" y="22"/>
-                </a:cubicBezTo>
-                <a:cubicBezTo>
-                  <a:pt x="178" y="22"/>
-                  <a:pt x="178" y="22"/>
-                  <a:pt x="178" y="22"/>
-                </a:cubicBezTo>
-                <a:cubicBezTo>
-                  <a:pt x="178" y="7"/>
-                  <a:pt x="178" y="7"/>
-                  <a:pt x="178" y="7"/>
-                </a:cubicBezTo>
-                <a:lnTo>
-                  <a:pt x="208" y="28"/>
-                </a:lnTo>
-                <a:close/>
-                <a:moveTo>
-                  <a:pt x="300" y="190"/>
-                </a:moveTo>
-                <a:cubicBezTo>
-                  <a:pt x="300" y="190"/>
-                  <a:pt x="299" y="191"/>
-                  <a:pt x="288" y="199"/>
-                </a:cubicBezTo>
-                <a:cubicBezTo>
-                  <a:pt x="288" y="199"/>
-                  <a:pt x="286" y="203"/>
-                  <a:pt x="285" y="203"/>
-                </a:cubicBezTo>
-                <a:cubicBezTo>
-                  <a:pt x="280" y="207"/>
-                  <a:pt x="275" y="212"/>
-                  <a:pt x="266" y="219"/>
-                </a:cubicBezTo>
-                <a:cubicBezTo>
-                  <a:pt x="257" y="219"/>
-                  <a:pt x="238" y="228"/>
-                  <a:pt x="229" y="233"/>
-                </a:cubicBezTo>
-                <a:cubicBezTo>
-                  <a:pt x="212" y="233"/>
-                  <a:pt x="187" y="237"/>
-                  <a:pt x="169" y="242"/>
-                </a:cubicBezTo>
-                <a:cubicBezTo>
-                  <a:pt x="143" y="237"/>
-                  <a:pt x="140" y="244"/>
-                  <a:pt x="47" y="220"/>
-                </a:cubicBezTo>
-                <a:cubicBezTo>
-                  <a:pt x="47" y="220"/>
-                  <a:pt x="47" y="183"/>
-                  <a:pt x="47" y="175"/>
-                </a:cubicBezTo>
-                <a:cubicBezTo>
-                  <a:pt x="64" y="170"/>
-                  <a:pt x="69" y="160"/>
-                  <a:pt x="89" y="157"/>
-                </a:cubicBezTo>
-                <a:cubicBezTo>
-                  <a:pt x="103" y="155"/>
-                  <a:pt x="116" y="156"/>
-                  <a:pt x="130" y="160"/>
-                </a:cubicBezTo>
-                <a:cubicBezTo>
-                  <a:pt x="139" y="163"/>
-                  <a:pt x="148" y="164"/>
-                  <a:pt x="163" y="163"/>
-                </a:cubicBezTo>
-                <a:cubicBezTo>
-                  <a:pt x="176" y="162"/>
-                  <a:pt x="181" y="158"/>
-                  <a:pt x="198" y="158"/>
-                </a:cubicBezTo>
-                <a:cubicBezTo>
-                  <a:pt x="209" y="158"/>
-                  <a:pt x="220" y="165"/>
-                  <a:pt x="219" y="171"/>
-                </a:cubicBezTo>
-                <a:cubicBezTo>
-                  <a:pt x="219" y="177"/>
-                  <a:pt x="208" y="183"/>
-                  <a:pt x="201" y="183"/>
-                </a:cubicBezTo>
-                <a:cubicBezTo>
-                  <a:pt x="185" y="184"/>
-                  <a:pt x="189" y="183"/>
-                  <a:pt x="174" y="183"/>
-                </a:cubicBezTo>
-                <a:cubicBezTo>
-                  <a:pt x="156" y="182"/>
-                  <a:pt x="155" y="186"/>
-                  <a:pt x="144" y="190"/>
-                </a:cubicBezTo>
-                <a:cubicBezTo>
-                  <a:pt x="155" y="194"/>
-                  <a:pt x="162" y="198"/>
-                  <a:pt x="177" y="206"/>
-                </a:cubicBezTo>
-                <a:cubicBezTo>
-                  <a:pt x="193" y="204"/>
-                  <a:pt x="209" y="206"/>
-                  <a:pt x="223" y="207"/>
-                </a:cubicBezTo>
-                <a:cubicBezTo>
-                  <a:pt x="235" y="204"/>
-                  <a:pt x="241" y="199"/>
-                  <a:pt x="255" y="198"/>
-                </a:cubicBezTo>
-                <a:cubicBezTo>
-                  <a:pt x="264" y="191"/>
-                  <a:pt x="276" y="180"/>
-                  <a:pt x="287" y="182"/>
-                </a:cubicBezTo>
-                <a:cubicBezTo>
-                  <a:pt x="293" y="183"/>
-                  <a:pt x="300" y="190"/>
-                  <a:pt x="300" y="190"/>
-                </a:cubicBezTo>
-                <a:close/>
-                <a:moveTo>
-                  <a:pt x="34" y="162"/>
-                </a:moveTo>
-                <a:cubicBezTo>
-                  <a:pt x="0" y="162"/>
-                  <a:pt x="0" y="162"/>
-                  <a:pt x="0" y="162"/>
-                </a:cubicBezTo>
-                <a:cubicBezTo>
-                  <a:pt x="0" y="228"/>
-                  <a:pt x="0" y="228"/>
-                  <a:pt x="0" y="228"/>
-                </a:cubicBezTo>
-                <a:cubicBezTo>
-                  <a:pt x="34" y="228"/>
-                  <a:pt x="34" y="228"/>
-                  <a:pt x="34" y="228"/>
-                </a:cubicBezTo>
-                <a:cubicBezTo>
-                  <a:pt x="37" y="228"/>
-                  <a:pt x="39" y="226"/>
-                  <a:pt x="39" y="224"/>
-                </a:cubicBezTo>
-                <a:cubicBezTo>
-                  <a:pt x="39" y="166"/>
-                  <a:pt x="39" y="166"/>
-                  <a:pt x="39" y="166"/>
-                </a:cubicBezTo>
-                <a:cubicBezTo>
-                  <a:pt x="39" y="164"/>
-                  <a:pt x="37" y="162"/>
-                  <a:pt x="34" y="162"/>
-                </a:cubicBezTo>
-                <a:close/>
-                <a:moveTo>
-                  <a:pt x="300" y="300"/>
-                </a:moveTo>
-                <a:cubicBezTo>
-                  <a:pt x="300" y="294"/>
-                  <a:pt x="300" y="294"/>
-                  <a:pt x="300" y="294"/>
-                </a:cubicBezTo>
-                <a:cubicBezTo>
-                  <a:pt x="0" y="294"/>
-                  <a:pt x="0" y="294"/>
-                  <a:pt x="0" y="294"/>
-                </a:cubicBezTo>
-                <a:cubicBezTo>
-                  <a:pt x="0" y="300"/>
-                  <a:pt x="0" y="300"/>
-                  <a:pt x="0" y="300"/>
-                </a:cubicBezTo>
-                <a:cubicBezTo>
-                  <a:pt x="300" y="300"/>
-                  <a:pt x="300" y="300"/>
-                  <a:pt x="300" y="300"/>
-                </a:cubicBezTo>
-                <a:close/>
-                <a:moveTo>
-                  <a:pt x="270" y="86"/>
-                </a:moveTo>
-                <a:cubicBezTo>
-                  <a:pt x="270" y="81"/>
-                  <a:pt x="270" y="77"/>
-                  <a:pt x="271" y="74"/>
-                </a:cubicBezTo>
-                <a:cubicBezTo>
-                  <a:pt x="272" y="72"/>
-                  <a:pt x="273" y="70"/>
-                  <a:pt x="274" y="68"/>
-                </a:cubicBezTo>
-                <a:cubicBezTo>
-                  <a:pt x="275" y="66"/>
-                  <a:pt x="278" y="63"/>
-                  <a:pt x="283" y="59"/>
-                </a:cubicBezTo>
-                <a:cubicBezTo>
-                  <a:pt x="289" y="53"/>
-                  <a:pt x="294" y="48"/>
-                  <a:pt x="296" y="44"/>
-                </a:cubicBezTo>
-                <a:cubicBezTo>
-                  <a:pt x="299" y="40"/>
-                  <a:pt x="300" y="35"/>
-                  <a:pt x="300" y="31"/>
-                </a:cubicBezTo>
-                <a:cubicBezTo>
-                  <a:pt x="300" y="22"/>
-                  <a:pt x="296" y="15"/>
-                  <a:pt x="290" y="9"/>
-                </a:cubicBezTo>
-                <a:cubicBezTo>
-                  <a:pt x="283" y="3"/>
-                  <a:pt x="275" y="0"/>
-                  <a:pt x="264" y="0"/>
-                </a:cubicBezTo>
-                <a:cubicBezTo>
-                  <a:pt x="253" y="0"/>
-                  <a:pt x="245" y="3"/>
-                  <a:pt x="239" y="8"/>
-                </a:cubicBezTo>
-                <a:cubicBezTo>
-                  <a:pt x="231" y="15"/>
-                  <a:pt x="228" y="24"/>
-                  <a:pt x="228" y="34"/>
-                </a:cubicBezTo>
-                <a:cubicBezTo>
-                  <a:pt x="242" y="34"/>
-                  <a:pt x="242" y="34"/>
-                  <a:pt x="242" y="34"/>
-                </a:cubicBezTo>
-                <a:cubicBezTo>
-                  <a:pt x="243" y="26"/>
-                  <a:pt x="243" y="21"/>
-                  <a:pt x="249" y="17"/>
-                </a:cubicBezTo>
-                <a:cubicBezTo>
-                  <a:pt x="253" y="13"/>
-                  <a:pt x="258" y="11"/>
-                  <a:pt x="264" y="11"/>
-                </a:cubicBezTo>
-                <a:cubicBezTo>
-                  <a:pt x="270" y="11"/>
-                  <a:pt x="277" y="13"/>
-                  <a:pt x="281" y="17"/>
-                </a:cubicBezTo>
-                <a:cubicBezTo>
-                  <a:pt x="285" y="21"/>
-                  <a:pt x="286" y="25"/>
-                  <a:pt x="286" y="31"/>
-                </a:cubicBezTo>
-                <a:cubicBezTo>
-                  <a:pt x="286" y="34"/>
-                  <a:pt x="285" y="37"/>
-                  <a:pt x="283" y="40"/>
-                </a:cubicBezTo>
-                <a:cubicBezTo>
-                  <a:pt x="282" y="42"/>
-                  <a:pt x="279" y="46"/>
-                  <a:pt x="274" y="50"/>
-                </a:cubicBezTo>
-                <a:cubicBezTo>
-                  <a:pt x="269" y="54"/>
-                  <a:pt x="266" y="57"/>
-                  <a:pt x="264" y="59"/>
-                </a:cubicBezTo>
-                <a:cubicBezTo>
-                  <a:pt x="262" y="62"/>
-                  <a:pt x="260" y="65"/>
-                  <a:pt x="259" y="68"/>
-                </a:cubicBezTo>
-                <a:cubicBezTo>
-                  <a:pt x="257" y="72"/>
-                  <a:pt x="256" y="77"/>
-                  <a:pt x="256" y="82"/>
-                </a:cubicBezTo>
-                <a:cubicBezTo>
-                  <a:pt x="256" y="83"/>
-                  <a:pt x="256" y="85"/>
-                  <a:pt x="256" y="86"/>
-                </a:cubicBezTo>
-                <a:lnTo>
-                  <a:pt x="270" y="86"/>
-                </a:lnTo>
-                <a:close/>
-                <a:moveTo>
-                  <a:pt x="270" y="111"/>
-                </a:moveTo>
-                <a:cubicBezTo>
-                  <a:pt x="270" y="98"/>
-                  <a:pt x="270" y="98"/>
-                  <a:pt x="270" y="98"/>
-                </a:cubicBezTo>
-                <a:cubicBezTo>
-                  <a:pt x="256" y="98"/>
-                  <a:pt x="256" y="98"/>
-                  <a:pt x="256" y="98"/>
-                </a:cubicBezTo>
-                <a:cubicBezTo>
-                  <a:pt x="256" y="111"/>
-                  <a:pt x="256" y="111"/>
-                  <a:pt x="256" y="111"/>
-                </a:cubicBezTo>
-                <a:lnTo>
-                  <a:pt x="270" y="111"/>
-                </a:lnTo>
-                <a:close/>
-                <a:moveTo>
-                  <a:pt x="86" y="76"/>
-                </a:moveTo>
-                <a:cubicBezTo>
-                  <a:pt x="75" y="111"/>
-                  <a:pt x="75" y="111"/>
-                  <a:pt x="75" y="111"/>
-                </a:cubicBezTo>
-                <a:cubicBezTo>
-                  <a:pt x="60" y="111"/>
-                  <a:pt x="60" y="111"/>
-                  <a:pt x="60" y="111"/>
-                </a:cubicBezTo>
-                <a:cubicBezTo>
-                  <a:pt x="98" y="0"/>
-                  <a:pt x="98" y="0"/>
-                  <a:pt x="98" y="0"/>
-                </a:cubicBezTo>
-                <a:cubicBezTo>
-                  <a:pt x="115" y="0"/>
-                  <a:pt x="115" y="0"/>
-                  <a:pt x="115" y="0"/>
-                </a:cubicBezTo>
-                <a:cubicBezTo>
-                  <a:pt x="153" y="111"/>
-                  <a:pt x="153" y="111"/>
-                  <a:pt x="153" y="111"/>
-                </a:cubicBezTo>
-                <a:cubicBezTo>
-                  <a:pt x="138" y="111"/>
-                  <a:pt x="138" y="111"/>
-                  <a:pt x="138" y="111"/>
-                </a:cubicBezTo>
-                <a:cubicBezTo>
-                  <a:pt x="126" y="76"/>
-                  <a:pt x="126" y="76"/>
-                  <a:pt x="126" y="76"/>
-                </a:cubicBezTo>
-                <a:lnTo>
-                  <a:pt x="86" y="76"/>
-                </a:lnTo>
-                <a:close/>
-                <a:moveTo>
-                  <a:pt x="123" y="65"/>
-                </a:moveTo>
-                <a:cubicBezTo>
-                  <a:pt x="112" y="33"/>
-                  <a:pt x="112" y="33"/>
-                  <a:pt x="112" y="33"/>
-                </a:cubicBezTo>
-                <a:cubicBezTo>
-                  <a:pt x="109" y="26"/>
-                  <a:pt x="108" y="19"/>
-                  <a:pt x="106" y="13"/>
-                </a:cubicBezTo>
-                <a:cubicBezTo>
-                  <a:pt x="106" y="13"/>
-                  <a:pt x="106" y="13"/>
-                  <a:pt x="106" y="13"/>
-                </a:cubicBezTo>
-                <a:cubicBezTo>
-                  <a:pt x="104" y="19"/>
-                  <a:pt x="102" y="26"/>
-                  <a:pt x="100" y="33"/>
-                </a:cubicBezTo>
-                <a:cubicBezTo>
-                  <a:pt x="89" y="65"/>
-                  <a:pt x="89" y="65"/>
-                  <a:pt x="89" y="65"/>
-                </a:cubicBezTo>
-                <a:lnTo>
-                  <a:pt x="123" y="65"/>
-                </a:lnTo>
-                <a:close/>
-              </a:path>
-            </a:pathLst>
-          </a:custGeom>
-          <a:solidFill>
-            <a:srgbClr val="FFFFFF"/>
-          </a:solidFill>
-          <a:ln>
-            <a:noFill/>
-          </a:ln>
-        </p:spPr>
-        <p:txBody>
-          <a:bodyPr vert="horz" wrap="square" lIns="82305" tIns="41153" rIns="82305" bIns="41153" numCol="1" anchor="t" anchorCtr="0" compatLnSpc="1">
-            <a:prstTxWarp prst="textNoShape">
-              <a:avLst/>
-            </a:prstTxWarp>
-          </a:bodyPr>
-          <a:lstStyle/>
-          <a:p>
-            <a:endParaRPr lang="en-US" sz="1600"/>
-          </a:p>
-        </p:txBody>
-      </p:sp>
-    </p:spTree>
-    <p:extLst>
-      <p:ext uri="{BB962C8B-B14F-4D97-AF65-F5344CB8AC3E}">
-        <p14:creationId xmlns:p14="http://schemas.microsoft.com/office/powerpoint/2010/main" val="1108577985"/>
-      </p:ext>
-    </p:extLst>
-  </p:cSld>
-  <p:clrMapOvr>
-    <a:masterClrMapping/>
-  </p:clrMapOvr>
-  <mc:AlternateContent xmlns:mc="http://schemas.openxmlformats.org/markup-compatibility/2006" xmlns:p14="http://schemas.microsoft.com/office/powerpoint/2010/main">
-    <mc:Choice Requires="p14">
-      <p:transition spd="med" p14:dur="700">
-        <p:fade/>
-      </p:transition>
-    </mc:Choice>
-    <mc:Fallback xmlns="">
-      <p:transition spd="med">
-        <p:fade/>
-      </p:transition>
-    </mc:Fallback>
-  </mc:AlternateContent>
-  <p:timing>
-    <p:tnLst>
-      <p:par>
-        <p:cTn id="1" dur="indefinite" restart="never" nodeType="tmRoot">
-          <p:childTnLst>
-            <p:seq concurrent="1" nextAc="seek">
-              <p:cTn id="2" dur="indefinite" nodeType="mainSeq">
-                <p:childTnLst>
-                  <p:par>
-                    <p:cTn id="3" fill="hold">
-                      <p:stCondLst>
-                        <p:cond delay="indefinite"/>
-                        <p:cond evt="onBegin" delay="0">
-                          <p:tn val="2"/>
-                        </p:cond>
-                      </p:stCondLst>
-                      <p:childTnLst>
-                        <p:par>
-                          <p:cTn id="4" fill="hold">
-                            <p:stCondLst>
-                              <p:cond delay="0"/>
-                            </p:stCondLst>
-                            <p:childTnLst>
-                              <p:par>
-                                <p:cTn id="5" presetID="2" presetClass="entr" presetSubtype="4" decel="100000" fill="hold" grpId="0" nodeType="withEffect">
-                                  <p:stCondLst>
-                                    <p:cond delay="0"/>
-                                  </p:stCondLst>
-                                  <p:childTnLst>
-                                    <p:set>
-                                      <p:cBhvr>
-                                        <p:cTn id="6" dur="1" fill="hold">
-                                          <p:stCondLst>
-                                            <p:cond delay="0"/>
-                                          </p:stCondLst>
-                                        </p:cTn>
-                                        <p:tgtEl>
-                                          <p:spTgt spid="6"/>
-                                        </p:tgtEl>
-                                        <p:attrNameLst>
-                                          <p:attrName>style.visibility</p:attrName>
-                                        </p:attrNameLst>
-                                      </p:cBhvr>
-                                      <p:to>
-                                        <p:strVal val="visible"/>
-                                      </p:to>
-                                    </p:set>
-                                    <p:anim calcmode="lin" valueType="num">
-                                      <p:cBhvr additive="base">
-                                        <p:cTn id="7" dur="500" fill="hold"/>
-                                        <p:tgtEl>
-                                          <p:spTgt spid="6"/>
-                                        </p:tgtEl>
-                                        <p:attrNameLst>
-                                          <p:attrName>ppt_x</p:attrName>
-                                        </p:attrNameLst>
-                                      </p:cBhvr>
-                                      <p:tavLst>
-                                        <p:tav tm="0">
-                                          <p:val>
-                                            <p:strVal val="#ppt_x"/>
-                                          </p:val>
-                                        </p:tav>
-                                        <p:tav tm="100000">
-                                          <p:val>
-                                            <p:strVal val="#ppt_x"/>
-                                          </p:val>
-                                        </p:tav>
-                                      </p:tavLst>
-                                    </p:anim>
-                                    <p:anim calcmode="lin" valueType="num">
-                                      <p:cBhvr additive="base">
-                                        <p:cTn id="8" dur="500" fill="hold"/>
-                                        <p:tgtEl>
-                                          <p:spTgt spid="6"/>
-                                        </p:tgtEl>
-                                        <p:attrNameLst>
-                                          <p:attrName>ppt_y</p:attrName>
-                                        </p:attrNameLst>
-                                      </p:cBhvr>
-                                      <p:tavLst>
-                                        <p:tav tm="0">
-                                          <p:val>
-                                            <p:strVal val="1+#ppt_h/2"/>
-                                          </p:val>
-                                        </p:tav>
-                                        <p:tav tm="100000">
-                                          <p:val>
-                                            <p:strVal val="#ppt_y"/>
-                                          </p:val>
-                                        </p:tav>
-                                      </p:tavLst>
-                                    </p:anim>
-                                  </p:childTnLst>
-                                </p:cTn>
-                              </p:par>
-                            </p:childTnLst>
-                          </p:cTn>
-                        </p:par>
-                      </p:childTnLst>
-                    </p:cTn>
-                  </p:par>
-                </p:childTnLst>
-              </p:cTn>
-              <p:prevCondLst>
-                <p:cond evt="onPrev" delay="0">
-                  <p:tgtEl>
-                    <p:sldTgt/>
-                  </p:tgtEl>
-                </p:cond>
-              </p:prevCondLst>
-              <p:nextCondLst>
-                <p:cond evt="onNext" delay="0">
-                  <p:tgtEl>
-                    <p:sldTgt/>
-                  </p:tgtEl>
-                </p:cond>
-              </p:nextCondLst>
-            </p:seq>
-          </p:childTnLst>
-        </p:cTn>
-      </p:par>
-    </p:tnLst>
-    <p:bldLst>
-      <p:bldP spid="6" grpId="0" animBg="1"/>
-    </p:bldLst>
   </p:timing>
 </p:sld>
 </file>
@@ -51522,17 +54832,6 @@
 </file>
 
 <file path=customXml/item1.xml><?xml version="1.0" encoding="utf-8"?>
-<p:properties xmlns:p="http://schemas.microsoft.com/office/2006/metadata/properties" xmlns:xsi="http://www.w3.org/2001/XMLSchema-instance" xmlns:pc="http://schemas.microsoft.com/office/infopath/2007/PartnerControls">
-  <documentManagement>
-    <TaxKeywordTaxHTField xmlns="230e9df3-be65-4c73-a93b-d1236ebd677e">
-      <Terms xmlns="http://schemas.microsoft.com/office/infopath/2007/PartnerControls"/>
-    </TaxKeywordTaxHTField>
-    <TaxCatchAll xmlns="230e9df3-be65-4c73-a93b-d1236ebd677e"/>
-  </documentManagement>
-</p:properties>
-</file>
-
-<file path=customXml/item2.xml><?xml version="1.0" encoding="utf-8"?>
 <ct:contentTypeSchema xmlns:ct="http://schemas.microsoft.com/office/2006/metadata/contentType" xmlns:ma="http://schemas.microsoft.com/office/2006/metadata/properties/metaAttributes" ct:_="" ma:_="" ma:contentTypeName="Document" ma:contentTypeID="0x010100CA05B43BE68FE54B90DD26FDFB72BB05" ma:contentTypeVersion="0" ma:contentTypeDescription="Create a new document." ma:contentTypeScope="" ma:versionID="6df1bece345c1749bd9b91e82fa4a03a">
   <xsd:schema xmlns:xsd="http://www.w3.org/2001/XMLSchema" xmlns:xs="http://www.w3.org/2001/XMLSchema" xmlns:p="http://schemas.microsoft.com/office/2006/metadata/properties" xmlns:ns2="230e9df3-be65-4c73-a93b-d1236ebd677e" targetNamespace="http://schemas.microsoft.com/office/2006/metadata/properties" ma:root="true" ma:fieldsID="e317b0b832c9845d3aae3abd1bb0954e" ns2:_="">
     <xsd:import namespace="230e9df3-be65-4c73-a93b-d1236ebd677e"/>
@@ -51684,6 +54983,17 @@
 </ct:contentTypeSchema>
 </file>
 
+<file path=customXml/item2.xml><?xml version="1.0" encoding="utf-8"?>
+<p:properties xmlns:p="http://schemas.microsoft.com/office/2006/metadata/properties" xmlns:xsi="http://www.w3.org/2001/XMLSchema-instance" xmlns:pc="http://schemas.microsoft.com/office/infopath/2007/PartnerControls">
+  <documentManagement>
+    <TaxKeywordTaxHTField xmlns="230e9df3-be65-4c73-a93b-d1236ebd677e">
+      <Terms xmlns="http://schemas.microsoft.com/office/infopath/2007/PartnerControls"/>
+    </TaxKeywordTaxHTField>
+    <TaxCatchAll xmlns="230e9df3-be65-4c73-a93b-d1236ebd677e"/>
+  </documentManagement>
+</p:properties>
+</file>
+
 <file path=customXml/item3.xml><?xml version="1.0" encoding="utf-8"?>
 <?mso-contentType ?>
 <FormTemplates xmlns="http://schemas.microsoft.com/sharepoint/v3/contenttype/forms">
@@ -51694,22 +55004,6 @@
 </file>
 
 <file path=customXml/itemProps1.xml><?xml version="1.0" encoding="utf-8"?>
-<ds:datastoreItem xmlns:ds="http://schemas.openxmlformats.org/officeDocument/2006/customXml" ds:itemID="{69B2F97D-0457-4986-9734-D03EB073C5EA}">
-  <ds:schemaRefs>
-    <ds:schemaRef ds:uri="http://schemas.openxmlformats.org/package/2006/metadata/core-properties"/>
-    <ds:schemaRef ds:uri="http://schemas.microsoft.com/office/2006/metadata/properties"/>
-    <ds:schemaRef ds:uri="http://purl.org/dc/elements/1.1/"/>
-    <ds:schemaRef ds:uri="http://purl.org/dc/dcmitype/"/>
-    <ds:schemaRef ds:uri="http://www.w3.org/XML/1998/namespace"/>
-    <ds:schemaRef ds:uri="http://schemas.microsoft.com/office/2006/documentManagement/types"/>
-    <ds:schemaRef ds:uri="230e9df3-be65-4c73-a93b-d1236ebd677e"/>
-    <ds:schemaRef ds:uri="http://schemas.microsoft.com/office/infopath/2007/PartnerControls"/>
-    <ds:schemaRef ds:uri="http://purl.org/dc/terms/"/>
-  </ds:schemaRefs>
-</ds:datastoreItem>
-</file>
-
-<file path=customXml/itemProps2.xml><?xml version="1.0" encoding="utf-8"?>
 <ds:datastoreItem xmlns:ds="http://schemas.openxmlformats.org/officeDocument/2006/customXml" ds:itemID="{8F590144-748D-417B-8B69-088F107B0F98}">
   <ds:schemaRefs>
     <ds:schemaRef ds:uri="http://schemas.microsoft.com/office/2006/metadata/contentType"/>
@@ -51727,6 +55021,22 @@
 </ds:datastoreItem>
 </file>
 
+<file path=customXml/itemProps2.xml><?xml version="1.0" encoding="utf-8"?>
+<ds:datastoreItem xmlns:ds="http://schemas.openxmlformats.org/officeDocument/2006/customXml" ds:itemID="{69B2F97D-0457-4986-9734-D03EB073C5EA}">
+  <ds:schemaRefs>
+    <ds:schemaRef ds:uri="http://schemas.openxmlformats.org/package/2006/metadata/core-properties"/>
+    <ds:schemaRef ds:uri="http://schemas.microsoft.com/office/2006/metadata/properties"/>
+    <ds:schemaRef ds:uri="http://purl.org/dc/elements/1.1/"/>
+    <ds:schemaRef ds:uri="http://purl.org/dc/dcmitype/"/>
+    <ds:schemaRef ds:uri="http://www.w3.org/XML/1998/namespace"/>
+    <ds:schemaRef ds:uri="http://schemas.microsoft.com/office/2006/documentManagement/types"/>
+    <ds:schemaRef ds:uri="230e9df3-be65-4c73-a93b-d1236ebd677e"/>
+    <ds:schemaRef ds:uri="http://schemas.microsoft.com/office/infopath/2007/PartnerControls"/>
+    <ds:schemaRef ds:uri="http://purl.org/dc/terms/"/>
+  </ds:schemaRefs>
+</ds:datastoreItem>
+</file>
+
 <file path=customXml/itemProps3.xml><?xml version="1.0" encoding="utf-8"?>
 <ds:datastoreItem xmlns:ds="http://schemas.openxmlformats.org/officeDocument/2006/customXml" ds:itemID="{B882D8D6-9D38-4159-A398-AAC3689D3D7C}">
   <ds:schemaRefs>
